--- a/Doc/주제 선정 및 시장 조사_19.03.19/졸업논문 주제_임광효_김준영_2.pptx
+++ b/Doc/주제 선정 및 시장 조사_19.03.19/졸업논문 주제_임광효_김준영_2.pptx
@@ -5,42 +5,43 @@
     <p:sldMasterId id="2147483648" r:id="rId1"/>
   </p:sldMasterIdLst>
   <p:notesMasterIdLst>
-    <p:notesMasterId r:id="rId15"/>
+    <p:notesMasterId r:id="rId16"/>
   </p:notesMasterIdLst>
   <p:sldIdLst>
     <p:sldId id="257" r:id="rId2"/>
-    <p:sldId id="260" r:id="rId3"/>
-    <p:sldId id="327" r:id="rId4"/>
-    <p:sldId id="297" r:id="rId5"/>
-    <p:sldId id="328" r:id="rId6"/>
-    <p:sldId id="329" r:id="rId7"/>
-    <p:sldId id="321" r:id="rId8"/>
-    <p:sldId id="308" r:id="rId9"/>
-    <p:sldId id="309" r:id="rId10"/>
+    <p:sldId id="327" r:id="rId3"/>
+    <p:sldId id="260" r:id="rId4"/>
+    <p:sldId id="328" r:id="rId5"/>
+    <p:sldId id="329" r:id="rId6"/>
+    <p:sldId id="333" r:id="rId7"/>
+    <p:sldId id="334" r:id="rId8"/>
+    <p:sldId id="321" r:id="rId9"/>
+    <p:sldId id="308" r:id="rId10"/>
     <p:sldId id="326" r:id="rId11"/>
-    <p:sldId id="325" r:id="rId12"/>
-    <p:sldId id="318" r:id="rId13"/>
-    <p:sldId id="259" r:id="rId14"/>
+    <p:sldId id="318" r:id="rId12"/>
+    <p:sldId id="331" r:id="rId13"/>
+    <p:sldId id="332" r:id="rId14"/>
+    <p:sldId id="259" r:id="rId15"/>
   </p:sldIdLst>
   <p:sldSz cx="9144000" cy="6858000" type="screen4x3"/>
   <p:notesSz cx="6858000" cy="9144000"/>
   <p:embeddedFontLst>
     <p:embeddedFont>
       <p:font typeface="HY헤드라인M" panose="02030600000101010101" pitchFamily="18" charset="-127"/>
-      <p:regular r:id="rId16"/>
+      <p:regular r:id="rId17"/>
     </p:embeddedFont>
     <p:embeddedFont>
       <p:font typeface="Rix비타민 L" panose="02020603020101020101" pitchFamily="18" charset="-127"/>
-      <p:regular r:id="rId17"/>
+      <p:regular r:id="rId18"/>
     </p:embeddedFont>
     <p:embeddedFont>
       <p:font typeface="Rix비타민 M" panose="02020603020101020101" pitchFamily="18" charset="-127"/>
-      <p:regular r:id="rId18"/>
+      <p:regular r:id="rId19"/>
     </p:embeddedFont>
     <p:embeddedFont>
       <p:font typeface="맑은 고딕" panose="020B0503020000020004" pitchFamily="50" charset="-127"/>
-      <p:regular r:id="rId19"/>
-      <p:bold r:id="rId20"/>
+      <p:regular r:id="rId20"/>
+      <p:bold r:id="rId21"/>
     </p:embeddedFont>
   </p:embeddedFontLst>
   <p:defaultTextStyle>
@@ -973,7 +974,7 @@
     </p:spTree>
     <p:extLst>
       <p:ext uri="{BB962C8B-B14F-4D97-AF65-F5344CB8AC3E}">
-        <p14:creationId xmlns:p14="http://schemas.microsoft.com/office/powerpoint/2010/main" val="4211192513"/>
+        <p14:creationId xmlns:p14="http://schemas.microsoft.com/office/powerpoint/2010/main" val="1010895084"/>
       </p:ext>
     </p:extLst>
   </p:cSld>
@@ -1143,7 +1144,7 @@
     </p:spTree>
     <p:extLst>
       <p:ext uri="{BB962C8B-B14F-4D97-AF65-F5344CB8AC3E}">
-        <p14:creationId xmlns:p14="http://schemas.microsoft.com/office/powerpoint/2010/main" val="1010895084"/>
+        <p14:creationId xmlns:p14="http://schemas.microsoft.com/office/powerpoint/2010/main" val="3950802631"/>
       </p:ext>
     </p:extLst>
   </p:cSld>
@@ -1242,10 +1243,180 @@
           <a:bodyPr/>
           <a:lstStyle/>
           <a:p>
+            <a:pPr marL="0" marR="0" lvl="0" indent="0" algn="r" defTabSz="914400" rtl="0" eaLnBrk="1" fontAlgn="auto" latinLnBrk="1" hangingPunct="1">
+              <a:lnSpc>
+                <a:spcPct val="100000"/>
+              </a:lnSpc>
+              <a:spcBef>
+                <a:spcPts val="0"/>
+              </a:spcBef>
+              <a:spcAft>
+                <a:spcPts val="0"/>
+              </a:spcAft>
+              <a:buClrTx/>
+              <a:buSzTx/>
+              <a:buFontTx/>
+              <a:buNone/>
+              <a:tabLst/>
+              <a:defRPr/>
+            </a:pPr>
+            <a:fld id="{04A4E647-5A0F-41E6-A0EF-B58D8C1C6CD4}" type="slidenum">
+              <a:rPr kumimoji="0" lang="ko-KR" altLang="en-US" sz="1200" b="0" i="0" u="none" strike="noStrike" kern="1200" cap="none" spc="0" normalizeH="0" baseline="0" noProof="0" smtClean="0">
+                <a:ln>
+                  <a:noFill/>
+                </a:ln>
+                <a:solidFill>
+                  <a:prstClr val="black"/>
+                </a:solidFill>
+                <a:effectLst/>
+                <a:uLnTx/>
+                <a:uFillTx/>
+                <a:latin typeface="맑은 고딕"/>
+                <a:ea typeface="맑은 고딕" panose="020B0503020000020004" pitchFamily="50" charset="-127"/>
+                <a:cs typeface="+mn-cs"/>
+              </a:rPr>
+              <a:pPr marL="0" marR="0" lvl="0" indent="0" algn="r" defTabSz="914400" rtl="0" eaLnBrk="1" fontAlgn="auto" latinLnBrk="1" hangingPunct="1">
+                <a:lnSpc>
+                  <a:spcPct val="100000"/>
+                </a:lnSpc>
+                <a:spcBef>
+                  <a:spcPts val="0"/>
+                </a:spcBef>
+                <a:spcAft>
+                  <a:spcPts val="0"/>
+                </a:spcAft>
+                <a:buClrTx/>
+                <a:buSzTx/>
+                <a:buFontTx/>
+                <a:buNone/>
+                <a:tabLst/>
+                <a:defRPr/>
+              </a:pPr>
+              <a:t>13</a:t>
+            </a:fld>
+            <a:endParaRPr kumimoji="0" lang="ko-KR" altLang="en-US" sz="1200" b="0" i="0" u="none" strike="noStrike" kern="1200" cap="none" spc="0" normalizeH="0" baseline="0" noProof="0">
+              <a:ln>
+                <a:noFill/>
+              </a:ln>
+              <a:solidFill>
+                <a:prstClr val="black"/>
+              </a:solidFill>
+              <a:effectLst/>
+              <a:uLnTx/>
+              <a:uFillTx/>
+              <a:latin typeface="맑은 고딕"/>
+              <a:ea typeface="맑은 고딕" panose="020B0503020000020004" pitchFamily="50" charset="-127"/>
+              <a:cs typeface="+mn-cs"/>
+            </a:endParaRPr>
+          </a:p>
+        </p:txBody>
+      </p:sp>
+    </p:spTree>
+    <p:extLst>
+      <p:ext uri="{BB962C8B-B14F-4D97-AF65-F5344CB8AC3E}">
+        <p14:creationId xmlns:p14="http://schemas.microsoft.com/office/powerpoint/2010/main" val="2217476204"/>
+      </p:ext>
+    </p:extLst>
+  </p:cSld>
+  <p:clrMapOvr>
+    <a:masterClrMapping/>
+  </p:clrMapOvr>
+</p:notes>
+</file>
+
+<file path=ppt/notesSlides/notesSlide14.xml><?xml version="1.0" encoding="utf-8"?>
+<p:notes xmlns:a="http://schemas.openxmlformats.org/drawingml/2006/main" xmlns:r="http://schemas.openxmlformats.org/officeDocument/2006/relationships" xmlns:p="http://schemas.openxmlformats.org/presentationml/2006/main">
+  <p:cSld>
+    <p:spTree>
+      <p:nvGrpSpPr>
+        <p:cNvPr id="1" name=""/>
+        <p:cNvGrpSpPr/>
+        <p:nvPr/>
+      </p:nvGrpSpPr>
+      <p:grpSpPr>
+        <a:xfrm>
+          <a:off x="0" y="0"/>
+          <a:ext cx="0" cy="0"/>
+          <a:chOff x="0" y="0"/>
+          <a:chExt cx="0" cy="0"/>
+        </a:xfrm>
+      </p:grpSpPr>
+      <p:sp>
+        <p:nvSpPr>
+          <p:cNvPr id="2" name="슬라이드 이미지 개체 틀 1"/>
+          <p:cNvSpPr>
+            <a:spLocks noGrp="1" noRot="1" noChangeAspect="1"/>
+          </p:cNvSpPr>
+          <p:nvPr>
+            <p:ph type="sldImg"/>
+          </p:nvPr>
+        </p:nvSpPr>
+        <p:spPr/>
+      </p:sp>
+      <p:sp>
+        <p:nvSpPr>
+          <p:cNvPr id="3" name="슬라이드 노트 개체 틀 2"/>
+          <p:cNvSpPr>
+            <a:spLocks noGrp="1"/>
+          </p:cNvSpPr>
+          <p:nvPr>
+            <p:ph type="body" idx="1"/>
+          </p:nvPr>
+        </p:nvSpPr>
+        <p:spPr/>
+        <p:txBody>
+          <a:bodyPr>
+            <a:normAutofit/>
+          </a:bodyPr>
+          <a:lstStyle/>
+          <a:p>
+            <a:pPr marL="0" marR="0" indent="0" algn="l" defTabSz="914400" rtl="0" eaLnBrk="1" fontAlgn="auto" latinLnBrk="1" hangingPunct="1">
+              <a:lnSpc>
+                <a:spcPct val="100000"/>
+              </a:lnSpc>
+              <a:spcBef>
+                <a:spcPts val="0"/>
+              </a:spcBef>
+              <a:spcAft>
+                <a:spcPts val="0"/>
+              </a:spcAft>
+              <a:buClrTx/>
+              <a:buSzTx/>
+              <a:buFontTx/>
+              <a:buNone/>
+              <a:tabLst/>
+              <a:defRPr/>
+            </a:pPr>
+            <a:r>
+              <a:rPr lang="en-US" altLang="ko-KR" sz="1200" dirty="0"/>
+              <a:t>http://minheeblog.tistory.com/category/PPT</a:t>
+            </a:r>
+            <a:endParaRPr lang="ko-KR" altLang="en-US" sz="1200" dirty="0"/>
+          </a:p>
+          <a:p>
+            <a:endParaRPr lang="ko-KR" altLang="en-US" dirty="0"/>
+          </a:p>
+        </p:txBody>
+      </p:sp>
+      <p:sp>
+        <p:nvSpPr>
+          <p:cNvPr id="4" name="슬라이드 번호 개체 틀 3"/>
+          <p:cNvSpPr>
+            <a:spLocks noGrp="1"/>
+          </p:cNvSpPr>
+          <p:nvPr>
+            <p:ph type="sldNum" sz="quarter" idx="10"/>
+          </p:nvPr>
+        </p:nvSpPr>
+        <p:spPr/>
+        <p:txBody>
+          <a:bodyPr/>
+          <a:lstStyle/>
+          <a:p>
             <a:fld id="{04A4E647-5A0F-41E6-A0EF-B58D8C1C6CD4}" type="slidenum">
               <a:rPr lang="ko-KR" altLang="en-US" smtClean="0"/>
               <a:pPr/>
-              <a:t>13</a:t>
+              <a:t>14</a:t>
             </a:fld>
             <a:endParaRPr lang="ko-KR" altLang="en-US"/>
           </a:p>
@@ -1358,6 +1529,11 @@
         </p:txBody>
       </p:sp>
     </p:spTree>
+    <p:extLst>
+      <p:ext uri="{BB962C8B-B14F-4D97-AF65-F5344CB8AC3E}">
+        <p14:creationId xmlns:p14="http://schemas.microsoft.com/office/powerpoint/2010/main" val="3506848115"/>
+      </p:ext>
+    </p:extLst>
   </p:cSld>
   <p:clrMapOvr>
     <a:masterClrMapping/>
@@ -1464,11 +1640,6 @@
         </p:txBody>
       </p:sp>
     </p:spTree>
-    <p:extLst>
-      <p:ext uri="{BB962C8B-B14F-4D97-AF65-F5344CB8AC3E}">
-        <p14:creationId xmlns:p14="http://schemas.microsoft.com/office/powerpoint/2010/main" val="3506848115"/>
-      </p:ext>
-    </p:extLst>
   </p:cSld>
   <p:clrMapOvr>
     <a:masterClrMapping/>
@@ -2221,7 +2392,7 @@
     </p:spTree>
     <p:extLst>
       <p:ext uri="{BB962C8B-B14F-4D97-AF65-F5344CB8AC3E}">
-        <p14:creationId xmlns:p14="http://schemas.microsoft.com/office/powerpoint/2010/main" val="4273746509"/>
+        <p14:creationId xmlns:p14="http://schemas.microsoft.com/office/powerpoint/2010/main" val="4158115772"/>
       </p:ext>
     </p:extLst>
   </p:cSld>
@@ -2288,7 +2459,7 @@
                 <a:ea typeface="+mn-ea"/>
                 <a:cs typeface="+mn-cs"/>
               </a:rPr>
-              <a:t>주제입니다</a:t>
+              <a:t>시중에 나와있는 지능형 </a:t>
             </a:r>
             <a:r>
               <a:rPr lang="en-US" altLang="ko-KR" sz="1200" kern="1200" dirty="0">
@@ -2300,7 +2471,7 @@
                 <a:ea typeface="+mn-ea"/>
                 <a:cs typeface="+mn-cs"/>
               </a:rPr>
-              <a:t>. </a:t>
+              <a:t>CCTV</a:t>
             </a:r>
             <a:r>
               <a:rPr lang="ko-KR" altLang="en-US" sz="1200" kern="1200" dirty="0">
@@ -2312,559 +2483,7 @@
                 <a:ea typeface="+mn-ea"/>
                 <a:cs typeface="+mn-cs"/>
               </a:rPr>
-              <a:t>주제를 선정하기에 앞서 먼저 </a:t>
-            </a:r>
-            <a:r>
-              <a:rPr lang="en-US" altLang="ko-KR" sz="1200" kern="1200" dirty="0">
-                <a:solidFill>
-                  <a:schemeClr val="tx1"/>
-                </a:solidFill>
-                <a:effectLst/>
-                <a:latin typeface="+mn-lt"/>
-                <a:ea typeface="+mn-ea"/>
-                <a:cs typeface="+mn-cs"/>
-              </a:rPr>
-              <a:t>2019</a:t>
-            </a:r>
-            <a:r>
-              <a:rPr lang="ko-KR" altLang="en-US" sz="1200" kern="1200" dirty="0">
-                <a:solidFill>
-                  <a:schemeClr val="tx1"/>
-                </a:solidFill>
-                <a:effectLst/>
-                <a:latin typeface="+mn-lt"/>
-                <a:ea typeface="+mn-ea"/>
-                <a:cs typeface="+mn-cs"/>
-              </a:rPr>
-              <a:t>년에 핵심이라고 생각되는 기술들을 조사하던 중</a:t>
-            </a:r>
-            <a:r>
-              <a:rPr lang="en-US" altLang="ko-KR" sz="1200" kern="1200" dirty="0">
-                <a:solidFill>
-                  <a:schemeClr val="tx1"/>
-                </a:solidFill>
-                <a:effectLst/>
-                <a:latin typeface="+mn-lt"/>
-                <a:ea typeface="+mn-ea"/>
-                <a:cs typeface="+mn-cs"/>
-              </a:rPr>
-              <a:t>, </a:t>
-            </a:r>
-            <a:r>
-              <a:rPr lang="ko-KR" altLang="en-US" sz="1200" kern="1200" dirty="0">
-                <a:solidFill>
-                  <a:schemeClr val="tx1"/>
-                </a:solidFill>
-                <a:effectLst/>
-                <a:latin typeface="+mn-lt"/>
-                <a:ea typeface="+mn-ea"/>
-                <a:cs typeface="+mn-cs"/>
-              </a:rPr>
-              <a:t>포브스에 </a:t>
-            </a:r>
-            <a:r>
-              <a:rPr lang="ko-KR" altLang="en-US" sz="1200" kern="1200" dirty="0" err="1">
-                <a:solidFill>
-                  <a:schemeClr val="tx1"/>
-                </a:solidFill>
-                <a:effectLst/>
-                <a:latin typeface="+mn-lt"/>
-                <a:ea typeface="+mn-ea"/>
-                <a:cs typeface="+mn-cs"/>
-              </a:rPr>
-              <a:t>기고된</a:t>
-            </a:r>
-            <a:r>
-              <a:rPr lang="ko-KR" altLang="en-US" sz="1200" kern="1200" dirty="0">
-                <a:solidFill>
-                  <a:schemeClr val="tx1"/>
-                </a:solidFill>
-                <a:effectLst/>
-                <a:latin typeface="+mn-lt"/>
-                <a:ea typeface="+mn-ea"/>
-                <a:cs typeface="+mn-cs"/>
-              </a:rPr>
-              <a:t> 기사를 보고 </a:t>
-            </a:r>
-            <a:r>
-              <a:rPr lang="ko-KR" altLang="en-US" sz="1200" kern="1200" dirty="0" err="1">
-                <a:solidFill>
-                  <a:schemeClr val="tx1"/>
-                </a:solidFill>
-                <a:effectLst/>
-                <a:latin typeface="+mn-lt"/>
-                <a:ea typeface="+mn-ea"/>
-                <a:cs typeface="+mn-cs"/>
-              </a:rPr>
-              <a:t>머신러닝을</a:t>
-            </a:r>
-            <a:r>
-              <a:rPr lang="ko-KR" altLang="en-US" sz="1200" kern="1200" dirty="0">
-                <a:solidFill>
-                  <a:schemeClr val="tx1"/>
-                </a:solidFill>
-                <a:effectLst/>
-                <a:latin typeface="+mn-lt"/>
-                <a:ea typeface="+mn-ea"/>
-                <a:cs typeface="+mn-cs"/>
-              </a:rPr>
-              <a:t> 통해 데이터를 분석하는 기술에 초점을 맞추었습니다</a:t>
-            </a:r>
-            <a:r>
-              <a:rPr lang="en-US" altLang="ko-KR" sz="1200" kern="1200" dirty="0">
-                <a:solidFill>
-                  <a:schemeClr val="tx1"/>
-                </a:solidFill>
-                <a:effectLst/>
-                <a:latin typeface="+mn-lt"/>
-                <a:ea typeface="+mn-ea"/>
-                <a:cs typeface="+mn-cs"/>
-              </a:rPr>
-              <a:t>. </a:t>
-            </a:r>
-            <a:r>
-              <a:rPr lang="ko-KR" altLang="en-US" sz="1200" kern="1200" dirty="0">
-                <a:solidFill>
-                  <a:schemeClr val="tx1"/>
-                </a:solidFill>
-                <a:effectLst/>
-                <a:latin typeface="+mn-lt"/>
-                <a:ea typeface="+mn-ea"/>
-                <a:cs typeface="+mn-cs"/>
-              </a:rPr>
-              <a:t>그 다음 머신 러닝을 활용하면서 성장하고 있는 분야를 조사한 결과</a:t>
-            </a:r>
-            <a:r>
-              <a:rPr lang="en-US" altLang="ko-KR" sz="1200" kern="1200" dirty="0">
-                <a:solidFill>
-                  <a:schemeClr val="tx1"/>
-                </a:solidFill>
-                <a:effectLst/>
-                <a:latin typeface="+mn-lt"/>
-                <a:ea typeface="+mn-ea"/>
-                <a:cs typeface="+mn-cs"/>
-              </a:rPr>
-              <a:t>, </a:t>
-            </a:r>
-            <a:r>
-              <a:rPr lang="ko-KR" altLang="en-US" sz="1200" kern="1200" dirty="0">
-                <a:solidFill>
-                  <a:schemeClr val="tx1"/>
-                </a:solidFill>
-                <a:effectLst/>
-                <a:latin typeface="+mn-lt"/>
-                <a:ea typeface="+mn-ea"/>
-                <a:cs typeface="+mn-cs"/>
-              </a:rPr>
-              <a:t>영상을 통해 보안을 책임지는 보안 시장에 관심을 두게 되었습니다</a:t>
-            </a:r>
-            <a:r>
-              <a:rPr lang="en-US" altLang="ko-KR" sz="1200" kern="1200" dirty="0">
-                <a:solidFill>
-                  <a:schemeClr val="tx1"/>
-                </a:solidFill>
-                <a:effectLst/>
-                <a:latin typeface="+mn-lt"/>
-                <a:ea typeface="+mn-ea"/>
-                <a:cs typeface="+mn-cs"/>
-              </a:rPr>
-              <a:t>. &lt;</a:t>
-            </a:r>
-            <a:r>
-              <a:rPr lang="ko-KR" altLang="en-US" sz="1200" kern="1200" dirty="0">
-                <a:solidFill>
-                  <a:schemeClr val="tx1"/>
-                </a:solidFill>
-                <a:effectLst/>
-                <a:latin typeface="+mn-lt"/>
-                <a:ea typeface="+mn-ea"/>
-                <a:cs typeface="+mn-cs"/>
-              </a:rPr>
-              <a:t>보안뉴스</a:t>
-            </a:r>
-            <a:r>
-              <a:rPr lang="en-US" altLang="ko-KR" sz="1200" kern="1200" dirty="0">
-                <a:solidFill>
-                  <a:schemeClr val="tx1"/>
-                </a:solidFill>
-                <a:effectLst/>
-                <a:latin typeface="+mn-lt"/>
-                <a:ea typeface="+mn-ea"/>
-                <a:cs typeface="+mn-cs"/>
-              </a:rPr>
-              <a:t>&gt;</a:t>
-            </a:r>
-            <a:r>
-              <a:rPr lang="ko-KR" altLang="en-US" sz="1200" kern="1200" dirty="0">
-                <a:solidFill>
-                  <a:schemeClr val="tx1"/>
-                </a:solidFill>
-                <a:effectLst/>
-                <a:latin typeface="+mn-lt"/>
-                <a:ea typeface="+mn-ea"/>
-                <a:cs typeface="+mn-cs"/>
-              </a:rPr>
-              <a:t>와 </a:t>
-            </a:r>
-            <a:r>
-              <a:rPr lang="en-US" altLang="ko-KR" sz="1200" kern="1200" dirty="0">
-                <a:solidFill>
-                  <a:schemeClr val="tx1"/>
-                </a:solidFill>
-                <a:effectLst/>
-                <a:latin typeface="+mn-lt"/>
-                <a:ea typeface="+mn-ea"/>
-                <a:cs typeface="+mn-cs"/>
-              </a:rPr>
-              <a:t>&lt;</a:t>
-            </a:r>
-            <a:r>
-              <a:rPr lang="ko-KR" altLang="en-US" sz="1200" kern="1200" dirty="0" err="1">
-                <a:solidFill>
-                  <a:schemeClr val="tx1"/>
-                </a:solidFill>
-                <a:effectLst/>
-                <a:latin typeface="+mn-lt"/>
-                <a:ea typeface="+mn-ea"/>
-                <a:cs typeface="+mn-cs"/>
-              </a:rPr>
-              <a:t>시큐리티월드</a:t>
-            </a:r>
-            <a:r>
-              <a:rPr lang="en-US" altLang="ko-KR" sz="1200" kern="1200" dirty="0">
-                <a:solidFill>
-                  <a:schemeClr val="tx1"/>
-                </a:solidFill>
-                <a:effectLst/>
-                <a:latin typeface="+mn-lt"/>
-                <a:ea typeface="+mn-ea"/>
-                <a:cs typeface="+mn-cs"/>
-              </a:rPr>
-              <a:t>&gt;</a:t>
-            </a:r>
-            <a:r>
-              <a:rPr lang="ko-KR" altLang="en-US" sz="1200" kern="1200" dirty="0">
-                <a:solidFill>
-                  <a:schemeClr val="tx1"/>
-                </a:solidFill>
-                <a:effectLst/>
-                <a:latin typeface="+mn-lt"/>
-                <a:ea typeface="+mn-ea"/>
-                <a:cs typeface="+mn-cs"/>
-              </a:rPr>
-              <a:t>에서 조사한 </a:t>
-            </a:r>
-            <a:r>
-              <a:rPr lang="en-US" altLang="ko-KR" sz="1200" kern="1200" dirty="0">
-                <a:solidFill>
-                  <a:schemeClr val="tx1"/>
-                </a:solidFill>
-                <a:effectLst/>
-                <a:latin typeface="+mn-lt"/>
-                <a:ea typeface="+mn-ea"/>
-                <a:cs typeface="+mn-cs"/>
-              </a:rPr>
-              <a:t>&lt;2019 </a:t>
-            </a:r>
-            <a:r>
-              <a:rPr lang="ko-KR" altLang="en-US" sz="1200" kern="1200" dirty="0">
-                <a:solidFill>
-                  <a:schemeClr val="tx1"/>
-                </a:solidFill>
-                <a:effectLst/>
-                <a:latin typeface="+mn-lt"/>
-                <a:ea typeface="+mn-ea"/>
-                <a:cs typeface="+mn-cs"/>
-              </a:rPr>
-              <a:t>국내외 보안시장 전망보고서</a:t>
-            </a:r>
-            <a:r>
-              <a:rPr lang="en-US" altLang="ko-KR" sz="1200" kern="1200" dirty="0">
-                <a:solidFill>
-                  <a:schemeClr val="tx1"/>
-                </a:solidFill>
-                <a:effectLst/>
-                <a:latin typeface="+mn-lt"/>
-                <a:ea typeface="+mn-ea"/>
-                <a:cs typeface="+mn-cs"/>
-              </a:rPr>
-              <a:t>&gt;</a:t>
-            </a:r>
-            <a:r>
-              <a:rPr lang="ko-KR" altLang="en-US" sz="1200" kern="1200" dirty="0">
-                <a:solidFill>
-                  <a:schemeClr val="tx1"/>
-                </a:solidFill>
-                <a:effectLst/>
-                <a:latin typeface="+mn-lt"/>
-                <a:ea typeface="+mn-ea"/>
-                <a:cs typeface="+mn-cs"/>
-              </a:rPr>
-              <a:t>에 따르면 국내 보안 시장은 </a:t>
-            </a:r>
-            <a:r>
-              <a:rPr lang="en-US" altLang="ko-KR" sz="1200" kern="1200" dirty="0">
-                <a:solidFill>
-                  <a:schemeClr val="tx1"/>
-                </a:solidFill>
-                <a:effectLst/>
-                <a:latin typeface="+mn-lt"/>
-                <a:ea typeface="+mn-ea"/>
-                <a:cs typeface="+mn-cs"/>
-              </a:rPr>
-              <a:t>5</a:t>
-            </a:r>
-            <a:r>
-              <a:rPr lang="ko-KR" altLang="en-US" sz="1200" kern="1200" dirty="0">
-                <a:solidFill>
-                  <a:schemeClr val="tx1"/>
-                </a:solidFill>
-                <a:effectLst/>
-                <a:latin typeface="+mn-lt"/>
-                <a:ea typeface="+mn-ea"/>
-                <a:cs typeface="+mn-cs"/>
-              </a:rPr>
-              <a:t>조 </a:t>
-            </a:r>
-            <a:r>
-              <a:rPr lang="en-US" altLang="ko-KR" sz="1200" kern="1200" dirty="0">
-                <a:solidFill>
-                  <a:schemeClr val="tx1"/>
-                </a:solidFill>
-                <a:effectLst/>
-                <a:latin typeface="+mn-lt"/>
-                <a:ea typeface="+mn-ea"/>
-                <a:cs typeface="+mn-cs"/>
-              </a:rPr>
-              <a:t>7,517</a:t>
-            </a:r>
-            <a:r>
-              <a:rPr lang="ko-KR" altLang="en-US" sz="1200" kern="1200" dirty="0">
-                <a:solidFill>
-                  <a:schemeClr val="tx1"/>
-                </a:solidFill>
-                <a:effectLst/>
-                <a:latin typeface="+mn-lt"/>
-                <a:ea typeface="+mn-ea"/>
-                <a:cs typeface="+mn-cs"/>
-              </a:rPr>
-              <a:t>억 규모로 타 </a:t>
-            </a:r>
-            <a:r>
-              <a:rPr lang="ko-KR" altLang="en-US" sz="1200" kern="1200" dirty="0" err="1">
-                <a:solidFill>
-                  <a:schemeClr val="tx1"/>
-                </a:solidFill>
-                <a:effectLst/>
-                <a:latin typeface="+mn-lt"/>
-                <a:ea typeface="+mn-ea"/>
-                <a:cs typeface="+mn-cs"/>
-              </a:rPr>
-              <a:t>산업군</a:t>
-            </a:r>
-            <a:r>
-              <a:rPr lang="ko-KR" altLang="en-US" sz="1200" kern="1200" dirty="0">
-                <a:solidFill>
-                  <a:schemeClr val="tx1"/>
-                </a:solidFill>
-                <a:effectLst/>
-                <a:latin typeface="+mn-lt"/>
-                <a:ea typeface="+mn-ea"/>
-                <a:cs typeface="+mn-cs"/>
-              </a:rPr>
-              <a:t> 대비 고성장세를 </a:t>
-            </a:r>
-            <a:r>
-              <a:rPr lang="ko-KR" altLang="en-US" sz="1200" kern="1200" dirty="0" err="1">
-                <a:solidFill>
-                  <a:schemeClr val="tx1"/>
-                </a:solidFill>
-                <a:effectLst/>
-                <a:latin typeface="+mn-lt"/>
-                <a:ea typeface="+mn-ea"/>
-                <a:cs typeface="+mn-cs"/>
-              </a:rPr>
-              <a:t>유지할것이라</a:t>
-            </a:r>
-            <a:r>
-              <a:rPr lang="ko-KR" altLang="en-US" sz="1200" kern="1200" dirty="0">
-                <a:solidFill>
-                  <a:schemeClr val="tx1"/>
-                </a:solidFill>
-                <a:effectLst/>
-                <a:latin typeface="+mn-lt"/>
-                <a:ea typeface="+mn-ea"/>
-                <a:cs typeface="+mn-cs"/>
-              </a:rPr>
-              <a:t> 예측했으며</a:t>
-            </a:r>
-            <a:r>
-              <a:rPr lang="en-US" altLang="ko-KR" sz="1200" kern="1200" dirty="0">
-                <a:solidFill>
-                  <a:schemeClr val="tx1"/>
-                </a:solidFill>
-                <a:effectLst/>
-                <a:latin typeface="+mn-lt"/>
-                <a:ea typeface="+mn-ea"/>
-                <a:cs typeface="+mn-cs"/>
-              </a:rPr>
-              <a:t>, </a:t>
-            </a:r>
-            <a:r>
-              <a:rPr lang="ko-KR" altLang="en-US" sz="1200" kern="1200" dirty="0">
-                <a:solidFill>
-                  <a:schemeClr val="tx1"/>
-                </a:solidFill>
-                <a:effectLst/>
-                <a:latin typeface="+mn-lt"/>
-                <a:ea typeface="+mn-ea"/>
-                <a:cs typeface="+mn-cs"/>
-              </a:rPr>
-              <a:t>한국인터넷진흥원은 최근 이달 </a:t>
-            </a:r>
-            <a:r>
-              <a:rPr lang="en-US" altLang="ko-KR" sz="1200" kern="1200" dirty="0">
-                <a:solidFill>
-                  <a:schemeClr val="tx1"/>
-                </a:solidFill>
-                <a:effectLst/>
-                <a:latin typeface="+mn-lt"/>
-                <a:ea typeface="+mn-ea"/>
-                <a:cs typeface="+mn-cs"/>
-              </a:rPr>
-              <a:t>14</a:t>
-            </a:r>
-            <a:r>
-              <a:rPr lang="ko-KR" altLang="en-US" sz="1200" kern="1200" dirty="0">
-                <a:solidFill>
-                  <a:schemeClr val="tx1"/>
-                </a:solidFill>
-                <a:effectLst/>
-                <a:latin typeface="+mn-lt"/>
-                <a:ea typeface="+mn-ea"/>
-                <a:cs typeface="+mn-cs"/>
-              </a:rPr>
-              <a:t>일까지 사회</a:t>
-            </a:r>
-            <a:r>
-              <a:rPr lang="en-US" altLang="ko-KR" sz="1200" kern="1200" dirty="0">
-                <a:solidFill>
-                  <a:schemeClr val="tx1"/>
-                </a:solidFill>
-                <a:effectLst/>
-                <a:latin typeface="+mn-lt"/>
-                <a:ea typeface="+mn-ea"/>
-                <a:cs typeface="+mn-cs"/>
-              </a:rPr>
-              <a:t>·</a:t>
-            </a:r>
-            <a:r>
-              <a:rPr lang="ko-KR" altLang="en-US" sz="1200" kern="1200" dirty="0">
-                <a:solidFill>
-                  <a:schemeClr val="tx1"/>
-                </a:solidFill>
-                <a:effectLst/>
-                <a:latin typeface="+mn-lt"/>
-                <a:ea typeface="+mn-ea"/>
-                <a:cs typeface="+mn-cs"/>
-              </a:rPr>
-              <a:t>안전 분야 지능형 </a:t>
-            </a:r>
-            <a:r>
-              <a:rPr lang="en-US" altLang="ko-KR" sz="1200" kern="1200" dirty="0">
-                <a:solidFill>
-                  <a:schemeClr val="tx1"/>
-                </a:solidFill>
-                <a:effectLst/>
-                <a:latin typeface="+mn-lt"/>
-                <a:ea typeface="+mn-ea"/>
-                <a:cs typeface="+mn-cs"/>
-              </a:rPr>
-              <a:t>CCTV </a:t>
-            </a:r>
-            <a:r>
-              <a:rPr lang="ko-KR" altLang="en-US" sz="1200" kern="1200" dirty="0">
-                <a:solidFill>
-                  <a:schemeClr val="tx1"/>
-                </a:solidFill>
-                <a:effectLst/>
-                <a:latin typeface="+mn-lt"/>
-                <a:ea typeface="+mn-ea"/>
-                <a:cs typeface="+mn-cs"/>
-              </a:rPr>
-              <a:t>성공사례 발굴 및 국내 관련 산업 활성화를 위한 </a:t>
-            </a:r>
-            <a:r>
-              <a:rPr lang="en-US" altLang="ko-KR" sz="1200" kern="1200" dirty="0">
-                <a:solidFill>
-                  <a:schemeClr val="tx1"/>
-                </a:solidFill>
-                <a:effectLst/>
-                <a:latin typeface="+mn-lt"/>
-                <a:ea typeface="+mn-ea"/>
-                <a:cs typeface="+mn-cs"/>
-              </a:rPr>
-              <a:t>'</a:t>
-            </a:r>
-            <a:r>
-              <a:rPr lang="ko-KR" altLang="en-US" sz="1200" kern="1200" dirty="0">
-                <a:solidFill>
-                  <a:schemeClr val="tx1"/>
-                </a:solidFill>
-                <a:effectLst/>
-                <a:latin typeface="+mn-lt"/>
-                <a:ea typeface="+mn-ea"/>
-                <a:cs typeface="+mn-cs"/>
-              </a:rPr>
-              <a:t>지능형 </a:t>
-            </a:r>
-            <a:r>
-              <a:rPr lang="en-US" altLang="ko-KR" sz="1200" kern="1200" dirty="0">
-                <a:solidFill>
-                  <a:schemeClr val="tx1"/>
-                </a:solidFill>
-                <a:effectLst/>
-                <a:latin typeface="+mn-lt"/>
-                <a:ea typeface="+mn-ea"/>
-                <a:cs typeface="+mn-cs"/>
-              </a:rPr>
-              <a:t>CCTV </a:t>
-            </a:r>
-            <a:r>
-              <a:rPr lang="ko-KR" altLang="en-US" sz="1200" kern="1200" dirty="0">
-                <a:solidFill>
-                  <a:schemeClr val="tx1"/>
-                </a:solidFill>
-                <a:effectLst/>
-                <a:latin typeface="+mn-lt"/>
-                <a:ea typeface="+mn-ea"/>
-                <a:cs typeface="+mn-cs"/>
-              </a:rPr>
-              <a:t>시범사업</a:t>
-            </a:r>
-            <a:r>
-              <a:rPr lang="en-US" altLang="ko-KR" sz="1200" kern="1200" dirty="0">
-                <a:solidFill>
-                  <a:schemeClr val="tx1"/>
-                </a:solidFill>
-                <a:effectLst/>
-                <a:latin typeface="+mn-lt"/>
-                <a:ea typeface="+mn-ea"/>
-                <a:cs typeface="+mn-cs"/>
-              </a:rPr>
-              <a:t>' </a:t>
-            </a:r>
-            <a:r>
-              <a:rPr lang="ko-KR" altLang="en-US" sz="1200" kern="1200" dirty="0">
-                <a:solidFill>
-                  <a:schemeClr val="tx1"/>
-                </a:solidFill>
-                <a:effectLst/>
-                <a:latin typeface="+mn-lt"/>
-                <a:ea typeface="+mn-ea"/>
-                <a:cs typeface="+mn-cs"/>
-              </a:rPr>
-              <a:t>공모를 추진하였습니다</a:t>
+              <a:t>의 제품들입니다</a:t>
             </a:r>
             <a:r>
               <a:rPr lang="en-US" altLang="ko-KR" sz="1200" kern="1200" dirty="0">
@@ -2976,7 +2595,7 @@
     </p:spTree>
     <p:extLst>
       <p:ext uri="{BB962C8B-B14F-4D97-AF65-F5344CB8AC3E}">
-        <p14:creationId xmlns:p14="http://schemas.microsoft.com/office/powerpoint/2010/main" val="4158115772"/>
+        <p14:creationId xmlns:p14="http://schemas.microsoft.com/office/powerpoint/2010/main" val="3251179499"/>
       </p:ext>
     </p:extLst>
   </p:cSld>
@@ -3179,7 +2798,7 @@
     </p:spTree>
     <p:extLst>
       <p:ext uri="{BB962C8B-B14F-4D97-AF65-F5344CB8AC3E}">
-        <p14:creationId xmlns:p14="http://schemas.microsoft.com/office/powerpoint/2010/main" val="3251179499"/>
+        <p14:creationId xmlns:p14="http://schemas.microsoft.com/office/powerpoint/2010/main" val="2015862258"/>
       </p:ext>
     </p:extLst>
   </p:cSld>
@@ -3235,31 +2854,64 @@
           </a:bodyPr>
           <a:lstStyle/>
           <a:p>
-            <a:pPr marL="0" marR="0" indent="0" algn="l" defTabSz="914400" rtl="0" eaLnBrk="1" fontAlgn="auto" latinLnBrk="1" hangingPunct="1">
-              <a:lnSpc>
-                <a:spcPct val="100000"/>
-              </a:lnSpc>
-              <a:spcBef>
-                <a:spcPts val="0"/>
-              </a:spcBef>
-              <a:spcAft>
-                <a:spcPts val="0"/>
-              </a:spcAft>
-              <a:buClrTx/>
-              <a:buSzTx/>
-              <a:buFontTx/>
-              <a:buNone/>
-              <a:tabLst/>
-              <a:defRPr/>
-            </a:pPr>
-            <a:r>
-              <a:rPr lang="en-US" altLang="ko-KR" sz="1200" dirty="0"/>
-              <a:t>http://minheeblog.tistory.com/category/PPT</a:t>
-            </a:r>
-            <a:endParaRPr lang="ko-KR" altLang="en-US" sz="1200" dirty="0"/>
-          </a:p>
-          <a:p>
-            <a:endParaRPr lang="ko-KR" altLang="en-US" dirty="0"/>
+            <a:pPr fontAlgn="base" latinLnBrk="0"/>
+            <a:r>
+              <a:rPr lang="ko-KR" altLang="en-US" sz="1200" kern="1200" dirty="0">
+                <a:solidFill>
+                  <a:schemeClr val="tx1"/>
+                </a:solidFill>
+                <a:effectLst/>
+                <a:latin typeface="+mn-lt"/>
+                <a:ea typeface="+mn-ea"/>
+                <a:cs typeface="+mn-cs"/>
+              </a:rPr>
+              <a:t>시중에 나와있는 지능형 </a:t>
+            </a:r>
+            <a:r>
+              <a:rPr lang="en-US" altLang="ko-KR" sz="1200" kern="1200" dirty="0">
+                <a:solidFill>
+                  <a:schemeClr val="tx1"/>
+                </a:solidFill>
+                <a:effectLst/>
+                <a:latin typeface="+mn-lt"/>
+                <a:ea typeface="+mn-ea"/>
+                <a:cs typeface="+mn-cs"/>
+              </a:rPr>
+              <a:t>CCTV</a:t>
+            </a:r>
+            <a:r>
+              <a:rPr lang="ko-KR" altLang="en-US" sz="1200" kern="1200" dirty="0">
+                <a:solidFill>
+                  <a:schemeClr val="tx1"/>
+                </a:solidFill>
+                <a:effectLst/>
+                <a:latin typeface="+mn-lt"/>
+                <a:ea typeface="+mn-ea"/>
+                <a:cs typeface="+mn-cs"/>
+              </a:rPr>
+              <a:t>의 제품들입니다</a:t>
+            </a:r>
+            <a:r>
+              <a:rPr lang="en-US" altLang="ko-KR" sz="1200" kern="1200" dirty="0">
+                <a:solidFill>
+                  <a:schemeClr val="tx1"/>
+                </a:solidFill>
+                <a:effectLst/>
+                <a:latin typeface="+mn-lt"/>
+                <a:ea typeface="+mn-ea"/>
+                <a:cs typeface="+mn-cs"/>
+              </a:rPr>
+              <a:t>.</a:t>
+            </a:r>
+            <a:endParaRPr lang="ko-KR" altLang="en-US" sz="1200" kern="1200" dirty="0">
+              <a:solidFill>
+                <a:schemeClr val="tx1"/>
+              </a:solidFill>
+              <a:effectLst/>
+              <a:latin typeface="+mn-lt"/>
+              <a:ea typeface="+mn-ea"/>
+              <a:cs typeface="+mn-cs"/>
+            </a:endParaRPr>
           </a:p>
         </p:txBody>
       </p:sp>
@@ -3349,7 +3001,7 @@
     </p:spTree>
     <p:extLst>
       <p:ext uri="{BB962C8B-B14F-4D97-AF65-F5344CB8AC3E}">
-        <p14:creationId xmlns:p14="http://schemas.microsoft.com/office/powerpoint/2010/main" val="1677019523"/>
+        <p14:creationId xmlns:p14="http://schemas.microsoft.com/office/powerpoint/2010/main" val="393147777"/>
       </p:ext>
     </p:extLst>
   </p:cSld>
@@ -3519,7 +3171,7 @@
     </p:spTree>
     <p:extLst>
       <p:ext uri="{BB962C8B-B14F-4D97-AF65-F5344CB8AC3E}">
-        <p14:creationId xmlns:p14="http://schemas.microsoft.com/office/powerpoint/2010/main" val="2510644551"/>
+        <p14:creationId xmlns:p14="http://schemas.microsoft.com/office/powerpoint/2010/main" val="1677019523"/>
       </p:ext>
     </p:extLst>
   </p:cSld>
@@ -3689,7 +3341,7 @@
     </p:spTree>
     <p:extLst>
       <p:ext uri="{BB962C8B-B14F-4D97-AF65-F5344CB8AC3E}">
-        <p14:creationId xmlns:p14="http://schemas.microsoft.com/office/powerpoint/2010/main" val="3874042512"/>
+        <p14:creationId xmlns:p14="http://schemas.microsoft.com/office/powerpoint/2010/main" val="2510644551"/>
       </p:ext>
     </p:extLst>
   </p:cSld>
@@ -8139,22 +7791,21 @@
       </p:sp>
       <p:sp>
         <p:nvSpPr>
-          <p:cNvPr id="9" name="TextBox 8"/>
-          <p:cNvSpPr txBox="1"/>
+          <p:cNvPr id="8" name="직사각형 7"/>
+          <p:cNvSpPr/>
           <p:nvPr/>
         </p:nvSpPr>
         <p:spPr>
           <a:xfrm>
-            <a:off x="3995936" y="692696"/>
-            <a:ext cx="1080120" cy="461665"/>
+            <a:off x="251855" y="272325"/>
+            <a:ext cx="780983" cy="523220"/>
           </a:xfrm>
           <a:prstGeom prst="rect">
             <a:avLst/>
           </a:prstGeom>
-          <a:noFill/>
         </p:spPr>
         <p:txBody>
-          <a:bodyPr wrap="square" rtlCol="0">
+          <a:bodyPr wrap="none">
             <a:spAutoFit/>
           </a:bodyPr>
           <a:lstStyle/>
@@ -8177,7 +7828,7 @@
               <a:defRPr/>
             </a:pPr>
             <a:r>
-              <a:rPr kumimoji="0" lang="en-US" altLang="ko-KR" sz="2400" b="0" i="0" u="none" strike="noStrike" kern="1200" cap="none" spc="0" normalizeH="0" baseline="0" noProof="0" dirty="0">
+              <a:rPr kumimoji="0" lang="ko-KR" altLang="en-US" sz="2800" b="1" i="0" u="none" strike="noStrike" kern="1200" cap="none" spc="-150" normalizeH="0" baseline="0" noProof="0" dirty="0">
                 <a:ln>
                   <a:noFill/>
                 </a:ln>
@@ -8187,414 +7838,32 @@
                 <a:effectLst/>
                 <a:uLnTx/>
                 <a:uFillTx/>
-                <a:latin typeface="HY헤드라인M" pitchFamily="18" charset="-127"/>
-                <a:ea typeface="HY헤드라인M" pitchFamily="18" charset="-127"/>
-                <a:cs typeface="+mn-cs"/>
-              </a:rPr>
-              <a:t>04</a:t>
-            </a:r>
-            <a:endParaRPr kumimoji="0" lang="ko-KR" altLang="en-US" sz="2400" b="0" i="0" u="none" strike="noStrike" kern="1200" cap="none" spc="0" normalizeH="0" baseline="0" noProof="0" dirty="0">
-              <a:ln>
-                <a:noFill/>
-              </a:ln>
-              <a:solidFill>
-                <a:prstClr val="white"/>
-              </a:solidFill>
-              <a:effectLst/>
-              <a:uLnTx/>
-              <a:uFillTx/>
-              <a:latin typeface="HY헤드라인M" pitchFamily="18" charset="-127"/>
-              <a:ea typeface="HY헤드라인M" pitchFamily="18" charset="-127"/>
-              <a:cs typeface="+mn-cs"/>
-            </a:endParaRPr>
+                <a:latin typeface="Rix비타민 M" panose="02020603020101020101" pitchFamily="18" charset="-127"/>
+                <a:ea typeface="Rix비타민 M" panose="02020603020101020101" pitchFamily="18" charset="-127"/>
+              </a:rPr>
+              <a:t>결론</a:t>
+            </a:r>
           </a:p>
         </p:txBody>
       </p:sp>
       <p:sp>
         <p:nvSpPr>
-          <p:cNvPr id="18" name="내용 개체 틀 4">
-            <a:extLst>
-              <a:ext uri="{FF2B5EF4-FFF2-40B4-BE49-F238E27FC236}">
-                <a16:creationId xmlns:a16="http://schemas.microsoft.com/office/drawing/2014/main" id="{4649E46D-6DC0-4E98-AB78-81359839AE3C}"/>
-              </a:ext>
-            </a:extLst>
-          </p:cNvPr>
-          <p:cNvSpPr txBox="1">
-            <a:spLocks/>
-          </p:cNvSpPr>
+          <p:cNvPr id="9" name="TextBox 8"/>
+          <p:cNvSpPr txBox="1"/>
           <p:nvPr/>
         </p:nvSpPr>
         <p:spPr>
           <a:xfrm>
-            <a:off x="683568" y="4616220"/>
-            <a:ext cx="8352928" cy="516093"/>
+            <a:off x="3995936" y="692696"/>
+            <a:ext cx="1080120" cy="461665"/>
           </a:xfrm>
           <a:prstGeom prst="rect">
             <a:avLst/>
           </a:prstGeom>
+          <a:noFill/>
         </p:spPr>
         <p:txBody>
-          <a:bodyPr vert="horz" lIns="91440" tIns="45720" rIns="91440" bIns="45720" rtlCol="0">
-            <a:normAutofit/>
-          </a:bodyPr>
-          <a:lstStyle>
-            <a:lvl1pPr marL="342900" indent="-342900" algn="l" defTabSz="914400" rtl="0" eaLnBrk="1" latinLnBrk="1" hangingPunct="1">
-              <a:spcBef>
-                <a:spcPct val="20000"/>
-              </a:spcBef>
-              <a:buFont typeface="Arial" pitchFamily="34" charset="0"/>
-              <a:buChar char="•"/>
-              <a:defRPr sz="2800" kern="1200">
-                <a:solidFill>
-                  <a:schemeClr val="tx1"/>
-                </a:solidFill>
-                <a:latin typeface="+mn-lt"/>
-                <a:ea typeface="+mn-ea"/>
-                <a:cs typeface="+mn-cs"/>
-              </a:defRPr>
-            </a:lvl1pPr>
-            <a:lvl2pPr marL="742950" indent="-285750" algn="l" defTabSz="914400" rtl="0" eaLnBrk="1" latinLnBrk="1" hangingPunct="1">
-              <a:spcBef>
-                <a:spcPct val="20000"/>
-              </a:spcBef>
-              <a:buFont typeface="Arial" pitchFamily="34" charset="0"/>
-              <a:buChar char="–"/>
-              <a:defRPr sz="2400" kern="1200">
-                <a:solidFill>
-                  <a:schemeClr val="tx1"/>
-                </a:solidFill>
-                <a:latin typeface="+mn-lt"/>
-                <a:ea typeface="+mn-ea"/>
-                <a:cs typeface="+mn-cs"/>
-              </a:defRPr>
-            </a:lvl2pPr>
-            <a:lvl3pPr marL="1143000" indent="-228600" algn="l" defTabSz="914400" rtl="0" eaLnBrk="1" latinLnBrk="1" hangingPunct="1">
-              <a:spcBef>
-                <a:spcPct val="20000"/>
-              </a:spcBef>
-              <a:buFont typeface="Arial" pitchFamily="34" charset="0"/>
-              <a:buChar char="•"/>
-              <a:defRPr sz="2000" kern="1200">
-                <a:solidFill>
-                  <a:schemeClr val="tx1"/>
-                </a:solidFill>
-                <a:latin typeface="+mn-lt"/>
-                <a:ea typeface="+mn-ea"/>
-                <a:cs typeface="+mn-cs"/>
-              </a:defRPr>
-            </a:lvl3pPr>
-            <a:lvl4pPr marL="1600200" indent="-228600" algn="l" defTabSz="914400" rtl="0" eaLnBrk="1" latinLnBrk="1" hangingPunct="1">
-              <a:spcBef>
-                <a:spcPct val="20000"/>
-              </a:spcBef>
-              <a:buFont typeface="Arial" pitchFamily="34" charset="0"/>
-              <a:buChar char="–"/>
-              <a:defRPr sz="1800" kern="1200">
-                <a:solidFill>
-                  <a:schemeClr val="tx1"/>
-                </a:solidFill>
-                <a:latin typeface="+mn-lt"/>
-                <a:ea typeface="+mn-ea"/>
-                <a:cs typeface="+mn-cs"/>
-              </a:defRPr>
-            </a:lvl4pPr>
-            <a:lvl5pPr marL="2057400" indent="-228600" algn="l" defTabSz="914400" rtl="0" eaLnBrk="1" latinLnBrk="1" hangingPunct="1">
-              <a:spcBef>
-                <a:spcPct val="20000"/>
-              </a:spcBef>
-              <a:buFont typeface="Arial" pitchFamily="34" charset="0"/>
-              <a:buChar char="»"/>
-              <a:defRPr sz="1800" kern="1200">
-                <a:solidFill>
-                  <a:schemeClr val="tx1"/>
-                </a:solidFill>
-                <a:latin typeface="+mn-lt"/>
-                <a:ea typeface="+mn-ea"/>
-                <a:cs typeface="+mn-cs"/>
-              </a:defRPr>
-            </a:lvl5pPr>
-            <a:lvl6pPr marL="2514600" indent="-228600" algn="l" defTabSz="914400" rtl="0" eaLnBrk="1" latinLnBrk="1" hangingPunct="1">
-              <a:spcBef>
-                <a:spcPct val="20000"/>
-              </a:spcBef>
-              <a:buFont typeface="Arial" pitchFamily="34" charset="0"/>
-              <a:buChar char="•"/>
-              <a:defRPr sz="1800" kern="1200">
-                <a:solidFill>
-                  <a:schemeClr val="tx1"/>
-                </a:solidFill>
-                <a:latin typeface="+mn-lt"/>
-                <a:ea typeface="+mn-ea"/>
-                <a:cs typeface="+mn-cs"/>
-              </a:defRPr>
-            </a:lvl6pPr>
-            <a:lvl7pPr marL="2971800" indent="-228600" algn="l" defTabSz="914400" rtl="0" eaLnBrk="1" latinLnBrk="1" hangingPunct="1">
-              <a:spcBef>
-                <a:spcPct val="20000"/>
-              </a:spcBef>
-              <a:buFont typeface="Arial" pitchFamily="34" charset="0"/>
-              <a:buChar char="•"/>
-              <a:defRPr sz="1800" kern="1200">
-                <a:solidFill>
-                  <a:schemeClr val="tx1"/>
-                </a:solidFill>
-                <a:latin typeface="+mn-lt"/>
-                <a:ea typeface="+mn-ea"/>
-                <a:cs typeface="+mn-cs"/>
-              </a:defRPr>
-            </a:lvl7pPr>
-            <a:lvl8pPr marL="3429000" indent="-228600" algn="l" defTabSz="914400" rtl="0" eaLnBrk="1" latinLnBrk="1" hangingPunct="1">
-              <a:spcBef>
-                <a:spcPct val="20000"/>
-              </a:spcBef>
-              <a:buFont typeface="Arial" pitchFamily="34" charset="0"/>
-              <a:buChar char="•"/>
-              <a:defRPr sz="1800" kern="1200">
-                <a:solidFill>
-                  <a:schemeClr val="tx1"/>
-                </a:solidFill>
-                <a:latin typeface="+mn-lt"/>
-                <a:ea typeface="+mn-ea"/>
-                <a:cs typeface="+mn-cs"/>
-              </a:defRPr>
-            </a:lvl8pPr>
-            <a:lvl9pPr marL="3886200" indent="-228600" algn="l" defTabSz="914400" rtl="0" eaLnBrk="1" latinLnBrk="1" hangingPunct="1">
-              <a:spcBef>
-                <a:spcPct val="20000"/>
-              </a:spcBef>
-              <a:buFont typeface="Arial" pitchFamily="34" charset="0"/>
-              <a:buChar char="•"/>
-              <a:defRPr sz="1800" kern="1200">
-                <a:solidFill>
-                  <a:schemeClr val="tx1"/>
-                </a:solidFill>
-                <a:latin typeface="+mn-lt"/>
-                <a:ea typeface="+mn-ea"/>
-                <a:cs typeface="+mn-cs"/>
-              </a:defRPr>
-            </a:lvl9pPr>
-          </a:lstStyle>
-          <a:p>
-            <a:pPr marL="0" indent="0">
-              <a:buFont typeface="Arial" pitchFamily="34" charset="0"/>
-              <a:buNone/>
-            </a:pPr>
-            <a:endParaRPr lang="en-US" altLang="ko-KR" sz="1500" b="1" dirty="0">
-              <a:effectLst>
-                <a:outerShdw blurRad="38100" dist="38100" dir="2700000" algn="tl">
-                  <a:srgbClr val="000000">
-                    <a:alpha val="43137"/>
-                  </a:srgbClr>
-                </a:outerShdw>
-              </a:effectLst>
-            </a:endParaRPr>
-          </a:p>
-        </p:txBody>
-      </p:sp>
-      <p:sp>
-        <p:nvSpPr>
-          <p:cNvPr id="15" name="내용 개체 틀 4">
-            <a:extLst>
-              <a:ext uri="{FF2B5EF4-FFF2-40B4-BE49-F238E27FC236}">
-                <a16:creationId xmlns:a16="http://schemas.microsoft.com/office/drawing/2014/main" id="{5388484D-5CEC-456B-A533-5908BBF110EC}"/>
-              </a:ext>
-            </a:extLst>
-          </p:cNvPr>
-          <p:cNvSpPr txBox="1">
-            <a:spLocks/>
-          </p:cNvSpPr>
-          <p:nvPr/>
-        </p:nvSpPr>
-        <p:spPr>
-          <a:xfrm>
-            <a:off x="351122" y="5007194"/>
-            <a:ext cx="7893286" cy="1799911"/>
-          </a:xfrm>
-          <a:prstGeom prst="rect">
-            <a:avLst/>
-          </a:prstGeom>
-        </p:spPr>
-        <p:txBody>
-          <a:bodyPr vert="horz" lIns="91440" tIns="45720" rIns="91440" bIns="45720" rtlCol="0">
-            <a:normAutofit/>
-          </a:bodyPr>
-          <a:lstStyle>
-            <a:lvl1pPr marL="342900" indent="-342900" algn="l" defTabSz="914400" rtl="0" eaLnBrk="1" latinLnBrk="1" hangingPunct="1">
-              <a:spcBef>
-                <a:spcPct val="20000"/>
-              </a:spcBef>
-              <a:buFont typeface="Arial" pitchFamily="34" charset="0"/>
-              <a:buChar char="•"/>
-              <a:defRPr sz="2800" kern="1200">
-                <a:solidFill>
-                  <a:schemeClr val="tx1"/>
-                </a:solidFill>
-                <a:latin typeface="+mn-lt"/>
-                <a:ea typeface="+mn-ea"/>
-                <a:cs typeface="+mn-cs"/>
-              </a:defRPr>
-            </a:lvl1pPr>
-            <a:lvl2pPr marL="742950" indent="-285750" algn="l" defTabSz="914400" rtl="0" eaLnBrk="1" latinLnBrk="1" hangingPunct="1">
-              <a:spcBef>
-                <a:spcPct val="20000"/>
-              </a:spcBef>
-              <a:buFont typeface="Arial" pitchFamily="34" charset="0"/>
-              <a:buChar char="–"/>
-              <a:defRPr sz="2400" kern="1200">
-                <a:solidFill>
-                  <a:schemeClr val="tx1"/>
-                </a:solidFill>
-                <a:latin typeface="+mn-lt"/>
-                <a:ea typeface="+mn-ea"/>
-                <a:cs typeface="+mn-cs"/>
-              </a:defRPr>
-            </a:lvl2pPr>
-            <a:lvl3pPr marL="1143000" indent="-228600" algn="l" defTabSz="914400" rtl="0" eaLnBrk="1" latinLnBrk="1" hangingPunct="1">
-              <a:spcBef>
-                <a:spcPct val="20000"/>
-              </a:spcBef>
-              <a:buFont typeface="Arial" pitchFamily="34" charset="0"/>
-              <a:buChar char="•"/>
-              <a:defRPr sz="2000" kern="1200">
-                <a:solidFill>
-                  <a:schemeClr val="tx1"/>
-                </a:solidFill>
-                <a:latin typeface="+mn-lt"/>
-                <a:ea typeface="+mn-ea"/>
-                <a:cs typeface="+mn-cs"/>
-              </a:defRPr>
-            </a:lvl3pPr>
-            <a:lvl4pPr marL="1600200" indent="-228600" algn="l" defTabSz="914400" rtl="0" eaLnBrk="1" latinLnBrk="1" hangingPunct="1">
-              <a:spcBef>
-                <a:spcPct val="20000"/>
-              </a:spcBef>
-              <a:buFont typeface="Arial" pitchFamily="34" charset="0"/>
-              <a:buChar char="–"/>
-              <a:defRPr sz="1800" kern="1200">
-                <a:solidFill>
-                  <a:schemeClr val="tx1"/>
-                </a:solidFill>
-                <a:latin typeface="+mn-lt"/>
-                <a:ea typeface="+mn-ea"/>
-                <a:cs typeface="+mn-cs"/>
-              </a:defRPr>
-            </a:lvl4pPr>
-            <a:lvl5pPr marL="2057400" indent="-228600" algn="l" defTabSz="914400" rtl="0" eaLnBrk="1" latinLnBrk="1" hangingPunct="1">
-              <a:spcBef>
-                <a:spcPct val="20000"/>
-              </a:spcBef>
-              <a:buFont typeface="Arial" pitchFamily="34" charset="0"/>
-              <a:buChar char="»"/>
-              <a:defRPr sz="1800" kern="1200">
-                <a:solidFill>
-                  <a:schemeClr val="tx1"/>
-                </a:solidFill>
-                <a:latin typeface="+mn-lt"/>
-                <a:ea typeface="+mn-ea"/>
-                <a:cs typeface="+mn-cs"/>
-              </a:defRPr>
-            </a:lvl5pPr>
-            <a:lvl6pPr marL="2514600" indent="-228600" algn="l" defTabSz="914400" rtl="0" eaLnBrk="1" latinLnBrk="1" hangingPunct="1">
-              <a:spcBef>
-                <a:spcPct val="20000"/>
-              </a:spcBef>
-              <a:buFont typeface="Arial" pitchFamily="34" charset="0"/>
-              <a:buChar char="•"/>
-              <a:defRPr sz="1800" kern="1200">
-                <a:solidFill>
-                  <a:schemeClr val="tx1"/>
-                </a:solidFill>
-                <a:latin typeface="+mn-lt"/>
-                <a:ea typeface="+mn-ea"/>
-                <a:cs typeface="+mn-cs"/>
-              </a:defRPr>
-            </a:lvl6pPr>
-            <a:lvl7pPr marL="2971800" indent="-228600" algn="l" defTabSz="914400" rtl="0" eaLnBrk="1" latinLnBrk="1" hangingPunct="1">
-              <a:spcBef>
-                <a:spcPct val="20000"/>
-              </a:spcBef>
-              <a:buFont typeface="Arial" pitchFamily="34" charset="0"/>
-              <a:buChar char="•"/>
-              <a:defRPr sz="1800" kern="1200">
-                <a:solidFill>
-                  <a:schemeClr val="tx1"/>
-                </a:solidFill>
-                <a:latin typeface="+mn-lt"/>
-                <a:ea typeface="+mn-ea"/>
-                <a:cs typeface="+mn-cs"/>
-              </a:defRPr>
-            </a:lvl7pPr>
-            <a:lvl8pPr marL="3429000" indent="-228600" algn="l" defTabSz="914400" rtl="0" eaLnBrk="1" latinLnBrk="1" hangingPunct="1">
-              <a:spcBef>
-                <a:spcPct val="20000"/>
-              </a:spcBef>
-              <a:buFont typeface="Arial" pitchFamily="34" charset="0"/>
-              <a:buChar char="•"/>
-              <a:defRPr sz="1800" kern="1200">
-                <a:solidFill>
-                  <a:schemeClr val="tx1"/>
-                </a:solidFill>
-                <a:latin typeface="+mn-lt"/>
-                <a:ea typeface="+mn-ea"/>
-                <a:cs typeface="+mn-cs"/>
-              </a:defRPr>
-            </a:lvl8pPr>
-            <a:lvl9pPr marL="3886200" indent="-228600" algn="l" defTabSz="914400" rtl="0" eaLnBrk="1" latinLnBrk="1" hangingPunct="1">
-              <a:spcBef>
-                <a:spcPct val="20000"/>
-              </a:spcBef>
-              <a:buFont typeface="Arial" pitchFamily="34" charset="0"/>
-              <a:buChar char="•"/>
-              <a:defRPr sz="1800" kern="1200">
-                <a:solidFill>
-                  <a:schemeClr val="tx1"/>
-                </a:solidFill>
-                <a:latin typeface="+mn-lt"/>
-                <a:ea typeface="+mn-ea"/>
-                <a:cs typeface="+mn-cs"/>
-              </a:defRPr>
-            </a:lvl9pPr>
-          </a:lstStyle>
-          <a:p>
-            <a:pPr marL="0" indent="0">
-              <a:buFont typeface="Arial" pitchFamily="34" charset="0"/>
-              <a:buNone/>
-            </a:pPr>
-            <a:endParaRPr lang="en-US" altLang="ko-KR" sz="1400" b="1" dirty="0">
-              <a:effectLst>
-                <a:outerShdw blurRad="38100" dist="38100" dir="2700000" algn="tl">
-                  <a:srgbClr val="000000">
-                    <a:alpha val="43137"/>
-                  </a:srgbClr>
-                </a:outerShdw>
-              </a:effectLst>
-            </a:endParaRPr>
-          </a:p>
-        </p:txBody>
-      </p:sp>
-      <p:sp>
-        <p:nvSpPr>
-          <p:cNvPr id="12" name="직사각형 11">
-            <a:extLst>
-              <a:ext uri="{FF2B5EF4-FFF2-40B4-BE49-F238E27FC236}">
-                <a16:creationId xmlns:a16="http://schemas.microsoft.com/office/drawing/2014/main" id="{1D588122-0B13-4D84-9B9C-E012D706A226}"/>
-              </a:ext>
-            </a:extLst>
-          </p:cNvPr>
-          <p:cNvSpPr/>
-          <p:nvPr/>
-        </p:nvSpPr>
-        <p:spPr>
-          <a:xfrm>
-            <a:off x="-48364" y="251851"/>
-            <a:ext cx="1463863" cy="523220"/>
-          </a:xfrm>
-          <a:prstGeom prst="rect">
-            <a:avLst/>
-          </a:prstGeom>
-        </p:spPr>
-        <p:txBody>
-          <a:bodyPr wrap="none">
+          <a:bodyPr wrap="square" rtlCol="0">
             <a:spAutoFit/>
           </a:bodyPr>
           <a:lstStyle/>
@@ -8617,7 +7886,7 @@
               <a:defRPr/>
             </a:pPr>
             <a:r>
-              <a:rPr kumimoji="0" lang="ko-KR" altLang="en-US" sz="2800" b="1" i="0" u="none" strike="noStrike" kern="1200" cap="none" spc="-150" normalizeH="0" baseline="0" noProof="0">
+              <a:rPr kumimoji="0" lang="en-US" altLang="ko-KR" sz="2400" b="0" i="0" u="none" strike="noStrike" kern="1200" cap="none" spc="0" normalizeH="0" baseline="0" noProof="0" dirty="0">
                 <a:ln>
                   <a:noFill/>
                 </a:ln>
@@ -8627,12 +7896,13 @@
                 <a:effectLst/>
                 <a:uLnTx/>
                 <a:uFillTx/>
-                <a:latin typeface="Rix비타민 M" panose="02020603020101020101" pitchFamily="18" charset="-127"/>
-                <a:ea typeface="Rix비타민 M" panose="02020603020101020101" pitchFamily="18" charset="-127"/>
-              </a:rPr>
-              <a:t>연구 동향</a:t>
-            </a:r>
-            <a:endParaRPr kumimoji="0" lang="ko-KR" altLang="en-US" sz="2800" b="1" i="0" u="none" strike="noStrike" kern="1200" cap="none" spc="-150" normalizeH="0" baseline="0" noProof="0" dirty="0">
+                <a:latin typeface="HY헤드라인M" pitchFamily="18" charset="-127"/>
+                <a:ea typeface="HY헤드라인M" pitchFamily="18" charset="-127"/>
+                <a:cs typeface="+mn-cs"/>
+              </a:rPr>
+              <a:t>05</a:t>
+            </a:r>
+            <a:endParaRPr kumimoji="0" lang="ko-KR" altLang="en-US" sz="2400" b="0" i="0" u="none" strike="noStrike" kern="1200" cap="none" spc="0" normalizeH="0" baseline="0" noProof="0" dirty="0">
               <a:ln>
                 <a:noFill/>
               </a:ln>
@@ -8642,18 +7912,19 @@
               <a:effectLst/>
               <a:uLnTx/>
               <a:uFillTx/>
-              <a:latin typeface="Rix비타민 M" panose="02020603020101020101" pitchFamily="18" charset="-127"/>
-              <a:ea typeface="Rix비타민 M" panose="02020603020101020101" pitchFamily="18" charset="-127"/>
+              <a:latin typeface="HY헤드라인M" pitchFamily="18" charset="-127"/>
+              <a:ea typeface="HY헤드라인M" pitchFamily="18" charset="-127"/>
+              <a:cs typeface="+mn-cs"/>
             </a:endParaRPr>
           </a:p>
         </p:txBody>
       </p:sp>
       <p:pic>
         <p:nvPicPr>
-          <p:cNvPr id="7" name="그림 6">
+          <p:cNvPr id="5" name="그림 4">
             <a:extLst>
               <a:ext uri="{FF2B5EF4-FFF2-40B4-BE49-F238E27FC236}">
-                <a16:creationId xmlns:a16="http://schemas.microsoft.com/office/drawing/2014/main" id="{5A953312-A2E2-49EE-8C5A-B42D93FBB0E6}"/>
+                <a16:creationId xmlns:a16="http://schemas.microsoft.com/office/drawing/2014/main" id="{6C3545ED-C2A5-47F6-988D-B1D1593E7EC2}"/>
               </a:ext>
             </a:extLst>
           </p:cNvPr>
@@ -8670,110 +7941,18 @@
         </p:blipFill>
         <p:spPr>
           <a:xfrm>
-            <a:off x="899592" y="1321659"/>
-            <a:ext cx="7085781" cy="4843645"/>
+            <a:off x="360087" y="1278542"/>
+            <a:ext cx="8351818" cy="5159986"/>
           </a:xfrm>
           <a:prstGeom prst="rect">
             <a:avLst/>
           </a:prstGeom>
         </p:spPr>
       </p:pic>
-      <p:sp>
-        <p:nvSpPr>
-          <p:cNvPr id="4" name="TextBox 3">
-            <a:extLst>
-              <a:ext uri="{FF2B5EF4-FFF2-40B4-BE49-F238E27FC236}">
-                <a16:creationId xmlns:a16="http://schemas.microsoft.com/office/drawing/2014/main" id="{30A65B22-8730-4A3C-9869-6901A39DF7A9}"/>
-              </a:ext>
-            </a:extLst>
-          </p:cNvPr>
-          <p:cNvSpPr txBox="1"/>
-          <p:nvPr/>
-        </p:nvSpPr>
-        <p:spPr>
-          <a:xfrm>
-            <a:off x="179512" y="1054819"/>
-            <a:ext cx="2520280" cy="553998"/>
-          </a:xfrm>
-          <a:prstGeom prst="rect">
-            <a:avLst/>
-          </a:prstGeom>
-          <a:noFill/>
-        </p:spPr>
-        <p:txBody>
-          <a:bodyPr wrap="square" rtlCol="0">
-            <a:spAutoFit/>
-          </a:bodyPr>
-          <a:lstStyle/>
-          <a:p>
-            <a:r>
-              <a:rPr lang="en-US" altLang="ko-KR" sz="3000" b="1" dirty="0">
-                <a:effectLst>
-                  <a:outerShdw blurRad="38100" dist="38100" dir="2700000" algn="tl">
-                    <a:srgbClr val="000000">
-                      <a:alpha val="43137"/>
-                    </a:srgbClr>
-                  </a:outerShdw>
-                </a:effectLst>
-              </a:rPr>
-              <a:t>CNN Models</a:t>
-            </a:r>
-            <a:endParaRPr lang="ko-KR" altLang="en-US" sz="3000" b="1" dirty="0">
-              <a:effectLst>
-                <a:outerShdw blurRad="38100" dist="38100" dir="2700000" algn="tl">
-                  <a:srgbClr val="000000">
-                    <a:alpha val="43137"/>
-                  </a:srgbClr>
-                </a:outerShdw>
-              </a:effectLst>
-            </a:endParaRPr>
-          </a:p>
-        </p:txBody>
-      </p:sp>
-      <p:sp>
-        <p:nvSpPr>
-          <p:cNvPr id="21" name="TextBox 20">
-            <a:extLst>
-              <a:ext uri="{FF2B5EF4-FFF2-40B4-BE49-F238E27FC236}">
-                <a16:creationId xmlns:a16="http://schemas.microsoft.com/office/drawing/2014/main" id="{BF3A569A-D044-41CC-8F58-9D52BC389402}"/>
-              </a:ext>
-            </a:extLst>
-          </p:cNvPr>
-          <p:cNvSpPr txBox="1"/>
-          <p:nvPr/>
-        </p:nvSpPr>
-        <p:spPr>
-          <a:xfrm>
-            <a:off x="7092280" y="5918323"/>
-            <a:ext cx="540061" cy="246221"/>
-          </a:xfrm>
-          <a:prstGeom prst="rect">
-            <a:avLst/>
-          </a:prstGeom>
-          <a:noFill/>
-        </p:spPr>
-        <p:txBody>
-          <a:bodyPr wrap="square" rtlCol="0">
-            <a:spAutoFit/>
-          </a:bodyPr>
-          <a:lstStyle/>
-          <a:p>
-            <a:r>
-              <a:rPr lang="ko-KR" altLang="en-US" sz="1000" dirty="0"/>
-              <a:t>그림</a:t>
-            </a:r>
-            <a:r>
-              <a:rPr lang="en-US" altLang="ko-KR" sz="1000" dirty="0"/>
-              <a:t>8</a:t>
-            </a:r>
-            <a:endParaRPr lang="ko-KR" altLang="en-US" sz="1000" dirty="0"/>
-          </a:p>
-        </p:txBody>
-      </p:sp>
     </p:spTree>
     <p:extLst>
       <p:ext uri="{BB962C8B-B14F-4D97-AF65-F5344CB8AC3E}">
-        <p14:creationId xmlns:p14="http://schemas.microsoft.com/office/powerpoint/2010/main" val="267622222"/>
+        <p14:creationId xmlns:p14="http://schemas.microsoft.com/office/powerpoint/2010/main" val="3773526455"/>
       </p:ext>
     </p:extLst>
   </p:cSld>
@@ -9101,372 +8280,10 @@
       </p:sp>
       <p:sp>
         <p:nvSpPr>
-          <p:cNvPr id="18" name="내용 개체 틀 4">
+          <p:cNvPr id="14" name="내용 개체 틀 4">
             <a:extLst>
               <a:ext uri="{FF2B5EF4-FFF2-40B4-BE49-F238E27FC236}">
-                <a16:creationId xmlns:a16="http://schemas.microsoft.com/office/drawing/2014/main" id="{4649E46D-6DC0-4E98-AB78-81359839AE3C}"/>
-              </a:ext>
-            </a:extLst>
-          </p:cNvPr>
-          <p:cNvSpPr txBox="1">
-            <a:spLocks/>
-          </p:cNvSpPr>
-          <p:nvPr/>
-        </p:nvSpPr>
-        <p:spPr>
-          <a:xfrm>
-            <a:off x="683568" y="4616220"/>
-            <a:ext cx="8352928" cy="516093"/>
-          </a:xfrm>
-          <a:prstGeom prst="rect">
-            <a:avLst/>
-          </a:prstGeom>
-        </p:spPr>
-        <p:txBody>
-          <a:bodyPr vert="horz" lIns="91440" tIns="45720" rIns="91440" bIns="45720" rtlCol="0">
-            <a:normAutofit/>
-          </a:bodyPr>
-          <a:lstStyle>
-            <a:lvl1pPr marL="342900" indent="-342900" algn="l" defTabSz="914400" rtl="0" eaLnBrk="1" latinLnBrk="1" hangingPunct="1">
-              <a:spcBef>
-                <a:spcPct val="20000"/>
-              </a:spcBef>
-              <a:buFont typeface="Arial" pitchFamily="34" charset="0"/>
-              <a:buChar char="•"/>
-              <a:defRPr sz="2800" kern="1200">
-                <a:solidFill>
-                  <a:schemeClr val="tx1"/>
-                </a:solidFill>
-                <a:latin typeface="+mn-lt"/>
-                <a:ea typeface="+mn-ea"/>
-                <a:cs typeface="+mn-cs"/>
-              </a:defRPr>
-            </a:lvl1pPr>
-            <a:lvl2pPr marL="742950" indent="-285750" algn="l" defTabSz="914400" rtl="0" eaLnBrk="1" latinLnBrk="1" hangingPunct="1">
-              <a:spcBef>
-                <a:spcPct val="20000"/>
-              </a:spcBef>
-              <a:buFont typeface="Arial" pitchFamily="34" charset="0"/>
-              <a:buChar char="–"/>
-              <a:defRPr sz="2400" kern="1200">
-                <a:solidFill>
-                  <a:schemeClr val="tx1"/>
-                </a:solidFill>
-                <a:latin typeface="+mn-lt"/>
-                <a:ea typeface="+mn-ea"/>
-                <a:cs typeface="+mn-cs"/>
-              </a:defRPr>
-            </a:lvl2pPr>
-            <a:lvl3pPr marL="1143000" indent="-228600" algn="l" defTabSz="914400" rtl="0" eaLnBrk="1" latinLnBrk="1" hangingPunct="1">
-              <a:spcBef>
-                <a:spcPct val="20000"/>
-              </a:spcBef>
-              <a:buFont typeface="Arial" pitchFamily="34" charset="0"/>
-              <a:buChar char="•"/>
-              <a:defRPr sz="2000" kern="1200">
-                <a:solidFill>
-                  <a:schemeClr val="tx1"/>
-                </a:solidFill>
-                <a:latin typeface="+mn-lt"/>
-                <a:ea typeface="+mn-ea"/>
-                <a:cs typeface="+mn-cs"/>
-              </a:defRPr>
-            </a:lvl3pPr>
-            <a:lvl4pPr marL="1600200" indent="-228600" algn="l" defTabSz="914400" rtl="0" eaLnBrk="1" latinLnBrk="1" hangingPunct="1">
-              <a:spcBef>
-                <a:spcPct val="20000"/>
-              </a:spcBef>
-              <a:buFont typeface="Arial" pitchFamily="34" charset="0"/>
-              <a:buChar char="–"/>
-              <a:defRPr sz="1800" kern="1200">
-                <a:solidFill>
-                  <a:schemeClr val="tx1"/>
-                </a:solidFill>
-                <a:latin typeface="+mn-lt"/>
-                <a:ea typeface="+mn-ea"/>
-                <a:cs typeface="+mn-cs"/>
-              </a:defRPr>
-            </a:lvl4pPr>
-            <a:lvl5pPr marL="2057400" indent="-228600" algn="l" defTabSz="914400" rtl="0" eaLnBrk="1" latinLnBrk="1" hangingPunct="1">
-              <a:spcBef>
-                <a:spcPct val="20000"/>
-              </a:spcBef>
-              <a:buFont typeface="Arial" pitchFamily="34" charset="0"/>
-              <a:buChar char="»"/>
-              <a:defRPr sz="1800" kern="1200">
-                <a:solidFill>
-                  <a:schemeClr val="tx1"/>
-                </a:solidFill>
-                <a:latin typeface="+mn-lt"/>
-                <a:ea typeface="+mn-ea"/>
-                <a:cs typeface="+mn-cs"/>
-              </a:defRPr>
-            </a:lvl5pPr>
-            <a:lvl6pPr marL="2514600" indent="-228600" algn="l" defTabSz="914400" rtl="0" eaLnBrk="1" latinLnBrk="1" hangingPunct="1">
-              <a:spcBef>
-                <a:spcPct val="20000"/>
-              </a:spcBef>
-              <a:buFont typeface="Arial" pitchFamily="34" charset="0"/>
-              <a:buChar char="•"/>
-              <a:defRPr sz="1800" kern="1200">
-                <a:solidFill>
-                  <a:schemeClr val="tx1"/>
-                </a:solidFill>
-                <a:latin typeface="+mn-lt"/>
-                <a:ea typeface="+mn-ea"/>
-                <a:cs typeface="+mn-cs"/>
-              </a:defRPr>
-            </a:lvl6pPr>
-            <a:lvl7pPr marL="2971800" indent="-228600" algn="l" defTabSz="914400" rtl="0" eaLnBrk="1" latinLnBrk="1" hangingPunct="1">
-              <a:spcBef>
-                <a:spcPct val="20000"/>
-              </a:spcBef>
-              <a:buFont typeface="Arial" pitchFamily="34" charset="0"/>
-              <a:buChar char="•"/>
-              <a:defRPr sz="1800" kern="1200">
-                <a:solidFill>
-                  <a:schemeClr val="tx1"/>
-                </a:solidFill>
-                <a:latin typeface="+mn-lt"/>
-                <a:ea typeface="+mn-ea"/>
-                <a:cs typeface="+mn-cs"/>
-              </a:defRPr>
-            </a:lvl7pPr>
-            <a:lvl8pPr marL="3429000" indent="-228600" algn="l" defTabSz="914400" rtl="0" eaLnBrk="1" latinLnBrk="1" hangingPunct="1">
-              <a:spcBef>
-                <a:spcPct val="20000"/>
-              </a:spcBef>
-              <a:buFont typeface="Arial" pitchFamily="34" charset="0"/>
-              <a:buChar char="•"/>
-              <a:defRPr sz="1800" kern="1200">
-                <a:solidFill>
-                  <a:schemeClr val="tx1"/>
-                </a:solidFill>
-                <a:latin typeface="+mn-lt"/>
-                <a:ea typeface="+mn-ea"/>
-                <a:cs typeface="+mn-cs"/>
-              </a:defRPr>
-            </a:lvl8pPr>
-            <a:lvl9pPr marL="3886200" indent="-228600" algn="l" defTabSz="914400" rtl="0" eaLnBrk="1" latinLnBrk="1" hangingPunct="1">
-              <a:spcBef>
-                <a:spcPct val="20000"/>
-              </a:spcBef>
-              <a:buFont typeface="Arial" pitchFamily="34" charset="0"/>
-              <a:buChar char="•"/>
-              <a:defRPr sz="1800" kern="1200">
-                <a:solidFill>
-                  <a:schemeClr val="tx1"/>
-                </a:solidFill>
-                <a:latin typeface="+mn-lt"/>
-                <a:ea typeface="+mn-ea"/>
-                <a:cs typeface="+mn-cs"/>
-              </a:defRPr>
-            </a:lvl9pPr>
-          </a:lstStyle>
-          <a:p>
-            <a:pPr marL="0" indent="0">
-              <a:buFont typeface="Arial" pitchFamily="34" charset="0"/>
-              <a:buNone/>
-            </a:pPr>
-            <a:endParaRPr lang="en-US" altLang="ko-KR" sz="1500" b="1" dirty="0">
-              <a:effectLst>
-                <a:outerShdw blurRad="38100" dist="38100" dir="2700000" algn="tl">
-                  <a:srgbClr val="000000">
-                    <a:alpha val="43137"/>
-                  </a:srgbClr>
-                </a:outerShdw>
-              </a:effectLst>
-            </a:endParaRPr>
-          </a:p>
-        </p:txBody>
-      </p:sp>
-      <p:sp>
-        <p:nvSpPr>
-          <p:cNvPr id="15" name="내용 개체 틀 4">
-            <a:extLst>
-              <a:ext uri="{FF2B5EF4-FFF2-40B4-BE49-F238E27FC236}">
-                <a16:creationId xmlns:a16="http://schemas.microsoft.com/office/drawing/2014/main" id="{5388484D-5CEC-456B-A533-5908BBF110EC}"/>
-              </a:ext>
-            </a:extLst>
-          </p:cNvPr>
-          <p:cNvSpPr txBox="1">
-            <a:spLocks/>
-          </p:cNvSpPr>
-          <p:nvPr/>
-        </p:nvSpPr>
-        <p:spPr>
-          <a:xfrm>
-            <a:off x="351122" y="5007194"/>
-            <a:ext cx="7893286" cy="1799911"/>
-          </a:xfrm>
-          <a:prstGeom prst="rect">
-            <a:avLst/>
-          </a:prstGeom>
-        </p:spPr>
-        <p:txBody>
-          <a:bodyPr vert="horz" lIns="91440" tIns="45720" rIns="91440" bIns="45720" rtlCol="0">
-            <a:normAutofit/>
-          </a:bodyPr>
-          <a:lstStyle>
-            <a:lvl1pPr marL="342900" indent="-342900" algn="l" defTabSz="914400" rtl="0" eaLnBrk="1" latinLnBrk="1" hangingPunct="1">
-              <a:spcBef>
-                <a:spcPct val="20000"/>
-              </a:spcBef>
-              <a:buFont typeface="Arial" pitchFamily="34" charset="0"/>
-              <a:buChar char="•"/>
-              <a:defRPr sz="2800" kern="1200">
-                <a:solidFill>
-                  <a:schemeClr val="tx1"/>
-                </a:solidFill>
-                <a:latin typeface="+mn-lt"/>
-                <a:ea typeface="+mn-ea"/>
-                <a:cs typeface="+mn-cs"/>
-              </a:defRPr>
-            </a:lvl1pPr>
-            <a:lvl2pPr marL="742950" indent="-285750" algn="l" defTabSz="914400" rtl="0" eaLnBrk="1" latinLnBrk="1" hangingPunct="1">
-              <a:spcBef>
-                <a:spcPct val="20000"/>
-              </a:spcBef>
-              <a:buFont typeface="Arial" pitchFamily="34" charset="0"/>
-              <a:buChar char="–"/>
-              <a:defRPr sz="2400" kern="1200">
-                <a:solidFill>
-                  <a:schemeClr val="tx1"/>
-                </a:solidFill>
-                <a:latin typeface="+mn-lt"/>
-                <a:ea typeface="+mn-ea"/>
-                <a:cs typeface="+mn-cs"/>
-              </a:defRPr>
-            </a:lvl2pPr>
-            <a:lvl3pPr marL="1143000" indent="-228600" algn="l" defTabSz="914400" rtl="0" eaLnBrk="1" latinLnBrk="1" hangingPunct="1">
-              <a:spcBef>
-                <a:spcPct val="20000"/>
-              </a:spcBef>
-              <a:buFont typeface="Arial" pitchFamily="34" charset="0"/>
-              <a:buChar char="•"/>
-              <a:defRPr sz="2000" kern="1200">
-                <a:solidFill>
-                  <a:schemeClr val="tx1"/>
-                </a:solidFill>
-                <a:latin typeface="+mn-lt"/>
-                <a:ea typeface="+mn-ea"/>
-                <a:cs typeface="+mn-cs"/>
-              </a:defRPr>
-            </a:lvl3pPr>
-            <a:lvl4pPr marL="1600200" indent="-228600" algn="l" defTabSz="914400" rtl="0" eaLnBrk="1" latinLnBrk="1" hangingPunct="1">
-              <a:spcBef>
-                <a:spcPct val="20000"/>
-              </a:spcBef>
-              <a:buFont typeface="Arial" pitchFamily="34" charset="0"/>
-              <a:buChar char="–"/>
-              <a:defRPr sz="1800" kern="1200">
-                <a:solidFill>
-                  <a:schemeClr val="tx1"/>
-                </a:solidFill>
-                <a:latin typeface="+mn-lt"/>
-                <a:ea typeface="+mn-ea"/>
-                <a:cs typeface="+mn-cs"/>
-              </a:defRPr>
-            </a:lvl4pPr>
-            <a:lvl5pPr marL="2057400" indent="-228600" algn="l" defTabSz="914400" rtl="0" eaLnBrk="1" latinLnBrk="1" hangingPunct="1">
-              <a:spcBef>
-                <a:spcPct val="20000"/>
-              </a:spcBef>
-              <a:buFont typeface="Arial" pitchFamily="34" charset="0"/>
-              <a:buChar char="»"/>
-              <a:defRPr sz="1800" kern="1200">
-                <a:solidFill>
-                  <a:schemeClr val="tx1"/>
-                </a:solidFill>
-                <a:latin typeface="+mn-lt"/>
-                <a:ea typeface="+mn-ea"/>
-                <a:cs typeface="+mn-cs"/>
-              </a:defRPr>
-            </a:lvl5pPr>
-            <a:lvl6pPr marL="2514600" indent="-228600" algn="l" defTabSz="914400" rtl="0" eaLnBrk="1" latinLnBrk="1" hangingPunct="1">
-              <a:spcBef>
-                <a:spcPct val="20000"/>
-              </a:spcBef>
-              <a:buFont typeface="Arial" pitchFamily="34" charset="0"/>
-              <a:buChar char="•"/>
-              <a:defRPr sz="1800" kern="1200">
-                <a:solidFill>
-                  <a:schemeClr val="tx1"/>
-                </a:solidFill>
-                <a:latin typeface="+mn-lt"/>
-                <a:ea typeface="+mn-ea"/>
-                <a:cs typeface="+mn-cs"/>
-              </a:defRPr>
-            </a:lvl6pPr>
-            <a:lvl7pPr marL="2971800" indent="-228600" algn="l" defTabSz="914400" rtl="0" eaLnBrk="1" latinLnBrk="1" hangingPunct="1">
-              <a:spcBef>
-                <a:spcPct val="20000"/>
-              </a:spcBef>
-              <a:buFont typeface="Arial" pitchFamily="34" charset="0"/>
-              <a:buChar char="•"/>
-              <a:defRPr sz="1800" kern="1200">
-                <a:solidFill>
-                  <a:schemeClr val="tx1"/>
-                </a:solidFill>
-                <a:latin typeface="+mn-lt"/>
-                <a:ea typeface="+mn-ea"/>
-                <a:cs typeface="+mn-cs"/>
-              </a:defRPr>
-            </a:lvl7pPr>
-            <a:lvl8pPr marL="3429000" indent="-228600" algn="l" defTabSz="914400" rtl="0" eaLnBrk="1" latinLnBrk="1" hangingPunct="1">
-              <a:spcBef>
-                <a:spcPct val="20000"/>
-              </a:spcBef>
-              <a:buFont typeface="Arial" pitchFamily="34" charset="0"/>
-              <a:buChar char="•"/>
-              <a:defRPr sz="1800" kern="1200">
-                <a:solidFill>
-                  <a:schemeClr val="tx1"/>
-                </a:solidFill>
-                <a:latin typeface="+mn-lt"/>
-                <a:ea typeface="+mn-ea"/>
-                <a:cs typeface="+mn-cs"/>
-              </a:defRPr>
-            </a:lvl8pPr>
-            <a:lvl9pPr marL="3886200" indent="-228600" algn="l" defTabSz="914400" rtl="0" eaLnBrk="1" latinLnBrk="1" hangingPunct="1">
-              <a:spcBef>
-                <a:spcPct val="20000"/>
-              </a:spcBef>
-              <a:buFont typeface="Arial" pitchFamily="34" charset="0"/>
-              <a:buChar char="•"/>
-              <a:defRPr sz="1800" kern="1200">
-                <a:solidFill>
-                  <a:schemeClr val="tx1"/>
-                </a:solidFill>
-                <a:latin typeface="+mn-lt"/>
-                <a:ea typeface="+mn-ea"/>
-                <a:cs typeface="+mn-cs"/>
-              </a:defRPr>
-            </a:lvl9pPr>
-          </a:lstStyle>
-          <a:p>
-            <a:pPr marL="0" indent="0">
-              <a:buFont typeface="Arial" pitchFamily="34" charset="0"/>
-              <a:buNone/>
-            </a:pPr>
-            <a:endParaRPr lang="en-US" altLang="ko-KR" sz="1400" b="1" dirty="0">
-              <a:effectLst>
-                <a:outerShdw blurRad="38100" dist="38100" dir="2700000" algn="tl">
-                  <a:srgbClr val="000000">
-                    <a:alpha val="43137"/>
-                  </a:srgbClr>
-                </a:outerShdw>
-              </a:effectLst>
-            </a:endParaRPr>
-          </a:p>
-        </p:txBody>
-      </p:sp>
-      <p:sp>
-        <p:nvSpPr>
-          <p:cNvPr id="10" name="내용 개체 틀 4">
-            <a:extLst>
-              <a:ext uri="{FF2B5EF4-FFF2-40B4-BE49-F238E27FC236}">
-                <a16:creationId xmlns:a16="http://schemas.microsoft.com/office/drawing/2014/main" id="{A568EFB5-0D9A-44F9-B056-FD70C0C03DCC}"/>
+                <a16:creationId xmlns:a16="http://schemas.microsoft.com/office/drawing/2014/main" id="{CA1DD868-12A6-4AAE-9A8F-FF506F3ADB52}"/>
               </a:ext>
             </a:extLst>
           </p:cNvPr>
@@ -10297,114 +9114,10 @@
           </a:p>
         </p:txBody>
       </p:sp>
-      <p:sp>
-        <p:nvSpPr>
-          <p:cNvPr id="11" name="직사각형 10">
-            <a:extLst>
-              <a:ext uri="{FF2B5EF4-FFF2-40B4-BE49-F238E27FC236}">
-                <a16:creationId xmlns:a16="http://schemas.microsoft.com/office/drawing/2014/main" id="{1C140814-D0FE-4A68-84B8-4646E5D82186}"/>
-              </a:ext>
-            </a:extLst>
-          </p:cNvPr>
-          <p:cNvSpPr/>
-          <p:nvPr/>
-        </p:nvSpPr>
-        <p:spPr>
-          <a:xfrm>
-            <a:off x="547541" y="3886125"/>
-            <a:ext cx="614545" cy="296668"/>
-          </a:xfrm>
-          <a:prstGeom prst="rect">
-            <a:avLst/>
-          </a:prstGeom>
-          <a:solidFill>
-            <a:schemeClr val="bg1"/>
-          </a:solidFill>
-          <a:ln>
-            <a:noFill/>
-          </a:ln>
-        </p:spPr>
-        <p:style>
-          <a:lnRef idx="2">
-            <a:schemeClr val="accent1">
-              <a:shade val="50000"/>
-            </a:schemeClr>
-          </a:lnRef>
-          <a:fillRef idx="1">
-            <a:schemeClr val="accent1"/>
-          </a:fillRef>
-          <a:effectRef idx="0">
-            <a:schemeClr val="accent1"/>
-          </a:effectRef>
-          <a:fontRef idx="minor">
-            <a:schemeClr val="lt1"/>
-          </a:fontRef>
-        </p:style>
-        <p:txBody>
-          <a:bodyPr rtlCol="0" anchor="ctr"/>
-          <a:lstStyle/>
-          <a:p>
-            <a:pPr algn="ctr"/>
-            <a:endParaRPr lang="ko-KR" altLang="en-US"/>
-          </a:p>
-        </p:txBody>
-      </p:sp>
-      <p:sp>
-        <p:nvSpPr>
-          <p:cNvPr id="12" name="직사각형 11">
-            <a:extLst>
-              <a:ext uri="{FF2B5EF4-FFF2-40B4-BE49-F238E27FC236}">
-                <a16:creationId xmlns:a16="http://schemas.microsoft.com/office/drawing/2014/main" id="{EF7CD7A9-EC1B-4BDB-BD8F-885E9EFB11E7}"/>
-              </a:ext>
-            </a:extLst>
-          </p:cNvPr>
-          <p:cNvSpPr/>
-          <p:nvPr/>
-        </p:nvSpPr>
-        <p:spPr>
-          <a:xfrm>
-            <a:off x="557066" y="1643468"/>
-            <a:ext cx="614545" cy="296668"/>
-          </a:xfrm>
-          <a:prstGeom prst="rect">
-            <a:avLst/>
-          </a:prstGeom>
-          <a:solidFill>
-            <a:schemeClr val="bg1"/>
-          </a:solidFill>
-          <a:ln>
-            <a:noFill/>
-          </a:ln>
-        </p:spPr>
-        <p:style>
-          <a:lnRef idx="2">
-            <a:schemeClr val="accent1">
-              <a:shade val="50000"/>
-            </a:schemeClr>
-          </a:lnRef>
-          <a:fillRef idx="1">
-            <a:schemeClr val="accent1"/>
-          </a:fillRef>
-          <a:effectRef idx="0">
-            <a:schemeClr val="accent1"/>
-          </a:effectRef>
-          <a:fontRef idx="minor">
-            <a:schemeClr val="lt1"/>
-          </a:fontRef>
-        </p:style>
-        <p:txBody>
-          <a:bodyPr rtlCol="0" anchor="ctr"/>
-          <a:lstStyle/>
-          <a:p>
-            <a:pPr algn="ctr"/>
-            <a:endParaRPr lang="ko-KR" altLang="en-US"/>
-          </a:p>
-        </p:txBody>
-      </p:sp>
     </p:spTree>
     <p:extLst>
       <p:ext uri="{BB962C8B-B14F-4D97-AF65-F5344CB8AC3E}">
-        <p14:creationId xmlns:p14="http://schemas.microsoft.com/office/powerpoint/2010/main" val="3773526455"/>
+        <p14:creationId xmlns:p14="http://schemas.microsoft.com/office/powerpoint/2010/main" val="1849589172"/>
       </p:ext>
     </p:extLst>
   </p:cSld>
@@ -10449,6 +9162,1637 @@
         </p:nvSpPr>
         <p:spPr>
           <a:xfrm>
+            <a:off x="-3932" y="774486"/>
+            <a:ext cx="9180512" cy="5793548"/>
+          </a:xfrm>
+          <a:prstGeom prst="rect">
+            <a:avLst/>
+          </a:prstGeom>
+          <a:solidFill>
+            <a:schemeClr val="bg1"/>
+          </a:solidFill>
+          <a:ln>
+            <a:noFill/>
+          </a:ln>
+        </p:spPr>
+        <p:style>
+          <a:lnRef idx="2">
+            <a:schemeClr val="accent1">
+              <a:shade val="50000"/>
+            </a:schemeClr>
+          </a:lnRef>
+          <a:fillRef idx="1">
+            <a:schemeClr val="accent1"/>
+          </a:fillRef>
+          <a:effectRef idx="0">
+            <a:schemeClr val="accent1"/>
+          </a:effectRef>
+          <a:fontRef idx="minor">
+            <a:schemeClr val="lt1"/>
+          </a:fontRef>
+        </p:style>
+        <p:txBody>
+          <a:bodyPr rtlCol="0" anchor="ctr"/>
+          <a:lstStyle/>
+          <a:p>
+            <a:pPr marL="0" marR="0" lvl="0" indent="0" algn="ctr" defTabSz="914400" rtl="0" eaLnBrk="1" fontAlgn="auto" latinLnBrk="1" hangingPunct="1">
+              <a:lnSpc>
+                <a:spcPct val="100000"/>
+              </a:lnSpc>
+              <a:spcBef>
+                <a:spcPts val="0"/>
+              </a:spcBef>
+              <a:spcAft>
+                <a:spcPts val="0"/>
+              </a:spcAft>
+              <a:buClrTx/>
+              <a:buSzTx/>
+              <a:buFontTx/>
+              <a:buNone/>
+              <a:tabLst/>
+              <a:defRPr/>
+            </a:pPr>
+            <a:endParaRPr kumimoji="0" lang="ko-KR" altLang="en-US" sz="1800" b="0" i="0" u="none" strike="noStrike" kern="1200" cap="none" spc="0" normalizeH="0" baseline="0" noProof="0" dirty="0">
+              <a:ln>
+                <a:noFill/>
+              </a:ln>
+              <a:solidFill>
+                <a:prstClr val="white"/>
+              </a:solidFill>
+              <a:effectLst/>
+              <a:uLnTx/>
+              <a:uFillTx/>
+              <a:latin typeface="맑은 고딕"/>
+              <a:ea typeface="맑은 고딕" panose="020B0503020000020004" pitchFamily="50" charset="-127"/>
+              <a:cs typeface="+mn-cs"/>
+            </a:endParaRPr>
+          </a:p>
+        </p:txBody>
+      </p:sp>
+      <p:sp>
+        <p:nvSpPr>
+          <p:cNvPr id="3" name="타원 2"/>
+          <p:cNvSpPr/>
+          <p:nvPr/>
+        </p:nvSpPr>
+        <p:spPr>
+          <a:xfrm>
+            <a:off x="4067944" y="146108"/>
+            <a:ext cx="936104" cy="1050644"/>
+          </a:xfrm>
+          <a:prstGeom prst="ellipse">
+            <a:avLst/>
+          </a:prstGeom>
+          <a:solidFill>
+            <a:schemeClr val="tx2">
+              <a:lumMod val="75000"/>
+            </a:schemeClr>
+          </a:solidFill>
+          <a:ln>
+            <a:noFill/>
+          </a:ln>
+        </p:spPr>
+        <p:style>
+          <a:lnRef idx="2">
+            <a:schemeClr val="accent1">
+              <a:shade val="50000"/>
+            </a:schemeClr>
+          </a:lnRef>
+          <a:fillRef idx="1">
+            <a:schemeClr val="accent1"/>
+          </a:fillRef>
+          <a:effectRef idx="0">
+            <a:schemeClr val="accent1"/>
+          </a:effectRef>
+          <a:fontRef idx="minor">
+            <a:schemeClr val="lt1"/>
+          </a:fontRef>
+        </p:style>
+        <p:txBody>
+          <a:bodyPr rtlCol="0" anchor="ctr"/>
+          <a:lstStyle/>
+          <a:p>
+            <a:pPr marL="0" marR="0" lvl="0" indent="0" algn="ctr" defTabSz="914400" rtl="0" eaLnBrk="1" fontAlgn="auto" latinLnBrk="1" hangingPunct="1">
+              <a:lnSpc>
+                <a:spcPct val="100000"/>
+              </a:lnSpc>
+              <a:spcBef>
+                <a:spcPts val="0"/>
+              </a:spcBef>
+              <a:spcAft>
+                <a:spcPts val="0"/>
+              </a:spcAft>
+              <a:buClrTx/>
+              <a:buSzTx/>
+              <a:buFontTx/>
+              <a:buNone/>
+              <a:tabLst/>
+              <a:defRPr/>
+            </a:pPr>
+            <a:endParaRPr kumimoji="0" lang="ko-KR" altLang="en-US" sz="1800" b="0" i="0" u="none" strike="noStrike" kern="1200" cap="none" spc="0" normalizeH="0" baseline="0" noProof="0">
+              <a:ln>
+                <a:noFill/>
+              </a:ln>
+              <a:solidFill>
+                <a:prstClr val="white"/>
+              </a:solidFill>
+              <a:effectLst/>
+              <a:uLnTx/>
+              <a:uFillTx/>
+              <a:latin typeface="맑은 고딕"/>
+              <a:ea typeface="맑은 고딕" panose="020B0503020000020004" pitchFamily="50" charset="-127"/>
+              <a:cs typeface="+mn-cs"/>
+            </a:endParaRPr>
+          </a:p>
+        </p:txBody>
+      </p:sp>
+      <p:sp>
+        <p:nvSpPr>
+          <p:cNvPr id="8" name="직사각형 7"/>
+          <p:cNvSpPr/>
+          <p:nvPr/>
+        </p:nvSpPr>
+        <p:spPr>
+          <a:xfrm>
+            <a:off x="-89587" y="272325"/>
+            <a:ext cx="1463863" cy="523220"/>
+          </a:xfrm>
+          <a:prstGeom prst="rect">
+            <a:avLst/>
+          </a:prstGeom>
+        </p:spPr>
+        <p:txBody>
+          <a:bodyPr wrap="none">
+            <a:spAutoFit/>
+          </a:bodyPr>
+          <a:lstStyle/>
+          <a:p>
+            <a:pPr marL="0" marR="0" lvl="0" indent="0" algn="ctr" defTabSz="914400" rtl="0" eaLnBrk="1" fontAlgn="auto" latinLnBrk="1" hangingPunct="1">
+              <a:lnSpc>
+                <a:spcPct val="100000"/>
+              </a:lnSpc>
+              <a:spcBef>
+                <a:spcPts val="0"/>
+              </a:spcBef>
+              <a:spcAft>
+                <a:spcPts val="0"/>
+              </a:spcAft>
+              <a:buClrTx/>
+              <a:buSzTx/>
+              <a:buFontTx/>
+              <a:buNone/>
+              <a:tabLst/>
+              <a:defRPr/>
+            </a:pPr>
+            <a:r>
+              <a:rPr lang="ko-KR" altLang="en-US" sz="2800" b="1" spc="-150" dirty="0">
+                <a:solidFill>
+                  <a:prstClr val="white"/>
+                </a:solidFill>
+                <a:latin typeface="Rix비타민 M" panose="02020603020101020101" pitchFamily="18" charset="-127"/>
+                <a:ea typeface="Rix비타민 M" panose="02020603020101020101" pitchFamily="18" charset="-127"/>
+              </a:rPr>
+              <a:t>참고 문헌</a:t>
+            </a:r>
+            <a:endParaRPr kumimoji="0" lang="ko-KR" altLang="en-US" sz="2800" b="1" i="0" u="none" strike="noStrike" kern="1200" cap="none" spc="-150" normalizeH="0" baseline="0" noProof="0" dirty="0">
+              <a:ln>
+                <a:noFill/>
+              </a:ln>
+              <a:solidFill>
+                <a:prstClr val="white"/>
+              </a:solidFill>
+              <a:effectLst/>
+              <a:uLnTx/>
+              <a:uFillTx/>
+              <a:latin typeface="Rix비타민 M" panose="02020603020101020101" pitchFamily="18" charset="-127"/>
+              <a:ea typeface="Rix비타민 M" panose="02020603020101020101" pitchFamily="18" charset="-127"/>
+            </a:endParaRPr>
+          </a:p>
+        </p:txBody>
+      </p:sp>
+      <p:sp>
+        <p:nvSpPr>
+          <p:cNvPr id="9" name="TextBox 8"/>
+          <p:cNvSpPr txBox="1"/>
+          <p:nvPr/>
+        </p:nvSpPr>
+        <p:spPr>
+          <a:xfrm>
+            <a:off x="3995936" y="692696"/>
+            <a:ext cx="1080120" cy="461665"/>
+          </a:xfrm>
+          <a:prstGeom prst="rect">
+            <a:avLst/>
+          </a:prstGeom>
+          <a:noFill/>
+        </p:spPr>
+        <p:txBody>
+          <a:bodyPr wrap="square" rtlCol="0">
+            <a:spAutoFit/>
+          </a:bodyPr>
+          <a:lstStyle/>
+          <a:p>
+            <a:pPr marL="0" marR="0" lvl="0" indent="0" algn="ctr" defTabSz="914400" rtl="0" eaLnBrk="1" fontAlgn="auto" latinLnBrk="1" hangingPunct="1">
+              <a:lnSpc>
+                <a:spcPct val="100000"/>
+              </a:lnSpc>
+              <a:spcBef>
+                <a:spcPts val="0"/>
+              </a:spcBef>
+              <a:spcAft>
+                <a:spcPts val="0"/>
+              </a:spcAft>
+              <a:buClrTx/>
+              <a:buSzTx/>
+              <a:buFontTx/>
+              <a:buNone/>
+              <a:tabLst/>
+              <a:defRPr/>
+            </a:pPr>
+            <a:r>
+              <a:rPr kumimoji="0" lang="en-US" altLang="ko-KR" sz="2400" b="0" i="0" u="none" strike="noStrike" kern="1200" cap="none" spc="0" normalizeH="0" baseline="0" noProof="0" dirty="0">
+                <a:ln>
+                  <a:noFill/>
+                </a:ln>
+                <a:solidFill>
+                  <a:prstClr val="white"/>
+                </a:solidFill>
+                <a:effectLst/>
+                <a:uLnTx/>
+                <a:uFillTx/>
+                <a:latin typeface="HY헤드라인M" pitchFamily="18" charset="-127"/>
+                <a:ea typeface="HY헤드라인M" pitchFamily="18" charset="-127"/>
+                <a:cs typeface="+mn-cs"/>
+              </a:rPr>
+              <a:t>05</a:t>
+            </a:r>
+            <a:endParaRPr kumimoji="0" lang="ko-KR" altLang="en-US" sz="2400" b="0" i="0" u="none" strike="noStrike" kern="1200" cap="none" spc="0" normalizeH="0" baseline="0" noProof="0" dirty="0">
+              <a:ln>
+                <a:noFill/>
+              </a:ln>
+              <a:solidFill>
+                <a:prstClr val="white"/>
+              </a:solidFill>
+              <a:effectLst/>
+              <a:uLnTx/>
+              <a:uFillTx/>
+              <a:latin typeface="HY헤드라인M" pitchFamily="18" charset="-127"/>
+              <a:ea typeface="HY헤드라인M" pitchFamily="18" charset="-127"/>
+              <a:cs typeface="+mn-cs"/>
+            </a:endParaRPr>
+          </a:p>
+        </p:txBody>
+      </p:sp>
+      <p:sp>
+        <p:nvSpPr>
+          <p:cNvPr id="18" name="내용 개체 틀 4">
+            <a:extLst>
+              <a:ext uri="{FF2B5EF4-FFF2-40B4-BE49-F238E27FC236}">
+                <a16:creationId xmlns:a16="http://schemas.microsoft.com/office/drawing/2014/main" id="{4649E46D-6DC0-4E98-AB78-81359839AE3C}"/>
+              </a:ext>
+            </a:extLst>
+          </p:cNvPr>
+          <p:cNvSpPr txBox="1">
+            <a:spLocks/>
+          </p:cNvSpPr>
+          <p:nvPr/>
+        </p:nvSpPr>
+        <p:spPr>
+          <a:xfrm>
+            <a:off x="683568" y="4616220"/>
+            <a:ext cx="8352928" cy="516093"/>
+          </a:xfrm>
+          <a:prstGeom prst="rect">
+            <a:avLst/>
+          </a:prstGeom>
+        </p:spPr>
+        <p:txBody>
+          <a:bodyPr vert="horz" lIns="91440" tIns="45720" rIns="91440" bIns="45720" rtlCol="0">
+            <a:normAutofit/>
+          </a:bodyPr>
+          <a:lstStyle>
+            <a:lvl1pPr marL="342900" indent="-342900" algn="l" defTabSz="914400" rtl="0" eaLnBrk="1" latinLnBrk="1" hangingPunct="1">
+              <a:spcBef>
+                <a:spcPct val="20000"/>
+              </a:spcBef>
+              <a:buFont typeface="Arial" pitchFamily="34" charset="0"/>
+              <a:buChar char="•"/>
+              <a:defRPr sz="2800" kern="1200">
+                <a:solidFill>
+                  <a:schemeClr val="tx1"/>
+                </a:solidFill>
+                <a:latin typeface="+mn-lt"/>
+                <a:ea typeface="+mn-ea"/>
+                <a:cs typeface="+mn-cs"/>
+              </a:defRPr>
+            </a:lvl1pPr>
+            <a:lvl2pPr marL="742950" indent="-285750" algn="l" defTabSz="914400" rtl="0" eaLnBrk="1" latinLnBrk="1" hangingPunct="1">
+              <a:spcBef>
+                <a:spcPct val="20000"/>
+              </a:spcBef>
+              <a:buFont typeface="Arial" pitchFamily="34" charset="0"/>
+              <a:buChar char="–"/>
+              <a:defRPr sz="2400" kern="1200">
+                <a:solidFill>
+                  <a:schemeClr val="tx1"/>
+                </a:solidFill>
+                <a:latin typeface="+mn-lt"/>
+                <a:ea typeface="+mn-ea"/>
+                <a:cs typeface="+mn-cs"/>
+              </a:defRPr>
+            </a:lvl2pPr>
+            <a:lvl3pPr marL="1143000" indent="-228600" algn="l" defTabSz="914400" rtl="0" eaLnBrk="1" latinLnBrk="1" hangingPunct="1">
+              <a:spcBef>
+                <a:spcPct val="20000"/>
+              </a:spcBef>
+              <a:buFont typeface="Arial" pitchFamily="34" charset="0"/>
+              <a:buChar char="•"/>
+              <a:defRPr sz="2000" kern="1200">
+                <a:solidFill>
+                  <a:schemeClr val="tx1"/>
+                </a:solidFill>
+                <a:latin typeface="+mn-lt"/>
+                <a:ea typeface="+mn-ea"/>
+                <a:cs typeface="+mn-cs"/>
+              </a:defRPr>
+            </a:lvl3pPr>
+            <a:lvl4pPr marL="1600200" indent="-228600" algn="l" defTabSz="914400" rtl="0" eaLnBrk="1" latinLnBrk="1" hangingPunct="1">
+              <a:spcBef>
+                <a:spcPct val="20000"/>
+              </a:spcBef>
+              <a:buFont typeface="Arial" pitchFamily="34" charset="0"/>
+              <a:buChar char="–"/>
+              <a:defRPr sz="1800" kern="1200">
+                <a:solidFill>
+                  <a:schemeClr val="tx1"/>
+                </a:solidFill>
+                <a:latin typeface="+mn-lt"/>
+                <a:ea typeface="+mn-ea"/>
+                <a:cs typeface="+mn-cs"/>
+              </a:defRPr>
+            </a:lvl4pPr>
+            <a:lvl5pPr marL="2057400" indent="-228600" algn="l" defTabSz="914400" rtl="0" eaLnBrk="1" latinLnBrk="1" hangingPunct="1">
+              <a:spcBef>
+                <a:spcPct val="20000"/>
+              </a:spcBef>
+              <a:buFont typeface="Arial" pitchFamily="34" charset="0"/>
+              <a:buChar char="»"/>
+              <a:defRPr sz="1800" kern="1200">
+                <a:solidFill>
+                  <a:schemeClr val="tx1"/>
+                </a:solidFill>
+                <a:latin typeface="+mn-lt"/>
+                <a:ea typeface="+mn-ea"/>
+                <a:cs typeface="+mn-cs"/>
+              </a:defRPr>
+            </a:lvl5pPr>
+            <a:lvl6pPr marL="2514600" indent="-228600" algn="l" defTabSz="914400" rtl="0" eaLnBrk="1" latinLnBrk="1" hangingPunct="1">
+              <a:spcBef>
+                <a:spcPct val="20000"/>
+              </a:spcBef>
+              <a:buFont typeface="Arial" pitchFamily="34" charset="0"/>
+              <a:buChar char="•"/>
+              <a:defRPr sz="1800" kern="1200">
+                <a:solidFill>
+                  <a:schemeClr val="tx1"/>
+                </a:solidFill>
+                <a:latin typeface="+mn-lt"/>
+                <a:ea typeface="+mn-ea"/>
+                <a:cs typeface="+mn-cs"/>
+              </a:defRPr>
+            </a:lvl6pPr>
+            <a:lvl7pPr marL="2971800" indent="-228600" algn="l" defTabSz="914400" rtl="0" eaLnBrk="1" latinLnBrk="1" hangingPunct="1">
+              <a:spcBef>
+                <a:spcPct val="20000"/>
+              </a:spcBef>
+              <a:buFont typeface="Arial" pitchFamily="34" charset="0"/>
+              <a:buChar char="•"/>
+              <a:defRPr sz="1800" kern="1200">
+                <a:solidFill>
+                  <a:schemeClr val="tx1"/>
+                </a:solidFill>
+                <a:latin typeface="+mn-lt"/>
+                <a:ea typeface="+mn-ea"/>
+                <a:cs typeface="+mn-cs"/>
+              </a:defRPr>
+            </a:lvl7pPr>
+            <a:lvl8pPr marL="3429000" indent="-228600" algn="l" defTabSz="914400" rtl="0" eaLnBrk="1" latinLnBrk="1" hangingPunct="1">
+              <a:spcBef>
+                <a:spcPct val="20000"/>
+              </a:spcBef>
+              <a:buFont typeface="Arial" pitchFamily="34" charset="0"/>
+              <a:buChar char="•"/>
+              <a:defRPr sz="1800" kern="1200">
+                <a:solidFill>
+                  <a:schemeClr val="tx1"/>
+                </a:solidFill>
+                <a:latin typeface="+mn-lt"/>
+                <a:ea typeface="+mn-ea"/>
+                <a:cs typeface="+mn-cs"/>
+              </a:defRPr>
+            </a:lvl8pPr>
+            <a:lvl9pPr marL="3886200" indent="-228600" algn="l" defTabSz="914400" rtl="0" eaLnBrk="1" latinLnBrk="1" hangingPunct="1">
+              <a:spcBef>
+                <a:spcPct val="20000"/>
+              </a:spcBef>
+              <a:buFont typeface="Arial" pitchFamily="34" charset="0"/>
+              <a:buChar char="•"/>
+              <a:defRPr sz="1800" kern="1200">
+                <a:solidFill>
+                  <a:schemeClr val="tx1"/>
+                </a:solidFill>
+                <a:latin typeface="+mn-lt"/>
+                <a:ea typeface="+mn-ea"/>
+                <a:cs typeface="+mn-cs"/>
+              </a:defRPr>
+            </a:lvl9pPr>
+          </a:lstStyle>
+          <a:p>
+            <a:pPr marL="0" indent="0">
+              <a:buFont typeface="Arial" pitchFamily="34" charset="0"/>
+              <a:buNone/>
+            </a:pPr>
+            <a:endParaRPr lang="en-US" altLang="ko-KR" sz="1500" b="1" dirty="0">
+              <a:effectLst>
+                <a:outerShdw blurRad="38100" dist="38100" dir="2700000" algn="tl">
+                  <a:srgbClr val="000000">
+                    <a:alpha val="43137"/>
+                  </a:srgbClr>
+                </a:outerShdw>
+              </a:effectLst>
+            </a:endParaRPr>
+          </a:p>
+        </p:txBody>
+      </p:sp>
+      <p:sp>
+        <p:nvSpPr>
+          <p:cNvPr id="15" name="내용 개체 틀 4">
+            <a:extLst>
+              <a:ext uri="{FF2B5EF4-FFF2-40B4-BE49-F238E27FC236}">
+                <a16:creationId xmlns:a16="http://schemas.microsoft.com/office/drawing/2014/main" id="{5388484D-5CEC-456B-A533-5908BBF110EC}"/>
+              </a:ext>
+            </a:extLst>
+          </p:cNvPr>
+          <p:cNvSpPr txBox="1">
+            <a:spLocks/>
+          </p:cNvSpPr>
+          <p:nvPr/>
+        </p:nvSpPr>
+        <p:spPr>
+          <a:xfrm>
+            <a:off x="351122" y="5007194"/>
+            <a:ext cx="7893286" cy="1799911"/>
+          </a:xfrm>
+          <a:prstGeom prst="rect">
+            <a:avLst/>
+          </a:prstGeom>
+        </p:spPr>
+        <p:txBody>
+          <a:bodyPr vert="horz" lIns="91440" tIns="45720" rIns="91440" bIns="45720" rtlCol="0">
+            <a:normAutofit/>
+          </a:bodyPr>
+          <a:lstStyle>
+            <a:lvl1pPr marL="342900" indent="-342900" algn="l" defTabSz="914400" rtl="0" eaLnBrk="1" latinLnBrk="1" hangingPunct="1">
+              <a:spcBef>
+                <a:spcPct val="20000"/>
+              </a:spcBef>
+              <a:buFont typeface="Arial" pitchFamily="34" charset="0"/>
+              <a:buChar char="•"/>
+              <a:defRPr sz="2800" kern="1200">
+                <a:solidFill>
+                  <a:schemeClr val="tx1"/>
+                </a:solidFill>
+                <a:latin typeface="+mn-lt"/>
+                <a:ea typeface="+mn-ea"/>
+                <a:cs typeface="+mn-cs"/>
+              </a:defRPr>
+            </a:lvl1pPr>
+            <a:lvl2pPr marL="742950" indent="-285750" algn="l" defTabSz="914400" rtl="0" eaLnBrk="1" latinLnBrk="1" hangingPunct="1">
+              <a:spcBef>
+                <a:spcPct val="20000"/>
+              </a:spcBef>
+              <a:buFont typeface="Arial" pitchFamily="34" charset="0"/>
+              <a:buChar char="–"/>
+              <a:defRPr sz="2400" kern="1200">
+                <a:solidFill>
+                  <a:schemeClr val="tx1"/>
+                </a:solidFill>
+                <a:latin typeface="+mn-lt"/>
+                <a:ea typeface="+mn-ea"/>
+                <a:cs typeface="+mn-cs"/>
+              </a:defRPr>
+            </a:lvl2pPr>
+            <a:lvl3pPr marL="1143000" indent="-228600" algn="l" defTabSz="914400" rtl="0" eaLnBrk="1" latinLnBrk="1" hangingPunct="1">
+              <a:spcBef>
+                <a:spcPct val="20000"/>
+              </a:spcBef>
+              <a:buFont typeface="Arial" pitchFamily="34" charset="0"/>
+              <a:buChar char="•"/>
+              <a:defRPr sz="2000" kern="1200">
+                <a:solidFill>
+                  <a:schemeClr val="tx1"/>
+                </a:solidFill>
+                <a:latin typeface="+mn-lt"/>
+                <a:ea typeface="+mn-ea"/>
+                <a:cs typeface="+mn-cs"/>
+              </a:defRPr>
+            </a:lvl3pPr>
+            <a:lvl4pPr marL="1600200" indent="-228600" algn="l" defTabSz="914400" rtl="0" eaLnBrk="1" latinLnBrk="1" hangingPunct="1">
+              <a:spcBef>
+                <a:spcPct val="20000"/>
+              </a:spcBef>
+              <a:buFont typeface="Arial" pitchFamily="34" charset="0"/>
+              <a:buChar char="–"/>
+              <a:defRPr sz="1800" kern="1200">
+                <a:solidFill>
+                  <a:schemeClr val="tx1"/>
+                </a:solidFill>
+                <a:latin typeface="+mn-lt"/>
+                <a:ea typeface="+mn-ea"/>
+                <a:cs typeface="+mn-cs"/>
+              </a:defRPr>
+            </a:lvl4pPr>
+            <a:lvl5pPr marL="2057400" indent="-228600" algn="l" defTabSz="914400" rtl="0" eaLnBrk="1" latinLnBrk="1" hangingPunct="1">
+              <a:spcBef>
+                <a:spcPct val="20000"/>
+              </a:spcBef>
+              <a:buFont typeface="Arial" pitchFamily="34" charset="0"/>
+              <a:buChar char="»"/>
+              <a:defRPr sz="1800" kern="1200">
+                <a:solidFill>
+                  <a:schemeClr val="tx1"/>
+                </a:solidFill>
+                <a:latin typeface="+mn-lt"/>
+                <a:ea typeface="+mn-ea"/>
+                <a:cs typeface="+mn-cs"/>
+              </a:defRPr>
+            </a:lvl5pPr>
+            <a:lvl6pPr marL="2514600" indent="-228600" algn="l" defTabSz="914400" rtl="0" eaLnBrk="1" latinLnBrk="1" hangingPunct="1">
+              <a:spcBef>
+                <a:spcPct val="20000"/>
+              </a:spcBef>
+              <a:buFont typeface="Arial" pitchFamily="34" charset="0"/>
+              <a:buChar char="•"/>
+              <a:defRPr sz="1800" kern="1200">
+                <a:solidFill>
+                  <a:schemeClr val="tx1"/>
+                </a:solidFill>
+                <a:latin typeface="+mn-lt"/>
+                <a:ea typeface="+mn-ea"/>
+                <a:cs typeface="+mn-cs"/>
+              </a:defRPr>
+            </a:lvl6pPr>
+            <a:lvl7pPr marL="2971800" indent="-228600" algn="l" defTabSz="914400" rtl="0" eaLnBrk="1" latinLnBrk="1" hangingPunct="1">
+              <a:spcBef>
+                <a:spcPct val="20000"/>
+              </a:spcBef>
+              <a:buFont typeface="Arial" pitchFamily="34" charset="0"/>
+              <a:buChar char="•"/>
+              <a:defRPr sz="1800" kern="1200">
+                <a:solidFill>
+                  <a:schemeClr val="tx1"/>
+                </a:solidFill>
+                <a:latin typeface="+mn-lt"/>
+                <a:ea typeface="+mn-ea"/>
+                <a:cs typeface="+mn-cs"/>
+              </a:defRPr>
+            </a:lvl7pPr>
+            <a:lvl8pPr marL="3429000" indent="-228600" algn="l" defTabSz="914400" rtl="0" eaLnBrk="1" latinLnBrk="1" hangingPunct="1">
+              <a:spcBef>
+                <a:spcPct val="20000"/>
+              </a:spcBef>
+              <a:buFont typeface="Arial" pitchFamily="34" charset="0"/>
+              <a:buChar char="•"/>
+              <a:defRPr sz="1800" kern="1200">
+                <a:solidFill>
+                  <a:schemeClr val="tx1"/>
+                </a:solidFill>
+                <a:latin typeface="+mn-lt"/>
+                <a:ea typeface="+mn-ea"/>
+                <a:cs typeface="+mn-cs"/>
+              </a:defRPr>
+            </a:lvl8pPr>
+            <a:lvl9pPr marL="3886200" indent="-228600" algn="l" defTabSz="914400" rtl="0" eaLnBrk="1" latinLnBrk="1" hangingPunct="1">
+              <a:spcBef>
+                <a:spcPct val="20000"/>
+              </a:spcBef>
+              <a:buFont typeface="Arial" pitchFamily="34" charset="0"/>
+              <a:buChar char="•"/>
+              <a:defRPr sz="1800" kern="1200">
+                <a:solidFill>
+                  <a:schemeClr val="tx1"/>
+                </a:solidFill>
+                <a:latin typeface="+mn-lt"/>
+                <a:ea typeface="+mn-ea"/>
+                <a:cs typeface="+mn-cs"/>
+              </a:defRPr>
+            </a:lvl9pPr>
+          </a:lstStyle>
+          <a:p>
+            <a:pPr marL="0" indent="0">
+              <a:buFont typeface="Arial" pitchFamily="34" charset="0"/>
+              <a:buNone/>
+            </a:pPr>
+            <a:endParaRPr lang="en-US" altLang="ko-KR" sz="1400" b="1" dirty="0">
+              <a:effectLst>
+                <a:outerShdw blurRad="38100" dist="38100" dir="2700000" algn="tl">
+                  <a:srgbClr val="000000">
+                    <a:alpha val="43137"/>
+                  </a:srgbClr>
+                </a:outerShdw>
+              </a:effectLst>
+            </a:endParaRPr>
+          </a:p>
+        </p:txBody>
+      </p:sp>
+      <p:sp>
+        <p:nvSpPr>
+          <p:cNvPr id="10" name="내용 개체 틀 4">
+            <a:extLst>
+              <a:ext uri="{FF2B5EF4-FFF2-40B4-BE49-F238E27FC236}">
+                <a16:creationId xmlns:a16="http://schemas.microsoft.com/office/drawing/2014/main" id="{A568EFB5-0D9A-44F9-B056-FD70C0C03DCC}"/>
+              </a:ext>
+            </a:extLst>
+          </p:cNvPr>
+          <p:cNvSpPr txBox="1">
+            <a:spLocks/>
+          </p:cNvSpPr>
+          <p:nvPr/>
+        </p:nvSpPr>
+        <p:spPr>
+          <a:xfrm>
+            <a:off x="167962" y="1278542"/>
+            <a:ext cx="8868534" cy="4961218"/>
+          </a:xfrm>
+          <a:prstGeom prst="rect">
+            <a:avLst/>
+          </a:prstGeom>
+        </p:spPr>
+        <p:txBody>
+          <a:bodyPr vert="horz" lIns="91440" tIns="45720" rIns="91440" bIns="45720" rtlCol="0">
+            <a:normAutofit/>
+          </a:bodyPr>
+          <a:lstStyle>
+            <a:lvl1pPr marL="342900" indent="-342900" algn="l" defTabSz="914400" rtl="0" eaLnBrk="1" latinLnBrk="1" hangingPunct="1">
+              <a:spcBef>
+                <a:spcPct val="20000"/>
+              </a:spcBef>
+              <a:buFont typeface="Arial" pitchFamily="34" charset="0"/>
+              <a:buChar char="•"/>
+              <a:defRPr sz="2800" kern="1200">
+                <a:solidFill>
+                  <a:schemeClr val="tx1"/>
+                </a:solidFill>
+                <a:latin typeface="+mn-lt"/>
+                <a:ea typeface="+mn-ea"/>
+                <a:cs typeface="+mn-cs"/>
+              </a:defRPr>
+            </a:lvl1pPr>
+            <a:lvl2pPr marL="742950" indent="-285750" algn="l" defTabSz="914400" rtl="0" eaLnBrk="1" latinLnBrk="1" hangingPunct="1">
+              <a:spcBef>
+                <a:spcPct val="20000"/>
+              </a:spcBef>
+              <a:buFont typeface="Arial" pitchFamily="34" charset="0"/>
+              <a:buChar char="–"/>
+              <a:defRPr sz="2400" kern="1200">
+                <a:solidFill>
+                  <a:schemeClr val="tx1"/>
+                </a:solidFill>
+                <a:latin typeface="+mn-lt"/>
+                <a:ea typeface="+mn-ea"/>
+                <a:cs typeface="+mn-cs"/>
+              </a:defRPr>
+            </a:lvl2pPr>
+            <a:lvl3pPr marL="1143000" indent="-228600" algn="l" defTabSz="914400" rtl="0" eaLnBrk="1" latinLnBrk="1" hangingPunct="1">
+              <a:spcBef>
+                <a:spcPct val="20000"/>
+              </a:spcBef>
+              <a:buFont typeface="Arial" pitchFamily="34" charset="0"/>
+              <a:buChar char="•"/>
+              <a:defRPr sz="2000" kern="1200">
+                <a:solidFill>
+                  <a:schemeClr val="tx1"/>
+                </a:solidFill>
+                <a:latin typeface="+mn-lt"/>
+                <a:ea typeface="+mn-ea"/>
+                <a:cs typeface="+mn-cs"/>
+              </a:defRPr>
+            </a:lvl3pPr>
+            <a:lvl4pPr marL="1600200" indent="-228600" algn="l" defTabSz="914400" rtl="0" eaLnBrk="1" latinLnBrk="1" hangingPunct="1">
+              <a:spcBef>
+                <a:spcPct val="20000"/>
+              </a:spcBef>
+              <a:buFont typeface="Arial" pitchFamily="34" charset="0"/>
+              <a:buChar char="–"/>
+              <a:defRPr sz="1800" kern="1200">
+                <a:solidFill>
+                  <a:schemeClr val="tx1"/>
+                </a:solidFill>
+                <a:latin typeface="+mn-lt"/>
+                <a:ea typeface="+mn-ea"/>
+                <a:cs typeface="+mn-cs"/>
+              </a:defRPr>
+            </a:lvl4pPr>
+            <a:lvl5pPr marL="2057400" indent="-228600" algn="l" defTabSz="914400" rtl="0" eaLnBrk="1" latinLnBrk="1" hangingPunct="1">
+              <a:spcBef>
+                <a:spcPct val="20000"/>
+              </a:spcBef>
+              <a:buFont typeface="Arial" pitchFamily="34" charset="0"/>
+              <a:buChar char="»"/>
+              <a:defRPr sz="1800" kern="1200">
+                <a:solidFill>
+                  <a:schemeClr val="tx1"/>
+                </a:solidFill>
+                <a:latin typeface="+mn-lt"/>
+                <a:ea typeface="+mn-ea"/>
+                <a:cs typeface="+mn-cs"/>
+              </a:defRPr>
+            </a:lvl5pPr>
+            <a:lvl6pPr marL="2514600" indent="-228600" algn="l" defTabSz="914400" rtl="0" eaLnBrk="1" latinLnBrk="1" hangingPunct="1">
+              <a:spcBef>
+                <a:spcPct val="20000"/>
+              </a:spcBef>
+              <a:buFont typeface="Arial" pitchFamily="34" charset="0"/>
+              <a:buChar char="•"/>
+              <a:defRPr sz="1800" kern="1200">
+                <a:solidFill>
+                  <a:schemeClr val="tx1"/>
+                </a:solidFill>
+                <a:latin typeface="+mn-lt"/>
+                <a:ea typeface="+mn-ea"/>
+                <a:cs typeface="+mn-cs"/>
+              </a:defRPr>
+            </a:lvl6pPr>
+            <a:lvl7pPr marL="2971800" indent="-228600" algn="l" defTabSz="914400" rtl="0" eaLnBrk="1" latinLnBrk="1" hangingPunct="1">
+              <a:spcBef>
+                <a:spcPct val="20000"/>
+              </a:spcBef>
+              <a:buFont typeface="Arial" pitchFamily="34" charset="0"/>
+              <a:buChar char="•"/>
+              <a:defRPr sz="1800" kern="1200">
+                <a:solidFill>
+                  <a:schemeClr val="tx1"/>
+                </a:solidFill>
+                <a:latin typeface="+mn-lt"/>
+                <a:ea typeface="+mn-ea"/>
+                <a:cs typeface="+mn-cs"/>
+              </a:defRPr>
+            </a:lvl7pPr>
+            <a:lvl8pPr marL="3429000" indent="-228600" algn="l" defTabSz="914400" rtl="0" eaLnBrk="1" latinLnBrk="1" hangingPunct="1">
+              <a:spcBef>
+                <a:spcPct val="20000"/>
+              </a:spcBef>
+              <a:buFont typeface="Arial" pitchFamily="34" charset="0"/>
+              <a:buChar char="•"/>
+              <a:defRPr sz="1800" kern="1200">
+                <a:solidFill>
+                  <a:schemeClr val="tx1"/>
+                </a:solidFill>
+                <a:latin typeface="+mn-lt"/>
+                <a:ea typeface="+mn-ea"/>
+                <a:cs typeface="+mn-cs"/>
+              </a:defRPr>
+            </a:lvl8pPr>
+            <a:lvl9pPr marL="3886200" indent="-228600" algn="l" defTabSz="914400" rtl="0" eaLnBrk="1" latinLnBrk="1" hangingPunct="1">
+              <a:spcBef>
+                <a:spcPct val="20000"/>
+              </a:spcBef>
+              <a:buFont typeface="Arial" pitchFamily="34" charset="0"/>
+              <a:buChar char="•"/>
+              <a:defRPr sz="1800" kern="1200">
+                <a:solidFill>
+                  <a:schemeClr val="tx1"/>
+                </a:solidFill>
+                <a:latin typeface="+mn-lt"/>
+                <a:ea typeface="+mn-ea"/>
+                <a:cs typeface="+mn-cs"/>
+              </a:defRPr>
+            </a:lvl9pPr>
+          </a:lstStyle>
+          <a:p>
+            <a:r>
+              <a:rPr lang="en-US" altLang="ko-KR" sz="1400" b="1" dirty="0">
+                <a:effectLst>
+                  <a:outerShdw blurRad="38100" dist="38100" dir="2700000" algn="tl">
+                    <a:srgbClr val="000000">
+                      <a:alpha val="43137"/>
+                    </a:srgbClr>
+                  </a:outerShdw>
+                </a:effectLst>
+              </a:rPr>
+              <a:t>[</a:t>
+            </a:r>
+            <a:r>
+              <a:rPr lang="ko-KR" altLang="en-US" sz="1400" b="1" dirty="0">
+                <a:effectLst>
+                  <a:outerShdw blurRad="38100" dist="38100" dir="2700000" algn="tl">
+                    <a:srgbClr val="000000">
+                      <a:alpha val="43137"/>
+                    </a:srgbClr>
+                  </a:outerShdw>
+                </a:effectLst>
+              </a:rPr>
+              <a:t>그림</a:t>
+            </a:r>
+            <a:r>
+              <a:rPr lang="en-US" altLang="ko-KR" sz="1400" b="1" dirty="0">
+                <a:effectLst>
+                  <a:outerShdw blurRad="38100" dist="38100" dir="2700000" algn="tl">
+                    <a:srgbClr val="000000">
+                      <a:alpha val="43137"/>
+                    </a:srgbClr>
+                  </a:outerShdw>
+                </a:effectLst>
+              </a:rPr>
+              <a:t>1] </a:t>
+            </a:r>
+            <a:r>
+              <a:rPr lang="en-US" altLang="ko-KR" sz="1400" b="1" dirty="0">
+                <a:effectLst>
+                  <a:outerShdw blurRad="38100" dist="38100" dir="2700000" algn="tl">
+                    <a:srgbClr val="000000">
+                      <a:alpha val="43137"/>
+                    </a:srgbClr>
+                  </a:outerShdw>
+                </a:effectLst>
+                <a:hlinkClick r:id="rId3"/>
+              </a:rPr>
+              <a:t>https://www.forbes.com/sites/danielnewman/2018/09/11/top-10-digital-transformation-	trends-for-2019/#1083e7143c30</a:t>
+            </a:r>
+            <a:endParaRPr lang="en-US" altLang="ko-KR" sz="1400" b="1" dirty="0">
+              <a:effectLst>
+                <a:outerShdw blurRad="38100" dist="38100" dir="2700000" algn="tl">
+                  <a:srgbClr val="000000">
+                    <a:alpha val="43137"/>
+                  </a:srgbClr>
+                </a:outerShdw>
+              </a:effectLst>
+            </a:endParaRPr>
+          </a:p>
+          <a:p>
+            <a:endParaRPr lang="en-US" altLang="ko-KR" sz="1400" b="1" dirty="0">
+              <a:effectLst>
+                <a:outerShdw blurRad="38100" dist="38100" dir="2700000" algn="tl">
+                  <a:srgbClr val="000000">
+                    <a:alpha val="43137"/>
+                  </a:srgbClr>
+                </a:outerShdw>
+              </a:effectLst>
+            </a:endParaRPr>
+          </a:p>
+          <a:p>
+            <a:r>
+              <a:rPr lang="en-US" altLang="ko-KR" sz="1400" b="1" dirty="0">
+                <a:effectLst>
+                  <a:outerShdw blurRad="38100" dist="38100" dir="2700000" algn="tl">
+                    <a:srgbClr val="000000">
+                      <a:alpha val="43137"/>
+                    </a:srgbClr>
+                  </a:outerShdw>
+                </a:effectLst>
+              </a:rPr>
+              <a:t>[</a:t>
+            </a:r>
+            <a:r>
+              <a:rPr lang="ko-KR" altLang="en-US" sz="1400" b="1" dirty="0">
+                <a:effectLst>
+                  <a:outerShdw blurRad="38100" dist="38100" dir="2700000" algn="tl">
+                    <a:srgbClr val="000000">
+                      <a:alpha val="43137"/>
+                    </a:srgbClr>
+                  </a:outerShdw>
+                </a:effectLst>
+              </a:rPr>
+              <a:t>그림</a:t>
+            </a:r>
+            <a:r>
+              <a:rPr lang="en-US" altLang="ko-KR" sz="1400" b="1" dirty="0">
+                <a:effectLst>
+                  <a:outerShdw blurRad="38100" dist="38100" dir="2700000" algn="tl">
+                    <a:srgbClr val="000000">
+                      <a:alpha val="43137"/>
+                    </a:srgbClr>
+                  </a:outerShdw>
+                </a:effectLst>
+              </a:rPr>
+              <a:t>2] </a:t>
+            </a:r>
+            <a:r>
+              <a:rPr lang="en-US" altLang="ko-KR" sz="1400" b="1" dirty="0">
+                <a:effectLst>
+                  <a:outerShdw blurRad="38100" dist="38100" dir="2700000" algn="tl">
+                    <a:srgbClr val="000000">
+                      <a:alpha val="43137"/>
+                    </a:srgbClr>
+                  </a:outerShdw>
+                </a:effectLst>
+                <a:hlinkClick r:id="rId4"/>
+              </a:rPr>
+              <a:t>https://www.boannews.com/media/view.asp?idx=77829&amp;kind=5</a:t>
+            </a:r>
+            <a:endParaRPr lang="en-US" altLang="ko-KR" sz="1400" b="1" dirty="0">
+              <a:effectLst>
+                <a:outerShdw blurRad="38100" dist="38100" dir="2700000" algn="tl">
+                  <a:srgbClr val="000000">
+                    <a:alpha val="43137"/>
+                  </a:srgbClr>
+                </a:outerShdw>
+              </a:effectLst>
+            </a:endParaRPr>
+          </a:p>
+          <a:p>
+            <a:pPr marL="0" indent="0">
+              <a:buNone/>
+            </a:pPr>
+            <a:r>
+              <a:rPr lang="en-US" altLang="ko-KR" sz="1400" b="1" dirty="0">
+                <a:effectLst>
+                  <a:outerShdw blurRad="38100" dist="38100" dir="2700000" algn="tl">
+                    <a:srgbClr val="000000">
+                      <a:alpha val="43137"/>
+                    </a:srgbClr>
+                  </a:outerShdw>
+                </a:effectLst>
+              </a:rPr>
+              <a:t>	</a:t>
+            </a:r>
+            <a:r>
+              <a:rPr lang="en-US" altLang="ko-KR" sz="1400" b="1" dirty="0">
+                <a:effectLst>
+                  <a:outerShdw blurRad="38100" dist="38100" dir="2700000" algn="tl">
+                    <a:srgbClr val="000000">
+                      <a:alpha val="43137"/>
+                    </a:srgbClr>
+                  </a:outerShdw>
+                </a:effectLst>
+                <a:hlinkClick r:id="rId5"/>
+              </a:rPr>
+              <a:t>http://www.dt.co.kr/contents.html?article_no=2019022602109931041001</a:t>
+            </a:r>
+            <a:endParaRPr lang="en-US" altLang="ko-KR" sz="1400" b="1" dirty="0">
+              <a:effectLst>
+                <a:outerShdw blurRad="38100" dist="38100" dir="2700000" algn="tl">
+                  <a:srgbClr val="000000">
+                    <a:alpha val="43137"/>
+                  </a:srgbClr>
+                </a:outerShdw>
+              </a:effectLst>
+            </a:endParaRPr>
+          </a:p>
+          <a:p>
+            <a:pPr marL="0" indent="0">
+              <a:buNone/>
+            </a:pPr>
+            <a:r>
+              <a:rPr lang="en-US" altLang="ko-KR" sz="1400" b="1" dirty="0">
+                <a:effectLst>
+                  <a:outerShdw blurRad="38100" dist="38100" dir="2700000" algn="tl">
+                    <a:srgbClr val="000000">
+                      <a:alpha val="43137"/>
+                    </a:srgbClr>
+                  </a:outerShdw>
+                </a:effectLst>
+              </a:rPr>
+              <a:t>	</a:t>
+            </a:r>
+            <a:r>
+              <a:rPr lang="en-US" altLang="ko-KR" sz="1400" b="1" dirty="0">
+                <a:effectLst>
+                  <a:outerShdw blurRad="38100" dist="38100" dir="2700000" algn="tl">
+                    <a:srgbClr val="000000">
+                      <a:alpha val="43137"/>
+                    </a:srgbClr>
+                  </a:outerShdw>
+                </a:effectLst>
+                <a:hlinkClick r:id="rId6"/>
+              </a:rPr>
+              <a:t>http://www.dt.co.kr/contents.html?article_no=2018122302109931731002</a:t>
+            </a:r>
+            <a:endParaRPr lang="en-US" altLang="ko-KR" sz="1400" b="1" dirty="0">
+              <a:effectLst>
+                <a:outerShdw blurRad="38100" dist="38100" dir="2700000" algn="tl">
+                  <a:srgbClr val="000000">
+                    <a:alpha val="43137"/>
+                  </a:srgbClr>
+                </a:outerShdw>
+              </a:effectLst>
+            </a:endParaRPr>
+          </a:p>
+          <a:p>
+            <a:pPr marL="0" indent="0">
+              <a:buNone/>
+            </a:pPr>
+            <a:endParaRPr lang="en-US" altLang="ko-KR" sz="1400" b="1" dirty="0">
+              <a:effectLst>
+                <a:outerShdw blurRad="38100" dist="38100" dir="2700000" algn="tl">
+                  <a:srgbClr val="000000">
+                    <a:alpha val="43137"/>
+                  </a:srgbClr>
+                </a:outerShdw>
+              </a:effectLst>
+            </a:endParaRPr>
+          </a:p>
+          <a:p>
+            <a:r>
+              <a:rPr lang="en-US" altLang="ko-KR" sz="1400" b="1" dirty="0">
+                <a:effectLst>
+                  <a:outerShdw blurRad="38100" dist="38100" dir="2700000" algn="tl">
+                    <a:srgbClr val="000000">
+                      <a:alpha val="43137"/>
+                    </a:srgbClr>
+                  </a:outerShdw>
+                </a:effectLst>
+              </a:rPr>
+              <a:t>[</a:t>
+            </a:r>
+            <a:r>
+              <a:rPr lang="ko-KR" altLang="en-US" sz="1400" b="1" dirty="0">
+                <a:effectLst>
+                  <a:outerShdw blurRad="38100" dist="38100" dir="2700000" algn="tl">
+                    <a:srgbClr val="000000">
+                      <a:alpha val="43137"/>
+                    </a:srgbClr>
+                  </a:outerShdw>
+                </a:effectLst>
+              </a:rPr>
+              <a:t>그림</a:t>
+            </a:r>
+            <a:r>
+              <a:rPr lang="en-US" altLang="ko-KR" sz="1400" b="1" dirty="0">
+                <a:effectLst>
+                  <a:outerShdw blurRad="38100" dist="38100" dir="2700000" algn="tl">
+                    <a:srgbClr val="000000">
+                      <a:alpha val="43137"/>
+                    </a:srgbClr>
+                  </a:outerShdw>
+                </a:effectLst>
+              </a:rPr>
+              <a:t>3] </a:t>
+            </a:r>
+            <a:r>
+              <a:rPr lang="en-US" altLang="ko-KR" sz="1400" b="1" dirty="0">
+                <a:effectLst>
+                  <a:outerShdw blurRad="38100" dist="38100" dir="2700000" algn="tl">
+                    <a:srgbClr val="000000">
+                      <a:alpha val="43137"/>
+                    </a:srgbClr>
+                  </a:outerShdw>
+                </a:effectLst>
+                <a:hlinkClick r:id="rId7"/>
+              </a:rPr>
+              <a:t>https://www.boannews.com/media/view.asp?idx=76283</a:t>
+            </a:r>
+            <a:endParaRPr lang="en-US" altLang="ko-KR" sz="1400" b="1" dirty="0">
+              <a:effectLst>
+                <a:outerShdw blurRad="38100" dist="38100" dir="2700000" algn="tl">
+                  <a:srgbClr val="000000">
+                    <a:alpha val="43137"/>
+                  </a:srgbClr>
+                </a:outerShdw>
+              </a:effectLst>
+            </a:endParaRPr>
+          </a:p>
+          <a:p>
+            <a:endParaRPr lang="en-US" altLang="ko-KR" sz="1400" b="1" dirty="0">
+              <a:effectLst>
+                <a:outerShdw blurRad="38100" dist="38100" dir="2700000" algn="tl">
+                  <a:srgbClr val="000000">
+                    <a:alpha val="43137"/>
+                  </a:srgbClr>
+                </a:outerShdw>
+              </a:effectLst>
+            </a:endParaRPr>
+          </a:p>
+          <a:p>
+            <a:r>
+              <a:rPr lang="en-US" altLang="ko-KR" sz="1400" b="1" dirty="0">
+                <a:effectLst>
+                  <a:outerShdw blurRad="38100" dist="38100" dir="2700000" algn="tl">
+                    <a:srgbClr val="000000">
+                      <a:alpha val="43137"/>
+                    </a:srgbClr>
+                  </a:outerShdw>
+                </a:effectLst>
+              </a:rPr>
+              <a:t>[</a:t>
+            </a:r>
+            <a:r>
+              <a:rPr lang="ko-KR" altLang="en-US" sz="1400" b="1" dirty="0">
+                <a:effectLst>
+                  <a:outerShdw blurRad="38100" dist="38100" dir="2700000" algn="tl">
+                    <a:srgbClr val="000000">
+                      <a:alpha val="43137"/>
+                    </a:srgbClr>
+                  </a:outerShdw>
+                </a:effectLst>
+              </a:rPr>
+              <a:t>그림</a:t>
+            </a:r>
+            <a:r>
+              <a:rPr lang="en-US" altLang="ko-KR" sz="1400" b="1" dirty="0">
+                <a:effectLst>
+                  <a:outerShdw blurRad="38100" dist="38100" dir="2700000" algn="tl">
+                    <a:srgbClr val="000000">
+                      <a:alpha val="43137"/>
+                    </a:srgbClr>
+                  </a:outerShdw>
+                </a:effectLst>
+              </a:rPr>
+              <a:t>4] </a:t>
+            </a:r>
+            <a:r>
+              <a:rPr lang="en-US" altLang="ko-KR" sz="1400" b="1" dirty="0">
+                <a:effectLst>
+                  <a:outerShdw blurRad="38100" dist="38100" dir="2700000" algn="tl">
+                    <a:srgbClr val="000000">
+                      <a:alpha val="43137"/>
+                    </a:srgbClr>
+                  </a:outerShdw>
+                </a:effectLst>
+                <a:hlinkClick r:id="rId8"/>
+              </a:rPr>
+              <a:t>https://github.com/tensorflow/models/blob/master/research/object_detection 	/g3doc/</a:t>
+            </a:r>
+            <a:r>
+              <a:rPr lang="en-US" altLang="ko-KR" sz="1400" b="1" dirty="0" err="1">
+                <a:effectLst>
+                  <a:outerShdw blurRad="38100" dist="38100" dir="2700000" algn="tl">
+                    <a:srgbClr val="000000">
+                      <a:alpha val="43137"/>
+                    </a:srgbClr>
+                  </a:outerShdw>
+                </a:effectLst>
+                <a:hlinkClick r:id="rId8"/>
+              </a:rPr>
+              <a:t>img</a:t>
+            </a:r>
+            <a:r>
+              <a:rPr lang="en-US" altLang="ko-KR" sz="1400" b="1" dirty="0">
+                <a:effectLst>
+                  <a:outerShdw blurRad="38100" dist="38100" dir="2700000" algn="tl">
+                    <a:srgbClr val="000000">
+                      <a:alpha val="43137"/>
+                    </a:srgbClr>
+                  </a:outerShdw>
+                </a:effectLst>
+                <a:hlinkClick r:id="rId8"/>
+              </a:rPr>
+              <a:t>/kites_detections_output.jpg</a:t>
+            </a:r>
+            <a:endParaRPr lang="en-US" altLang="ko-KR" sz="1400" b="1" dirty="0">
+              <a:effectLst>
+                <a:outerShdw blurRad="38100" dist="38100" dir="2700000" algn="tl">
+                  <a:srgbClr val="000000">
+                    <a:alpha val="43137"/>
+                  </a:srgbClr>
+                </a:outerShdw>
+              </a:effectLst>
+            </a:endParaRPr>
+          </a:p>
+          <a:p>
+            <a:endParaRPr lang="en-US" altLang="ko-KR" sz="1400" b="1" dirty="0">
+              <a:effectLst>
+                <a:outerShdw blurRad="38100" dist="38100" dir="2700000" algn="tl">
+                  <a:srgbClr val="000000">
+                    <a:alpha val="43137"/>
+                  </a:srgbClr>
+                </a:outerShdw>
+              </a:effectLst>
+            </a:endParaRPr>
+          </a:p>
+          <a:p>
+            <a:r>
+              <a:rPr lang="en-US" altLang="ko-KR" sz="1400" b="1" dirty="0">
+                <a:effectLst>
+                  <a:outerShdw blurRad="38100" dist="38100" dir="2700000" algn="tl">
+                    <a:srgbClr val="000000">
+                      <a:alpha val="43137"/>
+                    </a:srgbClr>
+                  </a:outerShdw>
+                </a:effectLst>
+              </a:rPr>
+              <a:t>[</a:t>
+            </a:r>
+            <a:r>
+              <a:rPr lang="ko-KR" altLang="en-US" sz="1400" b="1" dirty="0">
+                <a:effectLst>
+                  <a:outerShdw blurRad="38100" dist="38100" dir="2700000" algn="tl">
+                    <a:srgbClr val="000000">
+                      <a:alpha val="43137"/>
+                    </a:srgbClr>
+                  </a:outerShdw>
+                </a:effectLst>
+              </a:rPr>
+              <a:t>그림</a:t>
+            </a:r>
+            <a:r>
+              <a:rPr lang="en-US" altLang="ko-KR" sz="1400" b="1" dirty="0">
+                <a:effectLst>
+                  <a:outerShdw blurRad="38100" dist="38100" dir="2700000" algn="tl">
+                    <a:srgbClr val="000000">
+                      <a:alpha val="43137"/>
+                    </a:srgbClr>
+                  </a:outerShdw>
+                </a:effectLst>
+              </a:rPr>
+              <a:t>5] </a:t>
+            </a:r>
+            <a:r>
+              <a:rPr lang="en-US" altLang="ko-KR" sz="1400" b="1" dirty="0">
+                <a:effectLst>
+                  <a:outerShdw blurRad="38100" dist="38100" dir="2700000" algn="tl">
+                    <a:srgbClr val="000000">
+                      <a:alpha val="43137"/>
+                    </a:srgbClr>
+                  </a:outerShdw>
+                </a:effectLst>
+                <a:hlinkClick r:id="rId9"/>
+              </a:rPr>
+              <a:t>http://deeplearning.stanford.edu/wiki/index.php/File:Convolution_schematic.gif</a:t>
+            </a:r>
+            <a:endParaRPr lang="en-US" altLang="ko-KR" sz="1400" b="1" dirty="0">
+              <a:effectLst>
+                <a:outerShdw blurRad="38100" dist="38100" dir="2700000" algn="tl">
+                  <a:srgbClr val="000000">
+                    <a:alpha val="43137"/>
+                  </a:srgbClr>
+                </a:outerShdw>
+              </a:effectLst>
+            </a:endParaRPr>
+          </a:p>
+          <a:p>
+            <a:pPr marL="0" indent="0">
+              <a:buNone/>
+            </a:pPr>
+            <a:endParaRPr lang="en-US" altLang="ko-KR" sz="1400" b="1" dirty="0">
+              <a:effectLst>
+                <a:outerShdw blurRad="38100" dist="38100" dir="2700000" algn="tl">
+                  <a:srgbClr val="000000">
+                    <a:alpha val="43137"/>
+                  </a:srgbClr>
+                </a:outerShdw>
+              </a:effectLst>
+            </a:endParaRPr>
+          </a:p>
+          <a:p>
+            <a:r>
+              <a:rPr lang="en-US" altLang="ko-KR" sz="1400" b="1" dirty="0">
+                <a:effectLst>
+                  <a:outerShdw blurRad="38100" dist="38100" dir="2700000" algn="tl">
+                    <a:srgbClr val="000000">
+                      <a:alpha val="43137"/>
+                    </a:srgbClr>
+                  </a:outerShdw>
+                </a:effectLst>
+              </a:rPr>
+              <a:t>[</a:t>
+            </a:r>
+            <a:r>
+              <a:rPr lang="ko-KR" altLang="en-US" sz="1400" b="1" dirty="0">
+                <a:effectLst>
+                  <a:outerShdw blurRad="38100" dist="38100" dir="2700000" algn="tl">
+                    <a:srgbClr val="000000">
+                      <a:alpha val="43137"/>
+                    </a:srgbClr>
+                  </a:outerShdw>
+                </a:effectLst>
+              </a:rPr>
+              <a:t>그림</a:t>
+            </a:r>
+            <a:r>
+              <a:rPr lang="en-US" altLang="ko-KR" sz="1400" b="1" dirty="0">
+                <a:effectLst>
+                  <a:outerShdw blurRad="38100" dist="38100" dir="2700000" algn="tl">
+                    <a:srgbClr val="000000">
+                      <a:alpha val="43137"/>
+                    </a:srgbClr>
+                  </a:outerShdw>
+                </a:effectLst>
+              </a:rPr>
+              <a:t>6] </a:t>
+            </a:r>
+            <a:r>
+              <a:rPr lang="en-US" altLang="ko-KR" sz="1400" b="1" dirty="0">
+                <a:effectLst>
+                  <a:outerShdw blurRad="38100" dist="38100" dir="2700000" algn="tl">
+                    <a:srgbClr val="000000">
+                      <a:alpha val="43137"/>
+                    </a:srgbClr>
+                  </a:outerShdw>
+                </a:effectLst>
+                <a:hlinkClick r:id="rId10"/>
+              </a:rPr>
+              <a:t>https://laonple.blog.me/220608018546</a:t>
+            </a:r>
+            <a:endParaRPr lang="en-US" altLang="ko-KR" sz="1400" b="1" dirty="0">
+              <a:effectLst>
+                <a:outerShdw blurRad="38100" dist="38100" dir="2700000" algn="tl">
+                  <a:srgbClr val="000000">
+                    <a:alpha val="43137"/>
+                  </a:srgbClr>
+                </a:outerShdw>
+              </a:effectLst>
+            </a:endParaRPr>
+          </a:p>
+          <a:p>
+            <a:pPr marL="0" indent="0">
+              <a:buNone/>
+            </a:pPr>
+            <a:endParaRPr lang="en-US" altLang="ko-KR" sz="1400" b="1" dirty="0">
+              <a:effectLst>
+                <a:outerShdw blurRad="38100" dist="38100" dir="2700000" algn="tl">
+                  <a:srgbClr val="000000">
+                    <a:alpha val="43137"/>
+                  </a:srgbClr>
+                </a:outerShdw>
+              </a:effectLst>
+            </a:endParaRPr>
+          </a:p>
+          <a:p>
+            <a:r>
+              <a:rPr lang="en-US" altLang="ko-KR" sz="1400" b="1" dirty="0">
+                <a:effectLst>
+                  <a:outerShdw blurRad="38100" dist="38100" dir="2700000" algn="tl">
+                    <a:srgbClr val="000000">
+                      <a:alpha val="43137"/>
+                    </a:srgbClr>
+                  </a:outerShdw>
+                </a:effectLst>
+              </a:rPr>
+              <a:t>[</a:t>
+            </a:r>
+            <a:r>
+              <a:rPr lang="ko-KR" altLang="en-US" sz="1400" b="1" dirty="0">
+                <a:effectLst>
+                  <a:outerShdw blurRad="38100" dist="38100" dir="2700000" algn="tl">
+                    <a:srgbClr val="000000">
+                      <a:alpha val="43137"/>
+                    </a:srgbClr>
+                  </a:outerShdw>
+                </a:effectLst>
+              </a:rPr>
+              <a:t>그림</a:t>
+            </a:r>
+            <a:r>
+              <a:rPr lang="en-US" altLang="ko-KR" sz="1400" b="1" dirty="0">
+                <a:effectLst>
+                  <a:outerShdw blurRad="38100" dist="38100" dir="2700000" algn="tl">
+                    <a:srgbClr val="000000">
+                      <a:alpha val="43137"/>
+                    </a:srgbClr>
+                  </a:outerShdw>
+                </a:effectLst>
+              </a:rPr>
+              <a:t>7]</a:t>
+            </a:r>
+            <a:r>
+              <a:rPr lang="en-US" altLang="ko-KR" sz="1400" b="1" dirty="0"/>
+              <a:t> </a:t>
+            </a:r>
+            <a:r>
+              <a:rPr lang="en-US" altLang="ko-KR" sz="1400" b="1" dirty="0">
+                <a:solidFill>
+                  <a:srgbClr val="0000FF"/>
+                </a:solidFill>
+                <a:effectLst>
+                  <a:outerShdw blurRad="38100" dist="38100" dir="2700000" algn="tl">
+                    <a:srgbClr val="000000">
+                      <a:alpha val="43137"/>
+                    </a:srgbClr>
+                  </a:outerShdw>
+                </a:effectLst>
+                <a:hlinkClick r:id="rId11">
+                  <a:extLst>
+                    <a:ext uri="{A12FA001-AC4F-418D-AE19-62706E023703}">
+                      <ahyp:hlinkClr xmlns:ahyp="http://schemas.microsoft.com/office/drawing/2018/hyperlinkcolor" val="tx"/>
+                    </a:ext>
+                  </a:extLst>
+                </a:hlinkClick>
+              </a:rPr>
+              <a:t>http://www.dbpia.co.kr/Journal/ArticleDetail/NODE01915950</a:t>
+            </a:r>
+            <a:r>
+              <a:rPr lang="en-US" altLang="ko-KR" sz="1400" b="1" dirty="0"/>
+              <a:t> </a:t>
+            </a:r>
+          </a:p>
+          <a:p>
+            <a:endParaRPr lang="en-US" altLang="ko-KR" sz="1400" b="1" dirty="0"/>
+          </a:p>
+          <a:p>
+            <a:r>
+              <a:rPr lang="en-US" altLang="ko-KR" sz="1400" b="1" dirty="0">
+                <a:effectLst>
+                  <a:outerShdw blurRad="38100" dist="38100" dir="2700000" algn="tl">
+                    <a:srgbClr val="000000">
+                      <a:alpha val="43137"/>
+                    </a:srgbClr>
+                  </a:outerShdw>
+                </a:effectLst>
+              </a:rPr>
+              <a:t>[</a:t>
+            </a:r>
+            <a:r>
+              <a:rPr lang="ko-KR" altLang="en-US" sz="1400" b="1" dirty="0">
+                <a:effectLst>
+                  <a:outerShdw blurRad="38100" dist="38100" dir="2700000" algn="tl">
+                    <a:srgbClr val="000000">
+                      <a:alpha val="43137"/>
+                    </a:srgbClr>
+                  </a:outerShdw>
+                </a:effectLst>
+              </a:rPr>
+              <a:t>그림</a:t>
+            </a:r>
+            <a:r>
+              <a:rPr lang="en-US" altLang="ko-KR" sz="1400" b="1" dirty="0">
+                <a:effectLst>
+                  <a:outerShdw blurRad="38100" dist="38100" dir="2700000" algn="tl">
+                    <a:srgbClr val="000000">
+                      <a:alpha val="43137"/>
+                    </a:srgbClr>
+                  </a:outerShdw>
+                </a:effectLst>
+              </a:rPr>
+              <a:t>8] </a:t>
+            </a:r>
+            <a:r>
+              <a:rPr lang="en-US" altLang="ko-KR" sz="1400" b="1" dirty="0">
+                <a:effectLst>
+                  <a:outerShdw blurRad="38100" dist="38100" dir="2700000" algn="tl">
+                    <a:srgbClr val="000000">
+                      <a:alpha val="43137"/>
+                    </a:srgbClr>
+                  </a:outerShdw>
+                </a:effectLst>
+                <a:hlinkClick r:id="rId12"/>
+              </a:rPr>
+              <a:t>https://ieeexplore.ieee.org/stamp/stamp.jsp?tp=&amp;arnumber=8506339</a:t>
+            </a:r>
+            <a:endParaRPr lang="en-US" altLang="ko-KR" sz="1400" b="1" dirty="0">
+              <a:effectLst>
+                <a:outerShdw blurRad="38100" dist="38100" dir="2700000" algn="tl">
+                  <a:srgbClr val="000000">
+                    <a:alpha val="43137"/>
+                  </a:srgbClr>
+                </a:outerShdw>
+              </a:effectLst>
+            </a:endParaRPr>
+          </a:p>
+        </p:txBody>
+      </p:sp>
+      <p:sp>
+        <p:nvSpPr>
+          <p:cNvPr id="11" name="직사각형 10">
+            <a:extLst>
+              <a:ext uri="{FF2B5EF4-FFF2-40B4-BE49-F238E27FC236}">
+                <a16:creationId xmlns:a16="http://schemas.microsoft.com/office/drawing/2014/main" id="{1C140814-D0FE-4A68-84B8-4646E5D82186}"/>
+              </a:ext>
+            </a:extLst>
+          </p:cNvPr>
+          <p:cNvSpPr/>
+          <p:nvPr/>
+        </p:nvSpPr>
+        <p:spPr>
+          <a:xfrm>
+            <a:off x="547541" y="3886125"/>
+            <a:ext cx="614545" cy="296668"/>
+          </a:xfrm>
+          <a:prstGeom prst="rect">
+            <a:avLst/>
+          </a:prstGeom>
+          <a:solidFill>
+            <a:schemeClr val="bg1"/>
+          </a:solidFill>
+          <a:ln>
+            <a:noFill/>
+          </a:ln>
+        </p:spPr>
+        <p:style>
+          <a:lnRef idx="2">
+            <a:schemeClr val="accent1">
+              <a:shade val="50000"/>
+            </a:schemeClr>
+          </a:lnRef>
+          <a:fillRef idx="1">
+            <a:schemeClr val="accent1"/>
+          </a:fillRef>
+          <a:effectRef idx="0">
+            <a:schemeClr val="accent1"/>
+          </a:effectRef>
+          <a:fontRef idx="minor">
+            <a:schemeClr val="lt1"/>
+          </a:fontRef>
+        </p:style>
+        <p:txBody>
+          <a:bodyPr rtlCol="0" anchor="ctr"/>
+          <a:lstStyle/>
+          <a:p>
+            <a:pPr algn="ctr"/>
+            <a:endParaRPr lang="ko-KR" altLang="en-US"/>
+          </a:p>
+        </p:txBody>
+      </p:sp>
+      <p:sp>
+        <p:nvSpPr>
+          <p:cNvPr id="12" name="직사각형 11">
+            <a:extLst>
+              <a:ext uri="{FF2B5EF4-FFF2-40B4-BE49-F238E27FC236}">
+                <a16:creationId xmlns:a16="http://schemas.microsoft.com/office/drawing/2014/main" id="{EF7CD7A9-EC1B-4BDB-BD8F-885E9EFB11E7}"/>
+              </a:ext>
+            </a:extLst>
+          </p:cNvPr>
+          <p:cNvSpPr/>
+          <p:nvPr/>
+        </p:nvSpPr>
+        <p:spPr>
+          <a:xfrm>
+            <a:off x="557066" y="1643468"/>
+            <a:ext cx="614545" cy="296668"/>
+          </a:xfrm>
+          <a:prstGeom prst="rect">
+            <a:avLst/>
+          </a:prstGeom>
+          <a:solidFill>
+            <a:schemeClr val="bg1"/>
+          </a:solidFill>
+          <a:ln>
+            <a:noFill/>
+          </a:ln>
+        </p:spPr>
+        <p:style>
+          <a:lnRef idx="2">
+            <a:schemeClr val="accent1">
+              <a:shade val="50000"/>
+            </a:schemeClr>
+          </a:lnRef>
+          <a:fillRef idx="1">
+            <a:schemeClr val="accent1"/>
+          </a:fillRef>
+          <a:effectRef idx="0">
+            <a:schemeClr val="accent1"/>
+          </a:effectRef>
+          <a:fontRef idx="minor">
+            <a:schemeClr val="lt1"/>
+          </a:fontRef>
+        </p:style>
+        <p:txBody>
+          <a:bodyPr rtlCol="0" anchor="ctr"/>
+          <a:lstStyle/>
+          <a:p>
+            <a:pPr algn="ctr"/>
+            <a:endParaRPr lang="ko-KR" altLang="en-US"/>
+          </a:p>
+        </p:txBody>
+      </p:sp>
+    </p:spTree>
+    <p:extLst>
+      <p:ext uri="{BB962C8B-B14F-4D97-AF65-F5344CB8AC3E}">
+        <p14:creationId xmlns:p14="http://schemas.microsoft.com/office/powerpoint/2010/main" val="1044562264"/>
+      </p:ext>
+    </p:extLst>
+  </p:cSld>
+  <p:clrMapOvr>
+    <a:masterClrMapping/>
+  </p:clrMapOvr>
+</p:sld>
+</file>
+
+<file path=ppt/slides/slide14.xml><?xml version="1.0" encoding="utf-8"?>
+<p:sld xmlns:a="http://schemas.openxmlformats.org/drawingml/2006/main" xmlns:r="http://schemas.openxmlformats.org/officeDocument/2006/relationships" xmlns:p="http://schemas.openxmlformats.org/presentationml/2006/main">
+  <p:cSld>
+    <p:bg>
+      <p:bgPr>
+        <a:solidFill>
+          <a:schemeClr val="tx2">
+            <a:lumMod val="75000"/>
+          </a:schemeClr>
+        </a:solidFill>
+        <a:effectLst/>
+      </p:bgPr>
+    </p:bg>
+    <p:spTree>
+      <p:nvGrpSpPr>
+        <p:cNvPr id="1" name=""/>
+        <p:cNvGrpSpPr/>
+        <p:nvPr/>
+      </p:nvGrpSpPr>
+      <p:grpSpPr>
+        <a:xfrm>
+          <a:off x="0" y="0"/>
+          <a:ext cx="0" cy="0"/>
+          <a:chOff x="0" y="0"/>
+          <a:chExt cx="0" cy="0"/>
+        </a:xfrm>
+      </p:grpSpPr>
+      <p:sp>
+        <p:nvSpPr>
+          <p:cNvPr id="2" name="직사각형 1"/>
+          <p:cNvSpPr/>
+          <p:nvPr/>
+        </p:nvSpPr>
+        <p:spPr>
+          <a:xfrm>
             <a:off x="0" y="3068960"/>
             <a:ext cx="9144000" cy="3528392"/>
           </a:xfrm>
@@ -10615,295 +10959,6 @@
 </file>
 
 <file path=ppt/slides/slide2.xml><?xml version="1.0" encoding="utf-8"?>
-<p:sld xmlns:a="http://schemas.openxmlformats.org/drawingml/2006/main" xmlns:r="http://schemas.openxmlformats.org/officeDocument/2006/relationships" xmlns:p="http://schemas.openxmlformats.org/presentationml/2006/main">
-  <p:cSld>
-    <p:bg>
-      <p:bgPr>
-        <a:solidFill>
-          <a:schemeClr val="tx2">
-            <a:lumMod val="75000"/>
-          </a:schemeClr>
-        </a:solidFill>
-        <a:effectLst/>
-      </p:bgPr>
-    </p:bg>
-    <p:spTree>
-      <p:nvGrpSpPr>
-        <p:cNvPr id="1" name=""/>
-        <p:cNvGrpSpPr/>
-        <p:nvPr/>
-      </p:nvGrpSpPr>
-      <p:grpSpPr>
-        <a:xfrm>
-          <a:off x="0" y="0"/>
-          <a:ext cx="0" cy="0"/>
-          <a:chOff x="0" y="0"/>
-          <a:chExt cx="0" cy="0"/>
-        </a:xfrm>
-      </p:grpSpPr>
-      <p:sp>
-        <p:nvSpPr>
-          <p:cNvPr id="7" name="TextBox 6"/>
-          <p:cNvSpPr txBox="1"/>
-          <p:nvPr/>
-        </p:nvSpPr>
-        <p:spPr>
-          <a:xfrm>
-            <a:off x="323528" y="548680"/>
-            <a:ext cx="4176464" cy="461665"/>
-          </a:xfrm>
-          <a:prstGeom prst="rect">
-            <a:avLst/>
-          </a:prstGeom>
-          <a:noFill/>
-        </p:spPr>
-        <p:txBody>
-          <a:bodyPr wrap="square" rtlCol="0">
-            <a:spAutoFit/>
-          </a:bodyPr>
-          <a:lstStyle/>
-          <a:p>
-            <a:r>
-              <a:rPr lang="en-US" altLang="ko-KR" sz="2400" b="1" dirty="0">
-                <a:solidFill>
-                  <a:schemeClr val="bg1"/>
-                </a:solidFill>
-              </a:rPr>
-              <a:t>CONTENTS</a:t>
-            </a:r>
-            <a:endParaRPr lang="ko-KR" altLang="en-US" sz="2400" b="1" dirty="0">
-              <a:solidFill>
-                <a:schemeClr val="bg1"/>
-              </a:solidFill>
-            </a:endParaRPr>
-          </a:p>
-        </p:txBody>
-      </p:sp>
-      <p:sp>
-        <p:nvSpPr>
-          <p:cNvPr id="9" name="TextBox 8"/>
-          <p:cNvSpPr txBox="1"/>
-          <p:nvPr/>
-        </p:nvSpPr>
-        <p:spPr>
-          <a:xfrm>
-            <a:off x="2411760" y="1484784"/>
-            <a:ext cx="4339650" cy="3170099"/>
-          </a:xfrm>
-          <a:prstGeom prst="rect">
-            <a:avLst/>
-          </a:prstGeom>
-          <a:noFill/>
-        </p:spPr>
-        <p:txBody>
-          <a:bodyPr vert="horz" wrap="square" rtlCol="0">
-            <a:spAutoFit/>
-          </a:bodyPr>
-          <a:lstStyle/>
-          <a:p>
-            <a:r>
-              <a:rPr lang="en-US" altLang="ko-KR" sz="2000" dirty="0">
-                <a:solidFill>
-                  <a:schemeClr val="bg1"/>
-                </a:solidFill>
-                <a:latin typeface="HY헤드라인M" pitchFamily="18" charset="-127"/>
-                <a:ea typeface="HY헤드라인M" pitchFamily="18" charset="-127"/>
-              </a:rPr>
-              <a:t>01  </a:t>
-            </a:r>
-            <a:r>
-              <a:rPr lang="ko-KR" altLang="en-US" sz="2000" dirty="0">
-                <a:solidFill>
-                  <a:schemeClr val="bg1"/>
-                </a:solidFill>
-                <a:latin typeface="HY헤드라인M" pitchFamily="18" charset="-127"/>
-                <a:ea typeface="HY헤드라인M" pitchFamily="18" charset="-127"/>
-              </a:rPr>
-              <a:t>서론</a:t>
-            </a:r>
-            <a:r>
-              <a:rPr lang="en-US" altLang="ko-KR" sz="2000" dirty="0">
-                <a:solidFill>
-                  <a:schemeClr val="bg1"/>
-                </a:solidFill>
-                <a:latin typeface="HY헤드라인M" pitchFamily="18" charset="-127"/>
-                <a:ea typeface="HY헤드라인M" pitchFamily="18" charset="-127"/>
-              </a:rPr>
-              <a:t>  </a:t>
-            </a:r>
-          </a:p>
-          <a:p>
-            <a:endParaRPr lang="en-US" altLang="ko-KR" sz="2000" dirty="0">
-              <a:solidFill>
-                <a:schemeClr val="bg1"/>
-              </a:solidFill>
-              <a:latin typeface="HY헤드라인M" pitchFamily="18" charset="-127"/>
-              <a:ea typeface="HY헤드라인M" pitchFamily="18" charset="-127"/>
-            </a:endParaRPr>
-          </a:p>
-          <a:p>
-            <a:r>
-              <a:rPr lang="en-US" altLang="ko-KR" sz="2000" dirty="0">
-                <a:solidFill>
-                  <a:schemeClr val="bg1"/>
-                </a:solidFill>
-                <a:latin typeface="HY헤드라인M" pitchFamily="18" charset="-127"/>
-                <a:ea typeface="HY헤드라인M" pitchFamily="18" charset="-127"/>
-              </a:rPr>
-              <a:t>02    </a:t>
-            </a:r>
-            <a:r>
-              <a:rPr lang="ko-KR" altLang="en-US" sz="2000" dirty="0">
-                <a:solidFill>
-                  <a:schemeClr val="bg1"/>
-                </a:solidFill>
-                <a:latin typeface="HY헤드라인M" pitchFamily="18" charset="-127"/>
-                <a:ea typeface="HY헤드라인M" pitchFamily="18" charset="-127"/>
-              </a:rPr>
-              <a:t>주제</a:t>
-            </a:r>
-            <a:endParaRPr lang="en-US" altLang="ko-KR" sz="2000" dirty="0">
-              <a:solidFill>
-                <a:schemeClr val="bg1"/>
-              </a:solidFill>
-              <a:latin typeface="HY헤드라인M" pitchFamily="18" charset="-127"/>
-              <a:ea typeface="HY헤드라인M" pitchFamily="18" charset="-127"/>
-            </a:endParaRPr>
-          </a:p>
-          <a:p>
-            <a:endParaRPr lang="en-US" altLang="ko-KR" sz="2000" dirty="0">
-              <a:solidFill>
-                <a:schemeClr val="bg1"/>
-              </a:solidFill>
-              <a:latin typeface="HY헤드라인M" pitchFamily="18" charset="-127"/>
-              <a:ea typeface="HY헤드라인M" pitchFamily="18" charset="-127"/>
-            </a:endParaRPr>
-          </a:p>
-          <a:p>
-            <a:r>
-              <a:rPr lang="en-US" altLang="ko-KR" sz="2000" dirty="0">
-                <a:solidFill>
-                  <a:schemeClr val="bg1"/>
-                </a:solidFill>
-                <a:latin typeface="HY헤드라인M" pitchFamily="18" charset="-127"/>
-                <a:ea typeface="HY헤드라인M" pitchFamily="18" charset="-127"/>
-              </a:rPr>
-              <a:t>03    </a:t>
-            </a:r>
-            <a:r>
-              <a:rPr lang="ko-KR" altLang="en-US" sz="2000" dirty="0">
-                <a:solidFill>
-                  <a:schemeClr val="bg1"/>
-                </a:solidFill>
-                <a:latin typeface="HY헤드라인M" pitchFamily="18" charset="-127"/>
-                <a:ea typeface="HY헤드라인M" pitchFamily="18" charset="-127"/>
-              </a:rPr>
-              <a:t>기술</a:t>
-            </a:r>
-            <a:endParaRPr lang="en-US" altLang="ko-KR" sz="2000" dirty="0">
-              <a:solidFill>
-                <a:schemeClr val="bg1"/>
-              </a:solidFill>
-              <a:latin typeface="HY헤드라인M" pitchFamily="18" charset="-127"/>
-              <a:ea typeface="HY헤드라인M" pitchFamily="18" charset="-127"/>
-            </a:endParaRPr>
-          </a:p>
-          <a:p>
-            <a:endParaRPr lang="en-US" altLang="ko-KR" sz="2000" dirty="0">
-              <a:solidFill>
-                <a:schemeClr val="bg1"/>
-              </a:solidFill>
-              <a:latin typeface="HY헤드라인M" pitchFamily="18" charset="-127"/>
-              <a:ea typeface="HY헤드라인M" pitchFamily="18" charset="-127"/>
-            </a:endParaRPr>
-          </a:p>
-          <a:p>
-            <a:r>
-              <a:rPr lang="en-US" altLang="ko-KR" sz="2000" dirty="0">
-                <a:solidFill>
-                  <a:schemeClr val="bg1"/>
-                </a:solidFill>
-                <a:latin typeface="HY헤드라인M" pitchFamily="18" charset="-127"/>
-                <a:ea typeface="HY헤드라인M" pitchFamily="18" charset="-127"/>
-              </a:rPr>
-              <a:t>04    </a:t>
-            </a:r>
-            <a:r>
-              <a:rPr lang="ko-KR" altLang="en-US" sz="2000" dirty="0">
-                <a:solidFill>
-                  <a:schemeClr val="bg1"/>
-                </a:solidFill>
-                <a:latin typeface="HY헤드라인M" pitchFamily="18" charset="-127"/>
-                <a:ea typeface="HY헤드라인M" pitchFamily="18" charset="-127"/>
-              </a:rPr>
-              <a:t>연구동향</a:t>
-            </a:r>
-            <a:endParaRPr lang="en-US" altLang="ko-KR" sz="2000" dirty="0">
-              <a:solidFill>
-                <a:schemeClr val="bg1"/>
-              </a:solidFill>
-              <a:latin typeface="HY헤드라인M" pitchFamily="18" charset="-127"/>
-              <a:ea typeface="HY헤드라인M" pitchFamily="18" charset="-127"/>
-            </a:endParaRPr>
-          </a:p>
-          <a:p>
-            <a:endParaRPr lang="en-US" altLang="ko-KR" sz="2000" dirty="0">
-              <a:solidFill>
-                <a:schemeClr val="bg1"/>
-              </a:solidFill>
-              <a:latin typeface="HY헤드라인M" pitchFamily="18" charset="-127"/>
-              <a:ea typeface="HY헤드라인M" pitchFamily="18" charset="-127"/>
-            </a:endParaRPr>
-          </a:p>
-          <a:p>
-            <a:r>
-              <a:rPr lang="en-US" altLang="ko-KR" sz="2000" dirty="0">
-                <a:solidFill>
-                  <a:schemeClr val="bg1"/>
-                </a:solidFill>
-                <a:latin typeface="HY헤드라인M" pitchFamily="18" charset="-127"/>
-                <a:ea typeface="HY헤드라인M" pitchFamily="18" charset="-127"/>
-              </a:rPr>
-              <a:t>05	</a:t>
-            </a:r>
-            <a:r>
-              <a:rPr lang="ko-KR" altLang="en-US" sz="2000" dirty="0">
-                <a:solidFill>
-                  <a:schemeClr val="bg1"/>
-                </a:solidFill>
-                <a:latin typeface="HY헤드라인M" pitchFamily="18" charset="-127"/>
-                <a:ea typeface="HY헤드라인M" pitchFamily="18" charset="-127"/>
-              </a:rPr>
-              <a:t>참고문헌</a:t>
-            </a:r>
-            <a:endParaRPr lang="en-US" altLang="ko-KR" sz="2000" dirty="0">
-              <a:solidFill>
-                <a:schemeClr val="bg1"/>
-              </a:solidFill>
-              <a:latin typeface="HY헤드라인M" pitchFamily="18" charset="-127"/>
-              <a:ea typeface="HY헤드라인M" pitchFamily="18" charset="-127"/>
-            </a:endParaRPr>
-          </a:p>
-          <a:p>
-            <a:endParaRPr lang="ko-KR" altLang="en-US" sz="2000" dirty="0">
-              <a:solidFill>
-                <a:schemeClr val="bg1"/>
-              </a:solidFill>
-              <a:latin typeface="HY헤드라인M" pitchFamily="18" charset="-127"/>
-              <a:ea typeface="HY헤드라인M" pitchFamily="18" charset="-127"/>
-            </a:endParaRPr>
-          </a:p>
-        </p:txBody>
-      </p:sp>
-    </p:spTree>
-  </p:cSld>
-  <p:clrMapOvr>
-    <a:masterClrMapping/>
-  </p:clrMapOvr>
-</p:sld>
-</file>
-
-<file path=ppt/slides/slide3.xml><?xml version="1.0" encoding="utf-8"?>
 <p:sld xmlns:a="http://schemas.openxmlformats.org/drawingml/2006/main" xmlns:r="http://schemas.openxmlformats.org/officeDocument/2006/relationships" xmlns:p="http://schemas.openxmlformats.org/presentationml/2006/main">
   <p:cSld>
     <p:bg>
@@ -11387,7 +11442,7 @@
 </p:sld>
 </file>
 
-<file path=ppt/slides/slide4.xml><?xml version="1.0" encoding="utf-8"?>
+<file path=ppt/slides/slide3.xml><?xml version="1.0" encoding="utf-8"?>
 <p:sld xmlns:a="http://schemas.openxmlformats.org/drawingml/2006/main" xmlns:r="http://schemas.openxmlformats.org/officeDocument/2006/relationships" xmlns:p="http://schemas.openxmlformats.org/presentationml/2006/main">
   <p:cSld>
     <p:bg>
@@ -11416,230 +11471,14 @@
       </p:grpSpPr>
       <p:sp>
         <p:nvSpPr>
-          <p:cNvPr id="2" name="직사각형 1"/>
-          <p:cNvSpPr/>
+          <p:cNvPr id="7" name="TextBox 6"/>
+          <p:cNvSpPr txBox="1"/>
           <p:nvPr/>
         </p:nvSpPr>
         <p:spPr>
           <a:xfrm>
-            <a:off x="-3932" y="774486"/>
-            <a:ext cx="9180512" cy="5793548"/>
-          </a:xfrm>
-          <a:prstGeom prst="rect">
-            <a:avLst/>
-          </a:prstGeom>
-          <a:solidFill>
-            <a:schemeClr val="bg1"/>
-          </a:solidFill>
-          <a:ln>
-            <a:noFill/>
-          </a:ln>
-        </p:spPr>
-        <p:style>
-          <a:lnRef idx="2">
-            <a:schemeClr val="accent1">
-              <a:shade val="50000"/>
-            </a:schemeClr>
-          </a:lnRef>
-          <a:fillRef idx="1">
-            <a:schemeClr val="accent1"/>
-          </a:fillRef>
-          <a:effectRef idx="0">
-            <a:schemeClr val="accent1"/>
-          </a:effectRef>
-          <a:fontRef idx="minor">
-            <a:schemeClr val="lt1"/>
-          </a:fontRef>
-        </p:style>
-        <p:txBody>
-          <a:bodyPr rtlCol="0" anchor="ctr"/>
-          <a:lstStyle/>
-          <a:p>
-            <a:pPr marL="0" marR="0" lvl="0" indent="0" algn="ctr" defTabSz="914400" rtl="0" eaLnBrk="1" fontAlgn="auto" latinLnBrk="1" hangingPunct="1">
-              <a:lnSpc>
-                <a:spcPct val="100000"/>
-              </a:lnSpc>
-              <a:spcBef>
-                <a:spcPts val="0"/>
-              </a:spcBef>
-              <a:spcAft>
-                <a:spcPts val="0"/>
-              </a:spcAft>
-              <a:buClrTx/>
-              <a:buSzTx/>
-              <a:buFontTx/>
-              <a:buNone/>
-              <a:tabLst/>
-              <a:defRPr/>
-            </a:pPr>
-            <a:endParaRPr kumimoji="0" lang="ko-KR" altLang="en-US" sz="1800" b="0" i="0" u="none" strike="noStrike" kern="1200" cap="none" spc="0" normalizeH="0" baseline="0" noProof="0" dirty="0">
-              <a:ln>
-                <a:noFill/>
-              </a:ln>
-              <a:solidFill>
-                <a:prstClr val="white"/>
-              </a:solidFill>
-              <a:effectLst/>
-              <a:uLnTx/>
-              <a:uFillTx/>
-              <a:latin typeface="맑은 고딕"/>
-              <a:ea typeface="맑은 고딕" panose="020B0503020000020004" pitchFamily="50" charset="-127"/>
-              <a:cs typeface="+mn-cs"/>
-            </a:endParaRPr>
-          </a:p>
-        </p:txBody>
-      </p:sp>
-      <p:sp>
-        <p:nvSpPr>
-          <p:cNvPr id="3" name="타원 2"/>
-          <p:cNvSpPr/>
-          <p:nvPr/>
-        </p:nvSpPr>
-        <p:spPr>
-          <a:xfrm>
-            <a:off x="4067944" y="146108"/>
-            <a:ext cx="936104" cy="1050644"/>
-          </a:xfrm>
-          <a:prstGeom prst="ellipse">
-            <a:avLst/>
-          </a:prstGeom>
-          <a:solidFill>
-            <a:schemeClr val="tx2">
-              <a:lumMod val="75000"/>
-            </a:schemeClr>
-          </a:solidFill>
-          <a:ln>
-            <a:noFill/>
-          </a:ln>
-        </p:spPr>
-        <p:style>
-          <a:lnRef idx="2">
-            <a:schemeClr val="accent1">
-              <a:shade val="50000"/>
-            </a:schemeClr>
-          </a:lnRef>
-          <a:fillRef idx="1">
-            <a:schemeClr val="accent1"/>
-          </a:fillRef>
-          <a:effectRef idx="0">
-            <a:schemeClr val="accent1"/>
-          </a:effectRef>
-          <a:fontRef idx="minor">
-            <a:schemeClr val="lt1"/>
-          </a:fontRef>
-        </p:style>
-        <p:txBody>
-          <a:bodyPr rtlCol="0" anchor="ctr"/>
-          <a:lstStyle/>
-          <a:p>
-            <a:pPr marL="0" marR="0" lvl="0" indent="0" algn="ctr" defTabSz="914400" rtl="0" eaLnBrk="1" fontAlgn="auto" latinLnBrk="1" hangingPunct="1">
-              <a:lnSpc>
-                <a:spcPct val="100000"/>
-              </a:lnSpc>
-              <a:spcBef>
-                <a:spcPts val="0"/>
-              </a:spcBef>
-              <a:spcAft>
-                <a:spcPts val="0"/>
-              </a:spcAft>
-              <a:buClrTx/>
-              <a:buSzTx/>
-              <a:buFontTx/>
-              <a:buNone/>
-              <a:tabLst/>
-              <a:defRPr/>
-            </a:pPr>
-            <a:endParaRPr kumimoji="0" lang="ko-KR" altLang="en-US" sz="1800" b="0" i="0" u="none" strike="noStrike" kern="1200" cap="none" spc="0" normalizeH="0" baseline="0" noProof="0">
-              <a:ln>
-                <a:noFill/>
-              </a:ln>
-              <a:solidFill>
-                <a:prstClr val="white"/>
-              </a:solidFill>
-              <a:effectLst/>
-              <a:uLnTx/>
-              <a:uFillTx/>
-              <a:latin typeface="맑은 고딕"/>
-              <a:ea typeface="맑은 고딕" panose="020B0503020000020004" pitchFamily="50" charset="-127"/>
-              <a:cs typeface="+mn-cs"/>
-            </a:endParaRPr>
-          </a:p>
-        </p:txBody>
-      </p:sp>
-      <p:sp>
-        <p:nvSpPr>
-          <p:cNvPr id="8" name="직사각형 7"/>
-          <p:cNvSpPr/>
-          <p:nvPr/>
-        </p:nvSpPr>
-        <p:spPr>
-          <a:xfrm>
-            <a:off x="185415" y="251266"/>
-            <a:ext cx="780983" cy="523220"/>
-          </a:xfrm>
-          <a:prstGeom prst="rect">
-            <a:avLst/>
-          </a:prstGeom>
-        </p:spPr>
-        <p:txBody>
-          <a:bodyPr wrap="none">
-            <a:spAutoFit/>
-          </a:bodyPr>
-          <a:lstStyle/>
-          <a:p>
-            <a:pPr marL="0" marR="0" lvl="0" indent="0" algn="ctr" defTabSz="914400" rtl="0" eaLnBrk="1" fontAlgn="auto" latinLnBrk="1" hangingPunct="1">
-              <a:lnSpc>
-                <a:spcPct val="100000"/>
-              </a:lnSpc>
-              <a:spcBef>
-                <a:spcPts val="0"/>
-              </a:spcBef>
-              <a:spcAft>
-                <a:spcPts val="0"/>
-              </a:spcAft>
-              <a:buClrTx/>
-              <a:buSzTx/>
-              <a:buFontTx/>
-              <a:buNone/>
-              <a:tabLst/>
-              <a:defRPr/>
-            </a:pPr>
-            <a:r>
-              <a:rPr lang="ko-KR" altLang="en-US" sz="2800" b="1" spc="-150" dirty="0">
-                <a:solidFill>
-                  <a:prstClr val="white"/>
-                </a:solidFill>
-                <a:latin typeface="Rix비타민 M" panose="02020603020101020101" pitchFamily="18" charset="-127"/>
-                <a:ea typeface="Rix비타민 M" panose="02020603020101020101" pitchFamily="18" charset="-127"/>
-              </a:rPr>
-              <a:t>서론</a:t>
-            </a:r>
-            <a:endParaRPr kumimoji="0" lang="ko-KR" altLang="en-US" sz="2800" b="1" i="0" u="none" strike="noStrike" kern="1200" cap="none" spc="-150" normalizeH="0" baseline="0" noProof="0" dirty="0">
-              <a:ln>
-                <a:noFill/>
-              </a:ln>
-              <a:solidFill>
-                <a:prstClr val="white"/>
-              </a:solidFill>
-              <a:effectLst/>
-              <a:uLnTx/>
-              <a:uFillTx/>
-              <a:latin typeface="Rix비타민 M" panose="02020603020101020101" pitchFamily="18" charset="-127"/>
-              <a:ea typeface="Rix비타민 M" panose="02020603020101020101" pitchFamily="18" charset="-127"/>
-            </a:endParaRPr>
-          </a:p>
-        </p:txBody>
-      </p:sp>
-      <p:sp>
-        <p:nvSpPr>
-          <p:cNvPr id="9" name="TextBox 8"/>
-          <p:cNvSpPr txBox="1"/>
-          <p:nvPr/>
-        </p:nvSpPr>
-        <p:spPr>
-          <a:xfrm>
-            <a:off x="3995936" y="692696"/>
-            <a:ext cx="1080120" cy="461665"/>
+            <a:off x="323528" y="548680"/>
+            <a:ext cx="4176464" cy="461665"/>
           </a:xfrm>
           <a:prstGeom prst="rect">
             <a:avLst/>
@@ -11652,73 +11491,32 @@
           </a:bodyPr>
           <a:lstStyle/>
           <a:p>
-            <a:pPr marL="0" marR="0" lvl="0" indent="0" algn="ctr" defTabSz="914400" rtl="0" eaLnBrk="1" fontAlgn="auto" latinLnBrk="1" hangingPunct="1">
-              <a:lnSpc>
-                <a:spcPct val="100000"/>
-              </a:lnSpc>
-              <a:spcBef>
-                <a:spcPts val="0"/>
-              </a:spcBef>
-              <a:spcAft>
-                <a:spcPts val="0"/>
-              </a:spcAft>
-              <a:buClrTx/>
-              <a:buSzTx/>
-              <a:buFontTx/>
-              <a:buNone/>
-              <a:tabLst/>
-              <a:defRPr/>
-            </a:pPr>
-            <a:r>
-              <a:rPr kumimoji="0" lang="en-US" altLang="ko-KR" sz="2400" b="0" i="0" u="none" strike="noStrike" kern="1200" cap="none" spc="0" normalizeH="0" baseline="0" noProof="0" dirty="0">
-                <a:ln>
-                  <a:noFill/>
-                </a:ln>
-                <a:solidFill>
-                  <a:prstClr val="white"/>
-                </a:solidFill>
-                <a:effectLst/>
-                <a:uLnTx/>
-                <a:uFillTx/>
-                <a:latin typeface="HY헤드라인M" pitchFamily="18" charset="-127"/>
-                <a:ea typeface="HY헤드라인M" pitchFamily="18" charset="-127"/>
-                <a:cs typeface="+mn-cs"/>
-              </a:rPr>
-              <a:t>01</a:t>
-            </a:r>
-            <a:endParaRPr kumimoji="0" lang="ko-KR" altLang="en-US" sz="2400" b="0" i="0" u="none" strike="noStrike" kern="1200" cap="none" spc="0" normalizeH="0" baseline="0" noProof="0" dirty="0">
-              <a:ln>
-                <a:noFill/>
-              </a:ln>
+            <a:r>
+              <a:rPr lang="en-US" altLang="ko-KR" sz="2400" b="1" dirty="0">
+                <a:solidFill>
+                  <a:schemeClr val="bg1"/>
+                </a:solidFill>
+              </a:rPr>
+              <a:t>CONTENTS</a:t>
+            </a:r>
+            <a:endParaRPr lang="ko-KR" altLang="en-US" sz="2400" b="1" dirty="0">
               <a:solidFill>
-                <a:prstClr val="white"/>
+                <a:schemeClr val="bg1"/>
               </a:solidFill>
-              <a:effectLst/>
-              <a:uLnTx/>
-              <a:uFillTx/>
-              <a:latin typeface="HY헤드라인M" pitchFamily="18" charset="-127"/>
-              <a:ea typeface="HY헤드라인M" pitchFamily="18" charset="-127"/>
-              <a:cs typeface="+mn-cs"/>
             </a:endParaRPr>
           </a:p>
         </p:txBody>
       </p:sp>
       <p:sp>
         <p:nvSpPr>
-          <p:cNvPr id="21" name="TextBox 20">
-            <a:extLst>
-              <a:ext uri="{FF2B5EF4-FFF2-40B4-BE49-F238E27FC236}">
-                <a16:creationId xmlns:a16="http://schemas.microsoft.com/office/drawing/2014/main" id="{43ED91B1-EB9E-46D4-94FA-D76571EFE6BA}"/>
-              </a:ext>
-            </a:extLst>
-          </p:cNvPr>
+          <p:cNvPr id="9" name="TextBox 8"/>
           <p:cNvSpPr txBox="1"/>
           <p:nvPr/>
         </p:nvSpPr>
         <p:spPr>
           <a:xfrm>
-            <a:off x="4067944" y="6355078"/>
-            <a:ext cx="687500" cy="253916"/>
+            <a:off x="2330167" y="1124744"/>
+            <a:ext cx="4339650" cy="5478423"/>
           </a:xfrm>
           <a:prstGeom prst="rect">
             <a:avLst/>
@@ -11726,95 +11524,256 @@
           <a:noFill/>
         </p:spPr>
         <p:txBody>
-          <a:bodyPr wrap="square" rtlCol="0">
+          <a:bodyPr vert="horz" wrap="square" rtlCol="0">
             <a:spAutoFit/>
           </a:bodyPr>
           <a:lstStyle/>
           <a:p>
             <a:r>
-              <a:rPr lang="ko-KR" altLang="en-US" sz="1050" dirty="0"/>
-              <a:t>그림 </a:t>
-            </a:r>
-            <a:r>
-              <a:rPr lang="en-US" altLang="ko-KR" sz="1050" dirty="0"/>
-              <a:t>1</a:t>
-            </a:r>
-            <a:endParaRPr lang="ko-KR" altLang="en-US" sz="1050" dirty="0"/>
+              <a:rPr lang="en-US" altLang="ko-KR" sz="3000" dirty="0">
+                <a:solidFill>
+                  <a:schemeClr val="bg1"/>
+                </a:solidFill>
+                <a:latin typeface="HY헤드라인M" pitchFamily="18" charset="-127"/>
+                <a:ea typeface="HY헤드라인M" pitchFamily="18" charset="-127"/>
+              </a:rPr>
+              <a:t>01</a:t>
+            </a:r>
+            <a:r>
+              <a:rPr lang="en-US" altLang="ko-KR" sz="3500" dirty="0">
+                <a:solidFill>
+                  <a:schemeClr val="bg1"/>
+                </a:solidFill>
+                <a:latin typeface="HY헤드라인M" pitchFamily="18" charset="-127"/>
+                <a:ea typeface="HY헤드라인M" pitchFamily="18" charset="-127"/>
+              </a:rPr>
+              <a:t>    </a:t>
+            </a:r>
+            <a:r>
+              <a:rPr lang="ko-KR" altLang="en-US" sz="3500" dirty="0">
+                <a:solidFill>
+                  <a:schemeClr val="bg1"/>
+                </a:solidFill>
+                <a:latin typeface="HY헤드라인M" pitchFamily="18" charset="-127"/>
+                <a:ea typeface="HY헤드라인M" pitchFamily="18" charset="-127"/>
+              </a:rPr>
+              <a:t>서론</a:t>
+            </a:r>
+            <a:r>
+              <a:rPr lang="en-US" altLang="ko-KR" sz="3500" dirty="0">
+                <a:solidFill>
+                  <a:schemeClr val="bg1"/>
+                </a:solidFill>
+                <a:latin typeface="HY헤드라인M" pitchFamily="18" charset="-127"/>
+                <a:ea typeface="HY헤드라인M" pitchFamily="18" charset="-127"/>
+              </a:rPr>
+              <a:t>  </a:t>
+            </a:r>
+          </a:p>
+          <a:p>
+            <a:endParaRPr lang="en-US" altLang="ko-KR" sz="3500" dirty="0">
+              <a:solidFill>
+                <a:schemeClr val="bg1"/>
+              </a:solidFill>
+              <a:latin typeface="HY헤드라인M" pitchFamily="18" charset="-127"/>
+              <a:ea typeface="HY헤드라인M" pitchFamily="18" charset="-127"/>
+            </a:endParaRPr>
+          </a:p>
+          <a:p>
+            <a:r>
+              <a:rPr lang="en-US" altLang="ko-KR" sz="3000" dirty="0">
+                <a:solidFill>
+                  <a:schemeClr val="bg1"/>
+                </a:solidFill>
+                <a:latin typeface="HY헤드라인M" pitchFamily="18" charset="-127"/>
+                <a:ea typeface="HY헤드라인M" pitchFamily="18" charset="-127"/>
+              </a:rPr>
+              <a:t>02</a:t>
+            </a:r>
+            <a:r>
+              <a:rPr lang="en-US" altLang="ko-KR" sz="3500" dirty="0">
+                <a:solidFill>
+                  <a:schemeClr val="bg1"/>
+                </a:solidFill>
+                <a:latin typeface="HY헤드라인M" pitchFamily="18" charset="-127"/>
+                <a:ea typeface="HY헤드라인M" pitchFamily="18" charset="-127"/>
+              </a:rPr>
+              <a:t>    </a:t>
+            </a:r>
+            <a:r>
+              <a:rPr lang="ko-KR" altLang="en-US" sz="3500" dirty="0">
+                <a:solidFill>
+                  <a:schemeClr val="bg1"/>
+                </a:solidFill>
+                <a:latin typeface="HY헤드라인M" pitchFamily="18" charset="-127"/>
+                <a:ea typeface="HY헤드라인M" pitchFamily="18" charset="-127"/>
+              </a:rPr>
+              <a:t>주제</a:t>
+            </a:r>
+            <a:endParaRPr lang="en-US" altLang="ko-KR" sz="3500" dirty="0">
+              <a:solidFill>
+                <a:schemeClr val="bg1"/>
+              </a:solidFill>
+              <a:latin typeface="HY헤드라인M" pitchFamily="18" charset="-127"/>
+              <a:ea typeface="HY헤드라인M" pitchFamily="18" charset="-127"/>
+            </a:endParaRPr>
+          </a:p>
+          <a:p>
+            <a:endParaRPr lang="en-US" altLang="ko-KR" sz="3500" dirty="0">
+              <a:solidFill>
+                <a:schemeClr val="bg1"/>
+              </a:solidFill>
+              <a:latin typeface="HY헤드라인M" pitchFamily="18" charset="-127"/>
+              <a:ea typeface="HY헤드라인M" pitchFamily="18" charset="-127"/>
+            </a:endParaRPr>
+          </a:p>
+          <a:p>
+            <a:r>
+              <a:rPr lang="en-US" altLang="ko-KR" sz="3000" dirty="0">
+                <a:solidFill>
+                  <a:schemeClr val="bg1"/>
+                </a:solidFill>
+                <a:latin typeface="HY헤드라인M" pitchFamily="18" charset="-127"/>
+                <a:ea typeface="HY헤드라인M" pitchFamily="18" charset="-127"/>
+              </a:rPr>
+              <a:t>03</a:t>
+            </a:r>
+            <a:r>
+              <a:rPr lang="en-US" altLang="ko-KR" sz="3500" dirty="0">
+                <a:solidFill>
+                  <a:schemeClr val="bg1"/>
+                </a:solidFill>
+                <a:latin typeface="HY헤드라인M" pitchFamily="18" charset="-127"/>
+                <a:ea typeface="HY헤드라인M" pitchFamily="18" charset="-127"/>
+              </a:rPr>
+              <a:t>    </a:t>
+            </a:r>
+            <a:r>
+              <a:rPr lang="ko-KR" altLang="en-US" sz="3500" dirty="0">
+                <a:solidFill>
+                  <a:schemeClr val="bg1"/>
+                </a:solidFill>
+                <a:latin typeface="HY헤드라인M" pitchFamily="18" charset="-127"/>
+                <a:ea typeface="HY헤드라인M" pitchFamily="18" charset="-127"/>
+              </a:rPr>
+              <a:t>기술</a:t>
+            </a:r>
+            <a:endParaRPr lang="en-US" altLang="ko-KR" sz="3500" dirty="0">
+              <a:solidFill>
+                <a:schemeClr val="bg1"/>
+              </a:solidFill>
+              <a:latin typeface="HY헤드라인M" pitchFamily="18" charset="-127"/>
+              <a:ea typeface="HY헤드라인M" pitchFamily="18" charset="-127"/>
+            </a:endParaRPr>
+          </a:p>
+          <a:p>
+            <a:endParaRPr lang="en-US" altLang="ko-KR" sz="3500" dirty="0">
+              <a:solidFill>
+                <a:schemeClr val="bg1"/>
+              </a:solidFill>
+              <a:latin typeface="HY헤드라인M" pitchFamily="18" charset="-127"/>
+              <a:ea typeface="HY헤드라인M" pitchFamily="18" charset="-127"/>
+            </a:endParaRPr>
+          </a:p>
+          <a:p>
+            <a:r>
+              <a:rPr lang="en-US" altLang="ko-KR" sz="3000" dirty="0">
+                <a:solidFill>
+                  <a:schemeClr val="bg1"/>
+                </a:solidFill>
+                <a:latin typeface="HY헤드라인M" pitchFamily="18" charset="-127"/>
+                <a:ea typeface="HY헤드라인M" pitchFamily="18" charset="-127"/>
+              </a:rPr>
+              <a:t>04</a:t>
+            </a:r>
+            <a:r>
+              <a:rPr lang="en-US" altLang="ko-KR" sz="3500" dirty="0">
+                <a:solidFill>
+                  <a:schemeClr val="bg1"/>
+                </a:solidFill>
+                <a:latin typeface="HY헤드라인M" pitchFamily="18" charset="-127"/>
+                <a:ea typeface="HY헤드라인M" pitchFamily="18" charset="-127"/>
+              </a:rPr>
+              <a:t>    </a:t>
+            </a:r>
+            <a:r>
+              <a:rPr lang="ko-KR" altLang="en-US" sz="3500" dirty="0">
+                <a:solidFill>
+                  <a:schemeClr val="bg1"/>
+                </a:solidFill>
+                <a:latin typeface="HY헤드라인M" pitchFamily="18" charset="-127"/>
+                <a:ea typeface="HY헤드라인M" pitchFamily="18" charset="-127"/>
+              </a:rPr>
+              <a:t>연구동향</a:t>
+            </a:r>
+            <a:endParaRPr lang="en-US" altLang="ko-KR" sz="3500" dirty="0">
+              <a:solidFill>
+                <a:schemeClr val="bg1"/>
+              </a:solidFill>
+              <a:latin typeface="HY헤드라인M" pitchFamily="18" charset="-127"/>
+              <a:ea typeface="HY헤드라인M" pitchFamily="18" charset="-127"/>
+            </a:endParaRPr>
+          </a:p>
+          <a:p>
+            <a:endParaRPr lang="en-US" altLang="ko-KR" sz="3500" dirty="0">
+              <a:solidFill>
+                <a:schemeClr val="bg1"/>
+              </a:solidFill>
+              <a:latin typeface="HY헤드라인M" pitchFamily="18" charset="-127"/>
+              <a:ea typeface="HY헤드라인M" pitchFamily="18" charset="-127"/>
+            </a:endParaRPr>
+          </a:p>
+          <a:p>
+            <a:r>
+              <a:rPr lang="en-US" altLang="ko-KR" sz="3000" dirty="0">
+                <a:solidFill>
+                  <a:schemeClr val="bg1"/>
+                </a:solidFill>
+                <a:latin typeface="HY헤드라인M" pitchFamily="18" charset="-127"/>
+                <a:ea typeface="HY헤드라인M" pitchFamily="18" charset="-127"/>
+              </a:rPr>
+              <a:t>05</a:t>
+            </a:r>
+            <a:r>
+              <a:rPr lang="en-US" altLang="ko-KR" sz="3500" dirty="0">
+                <a:solidFill>
+                  <a:schemeClr val="bg1"/>
+                </a:solidFill>
+                <a:latin typeface="HY헤드라인M" pitchFamily="18" charset="-127"/>
+                <a:ea typeface="HY헤드라인M" pitchFamily="18" charset="-127"/>
+              </a:rPr>
+              <a:t>    </a:t>
+            </a:r>
+            <a:r>
+              <a:rPr lang="ko-KR" altLang="en-US" sz="3500" dirty="0">
+                <a:solidFill>
+                  <a:schemeClr val="bg1"/>
+                </a:solidFill>
+                <a:latin typeface="HY헤드라인M" pitchFamily="18" charset="-127"/>
+                <a:ea typeface="HY헤드라인M" pitchFamily="18" charset="-127"/>
+              </a:rPr>
+              <a:t>참고문헌</a:t>
+            </a:r>
+            <a:endParaRPr lang="en-US" altLang="ko-KR" sz="3500" dirty="0">
+              <a:solidFill>
+                <a:schemeClr val="bg1"/>
+              </a:solidFill>
+              <a:latin typeface="HY헤드라인M" pitchFamily="18" charset="-127"/>
+              <a:ea typeface="HY헤드라인M" pitchFamily="18" charset="-127"/>
+            </a:endParaRPr>
+          </a:p>
+          <a:p>
+            <a:endParaRPr lang="ko-KR" altLang="en-US" sz="3500" dirty="0">
+              <a:solidFill>
+                <a:schemeClr val="bg1"/>
+              </a:solidFill>
+              <a:latin typeface="HY헤드라인M" pitchFamily="18" charset="-127"/>
+              <a:ea typeface="HY헤드라인M" pitchFamily="18" charset="-127"/>
+            </a:endParaRPr>
           </a:p>
         </p:txBody>
       </p:sp>
-      <p:pic>
-        <p:nvPicPr>
-          <p:cNvPr id="4" name="그림 3">
-            <a:extLst>
-              <a:ext uri="{FF2B5EF4-FFF2-40B4-BE49-F238E27FC236}">
-                <a16:creationId xmlns:a16="http://schemas.microsoft.com/office/drawing/2014/main" id="{0AD5D070-EC12-488F-AD82-99A1FC23AFEF}"/>
-              </a:ext>
-            </a:extLst>
-          </p:cNvPr>
-          <p:cNvPicPr>
-            <a:picLocks noChangeAspect="1"/>
-          </p:cNvPicPr>
-          <p:nvPr/>
-        </p:nvPicPr>
-        <p:blipFill>
-          <a:blip r:embed="rId3"/>
-          <a:stretch>
-            <a:fillRect/>
-          </a:stretch>
-        </p:blipFill>
-        <p:spPr>
-          <a:xfrm>
-            <a:off x="1459421" y="1228847"/>
-            <a:ext cx="6153150" cy="2895600"/>
-          </a:xfrm>
-          <a:prstGeom prst="rect">
-            <a:avLst/>
-          </a:prstGeom>
-        </p:spPr>
-      </p:pic>
-      <p:pic>
-        <p:nvPicPr>
-          <p:cNvPr id="10" name="그림 9">
-            <a:extLst>
-              <a:ext uri="{FF2B5EF4-FFF2-40B4-BE49-F238E27FC236}">
-                <a16:creationId xmlns:a16="http://schemas.microsoft.com/office/drawing/2014/main" id="{DF451F2D-EFAA-4938-AA28-4E2AC9A2EF4A}"/>
-              </a:ext>
-            </a:extLst>
-          </p:cNvPr>
-          <p:cNvPicPr>
-            <a:picLocks noChangeAspect="1"/>
-          </p:cNvPicPr>
-          <p:nvPr/>
-        </p:nvPicPr>
-        <p:blipFill>
-          <a:blip r:embed="rId4">
-            <a:extLst>
-              <a:ext uri="{28A0092B-C50C-407E-A947-70E740481C1C}">
-                <a14:useLocalDpi xmlns:a14="http://schemas.microsoft.com/office/drawing/2010/main" val="0"/>
-              </a:ext>
-            </a:extLst>
-          </a:blip>
-          <a:stretch>
-            <a:fillRect/>
-          </a:stretch>
-        </p:blipFill>
-        <p:spPr>
-          <a:xfrm>
-            <a:off x="1459420" y="4098263"/>
-            <a:ext cx="6153149" cy="1874682"/>
-          </a:xfrm>
-          <a:prstGeom prst="rect">
-            <a:avLst/>
-          </a:prstGeom>
-        </p:spPr>
-      </p:pic>
     </p:spTree>
-    <p:extLst>
-      <p:ext uri="{BB962C8B-B14F-4D97-AF65-F5344CB8AC3E}">
-        <p14:creationId xmlns:p14="http://schemas.microsoft.com/office/powerpoint/2010/main" val="1553247248"/>
-      </p:ext>
-    </p:extLst>
   </p:cSld>
   <p:clrMapOvr>
     <a:masterClrMapping/>
@@ -11822,7 +11781,7 @@
 </p:sld>
 </file>
 
-<file path=ppt/slides/slide5.xml><?xml version="1.0" encoding="utf-8"?>
+<file path=ppt/slides/slide4.xml><?xml version="1.0" encoding="utf-8"?>
 <p:sld xmlns:a="http://schemas.openxmlformats.org/drawingml/2006/main" xmlns:r="http://schemas.openxmlformats.org/officeDocument/2006/relationships" xmlns:p="http://schemas.openxmlformats.org/presentationml/2006/main">
   <p:cSld>
     <p:bg>
@@ -12215,86 +12174,6 @@
           </a:extLst>
         </p:spPr>
       </p:pic>
-      <p:sp>
-        <p:nvSpPr>
-          <p:cNvPr id="27" name="TextBox 26">
-            <a:extLst>
-              <a:ext uri="{FF2B5EF4-FFF2-40B4-BE49-F238E27FC236}">
-                <a16:creationId xmlns:a16="http://schemas.microsoft.com/office/drawing/2014/main" id="{11C384B9-981A-42D1-9B2C-F1B4BBEE9233}"/>
-              </a:ext>
-            </a:extLst>
-          </p:cNvPr>
-          <p:cNvSpPr txBox="1"/>
-          <p:nvPr/>
-        </p:nvSpPr>
-        <p:spPr>
-          <a:xfrm>
-            <a:off x="6588224" y="3501008"/>
-            <a:ext cx="831875" cy="253916"/>
-          </a:xfrm>
-          <a:prstGeom prst="rect">
-            <a:avLst/>
-          </a:prstGeom>
-          <a:noFill/>
-        </p:spPr>
-        <p:txBody>
-          <a:bodyPr wrap="square" rtlCol="0">
-            <a:spAutoFit/>
-          </a:bodyPr>
-          <a:lstStyle/>
-          <a:p>
-            <a:r>
-              <a:rPr lang="ko-KR" altLang="en-US" sz="1050" dirty="0"/>
-              <a:t>그림 </a:t>
-            </a:r>
-            <a:r>
-              <a:rPr lang="en-US" altLang="ko-KR" sz="1050" dirty="0"/>
-              <a:t>2</a:t>
-            </a:r>
-            <a:endParaRPr lang="ko-KR" altLang="en-US" sz="1050" dirty="0"/>
-          </a:p>
-        </p:txBody>
-      </p:sp>
-      <p:sp>
-        <p:nvSpPr>
-          <p:cNvPr id="28" name="TextBox 27">
-            <a:extLst>
-              <a:ext uri="{FF2B5EF4-FFF2-40B4-BE49-F238E27FC236}">
-                <a16:creationId xmlns:a16="http://schemas.microsoft.com/office/drawing/2014/main" id="{DE7904D8-6EAF-49B0-8313-47E21655BA99}"/>
-              </a:ext>
-            </a:extLst>
-          </p:cNvPr>
-          <p:cNvSpPr txBox="1"/>
-          <p:nvPr/>
-        </p:nvSpPr>
-        <p:spPr>
-          <a:xfrm>
-            <a:off x="6732240" y="6233958"/>
-            <a:ext cx="831875" cy="253916"/>
-          </a:xfrm>
-          <a:prstGeom prst="rect">
-            <a:avLst/>
-          </a:prstGeom>
-          <a:noFill/>
-        </p:spPr>
-        <p:txBody>
-          <a:bodyPr wrap="square" rtlCol="0">
-            <a:spAutoFit/>
-          </a:bodyPr>
-          <a:lstStyle/>
-          <a:p>
-            <a:r>
-              <a:rPr lang="ko-KR" altLang="en-US" sz="1050" dirty="0"/>
-              <a:t>그림 </a:t>
-            </a:r>
-            <a:r>
-              <a:rPr lang="en-US" altLang="ko-KR" sz="1050" dirty="0"/>
-              <a:t>3</a:t>
-            </a:r>
-            <a:endParaRPr lang="ko-KR" altLang="en-US" sz="1050" dirty="0"/>
-          </a:p>
-        </p:txBody>
-      </p:sp>
       <p:pic>
         <p:nvPicPr>
           <p:cNvPr id="26" name="그림 25">
@@ -12398,7 +12277,7 @@
 </p:sld>
 </file>
 
-<file path=ppt/slides/slide6.xml><?xml version="1.0" encoding="utf-8"?>
+<file path=ppt/slides/slide5.xml><?xml version="1.0" encoding="utf-8"?>
 <p:sld xmlns:a="http://schemas.openxmlformats.org/drawingml/2006/main" xmlns:r="http://schemas.openxmlformats.org/officeDocument/2006/relationships" xmlns:p="http://schemas.openxmlformats.org/presentationml/2006/main">
   <p:cSld>
     <p:bg>
@@ -13220,7 +13099,7 @@
 </p:sld>
 </file>
 
-<file path=ppt/slides/slide7.xml><?xml version="1.0" encoding="utf-8"?>
+<file path=ppt/slides/slide6.xml><?xml version="1.0" encoding="utf-8"?>
 <p:sld xmlns:a="http://schemas.openxmlformats.org/drawingml/2006/main" xmlns:r="http://schemas.openxmlformats.org/officeDocument/2006/relationships" xmlns:p="http://schemas.openxmlformats.org/presentationml/2006/main">
   <p:cSld>
     <p:bg>
@@ -13407,7 +13286,7 @@
         </p:nvSpPr>
         <p:spPr>
           <a:xfrm>
-            <a:off x="0" y="231994"/>
+            <a:off x="185415" y="251266"/>
             <a:ext cx="780983" cy="523220"/>
           </a:xfrm>
           <a:prstGeom prst="rect">
@@ -13438,21 +13317,28 @@
               <a:defRPr/>
             </a:pPr>
             <a:r>
-              <a:rPr kumimoji="0" lang="ko-KR" altLang="en-US" sz="2800" b="1" i="0" u="none" strike="noStrike" kern="1200" cap="none" spc="-150" normalizeH="0" baseline="0" noProof="0" dirty="0">
-                <a:ln>
-                  <a:noFill/>
-                </a:ln>
+              <a:rPr lang="ko-KR" altLang="en-US" sz="2800" b="1" spc="-150" dirty="0">
                 <a:solidFill>
                   <a:prstClr val="white"/>
                 </a:solidFill>
-                <a:effectLst/>
-                <a:uLnTx/>
-                <a:uFillTx/>
                 <a:latin typeface="Rix비타민 M" panose="02020603020101020101" pitchFamily="18" charset="-127"/>
                 <a:ea typeface="Rix비타민 M" panose="02020603020101020101" pitchFamily="18" charset="-127"/>
               </a:rPr>
-              <a:t>기술</a:t>
-            </a:r>
+              <a:t>서론</a:t>
+            </a:r>
+            <a:endParaRPr kumimoji="0" lang="ko-KR" altLang="en-US" sz="2800" b="1" i="0" u="none" strike="noStrike" kern="1200" cap="none" spc="-150" normalizeH="0" baseline="0" noProof="0" dirty="0">
+              <a:ln>
+                <a:noFill/>
+              </a:ln>
+              <a:solidFill>
+                <a:prstClr val="white"/>
+              </a:solidFill>
+              <a:effectLst/>
+              <a:uLnTx/>
+              <a:uFillTx/>
+              <a:latin typeface="Rix비타민 M" panose="02020603020101020101" pitchFamily="18" charset="-127"/>
+              <a:ea typeface="Rix비타민 M" panose="02020603020101020101" pitchFamily="18" charset="-127"/>
+            </a:endParaRPr>
           </a:p>
         </p:txBody>
       </p:sp>
@@ -13496,14 +13382,21 @@
               <a:defRPr/>
             </a:pPr>
             <a:r>
-              <a:rPr lang="en-US" altLang="ko-KR" sz="2400" dirty="0">
+              <a:rPr kumimoji="0" lang="en-US" altLang="ko-KR" sz="2400" b="0" i="0" u="none" strike="noStrike" kern="1200" cap="none" spc="0" normalizeH="0" baseline="0" noProof="0" dirty="0">
+                <a:ln>
+                  <a:noFill/>
+                </a:ln>
                 <a:solidFill>
                   <a:prstClr val="white"/>
                 </a:solidFill>
+                <a:effectLst/>
+                <a:uLnTx/>
+                <a:uFillTx/>
                 <a:latin typeface="HY헤드라인M" pitchFamily="18" charset="-127"/>
                 <a:ea typeface="HY헤드라인M" pitchFamily="18" charset="-127"/>
-              </a:rPr>
-              <a:t>03</a:t>
+                <a:cs typeface="+mn-cs"/>
+              </a:rPr>
+              <a:t>01</a:t>
             </a:r>
             <a:endParaRPr kumimoji="0" lang="ko-KR" altLang="en-US" sz="2400" b="0" i="0" u="none" strike="noStrike" kern="1200" cap="none" spc="0" normalizeH="0" baseline="0" noProof="0" dirty="0">
               <a:ln>
@@ -13522,229 +13415,1313 @@
           </a:p>
         </p:txBody>
       </p:sp>
-      <p:sp>
-        <p:nvSpPr>
-          <p:cNvPr id="43" name="내용 개체 틀 4">
+      <p:pic>
+        <p:nvPicPr>
+          <p:cNvPr id="7" name="그림 6">
             <a:extLst>
               <a:ext uri="{FF2B5EF4-FFF2-40B4-BE49-F238E27FC236}">
-                <a16:creationId xmlns:a16="http://schemas.microsoft.com/office/drawing/2014/main" id="{32317F6C-E32E-4038-B673-18F423AA15D5}"/>
+                <a16:creationId xmlns:a16="http://schemas.microsoft.com/office/drawing/2014/main" id="{F5A9816A-8E4E-4B91-B895-EA9712FD014C}"/>
               </a:ext>
             </a:extLst>
           </p:cNvPr>
-          <p:cNvSpPr>
-            <a:spLocks noGrp="1"/>
-          </p:cNvSpPr>
-          <p:nvPr>
-            <p:ph sz="half" idx="1"/>
-          </p:nvPr>
-        </p:nvSpPr>
+          <p:cNvPicPr/>
+          <p:nvPr/>
+        </p:nvPicPr>
+        <p:blipFill>
+          <a:blip r:embed="rId3"/>
+          <a:stretch>
+            <a:fillRect/>
+          </a:stretch>
+        </p:blipFill>
         <p:spPr>
           <a:xfrm>
-            <a:off x="5004048" y="2241780"/>
-            <a:ext cx="4536505" cy="1799911"/>
+            <a:off x="359532" y="1437383"/>
+            <a:ext cx="8352928" cy="4825552"/>
           </a:xfrm>
+          <a:prstGeom prst="rect">
+            <a:avLst/>
+          </a:prstGeom>
+        </p:spPr>
+      </p:pic>
+      <p:pic>
+        <p:nvPicPr>
+          <p:cNvPr id="10" name="그림 9">
+            <a:extLst>
+              <a:ext uri="{FF2B5EF4-FFF2-40B4-BE49-F238E27FC236}">
+                <a16:creationId xmlns:a16="http://schemas.microsoft.com/office/drawing/2014/main" id="{D3A9A8CC-088A-488F-9009-8D4DF0AC12BF}"/>
+              </a:ext>
+            </a:extLst>
+          </p:cNvPr>
+          <p:cNvPicPr>
+            <a:picLocks noChangeAspect="1"/>
+          </p:cNvPicPr>
+          <p:nvPr/>
+        </p:nvPicPr>
+        <p:blipFill>
+          <a:blip r:embed="rId4"/>
+          <a:stretch>
+            <a:fillRect/>
+          </a:stretch>
+        </p:blipFill>
+        <p:spPr>
+          <a:xfrm>
+            <a:off x="4966435" y="2012959"/>
+            <a:ext cx="4091902" cy="3328186"/>
+          </a:xfrm>
+          <a:prstGeom prst="rect">
+            <a:avLst/>
+          </a:prstGeom>
+        </p:spPr>
+      </p:pic>
+      <p:pic>
+        <p:nvPicPr>
+          <p:cNvPr id="11" name="그림 10">
+            <a:extLst>
+              <a:ext uri="{FF2B5EF4-FFF2-40B4-BE49-F238E27FC236}">
+                <a16:creationId xmlns:a16="http://schemas.microsoft.com/office/drawing/2014/main" id="{673C40E3-EFB6-45C2-953A-538B4EEC7E96}"/>
+              </a:ext>
+            </a:extLst>
+          </p:cNvPr>
+          <p:cNvPicPr>
+            <a:picLocks noChangeAspect="1"/>
+          </p:cNvPicPr>
+          <p:nvPr/>
+        </p:nvPicPr>
+        <p:blipFill>
+          <a:blip r:embed="rId5"/>
+          <a:stretch>
+            <a:fillRect/>
+          </a:stretch>
+        </p:blipFill>
+        <p:spPr>
+          <a:xfrm>
+            <a:off x="-12316" y="2012959"/>
+            <a:ext cx="4080260" cy="3328186"/>
+          </a:xfrm>
+          <a:prstGeom prst="rect">
+            <a:avLst/>
+          </a:prstGeom>
+        </p:spPr>
+      </p:pic>
+      <p:pic>
+        <p:nvPicPr>
+          <p:cNvPr id="12" name="그림 11">
+            <a:extLst>
+              <a:ext uri="{FF2B5EF4-FFF2-40B4-BE49-F238E27FC236}">
+                <a16:creationId xmlns:a16="http://schemas.microsoft.com/office/drawing/2014/main" id="{45BC855B-8A98-4A40-8622-D73398A363D8}"/>
+              </a:ext>
+            </a:extLst>
+          </p:cNvPr>
+          <p:cNvPicPr>
+            <a:picLocks noChangeAspect="1"/>
+          </p:cNvPicPr>
+          <p:nvPr/>
+        </p:nvPicPr>
+        <p:blipFill>
+          <a:blip r:embed="rId6"/>
+          <a:stretch>
+            <a:fillRect/>
+          </a:stretch>
+        </p:blipFill>
+        <p:spPr>
+          <a:xfrm>
+            <a:off x="-16508" y="2048842"/>
+            <a:ext cx="4080260" cy="3324374"/>
+          </a:xfrm>
+          <a:prstGeom prst="rect">
+            <a:avLst/>
+          </a:prstGeom>
+        </p:spPr>
+      </p:pic>
+      <p:pic>
+        <p:nvPicPr>
+          <p:cNvPr id="14" name="그림 13">
+            <a:extLst>
+              <a:ext uri="{FF2B5EF4-FFF2-40B4-BE49-F238E27FC236}">
+                <a16:creationId xmlns:a16="http://schemas.microsoft.com/office/drawing/2014/main" id="{52CFDDA6-CBDC-4BBC-B96A-EE8876B16628}"/>
+              </a:ext>
+            </a:extLst>
+          </p:cNvPr>
+          <p:cNvPicPr>
+            <a:picLocks noChangeAspect="1"/>
+          </p:cNvPicPr>
+          <p:nvPr/>
+        </p:nvPicPr>
+        <p:blipFill>
+          <a:blip r:embed="rId7"/>
+          <a:stretch>
+            <a:fillRect/>
+          </a:stretch>
+        </p:blipFill>
+        <p:spPr>
+          <a:xfrm>
+            <a:off x="4962243" y="2007569"/>
+            <a:ext cx="4080260" cy="3324374"/>
+          </a:xfrm>
+          <a:prstGeom prst="rect">
+            <a:avLst/>
+          </a:prstGeom>
+        </p:spPr>
+      </p:pic>
+    </p:spTree>
+    <p:extLst>
+      <p:ext uri="{BB962C8B-B14F-4D97-AF65-F5344CB8AC3E}">
+        <p14:creationId xmlns:p14="http://schemas.microsoft.com/office/powerpoint/2010/main" val="2439850375"/>
+      </p:ext>
+    </p:extLst>
+  </p:cSld>
+  <p:clrMapOvr>
+    <a:masterClrMapping/>
+  </p:clrMapOvr>
+  <p:timing>
+    <p:tnLst>
+      <p:par>
+        <p:cTn id="1" dur="indefinite" restart="never" nodeType="tmRoot">
+          <p:childTnLst>
+            <p:seq concurrent="1" nextAc="seek">
+              <p:cTn id="2" dur="indefinite" nodeType="mainSeq">
+                <p:childTnLst>
+                  <p:par>
+                    <p:cTn id="3" fill="hold">
+                      <p:stCondLst>
+                        <p:cond delay="indefinite"/>
+                      </p:stCondLst>
+                      <p:childTnLst>
+                        <p:par>
+                          <p:cTn id="4" fill="hold">
+                            <p:stCondLst>
+                              <p:cond delay="0"/>
+                            </p:stCondLst>
+                            <p:childTnLst>
+                              <p:par>
+                                <p:cTn id="5" presetID="1" presetClass="entr" presetSubtype="0" fill="hold" nodeType="clickEffect">
+                                  <p:stCondLst>
+                                    <p:cond delay="0"/>
+                                  </p:stCondLst>
+                                  <p:childTnLst>
+                                    <p:set>
+                                      <p:cBhvr>
+                                        <p:cTn id="6" dur="1" fill="hold">
+                                          <p:stCondLst>
+                                            <p:cond delay="0"/>
+                                          </p:stCondLst>
+                                        </p:cTn>
+                                        <p:tgtEl>
+                                          <p:spTgt spid="11"/>
+                                        </p:tgtEl>
+                                        <p:attrNameLst>
+                                          <p:attrName>style.visibility</p:attrName>
+                                        </p:attrNameLst>
+                                      </p:cBhvr>
+                                      <p:to>
+                                        <p:strVal val="visible"/>
+                                      </p:to>
+                                    </p:set>
+                                  </p:childTnLst>
+                                </p:cTn>
+                              </p:par>
+                            </p:childTnLst>
+                          </p:cTn>
+                        </p:par>
+                      </p:childTnLst>
+                    </p:cTn>
+                  </p:par>
+                  <p:par>
+                    <p:cTn id="7" fill="hold">
+                      <p:stCondLst>
+                        <p:cond delay="indefinite"/>
+                      </p:stCondLst>
+                      <p:childTnLst>
+                        <p:par>
+                          <p:cTn id="8" fill="hold">
+                            <p:stCondLst>
+                              <p:cond delay="0"/>
+                            </p:stCondLst>
+                            <p:childTnLst>
+                              <p:par>
+                                <p:cTn id="9" presetID="1" presetClass="entr" presetSubtype="0" fill="hold" nodeType="clickEffect">
+                                  <p:stCondLst>
+                                    <p:cond delay="0"/>
+                                  </p:stCondLst>
+                                  <p:childTnLst>
+                                    <p:set>
+                                      <p:cBhvr>
+                                        <p:cTn id="10" dur="1" fill="hold">
+                                          <p:stCondLst>
+                                            <p:cond delay="0"/>
+                                          </p:stCondLst>
+                                        </p:cTn>
+                                        <p:tgtEl>
+                                          <p:spTgt spid="10"/>
+                                        </p:tgtEl>
+                                        <p:attrNameLst>
+                                          <p:attrName>style.visibility</p:attrName>
+                                        </p:attrNameLst>
+                                      </p:cBhvr>
+                                      <p:to>
+                                        <p:strVal val="visible"/>
+                                      </p:to>
+                                    </p:set>
+                                  </p:childTnLst>
+                                </p:cTn>
+                              </p:par>
+                            </p:childTnLst>
+                          </p:cTn>
+                        </p:par>
+                      </p:childTnLst>
+                    </p:cTn>
+                  </p:par>
+                  <p:par>
+                    <p:cTn id="11" fill="hold">
+                      <p:stCondLst>
+                        <p:cond delay="indefinite"/>
+                      </p:stCondLst>
+                      <p:childTnLst>
+                        <p:par>
+                          <p:cTn id="12" fill="hold">
+                            <p:stCondLst>
+                              <p:cond delay="0"/>
+                            </p:stCondLst>
+                            <p:childTnLst>
+                              <p:par>
+                                <p:cTn id="13" presetID="1" presetClass="entr" presetSubtype="0" fill="hold" nodeType="clickEffect">
+                                  <p:stCondLst>
+                                    <p:cond delay="0"/>
+                                  </p:stCondLst>
+                                  <p:childTnLst>
+                                    <p:set>
+                                      <p:cBhvr>
+                                        <p:cTn id="14" dur="1" fill="hold">
+                                          <p:stCondLst>
+                                            <p:cond delay="0"/>
+                                          </p:stCondLst>
+                                        </p:cTn>
+                                        <p:tgtEl>
+                                          <p:spTgt spid="12"/>
+                                        </p:tgtEl>
+                                        <p:attrNameLst>
+                                          <p:attrName>style.visibility</p:attrName>
+                                        </p:attrNameLst>
+                                      </p:cBhvr>
+                                      <p:to>
+                                        <p:strVal val="visible"/>
+                                      </p:to>
+                                    </p:set>
+                                  </p:childTnLst>
+                                </p:cTn>
+                              </p:par>
+                            </p:childTnLst>
+                          </p:cTn>
+                        </p:par>
+                      </p:childTnLst>
+                    </p:cTn>
+                  </p:par>
+                  <p:par>
+                    <p:cTn id="15" fill="hold">
+                      <p:stCondLst>
+                        <p:cond delay="indefinite"/>
+                      </p:stCondLst>
+                      <p:childTnLst>
+                        <p:par>
+                          <p:cTn id="16" fill="hold">
+                            <p:stCondLst>
+                              <p:cond delay="0"/>
+                            </p:stCondLst>
+                            <p:childTnLst>
+                              <p:par>
+                                <p:cTn id="17" presetID="1" presetClass="entr" presetSubtype="0" fill="hold" nodeType="clickEffect">
+                                  <p:stCondLst>
+                                    <p:cond delay="0"/>
+                                  </p:stCondLst>
+                                  <p:childTnLst>
+                                    <p:set>
+                                      <p:cBhvr>
+                                        <p:cTn id="18" dur="1" fill="hold">
+                                          <p:stCondLst>
+                                            <p:cond delay="0"/>
+                                          </p:stCondLst>
+                                        </p:cTn>
+                                        <p:tgtEl>
+                                          <p:spTgt spid="14"/>
+                                        </p:tgtEl>
+                                        <p:attrNameLst>
+                                          <p:attrName>style.visibility</p:attrName>
+                                        </p:attrNameLst>
+                                      </p:cBhvr>
+                                      <p:to>
+                                        <p:strVal val="visible"/>
+                                      </p:to>
+                                    </p:set>
+                                  </p:childTnLst>
+                                </p:cTn>
+                              </p:par>
+                            </p:childTnLst>
+                          </p:cTn>
+                        </p:par>
+                      </p:childTnLst>
+                    </p:cTn>
+                  </p:par>
+                </p:childTnLst>
+              </p:cTn>
+              <p:prevCondLst>
+                <p:cond evt="onPrev" delay="0">
+                  <p:tgtEl>
+                    <p:sldTgt/>
+                  </p:tgtEl>
+                </p:cond>
+              </p:prevCondLst>
+              <p:nextCondLst>
+                <p:cond evt="onNext" delay="0">
+                  <p:tgtEl>
+                    <p:sldTgt/>
+                  </p:tgtEl>
+                </p:cond>
+              </p:nextCondLst>
+            </p:seq>
+          </p:childTnLst>
+        </p:cTn>
+      </p:par>
+    </p:tnLst>
+  </p:timing>
+</p:sld>
+</file>
+
+<file path=ppt/slides/slide7.xml><?xml version="1.0" encoding="utf-8"?>
+<p:sld xmlns:a="http://schemas.openxmlformats.org/drawingml/2006/main" xmlns:r="http://schemas.openxmlformats.org/officeDocument/2006/relationships" xmlns:p="http://schemas.openxmlformats.org/presentationml/2006/main">
+  <p:cSld>
+    <p:bg>
+      <p:bgPr>
+        <a:solidFill>
+          <a:schemeClr val="tx2">
+            <a:lumMod val="75000"/>
+          </a:schemeClr>
+        </a:solidFill>
+        <a:effectLst/>
+      </p:bgPr>
+    </p:bg>
+    <p:spTree>
+      <p:nvGrpSpPr>
+        <p:cNvPr id="1" name=""/>
+        <p:cNvGrpSpPr/>
+        <p:nvPr/>
+      </p:nvGrpSpPr>
+      <p:grpSpPr>
+        <a:xfrm>
+          <a:off x="0" y="0"/>
+          <a:ext cx="0" cy="0"/>
+          <a:chOff x="0" y="0"/>
+          <a:chExt cx="0" cy="0"/>
+        </a:xfrm>
+      </p:grpSpPr>
+      <p:sp>
+        <p:nvSpPr>
+          <p:cNvPr id="2" name="직사각형 1"/>
+          <p:cNvSpPr/>
+          <p:nvPr/>
+        </p:nvSpPr>
+        <p:spPr>
+          <a:xfrm>
+            <a:off x="-3932" y="774486"/>
+            <a:ext cx="9180512" cy="5793548"/>
+          </a:xfrm>
+          <a:prstGeom prst="rect">
+            <a:avLst/>
+          </a:prstGeom>
+          <a:solidFill>
+            <a:schemeClr val="bg1"/>
+          </a:solidFill>
+          <a:ln>
+            <a:noFill/>
+          </a:ln>
+        </p:spPr>
+        <p:style>
+          <a:lnRef idx="2">
+            <a:schemeClr val="accent1">
+              <a:shade val="50000"/>
+            </a:schemeClr>
+          </a:lnRef>
+          <a:fillRef idx="1">
+            <a:schemeClr val="accent1"/>
+          </a:fillRef>
+          <a:effectRef idx="0">
+            <a:schemeClr val="accent1"/>
+          </a:effectRef>
+          <a:fontRef idx="minor">
+            <a:schemeClr val="lt1"/>
+          </a:fontRef>
+        </p:style>
+        <p:txBody>
+          <a:bodyPr rtlCol="0" anchor="ctr"/>
+          <a:lstStyle/>
+          <a:p>
+            <a:pPr marL="0" marR="0" lvl="0" indent="0" algn="ctr" defTabSz="914400" rtl="0" eaLnBrk="1" fontAlgn="auto" latinLnBrk="1" hangingPunct="1">
+              <a:lnSpc>
+                <a:spcPct val="100000"/>
+              </a:lnSpc>
+              <a:spcBef>
+                <a:spcPts val="0"/>
+              </a:spcBef>
+              <a:spcAft>
+                <a:spcPts val="0"/>
+              </a:spcAft>
+              <a:buClrTx/>
+              <a:buSzTx/>
+              <a:buFontTx/>
+              <a:buNone/>
+              <a:tabLst/>
+              <a:defRPr/>
+            </a:pPr>
+            <a:endParaRPr kumimoji="0" lang="ko-KR" altLang="en-US" sz="1800" b="0" i="0" u="none" strike="noStrike" kern="1200" cap="none" spc="0" normalizeH="0" baseline="0" noProof="0" dirty="0">
+              <a:ln>
+                <a:noFill/>
+              </a:ln>
+              <a:solidFill>
+                <a:prstClr val="white"/>
+              </a:solidFill>
+              <a:effectLst/>
+              <a:uLnTx/>
+              <a:uFillTx/>
+              <a:latin typeface="맑은 고딕"/>
+              <a:ea typeface="맑은 고딕" panose="020B0503020000020004" pitchFamily="50" charset="-127"/>
+              <a:cs typeface="+mn-cs"/>
+            </a:endParaRPr>
+          </a:p>
+        </p:txBody>
+      </p:sp>
+      <p:sp>
+        <p:nvSpPr>
+          <p:cNvPr id="3" name="타원 2"/>
+          <p:cNvSpPr/>
+          <p:nvPr/>
+        </p:nvSpPr>
+        <p:spPr>
+          <a:xfrm>
+            <a:off x="4067944" y="146108"/>
+            <a:ext cx="936104" cy="1050644"/>
+          </a:xfrm>
+          <a:prstGeom prst="ellipse">
+            <a:avLst/>
+          </a:prstGeom>
+          <a:solidFill>
+            <a:schemeClr val="tx2">
+              <a:lumMod val="75000"/>
+            </a:schemeClr>
+          </a:solidFill>
+          <a:ln>
+            <a:noFill/>
+          </a:ln>
+        </p:spPr>
+        <p:style>
+          <a:lnRef idx="2">
+            <a:schemeClr val="accent1">
+              <a:shade val="50000"/>
+            </a:schemeClr>
+          </a:lnRef>
+          <a:fillRef idx="1">
+            <a:schemeClr val="accent1"/>
+          </a:fillRef>
+          <a:effectRef idx="0">
+            <a:schemeClr val="accent1"/>
+          </a:effectRef>
+          <a:fontRef idx="minor">
+            <a:schemeClr val="lt1"/>
+          </a:fontRef>
+        </p:style>
+        <p:txBody>
+          <a:bodyPr rtlCol="0" anchor="ctr"/>
+          <a:lstStyle/>
+          <a:p>
+            <a:pPr marL="0" marR="0" lvl="0" indent="0" algn="ctr" defTabSz="914400" rtl="0" eaLnBrk="1" fontAlgn="auto" latinLnBrk="1" hangingPunct="1">
+              <a:lnSpc>
+                <a:spcPct val="100000"/>
+              </a:lnSpc>
+              <a:spcBef>
+                <a:spcPts val="0"/>
+              </a:spcBef>
+              <a:spcAft>
+                <a:spcPts val="0"/>
+              </a:spcAft>
+              <a:buClrTx/>
+              <a:buSzTx/>
+              <a:buFontTx/>
+              <a:buNone/>
+              <a:tabLst/>
+              <a:defRPr/>
+            </a:pPr>
+            <a:endParaRPr kumimoji="0" lang="ko-KR" altLang="en-US" sz="1800" b="0" i="0" u="none" strike="noStrike" kern="1200" cap="none" spc="0" normalizeH="0" baseline="0" noProof="0">
+              <a:ln>
+                <a:noFill/>
+              </a:ln>
+              <a:solidFill>
+                <a:prstClr val="white"/>
+              </a:solidFill>
+              <a:effectLst/>
+              <a:uLnTx/>
+              <a:uFillTx/>
+              <a:latin typeface="맑은 고딕"/>
+              <a:ea typeface="맑은 고딕" panose="020B0503020000020004" pitchFamily="50" charset="-127"/>
+              <a:cs typeface="+mn-cs"/>
+            </a:endParaRPr>
+          </a:p>
+        </p:txBody>
+      </p:sp>
+      <p:sp>
+        <p:nvSpPr>
+          <p:cNvPr id="8" name="직사각형 7"/>
+          <p:cNvSpPr/>
+          <p:nvPr/>
+        </p:nvSpPr>
+        <p:spPr>
+          <a:xfrm>
+            <a:off x="185415" y="251266"/>
+            <a:ext cx="780983" cy="523220"/>
+          </a:xfrm>
+          <a:prstGeom prst="rect">
+            <a:avLst/>
+          </a:prstGeom>
         </p:spPr>
         <p:txBody>
-          <a:bodyPr>
-            <a:normAutofit/>
+          <a:bodyPr wrap="none">
+            <a:spAutoFit/>
           </a:bodyPr>
           <a:lstStyle/>
           <a:p>
-            <a:pPr marL="0" indent="0">
+            <a:pPr marL="0" marR="0" lvl="0" indent="0" algn="ctr" defTabSz="914400" rtl="0" eaLnBrk="1" fontAlgn="auto" latinLnBrk="1" hangingPunct="1">
+              <a:lnSpc>
+                <a:spcPct val="100000"/>
+              </a:lnSpc>
+              <a:spcBef>
+                <a:spcPts val="0"/>
+              </a:spcBef>
+              <a:spcAft>
+                <a:spcPts val="0"/>
+              </a:spcAft>
+              <a:buClrTx/>
+              <a:buSzTx/>
+              <a:buFontTx/>
               <a:buNone/>
+              <a:tabLst/>
+              <a:defRPr/>
             </a:pPr>
             <a:r>
-              <a:rPr lang="ko-KR" altLang="en-US" sz="1400" b="1" dirty="0">
-                <a:effectLst>
-                  <a:outerShdw blurRad="38100" dist="38100" dir="2700000" algn="tl">
-                    <a:srgbClr val="000000">
-                      <a:alpha val="43137"/>
-                    </a:srgbClr>
-                  </a:outerShdw>
-                </a:effectLst>
-              </a:rPr>
-              <a:t>해당 </a:t>
-            </a:r>
-            <a:r>
-              <a:rPr lang="en-US" altLang="ko-KR" sz="1400" b="1" dirty="0">
-                <a:effectLst>
-                  <a:outerShdw blurRad="38100" dist="38100" dir="2700000" algn="tl">
-                    <a:srgbClr val="000000">
-                      <a:alpha val="43137"/>
-                    </a:srgbClr>
-                  </a:outerShdw>
-                </a:effectLst>
-              </a:rPr>
-              <a:t>Image</a:t>
-            </a:r>
-            <a:r>
-              <a:rPr lang="ko-KR" altLang="en-US" sz="1400" b="1" dirty="0">
-                <a:effectLst>
-                  <a:outerShdw blurRad="38100" dist="38100" dir="2700000" algn="tl">
-                    <a:srgbClr val="000000">
-                      <a:alpha val="43137"/>
-                    </a:srgbClr>
-                  </a:outerShdw>
-                </a:effectLst>
-              </a:rPr>
-              <a:t>의 </a:t>
-            </a:r>
-            <a:r>
-              <a:rPr lang="en-US" altLang="ko-KR" sz="1400" b="1" dirty="0">
-                <a:effectLst>
-                  <a:outerShdw blurRad="38100" dist="38100" dir="2700000" algn="tl">
-                    <a:srgbClr val="000000">
-                      <a:alpha val="43137"/>
-                    </a:srgbClr>
-                  </a:outerShdw>
-                </a:effectLst>
-              </a:rPr>
-              <a:t>Object</a:t>
-            </a:r>
-            <a:r>
-              <a:rPr lang="ko-KR" altLang="en-US" sz="1400" b="1" dirty="0">
-                <a:effectLst>
-                  <a:outerShdw blurRad="38100" dist="38100" dir="2700000" algn="tl">
-                    <a:srgbClr val="000000">
-                      <a:alpha val="43137"/>
-                    </a:srgbClr>
-                  </a:outerShdw>
-                </a:effectLst>
-              </a:rPr>
-              <a:t>를 판별하는 기술</a:t>
-            </a:r>
-            <a:endParaRPr lang="en-US" altLang="ko-KR" sz="1400" b="1" dirty="0">
-              <a:effectLst>
-                <a:outerShdw blurRad="38100" dist="38100" dir="2700000" algn="tl">
-                  <a:srgbClr val="000000">
-                    <a:alpha val="43137"/>
-                  </a:srgbClr>
-                </a:outerShdw>
-              </a:effectLst>
+              <a:rPr lang="ko-KR" altLang="en-US" sz="2800" b="1" spc="-150" dirty="0">
+                <a:solidFill>
+                  <a:prstClr val="white"/>
+                </a:solidFill>
+                <a:latin typeface="Rix비타민 M" panose="02020603020101020101" pitchFamily="18" charset="-127"/>
+                <a:ea typeface="Rix비타민 M" panose="02020603020101020101" pitchFamily="18" charset="-127"/>
+              </a:rPr>
+              <a:t>서론</a:t>
+            </a:r>
+            <a:endParaRPr kumimoji="0" lang="ko-KR" altLang="en-US" sz="2800" b="1" i="0" u="none" strike="noStrike" kern="1200" cap="none" spc="-150" normalizeH="0" baseline="0" noProof="0" dirty="0">
+              <a:ln>
+                <a:noFill/>
+              </a:ln>
+              <a:solidFill>
+                <a:prstClr val="white"/>
+              </a:solidFill>
+              <a:effectLst/>
+              <a:uLnTx/>
+              <a:uFillTx/>
+              <a:latin typeface="Rix비타민 M" panose="02020603020101020101" pitchFamily="18" charset="-127"/>
+              <a:ea typeface="Rix비타민 M" panose="02020603020101020101" pitchFamily="18" charset="-127"/>
             </a:endParaRPr>
           </a:p>
-          <a:p>
-            <a:pPr marL="0" indent="0">
+        </p:txBody>
+      </p:sp>
+      <p:sp>
+        <p:nvSpPr>
+          <p:cNvPr id="9" name="TextBox 8"/>
+          <p:cNvSpPr txBox="1"/>
+          <p:nvPr/>
+        </p:nvSpPr>
+        <p:spPr>
+          <a:xfrm>
+            <a:off x="3995936" y="692696"/>
+            <a:ext cx="1080120" cy="461665"/>
+          </a:xfrm>
+          <a:prstGeom prst="rect">
+            <a:avLst/>
+          </a:prstGeom>
+          <a:noFill/>
+        </p:spPr>
+        <p:txBody>
+          <a:bodyPr wrap="square" rtlCol="0">
+            <a:spAutoFit/>
+          </a:bodyPr>
+          <a:lstStyle/>
+          <a:p>
+            <a:pPr marL="0" marR="0" lvl="0" indent="0" algn="ctr" defTabSz="914400" rtl="0" eaLnBrk="1" fontAlgn="auto" latinLnBrk="1" hangingPunct="1">
+              <a:lnSpc>
+                <a:spcPct val="100000"/>
+              </a:lnSpc>
+              <a:spcBef>
+                <a:spcPts val="0"/>
+              </a:spcBef>
+              <a:spcAft>
+                <a:spcPts val="0"/>
+              </a:spcAft>
+              <a:buClrTx/>
+              <a:buSzTx/>
+              <a:buFontTx/>
               <a:buNone/>
+              <a:tabLst/>
+              <a:defRPr/>
             </a:pPr>
-            <a:endParaRPr lang="en-US" altLang="ko-KR" sz="1400" b="1" dirty="0">
-              <a:effectLst>
-                <a:outerShdw blurRad="38100" dist="38100" dir="2700000" algn="tl">
-                  <a:srgbClr val="000000">
-                    <a:alpha val="43137"/>
-                  </a:srgbClr>
-                </a:outerShdw>
-              </a:effectLst>
-            </a:endParaRPr>
-          </a:p>
-          <a:p>
-            <a:pPr marL="0" indent="0">
-              <a:buNone/>
-            </a:pPr>
-            <a:r>
-              <a:rPr lang="en-US" altLang="ko-KR" sz="1400" b="1" dirty="0">
-                <a:effectLst>
-                  <a:outerShdw blurRad="38100" dist="38100" dir="2700000" algn="tl">
-                    <a:srgbClr val="000000">
-                      <a:alpha val="43137"/>
-                    </a:srgbClr>
-                  </a:outerShdw>
-                </a:effectLst>
-              </a:rPr>
-              <a:t>Image</a:t>
-            </a:r>
-            <a:r>
-              <a:rPr lang="ko-KR" altLang="en-US" sz="1400" b="1" dirty="0">
-                <a:effectLst>
-                  <a:outerShdw blurRad="38100" dist="38100" dir="2700000" algn="tl">
-                    <a:srgbClr val="000000">
-                      <a:alpha val="43137"/>
-                    </a:srgbClr>
-                  </a:outerShdw>
-                </a:effectLst>
-              </a:rPr>
-              <a:t> </a:t>
-            </a:r>
-            <a:r>
-              <a:rPr lang="en-US" altLang="ko-KR" sz="1400" b="1" dirty="0">
-                <a:effectLst>
-                  <a:outerShdw blurRad="38100" dist="38100" dir="2700000" algn="tl">
-                    <a:srgbClr val="000000">
-                      <a:alpha val="43137"/>
-                    </a:srgbClr>
-                  </a:outerShdw>
-                </a:effectLst>
-              </a:rPr>
-              <a:t>dataset</a:t>
-            </a:r>
-            <a:r>
-              <a:rPr lang="ko-KR" altLang="en-US" sz="1400" b="1" dirty="0">
-                <a:effectLst>
-                  <a:outerShdw blurRad="38100" dist="38100" dir="2700000" algn="tl">
-                    <a:srgbClr val="000000">
-                      <a:alpha val="43137"/>
-                    </a:srgbClr>
-                  </a:outerShdw>
-                </a:effectLst>
-              </a:rPr>
-              <a:t>에 따라 인식 가능한 </a:t>
-            </a:r>
-            <a:r>
-              <a:rPr lang="en-US" altLang="ko-KR" sz="1400" b="1" dirty="0">
-                <a:effectLst>
-                  <a:outerShdw blurRad="38100" dist="38100" dir="2700000" algn="tl">
-                    <a:srgbClr val="000000">
-                      <a:alpha val="43137"/>
-                    </a:srgbClr>
-                  </a:outerShdw>
-                </a:effectLst>
-              </a:rPr>
-              <a:t>Object</a:t>
-            </a:r>
-            <a:r>
-              <a:rPr lang="ko-KR" altLang="en-US" sz="1400" b="1" dirty="0">
-                <a:effectLst>
-                  <a:outerShdw blurRad="38100" dist="38100" dir="2700000" algn="tl">
-                    <a:srgbClr val="000000">
-                      <a:alpha val="43137"/>
-                    </a:srgbClr>
-                  </a:outerShdw>
-                </a:effectLst>
-              </a:rPr>
-              <a:t>가 다름</a:t>
-            </a:r>
-            <a:endParaRPr lang="en-US" altLang="ko-KR" sz="1400" b="1" dirty="0">
-              <a:effectLst>
-                <a:outerShdw blurRad="38100" dist="38100" dir="2700000" algn="tl">
-                  <a:srgbClr val="000000">
-                    <a:alpha val="43137"/>
-                  </a:srgbClr>
-                </a:outerShdw>
-              </a:effectLst>
-            </a:endParaRPr>
-          </a:p>
-          <a:p>
-            <a:pPr marL="0" indent="0">
-              <a:buNone/>
-            </a:pPr>
-            <a:endParaRPr lang="en-US" altLang="ko-KR" sz="1400" b="1" dirty="0">
-              <a:effectLst>
-                <a:outerShdw blurRad="38100" dist="38100" dir="2700000" algn="tl">
-                  <a:srgbClr val="000000">
-                    <a:alpha val="43137"/>
-                  </a:srgbClr>
-                </a:outerShdw>
-              </a:effectLst>
+            <a:r>
+              <a:rPr kumimoji="0" lang="en-US" altLang="ko-KR" sz="2400" b="0" i="0" u="none" strike="noStrike" kern="1200" cap="none" spc="0" normalizeH="0" baseline="0" noProof="0" dirty="0">
+                <a:ln>
+                  <a:noFill/>
+                </a:ln>
+                <a:solidFill>
+                  <a:prstClr val="white"/>
+                </a:solidFill>
+                <a:effectLst/>
+                <a:uLnTx/>
+                <a:uFillTx/>
+                <a:latin typeface="HY헤드라인M" pitchFamily="18" charset="-127"/>
+                <a:ea typeface="HY헤드라인M" pitchFamily="18" charset="-127"/>
+                <a:cs typeface="+mn-cs"/>
+              </a:rPr>
+              <a:t>01</a:t>
+            </a:r>
+            <a:endParaRPr kumimoji="0" lang="ko-KR" altLang="en-US" sz="2400" b="0" i="0" u="none" strike="noStrike" kern="1200" cap="none" spc="0" normalizeH="0" baseline="0" noProof="0" dirty="0">
+              <a:ln>
+                <a:noFill/>
+              </a:ln>
+              <a:solidFill>
+                <a:prstClr val="white"/>
+              </a:solidFill>
+              <a:effectLst/>
+              <a:uLnTx/>
+              <a:uFillTx/>
+              <a:latin typeface="HY헤드라인M" pitchFamily="18" charset="-127"/>
+              <a:ea typeface="HY헤드라인M" pitchFamily="18" charset="-127"/>
+              <a:cs typeface="+mn-cs"/>
             </a:endParaRPr>
           </a:p>
         </p:txBody>
       </p:sp>
       <p:pic>
         <p:nvPicPr>
-          <p:cNvPr id="5" name="그림 4">
+          <p:cNvPr id="7" name="그림 6">
             <a:extLst>
               <a:ext uri="{FF2B5EF4-FFF2-40B4-BE49-F238E27FC236}">
-                <a16:creationId xmlns:a16="http://schemas.microsoft.com/office/drawing/2014/main" id="{72762D7C-605E-4216-BEFB-4B0664CF7AE5}"/>
+                <a16:creationId xmlns:a16="http://schemas.microsoft.com/office/drawing/2014/main" id="{F5A9816A-8E4E-4B91-B895-EA9712FD014C}"/>
+              </a:ext>
+            </a:extLst>
+          </p:cNvPr>
+          <p:cNvPicPr/>
+          <p:nvPr/>
+        </p:nvPicPr>
+        <p:blipFill>
+          <a:blip r:embed="rId3"/>
+          <a:stretch>
+            <a:fillRect/>
+          </a:stretch>
+        </p:blipFill>
+        <p:spPr>
+          <a:xfrm>
+            <a:off x="359532" y="1437383"/>
+            <a:ext cx="8352928" cy="4825552"/>
+          </a:xfrm>
+          <a:prstGeom prst="rect">
+            <a:avLst/>
+          </a:prstGeom>
+        </p:spPr>
+      </p:pic>
+      <p:sp>
+        <p:nvSpPr>
+          <p:cNvPr id="4" name="사각형: 둥근 모서리 3">
+            <a:extLst>
+              <a:ext uri="{FF2B5EF4-FFF2-40B4-BE49-F238E27FC236}">
+                <a16:creationId xmlns:a16="http://schemas.microsoft.com/office/drawing/2014/main" id="{148CCC7F-0FA4-4763-AB01-41B62D7290AF}"/>
+              </a:ext>
+            </a:extLst>
+          </p:cNvPr>
+          <p:cNvSpPr/>
+          <p:nvPr/>
+        </p:nvSpPr>
+        <p:spPr>
+          <a:xfrm>
+            <a:off x="5436096" y="1437383"/>
+            <a:ext cx="3348372" cy="3071737"/>
+          </a:xfrm>
+          <a:prstGeom prst="roundRect">
+            <a:avLst/>
+          </a:prstGeom>
+          <a:noFill/>
+          <a:ln w="76200">
+            <a:solidFill>
+              <a:srgbClr val="FF0000"/>
+            </a:solidFill>
+          </a:ln>
+        </p:spPr>
+        <p:style>
+          <a:lnRef idx="2">
+            <a:schemeClr val="accent1">
+              <a:shade val="50000"/>
+            </a:schemeClr>
+          </a:lnRef>
+          <a:fillRef idx="1">
+            <a:schemeClr val="accent1"/>
+          </a:fillRef>
+          <a:effectRef idx="0">
+            <a:schemeClr val="accent1"/>
+          </a:effectRef>
+          <a:fontRef idx="minor">
+            <a:schemeClr val="lt1"/>
+          </a:fontRef>
+        </p:style>
+        <p:txBody>
+          <a:bodyPr rtlCol="0" anchor="ctr"/>
+          <a:lstStyle/>
+          <a:p>
+            <a:pPr algn="ctr"/>
+            <a:endParaRPr lang="ko-KR" altLang="en-US"/>
+          </a:p>
+        </p:txBody>
+      </p:sp>
+    </p:spTree>
+    <p:extLst>
+      <p:ext uri="{BB962C8B-B14F-4D97-AF65-F5344CB8AC3E}">
+        <p14:creationId xmlns:p14="http://schemas.microsoft.com/office/powerpoint/2010/main" val="559326892"/>
+      </p:ext>
+    </p:extLst>
+  </p:cSld>
+  <p:clrMapOvr>
+    <a:masterClrMapping/>
+  </p:clrMapOvr>
+  <p:timing>
+    <p:tnLst>
+      <p:par>
+        <p:cTn id="1" dur="indefinite" restart="never" nodeType="tmRoot">
+          <p:childTnLst>
+            <p:seq concurrent="1" nextAc="seek">
+              <p:cTn id="2" dur="indefinite" nodeType="mainSeq">
+                <p:childTnLst>
+                  <p:par>
+                    <p:cTn id="3" fill="hold">
+                      <p:stCondLst>
+                        <p:cond delay="indefinite"/>
+                      </p:stCondLst>
+                      <p:childTnLst>
+                        <p:par>
+                          <p:cTn id="4" fill="hold">
+                            <p:stCondLst>
+                              <p:cond delay="0"/>
+                            </p:stCondLst>
+                            <p:childTnLst>
+                              <p:par>
+                                <p:cTn id="5" presetID="1" presetClass="entr" presetSubtype="0" fill="hold" grpId="0" nodeType="clickEffect">
+                                  <p:stCondLst>
+                                    <p:cond delay="0"/>
+                                  </p:stCondLst>
+                                  <p:childTnLst>
+                                    <p:set>
+                                      <p:cBhvr>
+                                        <p:cTn id="6" dur="1" fill="hold">
+                                          <p:stCondLst>
+                                            <p:cond delay="0"/>
+                                          </p:stCondLst>
+                                        </p:cTn>
+                                        <p:tgtEl>
+                                          <p:spTgt spid="4"/>
+                                        </p:tgtEl>
+                                        <p:attrNameLst>
+                                          <p:attrName>style.visibility</p:attrName>
+                                        </p:attrNameLst>
+                                      </p:cBhvr>
+                                      <p:to>
+                                        <p:strVal val="visible"/>
+                                      </p:to>
+                                    </p:set>
+                                  </p:childTnLst>
+                                </p:cTn>
+                              </p:par>
+                            </p:childTnLst>
+                          </p:cTn>
+                        </p:par>
+                      </p:childTnLst>
+                    </p:cTn>
+                  </p:par>
+                </p:childTnLst>
+              </p:cTn>
+              <p:prevCondLst>
+                <p:cond evt="onPrev" delay="0">
+                  <p:tgtEl>
+                    <p:sldTgt/>
+                  </p:tgtEl>
+                </p:cond>
+              </p:prevCondLst>
+              <p:nextCondLst>
+                <p:cond evt="onNext" delay="0">
+                  <p:tgtEl>
+                    <p:sldTgt/>
+                  </p:tgtEl>
+                </p:cond>
+              </p:nextCondLst>
+            </p:seq>
+          </p:childTnLst>
+        </p:cTn>
+      </p:par>
+    </p:tnLst>
+    <p:bldLst>
+      <p:bldP spid="4" grpId="0" animBg="1"/>
+    </p:bldLst>
+  </p:timing>
+</p:sld>
+</file>
+
+<file path=ppt/slides/slide8.xml><?xml version="1.0" encoding="utf-8"?>
+<p:sld xmlns:a="http://schemas.openxmlformats.org/drawingml/2006/main" xmlns:r="http://schemas.openxmlformats.org/officeDocument/2006/relationships" xmlns:p="http://schemas.openxmlformats.org/presentationml/2006/main">
+  <p:cSld>
+    <p:bg>
+      <p:bgPr>
+        <a:solidFill>
+          <a:schemeClr val="tx2">
+            <a:lumMod val="75000"/>
+          </a:schemeClr>
+        </a:solidFill>
+        <a:effectLst/>
+      </p:bgPr>
+    </p:bg>
+    <p:spTree>
+      <p:nvGrpSpPr>
+        <p:cNvPr id="1" name=""/>
+        <p:cNvGrpSpPr/>
+        <p:nvPr/>
+      </p:nvGrpSpPr>
+      <p:grpSpPr>
+        <a:xfrm>
+          <a:off x="0" y="0"/>
+          <a:ext cx="0" cy="0"/>
+          <a:chOff x="0" y="0"/>
+          <a:chExt cx="0" cy="0"/>
+        </a:xfrm>
+      </p:grpSpPr>
+      <p:sp>
+        <p:nvSpPr>
+          <p:cNvPr id="2" name="직사각형 1"/>
+          <p:cNvSpPr/>
+          <p:nvPr/>
+        </p:nvSpPr>
+        <p:spPr>
+          <a:xfrm>
+            <a:off x="-3932" y="774486"/>
+            <a:ext cx="9180512" cy="5793548"/>
+          </a:xfrm>
+          <a:prstGeom prst="rect">
+            <a:avLst/>
+          </a:prstGeom>
+          <a:solidFill>
+            <a:schemeClr val="bg1"/>
+          </a:solidFill>
+          <a:ln>
+            <a:noFill/>
+          </a:ln>
+        </p:spPr>
+        <p:style>
+          <a:lnRef idx="2">
+            <a:schemeClr val="accent1">
+              <a:shade val="50000"/>
+            </a:schemeClr>
+          </a:lnRef>
+          <a:fillRef idx="1">
+            <a:schemeClr val="accent1"/>
+          </a:fillRef>
+          <a:effectRef idx="0">
+            <a:schemeClr val="accent1"/>
+          </a:effectRef>
+          <a:fontRef idx="minor">
+            <a:schemeClr val="lt1"/>
+          </a:fontRef>
+        </p:style>
+        <p:txBody>
+          <a:bodyPr rtlCol="0" anchor="ctr"/>
+          <a:lstStyle/>
+          <a:p>
+            <a:pPr marL="0" marR="0" lvl="0" indent="0" algn="ctr" defTabSz="914400" rtl="0" eaLnBrk="1" fontAlgn="auto" latinLnBrk="1" hangingPunct="1">
+              <a:lnSpc>
+                <a:spcPct val="100000"/>
+              </a:lnSpc>
+              <a:spcBef>
+                <a:spcPts val="0"/>
+              </a:spcBef>
+              <a:spcAft>
+                <a:spcPts val="0"/>
+              </a:spcAft>
+              <a:buClrTx/>
+              <a:buSzTx/>
+              <a:buFontTx/>
+              <a:buNone/>
+              <a:tabLst/>
+              <a:defRPr/>
+            </a:pPr>
+            <a:endParaRPr kumimoji="0" lang="ko-KR" altLang="en-US" sz="1800" b="0" i="0" u="none" strike="noStrike" kern="1200" cap="none" spc="0" normalizeH="0" baseline="0" noProof="0" dirty="0">
+              <a:ln>
+                <a:noFill/>
+              </a:ln>
+              <a:solidFill>
+                <a:prstClr val="white"/>
+              </a:solidFill>
+              <a:effectLst/>
+              <a:uLnTx/>
+              <a:uFillTx/>
+              <a:latin typeface="맑은 고딕"/>
+              <a:ea typeface="맑은 고딕" panose="020B0503020000020004" pitchFamily="50" charset="-127"/>
+              <a:cs typeface="+mn-cs"/>
+            </a:endParaRPr>
+          </a:p>
+        </p:txBody>
+      </p:sp>
+      <p:sp>
+        <p:nvSpPr>
+          <p:cNvPr id="3" name="타원 2"/>
+          <p:cNvSpPr/>
+          <p:nvPr/>
+        </p:nvSpPr>
+        <p:spPr>
+          <a:xfrm>
+            <a:off x="4067944" y="146108"/>
+            <a:ext cx="936104" cy="1050644"/>
+          </a:xfrm>
+          <a:prstGeom prst="ellipse">
+            <a:avLst/>
+          </a:prstGeom>
+          <a:solidFill>
+            <a:schemeClr val="tx2">
+              <a:lumMod val="75000"/>
+            </a:schemeClr>
+          </a:solidFill>
+          <a:ln>
+            <a:noFill/>
+          </a:ln>
+        </p:spPr>
+        <p:style>
+          <a:lnRef idx="2">
+            <a:schemeClr val="accent1">
+              <a:shade val="50000"/>
+            </a:schemeClr>
+          </a:lnRef>
+          <a:fillRef idx="1">
+            <a:schemeClr val="accent1"/>
+          </a:fillRef>
+          <a:effectRef idx="0">
+            <a:schemeClr val="accent1"/>
+          </a:effectRef>
+          <a:fontRef idx="minor">
+            <a:schemeClr val="lt1"/>
+          </a:fontRef>
+        </p:style>
+        <p:txBody>
+          <a:bodyPr rtlCol="0" anchor="ctr"/>
+          <a:lstStyle/>
+          <a:p>
+            <a:pPr marL="0" marR="0" lvl="0" indent="0" algn="ctr" defTabSz="914400" rtl="0" eaLnBrk="1" fontAlgn="auto" latinLnBrk="1" hangingPunct="1">
+              <a:lnSpc>
+                <a:spcPct val="100000"/>
+              </a:lnSpc>
+              <a:spcBef>
+                <a:spcPts val="0"/>
+              </a:spcBef>
+              <a:spcAft>
+                <a:spcPts val="0"/>
+              </a:spcAft>
+              <a:buClrTx/>
+              <a:buSzTx/>
+              <a:buFontTx/>
+              <a:buNone/>
+              <a:tabLst/>
+              <a:defRPr/>
+            </a:pPr>
+            <a:endParaRPr kumimoji="0" lang="ko-KR" altLang="en-US" sz="1800" b="0" i="0" u="none" strike="noStrike" kern="1200" cap="none" spc="0" normalizeH="0" baseline="0" noProof="0">
+              <a:ln>
+                <a:noFill/>
+              </a:ln>
+              <a:solidFill>
+                <a:prstClr val="white"/>
+              </a:solidFill>
+              <a:effectLst/>
+              <a:uLnTx/>
+              <a:uFillTx/>
+              <a:latin typeface="맑은 고딕"/>
+              <a:ea typeface="맑은 고딕" panose="020B0503020000020004" pitchFamily="50" charset="-127"/>
+              <a:cs typeface="+mn-cs"/>
+            </a:endParaRPr>
+          </a:p>
+        </p:txBody>
+      </p:sp>
+      <p:sp>
+        <p:nvSpPr>
+          <p:cNvPr id="8" name="직사각형 7"/>
+          <p:cNvSpPr/>
+          <p:nvPr/>
+        </p:nvSpPr>
+        <p:spPr>
+          <a:xfrm>
+            <a:off x="0" y="231994"/>
+            <a:ext cx="780983" cy="523220"/>
+          </a:xfrm>
+          <a:prstGeom prst="rect">
+            <a:avLst/>
+          </a:prstGeom>
+        </p:spPr>
+        <p:txBody>
+          <a:bodyPr wrap="none">
+            <a:spAutoFit/>
+          </a:bodyPr>
+          <a:lstStyle/>
+          <a:p>
+            <a:pPr marL="0" marR="0" lvl="0" indent="0" algn="ctr" defTabSz="914400" rtl="0" eaLnBrk="1" fontAlgn="auto" latinLnBrk="1" hangingPunct="1">
+              <a:lnSpc>
+                <a:spcPct val="100000"/>
+              </a:lnSpc>
+              <a:spcBef>
+                <a:spcPts val="0"/>
+              </a:spcBef>
+              <a:spcAft>
+                <a:spcPts val="0"/>
+              </a:spcAft>
+              <a:buClrTx/>
+              <a:buSzTx/>
+              <a:buFontTx/>
+              <a:buNone/>
+              <a:tabLst/>
+              <a:defRPr/>
+            </a:pPr>
+            <a:r>
+              <a:rPr kumimoji="0" lang="ko-KR" altLang="en-US" sz="2800" b="1" i="0" u="none" strike="noStrike" kern="1200" cap="none" spc="-150" normalizeH="0" baseline="0" noProof="0" dirty="0">
+                <a:ln>
+                  <a:noFill/>
+                </a:ln>
+                <a:solidFill>
+                  <a:prstClr val="white"/>
+                </a:solidFill>
+                <a:effectLst/>
+                <a:uLnTx/>
+                <a:uFillTx/>
+                <a:latin typeface="Rix비타민 M" panose="02020603020101020101" pitchFamily="18" charset="-127"/>
+                <a:ea typeface="Rix비타민 M" panose="02020603020101020101" pitchFamily="18" charset="-127"/>
+              </a:rPr>
+              <a:t>기술</a:t>
+            </a:r>
+          </a:p>
+        </p:txBody>
+      </p:sp>
+      <p:sp>
+        <p:nvSpPr>
+          <p:cNvPr id="9" name="TextBox 8"/>
+          <p:cNvSpPr txBox="1"/>
+          <p:nvPr/>
+        </p:nvSpPr>
+        <p:spPr>
+          <a:xfrm>
+            <a:off x="3995936" y="692696"/>
+            <a:ext cx="1080120" cy="461665"/>
+          </a:xfrm>
+          <a:prstGeom prst="rect">
+            <a:avLst/>
+          </a:prstGeom>
+          <a:noFill/>
+        </p:spPr>
+        <p:txBody>
+          <a:bodyPr wrap="square" rtlCol="0">
+            <a:spAutoFit/>
+          </a:bodyPr>
+          <a:lstStyle/>
+          <a:p>
+            <a:pPr marL="0" marR="0" lvl="0" indent="0" algn="ctr" defTabSz="914400" rtl="0" eaLnBrk="1" fontAlgn="auto" latinLnBrk="1" hangingPunct="1">
+              <a:lnSpc>
+                <a:spcPct val="100000"/>
+              </a:lnSpc>
+              <a:spcBef>
+                <a:spcPts val="0"/>
+              </a:spcBef>
+              <a:spcAft>
+                <a:spcPts val="0"/>
+              </a:spcAft>
+              <a:buClrTx/>
+              <a:buSzTx/>
+              <a:buFontTx/>
+              <a:buNone/>
+              <a:tabLst/>
+              <a:defRPr/>
+            </a:pPr>
+            <a:r>
+              <a:rPr lang="en-US" altLang="ko-KR" sz="2400" dirty="0">
+                <a:solidFill>
+                  <a:prstClr val="white"/>
+                </a:solidFill>
+                <a:latin typeface="HY헤드라인M" pitchFamily="18" charset="-127"/>
+                <a:ea typeface="HY헤드라인M" pitchFamily="18" charset="-127"/>
+              </a:rPr>
+              <a:t>03</a:t>
+            </a:r>
+            <a:endParaRPr kumimoji="0" lang="ko-KR" altLang="en-US" sz="2400" b="0" i="0" u="none" strike="noStrike" kern="1200" cap="none" spc="0" normalizeH="0" baseline="0" noProof="0" dirty="0">
+              <a:ln>
+                <a:noFill/>
+              </a:ln>
+              <a:solidFill>
+                <a:prstClr val="white"/>
+              </a:solidFill>
+              <a:effectLst/>
+              <a:uLnTx/>
+              <a:uFillTx/>
+              <a:latin typeface="HY헤드라인M" pitchFamily="18" charset="-127"/>
+              <a:ea typeface="HY헤드라인M" pitchFamily="18" charset="-127"/>
+              <a:cs typeface="+mn-cs"/>
+            </a:endParaRPr>
+          </a:p>
+        </p:txBody>
+      </p:sp>
+      <p:grpSp>
+        <p:nvGrpSpPr>
+          <p:cNvPr id="13" name="그룹 12">
+            <a:extLst>
+              <a:ext uri="{FF2B5EF4-FFF2-40B4-BE49-F238E27FC236}">
+                <a16:creationId xmlns:a16="http://schemas.microsoft.com/office/drawing/2014/main" id="{D2AF6CC4-3E51-4359-A1AE-E5101741B331}"/>
+              </a:ext>
+            </a:extLst>
+          </p:cNvPr>
+          <p:cNvGrpSpPr/>
+          <p:nvPr/>
+        </p:nvGrpSpPr>
+        <p:grpSpPr>
+          <a:xfrm>
+            <a:off x="2379252" y="2111150"/>
+            <a:ext cx="2632080" cy="3708450"/>
+            <a:chOff x="3757708" y="3046070"/>
+            <a:chExt cx="2544162" cy="1037700"/>
+          </a:xfrm>
+        </p:grpSpPr>
+        <p:sp>
+          <p:nvSpPr>
+            <p:cNvPr id="14" name="모서리가 둥근 직사각형 43">
+              <a:extLst>
+                <a:ext uri="{FF2B5EF4-FFF2-40B4-BE49-F238E27FC236}">
+                  <a16:creationId xmlns:a16="http://schemas.microsoft.com/office/drawing/2014/main" id="{6E6C9B55-22EF-4A1B-9567-321324C209E5}"/>
+                </a:ext>
+              </a:extLst>
+            </p:cNvPr>
+            <p:cNvSpPr/>
+            <p:nvPr/>
+          </p:nvSpPr>
+          <p:spPr>
+            <a:xfrm>
+              <a:off x="3987964" y="3046070"/>
+              <a:ext cx="2083651" cy="1037700"/>
+            </a:xfrm>
+            <a:prstGeom prst="roundRect">
+              <a:avLst/>
+            </a:prstGeom>
+            <a:noFill/>
+            <a:ln w="69850">
+              <a:solidFill>
+                <a:schemeClr val="tx1"/>
+              </a:solidFill>
+            </a:ln>
+          </p:spPr>
+          <p:style>
+            <a:lnRef idx="2">
+              <a:schemeClr val="dk1"/>
+            </a:lnRef>
+            <a:fillRef idx="1">
+              <a:schemeClr val="lt1"/>
+            </a:fillRef>
+            <a:effectRef idx="0">
+              <a:schemeClr val="dk1"/>
+            </a:effectRef>
+            <a:fontRef idx="minor">
+              <a:schemeClr val="dk1"/>
+            </a:fontRef>
+          </p:style>
+          <p:txBody>
+            <a:bodyPr rtlCol="0" anchor="ctr"/>
+            <a:lstStyle/>
+            <a:p>
+              <a:pPr algn="ctr"/>
+              <a:endParaRPr lang="ko-KR" altLang="en-US"/>
+            </a:p>
+          </p:txBody>
+        </p:sp>
+        <p:sp>
+          <p:nvSpPr>
+            <p:cNvPr id="15" name="TextBox 14">
+              <a:extLst>
+                <a:ext uri="{FF2B5EF4-FFF2-40B4-BE49-F238E27FC236}">
+                  <a16:creationId xmlns:a16="http://schemas.microsoft.com/office/drawing/2014/main" id="{7C2CE79E-EF1E-4362-8119-18EA65F11E06}"/>
+                </a:ext>
+              </a:extLst>
+            </p:cNvPr>
+            <p:cNvSpPr txBox="1"/>
+            <p:nvPr/>
+          </p:nvSpPr>
+          <p:spPr>
+            <a:xfrm>
+              <a:off x="3757708" y="3071962"/>
+              <a:ext cx="2544162" cy="908589"/>
+            </a:xfrm>
+            <a:prstGeom prst="rect">
+              <a:avLst/>
+            </a:prstGeom>
+            <a:noFill/>
+          </p:spPr>
+          <p:txBody>
+            <a:bodyPr wrap="square" rtlCol="0">
+              <a:spAutoFit/>
+            </a:bodyPr>
+            <a:lstStyle/>
+            <a:p>
+              <a:pPr algn="ctr"/>
+              <a:r>
+                <a:rPr lang="en-US" altLang="ko-KR" sz="3500" dirty="0"/>
+                <a:t>CNN Models</a:t>
+              </a:r>
+            </a:p>
+            <a:p>
+              <a:pPr algn="ctr"/>
+              <a:endParaRPr lang="en-US" altLang="ko-KR" sz="3500" dirty="0"/>
+            </a:p>
+            <a:p>
+              <a:pPr algn="ctr"/>
+              <a:r>
+                <a:rPr lang="en-US" altLang="ko-KR" sz="2500" dirty="0"/>
+                <a:t>Inception V2</a:t>
+              </a:r>
+            </a:p>
+            <a:p>
+              <a:pPr algn="ctr"/>
+              <a:r>
+                <a:rPr lang="en-US" altLang="ko-KR" sz="2500" dirty="0"/>
+                <a:t>Inception V3</a:t>
+              </a:r>
+            </a:p>
+            <a:p>
+              <a:pPr algn="ctr"/>
+              <a:r>
+                <a:rPr lang="en-US" altLang="ko-KR" sz="2500" dirty="0" err="1"/>
+                <a:t>ResNet</a:t>
+              </a:r>
+              <a:endParaRPr lang="en-US" altLang="ko-KR" sz="2500" dirty="0"/>
+            </a:p>
+            <a:p>
+              <a:pPr algn="ctr"/>
+              <a:r>
+                <a:rPr lang="en-US" altLang="ko-KR" sz="2500" dirty="0" err="1"/>
+                <a:t>VGGNet</a:t>
+              </a:r>
+              <a:endParaRPr lang="en-US" altLang="ko-KR" sz="2500" dirty="0"/>
+            </a:p>
+          </p:txBody>
+        </p:sp>
+      </p:grpSp>
+      <p:pic>
+        <p:nvPicPr>
+          <p:cNvPr id="16" name="그림 15">
+            <a:extLst>
+              <a:ext uri="{FF2B5EF4-FFF2-40B4-BE49-F238E27FC236}">
+                <a16:creationId xmlns:a16="http://schemas.microsoft.com/office/drawing/2014/main" id="{FAFF4A0A-2170-4254-91A5-7714D0E2ADDD}"/>
               </a:ext>
             </a:extLst>
           </p:cNvPr>
@@ -13767,20 +14744,218 @@
         </p:blipFill>
         <p:spPr>
           <a:xfrm>
-            <a:off x="179512" y="1381681"/>
-            <a:ext cx="4667274" cy="2672775"/>
+            <a:off x="107505" y="2857470"/>
+            <a:ext cx="1202026" cy="1218707"/>
           </a:xfrm>
           <a:prstGeom prst="rect">
             <a:avLst/>
           </a:prstGeom>
+          <a:scene3d>
+            <a:camera prst="orthographicFront">
+              <a:rot lat="0" lon="10799999" rev="0"/>
+            </a:camera>
+            <a:lightRig rig="threePt" dir="t"/>
+          </a:scene3d>
         </p:spPr>
       </p:pic>
       <p:sp>
         <p:nvSpPr>
-          <p:cNvPr id="6" name="TextBox 5">
+          <p:cNvPr id="17" name="왼쪽 화살표 49">
             <a:extLst>
               <a:ext uri="{FF2B5EF4-FFF2-40B4-BE49-F238E27FC236}">
-                <a16:creationId xmlns:a16="http://schemas.microsoft.com/office/drawing/2014/main" id="{28DE97F5-9E75-4B81-8B9E-9A059A5613A0}"/>
+                <a16:creationId xmlns:a16="http://schemas.microsoft.com/office/drawing/2014/main" id="{3BCFD6B2-6CDE-43FB-BD16-FD48CB06CAF6}"/>
+              </a:ext>
+            </a:extLst>
+          </p:cNvPr>
+          <p:cNvSpPr/>
+          <p:nvPr/>
+        </p:nvSpPr>
+        <p:spPr>
+          <a:xfrm rot="10800000">
+            <a:off x="1526998" y="3558984"/>
+            <a:ext cx="685817" cy="308301"/>
+          </a:xfrm>
+          <a:prstGeom prst="leftArrow">
+            <a:avLst/>
+          </a:prstGeom>
+          <a:solidFill>
+            <a:schemeClr val="bg1"/>
+          </a:solidFill>
+          <a:ln w="28575">
+            <a:solidFill>
+              <a:schemeClr val="accent4">
+                <a:lumMod val="60000"/>
+                <a:lumOff val="40000"/>
+              </a:schemeClr>
+            </a:solidFill>
+          </a:ln>
+        </p:spPr>
+        <p:style>
+          <a:lnRef idx="1">
+            <a:schemeClr val="accent5"/>
+          </a:lnRef>
+          <a:fillRef idx="2">
+            <a:schemeClr val="accent5"/>
+          </a:fillRef>
+          <a:effectRef idx="1">
+            <a:schemeClr val="accent5"/>
+          </a:effectRef>
+          <a:fontRef idx="minor">
+            <a:schemeClr val="dk1"/>
+          </a:fontRef>
+        </p:style>
+        <p:txBody>
+          <a:bodyPr rtlCol="0" anchor="ctr"/>
+          <a:lstStyle/>
+          <a:p>
+            <a:pPr algn="ctr"/>
+            <a:endParaRPr lang="ko-KR" altLang="en-US"/>
+          </a:p>
+        </p:txBody>
+      </p:sp>
+      <p:sp>
+        <p:nvSpPr>
+          <p:cNvPr id="19" name="왼쪽 화살표 61">
+            <a:extLst>
+              <a:ext uri="{FF2B5EF4-FFF2-40B4-BE49-F238E27FC236}">
+                <a16:creationId xmlns:a16="http://schemas.microsoft.com/office/drawing/2014/main" id="{C6B84899-3F44-4724-88A4-ED77CE028665}"/>
+              </a:ext>
+            </a:extLst>
+          </p:cNvPr>
+          <p:cNvSpPr/>
+          <p:nvPr/>
+        </p:nvSpPr>
+        <p:spPr>
+          <a:xfrm rot="10800000">
+            <a:off x="4845200" y="3575687"/>
+            <a:ext cx="1579918" cy="366610"/>
+          </a:xfrm>
+          <a:prstGeom prst="leftArrow">
+            <a:avLst/>
+          </a:prstGeom>
+          <a:solidFill>
+            <a:schemeClr val="bg1"/>
+          </a:solidFill>
+          <a:ln w="28575">
+            <a:solidFill>
+              <a:schemeClr val="accent4">
+                <a:lumMod val="60000"/>
+                <a:lumOff val="40000"/>
+              </a:schemeClr>
+            </a:solidFill>
+          </a:ln>
+        </p:spPr>
+        <p:style>
+          <a:lnRef idx="1">
+            <a:schemeClr val="accent5"/>
+          </a:lnRef>
+          <a:fillRef idx="2">
+            <a:schemeClr val="accent5"/>
+          </a:fillRef>
+          <a:effectRef idx="1">
+            <a:schemeClr val="accent5"/>
+          </a:effectRef>
+          <a:fontRef idx="minor">
+            <a:schemeClr val="dk1"/>
+          </a:fontRef>
+        </p:style>
+        <p:txBody>
+          <a:bodyPr rtlCol="0" anchor="ctr"/>
+          <a:lstStyle/>
+          <a:p>
+            <a:pPr algn="ctr"/>
+            <a:endParaRPr lang="ko-KR" altLang="en-US"/>
+          </a:p>
+        </p:txBody>
+      </p:sp>
+      <p:sp>
+        <p:nvSpPr>
+          <p:cNvPr id="20" name="직사각형 19">
+            <a:extLst>
+              <a:ext uri="{FF2B5EF4-FFF2-40B4-BE49-F238E27FC236}">
+                <a16:creationId xmlns:a16="http://schemas.microsoft.com/office/drawing/2014/main" id="{6C61436C-A917-4663-9AEE-999A85B85386}"/>
+              </a:ext>
+            </a:extLst>
+          </p:cNvPr>
+          <p:cNvSpPr/>
+          <p:nvPr/>
+        </p:nvSpPr>
+        <p:spPr>
+          <a:xfrm>
+            <a:off x="2760417" y="1762956"/>
+            <a:ext cx="1916495" cy="338965"/>
+          </a:xfrm>
+          <a:prstGeom prst="rect">
+            <a:avLst/>
+          </a:prstGeom>
+          <a:solidFill>
+            <a:schemeClr val="bg1"/>
+          </a:solidFill>
+          <a:ln w="31750">
+            <a:solidFill>
+              <a:schemeClr val="tx1"/>
+            </a:solidFill>
+          </a:ln>
+        </p:spPr>
+        <p:style>
+          <a:lnRef idx="2">
+            <a:schemeClr val="accent1">
+              <a:shade val="50000"/>
+            </a:schemeClr>
+          </a:lnRef>
+          <a:fillRef idx="1">
+            <a:schemeClr val="accent1"/>
+          </a:fillRef>
+          <a:effectRef idx="0">
+            <a:schemeClr val="accent1"/>
+          </a:effectRef>
+          <a:fontRef idx="minor">
+            <a:schemeClr val="lt1"/>
+          </a:fontRef>
+        </p:style>
+        <p:txBody>
+          <a:bodyPr rtlCol="0" anchor="ctr"/>
+          <a:lstStyle/>
+          <a:p>
+            <a:pPr algn="ctr"/>
+            <a:r>
+              <a:rPr lang="ko-KR" altLang="en-US" dirty="0" err="1">
+                <a:solidFill>
+                  <a:schemeClr val="tx1"/>
+                </a:solidFill>
+              </a:rPr>
+              <a:t>객체</a:t>
+            </a:r>
+            <a:r>
+              <a:rPr lang="ko-KR" altLang="en-US" sz="1200" dirty="0" err="1">
+                <a:solidFill>
+                  <a:schemeClr val="tx1"/>
+                </a:solidFill>
+              </a:rPr>
+              <a:t>⦁</a:t>
+            </a:r>
+            <a:r>
+              <a:rPr lang="ko-KR" altLang="en-US" dirty="0" err="1">
+                <a:solidFill>
+                  <a:schemeClr val="tx1"/>
+                </a:solidFill>
+              </a:rPr>
+              <a:t>행동인식부</a:t>
+            </a:r>
+            <a:endParaRPr lang="ko-KR" altLang="en-US" dirty="0">
+              <a:solidFill>
+                <a:schemeClr val="tx1"/>
+              </a:solidFill>
+            </a:endParaRPr>
+          </a:p>
+        </p:txBody>
+      </p:sp>
+      <p:sp>
+        <p:nvSpPr>
+          <p:cNvPr id="21" name="TextBox 20">
+            <a:extLst>
+              <a:ext uri="{FF2B5EF4-FFF2-40B4-BE49-F238E27FC236}">
+                <a16:creationId xmlns:a16="http://schemas.microsoft.com/office/drawing/2014/main" id="{1EFF7C42-37E9-4418-BF44-44CDF36DB900}"/>
               </a:ext>
             </a:extLst>
           </p:cNvPr>
@@ -13789,8 +14964,8 @@
         </p:nvSpPr>
         <p:spPr>
           <a:xfrm>
-            <a:off x="71674" y="977447"/>
-            <a:ext cx="2519931" cy="369332"/>
+            <a:off x="1173455" y="2970690"/>
+            <a:ext cx="1382119" cy="615553"/>
           </a:xfrm>
           <a:prstGeom prst="rect">
             <a:avLst/>
@@ -13803,280 +14978,195 @@
           </a:bodyPr>
           <a:lstStyle/>
           <a:p>
-            <a:r>
-              <a:rPr lang="en-US" altLang="ko-KR" b="1" dirty="0">
-                <a:effectLst>
-                  <a:outerShdw blurRad="38100" dist="38100" dir="2700000" algn="tl">
-                    <a:srgbClr val="000000">
-                      <a:alpha val="43137"/>
-                    </a:srgbClr>
-                  </a:outerShdw>
-                </a:effectLst>
-              </a:rPr>
-              <a:t>Image</a:t>
-            </a:r>
-            <a:r>
-              <a:rPr lang="ko-KR" altLang="en-US" b="1" dirty="0">
-                <a:effectLst>
-                  <a:outerShdw blurRad="38100" dist="38100" dir="2700000" algn="tl">
-                    <a:srgbClr val="000000">
-                      <a:alpha val="43137"/>
-                    </a:srgbClr>
-                  </a:outerShdw>
-                </a:effectLst>
-              </a:rPr>
-              <a:t> </a:t>
-            </a:r>
-            <a:r>
-              <a:rPr lang="en-US" altLang="ko-KR" b="1" dirty="0">
-                <a:effectLst>
-                  <a:outerShdw blurRad="38100" dist="38100" dir="2700000" algn="tl">
-                    <a:srgbClr val="000000">
-                      <a:alpha val="43137"/>
-                    </a:srgbClr>
-                  </a:outerShdw>
-                </a:effectLst>
-              </a:rPr>
-              <a:t>Detection</a:t>
-            </a:r>
+            <a:pPr algn="ctr"/>
+            <a:r>
+              <a:rPr lang="ko-KR" altLang="en-US" sz="1700" b="1" dirty="0"/>
+              <a:t>카메라 영상 제공</a:t>
+            </a:r>
+            <a:endParaRPr lang="en-US" altLang="ko-KR" sz="1700" b="1" dirty="0"/>
           </a:p>
         </p:txBody>
       </p:sp>
       <p:sp>
         <p:nvSpPr>
-          <p:cNvPr id="18" name="내용 개체 틀 4">
+          <p:cNvPr id="22" name="직사각형 21">
             <a:extLst>
               <a:ext uri="{FF2B5EF4-FFF2-40B4-BE49-F238E27FC236}">
-                <a16:creationId xmlns:a16="http://schemas.microsoft.com/office/drawing/2014/main" id="{4649E46D-6DC0-4E98-AB78-81359839AE3C}"/>
+                <a16:creationId xmlns:a16="http://schemas.microsoft.com/office/drawing/2014/main" id="{41E42935-8972-4CAA-9CB8-4255A3DDA99D}"/>
               </a:ext>
             </a:extLst>
           </p:cNvPr>
-          <p:cNvSpPr txBox="1">
-            <a:spLocks/>
-          </p:cNvSpPr>
+          <p:cNvSpPr/>
           <p:nvPr/>
         </p:nvSpPr>
         <p:spPr>
           <a:xfrm>
-            <a:off x="179512" y="4699468"/>
-            <a:ext cx="8352928" cy="516093"/>
+            <a:off x="96757" y="4110903"/>
+            <a:ext cx="1368452" cy="269135"/>
           </a:xfrm>
           <a:prstGeom prst="rect">
             <a:avLst/>
           </a:prstGeom>
+          <a:solidFill>
+            <a:schemeClr val="bg1"/>
+          </a:solidFill>
+          <a:ln w="31750">
+            <a:solidFill>
+              <a:schemeClr val="tx1"/>
+            </a:solidFill>
+          </a:ln>
         </p:spPr>
+        <p:style>
+          <a:lnRef idx="2">
+            <a:schemeClr val="accent1">
+              <a:shade val="50000"/>
+            </a:schemeClr>
+          </a:lnRef>
+          <a:fillRef idx="1">
+            <a:schemeClr val="accent1"/>
+          </a:fillRef>
+          <a:effectRef idx="0">
+            <a:schemeClr val="accent1"/>
+          </a:effectRef>
+          <a:fontRef idx="minor">
+            <a:schemeClr val="lt1"/>
+          </a:fontRef>
+        </p:style>
         <p:txBody>
-          <a:bodyPr vert="horz" lIns="91440" tIns="45720" rIns="91440" bIns="45720" rtlCol="0">
-            <a:normAutofit/>
-          </a:bodyPr>
-          <a:lstStyle>
-            <a:lvl1pPr marL="342900" indent="-342900" algn="l" defTabSz="914400" rtl="0" eaLnBrk="1" latinLnBrk="1" hangingPunct="1">
-              <a:spcBef>
-                <a:spcPct val="20000"/>
-              </a:spcBef>
-              <a:buFont typeface="Arial" pitchFamily="34" charset="0"/>
-              <a:buChar char="•"/>
-              <a:defRPr sz="2800" kern="1200">
+          <a:bodyPr rtlCol="0" anchor="ctr"/>
+          <a:lstStyle/>
+          <a:p>
+            <a:pPr algn="ctr"/>
+            <a:r>
+              <a:rPr lang="ko-KR" altLang="en-US" dirty="0">
                 <a:solidFill>
                   <a:schemeClr val="tx1"/>
                 </a:solidFill>
-                <a:latin typeface="+mn-lt"/>
-                <a:ea typeface="+mn-ea"/>
-                <a:cs typeface="+mn-cs"/>
-              </a:defRPr>
-            </a:lvl1pPr>
-            <a:lvl2pPr marL="742950" indent="-285750" algn="l" defTabSz="914400" rtl="0" eaLnBrk="1" latinLnBrk="1" hangingPunct="1">
-              <a:spcBef>
-                <a:spcPct val="20000"/>
-              </a:spcBef>
-              <a:buFont typeface="Arial" pitchFamily="34" charset="0"/>
-              <a:buChar char="–"/>
-              <a:defRPr sz="2400" kern="1200">
-                <a:solidFill>
-                  <a:schemeClr val="tx1"/>
-                </a:solidFill>
-                <a:latin typeface="+mn-lt"/>
-                <a:ea typeface="+mn-ea"/>
-                <a:cs typeface="+mn-cs"/>
-              </a:defRPr>
-            </a:lvl2pPr>
-            <a:lvl3pPr marL="1143000" indent="-228600" algn="l" defTabSz="914400" rtl="0" eaLnBrk="1" latinLnBrk="1" hangingPunct="1">
-              <a:spcBef>
-                <a:spcPct val="20000"/>
-              </a:spcBef>
-              <a:buFont typeface="Arial" pitchFamily="34" charset="0"/>
-              <a:buChar char="•"/>
-              <a:defRPr sz="2000" kern="1200">
-                <a:solidFill>
-                  <a:schemeClr val="tx1"/>
-                </a:solidFill>
-                <a:latin typeface="+mn-lt"/>
-                <a:ea typeface="+mn-ea"/>
-                <a:cs typeface="+mn-cs"/>
-              </a:defRPr>
-            </a:lvl3pPr>
-            <a:lvl4pPr marL="1600200" indent="-228600" algn="l" defTabSz="914400" rtl="0" eaLnBrk="1" latinLnBrk="1" hangingPunct="1">
-              <a:spcBef>
-                <a:spcPct val="20000"/>
-              </a:spcBef>
-              <a:buFont typeface="Arial" pitchFamily="34" charset="0"/>
-              <a:buChar char="–"/>
-              <a:defRPr sz="1800" kern="1200">
-                <a:solidFill>
-                  <a:schemeClr val="tx1"/>
-                </a:solidFill>
-                <a:latin typeface="+mn-lt"/>
-                <a:ea typeface="+mn-ea"/>
-                <a:cs typeface="+mn-cs"/>
-              </a:defRPr>
-            </a:lvl4pPr>
-            <a:lvl5pPr marL="2057400" indent="-228600" algn="l" defTabSz="914400" rtl="0" eaLnBrk="1" latinLnBrk="1" hangingPunct="1">
-              <a:spcBef>
-                <a:spcPct val="20000"/>
-              </a:spcBef>
-              <a:buFont typeface="Arial" pitchFamily="34" charset="0"/>
-              <a:buChar char="»"/>
-              <a:defRPr sz="1800" kern="1200">
-                <a:solidFill>
-                  <a:schemeClr val="tx1"/>
-                </a:solidFill>
-                <a:latin typeface="+mn-lt"/>
-                <a:ea typeface="+mn-ea"/>
-                <a:cs typeface="+mn-cs"/>
-              </a:defRPr>
-            </a:lvl5pPr>
-            <a:lvl6pPr marL="2514600" indent="-228600" algn="l" defTabSz="914400" rtl="0" eaLnBrk="1" latinLnBrk="1" hangingPunct="1">
-              <a:spcBef>
-                <a:spcPct val="20000"/>
-              </a:spcBef>
-              <a:buFont typeface="Arial" pitchFamily="34" charset="0"/>
-              <a:buChar char="•"/>
-              <a:defRPr sz="1800" kern="1200">
-                <a:solidFill>
-                  <a:schemeClr val="tx1"/>
-                </a:solidFill>
-                <a:latin typeface="+mn-lt"/>
-                <a:ea typeface="+mn-ea"/>
-                <a:cs typeface="+mn-cs"/>
-              </a:defRPr>
-            </a:lvl6pPr>
-            <a:lvl7pPr marL="2971800" indent="-228600" algn="l" defTabSz="914400" rtl="0" eaLnBrk="1" latinLnBrk="1" hangingPunct="1">
-              <a:spcBef>
-                <a:spcPct val="20000"/>
-              </a:spcBef>
-              <a:buFont typeface="Arial" pitchFamily="34" charset="0"/>
-              <a:buChar char="•"/>
-              <a:defRPr sz="1800" kern="1200">
-                <a:solidFill>
-                  <a:schemeClr val="tx1"/>
-                </a:solidFill>
-                <a:latin typeface="+mn-lt"/>
-                <a:ea typeface="+mn-ea"/>
-                <a:cs typeface="+mn-cs"/>
-              </a:defRPr>
-            </a:lvl7pPr>
-            <a:lvl8pPr marL="3429000" indent="-228600" algn="l" defTabSz="914400" rtl="0" eaLnBrk="1" latinLnBrk="1" hangingPunct="1">
-              <a:spcBef>
-                <a:spcPct val="20000"/>
-              </a:spcBef>
-              <a:buFont typeface="Arial" pitchFamily="34" charset="0"/>
-              <a:buChar char="•"/>
-              <a:defRPr sz="1800" kern="1200">
-                <a:solidFill>
-                  <a:schemeClr val="tx1"/>
-                </a:solidFill>
-                <a:latin typeface="+mn-lt"/>
-                <a:ea typeface="+mn-ea"/>
-                <a:cs typeface="+mn-cs"/>
-              </a:defRPr>
-            </a:lvl8pPr>
-            <a:lvl9pPr marL="3886200" indent="-228600" algn="l" defTabSz="914400" rtl="0" eaLnBrk="1" latinLnBrk="1" hangingPunct="1">
-              <a:spcBef>
-                <a:spcPct val="20000"/>
-              </a:spcBef>
-              <a:buFont typeface="Arial" pitchFamily="34" charset="0"/>
-              <a:buChar char="•"/>
-              <a:defRPr sz="1800" kern="1200">
-                <a:solidFill>
-                  <a:schemeClr val="tx1"/>
-                </a:solidFill>
-                <a:latin typeface="+mn-lt"/>
-                <a:ea typeface="+mn-ea"/>
-                <a:cs typeface="+mn-cs"/>
-              </a:defRPr>
-            </a:lvl9pPr>
-          </a:lstStyle>
-          <a:p>
-            <a:pPr marL="0" indent="0">
-              <a:buFont typeface="Arial" pitchFamily="34" charset="0"/>
-              <a:buNone/>
-            </a:pPr>
-            <a:r>
-              <a:rPr lang="en-US" altLang="ko-KR" sz="1500" b="1" dirty="0">
-                <a:effectLst>
-                  <a:outerShdw blurRad="38100" dist="38100" dir="2700000" algn="tl">
-                    <a:srgbClr val="000000">
-                      <a:alpha val="43137"/>
-                    </a:srgbClr>
-                  </a:outerShdw>
-                </a:effectLst>
-              </a:rPr>
-              <a:t>Image Detection</a:t>
-            </a:r>
-            <a:r>
-              <a:rPr lang="ko-KR" altLang="en-US" sz="1500" b="1" dirty="0">
-                <a:effectLst>
-                  <a:outerShdw blurRad="38100" dist="38100" dir="2700000" algn="tl">
-                    <a:srgbClr val="000000">
-                      <a:alpha val="43137"/>
-                    </a:srgbClr>
-                  </a:outerShdw>
-                </a:effectLst>
-              </a:rPr>
-              <a:t>을 위해 </a:t>
-            </a:r>
-            <a:r>
-              <a:rPr lang="en-US" altLang="ko-KR" sz="1500" b="1" dirty="0">
-                <a:effectLst>
-                  <a:outerShdw blurRad="38100" dist="38100" dir="2700000" algn="tl">
-                    <a:srgbClr val="000000">
-                      <a:alpha val="43137"/>
-                    </a:srgbClr>
-                  </a:outerShdw>
-                </a:effectLst>
-              </a:rPr>
-              <a:t>CNN</a:t>
-            </a:r>
-            <a:r>
-              <a:rPr lang="ko-KR" altLang="en-US" sz="1500" b="1" dirty="0">
-                <a:effectLst>
-                  <a:outerShdw blurRad="38100" dist="38100" dir="2700000" algn="tl">
-                    <a:srgbClr val="000000">
-                      <a:alpha val="43137"/>
-                    </a:srgbClr>
-                  </a:outerShdw>
-                </a:effectLst>
-              </a:rPr>
-              <a:t>을 사용하여 학습</a:t>
-            </a:r>
-            <a:endParaRPr lang="en-US" altLang="ko-KR" sz="1500" b="1" dirty="0">
-              <a:effectLst>
-                <a:outerShdw blurRad="38100" dist="38100" dir="2700000" algn="tl">
-                  <a:srgbClr val="000000">
-                    <a:alpha val="43137"/>
-                  </a:srgbClr>
-                </a:outerShdw>
-              </a:effectLst>
-            </a:endParaRPr>
+              </a:rPr>
+              <a:t>영상수집부</a:t>
+            </a:r>
           </a:p>
         </p:txBody>
       </p:sp>
       <p:sp>
         <p:nvSpPr>
-          <p:cNvPr id="10" name="TextBox 9">
+          <p:cNvPr id="23" name="직사각형 22">
             <a:extLst>
               <a:ext uri="{FF2B5EF4-FFF2-40B4-BE49-F238E27FC236}">
-                <a16:creationId xmlns:a16="http://schemas.microsoft.com/office/drawing/2014/main" id="{059A1DEF-4D64-4E37-BDC7-EDF15AEE1E53}"/>
+                <a16:creationId xmlns:a16="http://schemas.microsoft.com/office/drawing/2014/main" id="{3FCF5693-930D-457B-9C68-7B35FFE7933E}"/>
+              </a:ext>
+            </a:extLst>
+          </p:cNvPr>
+          <p:cNvSpPr/>
+          <p:nvPr/>
+        </p:nvSpPr>
+        <p:spPr>
+          <a:xfrm>
+            <a:off x="6963170" y="1743340"/>
+            <a:ext cx="1742824" cy="338965"/>
+          </a:xfrm>
+          <a:prstGeom prst="rect">
+            <a:avLst/>
+          </a:prstGeom>
+          <a:solidFill>
+            <a:schemeClr val="bg1"/>
+          </a:solidFill>
+          <a:ln w="31750">
+            <a:solidFill>
+              <a:schemeClr val="tx1"/>
+            </a:solidFill>
+          </a:ln>
+        </p:spPr>
+        <p:style>
+          <a:lnRef idx="2">
+            <a:schemeClr val="accent1">
+              <a:shade val="50000"/>
+            </a:schemeClr>
+          </a:lnRef>
+          <a:fillRef idx="1">
+            <a:schemeClr val="accent1"/>
+          </a:fillRef>
+          <a:effectRef idx="0">
+            <a:schemeClr val="accent1"/>
+          </a:effectRef>
+          <a:fontRef idx="minor">
+            <a:schemeClr val="lt1"/>
+          </a:fontRef>
+        </p:style>
+        <p:txBody>
+          <a:bodyPr rtlCol="0" anchor="ctr"/>
+          <a:lstStyle/>
+          <a:p>
+            <a:pPr algn="ctr"/>
+            <a:r>
+              <a:rPr lang="ko-KR" altLang="en-US">
+                <a:solidFill>
+                  <a:schemeClr val="tx1"/>
+                </a:solidFill>
+              </a:rPr>
+              <a:t>결과</a:t>
+            </a:r>
+            <a:endParaRPr lang="ko-KR" altLang="en-US" dirty="0">
+              <a:solidFill>
+                <a:schemeClr val="tx1"/>
+              </a:solidFill>
+            </a:endParaRPr>
+          </a:p>
+        </p:txBody>
+      </p:sp>
+      <p:pic>
+        <p:nvPicPr>
+          <p:cNvPr id="24" name="Picture 2" descr="car recognitionì ëí ì´ë¯¸ì§ ê²ìê²°ê³¼">
+            <a:extLst>
+              <a:ext uri="{FF2B5EF4-FFF2-40B4-BE49-F238E27FC236}">
+                <a16:creationId xmlns:a16="http://schemas.microsoft.com/office/drawing/2014/main" id="{80658183-9B8A-4D72-98F1-A0FB0FC816BF}"/>
+              </a:ext>
+            </a:extLst>
+          </p:cNvPr>
+          <p:cNvPicPr>
+            <a:picLocks noChangeAspect="1" noChangeArrowheads="1"/>
+          </p:cNvPicPr>
+          <p:nvPr/>
+        </p:nvPicPr>
+        <p:blipFill>
+          <a:blip r:embed="rId4">
+            <a:extLst>
+              <a:ext uri="{28A0092B-C50C-407E-A947-70E740481C1C}">
+                <a14:useLocalDpi xmlns:a14="http://schemas.microsoft.com/office/drawing/2010/main" val="0"/>
+              </a:ext>
+            </a:extLst>
+          </a:blip>
+          <a:srcRect/>
+          <a:stretch>
+            <a:fillRect/>
+          </a:stretch>
+        </p:blipFill>
+        <p:spPr bwMode="auto">
+          <a:xfrm>
+            <a:off x="6497199" y="2101921"/>
+            <a:ext cx="2539298" cy="3659118"/>
+          </a:xfrm>
+          <a:prstGeom prst="rect">
+            <a:avLst/>
+          </a:prstGeom>
+          <a:noFill/>
+          <a:extLst>
+            <a:ext uri="{909E8E84-426E-40DD-AFC4-6F175D3DCCD1}">
+              <a14:hiddenFill xmlns:a14="http://schemas.microsoft.com/office/drawing/2010/main">
+                <a:solidFill>
+                  <a:srgbClr val="FFFFFF"/>
+                </a:solidFill>
+              </a14:hiddenFill>
+            </a:ext>
+          </a:extLst>
+        </p:spPr>
+      </p:pic>
+      <p:sp>
+        <p:nvSpPr>
+          <p:cNvPr id="25" name="TextBox 24">
+            <a:extLst>
+              <a:ext uri="{FF2B5EF4-FFF2-40B4-BE49-F238E27FC236}">
+                <a16:creationId xmlns:a16="http://schemas.microsoft.com/office/drawing/2014/main" id="{08287239-3123-4BAB-8914-1BFD020374DD}"/>
               </a:ext>
             </a:extLst>
           </p:cNvPr>
@@ -14085,8 +15175,8 @@
         </p:nvSpPr>
         <p:spPr>
           <a:xfrm>
-            <a:off x="4391979" y="4061584"/>
-            <a:ext cx="540061" cy="252596"/>
+            <a:off x="4765745" y="3222372"/>
+            <a:ext cx="1656963" cy="353943"/>
           </a:xfrm>
           <a:prstGeom prst="rect">
             <a:avLst/>
@@ -14099,15 +15189,12 @@
           </a:bodyPr>
           <a:lstStyle/>
           <a:p>
-            <a:r>
-              <a:rPr lang="ko-KR" altLang="en-US" sz="1000" dirty="0"/>
-              <a:t>그림</a:t>
-            </a:r>
-            <a:r>
-              <a:rPr lang="en-US" altLang="ko-KR" sz="1000" dirty="0"/>
-              <a:t>4</a:t>
-            </a:r>
-            <a:endParaRPr lang="ko-KR" altLang="en-US" sz="1000" dirty="0"/>
+            <a:pPr algn="ctr"/>
+            <a:r>
+              <a:rPr lang="ko-KR" altLang="en-US" sz="1700" b="1" dirty="0"/>
+              <a:t>차량 판별 수행 </a:t>
+            </a:r>
+            <a:endParaRPr lang="en-US" altLang="ko-KR" sz="1700" b="1" dirty="0"/>
           </a:p>
         </p:txBody>
       </p:sp>
@@ -14124,7 +15211,7 @@
 </p:sld>
 </file>
 
-<file path=ppt/slides/slide8.xml><?xml version="1.0" encoding="utf-8"?>
+<file path=ppt/slides/slide9.xml><?xml version="1.0" encoding="utf-8"?>
 <p:sld xmlns:a="http://schemas.openxmlformats.org/drawingml/2006/main" xmlns:r="http://schemas.openxmlformats.org/officeDocument/2006/relationships" xmlns:p="http://schemas.openxmlformats.org/presentationml/2006/main">
   <p:cSld>
     <p:bg>
@@ -15073,42 +16160,6 @@
           </a:p>
         </p:txBody>
       </p:sp>
-      <p:pic>
-        <p:nvPicPr>
-          <p:cNvPr id="11" name="그림 10">
-            <a:extLst>
-              <a:ext uri="{FF2B5EF4-FFF2-40B4-BE49-F238E27FC236}">
-                <a16:creationId xmlns:a16="http://schemas.microsoft.com/office/drawing/2014/main" id="{7ACD0408-80E9-41AD-82CF-CAE1D2BD21A7}"/>
-              </a:ext>
-            </a:extLst>
-          </p:cNvPr>
-          <p:cNvPicPr>
-            <a:picLocks noChangeAspect="1"/>
-          </p:cNvPicPr>
-          <p:nvPr/>
-        </p:nvPicPr>
-        <p:blipFill>
-          <a:blip r:embed="rId3">
-            <a:extLst>
-              <a:ext uri="{28A0092B-C50C-407E-A947-70E740481C1C}">
-                <a14:useLocalDpi xmlns:a14="http://schemas.microsoft.com/office/drawing/2010/main" val="0"/>
-              </a:ext>
-            </a:extLst>
-          </a:blip>
-          <a:stretch>
-            <a:fillRect/>
-          </a:stretch>
-        </p:blipFill>
-        <p:spPr>
-          <a:xfrm>
-            <a:off x="-3932" y="1765147"/>
-            <a:ext cx="4558263" cy="3327705"/>
-          </a:xfrm>
-          <a:prstGeom prst="rect">
-            <a:avLst/>
-          </a:prstGeom>
-        </p:spPr>
-      </p:pic>
       <p:sp>
         <p:nvSpPr>
           <p:cNvPr id="3" name="타원 2"/>
@@ -15261,532 +16312,6 @@
       </p:sp>
       <p:sp>
         <p:nvSpPr>
-          <p:cNvPr id="43" name="내용 개체 틀 4">
-            <a:extLst>
-              <a:ext uri="{FF2B5EF4-FFF2-40B4-BE49-F238E27FC236}">
-                <a16:creationId xmlns:a16="http://schemas.microsoft.com/office/drawing/2014/main" id="{32317F6C-E32E-4038-B673-18F423AA15D5}"/>
-              </a:ext>
-            </a:extLst>
-          </p:cNvPr>
-          <p:cNvSpPr>
-            <a:spLocks noGrp="1"/>
-          </p:cNvSpPr>
-          <p:nvPr>
-            <p:ph sz="half" idx="1"/>
-          </p:nvPr>
-        </p:nvSpPr>
-        <p:spPr>
-          <a:xfrm>
-            <a:off x="4702279" y="2529983"/>
-            <a:ext cx="4388557" cy="2124091"/>
-          </a:xfrm>
-        </p:spPr>
-        <p:txBody>
-          <a:bodyPr>
-            <a:normAutofit/>
-          </a:bodyPr>
-          <a:lstStyle/>
-          <a:p>
-            <a:pPr marL="0" indent="0">
-              <a:buNone/>
-            </a:pPr>
-            <a:r>
-              <a:rPr lang="ko-KR" altLang="en-US" sz="1400" b="1" dirty="0" err="1">
-                <a:effectLst>
-                  <a:outerShdw blurRad="38100" dist="38100" dir="2700000" algn="tl">
-                    <a:srgbClr val="000000">
-                      <a:alpha val="43137"/>
-                    </a:srgbClr>
-                  </a:outerShdw>
-                </a:effectLst>
-              </a:rPr>
-              <a:t>합성곱</a:t>
-            </a:r>
-            <a:r>
-              <a:rPr lang="ko-KR" altLang="en-US" sz="1400" b="1" dirty="0">
-                <a:effectLst>
-                  <a:outerShdw blurRad="38100" dist="38100" dir="2700000" algn="tl">
-                    <a:srgbClr val="000000">
-                      <a:alpha val="43137"/>
-                    </a:srgbClr>
-                  </a:outerShdw>
-                </a:effectLst>
-              </a:rPr>
-              <a:t> 연산을 사용하는 인공 신경망</a:t>
-            </a:r>
-            <a:endParaRPr lang="en-US" altLang="ko-KR" sz="1400" b="1" dirty="0">
-              <a:effectLst>
-                <a:outerShdw blurRad="38100" dist="38100" dir="2700000" algn="tl">
-                  <a:srgbClr val="000000">
-                    <a:alpha val="43137"/>
-                  </a:srgbClr>
-                </a:outerShdw>
-              </a:effectLst>
-            </a:endParaRPr>
-          </a:p>
-          <a:p>
-            <a:pPr marL="0" indent="0">
-              <a:buNone/>
-            </a:pPr>
-            <a:endParaRPr lang="en-US" altLang="ko-KR" sz="1400" b="1" dirty="0">
-              <a:effectLst>
-                <a:outerShdw blurRad="38100" dist="38100" dir="2700000" algn="tl">
-                  <a:srgbClr val="000000">
-                    <a:alpha val="43137"/>
-                  </a:srgbClr>
-                </a:outerShdw>
-              </a:effectLst>
-            </a:endParaRPr>
-          </a:p>
-          <a:p>
-            <a:pPr marL="0" indent="0">
-              <a:buNone/>
-            </a:pPr>
-            <a:r>
-              <a:rPr lang="ko-KR" altLang="en-US" sz="1400" b="1" dirty="0">
-                <a:effectLst>
-                  <a:outerShdw blurRad="38100" dist="38100" dir="2700000" algn="tl">
-                    <a:srgbClr val="000000">
-                      <a:alpha val="43137"/>
-                    </a:srgbClr>
-                  </a:outerShdw>
-                </a:effectLst>
-              </a:rPr>
-              <a:t>지정한 칸수</a:t>
-            </a:r>
-            <a:r>
-              <a:rPr lang="en-US" altLang="ko-KR" sz="1400" b="1" dirty="0">
-                <a:effectLst>
-                  <a:outerShdw blurRad="38100" dist="38100" dir="2700000" algn="tl">
-                    <a:srgbClr val="000000">
-                      <a:alpha val="43137"/>
-                    </a:srgbClr>
-                  </a:outerShdw>
-                </a:effectLst>
-              </a:rPr>
-              <a:t>(Stride)</a:t>
-            </a:r>
-            <a:r>
-              <a:rPr lang="ko-KR" altLang="en-US" sz="1400" b="1" dirty="0">
-                <a:effectLst>
-                  <a:outerShdw blurRad="38100" dist="38100" dir="2700000" algn="tl">
-                    <a:srgbClr val="000000">
-                      <a:alpha val="43137"/>
-                    </a:srgbClr>
-                  </a:outerShdw>
-                </a:effectLst>
-              </a:rPr>
-              <a:t>으로 필터가 이미지를 순회</a:t>
-            </a:r>
-            <a:endParaRPr lang="en-US" altLang="ko-KR" sz="1400" b="1" dirty="0">
-              <a:effectLst>
-                <a:outerShdw blurRad="38100" dist="38100" dir="2700000" algn="tl">
-                  <a:srgbClr val="000000">
-                    <a:alpha val="43137"/>
-                  </a:srgbClr>
-                </a:outerShdw>
-              </a:effectLst>
-            </a:endParaRPr>
-          </a:p>
-          <a:p>
-            <a:pPr marL="0" indent="0">
-              <a:buNone/>
-            </a:pPr>
-            <a:r>
-              <a:rPr lang="ko-KR" altLang="en-US" sz="1400" b="1" dirty="0">
-                <a:effectLst>
-                  <a:outerShdw blurRad="38100" dist="38100" dir="2700000" algn="tl">
-                    <a:srgbClr val="000000">
-                      <a:alpha val="43137"/>
-                    </a:srgbClr>
-                  </a:outerShdw>
-                </a:effectLst>
-              </a:rPr>
-              <a:t>하며 </a:t>
-            </a:r>
-            <a:r>
-              <a:rPr lang="en-US" altLang="ko-KR" sz="1400" b="1" dirty="0">
-                <a:effectLst>
-                  <a:outerShdw blurRad="38100" dist="38100" dir="2700000" algn="tl">
-                    <a:srgbClr val="000000">
-                      <a:alpha val="43137"/>
-                    </a:srgbClr>
-                  </a:outerShdw>
-                </a:effectLst>
-              </a:rPr>
-              <a:t>Convolution </a:t>
-            </a:r>
-            <a:r>
-              <a:rPr lang="ko-KR" altLang="en-US" sz="1400" b="1" dirty="0">
-                <a:effectLst>
-                  <a:outerShdw blurRad="38100" dist="38100" dir="2700000" algn="tl">
-                    <a:srgbClr val="000000">
-                      <a:alpha val="43137"/>
-                    </a:srgbClr>
-                  </a:outerShdw>
-                </a:effectLst>
-              </a:rPr>
-              <a:t>수행</a:t>
-            </a:r>
-            <a:endParaRPr lang="en-US" altLang="ko-KR" sz="1400" b="1" dirty="0">
-              <a:effectLst>
-                <a:outerShdw blurRad="38100" dist="38100" dir="2700000" algn="tl">
-                  <a:srgbClr val="000000">
-                    <a:alpha val="43137"/>
-                  </a:srgbClr>
-                </a:outerShdw>
-              </a:effectLst>
-            </a:endParaRPr>
-          </a:p>
-          <a:p>
-            <a:pPr marL="0" indent="0">
-              <a:buNone/>
-            </a:pPr>
-            <a:endParaRPr lang="en-US" altLang="ko-KR" sz="1400" b="1" dirty="0">
-              <a:effectLst>
-                <a:outerShdw blurRad="38100" dist="38100" dir="2700000" algn="tl">
-                  <a:srgbClr val="000000">
-                    <a:alpha val="43137"/>
-                  </a:srgbClr>
-                </a:outerShdw>
-              </a:effectLst>
-            </a:endParaRPr>
-          </a:p>
-          <a:p>
-            <a:pPr marL="0" indent="0">
-              <a:buNone/>
-            </a:pPr>
-            <a:r>
-              <a:rPr lang="en-US" altLang="ko-KR" sz="1400" b="1" dirty="0">
-                <a:effectLst>
-                  <a:outerShdw blurRad="38100" dist="38100" dir="2700000" algn="tl">
-                    <a:srgbClr val="000000">
-                      <a:alpha val="43137"/>
-                    </a:srgbClr>
-                  </a:outerShdw>
-                </a:effectLst>
-              </a:rPr>
-              <a:t>Convolution</a:t>
-            </a:r>
-            <a:r>
-              <a:rPr lang="ko-KR" altLang="en-US" sz="1400" b="1" dirty="0">
-                <a:effectLst>
-                  <a:outerShdw blurRad="38100" dist="38100" dir="2700000" algn="tl">
-                    <a:srgbClr val="000000">
-                      <a:alpha val="43137"/>
-                    </a:srgbClr>
-                  </a:outerShdw>
-                </a:effectLst>
-              </a:rPr>
-              <a:t>을 거치며 해당 이미지의 특징</a:t>
-            </a:r>
-            <a:r>
-              <a:rPr lang="en-US" altLang="ko-KR" sz="1400" b="1" dirty="0">
-                <a:effectLst>
-                  <a:outerShdw blurRad="38100" dist="38100" dir="2700000" algn="tl">
-                    <a:srgbClr val="000000">
-                      <a:alpha val="43137"/>
-                    </a:srgbClr>
-                  </a:outerShdw>
-                </a:effectLst>
-              </a:rPr>
-              <a:t>(feature)</a:t>
-            </a:r>
-          </a:p>
-          <a:p>
-            <a:pPr marL="0" indent="0">
-              <a:buNone/>
-            </a:pPr>
-            <a:r>
-              <a:rPr lang="ko-KR" altLang="en-US" sz="1400" b="1" dirty="0">
-                <a:effectLst>
-                  <a:outerShdw blurRad="38100" dist="38100" dir="2700000" algn="tl">
-                    <a:srgbClr val="000000">
-                      <a:alpha val="43137"/>
-                    </a:srgbClr>
-                  </a:outerShdw>
-                </a:effectLst>
-              </a:rPr>
-              <a:t>을 추출</a:t>
-            </a:r>
-            <a:endParaRPr lang="en-US" altLang="ko-KR" sz="1400" b="1" dirty="0">
-              <a:effectLst>
-                <a:outerShdw blurRad="38100" dist="38100" dir="2700000" algn="tl">
-                  <a:srgbClr val="000000">
-                    <a:alpha val="43137"/>
-                  </a:srgbClr>
-                </a:outerShdw>
-              </a:effectLst>
-            </a:endParaRPr>
-          </a:p>
-        </p:txBody>
-      </p:sp>
-      <p:sp>
-        <p:nvSpPr>
-          <p:cNvPr id="6" name="TextBox 5">
-            <a:extLst>
-              <a:ext uri="{FF2B5EF4-FFF2-40B4-BE49-F238E27FC236}">
-                <a16:creationId xmlns:a16="http://schemas.microsoft.com/office/drawing/2014/main" id="{28DE97F5-9E75-4B81-8B9E-9A059A5613A0}"/>
-              </a:ext>
-            </a:extLst>
-          </p:cNvPr>
-          <p:cNvSpPr txBox="1"/>
-          <p:nvPr/>
-        </p:nvSpPr>
-        <p:spPr>
-          <a:xfrm>
-            <a:off x="4720107" y="2063668"/>
-            <a:ext cx="4230645" cy="369332"/>
-          </a:xfrm>
-          <a:prstGeom prst="rect">
-            <a:avLst/>
-          </a:prstGeom>
-          <a:noFill/>
-        </p:spPr>
-        <p:txBody>
-          <a:bodyPr wrap="square" rtlCol="0">
-            <a:spAutoFit/>
-          </a:bodyPr>
-          <a:lstStyle/>
-          <a:p>
-            <a:r>
-              <a:rPr lang="en-US" altLang="ko-KR" b="1" dirty="0">
-                <a:effectLst>
-                  <a:outerShdw blurRad="38100" dist="38100" dir="2700000" algn="tl">
-                    <a:srgbClr val="000000">
-                      <a:alpha val="43137"/>
-                    </a:srgbClr>
-                  </a:outerShdw>
-                </a:effectLst>
-              </a:rPr>
-              <a:t>CNN(Convolutional Neural Network)</a:t>
-            </a:r>
-          </a:p>
-        </p:txBody>
-      </p:sp>
-      <p:sp>
-        <p:nvSpPr>
-          <p:cNvPr id="18" name="내용 개체 틀 4">
-            <a:extLst>
-              <a:ext uri="{FF2B5EF4-FFF2-40B4-BE49-F238E27FC236}">
-                <a16:creationId xmlns:a16="http://schemas.microsoft.com/office/drawing/2014/main" id="{4649E46D-6DC0-4E98-AB78-81359839AE3C}"/>
-              </a:ext>
-            </a:extLst>
-          </p:cNvPr>
-          <p:cNvSpPr txBox="1">
-            <a:spLocks/>
-          </p:cNvSpPr>
-          <p:nvPr/>
-        </p:nvSpPr>
-        <p:spPr>
-          <a:xfrm>
-            <a:off x="597824" y="5121214"/>
-            <a:ext cx="8352928" cy="516093"/>
-          </a:xfrm>
-          <a:prstGeom prst="rect">
-            <a:avLst/>
-          </a:prstGeom>
-        </p:spPr>
-        <p:txBody>
-          <a:bodyPr vert="horz" lIns="91440" tIns="45720" rIns="91440" bIns="45720" rtlCol="0">
-            <a:normAutofit/>
-          </a:bodyPr>
-          <a:lstStyle>
-            <a:lvl1pPr marL="342900" indent="-342900" algn="l" defTabSz="914400" rtl="0" eaLnBrk="1" latinLnBrk="1" hangingPunct="1">
-              <a:spcBef>
-                <a:spcPct val="20000"/>
-              </a:spcBef>
-              <a:buFont typeface="Arial" pitchFamily="34" charset="0"/>
-              <a:buChar char="•"/>
-              <a:defRPr sz="2800" kern="1200">
-                <a:solidFill>
-                  <a:schemeClr val="tx1"/>
-                </a:solidFill>
-                <a:latin typeface="+mn-lt"/>
-                <a:ea typeface="+mn-ea"/>
-                <a:cs typeface="+mn-cs"/>
-              </a:defRPr>
-            </a:lvl1pPr>
-            <a:lvl2pPr marL="742950" indent="-285750" algn="l" defTabSz="914400" rtl="0" eaLnBrk="1" latinLnBrk="1" hangingPunct="1">
-              <a:spcBef>
-                <a:spcPct val="20000"/>
-              </a:spcBef>
-              <a:buFont typeface="Arial" pitchFamily="34" charset="0"/>
-              <a:buChar char="–"/>
-              <a:defRPr sz="2400" kern="1200">
-                <a:solidFill>
-                  <a:schemeClr val="tx1"/>
-                </a:solidFill>
-                <a:latin typeface="+mn-lt"/>
-                <a:ea typeface="+mn-ea"/>
-                <a:cs typeface="+mn-cs"/>
-              </a:defRPr>
-            </a:lvl2pPr>
-            <a:lvl3pPr marL="1143000" indent="-228600" algn="l" defTabSz="914400" rtl="0" eaLnBrk="1" latinLnBrk="1" hangingPunct="1">
-              <a:spcBef>
-                <a:spcPct val="20000"/>
-              </a:spcBef>
-              <a:buFont typeface="Arial" pitchFamily="34" charset="0"/>
-              <a:buChar char="•"/>
-              <a:defRPr sz="2000" kern="1200">
-                <a:solidFill>
-                  <a:schemeClr val="tx1"/>
-                </a:solidFill>
-                <a:latin typeface="+mn-lt"/>
-                <a:ea typeface="+mn-ea"/>
-                <a:cs typeface="+mn-cs"/>
-              </a:defRPr>
-            </a:lvl3pPr>
-            <a:lvl4pPr marL="1600200" indent="-228600" algn="l" defTabSz="914400" rtl="0" eaLnBrk="1" latinLnBrk="1" hangingPunct="1">
-              <a:spcBef>
-                <a:spcPct val="20000"/>
-              </a:spcBef>
-              <a:buFont typeface="Arial" pitchFamily="34" charset="0"/>
-              <a:buChar char="–"/>
-              <a:defRPr sz="1800" kern="1200">
-                <a:solidFill>
-                  <a:schemeClr val="tx1"/>
-                </a:solidFill>
-                <a:latin typeface="+mn-lt"/>
-                <a:ea typeface="+mn-ea"/>
-                <a:cs typeface="+mn-cs"/>
-              </a:defRPr>
-            </a:lvl4pPr>
-            <a:lvl5pPr marL="2057400" indent="-228600" algn="l" defTabSz="914400" rtl="0" eaLnBrk="1" latinLnBrk="1" hangingPunct="1">
-              <a:spcBef>
-                <a:spcPct val="20000"/>
-              </a:spcBef>
-              <a:buFont typeface="Arial" pitchFamily="34" charset="0"/>
-              <a:buChar char="»"/>
-              <a:defRPr sz="1800" kern="1200">
-                <a:solidFill>
-                  <a:schemeClr val="tx1"/>
-                </a:solidFill>
-                <a:latin typeface="+mn-lt"/>
-                <a:ea typeface="+mn-ea"/>
-                <a:cs typeface="+mn-cs"/>
-              </a:defRPr>
-            </a:lvl5pPr>
-            <a:lvl6pPr marL="2514600" indent="-228600" algn="l" defTabSz="914400" rtl="0" eaLnBrk="1" latinLnBrk="1" hangingPunct="1">
-              <a:spcBef>
-                <a:spcPct val="20000"/>
-              </a:spcBef>
-              <a:buFont typeface="Arial" pitchFamily="34" charset="0"/>
-              <a:buChar char="•"/>
-              <a:defRPr sz="1800" kern="1200">
-                <a:solidFill>
-                  <a:schemeClr val="tx1"/>
-                </a:solidFill>
-                <a:latin typeface="+mn-lt"/>
-                <a:ea typeface="+mn-ea"/>
-                <a:cs typeface="+mn-cs"/>
-              </a:defRPr>
-            </a:lvl6pPr>
-            <a:lvl7pPr marL="2971800" indent="-228600" algn="l" defTabSz="914400" rtl="0" eaLnBrk="1" latinLnBrk="1" hangingPunct="1">
-              <a:spcBef>
-                <a:spcPct val="20000"/>
-              </a:spcBef>
-              <a:buFont typeface="Arial" pitchFamily="34" charset="0"/>
-              <a:buChar char="•"/>
-              <a:defRPr sz="1800" kern="1200">
-                <a:solidFill>
-                  <a:schemeClr val="tx1"/>
-                </a:solidFill>
-                <a:latin typeface="+mn-lt"/>
-                <a:ea typeface="+mn-ea"/>
-                <a:cs typeface="+mn-cs"/>
-              </a:defRPr>
-            </a:lvl7pPr>
-            <a:lvl8pPr marL="3429000" indent="-228600" algn="l" defTabSz="914400" rtl="0" eaLnBrk="1" latinLnBrk="1" hangingPunct="1">
-              <a:spcBef>
-                <a:spcPct val="20000"/>
-              </a:spcBef>
-              <a:buFont typeface="Arial" pitchFamily="34" charset="0"/>
-              <a:buChar char="•"/>
-              <a:defRPr sz="1800" kern="1200">
-                <a:solidFill>
-                  <a:schemeClr val="tx1"/>
-                </a:solidFill>
-                <a:latin typeface="+mn-lt"/>
-                <a:ea typeface="+mn-ea"/>
-                <a:cs typeface="+mn-cs"/>
-              </a:defRPr>
-            </a:lvl8pPr>
-            <a:lvl9pPr marL="3886200" indent="-228600" algn="l" defTabSz="914400" rtl="0" eaLnBrk="1" latinLnBrk="1" hangingPunct="1">
-              <a:spcBef>
-                <a:spcPct val="20000"/>
-              </a:spcBef>
-              <a:buFont typeface="Arial" pitchFamily="34" charset="0"/>
-              <a:buChar char="•"/>
-              <a:defRPr sz="1800" kern="1200">
-                <a:solidFill>
-                  <a:schemeClr val="tx1"/>
-                </a:solidFill>
-                <a:latin typeface="+mn-lt"/>
-                <a:ea typeface="+mn-ea"/>
-                <a:cs typeface="+mn-cs"/>
-              </a:defRPr>
-            </a:lvl9pPr>
-          </a:lstStyle>
-          <a:p>
-            <a:pPr marL="0" indent="0">
-              <a:buFont typeface="Arial" pitchFamily="34" charset="0"/>
-              <a:buNone/>
-            </a:pPr>
-            <a:endParaRPr lang="en-US" altLang="ko-KR" sz="1500" b="1" dirty="0">
-              <a:effectLst>
-                <a:outerShdw blurRad="38100" dist="38100" dir="2700000" algn="tl">
-                  <a:srgbClr val="000000">
-                    <a:alpha val="43137"/>
-                  </a:srgbClr>
-                </a:outerShdw>
-              </a:effectLst>
-            </a:endParaRPr>
-          </a:p>
-        </p:txBody>
-      </p:sp>
-      <p:sp>
-        <p:nvSpPr>
-          <p:cNvPr id="17" name="TextBox 16">
-            <a:extLst>
-              <a:ext uri="{FF2B5EF4-FFF2-40B4-BE49-F238E27FC236}">
-                <a16:creationId xmlns:a16="http://schemas.microsoft.com/office/drawing/2014/main" id="{DAA6606C-D5D5-4BE4-95EC-2F89B838CD33}"/>
-              </a:ext>
-            </a:extLst>
-          </p:cNvPr>
-          <p:cNvSpPr txBox="1"/>
-          <p:nvPr/>
-        </p:nvSpPr>
-        <p:spPr>
-          <a:xfrm>
-            <a:off x="3946195" y="5091618"/>
-            <a:ext cx="540061" cy="252596"/>
-          </a:xfrm>
-          <a:prstGeom prst="rect">
-            <a:avLst/>
-          </a:prstGeom>
-          <a:noFill/>
-        </p:spPr>
-        <p:txBody>
-          <a:bodyPr wrap="square" rtlCol="0">
-            <a:spAutoFit/>
-          </a:bodyPr>
-          <a:lstStyle/>
-          <a:p>
-            <a:r>
-              <a:rPr lang="ko-KR" altLang="en-US" sz="1000" dirty="0"/>
-              <a:t>그림</a:t>
-            </a:r>
-            <a:r>
-              <a:rPr lang="en-US" altLang="ko-KR" sz="1000" dirty="0"/>
-              <a:t>5</a:t>
-            </a:r>
-            <a:endParaRPr lang="ko-KR" altLang="en-US" sz="1000" dirty="0"/>
-          </a:p>
-        </p:txBody>
-      </p:sp>
-      <p:sp>
-        <p:nvSpPr>
           <p:cNvPr id="14" name="직사각형 13">
             <a:extLst>
               <a:ext uri="{FF2B5EF4-FFF2-40B4-BE49-F238E27FC236}">
@@ -15848,277 +16373,12 @@
           </a:p>
         </p:txBody>
       </p:sp>
-    </p:spTree>
-    <p:extLst>
-      <p:ext uri="{BB962C8B-B14F-4D97-AF65-F5344CB8AC3E}">
-        <p14:creationId xmlns:p14="http://schemas.microsoft.com/office/powerpoint/2010/main" val="3173343549"/>
-      </p:ext>
-    </p:extLst>
-  </p:cSld>
-  <p:clrMapOvr>
-    <a:masterClrMapping/>
-  </p:clrMapOvr>
-</p:sld>
-</file>
-
-<file path=ppt/slides/slide9.xml><?xml version="1.0" encoding="utf-8"?>
-<p:sld xmlns:a="http://schemas.openxmlformats.org/drawingml/2006/main" xmlns:r="http://schemas.openxmlformats.org/officeDocument/2006/relationships" xmlns:p="http://schemas.openxmlformats.org/presentationml/2006/main">
-  <p:cSld>
-    <p:bg>
-      <p:bgPr>
-        <a:solidFill>
-          <a:schemeClr val="tx2">
-            <a:lumMod val="75000"/>
-          </a:schemeClr>
-        </a:solidFill>
-        <a:effectLst/>
-      </p:bgPr>
-    </p:bg>
-    <p:spTree>
-      <p:nvGrpSpPr>
-        <p:cNvPr id="1" name=""/>
-        <p:cNvGrpSpPr/>
-        <p:nvPr/>
-      </p:nvGrpSpPr>
-      <p:grpSpPr>
-        <a:xfrm>
-          <a:off x="0" y="0"/>
-          <a:ext cx="0" cy="0"/>
-          <a:chOff x="0" y="0"/>
-          <a:chExt cx="0" cy="0"/>
-        </a:xfrm>
-      </p:grpSpPr>
-      <p:sp>
-        <p:nvSpPr>
-          <p:cNvPr id="2" name="직사각형 1"/>
-          <p:cNvSpPr/>
-          <p:nvPr/>
-        </p:nvSpPr>
-        <p:spPr>
-          <a:xfrm>
-            <a:off x="-3932" y="774486"/>
-            <a:ext cx="9180512" cy="5793548"/>
-          </a:xfrm>
-          <a:prstGeom prst="rect">
-            <a:avLst/>
-          </a:prstGeom>
-          <a:solidFill>
-            <a:schemeClr val="bg1"/>
-          </a:solidFill>
-          <a:ln>
-            <a:noFill/>
-          </a:ln>
-        </p:spPr>
-        <p:style>
-          <a:lnRef idx="2">
-            <a:schemeClr val="accent1">
-              <a:shade val="50000"/>
-            </a:schemeClr>
-          </a:lnRef>
-          <a:fillRef idx="1">
-            <a:schemeClr val="accent1"/>
-          </a:fillRef>
-          <a:effectRef idx="0">
-            <a:schemeClr val="accent1"/>
-          </a:effectRef>
-          <a:fontRef idx="minor">
-            <a:schemeClr val="lt1"/>
-          </a:fontRef>
-        </p:style>
-        <p:txBody>
-          <a:bodyPr rtlCol="0" anchor="ctr"/>
-          <a:lstStyle/>
-          <a:p>
-            <a:pPr marL="0" marR="0" lvl="0" indent="0" algn="ctr" defTabSz="914400" rtl="0" eaLnBrk="1" fontAlgn="auto" latinLnBrk="1" hangingPunct="1">
-              <a:lnSpc>
-                <a:spcPct val="100000"/>
-              </a:lnSpc>
-              <a:spcBef>
-                <a:spcPts val="0"/>
-              </a:spcBef>
-              <a:spcAft>
-                <a:spcPts val="0"/>
-              </a:spcAft>
-              <a:buClrTx/>
-              <a:buSzTx/>
-              <a:buFontTx/>
-              <a:buNone/>
-              <a:tabLst/>
-              <a:defRPr/>
-            </a:pPr>
-            <a:endParaRPr kumimoji="0" lang="ko-KR" altLang="en-US" sz="1800" b="0" i="0" u="none" strike="noStrike" kern="1200" cap="none" spc="0" normalizeH="0" baseline="0" noProof="0" dirty="0">
-              <a:ln>
-                <a:noFill/>
-              </a:ln>
-              <a:solidFill>
-                <a:prstClr val="white"/>
-              </a:solidFill>
-              <a:effectLst/>
-              <a:uLnTx/>
-              <a:uFillTx/>
-              <a:latin typeface="맑은 고딕"/>
-              <a:ea typeface="맑은 고딕" panose="020B0503020000020004" pitchFamily="50" charset="-127"/>
-              <a:cs typeface="+mn-cs"/>
-            </a:endParaRPr>
-          </a:p>
-        </p:txBody>
-      </p:sp>
-      <p:sp>
-        <p:nvSpPr>
-          <p:cNvPr id="3" name="타원 2"/>
-          <p:cNvSpPr/>
-          <p:nvPr/>
-        </p:nvSpPr>
-        <p:spPr>
-          <a:xfrm>
-            <a:off x="4067944" y="146108"/>
-            <a:ext cx="936104" cy="1050644"/>
-          </a:xfrm>
-          <a:prstGeom prst="ellipse">
-            <a:avLst/>
-          </a:prstGeom>
-          <a:solidFill>
-            <a:schemeClr val="tx2">
-              <a:lumMod val="75000"/>
-            </a:schemeClr>
-          </a:solidFill>
-          <a:ln>
-            <a:noFill/>
-          </a:ln>
-        </p:spPr>
-        <p:style>
-          <a:lnRef idx="2">
-            <a:schemeClr val="accent1">
-              <a:shade val="50000"/>
-            </a:schemeClr>
-          </a:lnRef>
-          <a:fillRef idx="1">
-            <a:schemeClr val="accent1"/>
-          </a:fillRef>
-          <a:effectRef idx="0">
-            <a:schemeClr val="accent1"/>
-          </a:effectRef>
-          <a:fontRef idx="minor">
-            <a:schemeClr val="lt1"/>
-          </a:fontRef>
-        </p:style>
-        <p:txBody>
-          <a:bodyPr rtlCol="0" anchor="ctr"/>
-          <a:lstStyle/>
-          <a:p>
-            <a:pPr marL="0" marR="0" lvl="0" indent="0" algn="ctr" defTabSz="914400" rtl="0" eaLnBrk="1" fontAlgn="auto" latinLnBrk="1" hangingPunct="1">
-              <a:lnSpc>
-                <a:spcPct val="100000"/>
-              </a:lnSpc>
-              <a:spcBef>
-                <a:spcPts val="0"/>
-              </a:spcBef>
-              <a:spcAft>
-                <a:spcPts val="0"/>
-              </a:spcAft>
-              <a:buClrTx/>
-              <a:buSzTx/>
-              <a:buFontTx/>
-              <a:buNone/>
-              <a:tabLst/>
-              <a:defRPr/>
-            </a:pPr>
-            <a:endParaRPr kumimoji="0" lang="ko-KR" altLang="en-US" sz="1800" b="0" i="0" u="none" strike="noStrike" kern="1200" cap="none" spc="0" normalizeH="0" baseline="0" noProof="0">
-              <a:ln>
-                <a:noFill/>
-              </a:ln>
-              <a:solidFill>
-                <a:prstClr val="white"/>
-              </a:solidFill>
-              <a:effectLst/>
-              <a:uLnTx/>
-              <a:uFillTx/>
-              <a:latin typeface="맑은 고딕"/>
-              <a:ea typeface="맑은 고딕" panose="020B0503020000020004" pitchFamily="50" charset="-127"/>
-              <a:cs typeface="+mn-cs"/>
-            </a:endParaRPr>
-          </a:p>
-        </p:txBody>
-      </p:sp>
-      <p:sp>
-        <p:nvSpPr>
-          <p:cNvPr id="9" name="TextBox 8"/>
-          <p:cNvSpPr txBox="1"/>
-          <p:nvPr/>
-        </p:nvSpPr>
-        <p:spPr>
-          <a:xfrm>
-            <a:off x="3995936" y="692696"/>
-            <a:ext cx="1080120" cy="461665"/>
-          </a:xfrm>
-          <a:prstGeom prst="rect">
-            <a:avLst/>
-          </a:prstGeom>
-          <a:noFill/>
-        </p:spPr>
-        <p:txBody>
-          <a:bodyPr wrap="square" rtlCol="0">
-            <a:spAutoFit/>
-          </a:bodyPr>
-          <a:lstStyle/>
-          <a:p>
-            <a:pPr marL="0" marR="0" lvl="0" indent="0" algn="ctr" defTabSz="914400" rtl="0" eaLnBrk="1" fontAlgn="auto" latinLnBrk="1" hangingPunct="1">
-              <a:lnSpc>
-                <a:spcPct val="100000"/>
-              </a:lnSpc>
-              <a:spcBef>
-                <a:spcPts val="0"/>
-              </a:spcBef>
-              <a:spcAft>
-                <a:spcPts val="0"/>
-              </a:spcAft>
-              <a:buClrTx/>
-              <a:buSzTx/>
-              <a:buFontTx/>
-              <a:buNone/>
-              <a:tabLst/>
-              <a:defRPr/>
-            </a:pPr>
-            <a:r>
-              <a:rPr kumimoji="0" lang="en-US" altLang="ko-KR" sz="2400" b="0" i="0" u="none" strike="noStrike" kern="1200" cap="none" spc="0" normalizeH="0" baseline="0" noProof="0" dirty="0">
-                <a:ln>
-                  <a:noFill/>
-                </a:ln>
-                <a:solidFill>
-                  <a:prstClr val="white"/>
-                </a:solidFill>
-                <a:effectLst/>
-                <a:uLnTx/>
-                <a:uFillTx/>
-                <a:latin typeface="HY헤드라인M" pitchFamily="18" charset="-127"/>
-                <a:ea typeface="HY헤드라인M" pitchFamily="18" charset="-127"/>
-                <a:cs typeface="+mn-cs"/>
-              </a:rPr>
-              <a:t>03</a:t>
-            </a:r>
-            <a:endParaRPr kumimoji="0" lang="ko-KR" altLang="en-US" sz="2400" b="0" i="0" u="none" strike="noStrike" kern="1200" cap="none" spc="0" normalizeH="0" baseline="0" noProof="0" dirty="0">
-              <a:ln>
-                <a:noFill/>
-              </a:ln>
-              <a:solidFill>
-                <a:prstClr val="white"/>
-              </a:solidFill>
-              <a:effectLst/>
-              <a:uLnTx/>
-              <a:uFillTx/>
-              <a:latin typeface="HY헤드라인M" pitchFamily="18" charset="-127"/>
-              <a:ea typeface="HY헤드라인M" pitchFamily="18" charset="-127"/>
-              <a:cs typeface="+mn-cs"/>
-            </a:endParaRPr>
-          </a:p>
-        </p:txBody>
-      </p:sp>
-      <p:sp>
-        <p:nvSpPr>
-          <p:cNvPr id="43" name="내용 개체 틀 4">
+      <p:sp>
+        <p:nvSpPr>
+          <p:cNvPr id="5" name="내용 개체 틀 4">
             <a:extLst>
               <a:ext uri="{FF2B5EF4-FFF2-40B4-BE49-F238E27FC236}">
-                <a16:creationId xmlns:a16="http://schemas.microsoft.com/office/drawing/2014/main" id="{32317F6C-E32E-4038-B673-18F423AA15D5}"/>
+                <a16:creationId xmlns:a16="http://schemas.microsoft.com/office/drawing/2014/main" id="{1EA50BB3-63A4-4E7B-A3EE-78BF0BBCEB6A}"/>
               </a:ext>
             </a:extLst>
           </p:cNvPr>
@@ -16131,726 +16391,71 @@
         </p:nvSpPr>
         <p:spPr>
           <a:xfrm>
-            <a:off x="351122" y="4049824"/>
-            <a:ext cx="7893286" cy="1799911"/>
+            <a:off x="457200" y="1600200"/>
+            <a:ext cx="7859216" cy="4525963"/>
           </a:xfrm>
         </p:spPr>
         <p:txBody>
-          <a:bodyPr>
-            <a:normAutofit/>
-          </a:bodyPr>
+          <a:bodyPr/>
           <a:lstStyle/>
           <a:p>
             <a:pPr marL="0" indent="0">
               <a:buNone/>
             </a:pPr>
             <a:r>
-              <a:rPr lang="en-US" altLang="ko-KR" sz="1400" b="1" dirty="0">
-                <a:effectLst>
-                  <a:outerShdw blurRad="38100" dist="38100" dir="2700000" algn="tl">
-                    <a:srgbClr val="000000">
-                      <a:alpha val="43137"/>
-                    </a:srgbClr>
-                  </a:outerShdw>
-                </a:effectLst>
-              </a:rPr>
-              <a:t>Subsampling(max-pooling): </a:t>
-            </a:r>
-            <a:r>
-              <a:rPr lang="ko-KR" altLang="en-US" sz="1400" b="1" dirty="0">
-                <a:effectLst>
-                  <a:outerShdw blurRad="38100" dist="38100" dir="2700000" algn="tl">
-                    <a:srgbClr val="000000">
-                      <a:alpha val="43137"/>
-                    </a:srgbClr>
-                  </a:outerShdw>
-                </a:effectLst>
-              </a:rPr>
-              <a:t>앞선 </a:t>
-            </a:r>
-            <a:r>
-              <a:rPr lang="ko-KR" altLang="en-US" sz="1400" b="1" dirty="0" err="1">
-                <a:effectLst>
-                  <a:outerShdw blurRad="38100" dist="38100" dir="2700000" algn="tl">
-                    <a:srgbClr val="000000">
-                      <a:alpha val="43137"/>
-                    </a:srgbClr>
-                  </a:outerShdw>
-                </a:effectLst>
-              </a:rPr>
-              <a:t>합성곱</a:t>
-            </a:r>
-            <a:r>
-              <a:rPr lang="ko-KR" altLang="en-US" sz="1400" b="1" dirty="0">
-                <a:effectLst>
-                  <a:outerShdw blurRad="38100" dist="38100" dir="2700000" algn="tl">
-                    <a:srgbClr val="000000">
-                      <a:alpha val="43137"/>
-                    </a:srgbClr>
-                  </a:outerShdw>
-                </a:effectLst>
-              </a:rPr>
-              <a:t> 연산으로 구한 특징 중 가장 강한 특징 값만 선택하</a:t>
-            </a:r>
-            <a:endParaRPr lang="en-US" altLang="ko-KR" sz="1400" b="1" dirty="0">
-              <a:effectLst>
-                <a:outerShdw blurRad="38100" dist="38100" dir="2700000" algn="tl">
-                  <a:srgbClr val="000000">
-                    <a:alpha val="43137"/>
-                  </a:srgbClr>
-                </a:outerShdw>
-              </a:effectLst>
-            </a:endParaRPr>
+              <a:rPr lang="ko-KR" altLang="en-US" dirty="0"/>
+              <a:t>개발환경</a:t>
+            </a:r>
+            <a:endParaRPr lang="en-US" altLang="ko-KR" dirty="0"/>
           </a:p>
           <a:p>
             <a:pPr marL="0" indent="0">
               <a:buNone/>
             </a:pPr>
             <a:r>
-              <a:rPr lang="en-US" altLang="ko-KR" sz="1400" b="1" dirty="0">
-                <a:effectLst>
-                  <a:outerShdw blurRad="38100" dist="38100" dir="2700000" algn="tl">
-                    <a:srgbClr val="000000">
-                      <a:alpha val="43137"/>
-                    </a:srgbClr>
-                  </a:outerShdw>
-                </a:effectLst>
-              </a:rPr>
-              <a:t>		         </a:t>
-            </a:r>
-            <a:r>
-              <a:rPr lang="ko-KR" altLang="en-US" sz="1400" b="1" dirty="0">
-                <a:effectLst>
-                  <a:outerShdw blurRad="38100" dist="38100" dir="2700000" algn="tl">
-                    <a:srgbClr val="000000">
-                      <a:alpha val="43137"/>
-                    </a:srgbClr>
-                  </a:outerShdw>
-                </a:effectLst>
-              </a:rPr>
-              <a:t>여 작은 크기로도 해당 이미지를 표현</a:t>
-            </a:r>
-            <a:endParaRPr lang="en-US" altLang="ko-KR" sz="1400" b="1" dirty="0">
-              <a:effectLst>
-                <a:outerShdw blurRad="38100" dist="38100" dir="2700000" algn="tl">
-                  <a:srgbClr val="000000">
-                    <a:alpha val="43137"/>
-                  </a:srgbClr>
-                </a:outerShdw>
-              </a:effectLst>
-            </a:endParaRPr>
+              <a:rPr lang="en-US" altLang="ko-KR" dirty="0"/>
+              <a:t>OS: Windows 10</a:t>
+            </a:r>
           </a:p>
           <a:p>
             <a:pPr marL="0" indent="0">
               <a:buNone/>
             </a:pPr>
-            <a:endParaRPr lang="en-US" altLang="ko-KR" sz="1400" b="1" dirty="0">
-              <a:effectLst>
-                <a:outerShdw blurRad="38100" dist="38100" dir="2700000" algn="tl">
-                  <a:srgbClr val="000000">
-                    <a:alpha val="43137"/>
-                  </a:srgbClr>
-                </a:outerShdw>
-              </a:effectLst>
-            </a:endParaRPr>
+            <a:r>
+              <a:rPr lang="en-US" altLang="ko-KR" dirty="0"/>
+              <a:t>Language: Python</a:t>
+            </a:r>
           </a:p>
           <a:p>
             <a:pPr marL="0" indent="0">
               <a:buNone/>
             </a:pPr>
             <a:r>
-              <a:rPr lang="ko-KR" altLang="en-US" sz="1400" b="1" dirty="0">
-                <a:effectLst>
-                  <a:outerShdw blurRad="38100" dist="38100" dir="2700000" algn="tl">
-                    <a:srgbClr val="000000">
-                      <a:alpha val="43137"/>
-                    </a:srgbClr>
-                  </a:outerShdw>
-                </a:effectLst>
-              </a:rPr>
-              <a:t>여러 번의 </a:t>
-            </a:r>
-            <a:r>
-              <a:rPr lang="ko-KR" altLang="en-US" sz="1400" b="1" dirty="0" err="1">
-                <a:effectLst>
-                  <a:outerShdw blurRad="38100" dist="38100" dir="2700000" algn="tl">
-                    <a:srgbClr val="000000">
-                      <a:alpha val="43137"/>
-                    </a:srgbClr>
-                  </a:outerShdw>
-                </a:effectLst>
-              </a:rPr>
-              <a:t>합성곱</a:t>
-            </a:r>
-            <a:r>
-              <a:rPr lang="ko-KR" altLang="en-US" sz="1400" b="1" dirty="0">
-                <a:effectLst>
-                  <a:outerShdw blurRad="38100" dist="38100" dir="2700000" algn="tl">
-                    <a:srgbClr val="000000">
-                      <a:alpha val="43137"/>
-                    </a:srgbClr>
-                  </a:outerShdw>
-                </a:effectLst>
-              </a:rPr>
-              <a:t> 연산과 </a:t>
-            </a:r>
-            <a:r>
-              <a:rPr lang="en-US" altLang="ko-KR" sz="1400" b="1" dirty="0">
-                <a:effectLst>
-                  <a:outerShdw blurRad="38100" dist="38100" dir="2700000" algn="tl">
-                    <a:srgbClr val="000000">
-                      <a:alpha val="43137"/>
-                    </a:srgbClr>
-                  </a:outerShdw>
-                </a:effectLst>
-              </a:rPr>
-              <a:t>Subsampling</a:t>
-            </a:r>
-            <a:r>
-              <a:rPr lang="ko-KR" altLang="en-US" sz="1400" b="1" dirty="0">
-                <a:effectLst>
-                  <a:outerShdw blurRad="38100" dist="38100" dir="2700000" algn="tl">
-                    <a:srgbClr val="000000">
-                      <a:alpha val="43137"/>
-                    </a:srgbClr>
-                  </a:outerShdw>
-                </a:effectLst>
-              </a:rPr>
-              <a:t>을 통해 원 이미지보다는 작지만 위 이미지를 대표할 수 있으면서 가장 강한 특징만을</a:t>
-            </a:r>
-            <a:r>
-              <a:rPr lang="en-US" altLang="ko-KR" sz="1400" b="1" dirty="0">
-                <a:effectLst>
-                  <a:outerShdw blurRad="38100" dist="38100" dir="2700000" algn="tl">
-                    <a:srgbClr val="000000">
-                      <a:alpha val="43137"/>
-                    </a:srgbClr>
-                  </a:outerShdw>
-                </a:effectLst>
-              </a:rPr>
-              <a:t> </a:t>
-            </a:r>
-            <a:r>
-              <a:rPr lang="ko-KR" altLang="en-US" sz="1400" b="1" dirty="0">
-                <a:effectLst>
-                  <a:outerShdw blurRad="38100" dist="38100" dir="2700000" algn="tl">
-                    <a:srgbClr val="000000">
-                      <a:alpha val="43137"/>
-                    </a:srgbClr>
-                  </a:outerShdw>
-                </a:effectLst>
-              </a:rPr>
-              <a:t>추출함</a:t>
-            </a:r>
-            <a:endParaRPr lang="en-US" altLang="ko-KR" sz="1400" b="1" dirty="0">
-              <a:effectLst>
-                <a:outerShdw blurRad="38100" dist="38100" dir="2700000" algn="tl">
-                  <a:srgbClr val="000000">
-                    <a:alpha val="43137"/>
-                  </a:srgbClr>
-                </a:outerShdw>
-              </a:effectLst>
-            </a:endParaRPr>
-          </a:p>
-        </p:txBody>
-      </p:sp>
-      <p:sp>
-        <p:nvSpPr>
-          <p:cNvPr id="18" name="내용 개체 틀 4">
-            <a:extLst>
-              <a:ext uri="{FF2B5EF4-FFF2-40B4-BE49-F238E27FC236}">
-                <a16:creationId xmlns:a16="http://schemas.microsoft.com/office/drawing/2014/main" id="{4649E46D-6DC0-4E98-AB78-81359839AE3C}"/>
-              </a:ext>
-            </a:extLst>
-          </p:cNvPr>
-          <p:cNvSpPr txBox="1">
-            <a:spLocks/>
-          </p:cNvSpPr>
-          <p:nvPr/>
-        </p:nvSpPr>
-        <p:spPr>
-          <a:xfrm>
-            <a:off x="683568" y="4616220"/>
-            <a:ext cx="8352928" cy="516093"/>
-          </a:xfrm>
-          <a:prstGeom prst="rect">
-            <a:avLst/>
-          </a:prstGeom>
-        </p:spPr>
-        <p:txBody>
-          <a:bodyPr vert="horz" lIns="91440" tIns="45720" rIns="91440" bIns="45720" rtlCol="0">
-            <a:normAutofit/>
-          </a:bodyPr>
-          <a:lstStyle>
-            <a:lvl1pPr marL="342900" indent="-342900" algn="l" defTabSz="914400" rtl="0" eaLnBrk="1" latinLnBrk="1" hangingPunct="1">
-              <a:spcBef>
-                <a:spcPct val="20000"/>
-              </a:spcBef>
-              <a:buFont typeface="Arial" pitchFamily="34" charset="0"/>
-              <a:buChar char="•"/>
-              <a:defRPr sz="2800" kern="1200">
-                <a:solidFill>
-                  <a:schemeClr val="tx1"/>
-                </a:solidFill>
-                <a:latin typeface="+mn-lt"/>
-                <a:ea typeface="+mn-ea"/>
-                <a:cs typeface="+mn-cs"/>
-              </a:defRPr>
-            </a:lvl1pPr>
-            <a:lvl2pPr marL="742950" indent="-285750" algn="l" defTabSz="914400" rtl="0" eaLnBrk="1" latinLnBrk="1" hangingPunct="1">
-              <a:spcBef>
-                <a:spcPct val="20000"/>
-              </a:spcBef>
-              <a:buFont typeface="Arial" pitchFamily="34" charset="0"/>
-              <a:buChar char="–"/>
-              <a:defRPr sz="2400" kern="1200">
-                <a:solidFill>
-                  <a:schemeClr val="tx1"/>
-                </a:solidFill>
-                <a:latin typeface="+mn-lt"/>
-                <a:ea typeface="+mn-ea"/>
-                <a:cs typeface="+mn-cs"/>
-              </a:defRPr>
-            </a:lvl2pPr>
-            <a:lvl3pPr marL="1143000" indent="-228600" algn="l" defTabSz="914400" rtl="0" eaLnBrk="1" latinLnBrk="1" hangingPunct="1">
-              <a:spcBef>
-                <a:spcPct val="20000"/>
-              </a:spcBef>
-              <a:buFont typeface="Arial" pitchFamily="34" charset="0"/>
-              <a:buChar char="•"/>
-              <a:defRPr sz="2000" kern="1200">
-                <a:solidFill>
-                  <a:schemeClr val="tx1"/>
-                </a:solidFill>
-                <a:latin typeface="+mn-lt"/>
-                <a:ea typeface="+mn-ea"/>
-                <a:cs typeface="+mn-cs"/>
-              </a:defRPr>
-            </a:lvl3pPr>
-            <a:lvl4pPr marL="1600200" indent="-228600" algn="l" defTabSz="914400" rtl="0" eaLnBrk="1" latinLnBrk="1" hangingPunct="1">
-              <a:spcBef>
-                <a:spcPct val="20000"/>
-              </a:spcBef>
-              <a:buFont typeface="Arial" pitchFamily="34" charset="0"/>
-              <a:buChar char="–"/>
-              <a:defRPr sz="1800" kern="1200">
-                <a:solidFill>
-                  <a:schemeClr val="tx1"/>
-                </a:solidFill>
-                <a:latin typeface="+mn-lt"/>
-                <a:ea typeface="+mn-ea"/>
-                <a:cs typeface="+mn-cs"/>
-              </a:defRPr>
-            </a:lvl4pPr>
-            <a:lvl5pPr marL="2057400" indent="-228600" algn="l" defTabSz="914400" rtl="0" eaLnBrk="1" latinLnBrk="1" hangingPunct="1">
-              <a:spcBef>
-                <a:spcPct val="20000"/>
-              </a:spcBef>
-              <a:buFont typeface="Arial" pitchFamily="34" charset="0"/>
-              <a:buChar char="»"/>
-              <a:defRPr sz="1800" kern="1200">
-                <a:solidFill>
-                  <a:schemeClr val="tx1"/>
-                </a:solidFill>
-                <a:latin typeface="+mn-lt"/>
-                <a:ea typeface="+mn-ea"/>
-                <a:cs typeface="+mn-cs"/>
-              </a:defRPr>
-            </a:lvl5pPr>
-            <a:lvl6pPr marL="2514600" indent="-228600" algn="l" defTabSz="914400" rtl="0" eaLnBrk="1" latinLnBrk="1" hangingPunct="1">
-              <a:spcBef>
-                <a:spcPct val="20000"/>
-              </a:spcBef>
-              <a:buFont typeface="Arial" pitchFamily="34" charset="0"/>
-              <a:buChar char="•"/>
-              <a:defRPr sz="1800" kern="1200">
-                <a:solidFill>
-                  <a:schemeClr val="tx1"/>
-                </a:solidFill>
-                <a:latin typeface="+mn-lt"/>
-                <a:ea typeface="+mn-ea"/>
-                <a:cs typeface="+mn-cs"/>
-              </a:defRPr>
-            </a:lvl6pPr>
-            <a:lvl7pPr marL="2971800" indent="-228600" algn="l" defTabSz="914400" rtl="0" eaLnBrk="1" latinLnBrk="1" hangingPunct="1">
-              <a:spcBef>
-                <a:spcPct val="20000"/>
-              </a:spcBef>
-              <a:buFont typeface="Arial" pitchFamily="34" charset="0"/>
-              <a:buChar char="•"/>
-              <a:defRPr sz="1800" kern="1200">
-                <a:solidFill>
-                  <a:schemeClr val="tx1"/>
-                </a:solidFill>
-                <a:latin typeface="+mn-lt"/>
-                <a:ea typeface="+mn-ea"/>
-                <a:cs typeface="+mn-cs"/>
-              </a:defRPr>
-            </a:lvl7pPr>
-            <a:lvl8pPr marL="3429000" indent="-228600" algn="l" defTabSz="914400" rtl="0" eaLnBrk="1" latinLnBrk="1" hangingPunct="1">
-              <a:spcBef>
-                <a:spcPct val="20000"/>
-              </a:spcBef>
-              <a:buFont typeface="Arial" pitchFamily="34" charset="0"/>
-              <a:buChar char="•"/>
-              <a:defRPr sz="1800" kern="1200">
-                <a:solidFill>
-                  <a:schemeClr val="tx1"/>
-                </a:solidFill>
-                <a:latin typeface="+mn-lt"/>
-                <a:ea typeface="+mn-ea"/>
-                <a:cs typeface="+mn-cs"/>
-              </a:defRPr>
-            </a:lvl8pPr>
-            <a:lvl9pPr marL="3886200" indent="-228600" algn="l" defTabSz="914400" rtl="0" eaLnBrk="1" latinLnBrk="1" hangingPunct="1">
-              <a:spcBef>
-                <a:spcPct val="20000"/>
-              </a:spcBef>
-              <a:buFont typeface="Arial" pitchFamily="34" charset="0"/>
-              <a:buChar char="•"/>
-              <a:defRPr sz="1800" kern="1200">
-                <a:solidFill>
-                  <a:schemeClr val="tx1"/>
-                </a:solidFill>
-                <a:latin typeface="+mn-lt"/>
-                <a:ea typeface="+mn-ea"/>
-                <a:cs typeface="+mn-cs"/>
-              </a:defRPr>
-            </a:lvl9pPr>
-          </a:lstStyle>
+              <a:rPr lang="en-US" altLang="ko-KR" dirty="0"/>
+              <a:t>API: </a:t>
+            </a:r>
+            <a:r>
+              <a:rPr lang="en-US" altLang="ko-KR" dirty="0" err="1"/>
+              <a:t>Tensorflow-gpu</a:t>
+            </a:r>
+            <a:endParaRPr lang="en-US" altLang="ko-KR" dirty="0"/>
+          </a:p>
           <a:p>
             <a:pPr marL="0" indent="0">
-              <a:buFont typeface="Arial" pitchFamily="34" charset="0"/>
               <a:buNone/>
             </a:pPr>
-            <a:endParaRPr lang="en-US" altLang="ko-KR" sz="1500" b="1" dirty="0">
-              <a:effectLst>
-                <a:outerShdw blurRad="38100" dist="38100" dir="2700000" algn="tl">
-                  <a:srgbClr val="000000">
-                    <a:alpha val="43137"/>
-                  </a:srgbClr>
-                </a:outerShdw>
-              </a:effectLst>
-            </a:endParaRPr>
-          </a:p>
-        </p:txBody>
-      </p:sp>
-      <p:pic>
-        <p:nvPicPr>
-          <p:cNvPr id="10" name="그림 9">
-            <a:extLst>
-              <a:ext uri="{FF2B5EF4-FFF2-40B4-BE49-F238E27FC236}">
-                <a16:creationId xmlns:a16="http://schemas.microsoft.com/office/drawing/2014/main" id="{B3154C23-5FC5-49C2-AF6F-935E1A1E8C8C}"/>
-              </a:ext>
-            </a:extLst>
-          </p:cNvPr>
-          <p:cNvPicPr>
-            <a:picLocks noChangeAspect="1"/>
-          </p:cNvPicPr>
-          <p:nvPr/>
-        </p:nvPicPr>
-        <p:blipFill>
-          <a:blip r:embed="rId3">
-            <a:extLst>
-              <a:ext uri="{28A0092B-C50C-407E-A947-70E740481C1C}">
-                <a14:useLocalDpi xmlns:a14="http://schemas.microsoft.com/office/drawing/2010/main" val="0"/>
-              </a:ext>
-            </a:extLst>
-          </a:blip>
-          <a:stretch>
-            <a:fillRect/>
-          </a:stretch>
-        </p:blipFill>
-        <p:spPr>
-          <a:xfrm>
-            <a:off x="409860" y="1512133"/>
-            <a:ext cx="8352928" cy="2381250"/>
-          </a:xfrm>
-          <a:prstGeom prst="rect">
-            <a:avLst/>
-          </a:prstGeom>
-        </p:spPr>
-      </p:pic>
-      <p:sp>
-        <p:nvSpPr>
-          <p:cNvPr id="15" name="내용 개체 틀 4">
-            <a:extLst>
-              <a:ext uri="{FF2B5EF4-FFF2-40B4-BE49-F238E27FC236}">
-                <a16:creationId xmlns:a16="http://schemas.microsoft.com/office/drawing/2014/main" id="{5388484D-5CEC-456B-A533-5908BBF110EC}"/>
-              </a:ext>
-            </a:extLst>
-          </p:cNvPr>
-          <p:cNvSpPr txBox="1">
-            <a:spLocks/>
-          </p:cNvSpPr>
-          <p:nvPr/>
-        </p:nvSpPr>
-        <p:spPr>
-          <a:xfrm>
-            <a:off x="351122" y="5007194"/>
-            <a:ext cx="7893286" cy="1799911"/>
-          </a:xfrm>
-          <a:prstGeom prst="rect">
-            <a:avLst/>
-          </a:prstGeom>
-        </p:spPr>
-        <p:txBody>
-          <a:bodyPr vert="horz" lIns="91440" tIns="45720" rIns="91440" bIns="45720" rtlCol="0">
-            <a:normAutofit/>
-          </a:bodyPr>
-          <a:lstStyle>
-            <a:lvl1pPr marL="342900" indent="-342900" algn="l" defTabSz="914400" rtl="0" eaLnBrk="1" latinLnBrk="1" hangingPunct="1">
-              <a:spcBef>
-                <a:spcPct val="20000"/>
-              </a:spcBef>
-              <a:buFont typeface="Arial" pitchFamily="34" charset="0"/>
-              <a:buChar char="•"/>
-              <a:defRPr sz="2800" kern="1200">
-                <a:solidFill>
-                  <a:schemeClr val="tx1"/>
-                </a:solidFill>
-                <a:latin typeface="+mn-lt"/>
-                <a:ea typeface="+mn-ea"/>
-                <a:cs typeface="+mn-cs"/>
-              </a:defRPr>
-            </a:lvl1pPr>
-            <a:lvl2pPr marL="742950" indent="-285750" algn="l" defTabSz="914400" rtl="0" eaLnBrk="1" latinLnBrk="1" hangingPunct="1">
-              <a:spcBef>
-                <a:spcPct val="20000"/>
-              </a:spcBef>
-              <a:buFont typeface="Arial" pitchFamily="34" charset="0"/>
-              <a:buChar char="–"/>
-              <a:defRPr sz="2400" kern="1200">
-                <a:solidFill>
-                  <a:schemeClr val="tx1"/>
-                </a:solidFill>
-                <a:latin typeface="+mn-lt"/>
-                <a:ea typeface="+mn-ea"/>
-                <a:cs typeface="+mn-cs"/>
-              </a:defRPr>
-            </a:lvl2pPr>
-            <a:lvl3pPr marL="1143000" indent="-228600" algn="l" defTabSz="914400" rtl="0" eaLnBrk="1" latinLnBrk="1" hangingPunct="1">
-              <a:spcBef>
-                <a:spcPct val="20000"/>
-              </a:spcBef>
-              <a:buFont typeface="Arial" pitchFamily="34" charset="0"/>
-              <a:buChar char="•"/>
-              <a:defRPr sz="2000" kern="1200">
-                <a:solidFill>
-                  <a:schemeClr val="tx1"/>
-                </a:solidFill>
-                <a:latin typeface="+mn-lt"/>
-                <a:ea typeface="+mn-ea"/>
-                <a:cs typeface="+mn-cs"/>
-              </a:defRPr>
-            </a:lvl3pPr>
-            <a:lvl4pPr marL="1600200" indent="-228600" algn="l" defTabSz="914400" rtl="0" eaLnBrk="1" latinLnBrk="1" hangingPunct="1">
-              <a:spcBef>
-                <a:spcPct val="20000"/>
-              </a:spcBef>
-              <a:buFont typeface="Arial" pitchFamily="34" charset="0"/>
-              <a:buChar char="–"/>
-              <a:defRPr sz="1800" kern="1200">
-                <a:solidFill>
-                  <a:schemeClr val="tx1"/>
-                </a:solidFill>
-                <a:latin typeface="+mn-lt"/>
-                <a:ea typeface="+mn-ea"/>
-                <a:cs typeface="+mn-cs"/>
-              </a:defRPr>
-            </a:lvl4pPr>
-            <a:lvl5pPr marL="2057400" indent="-228600" algn="l" defTabSz="914400" rtl="0" eaLnBrk="1" latinLnBrk="1" hangingPunct="1">
-              <a:spcBef>
-                <a:spcPct val="20000"/>
-              </a:spcBef>
-              <a:buFont typeface="Arial" pitchFamily="34" charset="0"/>
-              <a:buChar char="»"/>
-              <a:defRPr sz="1800" kern="1200">
-                <a:solidFill>
-                  <a:schemeClr val="tx1"/>
-                </a:solidFill>
-                <a:latin typeface="+mn-lt"/>
-                <a:ea typeface="+mn-ea"/>
-                <a:cs typeface="+mn-cs"/>
-              </a:defRPr>
-            </a:lvl5pPr>
-            <a:lvl6pPr marL="2514600" indent="-228600" algn="l" defTabSz="914400" rtl="0" eaLnBrk="1" latinLnBrk="1" hangingPunct="1">
-              <a:spcBef>
-                <a:spcPct val="20000"/>
-              </a:spcBef>
-              <a:buFont typeface="Arial" pitchFamily="34" charset="0"/>
-              <a:buChar char="•"/>
-              <a:defRPr sz="1800" kern="1200">
-                <a:solidFill>
-                  <a:schemeClr val="tx1"/>
-                </a:solidFill>
-                <a:latin typeface="+mn-lt"/>
-                <a:ea typeface="+mn-ea"/>
-                <a:cs typeface="+mn-cs"/>
-              </a:defRPr>
-            </a:lvl6pPr>
-            <a:lvl7pPr marL="2971800" indent="-228600" algn="l" defTabSz="914400" rtl="0" eaLnBrk="1" latinLnBrk="1" hangingPunct="1">
-              <a:spcBef>
-                <a:spcPct val="20000"/>
-              </a:spcBef>
-              <a:buFont typeface="Arial" pitchFamily="34" charset="0"/>
-              <a:buChar char="•"/>
-              <a:defRPr sz="1800" kern="1200">
-                <a:solidFill>
-                  <a:schemeClr val="tx1"/>
-                </a:solidFill>
-                <a:latin typeface="+mn-lt"/>
-                <a:ea typeface="+mn-ea"/>
-                <a:cs typeface="+mn-cs"/>
-              </a:defRPr>
-            </a:lvl7pPr>
-            <a:lvl8pPr marL="3429000" indent="-228600" algn="l" defTabSz="914400" rtl="0" eaLnBrk="1" latinLnBrk="1" hangingPunct="1">
-              <a:spcBef>
-                <a:spcPct val="20000"/>
-              </a:spcBef>
-              <a:buFont typeface="Arial" pitchFamily="34" charset="0"/>
-              <a:buChar char="•"/>
-              <a:defRPr sz="1800" kern="1200">
-                <a:solidFill>
-                  <a:schemeClr val="tx1"/>
-                </a:solidFill>
-                <a:latin typeface="+mn-lt"/>
-                <a:ea typeface="+mn-ea"/>
-                <a:cs typeface="+mn-cs"/>
-              </a:defRPr>
-            </a:lvl8pPr>
-            <a:lvl9pPr marL="3886200" indent="-228600" algn="l" defTabSz="914400" rtl="0" eaLnBrk="1" latinLnBrk="1" hangingPunct="1">
-              <a:spcBef>
-                <a:spcPct val="20000"/>
-              </a:spcBef>
-              <a:buFont typeface="Arial" pitchFamily="34" charset="0"/>
-              <a:buChar char="•"/>
-              <a:defRPr sz="1800" kern="1200">
-                <a:solidFill>
-                  <a:schemeClr val="tx1"/>
-                </a:solidFill>
-                <a:latin typeface="+mn-lt"/>
-                <a:ea typeface="+mn-ea"/>
-                <a:cs typeface="+mn-cs"/>
-              </a:defRPr>
-            </a:lvl9pPr>
-          </a:lstStyle>
+            <a:r>
+              <a:rPr lang="en-US" altLang="ko-KR" dirty="0"/>
+              <a:t>CNN models: TensorFlow Official Models</a:t>
+            </a:r>
+          </a:p>
           <a:p>
             <a:pPr marL="0" indent="0">
-              <a:buFont typeface="Arial" pitchFamily="34" charset="0"/>
               <a:buNone/>
             </a:pPr>
-            <a:endParaRPr lang="en-US" altLang="ko-KR" sz="1400" b="1" dirty="0">
-              <a:effectLst>
-                <a:outerShdw blurRad="38100" dist="38100" dir="2700000" algn="tl">
-                  <a:srgbClr val="000000">
-                    <a:alpha val="43137"/>
-                  </a:srgbClr>
-                </a:outerShdw>
-              </a:effectLst>
-            </a:endParaRPr>
-          </a:p>
-        </p:txBody>
-      </p:sp>
-      <p:sp>
-        <p:nvSpPr>
-          <p:cNvPr id="16" name="TextBox 15">
-            <a:extLst>
-              <a:ext uri="{FF2B5EF4-FFF2-40B4-BE49-F238E27FC236}">
-                <a16:creationId xmlns:a16="http://schemas.microsoft.com/office/drawing/2014/main" id="{44425FFF-D1E8-40A6-80B6-9FA4C6EA9E25}"/>
-              </a:ext>
-            </a:extLst>
-          </p:cNvPr>
-          <p:cNvSpPr txBox="1"/>
-          <p:nvPr/>
-        </p:nvSpPr>
-        <p:spPr>
-          <a:xfrm>
-            <a:off x="7974377" y="3767085"/>
-            <a:ext cx="540061" cy="246221"/>
-          </a:xfrm>
-          <a:prstGeom prst="rect">
-            <a:avLst/>
-          </a:prstGeom>
-          <a:noFill/>
-        </p:spPr>
-        <p:txBody>
-          <a:bodyPr wrap="square" rtlCol="0">
-            <a:spAutoFit/>
-          </a:bodyPr>
-          <a:lstStyle/>
-          <a:p>
-            <a:r>
-              <a:rPr lang="ko-KR" altLang="en-US" sz="1000" dirty="0"/>
-              <a:t>그림</a:t>
-            </a:r>
-            <a:r>
-              <a:rPr lang="en-US" altLang="ko-KR" sz="1000" dirty="0"/>
-              <a:t>6</a:t>
-            </a:r>
-            <a:endParaRPr lang="ko-KR" altLang="en-US" sz="1000" dirty="0"/>
-          </a:p>
-        </p:txBody>
-      </p:sp>
-      <p:sp>
-        <p:nvSpPr>
-          <p:cNvPr id="12" name="직사각형 11">
-            <a:extLst>
-              <a:ext uri="{FF2B5EF4-FFF2-40B4-BE49-F238E27FC236}">
-                <a16:creationId xmlns:a16="http://schemas.microsoft.com/office/drawing/2014/main" id="{1D588122-0B13-4D84-9B9C-E012D706A226}"/>
-              </a:ext>
-            </a:extLst>
-          </p:cNvPr>
-          <p:cNvSpPr/>
-          <p:nvPr/>
-        </p:nvSpPr>
-        <p:spPr>
-          <a:xfrm>
-            <a:off x="0" y="231994"/>
-            <a:ext cx="780983" cy="523220"/>
-          </a:xfrm>
-          <a:prstGeom prst="rect">
-            <a:avLst/>
-          </a:prstGeom>
-        </p:spPr>
-        <p:txBody>
-          <a:bodyPr wrap="none">
-            <a:spAutoFit/>
-          </a:bodyPr>
-          <a:lstStyle/>
-          <a:p>
-            <a:pPr marL="0" marR="0" lvl="0" indent="0" algn="ctr" defTabSz="914400" rtl="0" eaLnBrk="1" fontAlgn="auto" latinLnBrk="1" hangingPunct="1">
-              <a:lnSpc>
-                <a:spcPct val="100000"/>
-              </a:lnSpc>
-              <a:spcBef>
-                <a:spcPts val="0"/>
-              </a:spcBef>
-              <a:spcAft>
-                <a:spcPts val="0"/>
-              </a:spcAft>
-              <a:buClrTx/>
-              <a:buSzTx/>
-              <a:buFontTx/>
-              <a:buNone/>
-              <a:tabLst/>
-              <a:defRPr/>
-            </a:pPr>
-            <a:r>
-              <a:rPr kumimoji="0" lang="ko-KR" altLang="en-US" sz="2800" b="1" i="0" u="none" strike="noStrike" kern="1200" cap="none" spc="-150" normalizeH="0" baseline="0" noProof="0" dirty="0">
-                <a:ln>
-                  <a:noFill/>
-                </a:ln>
-                <a:solidFill>
-                  <a:prstClr val="white"/>
-                </a:solidFill>
-                <a:effectLst/>
-                <a:uLnTx/>
-                <a:uFillTx/>
-                <a:latin typeface="Rix비타민 M" panose="02020603020101020101" pitchFamily="18" charset="-127"/>
-                <a:ea typeface="Rix비타민 M" panose="02020603020101020101" pitchFamily="18" charset="-127"/>
-              </a:rPr>
-              <a:t>기술</a:t>
+            <a:r>
+              <a:rPr lang="en-US" altLang="ko-KR" dirty="0"/>
+              <a:t>Image dataset: Stanford Cars Dataset</a:t>
             </a:r>
           </a:p>
         </p:txBody>
@@ -16858,7 +16463,7 @@
     </p:spTree>
     <p:extLst>
       <p:ext uri="{BB962C8B-B14F-4D97-AF65-F5344CB8AC3E}">
-        <p14:creationId xmlns:p14="http://schemas.microsoft.com/office/powerpoint/2010/main" val="2246942652"/>
+        <p14:creationId xmlns:p14="http://schemas.microsoft.com/office/powerpoint/2010/main" val="3173343549"/>
       </p:ext>
     </p:extLst>
   </p:cSld>

--- a/Doc/주제 선정 및 시장 조사_19.03.19/졸업논문 주제_임광효_김준영_2.pptx
+++ b/Doc/주제 선정 및 시장 조사_19.03.19/졸업논문 주제_임광효_김준영_2.pptx
@@ -27,15 +27,15 @@
   <p:notesSz cx="6858000" cy="9144000"/>
   <p:embeddedFontLst>
     <p:embeddedFont>
-      <p:font typeface="Rix비타민 L" panose="02020603020101020101" pitchFamily="18" charset="-127"/>
+      <p:font typeface="HY헤드라인M" panose="02030600000101010101" pitchFamily="18" charset="-127"/>
       <p:regular r:id="rId17"/>
     </p:embeddedFont>
     <p:embeddedFont>
-      <p:font typeface="Rix비타민 M" panose="02020603020101020101" pitchFamily="18" charset="-127"/>
+      <p:font typeface="Rix비타민 L" panose="02020603020101020101" pitchFamily="18" charset="-127"/>
       <p:regular r:id="rId18"/>
     </p:embeddedFont>
     <p:embeddedFont>
-      <p:font typeface="HY헤드라인M" panose="02030600000101010101" pitchFamily="18" charset="-127"/>
+      <p:font typeface="Rix비타민 M" panose="02020603020101020101" pitchFamily="18" charset="-127"/>
       <p:regular r:id="rId19"/>
     </p:embeddedFont>
     <p:embeddedFont>
@@ -253,7 +253,7 @@
             <a:fld id="{65771C21-3757-4199-83DE-22960358A2A5}" type="datetimeFigureOut">
               <a:rPr lang="ko-KR" altLang="en-US" smtClean="0"/>
               <a:pPr/>
-              <a:t>2019-03-21</a:t>
+              <a:t>2019-03-22</a:t>
             </a:fld>
             <a:endParaRPr lang="ko-KR" altLang="en-US"/>
           </a:p>
@@ -3531,7 +3531,7 @@
             <a:fld id="{A22FE722-38C7-4231-8BB5-7A27D4E5977D}" type="datetimeFigureOut">
               <a:rPr lang="ko-KR" altLang="en-US" smtClean="0"/>
               <a:pPr/>
-              <a:t>2019-03-21</a:t>
+              <a:t>2019-03-22</a:t>
             </a:fld>
             <a:endParaRPr lang="ko-KR" altLang="en-US"/>
           </a:p>
@@ -3696,7 +3696,7 @@
             <a:fld id="{A22FE722-38C7-4231-8BB5-7A27D4E5977D}" type="datetimeFigureOut">
               <a:rPr lang="ko-KR" altLang="en-US" smtClean="0"/>
               <a:pPr/>
-              <a:t>2019-03-21</a:t>
+              <a:t>2019-03-22</a:t>
             </a:fld>
             <a:endParaRPr lang="ko-KR" altLang="en-US"/>
           </a:p>
@@ -3871,7 +3871,7 @@
             <a:fld id="{A22FE722-38C7-4231-8BB5-7A27D4E5977D}" type="datetimeFigureOut">
               <a:rPr lang="ko-KR" altLang="en-US" smtClean="0"/>
               <a:pPr/>
-              <a:t>2019-03-21</a:t>
+              <a:t>2019-03-22</a:t>
             </a:fld>
             <a:endParaRPr lang="ko-KR" altLang="en-US"/>
           </a:p>
@@ -4036,7 +4036,7 @@
             <a:fld id="{A22FE722-38C7-4231-8BB5-7A27D4E5977D}" type="datetimeFigureOut">
               <a:rPr lang="ko-KR" altLang="en-US" smtClean="0"/>
               <a:pPr/>
-              <a:t>2019-03-21</a:t>
+              <a:t>2019-03-22</a:t>
             </a:fld>
             <a:endParaRPr lang="ko-KR" altLang="en-US"/>
           </a:p>
@@ -4278,7 +4278,7 @@
             <a:fld id="{A22FE722-38C7-4231-8BB5-7A27D4E5977D}" type="datetimeFigureOut">
               <a:rPr lang="ko-KR" altLang="en-US" smtClean="0"/>
               <a:pPr/>
-              <a:t>2019-03-21</a:t>
+              <a:t>2019-03-22</a:t>
             </a:fld>
             <a:endParaRPr lang="ko-KR" altLang="en-US"/>
           </a:p>
@@ -4560,7 +4560,7 @@
             <a:fld id="{A22FE722-38C7-4231-8BB5-7A27D4E5977D}" type="datetimeFigureOut">
               <a:rPr lang="ko-KR" altLang="en-US" smtClean="0"/>
               <a:pPr/>
-              <a:t>2019-03-21</a:t>
+              <a:t>2019-03-22</a:t>
             </a:fld>
             <a:endParaRPr lang="ko-KR" altLang="en-US"/>
           </a:p>
@@ -4976,7 +4976,7 @@
             <a:fld id="{A22FE722-38C7-4231-8BB5-7A27D4E5977D}" type="datetimeFigureOut">
               <a:rPr lang="ko-KR" altLang="en-US" smtClean="0"/>
               <a:pPr/>
-              <a:t>2019-03-21</a:t>
+              <a:t>2019-03-22</a:t>
             </a:fld>
             <a:endParaRPr lang="ko-KR" altLang="en-US"/>
           </a:p>
@@ -5090,7 +5090,7 @@
             <a:fld id="{A22FE722-38C7-4231-8BB5-7A27D4E5977D}" type="datetimeFigureOut">
               <a:rPr lang="ko-KR" altLang="en-US" smtClean="0"/>
               <a:pPr/>
-              <a:t>2019-03-21</a:t>
+              <a:t>2019-03-22</a:t>
             </a:fld>
             <a:endParaRPr lang="ko-KR" altLang="en-US"/>
           </a:p>
@@ -5182,7 +5182,7 @@
             <a:fld id="{A22FE722-38C7-4231-8BB5-7A27D4E5977D}" type="datetimeFigureOut">
               <a:rPr lang="ko-KR" altLang="en-US" smtClean="0"/>
               <a:pPr/>
-              <a:t>2019-03-21</a:t>
+              <a:t>2019-03-22</a:t>
             </a:fld>
             <a:endParaRPr lang="ko-KR" altLang="en-US"/>
           </a:p>
@@ -5454,7 +5454,7 @@
             <a:fld id="{A22FE722-38C7-4231-8BB5-7A27D4E5977D}" type="datetimeFigureOut">
               <a:rPr lang="ko-KR" altLang="en-US" smtClean="0"/>
               <a:pPr/>
-              <a:t>2019-03-21</a:t>
+              <a:t>2019-03-22</a:t>
             </a:fld>
             <a:endParaRPr lang="ko-KR" altLang="en-US"/>
           </a:p>
@@ -5703,7 +5703,7 @@
             <a:fld id="{A22FE722-38C7-4231-8BB5-7A27D4E5977D}" type="datetimeFigureOut">
               <a:rPr lang="ko-KR" altLang="en-US" smtClean="0"/>
               <a:pPr/>
-              <a:t>2019-03-21</a:t>
+              <a:t>2019-03-22</a:t>
             </a:fld>
             <a:endParaRPr lang="ko-KR" altLang="en-US"/>
           </a:p>
@@ -5911,7 +5911,7 @@
             <a:fld id="{A22FE722-38C7-4231-8BB5-7A27D4E5977D}" type="datetimeFigureOut">
               <a:rPr lang="ko-KR" altLang="en-US" smtClean="0"/>
               <a:pPr/>
-              <a:t>2019-03-21</a:t>
+              <a:t>2019-03-22</a:t>
             </a:fld>
             <a:endParaRPr lang="ko-KR" altLang="en-US"/>
           </a:p>
@@ -7611,8 +7611,8 @@
         </p:nvSpPr>
         <p:spPr>
           <a:xfrm>
-            <a:off x="606388" y="1557551"/>
-            <a:ext cx="7859216" cy="4525963"/>
+            <a:off x="267810" y="1408278"/>
+            <a:ext cx="8608380" cy="4525963"/>
           </a:xfrm>
         </p:spPr>
         <p:txBody>
@@ -7656,9 +7656,12 @@
             </a:r>
             <a:r>
               <a:rPr lang="en-US" altLang="ko-KR" dirty="0" err="1"/>
-              <a:t>Tensorflow-gpu</a:t>
-            </a:r>
-            <a:endParaRPr lang="en-US" altLang="ko-KR" dirty="0"/>
+              <a:t>Tensorflow</a:t>
+            </a:r>
+            <a:r>
+              <a:rPr lang="en-US" altLang="ko-KR" dirty="0"/>
+              <a:t> (GPU)</a:t>
+            </a:r>
           </a:p>
           <a:p>
             <a:pPr marL="0" indent="0">
@@ -7675,7 +7678,24 @@
             </a:pPr>
             <a:r>
               <a:rPr lang="en-US" altLang="ko-KR" dirty="0"/>
-              <a:t>Image dataset: Stanford Cars Dataset</a:t>
+              <a:t>Image dataset: Stanford Cars Dataset, </a:t>
+            </a:r>
+          </a:p>
+          <a:p>
+            <a:pPr marL="0" indent="0">
+              <a:buNone/>
+            </a:pPr>
+            <a:r>
+              <a:rPr lang="en-US" altLang="ko-KR" dirty="0"/>
+              <a:t>		      </a:t>
+            </a:r>
+            <a:r>
+              <a:rPr lang="en-US" altLang="ko-KR" dirty="0" err="1"/>
+              <a:t>Selfshot</a:t>
+            </a:r>
+            <a:r>
+              <a:rPr lang="en-US" altLang="ko-KR" dirty="0"/>
+              <a:t> images, UCF-101 Dataset</a:t>
             </a:r>
           </a:p>
         </p:txBody>
@@ -8004,10 +8024,10 @@
       </p:sp>
       <p:pic>
         <p:nvPicPr>
-          <p:cNvPr id="5" name="그림 4">
+          <p:cNvPr id="4" name="그림 3">
             <a:extLst>
               <a:ext uri="{FF2B5EF4-FFF2-40B4-BE49-F238E27FC236}">
-                <a16:creationId xmlns:a16="http://schemas.microsoft.com/office/drawing/2014/main" id="{6C3545ED-C2A5-47F6-988D-B1D1593E7EC2}"/>
+                <a16:creationId xmlns:a16="http://schemas.microsoft.com/office/drawing/2014/main" id="{78A40A87-2970-446E-A0E5-66E82AC51DDE}"/>
               </a:ext>
             </a:extLst>
           </p:cNvPr>
@@ -8024,8 +8044,8 @@
         </p:blipFill>
         <p:spPr>
           <a:xfrm>
-            <a:off x="360087" y="1278542"/>
-            <a:ext cx="8351818" cy="5159986"/>
+            <a:off x="395536" y="1236151"/>
+            <a:ext cx="8280920" cy="5101788"/>
           </a:xfrm>
           <a:prstGeom prst="rect">
             <a:avLst/>
@@ -8799,24 +8819,7 @@
                   </a:outerShdw>
                 </a:effectLst>
               </a:rPr>
-              <a:t>, Geoffrey E. Hinton ImageNet Classification with Deep Convolutional</a:t>
-            </a:r>
-          </a:p>
-          <a:p>
-            <a:pPr marL="0" indent="0">
-              <a:buNone/>
-            </a:pPr>
-            <a:r>
-              <a:rPr lang="en-US" altLang="ko-KR" sz="1400" b="1" dirty="0">
-                <a:effectLst>
-                  <a:outerShdw blurRad="38100" dist="38100" dir="2700000" algn="tl">
-                    <a:srgbClr val="000000">
-                      <a:alpha val="43137"/>
-                    </a:srgbClr>
-                  </a:outerShdw>
-                </a:effectLst>
-              </a:rPr>
-              <a:t>Neural Networks, 2012</a:t>
+              <a:t>, Geoffrey E. Hinton, ImageNet Classification with Deep Convolutional Neural Networks, 2012</a:t>
             </a:r>
           </a:p>
           <a:p>
@@ -9091,6 +9094,191 @@
                 </a:outerShdw>
               </a:effectLst>
             </a:endParaRPr>
+          </a:p>
+          <a:p>
+            <a:pPr marL="0" indent="0">
+              <a:buNone/>
+            </a:pPr>
+            <a:r>
+              <a:rPr lang="en-US" altLang="ko-KR" sz="1400" b="1" dirty="0">
+                <a:effectLst>
+                  <a:outerShdw blurRad="38100" dist="38100" dir="2700000" algn="tl">
+                    <a:srgbClr val="000000">
+                      <a:alpha val="43137"/>
+                    </a:srgbClr>
+                  </a:outerShdw>
+                </a:effectLst>
+              </a:rPr>
+              <a:t>[7]</a:t>
+            </a:r>
+            <a:r>
+              <a:rPr lang="ko-KR" altLang="en-US" sz="1400" b="1" dirty="0">
+                <a:effectLst>
+                  <a:outerShdw blurRad="38100" dist="38100" dir="2700000" algn="tl">
+                    <a:srgbClr val="000000">
+                      <a:alpha val="43137"/>
+                    </a:srgbClr>
+                  </a:outerShdw>
+                </a:effectLst>
+              </a:rPr>
+              <a:t> 김진규</a:t>
+            </a:r>
+            <a:r>
+              <a:rPr lang="en-US" altLang="ko-KR" sz="1400" b="1" dirty="0">
+                <a:effectLst>
+                  <a:outerShdw blurRad="38100" dist="38100" dir="2700000" algn="tl">
+                    <a:srgbClr val="000000">
+                      <a:alpha val="43137"/>
+                    </a:srgbClr>
+                  </a:outerShdw>
+                </a:effectLst>
+              </a:rPr>
+              <a:t>, </a:t>
+            </a:r>
+            <a:r>
+              <a:rPr lang="ko-KR" altLang="en-US" sz="1400" b="1" dirty="0" err="1">
+                <a:effectLst>
+                  <a:outerShdw blurRad="38100" dist="38100" dir="2700000" algn="tl">
+                    <a:srgbClr val="000000">
+                      <a:alpha val="43137"/>
+                    </a:srgbClr>
+                  </a:outerShdw>
+                </a:effectLst>
+              </a:rPr>
+              <a:t>김성관</a:t>
+            </a:r>
+            <a:r>
+              <a:rPr lang="en-US" altLang="ko-KR" sz="1400" b="1" dirty="0">
+                <a:effectLst>
+                  <a:outerShdw blurRad="38100" dist="38100" dir="2700000" algn="tl">
+                    <a:srgbClr val="000000">
+                      <a:alpha val="43137"/>
+                    </a:srgbClr>
+                  </a:outerShdw>
+                </a:effectLst>
+              </a:rPr>
+              <a:t>, </a:t>
+            </a:r>
+            <a:r>
+              <a:rPr lang="ko-KR" altLang="en-US" sz="1400" b="1" dirty="0">
+                <a:effectLst>
+                  <a:outerShdw blurRad="38100" dist="38100" dir="2700000" algn="tl">
+                    <a:srgbClr val="000000">
+                      <a:alpha val="43137"/>
+                    </a:srgbClr>
+                  </a:outerShdw>
+                </a:effectLst>
+              </a:rPr>
+              <a:t>주영훈</a:t>
+            </a:r>
+            <a:r>
+              <a:rPr lang="en-US" altLang="ko-KR" sz="1400" b="1" dirty="0">
+                <a:effectLst>
+                  <a:outerShdw blurRad="38100" dist="38100" dir="2700000" algn="tl">
+                    <a:srgbClr val="000000">
+                      <a:alpha val="43137"/>
+                    </a:srgbClr>
+                  </a:outerShdw>
+                </a:effectLst>
+              </a:rPr>
+              <a:t>, </a:t>
+            </a:r>
+            <a:r>
+              <a:rPr lang="ko-KR" altLang="en-US" sz="1400" b="1" dirty="0" err="1">
+                <a:effectLst>
+                  <a:outerShdw blurRad="38100" dist="38100" dir="2700000" algn="tl">
+                    <a:srgbClr val="000000">
+                      <a:alpha val="43137"/>
+                    </a:srgbClr>
+                  </a:outerShdw>
+                </a:effectLst>
+              </a:rPr>
+              <a:t>박진배</a:t>
+            </a:r>
+            <a:r>
+              <a:rPr lang="en-US" altLang="ko-KR" sz="1400" b="1" dirty="0">
+                <a:effectLst>
+                  <a:outerShdw blurRad="38100" dist="38100" dir="2700000" algn="tl">
+                    <a:srgbClr val="000000">
+                      <a:alpha val="43137"/>
+                    </a:srgbClr>
+                  </a:outerShdw>
+                </a:effectLst>
+              </a:rPr>
+              <a:t>, Kinect sensor</a:t>
+            </a:r>
+            <a:r>
+              <a:rPr lang="ko-KR" altLang="en-US" sz="1400" b="1" dirty="0">
+                <a:effectLst>
+                  <a:outerShdw blurRad="38100" dist="38100" dir="2700000" algn="tl">
+                    <a:srgbClr val="000000">
+                      <a:alpha val="43137"/>
+                    </a:srgbClr>
+                  </a:outerShdw>
+                </a:effectLst>
+              </a:rPr>
+              <a:t>를 이용한 인간의 자세 인식</a:t>
+            </a:r>
+            <a:r>
+              <a:rPr lang="en-US" altLang="ko-KR" sz="1400" b="1" dirty="0">
+                <a:effectLst>
+                  <a:outerShdw blurRad="38100" dist="38100" dir="2700000" algn="tl">
+                    <a:srgbClr val="000000">
+                      <a:alpha val="43137"/>
+                    </a:srgbClr>
+                  </a:outerShdw>
+                </a:effectLst>
+              </a:rPr>
+              <a:t>, </a:t>
+            </a:r>
+            <a:r>
+              <a:rPr lang="ko-KR" altLang="en-US" sz="1400" b="1" dirty="0">
+                <a:effectLst>
+                  <a:outerShdw blurRad="38100" dist="38100" dir="2700000" algn="tl">
+                    <a:srgbClr val="000000">
+                      <a:alpha val="43137"/>
+                    </a:srgbClr>
+                  </a:outerShdw>
+                </a:effectLst>
+              </a:rPr>
+              <a:t>대한전기학회 하계학술대회 논문집</a:t>
+            </a:r>
+            <a:r>
+              <a:rPr lang="en-US" altLang="ko-KR" sz="1400" b="1" dirty="0">
+                <a:effectLst>
+                  <a:outerShdw blurRad="38100" dist="38100" dir="2700000" algn="tl">
+                    <a:srgbClr val="000000">
+                      <a:alpha val="43137"/>
+                    </a:srgbClr>
+                  </a:outerShdw>
+                </a:effectLst>
+              </a:rPr>
+              <a:t>,</a:t>
+            </a:r>
+            <a:r>
+              <a:rPr lang="ko-KR" altLang="en-US" sz="1400" b="1" dirty="0">
+                <a:effectLst>
+                  <a:outerShdw blurRad="38100" dist="38100" dir="2700000" algn="tl">
+                    <a:srgbClr val="000000">
+                      <a:alpha val="43137"/>
+                    </a:srgbClr>
+                  </a:outerShdw>
+                </a:effectLst>
+              </a:rPr>
+              <a:t> </a:t>
+            </a:r>
+            <a:r>
+              <a:rPr lang="en-US" altLang="ko-KR" sz="1400" b="1" dirty="0">
+                <a:effectLst>
+                  <a:outerShdw blurRad="38100" dist="38100" dir="2700000" algn="tl">
+                    <a:srgbClr val="000000">
+                      <a:alpha val="43137"/>
+                    </a:srgbClr>
+                  </a:outerShdw>
+                </a:effectLst>
+              </a:rPr>
+              <a:t>2012. 7</a:t>
+            </a:r>
           </a:p>
         </p:txBody>
       </p:sp>
@@ -9108,7 +9296,7 @@
 </file>
 
 <file path=ppt/slides/slide13.xml><?xml version="1.0" encoding="utf-8"?>
-<p:sld xmlns:a="http://schemas.openxmlformats.org/drawingml/2006/main" xmlns:r="http://schemas.openxmlformats.org/officeDocument/2006/relationships" xmlns:p="http://schemas.openxmlformats.org/presentationml/2006/main">
+<p:sld xmlns:a="http://schemas.openxmlformats.org/drawingml/2006/main" xmlns:r="http://schemas.openxmlformats.org/officeDocument/2006/relationships" xmlns:p="http://schemas.openxmlformats.org/presentationml/2006/main" show="0">
   <p:cSld>
     <p:bg>
       <p:bgPr>
@@ -9294,8 +9482,8 @@
         </p:nvSpPr>
         <p:spPr>
           <a:xfrm>
-            <a:off x="-89587" y="272325"/>
-            <a:ext cx="1463863" cy="523220"/>
+            <a:off x="34427" y="210371"/>
+            <a:ext cx="780983" cy="523220"/>
           </a:xfrm>
           <a:prstGeom prst="rect">
             <a:avLst/>
@@ -9332,7 +9520,7 @@
                 <a:latin typeface="Rix비타민 M" panose="02020603020101020101" pitchFamily="18" charset="-127"/>
                 <a:ea typeface="Rix비타민 M" panose="02020603020101020101" pitchFamily="18" charset="-127"/>
               </a:rPr>
-              <a:t>참고 문헌</a:t>
+              <a:t>출처</a:t>
             </a:r>
             <a:endParaRPr kumimoji="0" lang="ko-KR" altLang="en-US" sz="2800" b="1" i="0" u="none" strike="noStrike" kern="1200" cap="none" spc="-150" normalizeH="0" baseline="0" noProof="0" dirty="0">
               <a:ln>
@@ -10939,7 +11127,7 @@
 </file>
 
 <file path=ppt/slides/slide2.xml><?xml version="1.0" encoding="utf-8"?>
-<p:sld xmlns:a="http://schemas.openxmlformats.org/drawingml/2006/main" xmlns:r="http://schemas.openxmlformats.org/officeDocument/2006/relationships" xmlns:p="http://schemas.openxmlformats.org/presentationml/2006/main">
+<p:sld xmlns:a="http://schemas.openxmlformats.org/drawingml/2006/main" xmlns:r="http://schemas.openxmlformats.org/officeDocument/2006/relationships" xmlns:p="http://schemas.openxmlformats.org/presentationml/2006/main" show="0">
   <p:cSld>
     <p:bg>
       <p:bgPr>
@@ -11636,7 +11824,7 @@
                 <a:latin typeface="HY헤드라인M" pitchFamily="18" charset="-127"/>
                 <a:ea typeface="HY헤드라인M" pitchFamily="18" charset="-127"/>
               </a:rPr>
-              <a:t>기술</a:t>
+              <a:t>개발 환경</a:t>
             </a:r>
             <a:endParaRPr lang="en-US" altLang="ko-KR" sz="3500" dirty="0">
               <a:solidFill>
@@ -11684,7 +11872,7 @@
                 <a:latin typeface="HY헤드라인M" pitchFamily="18" charset="-127"/>
                 <a:ea typeface="HY헤드라인M" pitchFamily="18" charset="-127"/>
               </a:rPr>
-              <a:t>연구동향</a:t>
+              <a:t>연구 일정</a:t>
             </a:r>
             <a:endParaRPr lang="en-US" altLang="ko-KR" sz="3500" dirty="0">
               <a:solidFill>
@@ -13297,14 +13485,20 @@
               <a:defRPr/>
             </a:pPr>
             <a:r>
-              <a:rPr lang="ko-KR" altLang="en-US" sz="2800" b="1" spc="-150" dirty="0">
+              <a:rPr kumimoji="0" lang="ko-KR" altLang="en-US" sz="2800" b="1" i="0" u="none" strike="noStrike" kern="1200" cap="none" spc="-150" normalizeH="0" baseline="0" noProof="0">
+                <a:ln>
+                  <a:noFill/>
+                </a:ln>
                 <a:solidFill>
                   <a:prstClr val="white"/>
                 </a:solidFill>
+                <a:effectLst/>
+                <a:uLnTx/>
+                <a:uFillTx/>
                 <a:latin typeface="Rix비타민 M" panose="02020603020101020101" pitchFamily="18" charset="-127"/>
                 <a:ea typeface="Rix비타민 M" panose="02020603020101020101" pitchFamily="18" charset="-127"/>
               </a:rPr>
-              <a:t>서론</a:t>
+              <a:t>주제</a:t>
             </a:r>
             <a:endParaRPr kumimoji="0" lang="ko-KR" altLang="en-US" sz="2800" b="1" i="0" u="none" strike="noStrike" kern="1200" cap="none" spc="-150" normalizeH="0" baseline="0" noProof="0" dirty="0">
               <a:ln>
@@ -13543,6 +13737,53 @@
           </a:prstGeom>
         </p:spPr>
       </p:pic>
+      <p:sp>
+        <p:nvSpPr>
+          <p:cNvPr id="4" name="TextBox 3">
+            <a:extLst>
+              <a:ext uri="{FF2B5EF4-FFF2-40B4-BE49-F238E27FC236}">
+                <a16:creationId xmlns:a16="http://schemas.microsoft.com/office/drawing/2014/main" id="{CB75629A-8590-46AA-A3D2-8417EB30F7D1}"/>
+              </a:ext>
+            </a:extLst>
+          </p:cNvPr>
+          <p:cNvSpPr txBox="1"/>
+          <p:nvPr/>
+        </p:nvSpPr>
+        <p:spPr>
+          <a:xfrm>
+            <a:off x="0" y="908720"/>
+            <a:ext cx="3347864" cy="369332"/>
+          </a:xfrm>
+          <a:prstGeom prst="rect">
+            <a:avLst/>
+          </a:prstGeom>
+          <a:noFill/>
+        </p:spPr>
+        <p:txBody>
+          <a:bodyPr wrap="square" rtlCol="0">
+            <a:spAutoFit/>
+          </a:bodyPr>
+          <a:lstStyle/>
+          <a:p>
+            <a:r>
+              <a:rPr lang="en-US" altLang="ko-KR" dirty="0"/>
+              <a:t>2018 </a:t>
+            </a:r>
+            <a:r>
+              <a:rPr lang="ko-KR" altLang="en-US" dirty="0"/>
+              <a:t>정보통신종합설계</a:t>
+            </a:r>
+            <a:r>
+              <a:rPr lang="en-US" altLang="ko-KR" dirty="0"/>
+              <a:t>1 </a:t>
+            </a:r>
+            <a:r>
+              <a:rPr lang="ko-KR" altLang="en-US" dirty="0"/>
+              <a:t>작품</a:t>
+            </a:r>
+          </a:p>
+        </p:txBody>
+      </p:sp>
     </p:spTree>
     <p:extLst>
       <p:ext uri="{BB962C8B-B14F-4D97-AF65-F5344CB8AC3E}">
@@ -13947,70 +14188,6 @@
       </p:sp>
       <p:sp>
         <p:nvSpPr>
-          <p:cNvPr id="8" name="직사각형 7"/>
-          <p:cNvSpPr/>
-          <p:nvPr/>
-        </p:nvSpPr>
-        <p:spPr>
-          <a:xfrm>
-            <a:off x="185415" y="251266"/>
-            <a:ext cx="780983" cy="523220"/>
-          </a:xfrm>
-          <a:prstGeom prst="rect">
-            <a:avLst/>
-          </a:prstGeom>
-        </p:spPr>
-        <p:txBody>
-          <a:bodyPr wrap="none">
-            <a:spAutoFit/>
-          </a:bodyPr>
-          <a:lstStyle/>
-          <a:p>
-            <a:pPr marL="0" marR="0" lvl="0" indent="0" algn="ctr" defTabSz="914400" rtl="0" eaLnBrk="1" fontAlgn="auto" latinLnBrk="1" hangingPunct="1">
-              <a:lnSpc>
-                <a:spcPct val="100000"/>
-              </a:lnSpc>
-              <a:spcBef>
-                <a:spcPts val="0"/>
-              </a:spcBef>
-              <a:spcAft>
-                <a:spcPts val="0"/>
-              </a:spcAft>
-              <a:buClrTx/>
-              <a:buSzTx/>
-              <a:buFontTx/>
-              <a:buNone/>
-              <a:tabLst/>
-              <a:defRPr/>
-            </a:pPr>
-            <a:r>
-              <a:rPr lang="ko-KR" altLang="en-US" sz="2800" b="1" spc="-150" dirty="0">
-                <a:solidFill>
-                  <a:prstClr val="white"/>
-                </a:solidFill>
-                <a:latin typeface="Rix비타민 M" panose="02020603020101020101" pitchFamily="18" charset="-127"/>
-                <a:ea typeface="Rix비타민 M" panose="02020603020101020101" pitchFamily="18" charset="-127"/>
-              </a:rPr>
-              <a:t>서론</a:t>
-            </a:r>
-            <a:endParaRPr kumimoji="0" lang="ko-KR" altLang="en-US" sz="2800" b="1" i="0" u="none" strike="noStrike" kern="1200" cap="none" spc="-150" normalizeH="0" baseline="0" noProof="0" dirty="0">
-              <a:ln>
-                <a:noFill/>
-              </a:ln>
-              <a:solidFill>
-                <a:prstClr val="white"/>
-              </a:solidFill>
-              <a:effectLst/>
-              <a:uLnTx/>
-              <a:uFillTx/>
-              <a:latin typeface="Rix비타민 M" panose="02020603020101020101" pitchFamily="18" charset="-127"/>
-              <a:ea typeface="Rix비타민 M" panose="02020603020101020101" pitchFamily="18" charset="-127"/>
-            </a:endParaRPr>
-          </a:p>
-        </p:txBody>
-      </p:sp>
-      <p:sp>
-        <p:nvSpPr>
           <p:cNvPr id="9" name="TextBox 8"/>
           <p:cNvSpPr txBox="1"/>
           <p:nvPr/>
@@ -14159,6 +14336,82 @@
           <a:p>
             <a:pPr algn="ctr"/>
             <a:endParaRPr lang="ko-KR" altLang="en-US"/>
+          </a:p>
+        </p:txBody>
+      </p:sp>
+      <p:sp>
+        <p:nvSpPr>
+          <p:cNvPr id="10" name="직사각형 9">
+            <a:extLst>
+              <a:ext uri="{FF2B5EF4-FFF2-40B4-BE49-F238E27FC236}">
+                <a16:creationId xmlns:a16="http://schemas.microsoft.com/office/drawing/2014/main" id="{C2400842-A088-4C35-A865-ED65CF70A304}"/>
+              </a:ext>
+            </a:extLst>
+          </p:cNvPr>
+          <p:cNvSpPr/>
+          <p:nvPr/>
+        </p:nvSpPr>
+        <p:spPr>
+          <a:xfrm>
+            <a:off x="185415" y="251266"/>
+            <a:ext cx="780983" cy="523220"/>
+          </a:xfrm>
+          <a:prstGeom prst="rect">
+            <a:avLst/>
+          </a:prstGeom>
+        </p:spPr>
+        <p:txBody>
+          <a:bodyPr wrap="none">
+            <a:spAutoFit/>
+          </a:bodyPr>
+          <a:lstStyle/>
+          <a:p>
+            <a:pPr marL="0" marR="0" lvl="0" indent="0" algn="ctr" defTabSz="914400" rtl="0" eaLnBrk="1" fontAlgn="auto" latinLnBrk="1" hangingPunct="1">
+              <a:lnSpc>
+                <a:spcPct val="100000"/>
+              </a:lnSpc>
+              <a:spcBef>
+                <a:spcPts val="0"/>
+              </a:spcBef>
+              <a:spcAft>
+                <a:spcPts val="0"/>
+              </a:spcAft>
+              <a:buClrTx/>
+              <a:buSzTx/>
+              <a:buFontTx/>
+              <a:buNone/>
+              <a:tabLst/>
+              <a:defRPr/>
+            </a:pPr>
+            <a:r>
+              <a:rPr kumimoji="0" lang="ko-KR" altLang="en-US" sz="2800" b="1" i="0" u="none" strike="noStrike" kern="1200" cap="none" spc="-150" normalizeH="0" baseline="0" noProof="0">
+                <a:ln>
+                  <a:noFill/>
+                </a:ln>
+                <a:solidFill>
+                  <a:prstClr val="white"/>
+                </a:solidFill>
+                <a:effectLst/>
+                <a:uLnTx/>
+                <a:uFillTx/>
+                <a:latin typeface="Rix비타민 M" panose="02020603020101020101" pitchFamily="18" charset="-127"/>
+                <a:ea typeface="Rix비타민 M" panose="02020603020101020101" pitchFamily="18" charset="-127"/>
+              </a:rPr>
+              <a:t>주제</a:t>
+            </a:r>
+            <a:endParaRPr kumimoji="0" lang="ko-KR" altLang="en-US" sz="2800" b="1" i="0" u="none" strike="noStrike" kern="1200" cap="none" spc="-150" normalizeH="0" baseline="0" noProof="0" dirty="0">
+              <a:ln>
+                <a:noFill/>
+              </a:ln>
+              <a:solidFill>
+                <a:prstClr val="white"/>
+              </a:solidFill>
+              <a:effectLst/>
+              <a:uLnTx/>
+              <a:uFillTx/>
+              <a:latin typeface="Rix비타민 M" panose="02020603020101020101" pitchFamily="18" charset="-127"/>
+              <a:ea typeface="Rix비타민 M" panose="02020603020101020101" pitchFamily="18" charset="-127"/>
+            </a:endParaRPr>
           </a:p>
         </p:txBody>
       </p:sp>
@@ -14429,63 +14682,6 @@
               <a:ea typeface="맑은 고딕" panose="020B0503020000020004" pitchFamily="50" charset="-127"/>
               <a:cs typeface="+mn-cs"/>
             </a:endParaRPr>
-          </a:p>
-        </p:txBody>
-      </p:sp>
-      <p:sp>
-        <p:nvSpPr>
-          <p:cNvPr id="8" name="직사각형 7"/>
-          <p:cNvSpPr/>
-          <p:nvPr/>
-        </p:nvSpPr>
-        <p:spPr>
-          <a:xfrm>
-            <a:off x="0" y="231994"/>
-            <a:ext cx="780983" cy="523220"/>
-          </a:xfrm>
-          <a:prstGeom prst="rect">
-            <a:avLst/>
-          </a:prstGeom>
-        </p:spPr>
-        <p:txBody>
-          <a:bodyPr wrap="none">
-            <a:spAutoFit/>
-          </a:bodyPr>
-          <a:lstStyle/>
-          <a:p>
-            <a:pPr marL="0" marR="0" lvl="0" indent="0" algn="ctr" defTabSz="914400" rtl="0" eaLnBrk="1" fontAlgn="auto" latinLnBrk="1" hangingPunct="1">
-              <a:lnSpc>
-                <a:spcPct val="100000"/>
-              </a:lnSpc>
-              <a:spcBef>
-                <a:spcPts val="0"/>
-              </a:spcBef>
-              <a:spcAft>
-                <a:spcPts val="0"/>
-              </a:spcAft>
-              <a:buClrTx/>
-              <a:buSzTx/>
-              <a:buFontTx/>
-              <a:buNone/>
-              <a:tabLst/>
-              <a:defRPr/>
-            </a:pPr>
-            <a:r>
-              <a:rPr kumimoji="0" lang="ko-KR" altLang="en-US" sz="2800" b="1" i="0" u="none" strike="noStrike" kern="1200" cap="none" spc="-150" normalizeH="0" baseline="0" noProof="0" dirty="0">
-                <a:ln>
-                  <a:noFill/>
-                </a:ln>
-                <a:solidFill>
-                  <a:prstClr val="white"/>
-                </a:solidFill>
-                <a:effectLst/>
-                <a:uLnTx/>
-                <a:uFillTx/>
-                <a:latin typeface="Rix비타민 M" panose="02020603020101020101" pitchFamily="18" charset="-127"/>
-                <a:ea typeface="Rix비타민 M" panose="02020603020101020101" pitchFamily="18" charset="-127"/>
-              </a:rPr>
-              <a:t>기술</a:t>
-            </a:r>
           </a:p>
         </p:txBody>
       </p:sp>
@@ -15178,6 +15374,82 @@
           </a:p>
         </p:txBody>
       </p:sp>
+      <p:sp>
+        <p:nvSpPr>
+          <p:cNvPr id="18" name="직사각형 17">
+            <a:extLst>
+              <a:ext uri="{FF2B5EF4-FFF2-40B4-BE49-F238E27FC236}">
+                <a16:creationId xmlns:a16="http://schemas.microsoft.com/office/drawing/2014/main" id="{624283E6-A896-4603-BE5A-00633C3001B7}"/>
+              </a:ext>
+            </a:extLst>
+          </p:cNvPr>
+          <p:cNvSpPr/>
+          <p:nvPr/>
+        </p:nvSpPr>
+        <p:spPr>
+          <a:xfrm>
+            <a:off x="185415" y="251266"/>
+            <a:ext cx="780983" cy="523220"/>
+          </a:xfrm>
+          <a:prstGeom prst="rect">
+            <a:avLst/>
+          </a:prstGeom>
+        </p:spPr>
+        <p:txBody>
+          <a:bodyPr wrap="none">
+            <a:spAutoFit/>
+          </a:bodyPr>
+          <a:lstStyle/>
+          <a:p>
+            <a:pPr marL="0" marR="0" lvl="0" indent="0" algn="ctr" defTabSz="914400" rtl="0" eaLnBrk="1" fontAlgn="auto" latinLnBrk="1" hangingPunct="1">
+              <a:lnSpc>
+                <a:spcPct val="100000"/>
+              </a:lnSpc>
+              <a:spcBef>
+                <a:spcPts val="0"/>
+              </a:spcBef>
+              <a:spcAft>
+                <a:spcPts val="0"/>
+              </a:spcAft>
+              <a:buClrTx/>
+              <a:buSzTx/>
+              <a:buFontTx/>
+              <a:buNone/>
+              <a:tabLst/>
+              <a:defRPr/>
+            </a:pPr>
+            <a:r>
+              <a:rPr kumimoji="0" lang="ko-KR" altLang="en-US" sz="2800" b="1" i="0" u="none" strike="noStrike" kern="1200" cap="none" spc="-150" normalizeH="0" baseline="0" noProof="0">
+                <a:ln>
+                  <a:noFill/>
+                </a:ln>
+                <a:solidFill>
+                  <a:prstClr val="white"/>
+                </a:solidFill>
+                <a:effectLst/>
+                <a:uLnTx/>
+                <a:uFillTx/>
+                <a:latin typeface="Rix비타민 M" panose="02020603020101020101" pitchFamily="18" charset="-127"/>
+                <a:ea typeface="Rix비타민 M" panose="02020603020101020101" pitchFamily="18" charset="-127"/>
+              </a:rPr>
+              <a:t>주제</a:t>
+            </a:r>
+            <a:endParaRPr kumimoji="0" lang="ko-KR" altLang="en-US" sz="2800" b="1" i="0" u="none" strike="noStrike" kern="1200" cap="none" spc="-150" normalizeH="0" baseline="0" noProof="0" dirty="0">
+              <a:ln>
+                <a:noFill/>
+              </a:ln>
+              <a:solidFill>
+                <a:prstClr val="white"/>
+              </a:solidFill>
+              <a:effectLst/>
+              <a:uLnTx/>
+              <a:uFillTx/>
+              <a:latin typeface="Rix비타민 M" panose="02020603020101020101" pitchFamily="18" charset="-127"/>
+              <a:ea typeface="Rix비타민 M" panose="02020603020101020101" pitchFamily="18" charset="-127"/>
+            </a:endParaRPr>
+          </a:p>
+        </p:txBody>
+      </p:sp>
     </p:spTree>
     <p:extLst>
       <p:ext uri="{BB962C8B-B14F-4D97-AF65-F5344CB8AC3E}">
@@ -15854,69 +16126,6 @@
                 </a:outerShdw>
               </a:effectLst>
             </a:endParaRPr>
-          </a:p>
-        </p:txBody>
-      </p:sp>
-      <p:sp>
-        <p:nvSpPr>
-          <p:cNvPr id="21" name="직사각형 20">
-            <a:extLst>
-              <a:ext uri="{FF2B5EF4-FFF2-40B4-BE49-F238E27FC236}">
-                <a16:creationId xmlns:a16="http://schemas.microsoft.com/office/drawing/2014/main" id="{03A74A6D-05EC-488E-A494-2E0F59D34233}"/>
-              </a:ext>
-            </a:extLst>
-          </p:cNvPr>
-          <p:cNvSpPr/>
-          <p:nvPr/>
-        </p:nvSpPr>
-        <p:spPr>
-          <a:xfrm>
-            <a:off x="0" y="231994"/>
-            <a:ext cx="780983" cy="523220"/>
-          </a:xfrm>
-          <a:prstGeom prst="rect">
-            <a:avLst/>
-          </a:prstGeom>
-        </p:spPr>
-        <p:txBody>
-          <a:bodyPr wrap="none">
-            <a:spAutoFit/>
-          </a:bodyPr>
-          <a:lstStyle/>
-          <a:p>
-            <a:pPr marL="0" marR="0" lvl="0" indent="0" algn="ctr" defTabSz="914400" rtl="0" eaLnBrk="1" fontAlgn="auto" latinLnBrk="1" hangingPunct="1">
-              <a:lnSpc>
-                <a:spcPct val="100000"/>
-              </a:lnSpc>
-              <a:spcBef>
-                <a:spcPts val="0"/>
-              </a:spcBef>
-              <a:spcAft>
-                <a:spcPts val="0"/>
-              </a:spcAft>
-              <a:buClrTx/>
-              <a:buSzTx/>
-              <a:buFontTx/>
-              <a:buNone/>
-              <a:tabLst/>
-              <a:defRPr/>
-            </a:pPr>
-            <a:r>
-              <a:rPr kumimoji="0" lang="ko-KR" altLang="en-US" sz="2800" b="1" i="0" u="none" strike="noStrike" kern="1200" cap="none" spc="-150" normalizeH="0" baseline="0" noProof="0" dirty="0">
-                <a:ln>
-                  <a:noFill/>
-                </a:ln>
-                <a:solidFill>
-                  <a:prstClr val="white"/>
-                </a:solidFill>
-                <a:effectLst/>
-                <a:uLnTx/>
-                <a:uFillTx/>
-                <a:latin typeface="Rix비타민 M" panose="02020603020101020101" pitchFamily="18" charset="-127"/>
-                <a:ea typeface="Rix비타민 M" panose="02020603020101020101" pitchFamily="18" charset="-127"/>
-              </a:rPr>
-              <a:t>기술</a:t>
-            </a:r>
           </a:p>
         </p:txBody>
       </p:sp>
@@ -16211,7 +16420,7 @@
         </p:nvSpPr>
         <p:spPr>
           <a:xfrm>
-            <a:off x="4152312" y="1529735"/>
+            <a:off x="3087553" y="1492450"/>
             <a:ext cx="1916495" cy="338965"/>
           </a:xfrm>
           <a:prstGeom prst="rect">
@@ -16678,6 +16887,82 @@
               <a:t>각 관절의 벡터정보 제공</a:t>
             </a:r>
             <a:endParaRPr lang="en-US" altLang="ko-KR" sz="1400" b="1" dirty="0"/>
+          </a:p>
+        </p:txBody>
+      </p:sp>
+      <p:sp>
+        <p:nvSpPr>
+          <p:cNvPr id="25" name="직사각형 24">
+            <a:extLst>
+              <a:ext uri="{FF2B5EF4-FFF2-40B4-BE49-F238E27FC236}">
+                <a16:creationId xmlns:a16="http://schemas.microsoft.com/office/drawing/2014/main" id="{E05D6C49-DC4F-43D4-A1D6-4DE3832133B5}"/>
+              </a:ext>
+            </a:extLst>
+          </p:cNvPr>
+          <p:cNvSpPr/>
+          <p:nvPr/>
+        </p:nvSpPr>
+        <p:spPr>
+          <a:xfrm>
+            <a:off x="185415" y="251266"/>
+            <a:ext cx="780983" cy="523220"/>
+          </a:xfrm>
+          <a:prstGeom prst="rect">
+            <a:avLst/>
+          </a:prstGeom>
+        </p:spPr>
+        <p:txBody>
+          <a:bodyPr wrap="none">
+            <a:spAutoFit/>
+          </a:bodyPr>
+          <a:lstStyle/>
+          <a:p>
+            <a:pPr marL="0" marR="0" lvl="0" indent="0" algn="ctr" defTabSz="914400" rtl="0" eaLnBrk="1" fontAlgn="auto" latinLnBrk="1" hangingPunct="1">
+              <a:lnSpc>
+                <a:spcPct val="100000"/>
+              </a:lnSpc>
+              <a:spcBef>
+                <a:spcPts val="0"/>
+              </a:spcBef>
+              <a:spcAft>
+                <a:spcPts val="0"/>
+              </a:spcAft>
+              <a:buClrTx/>
+              <a:buSzTx/>
+              <a:buFontTx/>
+              <a:buNone/>
+              <a:tabLst/>
+              <a:defRPr/>
+            </a:pPr>
+            <a:r>
+              <a:rPr kumimoji="0" lang="ko-KR" altLang="en-US" sz="2800" b="1" i="0" u="none" strike="noStrike" kern="1200" cap="none" spc="-150" normalizeH="0" baseline="0" noProof="0">
+                <a:ln>
+                  <a:noFill/>
+                </a:ln>
+                <a:solidFill>
+                  <a:prstClr val="white"/>
+                </a:solidFill>
+                <a:effectLst/>
+                <a:uLnTx/>
+                <a:uFillTx/>
+                <a:latin typeface="Rix비타민 M" panose="02020603020101020101" pitchFamily="18" charset="-127"/>
+                <a:ea typeface="Rix비타민 M" panose="02020603020101020101" pitchFamily="18" charset="-127"/>
+              </a:rPr>
+              <a:t>주제</a:t>
+            </a:r>
+            <a:endParaRPr kumimoji="0" lang="ko-KR" altLang="en-US" sz="2800" b="1" i="0" u="none" strike="noStrike" kern="1200" cap="none" spc="-150" normalizeH="0" baseline="0" noProof="0" dirty="0">
+              <a:ln>
+                <a:noFill/>
+              </a:ln>
+              <a:solidFill>
+                <a:prstClr val="white"/>
+              </a:solidFill>
+              <a:effectLst/>
+              <a:uLnTx/>
+              <a:uFillTx/>
+              <a:latin typeface="Rix비타민 M" panose="02020603020101020101" pitchFamily="18" charset="-127"/>
+              <a:ea typeface="Rix비타민 M" panose="02020603020101020101" pitchFamily="18" charset="-127"/>
+            </a:endParaRPr>
           </a:p>
         </p:txBody>
       </p:sp>

--- a/Doc/주제 선정 및 시장 조사_19.03.19/졸업논문 주제_임광효_김준영_2.pptx
+++ b/Doc/주제 선정 및 시장 조사_19.03.19/졸업논문 주제_임광효_김준영_2.pptx
@@ -5,43 +5,42 @@
     <p:sldMasterId id="2147483648" r:id="rId1"/>
   </p:sldMasterIdLst>
   <p:notesMasterIdLst>
-    <p:notesMasterId r:id="rId16"/>
+    <p:notesMasterId r:id="rId15"/>
   </p:notesMasterIdLst>
   <p:sldIdLst>
     <p:sldId id="257" r:id="rId2"/>
-    <p:sldId id="327" r:id="rId3"/>
-    <p:sldId id="260" r:id="rId4"/>
-    <p:sldId id="328" r:id="rId5"/>
-    <p:sldId id="329" r:id="rId6"/>
-    <p:sldId id="333" r:id="rId7"/>
-    <p:sldId id="334" r:id="rId8"/>
-    <p:sldId id="321" r:id="rId9"/>
+    <p:sldId id="260" r:id="rId3"/>
+    <p:sldId id="328" r:id="rId4"/>
+    <p:sldId id="329" r:id="rId5"/>
+    <p:sldId id="333" r:id="rId6"/>
+    <p:sldId id="335" r:id="rId7"/>
+    <p:sldId id="321" r:id="rId8"/>
+    <p:sldId id="336" r:id="rId9"/>
     <p:sldId id="326" r:id="rId10"/>
     <p:sldId id="308" r:id="rId11"/>
     <p:sldId id="318" r:id="rId12"/>
     <p:sldId id="331" r:id="rId13"/>
-    <p:sldId id="332" r:id="rId14"/>
-    <p:sldId id="259" r:id="rId15"/>
+    <p:sldId id="259" r:id="rId14"/>
   </p:sldIdLst>
   <p:sldSz cx="9144000" cy="6858000" type="screen4x3"/>
   <p:notesSz cx="6858000" cy="9144000"/>
   <p:embeddedFontLst>
     <p:embeddedFont>
       <p:font typeface="HY헤드라인M" panose="02030600000101010101" pitchFamily="18" charset="-127"/>
+      <p:regular r:id="rId16"/>
+    </p:embeddedFont>
+    <p:embeddedFont>
+      <p:font typeface="Rix비타민 L" panose="02020603020101020101" pitchFamily="18" charset="-127"/>
       <p:regular r:id="rId17"/>
     </p:embeddedFont>
     <p:embeddedFont>
-      <p:font typeface="Rix비타민 L" panose="02020603020101020101" pitchFamily="18" charset="-127"/>
+      <p:font typeface="Rix비타민 M" panose="02020603020101020101" pitchFamily="18" charset="-127"/>
       <p:regular r:id="rId18"/>
     </p:embeddedFont>
     <p:embeddedFont>
-      <p:font typeface="Rix비타민 M" panose="02020603020101020101" pitchFamily="18" charset="-127"/>
+      <p:font typeface="맑은 고딕" panose="020B0503020000020004" pitchFamily="50" charset="-127"/>
       <p:regular r:id="rId19"/>
-    </p:embeddedFont>
-    <p:embeddedFont>
-      <p:font typeface="맑은 고딕" panose="020B0503020000020004" pitchFamily="50" charset="-127"/>
-      <p:regular r:id="rId20"/>
-      <p:bold r:id="rId21"/>
+      <p:bold r:id="rId20"/>
     </p:embeddedFont>
   </p:embeddedFontLst>
   <p:defaultTextStyle>
@@ -253,7 +252,7 @@
             <a:fld id="{65771C21-3757-4199-83DE-22960358A2A5}" type="datetimeFigureOut">
               <a:rPr lang="ko-KR" altLang="en-US" smtClean="0"/>
               <a:pPr/>
-              <a:t>2019-03-22</a:t>
+              <a:t>2019-03-24</a:t>
             </a:fld>
             <a:endParaRPr lang="ko-KR" altLang="en-US"/>
           </a:p>
@@ -1223,180 +1222,10 @@
           <a:bodyPr/>
           <a:lstStyle/>
           <a:p>
-            <a:pPr marL="0" marR="0" lvl="0" indent="0" algn="r" defTabSz="914400" rtl="0" eaLnBrk="1" fontAlgn="auto" latinLnBrk="1" hangingPunct="1">
-              <a:lnSpc>
-                <a:spcPct val="100000"/>
-              </a:lnSpc>
-              <a:spcBef>
-                <a:spcPts val="0"/>
-              </a:spcBef>
-              <a:spcAft>
-                <a:spcPts val="0"/>
-              </a:spcAft>
-              <a:buClrTx/>
-              <a:buSzTx/>
-              <a:buFontTx/>
-              <a:buNone/>
-              <a:tabLst/>
-              <a:defRPr/>
-            </a:pPr>
-            <a:fld id="{04A4E647-5A0F-41E6-A0EF-B58D8C1C6CD4}" type="slidenum">
-              <a:rPr kumimoji="0" lang="ko-KR" altLang="en-US" sz="1200" b="0" i="0" u="none" strike="noStrike" kern="1200" cap="none" spc="0" normalizeH="0" baseline="0" noProof="0" smtClean="0">
-                <a:ln>
-                  <a:noFill/>
-                </a:ln>
-                <a:solidFill>
-                  <a:prstClr val="black"/>
-                </a:solidFill>
-                <a:effectLst/>
-                <a:uLnTx/>
-                <a:uFillTx/>
-                <a:latin typeface="맑은 고딕"/>
-                <a:ea typeface="맑은 고딕" panose="020B0503020000020004" pitchFamily="50" charset="-127"/>
-                <a:cs typeface="+mn-cs"/>
-              </a:rPr>
-              <a:pPr marL="0" marR="0" lvl="0" indent="0" algn="r" defTabSz="914400" rtl="0" eaLnBrk="1" fontAlgn="auto" latinLnBrk="1" hangingPunct="1">
-                <a:lnSpc>
-                  <a:spcPct val="100000"/>
-                </a:lnSpc>
-                <a:spcBef>
-                  <a:spcPts val="0"/>
-                </a:spcBef>
-                <a:spcAft>
-                  <a:spcPts val="0"/>
-                </a:spcAft>
-                <a:buClrTx/>
-                <a:buSzTx/>
-                <a:buFontTx/>
-                <a:buNone/>
-                <a:tabLst/>
-                <a:defRPr/>
-              </a:pPr>
-              <a:t>13</a:t>
-            </a:fld>
-            <a:endParaRPr kumimoji="0" lang="ko-KR" altLang="en-US" sz="1200" b="0" i="0" u="none" strike="noStrike" kern="1200" cap="none" spc="0" normalizeH="0" baseline="0" noProof="0">
-              <a:ln>
-                <a:noFill/>
-              </a:ln>
-              <a:solidFill>
-                <a:prstClr val="black"/>
-              </a:solidFill>
-              <a:effectLst/>
-              <a:uLnTx/>
-              <a:uFillTx/>
-              <a:latin typeface="맑은 고딕"/>
-              <a:ea typeface="맑은 고딕" panose="020B0503020000020004" pitchFamily="50" charset="-127"/>
-              <a:cs typeface="+mn-cs"/>
-            </a:endParaRPr>
-          </a:p>
-        </p:txBody>
-      </p:sp>
-    </p:spTree>
-    <p:extLst>
-      <p:ext uri="{BB962C8B-B14F-4D97-AF65-F5344CB8AC3E}">
-        <p14:creationId xmlns:p14="http://schemas.microsoft.com/office/powerpoint/2010/main" val="2217476204"/>
-      </p:ext>
-    </p:extLst>
-  </p:cSld>
-  <p:clrMapOvr>
-    <a:masterClrMapping/>
-  </p:clrMapOvr>
-</p:notes>
-</file>
-
-<file path=ppt/notesSlides/notesSlide14.xml><?xml version="1.0" encoding="utf-8"?>
-<p:notes xmlns:a="http://schemas.openxmlformats.org/drawingml/2006/main" xmlns:r="http://schemas.openxmlformats.org/officeDocument/2006/relationships" xmlns:p="http://schemas.openxmlformats.org/presentationml/2006/main">
-  <p:cSld>
-    <p:spTree>
-      <p:nvGrpSpPr>
-        <p:cNvPr id="1" name=""/>
-        <p:cNvGrpSpPr/>
-        <p:nvPr/>
-      </p:nvGrpSpPr>
-      <p:grpSpPr>
-        <a:xfrm>
-          <a:off x="0" y="0"/>
-          <a:ext cx="0" cy="0"/>
-          <a:chOff x="0" y="0"/>
-          <a:chExt cx="0" cy="0"/>
-        </a:xfrm>
-      </p:grpSpPr>
-      <p:sp>
-        <p:nvSpPr>
-          <p:cNvPr id="2" name="슬라이드 이미지 개체 틀 1"/>
-          <p:cNvSpPr>
-            <a:spLocks noGrp="1" noRot="1" noChangeAspect="1"/>
-          </p:cNvSpPr>
-          <p:nvPr>
-            <p:ph type="sldImg"/>
-          </p:nvPr>
-        </p:nvSpPr>
-        <p:spPr/>
-      </p:sp>
-      <p:sp>
-        <p:nvSpPr>
-          <p:cNvPr id="3" name="슬라이드 노트 개체 틀 2"/>
-          <p:cNvSpPr>
-            <a:spLocks noGrp="1"/>
-          </p:cNvSpPr>
-          <p:nvPr>
-            <p:ph type="body" idx="1"/>
-          </p:nvPr>
-        </p:nvSpPr>
-        <p:spPr/>
-        <p:txBody>
-          <a:bodyPr>
-            <a:normAutofit/>
-          </a:bodyPr>
-          <a:lstStyle/>
-          <a:p>
-            <a:pPr marL="0" marR="0" indent="0" algn="l" defTabSz="914400" rtl="0" eaLnBrk="1" fontAlgn="auto" latinLnBrk="1" hangingPunct="1">
-              <a:lnSpc>
-                <a:spcPct val="100000"/>
-              </a:lnSpc>
-              <a:spcBef>
-                <a:spcPts val="0"/>
-              </a:spcBef>
-              <a:spcAft>
-                <a:spcPts val="0"/>
-              </a:spcAft>
-              <a:buClrTx/>
-              <a:buSzTx/>
-              <a:buFontTx/>
-              <a:buNone/>
-              <a:tabLst/>
-              <a:defRPr/>
-            </a:pPr>
-            <a:r>
-              <a:rPr lang="en-US" altLang="ko-KR" sz="1200" dirty="0"/>
-              <a:t>http://minheeblog.tistory.com/category/PPT</a:t>
-            </a:r>
-            <a:endParaRPr lang="ko-KR" altLang="en-US" sz="1200" dirty="0"/>
-          </a:p>
-          <a:p>
-            <a:endParaRPr lang="ko-KR" altLang="en-US" dirty="0"/>
-          </a:p>
-        </p:txBody>
-      </p:sp>
-      <p:sp>
-        <p:nvSpPr>
-          <p:cNvPr id="4" name="슬라이드 번호 개체 틀 3"/>
-          <p:cNvSpPr>
-            <a:spLocks noGrp="1"/>
-          </p:cNvSpPr>
-          <p:nvPr>
-            <p:ph type="sldNum" sz="quarter" idx="10"/>
-          </p:nvPr>
-        </p:nvSpPr>
-        <p:spPr/>
-        <p:txBody>
-          <a:bodyPr/>
-          <a:lstStyle/>
-          <a:p>
             <a:fld id="{04A4E647-5A0F-41E6-A0EF-B58D8C1C6CD4}" type="slidenum">
               <a:rPr lang="ko-KR" altLang="en-US" smtClean="0"/>
               <a:pPr/>
-              <a:t>14</a:t>
+              <a:t>13</a:t>
             </a:fld>
             <a:endParaRPr lang="ko-KR" altLang="en-US"/>
           </a:p>
@@ -1509,11 +1338,6 @@
         </p:txBody>
       </p:sp>
     </p:spTree>
-    <p:extLst>
-      <p:ext uri="{BB962C8B-B14F-4D97-AF65-F5344CB8AC3E}">
-        <p14:creationId xmlns:p14="http://schemas.microsoft.com/office/powerpoint/2010/main" val="3506848115"/>
-      </p:ext>
-    </p:extLst>
   </p:cSld>
   <p:clrMapOvr>
     <a:masterClrMapping/>
@@ -1567,7 +1391,635 @@
           </a:bodyPr>
           <a:lstStyle/>
           <a:p>
-            <a:pPr marL="0" marR="0" indent="0" algn="l" defTabSz="914400" rtl="0" eaLnBrk="1" fontAlgn="auto" latinLnBrk="1" hangingPunct="1">
+            <a:pPr fontAlgn="base" latinLnBrk="0"/>
+            <a:r>
+              <a:rPr lang="ko-KR" altLang="en-US" sz="1200" kern="1200" dirty="0">
+                <a:solidFill>
+                  <a:schemeClr val="tx1"/>
+                </a:solidFill>
+                <a:effectLst/>
+                <a:latin typeface="+mn-lt"/>
+                <a:ea typeface="+mn-ea"/>
+                <a:cs typeface="+mn-cs"/>
+              </a:rPr>
+              <a:t>주제입니다</a:t>
+            </a:r>
+            <a:r>
+              <a:rPr lang="en-US" altLang="ko-KR" sz="1200" kern="1200" dirty="0">
+                <a:solidFill>
+                  <a:schemeClr val="tx1"/>
+                </a:solidFill>
+                <a:effectLst/>
+                <a:latin typeface="+mn-lt"/>
+                <a:ea typeface="+mn-ea"/>
+                <a:cs typeface="+mn-cs"/>
+              </a:rPr>
+              <a:t>. </a:t>
+            </a:r>
+            <a:r>
+              <a:rPr lang="ko-KR" altLang="en-US" sz="1200" kern="1200" dirty="0">
+                <a:solidFill>
+                  <a:schemeClr val="tx1"/>
+                </a:solidFill>
+                <a:effectLst/>
+                <a:latin typeface="+mn-lt"/>
+                <a:ea typeface="+mn-ea"/>
+                <a:cs typeface="+mn-cs"/>
+              </a:rPr>
+              <a:t>주제를 선정하기에 앞서 먼저 </a:t>
+            </a:r>
+            <a:r>
+              <a:rPr lang="en-US" altLang="ko-KR" sz="1200" kern="1200" dirty="0">
+                <a:solidFill>
+                  <a:schemeClr val="tx1"/>
+                </a:solidFill>
+                <a:effectLst/>
+                <a:latin typeface="+mn-lt"/>
+                <a:ea typeface="+mn-ea"/>
+                <a:cs typeface="+mn-cs"/>
+              </a:rPr>
+              <a:t>2019</a:t>
+            </a:r>
+            <a:r>
+              <a:rPr lang="ko-KR" altLang="en-US" sz="1200" kern="1200" dirty="0">
+                <a:solidFill>
+                  <a:schemeClr val="tx1"/>
+                </a:solidFill>
+                <a:effectLst/>
+                <a:latin typeface="+mn-lt"/>
+                <a:ea typeface="+mn-ea"/>
+                <a:cs typeface="+mn-cs"/>
+              </a:rPr>
+              <a:t>년에 핵심이라고 생각되는 기술들을 조사하던 중</a:t>
+            </a:r>
+            <a:r>
+              <a:rPr lang="en-US" altLang="ko-KR" sz="1200" kern="1200" dirty="0">
+                <a:solidFill>
+                  <a:schemeClr val="tx1"/>
+                </a:solidFill>
+                <a:effectLst/>
+                <a:latin typeface="+mn-lt"/>
+                <a:ea typeface="+mn-ea"/>
+                <a:cs typeface="+mn-cs"/>
+              </a:rPr>
+              <a:t>, </a:t>
+            </a:r>
+            <a:r>
+              <a:rPr lang="ko-KR" altLang="en-US" sz="1200" kern="1200" dirty="0">
+                <a:solidFill>
+                  <a:schemeClr val="tx1"/>
+                </a:solidFill>
+                <a:effectLst/>
+                <a:latin typeface="+mn-lt"/>
+                <a:ea typeface="+mn-ea"/>
+                <a:cs typeface="+mn-cs"/>
+              </a:rPr>
+              <a:t>포브스에 </a:t>
+            </a:r>
+            <a:r>
+              <a:rPr lang="ko-KR" altLang="en-US" sz="1200" kern="1200" dirty="0" err="1">
+                <a:solidFill>
+                  <a:schemeClr val="tx1"/>
+                </a:solidFill>
+                <a:effectLst/>
+                <a:latin typeface="+mn-lt"/>
+                <a:ea typeface="+mn-ea"/>
+                <a:cs typeface="+mn-cs"/>
+              </a:rPr>
+              <a:t>기고된</a:t>
+            </a:r>
+            <a:r>
+              <a:rPr lang="ko-KR" altLang="en-US" sz="1200" kern="1200" dirty="0">
+                <a:solidFill>
+                  <a:schemeClr val="tx1"/>
+                </a:solidFill>
+                <a:effectLst/>
+                <a:latin typeface="+mn-lt"/>
+                <a:ea typeface="+mn-ea"/>
+                <a:cs typeface="+mn-cs"/>
+              </a:rPr>
+              <a:t> 기사를 보고 </a:t>
+            </a:r>
+            <a:r>
+              <a:rPr lang="ko-KR" altLang="en-US" sz="1200" kern="1200" dirty="0" err="1">
+                <a:solidFill>
+                  <a:schemeClr val="tx1"/>
+                </a:solidFill>
+                <a:effectLst/>
+                <a:latin typeface="+mn-lt"/>
+                <a:ea typeface="+mn-ea"/>
+                <a:cs typeface="+mn-cs"/>
+              </a:rPr>
+              <a:t>머신러닝을</a:t>
+            </a:r>
+            <a:r>
+              <a:rPr lang="ko-KR" altLang="en-US" sz="1200" kern="1200" dirty="0">
+                <a:solidFill>
+                  <a:schemeClr val="tx1"/>
+                </a:solidFill>
+                <a:effectLst/>
+                <a:latin typeface="+mn-lt"/>
+                <a:ea typeface="+mn-ea"/>
+                <a:cs typeface="+mn-cs"/>
+              </a:rPr>
+              <a:t> 통해 데이터를 분석하는 기술에 초점을 맞추었습니다</a:t>
+            </a:r>
+            <a:r>
+              <a:rPr lang="en-US" altLang="ko-KR" sz="1200" kern="1200" dirty="0">
+                <a:solidFill>
+                  <a:schemeClr val="tx1"/>
+                </a:solidFill>
+                <a:effectLst/>
+                <a:latin typeface="+mn-lt"/>
+                <a:ea typeface="+mn-ea"/>
+                <a:cs typeface="+mn-cs"/>
+              </a:rPr>
+              <a:t>. </a:t>
+            </a:r>
+            <a:r>
+              <a:rPr lang="ko-KR" altLang="en-US" sz="1200" kern="1200" dirty="0">
+                <a:solidFill>
+                  <a:schemeClr val="tx1"/>
+                </a:solidFill>
+                <a:effectLst/>
+                <a:latin typeface="+mn-lt"/>
+                <a:ea typeface="+mn-ea"/>
+                <a:cs typeface="+mn-cs"/>
+              </a:rPr>
+              <a:t>그 다음 머신 러닝을 활용하면서 성장하고 있는 분야를 조사한 결과</a:t>
+            </a:r>
+            <a:r>
+              <a:rPr lang="en-US" altLang="ko-KR" sz="1200" kern="1200" dirty="0">
+                <a:solidFill>
+                  <a:schemeClr val="tx1"/>
+                </a:solidFill>
+                <a:effectLst/>
+                <a:latin typeface="+mn-lt"/>
+                <a:ea typeface="+mn-ea"/>
+                <a:cs typeface="+mn-cs"/>
+              </a:rPr>
+              <a:t>, </a:t>
+            </a:r>
+            <a:r>
+              <a:rPr lang="ko-KR" altLang="en-US" sz="1200" kern="1200" dirty="0">
+                <a:solidFill>
+                  <a:schemeClr val="tx1"/>
+                </a:solidFill>
+                <a:effectLst/>
+                <a:latin typeface="+mn-lt"/>
+                <a:ea typeface="+mn-ea"/>
+                <a:cs typeface="+mn-cs"/>
+              </a:rPr>
+              <a:t>영상을 통해 보안을 책임지는 보안 시장에 관심을 두게 되었습니다</a:t>
+            </a:r>
+            <a:r>
+              <a:rPr lang="en-US" altLang="ko-KR" sz="1200" kern="1200" dirty="0">
+                <a:solidFill>
+                  <a:schemeClr val="tx1"/>
+                </a:solidFill>
+                <a:effectLst/>
+                <a:latin typeface="+mn-lt"/>
+                <a:ea typeface="+mn-ea"/>
+                <a:cs typeface="+mn-cs"/>
+              </a:rPr>
+              <a:t>. &lt;</a:t>
+            </a:r>
+            <a:r>
+              <a:rPr lang="ko-KR" altLang="en-US" sz="1200" kern="1200" dirty="0">
+                <a:solidFill>
+                  <a:schemeClr val="tx1"/>
+                </a:solidFill>
+                <a:effectLst/>
+                <a:latin typeface="+mn-lt"/>
+                <a:ea typeface="+mn-ea"/>
+                <a:cs typeface="+mn-cs"/>
+              </a:rPr>
+              <a:t>보안뉴스</a:t>
+            </a:r>
+            <a:r>
+              <a:rPr lang="en-US" altLang="ko-KR" sz="1200" kern="1200" dirty="0">
+                <a:solidFill>
+                  <a:schemeClr val="tx1"/>
+                </a:solidFill>
+                <a:effectLst/>
+                <a:latin typeface="+mn-lt"/>
+                <a:ea typeface="+mn-ea"/>
+                <a:cs typeface="+mn-cs"/>
+              </a:rPr>
+              <a:t>&gt;</a:t>
+            </a:r>
+            <a:r>
+              <a:rPr lang="ko-KR" altLang="en-US" sz="1200" kern="1200" dirty="0">
+                <a:solidFill>
+                  <a:schemeClr val="tx1"/>
+                </a:solidFill>
+                <a:effectLst/>
+                <a:latin typeface="+mn-lt"/>
+                <a:ea typeface="+mn-ea"/>
+                <a:cs typeface="+mn-cs"/>
+              </a:rPr>
+              <a:t>와 </a:t>
+            </a:r>
+            <a:r>
+              <a:rPr lang="en-US" altLang="ko-KR" sz="1200" kern="1200" dirty="0">
+                <a:solidFill>
+                  <a:schemeClr val="tx1"/>
+                </a:solidFill>
+                <a:effectLst/>
+                <a:latin typeface="+mn-lt"/>
+                <a:ea typeface="+mn-ea"/>
+                <a:cs typeface="+mn-cs"/>
+              </a:rPr>
+              <a:t>&lt;</a:t>
+            </a:r>
+            <a:r>
+              <a:rPr lang="ko-KR" altLang="en-US" sz="1200" kern="1200" dirty="0" err="1">
+                <a:solidFill>
+                  <a:schemeClr val="tx1"/>
+                </a:solidFill>
+                <a:effectLst/>
+                <a:latin typeface="+mn-lt"/>
+                <a:ea typeface="+mn-ea"/>
+                <a:cs typeface="+mn-cs"/>
+              </a:rPr>
+              <a:t>시큐리티월드</a:t>
+            </a:r>
+            <a:r>
+              <a:rPr lang="en-US" altLang="ko-KR" sz="1200" kern="1200" dirty="0">
+                <a:solidFill>
+                  <a:schemeClr val="tx1"/>
+                </a:solidFill>
+                <a:effectLst/>
+                <a:latin typeface="+mn-lt"/>
+                <a:ea typeface="+mn-ea"/>
+                <a:cs typeface="+mn-cs"/>
+              </a:rPr>
+              <a:t>&gt;</a:t>
+            </a:r>
+            <a:r>
+              <a:rPr lang="ko-KR" altLang="en-US" sz="1200" kern="1200" dirty="0">
+                <a:solidFill>
+                  <a:schemeClr val="tx1"/>
+                </a:solidFill>
+                <a:effectLst/>
+                <a:latin typeface="+mn-lt"/>
+                <a:ea typeface="+mn-ea"/>
+                <a:cs typeface="+mn-cs"/>
+              </a:rPr>
+              <a:t>에서 조사한 </a:t>
+            </a:r>
+            <a:r>
+              <a:rPr lang="en-US" altLang="ko-KR" sz="1200" kern="1200" dirty="0">
+                <a:solidFill>
+                  <a:schemeClr val="tx1"/>
+                </a:solidFill>
+                <a:effectLst/>
+                <a:latin typeface="+mn-lt"/>
+                <a:ea typeface="+mn-ea"/>
+                <a:cs typeface="+mn-cs"/>
+              </a:rPr>
+              <a:t>&lt;2019 </a:t>
+            </a:r>
+            <a:r>
+              <a:rPr lang="ko-KR" altLang="en-US" sz="1200" kern="1200" dirty="0">
+                <a:solidFill>
+                  <a:schemeClr val="tx1"/>
+                </a:solidFill>
+                <a:effectLst/>
+                <a:latin typeface="+mn-lt"/>
+                <a:ea typeface="+mn-ea"/>
+                <a:cs typeface="+mn-cs"/>
+              </a:rPr>
+              <a:t>국내외 보안시장 전망보고서</a:t>
+            </a:r>
+            <a:r>
+              <a:rPr lang="en-US" altLang="ko-KR" sz="1200" kern="1200" dirty="0">
+                <a:solidFill>
+                  <a:schemeClr val="tx1"/>
+                </a:solidFill>
+                <a:effectLst/>
+                <a:latin typeface="+mn-lt"/>
+                <a:ea typeface="+mn-ea"/>
+                <a:cs typeface="+mn-cs"/>
+              </a:rPr>
+              <a:t>&gt;</a:t>
+            </a:r>
+            <a:r>
+              <a:rPr lang="ko-KR" altLang="en-US" sz="1200" kern="1200" dirty="0">
+                <a:solidFill>
+                  <a:schemeClr val="tx1"/>
+                </a:solidFill>
+                <a:effectLst/>
+                <a:latin typeface="+mn-lt"/>
+                <a:ea typeface="+mn-ea"/>
+                <a:cs typeface="+mn-cs"/>
+              </a:rPr>
+              <a:t>에 따르면 국내 보안 시장은 </a:t>
+            </a:r>
+            <a:r>
+              <a:rPr lang="en-US" altLang="ko-KR" sz="1200" kern="1200" dirty="0">
+                <a:solidFill>
+                  <a:schemeClr val="tx1"/>
+                </a:solidFill>
+                <a:effectLst/>
+                <a:latin typeface="+mn-lt"/>
+                <a:ea typeface="+mn-ea"/>
+                <a:cs typeface="+mn-cs"/>
+              </a:rPr>
+              <a:t>5</a:t>
+            </a:r>
+            <a:r>
+              <a:rPr lang="ko-KR" altLang="en-US" sz="1200" kern="1200" dirty="0">
+                <a:solidFill>
+                  <a:schemeClr val="tx1"/>
+                </a:solidFill>
+                <a:effectLst/>
+                <a:latin typeface="+mn-lt"/>
+                <a:ea typeface="+mn-ea"/>
+                <a:cs typeface="+mn-cs"/>
+              </a:rPr>
+              <a:t>조 </a:t>
+            </a:r>
+            <a:r>
+              <a:rPr lang="en-US" altLang="ko-KR" sz="1200" kern="1200" dirty="0">
+                <a:solidFill>
+                  <a:schemeClr val="tx1"/>
+                </a:solidFill>
+                <a:effectLst/>
+                <a:latin typeface="+mn-lt"/>
+                <a:ea typeface="+mn-ea"/>
+                <a:cs typeface="+mn-cs"/>
+              </a:rPr>
+              <a:t>7,517</a:t>
+            </a:r>
+            <a:r>
+              <a:rPr lang="ko-KR" altLang="en-US" sz="1200" kern="1200" dirty="0">
+                <a:solidFill>
+                  <a:schemeClr val="tx1"/>
+                </a:solidFill>
+                <a:effectLst/>
+                <a:latin typeface="+mn-lt"/>
+                <a:ea typeface="+mn-ea"/>
+                <a:cs typeface="+mn-cs"/>
+              </a:rPr>
+              <a:t>억 규모로 타 </a:t>
+            </a:r>
+            <a:r>
+              <a:rPr lang="ko-KR" altLang="en-US" sz="1200" kern="1200" dirty="0" err="1">
+                <a:solidFill>
+                  <a:schemeClr val="tx1"/>
+                </a:solidFill>
+                <a:effectLst/>
+                <a:latin typeface="+mn-lt"/>
+                <a:ea typeface="+mn-ea"/>
+                <a:cs typeface="+mn-cs"/>
+              </a:rPr>
+              <a:t>산업군</a:t>
+            </a:r>
+            <a:r>
+              <a:rPr lang="ko-KR" altLang="en-US" sz="1200" kern="1200" dirty="0">
+                <a:solidFill>
+                  <a:schemeClr val="tx1"/>
+                </a:solidFill>
+                <a:effectLst/>
+                <a:latin typeface="+mn-lt"/>
+                <a:ea typeface="+mn-ea"/>
+                <a:cs typeface="+mn-cs"/>
+              </a:rPr>
+              <a:t> 대비 고성장세를 </a:t>
+            </a:r>
+            <a:r>
+              <a:rPr lang="ko-KR" altLang="en-US" sz="1200" kern="1200" dirty="0" err="1">
+                <a:solidFill>
+                  <a:schemeClr val="tx1"/>
+                </a:solidFill>
+                <a:effectLst/>
+                <a:latin typeface="+mn-lt"/>
+                <a:ea typeface="+mn-ea"/>
+                <a:cs typeface="+mn-cs"/>
+              </a:rPr>
+              <a:t>유지할것이라</a:t>
+            </a:r>
+            <a:r>
+              <a:rPr lang="ko-KR" altLang="en-US" sz="1200" kern="1200" dirty="0">
+                <a:solidFill>
+                  <a:schemeClr val="tx1"/>
+                </a:solidFill>
+                <a:effectLst/>
+                <a:latin typeface="+mn-lt"/>
+                <a:ea typeface="+mn-ea"/>
+                <a:cs typeface="+mn-cs"/>
+              </a:rPr>
+              <a:t> 예측했으며</a:t>
+            </a:r>
+            <a:r>
+              <a:rPr lang="en-US" altLang="ko-KR" sz="1200" kern="1200" dirty="0">
+                <a:solidFill>
+                  <a:schemeClr val="tx1"/>
+                </a:solidFill>
+                <a:effectLst/>
+                <a:latin typeface="+mn-lt"/>
+                <a:ea typeface="+mn-ea"/>
+                <a:cs typeface="+mn-cs"/>
+              </a:rPr>
+              <a:t>, </a:t>
+            </a:r>
+            <a:r>
+              <a:rPr lang="ko-KR" altLang="en-US" sz="1200" kern="1200" dirty="0">
+                <a:solidFill>
+                  <a:schemeClr val="tx1"/>
+                </a:solidFill>
+                <a:effectLst/>
+                <a:latin typeface="+mn-lt"/>
+                <a:ea typeface="+mn-ea"/>
+                <a:cs typeface="+mn-cs"/>
+              </a:rPr>
+              <a:t>한국인터넷진흥원은 최근 이달 </a:t>
+            </a:r>
+            <a:r>
+              <a:rPr lang="en-US" altLang="ko-KR" sz="1200" kern="1200" dirty="0">
+                <a:solidFill>
+                  <a:schemeClr val="tx1"/>
+                </a:solidFill>
+                <a:effectLst/>
+                <a:latin typeface="+mn-lt"/>
+                <a:ea typeface="+mn-ea"/>
+                <a:cs typeface="+mn-cs"/>
+              </a:rPr>
+              <a:t>14</a:t>
+            </a:r>
+            <a:r>
+              <a:rPr lang="ko-KR" altLang="en-US" sz="1200" kern="1200" dirty="0">
+                <a:solidFill>
+                  <a:schemeClr val="tx1"/>
+                </a:solidFill>
+                <a:effectLst/>
+                <a:latin typeface="+mn-lt"/>
+                <a:ea typeface="+mn-ea"/>
+                <a:cs typeface="+mn-cs"/>
+              </a:rPr>
+              <a:t>일까지 사회</a:t>
+            </a:r>
+            <a:r>
+              <a:rPr lang="en-US" altLang="ko-KR" sz="1200" kern="1200" dirty="0">
+                <a:solidFill>
+                  <a:schemeClr val="tx1"/>
+                </a:solidFill>
+                <a:effectLst/>
+                <a:latin typeface="+mn-lt"/>
+                <a:ea typeface="+mn-ea"/>
+                <a:cs typeface="+mn-cs"/>
+              </a:rPr>
+              <a:t>·</a:t>
+            </a:r>
+            <a:r>
+              <a:rPr lang="ko-KR" altLang="en-US" sz="1200" kern="1200" dirty="0">
+                <a:solidFill>
+                  <a:schemeClr val="tx1"/>
+                </a:solidFill>
+                <a:effectLst/>
+                <a:latin typeface="+mn-lt"/>
+                <a:ea typeface="+mn-ea"/>
+                <a:cs typeface="+mn-cs"/>
+              </a:rPr>
+              <a:t>안전 분야 지능형 </a:t>
+            </a:r>
+            <a:r>
+              <a:rPr lang="en-US" altLang="ko-KR" sz="1200" kern="1200" dirty="0">
+                <a:solidFill>
+                  <a:schemeClr val="tx1"/>
+                </a:solidFill>
+                <a:effectLst/>
+                <a:latin typeface="+mn-lt"/>
+                <a:ea typeface="+mn-ea"/>
+                <a:cs typeface="+mn-cs"/>
+              </a:rPr>
+              <a:t>CCTV </a:t>
+            </a:r>
+            <a:r>
+              <a:rPr lang="ko-KR" altLang="en-US" sz="1200" kern="1200" dirty="0">
+                <a:solidFill>
+                  <a:schemeClr val="tx1"/>
+                </a:solidFill>
+                <a:effectLst/>
+                <a:latin typeface="+mn-lt"/>
+                <a:ea typeface="+mn-ea"/>
+                <a:cs typeface="+mn-cs"/>
+              </a:rPr>
+              <a:t>성공사례 발굴 및 국내 관련 산업 활성화를 위한 </a:t>
+            </a:r>
+            <a:r>
+              <a:rPr lang="en-US" altLang="ko-KR" sz="1200" kern="1200" dirty="0">
+                <a:solidFill>
+                  <a:schemeClr val="tx1"/>
+                </a:solidFill>
+                <a:effectLst/>
+                <a:latin typeface="+mn-lt"/>
+                <a:ea typeface="+mn-ea"/>
+                <a:cs typeface="+mn-cs"/>
+              </a:rPr>
+              <a:t>'</a:t>
+            </a:r>
+            <a:r>
+              <a:rPr lang="ko-KR" altLang="en-US" sz="1200" kern="1200" dirty="0">
+                <a:solidFill>
+                  <a:schemeClr val="tx1"/>
+                </a:solidFill>
+                <a:effectLst/>
+                <a:latin typeface="+mn-lt"/>
+                <a:ea typeface="+mn-ea"/>
+                <a:cs typeface="+mn-cs"/>
+              </a:rPr>
+              <a:t>지능형 </a:t>
+            </a:r>
+            <a:r>
+              <a:rPr lang="en-US" altLang="ko-KR" sz="1200" kern="1200" dirty="0">
+                <a:solidFill>
+                  <a:schemeClr val="tx1"/>
+                </a:solidFill>
+                <a:effectLst/>
+                <a:latin typeface="+mn-lt"/>
+                <a:ea typeface="+mn-ea"/>
+                <a:cs typeface="+mn-cs"/>
+              </a:rPr>
+              <a:t>CCTV </a:t>
+            </a:r>
+            <a:r>
+              <a:rPr lang="ko-KR" altLang="en-US" sz="1200" kern="1200" dirty="0">
+                <a:solidFill>
+                  <a:schemeClr val="tx1"/>
+                </a:solidFill>
+                <a:effectLst/>
+                <a:latin typeface="+mn-lt"/>
+                <a:ea typeface="+mn-ea"/>
+                <a:cs typeface="+mn-cs"/>
+              </a:rPr>
+              <a:t>시범사업</a:t>
+            </a:r>
+            <a:r>
+              <a:rPr lang="en-US" altLang="ko-KR" sz="1200" kern="1200" dirty="0">
+                <a:solidFill>
+                  <a:schemeClr val="tx1"/>
+                </a:solidFill>
+                <a:effectLst/>
+                <a:latin typeface="+mn-lt"/>
+                <a:ea typeface="+mn-ea"/>
+                <a:cs typeface="+mn-cs"/>
+              </a:rPr>
+              <a:t>' </a:t>
+            </a:r>
+            <a:r>
+              <a:rPr lang="ko-KR" altLang="en-US" sz="1200" kern="1200" dirty="0">
+                <a:solidFill>
+                  <a:schemeClr val="tx1"/>
+                </a:solidFill>
+                <a:effectLst/>
+                <a:latin typeface="+mn-lt"/>
+                <a:ea typeface="+mn-ea"/>
+                <a:cs typeface="+mn-cs"/>
+              </a:rPr>
+              <a:t>공모를 추진하였습니다</a:t>
+            </a:r>
+            <a:r>
+              <a:rPr lang="en-US" altLang="ko-KR" sz="1200" kern="1200" dirty="0">
+                <a:solidFill>
+                  <a:schemeClr val="tx1"/>
+                </a:solidFill>
+                <a:effectLst/>
+                <a:latin typeface="+mn-lt"/>
+                <a:ea typeface="+mn-ea"/>
+                <a:cs typeface="+mn-cs"/>
+              </a:rPr>
+              <a:t>.</a:t>
+            </a:r>
+            <a:endParaRPr lang="ko-KR" altLang="en-US" sz="1200" kern="1200" dirty="0">
+              <a:solidFill>
+                <a:schemeClr val="tx1"/>
+              </a:solidFill>
+              <a:effectLst/>
+              <a:latin typeface="+mn-lt"/>
+              <a:ea typeface="+mn-ea"/>
+              <a:cs typeface="+mn-cs"/>
+            </a:endParaRPr>
+          </a:p>
+        </p:txBody>
+      </p:sp>
+      <p:sp>
+        <p:nvSpPr>
+          <p:cNvPr id="4" name="슬라이드 번호 개체 틀 3"/>
+          <p:cNvSpPr>
+            <a:spLocks noGrp="1"/>
+          </p:cNvSpPr>
+          <p:nvPr>
+            <p:ph type="sldNum" sz="quarter" idx="10"/>
+          </p:nvPr>
+        </p:nvSpPr>
+        <p:spPr/>
+        <p:txBody>
+          <a:bodyPr/>
+          <a:lstStyle/>
+          <a:p>
+            <a:pPr marL="0" marR="0" lvl="0" indent="0" algn="r" defTabSz="914400" rtl="0" eaLnBrk="1" fontAlgn="auto" latinLnBrk="1" hangingPunct="1">
               <a:lnSpc>
                 <a:spcPct val="100000"/>
               </a:lnSpc>
@@ -1584,42 +2036,63 @@
               <a:tabLst/>
               <a:defRPr/>
             </a:pPr>
-            <a:r>
-              <a:rPr lang="en-US" altLang="ko-KR" sz="1200" dirty="0"/>
-              <a:t>http://minheeblog.tistory.com/category/PPT</a:t>
-            </a:r>
-            <a:endParaRPr lang="ko-KR" altLang="en-US" sz="1200" dirty="0"/>
-          </a:p>
-          <a:p>
-            <a:endParaRPr lang="ko-KR" altLang="en-US" dirty="0"/>
-          </a:p>
-        </p:txBody>
-      </p:sp>
-      <p:sp>
-        <p:nvSpPr>
-          <p:cNvPr id="4" name="슬라이드 번호 개체 틀 3"/>
-          <p:cNvSpPr>
-            <a:spLocks noGrp="1"/>
-          </p:cNvSpPr>
-          <p:nvPr>
-            <p:ph type="sldNum" sz="quarter" idx="10"/>
-          </p:nvPr>
-        </p:nvSpPr>
-        <p:spPr/>
-        <p:txBody>
-          <a:bodyPr/>
-          <a:lstStyle/>
-          <a:p>
             <a:fld id="{04A4E647-5A0F-41E6-A0EF-B58D8C1C6CD4}" type="slidenum">
-              <a:rPr lang="ko-KR" altLang="en-US" smtClean="0"/>
-              <a:pPr/>
+              <a:rPr kumimoji="0" lang="ko-KR" altLang="en-US" sz="1200" b="0" i="0" u="none" strike="noStrike" kern="1200" cap="none" spc="0" normalizeH="0" baseline="0" noProof="0" smtClean="0">
+                <a:ln>
+                  <a:noFill/>
+                </a:ln>
+                <a:solidFill>
+                  <a:prstClr val="black"/>
+                </a:solidFill>
+                <a:effectLst/>
+                <a:uLnTx/>
+                <a:uFillTx/>
+                <a:latin typeface="맑은 고딕"/>
+                <a:ea typeface="맑은 고딕" panose="020B0503020000020004" pitchFamily="50" charset="-127"/>
+                <a:cs typeface="+mn-cs"/>
+              </a:rPr>
+              <a:pPr marL="0" marR="0" lvl="0" indent="0" algn="r" defTabSz="914400" rtl="0" eaLnBrk="1" fontAlgn="auto" latinLnBrk="1" hangingPunct="1">
+                <a:lnSpc>
+                  <a:spcPct val="100000"/>
+                </a:lnSpc>
+                <a:spcBef>
+                  <a:spcPts val="0"/>
+                </a:spcBef>
+                <a:spcAft>
+                  <a:spcPts val="0"/>
+                </a:spcAft>
+                <a:buClrTx/>
+                <a:buSzTx/>
+                <a:buFontTx/>
+                <a:buNone/>
+                <a:tabLst/>
+                <a:defRPr/>
+              </a:pPr>
               <a:t>3</a:t>
             </a:fld>
-            <a:endParaRPr lang="ko-KR" altLang="en-US"/>
+            <a:endParaRPr kumimoji="0" lang="ko-KR" altLang="en-US" sz="1200" b="0" i="0" u="none" strike="noStrike" kern="1200" cap="none" spc="0" normalizeH="0" baseline="0" noProof="0">
+              <a:ln>
+                <a:noFill/>
+              </a:ln>
+              <a:solidFill>
+                <a:prstClr val="black"/>
+              </a:solidFill>
+              <a:effectLst/>
+              <a:uLnTx/>
+              <a:uFillTx/>
+              <a:latin typeface="맑은 고딕"/>
+              <a:ea typeface="맑은 고딕" panose="020B0503020000020004" pitchFamily="50" charset="-127"/>
+              <a:cs typeface="+mn-cs"/>
+            </a:endParaRPr>
           </a:p>
         </p:txBody>
       </p:sp>
     </p:spTree>
+    <p:extLst>
+      <p:ext uri="{BB962C8B-B14F-4D97-AF65-F5344CB8AC3E}">
+        <p14:creationId xmlns:p14="http://schemas.microsoft.com/office/powerpoint/2010/main" val="4158115772"/>
+      </p:ext>
+    </p:extLst>
   </p:cSld>
   <p:clrMapOvr>
     <a:masterClrMapping/>
@@ -1684,7 +2157,7 @@
                 <a:ea typeface="+mn-ea"/>
                 <a:cs typeface="+mn-cs"/>
               </a:rPr>
-              <a:t>주제입니다</a:t>
+              <a:t>시중에 나와있는 지능형 </a:t>
             </a:r>
             <a:r>
               <a:rPr lang="en-US" altLang="ko-KR" sz="1200" kern="1200" dirty="0">
@@ -1696,7 +2169,7 @@
                 <a:ea typeface="+mn-ea"/>
                 <a:cs typeface="+mn-cs"/>
               </a:rPr>
-              <a:t>. </a:t>
+              <a:t>CCTV</a:t>
             </a:r>
             <a:r>
               <a:rPr lang="ko-KR" altLang="en-US" sz="1200" kern="1200" dirty="0">
@@ -1708,559 +2181,7 @@
                 <a:ea typeface="+mn-ea"/>
                 <a:cs typeface="+mn-cs"/>
               </a:rPr>
-              <a:t>주제를 선정하기에 앞서 먼저 </a:t>
-            </a:r>
-            <a:r>
-              <a:rPr lang="en-US" altLang="ko-KR" sz="1200" kern="1200" dirty="0">
-                <a:solidFill>
-                  <a:schemeClr val="tx1"/>
-                </a:solidFill>
-                <a:effectLst/>
-                <a:latin typeface="+mn-lt"/>
-                <a:ea typeface="+mn-ea"/>
-                <a:cs typeface="+mn-cs"/>
-              </a:rPr>
-              <a:t>2019</a:t>
-            </a:r>
-            <a:r>
-              <a:rPr lang="ko-KR" altLang="en-US" sz="1200" kern="1200" dirty="0">
-                <a:solidFill>
-                  <a:schemeClr val="tx1"/>
-                </a:solidFill>
-                <a:effectLst/>
-                <a:latin typeface="+mn-lt"/>
-                <a:ea typeface="+mn-ea"/>
-                <a:cs typeface="+mn-cs"/>
-              </a:rPr>
-              <a:t>년에 핵심이라고 생각되는 기술들을 조사하던 중</a:t>
-            </a:r>
-            <a:r>
-              <a:rPr lang="en-US" altLang="ko-KR" sz="1200" kern="1200" dirty="0">
-                <a:solidFill>
-                  <a:schemeClr val="tx1"/>
-                </a:solidFill>
-                <a:effectLst/>
-                <a:latin typeface="+mn-lt"/>
-                <a:ea typeface="+mn-ea"/>
-                <a:cs typeface="+mn-cs"/>
-              </a:rPr>
-              <a:t>, </a:t>
-            </a:r>
-            <a:r>
-              <a:rPr lang="ko-KR" altLang="en-US" sz="1200" kern="1200" dirty="0">
-                <a:solidFill>
-                  <a:schemeClr val="tx1"/>
-                </a:solidFill>
-                <a:effectLst/>
-                <a:latin typeface="+mn-lt"/>
-                <a:ea typeface="+mn-ea"/>
-                <a:cs typeface="+mn-cs"/>
-              </a:rPr>
-              <a:t>포브스에 </a:t>
-            </a:r>
-            <a:r>
-              <a:rPr lang="ko-KR" altLang="en-US" sz="1200" kern="1200" dirty="0" err="1">
-                <a:solidFill>
-                  <a:schemeClr val="tx1"/>
-                </a:solidFill>
-                <a:effectLst/>
-                <a:latin typeface="+mn-lt"/>
-                <a:ea typeface="+mn-ea"/>
-                <a:cs typeface="+mn-cs"/>
-              </a:rPr>
-              <a:t>기고된</a:t>
-            </a:r>
-            <a:r>
-              <a:rPr lang="ko-KR" altLang="en-US" sz="1200" kern="1200" dirty="0">
-                <a:solidFill>
-                  <a:schemeClr val="tx1"/>
-                </a:solidFill>
-                <a:effectLst/>
-                <a:latin typeface="+mn-lt"/>
-                <a:ea typeface="+mn-ea"/>
-                <a:cs typeface="+mn-cs"/>
-              </a:rPr>
-              <a:t> 기사를 보고 </a:t>
-            </a:r>
-            <a:r>
-              <a:rPr lang="ko-KR" altLang="en-US" sz="1200" kern="1200" dirty="0" err="1">
-                <a:solidFill>
-                  <a:schemeClr val="tx1"/>
-                </a:solidFill>
-                <a:effectLst/>
-                <a:latin typeface="+mn-lt"/>
-                <a:ea typeface="+mn-ea"/>
-                <a:cs typeface="+mn-cs"/>
-              </a:rPr>
-              <a:t>머신러닝을</a:t>
-            </a:r>
-            <a:r>
-              <a:rPr lang="ko-KR" altLang="en-US" sz="1200" kern="1200" dirty="0">
-                <a:solidFill>
-                  <a:schemeClr val="tx1"/>
-                </a:solidFill>
-                <a:effectLst/>
-                <a:latin typeface="+mn-lt"/>
-                <a:ea typeface="+mn-ea"/>
-                <a:cs typeface="+mn-cs"/>
-              </a:rPr>
-              <a:t> 통해 데이터를 분석하는 기술에 초점을 맞추었습니다</a:t>
-            </a:r>
-            <a:r>
-              <a:rPr lang="en-US" altLang="ko-KR" sz="1200" kern="1200" dirty="0">
-                <a:solidFill>
-                  <a:schemeClr val="tx1"/>
-                </a:solidFill>
-                <a:effectLst/>
-                <a:latin typeface="+mn-lt"/>
-                <a:ea typeface="+mn-ea"/>
-                <a:cs typeface="+mn-cs"/>
-              </a:rPr>
-              <a:t>. </a:t>
-            </a:r>
-            <a:r>
-              <a:rPr lang="ko-KR" altLang="en-US" sz="1200" kern="1200" dirty="0">
-                <a:solidFill>
-                  <a:schemeClr val="tx1"/>
-                </a:solidFill>
-                <a:effectLst/>
-                <a:latin typeface="+mn-lt"/>
-                <a:ea typeface="+mn-ea"/>
-                <a:cs typeface="+mn-cs"/>
-              </a:rPr>
-              <a:t>그 다음 머신 러닝을 활용하면서 성장하고 있는 분야를 조사한 결과</a:t>
-            </a:r>
-            <a:r>
-              <a:rPr lang="en-US" altLang="ko-KR" sz="1200" kern="1200" dirty="0">
-                <a:solidFill>
-                  <a:schemeClr val="tx1"/>
-                </a:solidFill>
-                <a:effectLst/>
-                <a:latin typeface="+mn-lt"/>
-                <a:ea typeface="+mn-ea"/>
-                <a:cs typeface="+mn-cs"/>
-              </a:rPr>
-              <a:t>, </a:t>
-            </a:r>
-            <a:r>
-              <a:rPr lang="ko-KR" altLang="en-US" sz="1200" kern="1200" dirty="0">
-                <a:solidFill>
-                  <a:schemeClr val="tx1"/>
-                </a:solidFill>
-                <a:effectLst/>
-                <a:latin typeface="+mn-lt"/>
-                <a:ea typeface="+mn-ea"/>
-                <a:cs typeface="+mn-cs"/>
-              </a:rPr>
-              <a:t>영상을 통해 보안을 책임지는 보안 시장에 관심을 두게 되었습니다</a:t>
-            </a:r>
-            <a:r>
-              <a:rPr lang="en-US" altLang="ko-KR" sz="1200" kern="1200" dirty="0">
-                <a:solidFill>
-                  <a:schemeClr val="tx1"/>
-                </a:solidFill>
-                <a:effectLst/>
-                <a:latin typeface="+mn-lt"/>
-                <a:ea typeface="+mn-ea"/>
-                <a:cs typeface="+mn-cs"/>
-              </a:rPr>
-              <a:t>. &lt;</a:t>
-            </a:r>
-            <a:r>
-              <a:rPr lang="ko-KR" altLang="en-US" sz="1200" kern="1200" dirty="0">
-                <a:solidFill>
-                  <a:schemeClr val="tx1"/>
-                </a:solidFill>
-                <a:effectLst/>
-                <a:latin typeface="+mn-lt"/>
-                <a:ea typeface="+mn-ea"/>
-                <a:cs typeface="+mn-cs"/>
-              </a:rPr>
-              <a:t>보안뉴스</a:t>
-            </a:r>
-            <a:r>
-              <a:rPr lang="en-US" altLang="ko-KR" sz="1200" kern="1200" dirty="0">
-                <a:solidFill>
-                  <a:schemeClr val="tx1"/>
-                </a:solidFill>
-                <a:effectLst/>
-                <a:latin typeface="+mn-lt"/>
-                <a:ea typeface="+mn-ea"/>
-                <a:cs typeface="+mn-cs"/>
-              </a:rPr>
-              <a:t>&gt;</a:t>
-            </a:r>
-            <a:r>
-              <a:rPr lang="ko-KR" altLang="en-US" sz="1200" kern="1200" dirty="0">
-                <a:solidFill>
-                  <a:schemeClr val="tx1"/>
-                </a:solidFill>
-                <a:effectLst/>
-                <a:latin typeface="+mn-lt"/>
-                <a:ea typeface="+mn-ea"/>
-                <a:cs typeface="+mn-cs"/>
-              </a:rPr>
-              <a:t>와 </a:t>
-            </a:r>
-            <a:r>
-              <a:rPr lang="en-US" altLang="ko-KR" sz="1200" kern="1200" dirty="0">
-                <a:solidFill>
-                  <a:schemeClr val="tx1"/>
-                </a:solidFill>
-                <a:effectLst/>
-                <a:latin typeface="+mn-lt"/>
-                <a:ea typeface="+mn-ea"/>
-                <a:cs typeface="+mn-cs"/>
-              </a:rPr>
-              <a:t>&lt;</a:t>
-            </a:r>
-            <a:r>
-              <a:rPr lang="ko-KR" altLang="en-US" sz="1200" kern="1200" dirty="0" err="1">
-                <a:solidFill>
-                  <a:schemeClr val="tx1"/>
-                </a:solidFill>
-                <a:effectLst/>
-                <a:latin typeface="+mn-lt"/>
-                <a:ea typeface="+mn-ea"/>
-                <a:cs typeface="+mn-cs"/>
-              </a:rPr>
-              <a:t>시큐리티월드</a:t>
-            </a:r>
-            <a:r>
-              <a:rPr lang="en-US" altLang="ko-KR" sz="1200" kern="1200" dirty="0">
-                <a:solidFill>
-                  <a:schemeClr val="tx1"/>
-                </a:solidFill>
-                <a:effectLst/>
-                <a:latin typeface="+mn-lt"/>
-                <a:ea typeface="+mn-ea"/>
-                <a:cs typeface="+mn-cs"/>
-              </a:rPr>
-              <a:t>&gt;</a:t>
-            </a:r>
-            <a:r>
-              <a:rPr lang="ko-KR" altLang="en-US" sz="1200" kern="1200" dirty="0">
-                <a:solidFill>
-                  <a:schemeClr val="tx1"/>
-                </a:solidFill>
-                <a:effectLst/>
-                <a:latin typeface="+mn-lt"/>
-                <a:ea typeface="+mn-ea"/>
-                <a:cs typeface="+mn-cs"/>
-              </a:rPr>
-              <a:t>에서 조사한 </a:t>
-            </a:r>
-            <a:r>
-              <a:rPr lang="en-US" altLang="ko-KR" sz="1200" kern="1200" dirty="0">
-                <a:solidFill>
-                  <a:schemeClr val="tx1"/>
-                </a:solidFill>
-                <a:effectLst/>
-                <a:latin typeface="+mn-lt"/>
-                <a:ea typeface="+mn-ea"/>
-                <a:cs typeface="+mn-cs"/>
-              </a:rPr>
-              <a:t>&lt;2019 </a:t>
-            </a:r>
-            <a:r>
-              <a:rPr lang="ko-KR" altLang="en-US" sz="1200" kern="1200" dirty="0">
-                <a:solidFill>
-                  <a:schemeClr val="tx1"/>
-                </a:solidFill>
-                <a:effectLst/>
-                <a:latin typeface="+mn-lt"/>
-                <a:ea typeface="+mn-ea"/>
-                <a:cs typeface="+mn-cs"/>
-              </a:rPr>
-              <a:t>국내외 보안시장 전망보고서</a:t>
-            </a:r>
-            <a:r>
-              <a:rPr lang="en-US" altLang="ko-KR" sz="1200" kern="1200" dirty="0">
-                <a:solidFill>
-                  <a:schemeClr val="tx1"/>
-                </a:solidFill>
-                <a:effectLst/>
-                <a:latin typeface="+mn-lt"/>
-                <a:ea typeface="+mn-ea"/>
-                <a:cs typeface="+mn-cs"/>
-              </a:rPr>
-              <a:t>&gt;</a:t>
-            </a:r>
-            <a:r>
-              <a:rPr lang="ko-KR" altLang="en-US" sz="1200" kern="1200" dirty="0">
-                <a:solidFill>
-                  <a:schemeClr val="tx1"/>
-                </a:solidFill>
-                <a:effectLst/>
-                <a:latin typeface="+mn-lt"/>
-                <a:ea typeface="+mn-ea"/>
-                <a:cs typeface="+mn-cs"/>
-              </a:rPr>
-              <a:t>에 따르면 국내 보안 시장은 </a:t>
-            </a:r>
-            <a:r>
-              <a:rPr lang="en-US" altLang="ko-KR" sz="1200" kern="1200" dirty="0">
-                <a:solidFill>
-                  <a:schemeClr val="tx1"/>
-                </a:solidFill>
-                <a:effectLst/>
-                <a:latin typeface="+mn-lt"/>
-                <a:ea typeface="+mn-ea"/>
-                <a:cs typeface="+mn-cs"/>
-              </a:rPr>
-              <a:t>5</a:t>
-            </a:r>
-            <a:r>
-              <a:rPr lang="ko-KR" altLang="en-US" sz="1200" kern="1200" dirty="0">
-                <a:solidFill>
-                  <a:schemeClr val="tx1"/>
-                </a:solidFill>
-                <a:effectLst/>
-                <a:latin typeface="+mn-lt"/>
-                <a:ea typeface="+mn-ea"/>
-                <a:cs typeface="+mn-cs"/>
-              </a:rPr>
-              <a:t>조 </a:t>
-            </a:r>
-            <a:r>
-              <a:rPr lang="en-US" altLang="ko-KR" sz="1200" kern="1200" dirty="0">
-                <a:solidFill>
-                  <a:schemeClr val="tx1"/>
-                </a:solidFill>
-                <a:effectLst/>
-                <a:latin typeface="+mn-lt"/>
-                <a:ea typeface="+mn-ea"/>
-                <a:cs typeface="+mn-cs"/>
-              </a:rPr>
-              <a:t>7,517</a:t>
-            </a:r>
-            <a:r>
-              <a:rPr lang="ko-KR" altLang="en-US" sz="1200" kern="1200" dirty="0">
-                <a:solidFill>
-                  <a:schemeClr val="tx1"/>
-                </a:solidFill>
-                <a:effectLst/>
-                <a:latin typeface="+mn-lt"/>
-                <a:ea typeface="+mn-ea"/>
-                <a:cs typeface="+mn-cs"/>
-              </a:rPr>
-              <a:t>억 규모로 타 </a:t>
-            </a:r>
-            <a:r>
-              <a:rPr lang="ko-KR" altLang="en-US" sz="1200" kern="1200" dirty="0" err="1">
-                <a:solidFill>
-                  <a:schemeClr val="tx1"/>
-                </a:solidFill>
-                <a:effectLst/>
-                <a:latin typeface="+mn-lt"/>
-                <a:ea typeface="+mn-ea"/>
-                <a:cs typeface="+mn-cs"/>
-              </a:rPr>
-              <a:t>산업군</a:t>
-            </a:r>
-            <a:r>
-              <a:rPr lang="ko-KR" altLang="en-US" sz="1200" kern="1200" dirty="0">
-                <a:solidFill>
-                  <a:schemeClr val="tx1"/>
-                </a:solidFill>
-                <a:effectLst/>
-                <a:latin typeface="+mn-lt"/>
-                <a:ea typeface="+mn-ea"/>
-                <a:cs typeface="+mn-cs"/>
-              </a:rPr>
-              <a:t> 대비 고성장세를 </a:t>
-            </a:r>
-            <a:r>
-              <a:rPr lang="ko-KR" altLang="en-US" sz="1200" kern="1200" dirty="0" err="1">
-                <a:solidFill>
-                  <a:schemeClr val="tx1"/>
-                </a:solidFill>
-                <a:effectLst/>
-                <a:latin typeface="+mn-lt"/>
-                <a:ea typeface="+mn-ea"/>
-                <a:cs typeface="+mn-cs"/>
-              </a:rPr>
-              <a:t>유지할것이라</a:t>
-            </a:r>
-            <a:r>
-              <a:rPr lang="ko-KR" altLang="en-US" sz="1200" kern="1200" dirty="0">
-                <a:solidFill>
-                  <a:schemeClr val="tx1"/>
-                </a:solidFill>
-                <a:effectLst/>
-                <a:latin typeface="+mn-lt"/>
-                <a:ea typeface="+mn-ea"/>
-                <a:cs typeface="+mn-cs"/>
-              </a:rPr>
-              <a:t> 예측했으며</a:t>
-            </a:r>
-            <a:r>
-              <a:rPr lang="en-US" altLang="ko-KR" sz="1200" kern="1200" dirty="0">
-                <a:solidFill>
-                  <a:schemeClr val="tx1"/>
-                </a:solidFill>
-                <a:effectLst/>
-                <a:latin typeface="+mn-lt"/>
-                <a:ea typeface="+mn-ea"/>
-                <a:cs typeface="+mn-cs"/>
-              </a:rPr>
-              <a:t>, </a:t>
-            </a:r>
-            <a:r>
-              <a:rPr lang="ko-KR" altLang="en-US" sz="1200" kern="1200" dirty="0">
-                <a:solidFill>
-                  <a:schemeClr val="tx1"/>
-                </a:solidFill>
-                <a:effectLst/>
-                <a:latin typeface="+mn-lt"/>
-                <a:ea typeface="+mn-ea"/>
-                <a:cs typeface="+mn-cs"/>
-              </a:rPr>
-              <a:t>한국인터넷진흥원은 최근 이달 </a:t>
-            </a:r>
-            <a:r>
-              <a:rPr lang="en-US" altLang="ko-KR" sz="1200" kern="1200" dirty="0">
-                <a:solidFill>
-                  <a:schemeClr val="tx1"/>
-                </a:solidFill>
-                <a:effectLst/>
-                <a:latin typeface="+mn-lt"/>
-                <a:ea typeface="+mn-ea"/>
-                <a:cs typeface="+mn-cs"/>
-              </a:rPr>
-              <a:t>14</a:t>
-            </a:r>
-            <a:r>
-              <a:rPr lang="ko-KR" altLang="en-US" sz="1200" kern="1200" dirty="0">
-                <a:solidFill>
-                  <a:schemeClr val="tx1"/>
-                </a:solidFill>
-                <a:effectLst/>
-                <a:latin typeface="+mn-lt"/>
-                <a:ea typeface="+mn-ea"/>
-                <a:cs typeface="+mn-cs"/>
-              </a:rPr>
-              <a:t>일까지 사회</a:t>
-            </a:r>
-            <a:r>
-              <a:rPr lang="en-US" altLang="ko-KR" sz="1200" kern="1200" dirty="0">
-                <a:solidFill>
-                  <a:schemeClr val="tx1"/>
-                </a:solidFill>
-                <a:effectLst/>
-                <a:latin typeface="+mn-lt"/>
-                <a:ea typeface="+mn-ea"/>
-                <a:cs typeface="+mn-cs"/>
-              </a:rPr>
-              <a:t>·</a:t>
-            </a:r>
-            <a:r>
-              <a:rPr lang="ko-KR" altLang="en-US" sz="1200" kern="1200" dirty="0">
-                <a:solidFill>
-                  <a:schemeClr val="tx1"/>
-                </a:solidFill>
-                <a:effectLst/>
-                <a:latin typeface="+mn-lt"/>
-                <a:ea typeface="+mn-ea"/>
-                <a:cs typeface="+mn-cs"/>
-              </a:rPr>
-              <a:t>안전 분야 지능형 </a:t>
-            </a:r>
-            <a:r>
-              <a:rPr lang="en-US" altLang="ko-KR" sz="1200" kern="1200" dirty="0">
-                <a:solidFill>
-                  <a:schemeClr val="tx1"/>
-                </a:solidFill>
-                <a:effectLst/>
-                <a:latin typeface="+mn-lt"/>
-                <a:ea typeface="+mn-ea"/>
-                <a:cs typeface="+mn-cs"/>
-              </a:rPr>
-              <a:t>CCTV </a:t>
-            </a:r>
-            <a:r>
-              <a:rPr lang="ko-KR" altLang="en-US" sz="1200" kern="1200" dirty="0">
-                <a:solidFill>
-                  <a:schemeClr val="tx1"/>
-                </a:solidFill>
-                <a:effectLst/>
-                <a:latin typeface="+mn-lt"/>
-                <a:ea typeface="+mn-ea"/>
-                <a:cs typeface="+mn-cs"/>
-              </a:rPr>
-              <a:t>성공사례 발굴 및 국내 관련 산업 활성화를 위한 </a:t>
-            </a:r>
-            <a:r>
-              <a:rPr lang="en-US" altLang="ko-KR" sz="1200" kern="1200" dirty="0">
-                <a:solidFill>
-                  <a:schemeClr val="tx1"/>
-                </a:solidFill>
-                <a:effectLst/>
-                <a:latin typeface="+mn-lt"/>
-                <a:ea typeface="+mn-ea"/>
-                <a:cs typeface="+mn-cs"/>
-              </a:rPr>
-              <a:t>'</a:t>
-            </a:r>
-            <a:r>
-              <a:rPr lang="ko-KR" altLang="en-US" sz="1200" kern="1200" dirty="0">
-                <a:solidFill>
-                  <a:schemeClr val="tx1"/>
-                </a:solidFill>
-                <a:effectLst/>
-                <a:latin typeface="+mn-lt"/>
-                <a:ea typeface="+mn-ea"/>
-                <a:cs typeface="+mn-cs"/>
-              </a:rPr>
-              <a:t>지능형 </a:t>
-            </a:r>
-            <a:r>
-              <a:rPr lang="en-US" altLang="ko-KR" sz="1200" kern="1200" dirty="0">
-                <a:solidFill>
-                  <a:schemeClr val="tx1"/>
-                </a:solidFill>
-                <a:effectLst/>
-                <a:latin typeface="+mn-lt"/>
-                <a:ea typeface="+mn-ea"/>
-                <a:cs typeface="+mn-cs"/>
-              </a:rPr>
-              <a:t>CCTV </a:t>
-            </a:r>
-            <a:r>
-              <a:rPr lang="ko-KR" altLang="en-US" sz="1200" kern="1200" dirty="0">
-                <a:solidFill>
-                  <a:schemeClr val="tx1"/>
-                </a:solidFill>
-                <a:effectLst/>
-                <a:latin typeface="+mn-lt"/>
-                <a:ea typeface="+mn-ea"/>
-                <a:cs typeface="+mn-cs"/>
-              </a:rPr>
-              <a:t>시범사업</a:t>
-            </a:r>
-            <a:r>
-              <a:rPr lang="en-US" altLang="ko-KR" sz="1200" kern="1200" dirty="0">
-                <a:solidFill>
-                  <a:schemeClr val="tx1"/>
-                </a:solidFill>
-                <a:effectLst/>
-                <a:latin typeface="+mn-lt"/>
-                <a:ea typeface="+mn-ea"/>
-                <a:cs typeface="+mn-cs"/>
-              </a:rPr>
-              <a:t>' </a:t>
-            </a:r>
-            <a:r>
-              <a:rPr lang="ko-KR" altLang="en-US" sz="1200" kern="1200" dirty="0">
-                <a:solidFill>
-                  <a:schemeClr val="tx1"/>
-                </a:solidFill>
-                <a:effectLst/>
-                <a:latin typeface="+mn-lt"/>
-                <a:ea typeface="+mn-ea"/>
-                <a:cs typeface="+mn-cs"/>
-              </a:rPr>
-              <a:t>공모를 추진하였습니다</a:t>
+              <a:t>의 제품들입니다</a:t>
             </a:r>
             <a:r>
               <a:rPr lang="en-US" altLang="ko-KR" sz="1200" kern="1200" dirty="0">
@@ -2372,7 +2293,7 @@
     </p:spTree>
     <p:extLst>
       <p:ext uri="{BB962C8B-B14F-4D97-AF65-F5344CB8AC3E}">
-        <p14:creationId xmlns:p14="http://schemas.microsoft.com/office/powerpoint/2010/main" val="4158115772"/>
+        <p14:creationId xmlns:p14="http://schemas.microsoft.com/office/powerpoint/2010/main" val="3251179499"/>
       </p:ext>
     </p:extLst>
   </p:cSld>
@@ -2575,7 +2496,7 @@
     </p:spTree>
     <p:extLst>
       <p:ext uri="{BB962C8B-B14F-4D97-AF65-F5344CB8AC3E}">
-        <p14:creationId xmlns:p14="http://schemas.microsoft.com/office/powerpoint/2010/main" val="3251179499"/>
+        <p14:creationId xmlns:p14="http://schemas.microsoft.com/office/powerpoint/2010/main" val="2015862258"/>
       </p:ext>
     </p:extLst>
   </p:cSld>
@@ -2778,7 +2699,7 @@
     </p:spTree>
     <p:extLst>
       <p:ext uri="{BB962C8B-B14F-4D97-AF65-F5344CB8AC3E}">
-        <p14:creationId xmlns:p14="http://schemas.microsoft.com/office/powerpoint/2010/main" val="2015862258"/>
+        <p14:creationId xmlns:p14="http://schemas.microsoft.com/office/powerpoint/2010/main" val="3645415963"/>
       </p:ext>
     </p:extLst>
   </p:cSld>
@@ -2834,64 +2755,31 @@
           </a:bodyPr>
           <a:lstStyle/>
           <a:p>
-            <a:pPr fontAlgn="base" latinLnBrk="0"/>
-            <a:r>
-              <a:rPr lang="ko-KR" altLang="en-US" sz="1200" kern="1200" dirty="0">
-                <a:solidFill>
-                  <a:schemeClr val="tx1"/>
-                </a:solidFill>
-                <a:effectLst/>
-                <a:latin typeface="+mn-lt"/>
-                <a:ea typeface="+mn-ea"/>
-                <a:cs typeface="+mn-cs"/>
-              </a:rPr>
-              <a:t>시중에 나와있는 지능형 </a:t>
-            </a:r>
-            <a:r>
-              <a:rPr lang="en-US" altLang="ko-KR" sz="1200" kern="1200" dirty="0">
-                <a:solidFill>
-                  <a:schemeClr val="tx1"/>
-                </a:solidFill>
-                <a:effectLst/>
-                <a:latin typeface="+mn-lt"/>
-                <a:ea typeface="+mn-ea"/>
-                <a:cs typeface="+mn-cs"/>
-              </a:rPr>
-              <a:t>CCTV</a:t>
-            </a:r>
-            <a:r>
-              <a:rPr lang="ko-KR" altLang="en-US" sz="1200" kern="1200" dirty="0">
-                <a:solidFill>
-                  <a:schemeClr val="tx1"/>
-                </a:solidFill>
-                <a:effectLst/>
-                <a:latin typeface="+mn-lt"/>
-                <a:ea typeface="+mn-ea"/>
-                <a:cs typeface="+mn-cs"/>
-              </a:rPr>
-              <a:t>의 제품들입니다</a:t>
-            </a:r>
-            <a:r>
-              <a:rPr lang="en-US" altLang="ko-KR" sz="1200" kern="1200" dirty="0">
-                <a:solidFill>
-                  <a:schemeClr val="tx1"/>
-                </a:solidFill>
-                <a:effectLst/>
-                <a:latin typeface="+mn-lt"/>
-                <a:ea typeface="+mn-ea"/>
-                <a:cs typeface="+mn-cs"/>
-              </a:rPr>
-              <a:t>.</a:t>
-            </a:r>
-            <a:endParaRPr lang="ko-KR" altLang="en-US" sz="1200" kern="1200" dirty="0">
-              <a:solidFill>
-                <a:schemeClr val="tx1"/>
-              </a:solidFill>
-              <a:effectLst/>
-              <a:latin typeface="+mn-lt"/>
-              <a:ea typeface="+mn-ea"/>
-              <a:cs typeface="+mn-cs"/>
-            </a:endParaRPr>
+            <a:pPr marL="0" marR="0" indent="0" algn="l" defTabSz="914400" rtl="0" eaLnBrk="1" fontAlgn="auto" latinLnBrk="1" hangingPunct="1">
+              <a:lnSpc>
+                <a:spcPct val="100000"/>
+              </a:lnSpc>
+              <a:spcBef>
+                <a:spcPts val="0"/>
+              </a:spcBef>
+              <a:spcAft>
+                <a:spcPts val="0"/>
+              </a:spcAft>
+              <a:buClrTx/>
+              <a:buSzTx/>
+              <a:buFontTx/>
+              <a:buNone/>
+              <a:tabLst/>
+              <a:defRPr/>
+            </a:pPr>
+            <a:r>
+              <a:rPr lang="en-US" altLang="ko-KR" sz="1200" dirty="0"/>
+              <a:t>http://minheeblog.tistory.com/category/PPT</a:t>
+            </a:r>
+            <a:endParaRPr lang="ko-KR" altLang="en-US" sz="1200" dirty="0"/>
+          </a:p>
+          <a:p>
+            <a:endParaRPr lang="ko-KR" altLang="en-US" dirty="0"/>
           </a:p>
         </p:txBody>
       </p:sp>
@@ -2981,7 +2869,7 @@
     </p:spTree>
     <p:extLst>
       <p:ext uri="{BB962C8B-B14F-4D97-AF65-F5344CB8AC3E}">
-        <p14:creationId xmlns:p14="http://schemas.microsoft.com/office/powerpoint/2010/main" val="393147777"/>
+        <p14:creationId xmlns:p14="http://schemas.microsoft.com/office/powerpoint/2010/main" val="1677019523"/>
       </p:ext>
     </p:extLst>
   </p:cSld>
@@ -3151,7 +3039,7 @@
     </p:spTree>
     <p:extLst>
       <p:ext uri="{BB962C8B-B14F-4D97-AF65-F5344CB8AC3E}">
-        <p14:creationId xmlns:p14="http://schemas.microsoft.com/office/powerpoint/2010/main" val="1677019523"/>
+        <p14:creationId xmlns:p14="http://schemas.microsoft.com/office/powerpoint/2010/main" val="153969069"/>
       </p:ext>
     </p:extLst>
   </p:cSld>
@@ -3531,7 +3419,7 @@
             <a:fld id="{A22FE722-38C7-4231-8BB5-7A27D4E5977D}" type="datetimeFigureOut">
               <a:rPr lang="ko-KR" altLang="en-US" smtClean="0"/>
               <a:pPr/>
-              <a:t>2019-03-22</a:t>
+              <a:t>2019-03-24</a:t>
             </a:fld>
             <a:endParaRPr lang="ko-KR" altLang="en-US"/>
           </a:p>
@@ -3696,7 +3584,7 @@
             <a:fld id="{A22FE722-38C7-4231-8BB5-7A27D4E5977D}" type="datetimeFigureOut">
               <a:rPr lang="ko-KR" altLang="en-US" smtClean="0"/>
               <a:pPr/>
-              <a:t>2019-03-22</a:t>
+              <a:t>2019-03-24</a:t>
             </a:fld>
             <a:endParaRPr lang="ko-KR" altLang="en-US"/>
           </a:p>
@@ -3871,7 +3759,7 @@
             <a:fld id="{A22FE722-38C7-4231-8BB5-7A27D4E5977D}" type="datetimeFigureOut">
               <a:rPr lang="ko-KR" altLang="en-US" smtClean="0"/>
               <a:pPr/>
-              <a:t>2019-03-22</a:t>
+              <a:t>2019-03-24</a:t>
             </a:fld>
             <a:endParaRPr lang="ko-KR" altLang="en-US"/>
           </a:p>
@@ -4036,7 +3924,7 @@
             <a:fld id="{A22FE722-38C7-4231-8BB5-7A27D4E5977D}" type="datetimeFigureOut">
               <a:rPr lang="ko-KR" altLang="en-US" smtClean="0"/>
               <a:pPr/>
-              <a:t>2019-03-22</a:t>
+              <a:t>2019-03-24</a:t>
             </a:fld>
             <a:endParaRPr lang="ko-KR" altLang="en-US"/>
           </a:p>
@@ -4278,7 +4166,7 @@
             <a:fld id="{A22FE722-38C7-4231-8BB5-7A27D4E5977D}" type="datetimeFigureOut">
               <a:rPr lang="ko-KR" altLang="en-US" smtClean="0"/>
               <a:pPr/>
-              <a:t>2019-03-22</a:t>
+              <a:t>2019-03-24</a:t>
             </a:fld>
             <a:endParaRPr lang="ko-KR" altLang="en-US"/>
           </a:p>
@@ -4560,7 +4448,7 @@
             <a:fld id="{A22FE722-38C7-4231-8BB5-7A27D4E5977D}" type="datetimeFigureOut">
               <a:rPr lang="ko-KR" altLang="en-US" smtClean="0"/>
               <a:pPr/>
-              <a:t>2019-03-22</a:t>
+              <a:t>2019-03-24</a:t>
             </a:fld>
             <a:endParaRPr lang="ko-KR" altLang="en-US"/>
           </a:p>
@@ -4976,7 +4864,7 @@
             <a:fld id="{A22FE722-38C7-4231-8BB5-7A27D4E5977D}" type="datetimeFigureOut">
               <a:rPr lang="ko-KR" altLang="en-US" smtClean="0"/>
               <a:pPr/>
-              <a:t>2019-03-22</a:t>
+              <a:t>2019-03-24</a:t>
             </a:fld>
             <a:endParaRPr lang="ko-KR" altLang="en-US"/>
           </a:p>
@@ -5090,7 +4978,7 @@
             <a:fld id="{A22FE722-38C7-4231-8BB5-7A27D4E5977D}" type="datetimeFigureOut">
               <a:rPr lang="ko-KR" altLang="en-US" smtClean="0"/>
               <a:pPr/>
-              <a:t>2019-03-22</a:t>
+              <a:t>2019-03-24</a:t>
             </a:fld>
             <a:endParaRPr lang="ko-KR" altLang="en-US"/>
           </a:p>
@@ -5182,7 +5070,7 @@
             <a:fld id="{A22FE722-38C7-4231-8BB5-7A27D4E5977D}" type="datetimeFigureOut">
               <a:rPr lang="ko-KR" altLang="en-US" smtClean="0"/>
               <a:pPr/>
-              <a:t>2019-03-22</a:t>
+              <a:t>2019-03-24</a:t>
             </a:fld>
             <a:endParaRPr lang="ko-KR" altLang="en-US"/>
           </a:p>
@@ -5454,7 +5342,7 @@
             <a:fld id="{A22FE722-38C7-4231-8BB5-7A27D4E5977D}" type="datetimeFigureOut">
               <a:rPr lang="ko-KR" altLang="en-US" smtClean="0"/>
               <a:pPr/>
-              <a:t>2019-03-22</a:t>
+              <a:t>2019-03-24</a:t>
             </a:fld>
             <a:endParaRPr lang="ko-KR" altLang="en-US"/>
           </a:p>
@@ -5703,7 +5591,7 @@
             <a:fld id="{A22FE722-38C7-4231-8BB5-7A27D4E5977D}" type="datetimeFigureOut">
               <a:rPr lang="ko-KR" altLang="en-US" smtClean="0"/>
               <a:pPr/>
-              <a:t>2019-03-22</a:t>
+              <a:t>2019-03-24</a:t>
             </a:fld>
             <a:endParaRPr lang="ko-KR" altLang="en-US"/>
           </a:p>
@@ -5911,7 +5799,7 @@
             <a:fld id="{A22FE722-38C7-4231-8BB5-7A27D4E5977D}" type="datetimeFigureOut">
               <a:rPr lang="ko-KR" altLang="en-US" smtClean="0"/>
               <a:pPr/>
-              <a:t>2019-03-22</a:t>
+              <a:t>2019-03-24</a:t>
             </a:fld>
             <a:endParaRPr lang="ko-KR" altLang="en-US"/>
           </a:p>
@@ -6300,8 +6188,8 @@
         </p:nvSpPr>
         <p:spPr>
           <a:xfrm>
-            <a:off x="1583668" y="1933962"/>
-            <a:ext cx="5976664" cy="630942"/>
+            <a:off x="755576" y="1412776"/>
+            <a:ext cx="7524836" cy="1631216"/>
           </a:xfrm>
           <a:prstGeom prst="rect">
             <a:avLst/>
@@ -6318,7 +6206,7 @@
           <a:p>
             <a:pPr algn="dist"/>
             <a:r>
-              <a:rPr lang="ko-KR" altLang="en-US" sz="3500" b="1" dirty="0">
+              <a:rPr lang="ko-KR" altLang="en-US" sz="5000" b="1" dirty="0">
                 <a:solidFill>
                   <a:schemeClr val="tx2">
                     <a:lumMod val="50000"/>
@@ -6327,8 +6215,41 @@
                 <a:latin typeface="Rix비타민 L" panose="02020603020101020101" pitchFamily="18" charset="-127"/>
                 <a:ea typeface="Rix비타민 L" panose="02020603020101020101" pitchFamily="18" charset="-127"/>
               </a:rPr>
-              <a:t>졸업논문 주제 및 관련 기술 동향</a:t>
-            </a:r>
+              <a:t>졸업논문주제 </a:t>
+            </a:r>
+            <a:endParaRPr lang="en-US" altLang="ko-KR" sz="5000" b="1" dirty="0">
+              <a:solidFill>
+                <a:schemeClr val="tx2">
+                  <a:lumMod val="50000"/>
+                </a:schemeClr>
+              </a:solidFill>
+              <a:latin typeface="Rix비타민 L" panose="02020603020101020101" pitchFamily="18" charset="-127"/>
+              <a:ea typeface="Rix비타민 L" panose="02020603020101020101" pitchFamily="18" charset="-127"/>
+            </a:endParaRPr>
+          </a:p>
+          <a:p>
+            <a:pPr algn="dist"/>
+            <a:r>
+              <a:rPr lang="ko-KR" altLang="en-US" sz="5000" b="1" dirty="0">
+                <a:solidFill>
+                  <a:schemeClr val="tx2">
+                    <a:lumMod val="50000"/>
+                  </a:schemeClr>
+                </a:solidFill>
+                <a:latin typeface="Rix비타민 L" panose="02020603020101020101" pitchFamily="18" charset="-127"/>
+                <a:ea typeface="Rix비타민 L" panose="02020603020101020101" pitchFamily="18" charset="-127"/>
+              </a:rPr>
+              <a:t>제안서발표</a:t>
+            </a:r>
+            <a:endParaRPr lang="en-US" altLang="ko-KR" sz="5000" b="1" dirty="0">
+              <a:solidFill>
+                <a:schemeClr val="tx2">
+                  <a:lumMod val="50000"/>
+                </a:schemeClr>
+              </a:solidFill>
+              <a:latin typeface="Rix비타민 L" panose="02020603020101020101" pitchFamily="18" charset="-127"/>
+              <a:ea typeface="Rix비타민 L" panose="02020603020101020101" pitchFamily="18" charset="-127"/>
+            </a:endParaRPr>
           </a:p>
         </p:txBody>
       </p:sp>
@@ -6347,7 +6268,7 @@
         <p:spPr>
           <a:xfrm>
             <a:off x="4067944" y="4293096"/>
-            <a:ext cx="4734272" cy="918265"/>
+            <a:ext cx="4734272" cy="1374094"/>
           </a:xfrm>
           <a:prstGeom prst="rect">
             <a:avLst/>
@@ -6358,6 +6279,23 @@
             <a:spAutoFit/>
           </a:bodyPr>
           <a:lstStyle/>
+          <a:p>
+            <a:pPr algn="r" fontAlgn="base" latinLnBrk="0">
+              <a:lnSpc>
+                <a:spcPct val="160000"/>
+              </a:lnSpc>
+            </a:pPr>
+            <a:r>
+              <a:rPr lang="en-US" altLang="ko-KR" kern="0" dirty="0">
+                <a:solidFill>
+                  <a:schemeClr val="bg1"/>
+                </a:solidFill>
+                <a:latin typeface="Rix비타민 L" panose="02020603020101020101" pitchFamily="18" charset="-127"/>
+                <a:ea typeface="Rix비타민 L" panose="02020603020101020101" pitchFamily="18" charset="-127"/>
+              </a:rPr>
+              <a:t>2018.03.27</a:t>
+            </a:r>
+          </a:p>
           <a:p>
             <a:pPr algn="r" fontAlgn="base" latinLnBrk="0">
               <a:lnSpc>
@@ -7611,45 +7549,346 @@
         </p:nvSpPr>
         <p:spPr>
           <a:xfrm>
-            <a:off x="267810" y="1408278"/>
-            <a:ext cx="8608380" cy="4525963"/>
+            <a:off x="337836" y="1069450"/>
+            <a:ext cx="2340256" cy="710408"/>
           </a:xfrm>
         </p:spPr>
         <p:txBody>
-          <a:bodyPr/>
+          <a:bodyPr>
+            <a:normAutofit/>
+          </a:bodyPr>
           <a:lstStyle/>
           <a:p>
             <a:pPr marL="0" indent="0">
               <a:buNone/>
             </a:pPr>
             <a:r>
-              <a:rPr lang="ko-KR" altLang="en-US" dirty="0"/>
-              <a:t>개발환경</a:t>
-            </a:r>
-            <a:endParaRPr lang="en-US" altLang="ko-KR" dirty="0"/>
-          </a:p>
-          <a:p>
-            <a:pPr marL="0" indent="0">
-              <a:buNone/>
+              <a:rPr lang="en-US" altLang="ko-KR" dirty="0"/>
+              <a:t>Environment</a:t>
+            </a:r>
+          </a:p>
+        </p:txBody>
+      </p:sp>
+      <p:sp>
+        <p:nvSpPr>
+          <p:cNvPr id="4" name="TextBox 3">
+            <a:extLst>
+              <a:ext uri="{FF2B5EF4-FFF2-40B4-BE49-F238E27FC236}">
+                <a16:creationId xmlns:a16="http://schemas.microsoft.com/office/drawing/2014/main" id="{16356DC7-35E3-4D6A-B9B0-BFB6434D2DEF}"/>
+              </a:ext>
+            </a:extLst>
+          </p:cNvPr>
+          <p:cNvSpPr txBox="1"/>
+          <p:nvPr/>
+        </p:nvSpPr>
+        <p:spPr>
+          <a:xfrm>
+            <a:off x="287527" y="3270096"/>
+            <a:ext cx="8668819" cy="523220"/>
+          </a:xfrm>
+          <a:prstGeom prst="rect">
+            <a:avLst/>
+          </a:prstGeom>
+          <a:noFill/>
+        </p:spPr>
+        <p:txBody>
+          <a:bodyPr wrap="square" rtlCol="0">
+            <a:spAutoFit/>
+          </a:bodyPr>
+          <a:lstStyle/>
+          <a:p>
+            <a:r>
+              <a:rPr lang="en-US" altLang="ko-KR" sz="2800" dirty="0"/>
+              <a:t>Image dataset</a:t>
+            </a:r>
+          </a:p>
+        </p:txBody>
+      </p:sp>
+      <p:sp>
+        <p:nvSpPr>
+          <p:cNvPr id="10" name="TextBox 9">
+            <a:extLst>
+              <a:ext uri="{FF2B5EF4-FFF2-40B4-BE49-F238E27FC236}">
+                <a16:creationId xmlns:a16="http://schemas.microsoft.com/office/drawing/2014/main" id="{069E4340-1F78-474F-A9FA-2E387ED4A59E}"/>
+              </a:ext>
+            </a:extLst>
+          </p:cNvPr>
+          <p:cNvSpPr txBox="1"/>
+          <p:nvPr/>
+        </p:nvSpPr>
+        <p:spPr>
+          <a:xfrm>
+            <a:off x="287528" y="3724577"/>
+            <a:ext cx="8668819" cy="2800767"/>
+          </a:xfrm>
+          <a:prstGeom prst="rect">
+            <a:avLst/>
+          </a:prstGeom>
+          <a:noFill/>
+        </p:spPr>
+        <p:txBody>
+          <a:bodyPr wrap="square" rtlCol="0">
+            <a:spAutoFit/>
+          </a:bodyPr>
+          <a:lstStyle/>
+          <a:p>
+            <a:pPr marL="457200" indent="-457200">
+              <a:buFont typeface="Arial" panose="020B0604020202020204" pitchFamily="34" charset="0"/>
+              <a:buChar char="•"/>
             </a:pPr>
+            <a:r>
+              <a:rPr lang="en-US" altLang="ko-KR" sz="2800" dirty="0"/>
+              <a:t>Stanford Cars Dataset</a:t>
+            </a:r>
+            <a:endParaRPr lang="en-US" altLang="ko-KR" sz="2300" dirty="0">
+              <a:solidFill>
+                <a:prstClr val="black"/>
+              </a:solidFill>
+            </a:endParaRPr>
+          </a:p>
+          <a:p>
+            <a:pPr marL="914400" lvl="1" indent="-457200">
+              <a:buFont typeface="Arial" panose="020B0604020202020204" pitchFamily="34" charset="0"/>
+              <a:buChar char="•"/>
+            </a:pPr>
+            <a:r>
+              <a:rPr lang="en-US" altLang="ko-KR" sz="2300" dirty="0">
+                <a:solidFill>
+                  <a:prstClr val="black"/>
+                </a:solidFill>
+              </a:rPr>
+              <a:t>8144 train images, 8041 test images, optimize resolution maximum 600X600</a:t>
+            </a:r>
+            <a:endParaRPr lang="en-US" altLang="ko-KR" sz="2800" dirty="0"/>
+          </a:p>
+          <a:p>
+            <a:pPr marL="457200" indent="-457200">
+              <a:buFont typeface="Arial" panose="020B0604020202020204" pitchFamily="34" charset="0"/>
+              <a:buChar char="•"/>
+            </a:pPr>
+            <a:r>
+              <a:rPr lang="en-US" altLang="ko-KR" sz="2800" dirty="0"/>
+              <a:t>UCF-101 Dataset</a:t>
+            </a:r>
+          </a:p>
+          <a:p>
+            <a:pPr marL="914400" lvl="1" indent="-457200">
+              <a:buFont typeface="Arial" panose="020B0604020202020204" pitchFamily="34" charset="0"/>
+              <a:buChar char="•"/>
+            </a:pPr>
+            <a:r>
+              <a:rPr lang="en-US" altLang="ko-KR" sz="2300" dirty="0">
+                <a:solidFill>
+                  <a:prstClr val="black"/>
+                </a:solidFill>
+              </a:rPr>
+              <a:t>13320 videos, 101 action categories</a:t>
+            </a:r>
+            <a:endParaRPr lang="en-US" altLang="ko-KR" sz="2800" dirty="0"/>
+          </a:p>
+          <a:p>
+            <a:pPr marL="457200" indent="-457200">
+              <a:buFont typeface="Arial" panose="020B0604020202020204" pitchFamily="34" charset="0"/>
+              <a:buChar char="•"/>
+            </a:pPr>
+            <a:r>
+              <a:rPr lang="en-US" altLang="ko-KR" sz="2800" dirty="0" err="1"/>
+              <a:t>Selfshot</a:t>
+            </a:r>
+            <a:r>
+              <a:rPr lang="en-US" altLang="ko-KR" sz="2800" dirty="0"/>
+              <a:t> images</a:t>
+            </a:r>
+          </a:p>
+          <a:p>
+            <a:pPr marL="914400" lvl="1" indent="-457200">
+              <a:buFont typeface="Arial" panose="020B0604020202020204" pitchFamily="34" charset="0"/>
+              <a:buChar char="•"/>
+            </a:pPr>
+            <a:r>
+              <a:rPr lang="en-US" altLang="ko-KR" sz="2300" dirty="0"/>
+              <a:t>1080 images, maximum 600X600</a:t>
+            </a:r>
+          </a:p>
+        </p:txBody>
+      </p:sp>
+      <p:sp>
+        <p:nvSpPr>
+          <p:cNvPr id="11" name="내용 개체 틀 4">
+            <a:extLst>
+              <a:ext uri="{FF2B5EF4-FFF2-40B4-BE49-F238E27FC236}">
+                <a16:creationId xmlns:a16="http://schemas.microsoft.com/office/drawing/2014/main" id="{FBCE6A5A-3B38-48B0-8D8A-A2F0E7208DD8}"/>
+              </a:ext>
+            </a:extLst>
+          </p:cNvPr>
+          <p:cNvSpPr txBox="1">
+            <a:spLocks/>
+          </p:cNvSpPr>
+          <p:nvPr/>
+        </p:nvSpPr>
+        <p:spPr>
+          <a:xfrm>
+            <a:off x="337836" y="1558254"/>
+            <a:ext cx="4386509" cy="2092730"/>
+          </a:xfrm>
+          <a:prstGeom prst="rect">
+            <a:avLst/>
+          </a:prstGeom>
+        </p:spPr>
+        <p:txBody>
+          <a:bodyPr vert="horz" lIns="91440" tIns="45720" rIns="91440" bIns="45720" rtlCol="0">
+            <a:normAutofit/>
+          </a:bodyPr>
+          <a:lstStyle>
+            <a:lvl1pPr marL="342900" indent="-342900" algn="l" defTabSz="914400" rtl="0" eaLnBrk="1" latinLnBrk="1" hangingPunct="1">
+              <a:spcBef>
+                <a:spcPct val="20000"/>
+              </a:spcBef>
+              <a:buFont typeface="Arial" pitchFamily="34" charset="0"/>
+              <a:buChar char="•"/>
+              <a:defRPr sz="2800" kern="1200">
+                <a:solidFill>
+                  <a:schemeClr val="tx1"/>
+                </a:solidFill>
+                <a:latin typeface="+mn-lt"/>
+                <a:ea typeface="+mn-ea"/>
+                <a:cs typeface="+mn-cs"/>
+              </a:defRPr>
+            </a:lvl1pPr>
+            <a:lvl2pPr marL="742950" indent="-285750" algn="l" defTabSz="914400" rtl="0" eaLnBrk="1" latinLnBrk="1" hangingPunct="1">
+              <a:spcBef>
+                <a:spcPct val="20000"/>
+              </a:spcBef>
+              <a:buFont typeface="Arial" pitchFamily="34" charset="0"/>
+              <a:buChar char="–"/>
+              <a:defRPr sz="2400" kern="1200">
+                <a:solidFill>
+                  <a:schemeClr val="tx1"/>
+                </a:solidFill>
+                <a:latin typeface="+mn-lt"/>
+                <a:ea typeface="+mn-ea"/>
+                <a:cs typeface="+mn-cs"/>
+              </a:defRPr>
+            </a:lvl2pPr>
+            <a:lvl3pPr marL="1143000" indent="-228600" algn="l" defTabSz="914400" rtl="0" eaLnBrk="1" latinLnBrk="1" hangingPunct="1">
+              <a:spcBef>
+                <a:spcPct val="20000"/>
+              </a:spcBef>
+              <a:buFont typeface="Arial" pitchFamily="34" charset="0"/>
+              <a:buChar char="•"/>
+              <a:defRPr sz="2000" kern="1200">
+                <a:solidFill>
+                  <a:schemeClr val="tx1"/>
+                </a:solidFill>
+                <a:latin typeface="+mn-lt"/>
+                <a:ea typeface="+mn-ea"/>
+                <a:cs typeface="+mn-cs"/>
+              </a:defRPr>
+            </a:lvl3pPr>
+            <a:lvl4pPr marL="1600200" indent="-228600" algn="l" defTabSz="914400" rtl="0" eaLnBrk="1" latinLnBrk="1" hangingPunct="1">
+              <a:spcBef>
+                <a:spcPct val="20000"/>
+              </a:spcBef>
+              <a:buFont typeface="Arial" pitchFamily="34" charset="0"/>
+              <a:buChar char="–"/>
+              <a:defRPr sz="1800" kern="1200">
+                <a:solidFill>
+                  <a:schemeClr val="tx1"/>
+                </a:solidFill>
+                <a:latin typeface="+mn-lt"/>
+                <a:ea typeface="+mn-ea"/>
+                <a:cs typeface="+mn-cs"/>
+              </a:defRPr>
+            </a:lvl4pPr>
+            <a:lvl5pPr marL="2057400" indent="-228600" algn="l" defTabSz="914400" rtl="0" eaLnBrk="1" latinLnBrk="1" hangingPunct="1">
+              <a:spcBef>
+                <a:spcPct val="20000"/>
+              </a:spcBef>
+              <a:buFont typeface="Arial" pitchFamily="34" charset="0"/>
+              <a:buChar char="»"/>
+              <a:defRPr sz="1800" kern="1200">
+                <a:solidFill>
+                  <a:schemeClr val="tx1"/>
+                </a:solidFill>
+                <a:latin typeface="+mn-lt"/>
+                <a:ea typeface="+mn-ea"/>
+                <a:cs typeface="+mn-cs"/>
+              </a:defRPr>
+            </a:lvl5pPr>
+            <a:lvl6pPr marL="2514600" indent="-228600" algn="l" defTabSz="914400" rtl="0" eaLnBrk="1" latinLnBrk="1" hangingPunct="1">
+              <a:spcBef>
+                <a:spcPct val="20000"/>
+              </a:spcBef>
+              <a:buFont typeface="Arial" pitchFamily="34" charset="0"/>
+              <a:buChar char="•"/>
+              <a:defRPr sz="1800" kern="1200">
+                <a:solidFill>
+                  <a:schemeClr val="tx1"/>
+                </a:solidFill>
+                <a:latin typeface="+mn-lt"/>
+                <a:ea typeface="+mn-ea"/>
+                <a:cs typeface="+mn-cs"/>
+              </a:defRPr>
+            </a:lvl6pPr>
+            <a:lvl7pPr marL="2971800" indent="-228600" algn="l" defTabSz="914400" rtl="0" eaLnBrk="1" latinLnBrk="1" hangingPunct="1">
+              <a:spcBef>
+                <a:spcPct val="20000"/>
+              </a:spcBef>
+              <a:buFont typeface="Arial" pitchFamily="34" charset="0"/>
+              <a:buChar char="•"/>
+              <a:defRPr sz="1800" kern="1200">
+                <a:solidFill>
+                  <a:schemeClr val="tx1"/>
+                </a:solidFill>
+                <a:latin typeface="+mn-lt"/>
+                <a:ea typeface="+mn-ea"/>
+                <a:cs typeface="+mn-cs"/>
+              </a:defRPr>
+            </a:lvl7pPr>
+            <a:lvl8pPr marL="3429000" indent="-228600" algn="l" defTabSz="914400" rtl="0" eaLnBrk="1" latinLnBrk="1" hangingPunct="1">
+              <a:spcBef>
+                <a:spcPct val="20000"/>
+              </a:spcBef>
+              <a:buFont typeface="Arial" pitchFamily="34" charset="0"/>
+              <a:buChar char="•"/>
+              <a:defRPr sz="1800" kern="1200">
+                <a:solidFill>
+                  <a:schemeClr val="tx1"/>
+                </a:solidFill>
+                <a:latin typeface="+mn-lt"/>
+                <a:ea typeface="+mn-ea"/>
+                <a:cs typeface="+mn-cs"/>
+              </a:defRPr>
+            </a:lvl8pPr>
+            <a:lvl9pPr marL="3886200" indent="-228600" algn="l" defTabSz="914400" rtl="0" eaLnBrk="1" latinLnBrk="1" hangingPunct="1">
+              <a:spcBef>
+                <a:spcPct val="20000"/>
+              </a:spcBef>
+              <a:buFont typeface="Arial" pitchFamily="34" charset="0"/>
+              <a:buChar char="•"/>
+              <a:defRPr sz="1800" kern="1200">
+                <a:solidFill>
+                  <a:schemeClr val="tx1"/>
+                </a:solidFill>
+                <a:latin typeface="+mn-lt"/>
+                <a:ea typeface="+mn-ea"/>
+                <a:cs typeface="+mn-cs"/>
+              </a:defRPr>
+            </a:lvl9pPr>
+          </a:lstStyle>
+          <a:p>
             <a:r>
               <a:rPr lang="en-US" altLang="ko-KR" dirty="0"/>
               <a:t>OS: Windows 10</a:t>
             </a:r>
           </a:p>
           <a:p>
-            <a:pPr marL="0" indent="0">
-              <a:buNone/>
-            </a:pPr>
             <a:r>
               <a:rPr lang="en-US" altLang="ko-KR" dirty="0"/>
               <a:t>Language: Python</a:t>
             </a:r>
           </a:p>
           <a:p>
-            <a:pPr marL="0" indent="0">
-              <a:buNone/>
-            </a:pPr>
             <a:r>
               <a:rPr lang="en-US" altLang="ko-KR" dirty="0"/>
               <a:t>API: </a:t>
@@ -7661,41 +7900,6 @@
             <a:r>
               <a:rPr lang="en-US" altLang="ko-KR" dirty="0"/>
               <a:t> (GPU)</a:t>
-            </a:r>
-          </a:p>
-          <a:p>
-            <a:pPr marL="0" indent="0">
-              <a:buNone/>
-            </a:pPr>
-            <a:r>
-              <a:rPr lang="en-US" altLang="ko-KR" dirty="0"/>
-              <a:t>CNN models: TensorFlow Official Models</a:t>
-            </a:r>
-          </a:p>
-          <a:p>
-            <a:pPr marL="0" indent="0">
-              <a:buNone/>
-            </a:pPr>
-            <a:r>
-              <a:rPr lang="en-US" altLang="ko-KR" dirty="0"/>
-              <a:t>Image dataset: Stanford Cars Dataset, </a:t>
-            </a:r>
-          </a:p>
-          <a:p>
-            <a:pPr marL="0" indent="0">
-              <a:buNone/>
-            </a:pPr>
-            <a:r>
-              <a:rPr lang="en-US" altLang="ko-KR" dirty="0"/>
-              <a:t>		      </a:t>
-            </a:r>
-            <a:r>
-              <a:rPr lang="en-US" altLang="ko-KR" dirty="0" err="1"/>
-              <a:t>Selfshot</a:t>
-            </a:r>
-            <a:r>
-              <a:rPr lang="en-US" altLang="ko-KR" dirty="0"/>
-              <a:t> images, UCF-101 Dataset</a:t>
             </a:r>
           </a:p>
         </p:txBody>
@@ -8024,10 +8228,10 @@
       </p:sp>
       <p:pic>
         <p:nvPicPr>
-          <p:cNvPr id="4" name="그림 3">
+          <p:cNvPr id="5" name="그림 4">
             <a:extLst>
               <a:ext uri="{FF2B5EF4-FFF2-40B4-BE49-F238E27FC236}">
-                <a16:creationId xmlns:a16="http://schemas.microsoft.com/office/drawing/2014/main" id="{78A40A87-2970-446E-A0E5-66E82AC51DDE}"/>
+                <a16:creationId xmlns:a16="http://schemas.microsoft.com/office/drawing/2014/main" id="{0A8FDBCF-30DB-4435-A46E-A39320BB4FD9}"/>
               </a:ext>
             </a:extLst>
           </p:cNvPr>
@@ -8044,8 +8248,8 @@
         </p:blipFill>
         <p:spPr>
           <a:xfrm>
-            <a:off x="395536" y="1236151"/>
-            <a:ext cx="8280920" cy="5101788"/>
+            <a:off x="251854" y="1204887"/>
+            <a:ext cx="8568617" cy="5176441"/>
           </a:xfrm>
           <a:prstGeom prst="rect">
             <a:avLst/>
@@ -9296,1637 +9500,6 @@
 </file>
 
 <file path=ppt/slides/slide13.xml><?xml version="1.0" encoding="utf-8"?>
-<p:sld xmlns:a="http://schemas.openxmlformats.org/drawingml/2006/main" xmlns:r="http://schemas.openxmlformats.org/officeDocument/2006/relationships" xmlns:p="http://schemas.openxmlformats.org/presentationml/2006/main" show="0">
-  <p:cSld>
-    <p:bg>
-      <p:bgPr>
-        <a:solidFill>
-          <a:schemeClr val="tx2">
-            <a:lumMod val="75000"/>
-          </a:schemeClr>
-        </a:solidFill>
-        <a:effectLst/>
-      </p:bgPr>
-    </p:bg>
-    <p:spTree>
-      <p:nvGrpSpPr>
-        <p:cNvPr id="1" name=""/>
-        <p:cNvGrpSpPr/>
-        <p:nvPr/>
-      </p:nvGrpSpPr>
-      <p:grpSpPr>
-        <a:xfrm>
-          <a:off x="0" y="0"/>
-          <a:ext cx="0" cy="0"/>
-          <a:chOff x="0" y="0"/>
-          <a:chExt cx="0" cy="0"/>
-        </a:xfrm>
-      </p:grpSpPr>
-      <p:sp>
-        <p:nvSpPr>
-          <p:cNvPr id="2" name="직사각형 1"/>
-          <p:cNvSpPr/>
-          <p:nvPr/>
-        </p:nvSpPr>
-        <p:spPr>
-          <a:xfrm>
-            <a:off x="-3932" y="774486"/>
-            <a:ext cx="9180512" cy="5793548"/>
-          </a:xfrm>
-          <a:prstGeom prst="rect">
-            <a:avLst/>
-          </a:prstGeom>
-          <a:solidFill>
-            <a:schemeClr val="bg1"/>
-          </a:solidFill>
-          <a:ln>
-            <a:noFill/>
-          </a:ln>
-        </p:spPr>
-        <p:style>
-          <a:lnRef idx="2">
-            <a:schemeClr val="accent1">
-              <a:shade val="50000"/>
-            </a:schemeClr>
-          </a:lnRef>
-          <a:fillRef idx="1">
-            <a:schemeClr val="accent1"/>
-          </a:fillRef>
-          <a:effectRef idx="0">
-            <a:schemeClr val="accent1"/>
-          </a:effectRef>
-          <a:fontRef idx="minor">
-            <a:schemeClr val="lt1"/>
-          </a:fontRef>
-        </p:style>
-        <p:txBody>
-          <a:bodyPr rtlCol="0" anchor="ctr"/>
-          <a:lstStyle/>
-          <a:p>
-            <a:pPr marL="0" marR="0" lvl="0" indent="0" algn="ctr" defTabSz="914400" rtl="0" eaLnBrk="1" fontAlgn="auto" latinLnBrk="1" hangingPunct="1">
-              <a:lnSpc>
-                <a:spcPct val="100000"/>
-              </a:lnSpc>
-              <a:spcBef>
-                <a:spcPts val="0"/>
-              </a:spcBef>
-              <a:spcAft>
-                <a:spcPts val="0"/>
-              </a:spcAft>
-              <a:buClrTx/>
-              <a:buSzTx/>
-              <a:buFontTx/>
-              <a:buNone/>
-              <a:tabLst/>
-              <a:defRPr/>
-            </a:pPr>
-            <a:endParaRPr kumimoji="0" lang="ko-KR" altLang="en-US" sz="1800" b="0" i="0" u="none" strike="noStrike" kern="1200" cap="none" spc="0" normalizeH="0" baseline="0" noProof="0" dirty="0">
-              <a:ln>
-                <a:noFill/>
-              </a:ln>
-              <a:solidFill>
-                <a:prstClr val="white"/>
-              </a:solidFill>
-              <a:effectLst/>
-              <a:uLnTx/>
-              <a:uFillTx/>
-              <a:latin typeface="맑은 고딕"/>
-              <a:ea typeface="맑은 고딕" panose="020B0503020000020004" pitchFamily="50" charset="-127"/>
-              <a:cs typeface="+mn-cs"/>
-            </a:endParaRPr>
-          </a:p>
-        </p:txBody>
-      </p:sp>
-      <p:sp>
-        <p:nvSpPr>
-          <p:cNvPr id="3" name="타원 2"/>
-          <p:cNvSpPr/>
-          <p:nvPr/>
-        </p:nvSpPr>
-        <p:spPr>
-          <a:xfrm>
-            <a:off x="4067944" y="146108"/>
-            <a:ext cx="936104" cy="1050644"/>
-          </a:xfrm>
-          <a:prstGeom prst="ellipse">
-            <a:avLst/>
-          </a:prstGeom>
-          <a:solidFill>
-            <a:schemeClr val="tx2">
-              <a:lumMod val="75000"/>
-            </a:schemeClr>
-          </a:solidFill>
-          <a:ln>
-            <a:noFill/>
-          </a:ln>
-        </p:spPr>
-        <p:style>
-          <a:lnRef idx="2">
-            <a:schemeClr val="accent1">
-              <a:shade val="50000"/>
-            </a:schemeClr>
-          </a:lnRef>
-          <a:fillRef idx="1">
-            <a:schemeClr val="accent1"/>
-          </a:fillRef>
-          <a:effectRef idx="0">
-            <a:schemeClr val="accent1"/>
-          </a:effectRef>
-          <a:fontRef idx="minor">
-            <a:schemeClr val="lt1"/>
-          </a:fontRef>
-        </p:style>
-        <p:txBody>
-          <a:bodyPr rtlCol="0" anchor="ctr"/>
-          <a:lstStyle/>
-          <a:p>
-            <a:pPr marL="0" marR="0" lvl="0" indent="0" algn="ctr" defTabSz="914400" rtl="0" eaLnBrk="1" fontAlgn="auto" latinLnBrk="1" hangingPunct="1">
-              <a:lnSpc>
-                <a:spcPct val="100000"/>
-              </a:lnSpc>
-              <a:spcBef>
-                <a:spcPts val="0"/>
-              </a:spcBef>
-              <a:spcAft>
-                <a:spcPts val="0"/>
-              </a:spcAft>
-              <a:buClrTx/>
-              <a:buSzTx/>
-              <a:buFontTx/>
-              <a:buNone/>
-              <a:tabLst/>
-              <a:defRPr/>
-            </a:pPr>
-            <a:endParaRPr kumimoji="0" lang="ko-KR" altLang="en-US" sz="1800" b="0" i="0" u="none" strike="noStrike" kern="1200" cap="none" spc="0" normalizeH="0" baseline="0" noProof="0">
-              <a:ln>
-                <a:noFill/>
-              </a:ln>
-              <a:solidFill>
-                <a:prstClr val="white"/>
-              </a:solidFill>
-              <a:effectLst/>
-              <a:uLnTx/>
-              <a:uFillTx/>
-              <a:latin typeface="맑은 고딕"/>
-              <a:ea typeface="맑은 고딕" panose="020B0503020000020004" pitchFamily="50" charset="-127"/>
-              <a:cs typeface="+mn-cs"/>
-            </a:endParaRPr>
-          </a:p>
-        </p:txBody>
-      </p:sp>
-      <p:sp>
-        <p:nvSpPr>
-          <p:cNvPr id="8" name="직사각형 7"/>
-          <p:cNvSpPr/>
-          <p:nvPr/>
-        </p:nvSpPr>
-        <p:spPr>
-          <a:xfrm>
-            <a:off x="34427" y="210371"/>
-            <a:ext cx="780983" cy="523220"/>
-          </a:xfrm>
-          <a:prstGeom prst="rect">
-            <a:avLst/>
-          </a:prstGeom>
-        </p:spPr>
-        <p:txBody>
-          <a:bodyPr wrap="none">
-            <a:spAutoFit/>
-          </a:bodyPr>
-          <a:lstStyle/>
-          <a:p>
-            <a:pPr marL="0" marR="0" lvl="0" indent="0" algn="ctr" defTabSz="914400" rtl="0" eaLnBrk="1" fontAlgn="auto" latinLnBrk="1" hangingPunct="1">
-              <a:lnSpc>
-                <a:spcPct val="100000"/>
-              </a:lnSpc>
-              <a:spcBef>
-                <a:spcPts val="0"/>
-              </a:spcBef>
-              <a:spcAft>
-                <a:spcPts val="0"/>
-              </a:spcAft>
-              <a:buClrTx/>
-              <a:buSzTx/>
-              <a:buFontTx/>
-              <a:buNone/>
-              <a:tabLst/>
-              <a:defRPr/>
-            </a:pPr>
-            <a:r>
-              <a:rPr lang="ko-KR" altLang="en-US" sz="2800" b="1" spc="-150" dirty="0">
-                <a:solidFill>
-                  <a:prstClr val="white"/>
-                </a:solidFill>
-                <a:latin typeface="Rix비타민 M" panose="02020603020101020101" pitchFamily="18" charset="-127"/>
-                <a:ea typeface="Rix비타민 M" panose="02020603020101020101" pitchFamily="18" charset="-127"/>
-              </a:rPr>
-              <a:t>출처</a:t>
-            </a:r>
-            <a:endParaRPr kumimoji="0" lang="ko-KR" altLang="en-US" sz="2800" b="1" i="0" u="none" strike="noStrike" kern="1200" cap="none" spc="-150" normalizeH="0" baseline="0" noProof="0" dirty="0">
-              <a:ln>
-                <a:noFill/>
-              </a:ln>
-              <a:solidFill>
-                <a:prstClr val="white"/>
-              </a:solidFill>
-              <a:effectLst/>
-              <a:uLnTx/>
-              <a:uFillTx/>
-              <a:latin typeface="Rix비타민 M" panose="02020603020101020101" pitchFamily="18" charset="-127"/>
-              <a:ea typeface="Rix비타민 M" panose="02020603020101020101" pitchFamily="18" charset="-127"/>
-            </a:endParaRPr>
-          </a:p>
-        </p:txBody>
-      </p:sp>
-      <p:sp>
-        <p:nvSpPr>
-          <p:cNvPr id="9" name="TextBox 8"/>
-          <p:cNvSpPr txBox="1"/>
-          <p:nvPr/>
-        </p:nvSpPr>
-        <p:spPr>
-          <a:xfrm>
-            <a:off x="3995936" y="692696"/>
-            <a:ext cx="1080120" cy="461665"/>
-          </a:xfrm>
-          <a:prstGeom prst="rect">
-            <a:avLst/>
-          </a:prstGeom>
-          <a:noFill/>
-        </p:spPr>
-        <p:txBody>
-          <a:bodyPr wrap="square" rtlCol="0">
-            <a:spAutoFit/>
-          </a:bodyPr>
-          <a:lstStyle/>
-          <a:p>
-            <a:pPr marL="0" marR="0" lvl="0" indent="0" algn="ctr" defTabSz="914400" rtl="0" eaLnBrk="1" fontAlgn="auto" latinLnBrk="1" hangingPunct="1">
-              <a:lnSpc>
-                <a:spcPct val="100000"/>
-              </a:lnSpc>
-              <a:spcBef>
-                <a:spcPts val="0"/>
-              </a:spcBef>
-              <a:spcAft>
-                <a:spcPts val="0"/>
-              </a:spcAft>
-              <a:buClrTx/>
-              <a:buSzTx/>
-              <a:buFontTx/>
-              <a:buNone/>
-              <a:tabLst/>
-              <a:defRPr/>
-            </a:pPr>
-            <a:r>
-              <a:rPr kumimoji="0" lang="en-US" altLang="ko-KR" sz="2400" b="0" i="0" u="none" strike="noStrike" kern="1200" cap="none" spc="0" normalizeH="0" baseline="0" noProof="0" dirty="0">
-                <a:ln>
-                  <a:noFill/>
-                </a:ln>
-                <a:solidFill>
-                  <a:prstClr val="white"/>
-                </a:solidFill>
-                <a:effectLst/>
-                <a:uLnTx/>
-                <a:uFillTx/>
-                <a:latin typeface="HY헤드라인M" pitchFamily="18" charset="-127"/>
-                <a:ea typeface="HY헤드라인M" pitchFamily="18" charset="-127"/>
-                <a:cs typeface="+mn-cs"/>
-              </a:rPr>
-              <a:t>05</a:t>
-            </a:r>
-            <a:endParaRPr kumimoji="0" lang="ko-KR" altLang="en-US" sz="2400" b="0" i="0" u="none" strike="noStrike" kern="1200" cap="none" spc="0" normalizeH="0" baseline="0" noProof="0" dirty="0">
-              <a:ln>
-                <a:noFill/>
-              </a:ln>
-              <a:solidFill>
-                <a:prstClr val="white"/>
-              </a:solidFill>
-              <a:effectLst/>
-              <a:uLnTx/>
-              <a:uFillTx/>
-              <a:latin typeface="HY헤드라인M" pitchFamily="18" charset="-127"/>
-              <a:ea typeface="HY헤드라인M" pitchFamily="18" charset="-127"/>
-              <a:cs typeface="+mn-cs"/>
-            </a:endParaRPr>
-          </a:p>
-        </p:txBody>
-      </p:sp>
-      <p:sp>
-        <p:nvSpPr>
-          <p:cNvPr id="18" name="내용 개체 틀 4">
-            <a:extLst>
-              <a:ext uri="{FF2B5EF4-FFF2-40B4-BE49-F238E27FC236}">
-                <a16:creationId xmlns:a16="http://schemas.microsoft.com/office/drawing/2014/main" id="{4649E46D-6DC0-4E98-AB78-81359839AE3C}"/>
-              </a:ext>
-            </a:extLst>
-          </p:cNvPr>
-          <p:cNvSpPr txBox="1">
-            <a:spLocks/>
-          </p:cNvSpPr>
-          <p:nvPr/>
-        </p:nvSpPr>
-        <p:spPr>
-          <a:xfrm>
-            <a:off x="683568" y="4616220"/>
-            <a:ext cx="8352928" cy="516093"/>
-          </a:xfrm>
-          <a:prstGeom prst="rect">
-            <a:avLst/>
-          </a:prstGeom>
-        </p:spPr>
-        <p:txBody>
-          <a:bodyPr vert="horz" lIns="91440" tIns="45720" rIns="91440" bIns="45720" rtlCol="0">
-            <a:normAutofit/>
-          </a:bodyPr>
-          <a:lstStyle>
-            <a:lvl1pPr marL="342900" indent="-342900" algn="l" defTabSz="914400" rtl="0" eaLnBrk="1" latinLnBrk="1" hangingPunct="1">
-              <a:spcBef>
-                <a:spcPct val="20000"/>
-              </a:spcBef>
-              <a:buFont typeface="Arial" pitchFamily="34" charset="0"/>
-              <a:buChar char="•"/>
-              <a:defRPr sz="2800" kern="1200">
-                <a:solidFill>
-                  <a:schemeClr val="tx1"/>
-                </a:solidFill>
-                <a:latin typeface="+mn-lt"/>
-                <a:ea typeface="+mn-ea"/>
-                <a:cs typeface="+mn-cs"/>
-              </a:defRPr>
-            </a:lvl1pPr>
-            <a:lvl2pPr marL="742950" indent="-285750" algn="l" defTabSz="914400" rtl="0" eaLnBrk="1" latinLnBrk="1" hangingPunct="1">
-              <a:spcBef>
-                <a:spcPct val="20000"/>
-              </a:spcBef>
-              <a:buFont typeface="Arial" pitchFamily="34" charset="0"/>
-              <a:buChar char="–"/>
-              <a:defRPr sz="2400" kern="1200">
-                <a:solidFill>
-                  <a:schemeClr val="tx1"/>
-                </a:solidFill>
-                <a:latin typeface="+mn-lt"/>
-                <a:ea typeface="+mn-ea"/>
-                <a:cs typeface="+mn-cs"/>
-              </a:defRPr>
-            </a:lvl2pPr>
-            <a:lvl3pPr marL="1143000" indent="-228600" algn="l" defTabSz="914400" rtl="0" eaLnBrk="1" latinLnBrk="1" hangingPunct="1">
-              <a:spcBef>
-                <a:spcPct val="20000"/>
-              </a:spcBef>
-              <a:buFont typeface="Arial" pitchFamily="34" charset="0"/>
-              <a:buChar char="•"/>
-              <a:defRPr sz="2000" kern="1200">
-                <a:solidFill>
-                  <a:schemeClr val="tx1"/>
-                </a:solidFill>
-                <a:latin typeface="+mn-lt"/>
-                <a:ea typeface="+mn-ea"/>
-                <a:cs typeface="+mn-cs"/>
-              </a:defRPr>
-            </a:lvl3pPr>
-            <a:lvl4pPr marL="1600200" indent="-228600" algn="l" defTabSz="914400" rtl="0" eaLnBrk="1" latinLnBrk="1" hangingPunct="1">
-              <a:spcBef>
-                <a:spcPct val="20000"/>
-              </a:spcBef>
-              <a:buFont typeface="Arial" pitchFamily="34" charset="0"/>
-              <a:buChar char="–"/>
-              <a:defRPr sz="1800" kern="1200">
-                <a:solidFill>
-                  <a:schemeClr val="tx1"/>
-                </a:solidFill>
-                <a:latin typeface="+mn-lt"/>
-                <a:ea typeface="+mn-ea"/>
-                <a:cs typeface="+mn-cs"/>
-              </a:defRPr>
-            </a:lvl4pPr>
-            <a:lvl5pPr marL="2057400" indent="-228600" algn="l" defTabSz="914400" rtl="0" eaLnBrk="1" latinLnBrk="1" hangingPunct="1">
-              <a:spcBef>
-                <a:spcPct val="20000"/>
-              </a:spcBef>
-              <a:buFont typeface="Arial" pitchFamily="34" charset="0"/>
-              <a:buChar char="»"/>
-              <a:defRPr sz="1800" kern="1200">
-                <a:solidFill>
-                  <a:schemeClr val="tx1"/>
-                </a:solidFill>
-                <a:latin typeface="+mn-lt"/>
-                <a:ea typeface="+mn-ea"/>
-                <a:cs typeface="+mn-cs"/>
-              </a:defRPr>
-            </a:lvl5pPr>
-            <a:lvl6pPr marL="2514600" indent="-228600" algn="l" defTabSz="914400" rtl="0" eaLnBrk="1" latinLnBrk="1" hangingPunct="1">
-              <a:spcBef>
-                <a:spcPct val="20000"/>
-              </a:spcBef>
-              <a:buFont typeface="Arial" pitchFamily="34" charset="0"/>
-              <a:buChar char="•"/>
-              <a:defRPr sz="1800" kern="1200">
-                <a:solidFill>
-                  <a:schemeClr val="tx1"/>
-                </a:solidFill>
-                <a:latin typeface="+mn-lt"/>
-                <a:ea typeface="+mn-ea"/>
-                <a:cs typeface="+mn-cs"/>
-              </a:defRPr>
-            </a:lvl6pPr>
-            <a:lvl7pPr marL="2971800" indent="-228600" algn="l" defTabSz="914400" rtl="0" eaLnBrk="1" latinLnBrk="1" hangingPunct="1">
-              <a:spcBef>
-                <a:spcPct val="20000"/>
-              </a:spcBef>
-              <a:buFont typeface="Arial" pitchFamily="34" charset="0"/>
-              <a:buChar char="•"/>
-              <a:defRPr sz="1800" kern="1200">
-                <a:solidFill>
-                  <a:schemeClr val="tx1"/>
-                </a:solidFill>
-                <a:latin typeface="+mn-lt"/>
-                <a:ea typeface="+mn-ea"/>
-                <a:cs typeface="+mn-cs"/>
-              </a:defRPr>
-            </a:lvl7pPr>
-            <a:lvl8pPr marL="3429000" indent="-228600" algn="l" defTabSz="914400" rtl="0" eaLnBrk="1" latinLnBrk="1" hangingPunct="1">
-              <a:spcBef>
-                <a:spcPct val="20000"/>
-              </a:spcBef>
-              <a:buFont typeface="Arial" pitchFamily="34" charset="0"/>
-              <a:buChar char="•"/>
-              <a:defRPr sz="1800" kern="1200">
-                <a:solidFill>
-                  <a:schemeClr val="tx1"/>
-                </a:solidFill>
-                <a:latin typeface="+mn-lt"/>
-                <a:ea typeface="+mn-ea"/>
-                <a:cs typeface="+mn-cs"/>
-              </a:defRPr>
-            </a:lvl8pPr>
-            <a:lvl9pPr marL="3886200" indent="-228600" algn="l" defTabSz="914400" rtl="0" eaLnBrk="1" latinLnBrk="1" hangingPunct="1">
-              <a:spcBef>
-                <a:spcPct val="20000"/>
-              </a:spcBef>
-              <a:buFont typeface="Arial" pitchFamily="34" charset="0"/>
-              <a:buChar char="•"/>
-              <a:defRPr sz="1800" kern="1200">
-                <a:solidFill>
-                  <a:schemeClr val="tx1"/>
-                </a:solidFill>
-                <a:latin typeface="+mn-lt"/>
-                <a:ea typeface="+mn-ea"/>
-                <a:cs typeface="+mn-cs"/>
-              </a:defRPr>
-            </a:lvl9pPr>
-          </a:lstStyle>
-          <a:p>
-            <a:pPr marL="0" indent="0">
-              <a:buFont typeface="Arial" pitchFamily="34" charset="0"/>
-              <a:buNone/>
-            </a:pPr>
-            <a:endParaRPr lang="en-US" altLang="ko-KR" sz="1500" b="1" dirty="0">
-              <a:effectLst>
-                <a:outerShdw blurRad="38100" dist="38100" dir="2700000" algn="tl">
-                  <a:srgbClr val="000000">
-                    <a:alpha val="43137"/>
-                  </a:srgbClr>
-                </a:outerShdw>
-              </a:effectLst>
-            </a:endParaRPr>
-          </a:p>
-        </p:txBody>
-      </p:sp>
-      <p:sp>
-        <p:nvSpPr>
-          <p:cNvPr id="15" name="내용 개체 틀 4">
-            <a:extLst>
-              <a:ext uri="{FF2B5EF4-FFF2-40B4-BE49-F238E27FC236}">
-                <a16:creationId xmlns:a16="http://schemas.microsoft.com/office/drawing/2014/main" id="{5388484D-5CEC-456B-A533-5908BBF110EC}"/>
-              </a:ext>
-            </a:extLst>
-          </p:cNvPr>
-          <p:cNvSpPr txBox="1">
-            <a:spLocks/>
-          </p:cNvSpPr>
-          <p:nvPr/>
-        </p:nvSpPr>
-        <p:spPr>
-          <a:xfrm>
-            <a:off x="351122" y="5007194"/>
-            <a:ext cx="7893286" cy="1799911"/>
-          </a:xfrm>
-          <a:prstGeom prst="rect">
-            <a:avLst/>
-          </a:prstGeom>
-        </p:spPr>
-        <p:txBody>
-          <a:bodyPr vert="horz" lIns="91440" tIns="45720" rIns="91440" bIns="45720" rtlCol="0">
-            <a:normAutofit/>
-          </a:bodyPr>
-          <a:lstStyle>
-            <a:lvl1pPr marL="342900" indent="-342900" algn="l" defTabSz="914400" rtl="0" eaLnBrk="1" latinLnBrk="1" hangingPunct="1">
-              <a:spcBef>
-                <a:spcPct val="20000"/>
-              </a:spcBef>
-              <a:buFont typeface="Arial" pitchFamily="34" charset="0"/>
-              <a:buChar char="•"/>
-              <a:defRPr sz="2800" kern="1200">
-                <a:solidFill>
-                  <a:schemeClr val="tx1"/>
-                </a:solidFill>
-                <a:latin typeface="+mn-lt"/>
-                <a:ea typeface="+mn-ea"/>
-                <a:cs typeface="+mn-cs"/>
-              </a:defRPr>
-            </a:lvl1pPr>
-            <a:lvl2pPr marL="742950" indent="-285750" algn="l" defTabSz="914400" rtl="0" eaLnBrk="1" latinLnBrk="1" hangingPunct="1">
-              <a:spcBef>
-                <a:spcPct val="20000"/>
-              </a:spcBef>
-              <a:buFont typeface="Arial" pitchFamily="34" charset="0"/>
-              <a:buChar char="–"/>
-              <a:defRPr sz="2400" kern="1200">
-                <a:solidFill>
-                  <a:schemeClr val="tx1"/>
-                </a:solidFill>
-                <a:latin typeface="+mn-lt"/>
-                <a:ea typeface="+mn-ea"/>
-                <a:cs typeface="+mn-cs"/>
-              </a:defRPr>
-            </a:lvl2pPr>
-            <a:lvl3pPr marL="1143000" indent="-228600" algn="l" defTabSz="914400" rtl="0" eaLnBrk="1" latinLnBrk="1" hangingPunct="1">
-              <a:spcBef>
-                <a:spcPct val="20000"/>
-              </a:spcBef>
-              <a:buFont typeface="Arial" pitchFamily="34" charset="0"/>
-              <a:buChar char="•"/>
-              <a:defRPr sz="2000" kern="1200">
-                <a:solidFill>
-                  <a:schemeClr val="tx1"/>
-                </a:solidFill>
-                <a:latin typeface="+mn-lt"/>
-                <a:ea typeface="+mn-ea"/>
-                <a:cs typeface="+mn-cs"/>
-              </a:defRPr>
-            </a:lvl3pPr>
-            <a:lvl4pPr marL="1600200" indent="-228600" algn="l" defTabSz="914400" rtl="0" eaLnBrk="1" latinLnBrk="1" hangingPunct="1">
-              <a:spcBef>
-                <a:spcPct val="20000"/>
-              </a:spcBef>
-              <a:buFont typeface="Arial" pitchFamily="34" charset="0"/>
-              <a:buChar char="–"/>
-              <a:defRPr sz="1800" kern="1200">
-                <a:solidFill>
-                  <a:schemeClr val="tx1"/>
-                </a:solidFill>
-                <a:latin typeface="+mn-lt"/>
-                <a:ea typeface="+mn-ea"/>
-                <a:cs typeface="+mn-cs"/>
-              </a:defRPr>
-            </a:lvl4pPr>
-            <a:lvl5pPr marL="2057400" indent="-228600" algn="l" defTabSz="914400" rtl="0" eaLnBrk="1" latinLnBrk="1" hangingPunct="1">
-              <a:spcBef>
-                <a:spcPct val="20000"/>
-              </a:spcBef>
-              <a:buFont typeface="Arial" pitchFamily="34" charset="0"/>
-              <a:buChar char="»"/>
-              <a:defRPr sz="1800" kern="1200">
-                <a:solidFill>
-                  <a:schemeClr val="tx1"/>
-                </a:solidFill>
-                <a:latin typeface="+mn-lt"/>
-                <a:ea typeface="+mn-ea"/>
-                <a:cs typeface="+mn-cs"/>
-              </a:defRPr>
-            </a:lvl5pPr>
-            <a:lvl6pPr marL="2514600" indent="-228600" algn="l" defTabSz="914400" rtl="0" eaLnBrk="1" latinLnBrk="1" hangingPunct="1">
-              <a:spcBef>
-                <a:spcPct val="20000"/>
-              </a:spcBef>
-              <a:buFont typeface="Arial" pitchFamily="34" charset="0"/>
-              <a:buChar char="•"/>
-              <a:defRPr sz="1800" kern="1200">
-                <a:solidFill>
-                  <a:schemeClr val="tx1"/>
-                </a:solidFill>
-                <a:latin typeface="+mn-lt"/>
-                <a:ea typeface="+mn-ea"/>
-                <a:cs typeface="+mn-cs"/>
-              </a:defRPr>
-            </a:lvl6pPr>
-            <a:lvl7pPr marL="2971800" indent="-228600" algn="l" defTabSz="914400" rtl="0" eaLnBrk="1" latinLnBrk="1" hangingPunct="1">
-              <a:spcBef>
-                <a:spcPct val="20000"/>
-              </a:spcBef>
-              <a:buFont typeface="Arial" pitchFamily="34" charset="0"/>
-              <a:buChar char="•"/>
-              <a:defRPr sz="1800" kern="1200">
-                <a:solidFill>
-                  <a:schemeClr val="tx1"/>
-                </a:solidFill>
-                <a:latin typeface="+mn-lt"/>
-                <a:ea typeface="+mn-ea"/>
-                <a:cs typeface="+mn-cs"/>
-              </a:defRPr>
-            </a:lvl7pPr>
-            <a:lvl8pPr marL="3429000" indent="-228600" algn="l" defTabSz="914400" rtl="0" eaLnBrk="1" latinLnBrk="1" hangingPunct="1">
-              <a:spcBef>
-                <a:spcPct val="20000"/>
-              </a:spcBef>
-              <a:buFont typeface="Arial" pitchFamily="34" charset="0"/>
-              <a:buChar char="•"/>
-              <a:defRPr sz="1800" kern="1200">
-                <a:solidFill>
-                  <a:schemeClr val="tx1"/>
-                </a:solidFill>
-                <a:latin typeface="+mn-lt"/>
-                <a:ea typeface="+mn-ea"/>
-                <a:cs typeface="+mn-cs"/>
-              </a:defRPr>
-            </a:lvl8pPr>
-            <a:lvl9pPr marL="3886200" indent="-228600" algn="l" defTabSz="914400" rtl="0" eaLnBrk="1" latinLnBrk="1" hangingPunct="1">
-              <a:spcBef>
-                <a:spcPct val="20000"/>
-              </a:spcBef>
-              <a:buFont typeface="Arial" pitchFamily="34" charset="0"/>
-              <a:buChar char="•"/>
-              <a:defRPr sz="1800" kern="1200">
-                <a:solidFill>
-                  <a:schemeClr val="tx1"/>
-                </a:solidFill>
-                <a:latin typeface="+mn-lt"/>
-                <a:ea typeface="+mn-ea"/>
-                <a:cs typeface="+mn-cs"/>
-              </a:defRPr>
-            </a:lvl9pPr>
-          </a:lstStyle>
-          <a:p>
-            <a:pPr marL="0" indent="0">
-              <a:buFont typeface="Arial" pitchFamily="34" charset="0"/>
-              <a:buNone/>
-            </a:pPr>
-            <a:endParaRPr lang="en-US" altLang="ko-KR" sz="1400" b="1" dirty="0">
-              <a:effectLst>
-                <a:outerShdw blurRad="38100" dist="38100" dir="2700000" algn="tl">
-                  <a:srgbClr val="000000">
-                    <a:alpha val="43137"/>
-                  </a:srgbClr>
-                </a:outerShdw>
-              </a:effectLst>
-            </a:endParaRPr>
-          </a:p>
-        </p:txBody>
-      </p:sp>
-      <p:sp>
-        <p:nvSpPr>
-          <p:cNvPr id="10" name="내용 개체 틀 4">
-            <a:extLst>
-              <a:ext uri="{FF2B5EF4-FFF2-40B4-BE49-F238E27FC236}">
-                <a16:creationId xmlns:a16="http://schemas.microsoft.com/office/drawing/2014/main" id="{A568EFB5-0D9A-44F9-B056-FD70C0C03DCC}"/>
-              </a:ext>
-            </a:extLst>
-          </p:cNvPr>
-          <p:cNvSpPr txBox="1">
-            <a:spLocks/>
-          </p:cNvSpPr>
-          <p:nvPr/>
-        </p:nvSpPr>
-        <p:spPr>
-          <a:xfrm>
-            <a:off x="167962" y="1278542"/>
-            <a:ext cx="8868534" cy="4961218"/>
-          </a:xfrm>
-          <a:prstGeom prst="rect">
-            <a:avLst/>
-          </a:prstGeom>
-        </p:spPr>
-        <p:txBody>
-          <a:bodyPr vert="horz" lIns="91440" tIns="45720" rIns="91440" bIns="45720" rtlCol="0">
-            <a:normAutofit/>
-          </a:bodyPr>
-          <a:lstStyle>
-            <a:lvl1pPr marL="342900" indent="-342900" algn="l" defTabSz="914400" rtl="0" eaLnBrk="1" latinLnBrk="1" hangingPunct="1">
-              <a:spcBef>
-                <a:spcPct val="20000"/>
-              </a:spcBef>
-              <a:buFont typeface="Arial" pitchFamily="34" charset="0"/>
-              <a:buChar char="•"/>
-              <a:defRPr sz="2800" kern="1200">
-                <a:solidFill>
-                  <a:schemeClr val="tx1"/>
-                </a:solidFill>
-                <a:latin typeface="+mn-lt"/>
-                <a:ea typeface="+mn-ea"/>
-                <a:cs typeface="+mn-cs"/>
-              </a:defRPr>
-            </a:lvl1pPr>
-            <a:lvl2pPr marL="742950" indent="-285750" algn="l" defTabSz="914400" rtl="0" eaLnBrk="1" latinLnBrk="1" hangingPunct="1">
-              <a:spcBef>
-                <a:spcPct val="20000"/>
-              </a:spcBef>
-              <a:buFont typeface="Arial" pitchFamily="34" charset="0"/>
-              <a:buChar char="–"/>
-              <a:defRPr sz="2400" kern="1200">
-                <a:solidFill>
-                  <a:schemeClr val="tx1"/>
-                </a:solidFill>
-                <a:latin typeface="+mn-lt"/>
-                <a:ea typeface="+mn-ea"/>
-                <a:cs typeface="+mn-cs"/>
-              </a:defRPr>
-            </a:lvl2pPr>
-            <a:lvl3pPr marL="1143000" indent="-228600" algn="l" defTabSz="914400" rtl="0" eaLnBrk="1" latinLnBrk="1" hangingPunct="1">
-              <a:spcBef>
-                <a:spcPct val="20000"/>
-              </a:spcBef>
-              <a:buFont typeface="Arial" pitchFamily="34" charset="0"/>
-              <a:buChar char="•"/>
-              <a:defRPr sz="2000" kern="1200">
-                <a:solidFill>
-                  <a:schemeClr val="tx1"/>
-                </a:solidFill>
-                <a:latin typeface="+mn-lt"/>
-                <a:ea typeface="+mn-ea"/>
-                <a:cs typeface="+mn-cs"/>
-              </a:defRPr>
-            </a:lvl3pPr>
-            <a:lvl4pPr marL="1600200" indent="-228600" algn="l" defTabSz="914400" rtl="0" eaLnBrk="1" latinLnBrk="1" hangingPunct="1">
-              <a:spcBef>
-                <a:spcPct val="20000"/>
-              </a:spcBef>
-              <a:buFont typeface="Arial" pitchFamily="34" charset="0"/>
-              <a:buChar char="–"/>
-              <a:defRPr sz="1800" kern="1200">
-                <a:solidFill>
-                  <a:schemeClr val="tx1"/>
-                </a:solidFill>
-                <a:latin typeface="+mn-lt"/>
-                <a:ea typeface="+mn-ea"/>
-                <a:cs typeface="+mn-cs"/>
-              </a:defRPr>
-            </a:lvl4pPr>
-            <a:lvl5pPr marL="2057400" indent="-228600" algn="l" defTabSz="914400" rtl="0" eaLnBrk="1" latinLnBrk="1" hangingPunct="1">
-              <a:spcBef>
-                <a:spcPct val="20000"/>
-              </a:spcBef>
-              <a:buFont typeface="Arial" pitchFamily="34" charset="0"/>
-              <a:buChar char="»"/>
-              <a:defRPr sz="1800" kern="1200">
-                <a:solidFill>
-                  <a:schemeClr val="tx1"/>
-                </a:solidFill>
-                <a:latin typeface="+mn-lt"/>
-                <a:ea typeface="+mn-ea"/>
-                <a:cs typeface="+mn-cs"/>
-              </a:defRPr>
-            </a:lvl5pPr>
-            <a:lvl6pPr marL="2514600" indent="-228600" algn="l" defTabSz="914400" rtl="0" eaLnBrk="1" latinLnBrk="1" hangingPunct="1">
-              <a:spcBef>
-                <a:spcPct val="20000"/>
-              </a:spcBef>
-              <a:buFont typeface="Arial" pitchFamily="34" charset="0"/>
-              <a:buChar char="•"/>
-              <a:defRPr sz="1800" kern="1200">
-                <a:solidFill>
-                  <a:schemeClr val="tx1"/>
-                </a:solidFill>
-                <a:latin typeface="+mn-lt"/>
-                <a:ea typeface="+mn-ea"/>
-                <a:cs typeface="+mn-cs"/>
-              </a:defRPr>
-            </a:lvl6pPr>
-            <a:lvl7pPr marL="2971800" indent="-228600" algn="l" defTabSz="914400" rtl="0" eaLnBrk="1" latinLnBrk="1" hangingPunct="1">
-              <a:spcBef>
-                <a:spcPct val="20000"/>
-              </a:spcBef>
-              <a:buFont typeface="Arial" pitchFamily="34" charset="0"/>
-              <a:buChar char="•"/>
-              <a:defRPr sz="1800" kern="1200">
-                <a:solidFill>
-                  <a:schemeClr val="tx1"/>
-                </a:solidFill>
-                <a:latin typeface="+mn-lt"/>
-                <a:ea typeface="+mn-ea"/>
-                <a:cs typeface="+mn-cs"/>
-              </a:defRPr>
-            </a:lvl7pPr>
-            <a:lvl8pPr marL="3429000" indent="-228600" algn="l" defTabSz="914400" rtl="0" eaLnBrk="1" latinLnBrk="1" hangingPunct="1">
-              <a:spcBef>
-                <a:spcPct val="20000"/>
-              </a:spcBef>
-              <a:buFont typeface="Arial" pitchFamily="34" charset="0"/>
-              <a:buChar char="•"/>
-              <a:defRPr sz="1800" kern="1200">
-                <a:solidFill>
-                  <a:schemeClr val="tx1"/>
-                </a:solidFill>
-                <a:latin typeface="+mn-lt"/>
-                <a:ea typeface="+mn-ea"/>
-                <a:cs typeface="+mn-cs"/>
-              </a:defRPr>
-            </a:lvl8pPr>
-            <a:lvl9pPr marL="3886200" indent="-228600" algn="l" defTabSz="914400" rtl="0" eaLnBrk="1" latinLnBrk="1" hangingPunct="1">
-              <a:spcBef>
-                <a:spcPct val="20000"/>
-              </a:spcBef>
-              <a:buFont typeface="Arial" pitchFamily="34" charset="0"/>
-              <a:buChar char="•"/>
-              <a:defRPr sz="1800" kern="1200">
-                <a:solidFill>
-                  <a:schemeClr val="tx1"/>
-                </a:solidFill>
-                <a:latin typeface="+mn-lt"/>
-                <a:ea typeface="+mn-ea"/>
-                <a:cs typeface="+mn-cs"/>
-              </a:defRPr>
-            </a:lvl9pPr>
-          </a:lstStyle>
-          <a:p>
-            <a:r>
-              <a:rPr lang="en-US" altLang="ko-KR" sz="1400" b="1" dirty="0">
-                <a:effectLst>
-                  <a:outerShdw blurRad="38100" dist="38100" dir="2700000" algn="tl">
-                    <a:srgbClr val="000000">
-                      <a:alpha val="43137"/>
-                    </a:srgbClr>
-                  </a:outerShdw>
-                </a:effectLst>
-              </a:rPr>
-              <a:t>[</a:t>
-            </a:r>
-            <a:r>
-              <a:rPr lang="ko-KR" altLang="en-US" sz="1400" b="1" dirty="0">
-                <a:effectLst>
-                  <a:outerShdw blurRad="38100" dist="38100" dir="2700000" algn="tl">
-                    <a:srgbClr val="000000">
-                      <a:alpha val="43137"/>
-                    </a:srgbClr>
-                  </a:outerShdw>
-                </a:effectLst>
-              </a:rPr>
-              <a:t>그림</a:t>
-            </a:r>
-            <a:r>
-              <a:rPr lang="en-US" altLang="ko-KR" sz="1400" b="1" dirty="0">
-                <a:effectLst>
-                  <a:outerShdw blurRad="38100" dist="38100" dir="2700000" algn="tl">
-                    <a:srgbClr val="000000">
-                      <a:alpha val="43137"/>
-                    </a:srgbClr>
-                  </a:outerShdw>
-                </a:effectLst>
-              </a:rPr>
-              <a:t>1] </a:t>
-            </a:r>
-            <a:r>
-              <a:rPr lang="en-US" altLang="ko-KR" sz="1400" b="1" dirty="0">
-                <a:effectLst>
-                  <a:outerShdw blurRad="38100" dist="38100" dir="2700000" algn="tl">
-                    <a:srgbClr val="000000">
-                      <a:alpha val="43137"/>
-                    </a:srgbClr>
-                  </a:outerShdw>
-                </a:effectLst>
-                <a:hlinkClick r:id="rId3"/>
-              </a:rPr>
-              <a:t>https://www.forbes.com/sites/danielnewman/2018/09/11/top-10-digital-transformation-	trends-for-2019/#1083e7143c30</a:t>
-            </a:r>
-            <a:endParaRPr lang="en-US" altLang="ko-KR" sz="1400" b="1" dirty="0">
-              <a:effectLst>
-                <a:outerShdw blurRad="38100" dist="38100" dir="2700000" algn="tl">
-                  <a:srgbClr val="000000">
-                    <a:alpha val="43137"/>
-                  </a:srgbClr>
-                </a:outerShdw>
-              </a:effectLst>
-            </a:endParaRPr>
-          </a:p>
-          <a:p>
-            <a:endParaRPr lang="en-US" altLang="ko-KR" sz="1400" b="1" dirty="0">
-              <a:effectLst>
-                <a:outerShdw blurRad="38100" dist="38100" dir="2700000" algn="tl">
-                  <a:srgbClr val="000000">
-                    <a:alpha val="43137"/>
-                  </a:srgbClr>
-                </a:outerShdw>
-              </a:effectLst>
-            </a:endParaRPr>
-          </a:p>
-          <a:p>
-            <a:r>
-              <a:rPr lang="en-US" altLang="ko-KR" sz="1400" b="1" dirty="0">
-                <a:effectLst>
-                  <a:outerShdw blurRad="38100" dist="38100" dir="2700000" algn="tl">
-                    <a:srgbClr val="000000">
-                      <a:alpha val="43137"/>
-                    </a:srgbClr>
-                  </a:outerShdw>
-                </a:effectLst>
-              </a:rPr>
-              <a:t>[</a:t>
-            </a:r>
-            <a:r>
-              <a:rPr lang="ko-KR" altLang="en-US" sz="1400" b="1" dirty="0">
-                <a:effectLst>
-                  <a:outerShdw blurRad="38100" dist="38100" dir="2700000" algn="tl">
-                    <a:srgbClr val="000000">
-                      <a:alpha val="43137"/>
-                    </a:srgbClr>
-                  </a:outerShdw>
-                </a:effectLst>
-              </a:rPr>
-              <a:t>그림</a:t>
-            </a:r>
-            <a:r>
-              <a:rPr lang="en-US" altLang="ko-KR" sz="1400" b="1" dirty="0">
-                <a:effectLst>
-                  <a:outerShdw blurRad="38100" dist="38100" dir="2700000" algn="tl">
-                    <a:srgbClr val="000000">
-                      <a:alpha val="43137"/>
-                    </a:srgbClr>
-                  </a:outerShdw>
-                </a:effectLst>
-              </a:rPr>
-              <a:t>2] </a:t>
-            </a:r>
-            <a:r>
-              <a:rPr lang="en-US" altLang="ko-KR" sz="1400" b="1" dirty="0">
-                <a:effectLst>
-                  <a:outerShdw blurRad="38100" dist="38100" dir="2700000" algn="tl">
-                    <a:srgbClr val="000000">
-                      <a:alpha val="43137"/>
-                    </a:srgbClr>
-                  </a:outerShdw>
-                </a:effectLst>
-                <a:hlinkClick r:id="rId4"/>
-              </a:rPr>
-              <a:t>https://www.boannews.com/media/view.asp?idx=77829&amp;kind=5</a:t>
-            </a:r>
-            <a:endParaRPr lang="en-US" altLang="ko-KR" sz="1400" b="1" dirty="0">
-              <a:effectLst>
-                <a:outerShdw blurRad="38100" dist="38100" dir="2700000" algn="tl">
-                  <a:srgbClr val="000000">
-                    <a:alpha val="43137"/>
-                  </a:srgbClr>
-                </a:outerShdw>
-              </a:effectLst>
-            </a:endParaRPr>
-          </a:p>
-          <a:p>
-            <a:pPr marL="0" indent="0">
-              <a:buNone/>
-            </a:pPr>
-            <a:r>
-              <a:rPr lang="en-US" altLang="ko-KR" sz="1400" b="1" dirty="0">
-                <a:effectLst>
-                  <a:outerShdw blurRad="38100" dist="38100" dir="2700000" algn="tl">
-                    <a:srgbClr val="000000">
-                      <a:alpha val="43137"/>
-                    </a:srgbClr>
-                  </a:outerShdw>
-                </a:effectLst>
-              </a:rPr>
-              <a:t>	</a:t>
-            </a:r>
-            <a:r>
-              <a:rPr lang="en-US" altLang="ko-KR" sz="1400" b="1" dirty="0">
-                <a:effectLst>
-                  <a:outerShdw blurRad="38100" dist="38100" dir="2700000" algn="tl">
-                    <a:srgbClr val="000000">
-                      <a:alpha val="43137"/>
-                    </a:srgbClr>
-                  </a:outerShdw>
-                </a:effectLst>
-                <a:hlinkClick r:id="rId5"/>
-              </a:rPr>
-              <a:t>http://www.dt.co.kr/contents.html?article_no=2019022602109931041001</a:t>
-            </a:r>
-            <a:endParaRPr lang="en-US" altLang="ko-KR" sz="1400" b="1" dirty="0">
-              <a:effectLst>
-                <a:outerShdw blurRad="38100" dist="38100" dir="2700000" algn="tl">
-                  <a:srgbClr val="000000">
-                    <a:alpha val="43137"/>
-                  </a:srgbClr>
-                </a:outerShdw>
-              </a:effectLst>
-            </a:endParaRPr>
-          </a:p>
-          <a:p>
-            <a:pPr marL="0" indent="0">
-              <a:buNone/>
-            </a:pPr>
-            <a:r>
-              <a:rPr lang="en-US" altLang="ko-KR" sz="1400" b="1" dirty="0">
-                <a:effectLst>
-                  <a:outerShdw blurRad="38100" dist="38100" dir="2700000" algn="tl">
-                    <a:srgbClr val="000000">
-                      <a:alpha val="43137"/>
-                    </a:srgbClr>
-                  </a:outerShdw>
-                </a:effectLst>
-              </a:rPr>
-              <a:t>	</a:t>
-            </a:r>
-            <a:r>
-              <a:rPr lang="en-US" altLang="ko-KR" sz="1400" b="1" dirty="0">
-                <a:effectLst>
-                  <a:outerShdw blurRad="38100" dist="38100" dir="2700000" algn="tl">
-                    <a:srgbClr val="000000">
-                      <a:alpha val="43137"/>
-                    </a:srgbClr>
-                  </a:outerShdw>
-                </a:effectLst>
-                <a:hlinkClick r:id="rId6"/>
-              </a:rPr>
-              <a:t>http://www.dt.co.kr/contents.html?article_no=2018122302109931731002</a:t>
-            </a:r>
-            <a:endParaRPr lang="en-US" altLang="ko-KR" sz="1400" b="1" dirty="0">
-              <a:effectLst>
-                <a:outerShdw blurRad="38100" dist="38100" dir="2700000" algn="tl">
-                  <a:srgbClr val="000000">
-                    <a:alpha val="43137"/>
-                  </a:srgbClr>
-                </a:outerShdw>
-              </a:effectLst>
-            </a:endParaRPr>
-          </a:p>
-          <a:p>
-            <a:pPr marL="0" indent="0">
-              <a:buNone/>
-            </a:pPr>
-            <a:endParaRPr lang="en-US" altLang="ko-KR" sz="1400" b="1" dirty="0">
-              <a:effectLst>
-                <a:outerShdw blurRad="38100" dist="38100" dir="2700000" algn="tl">
-                  <a:srgbClr val="000000">
-                    <a:alpha val="43137"/>
-                  </a:srgbClr>
-                </a:outerShdw>
-              </a:effectLst>
-            </a:endParaRPr>
-          </a:p>
-          <a:p>
-            <a:r>
-              <a:rPr lang="en-US" altLang="ko-KR" sz="1400" b="1" dirty="0">
-                <a:effectLst>
-                  <a:outerShdw blurRad="38100" dist="38100" dir="2700000" algn="tl">
-                    <a:srgbClr val="000000">
-                      <a:alpha val="43137"/>
-                    </a:srgbClr>
-                  </a:outerShdw>
-                </a:effectLst>
-              </a:rPr>
-              <a:t>[</a:t>
-            </a:r>
-            <a:r>
-              <a:rPr lang="ko-KR" altLang="en-US" sz="1400" b="1" dirty="0">
-                <a:effectLst>
-                  <a:outerShdw blurRad="38100" dist="38100" dir="2700000" algn="tl">
-                    <a:srgbClr val="000000">
-                      <a:alpha val="43137"/>
-                    </a:srgbClr>
-                  </a:outerShdw>
-                </a:effectLst>
-              </a:rPr>
-              <a:t>그림</a:t>
-            </a:r>
-            <a:r>
-              <a:rPr lang="en-US" altLang="ko-KR" sz="1400" b="1" dirty="0">
-                <a:effectLst>
-                  <a:outerShdw blurRad="38100" dist="38100" dir="2700000" algn="tl">
-                    <a:srgbClr val="000000">
-                      <a:alpha val="43137"/>
-                    </a:srgbClr>
-                  </a:outerShdw>
-                </a:effectLst>
-              </a:rPr>
-              <a:t>3] </a:t>
-            </a:r>
-            <a:r>
-              <a:rPr lang="en-US" altLang="ko-KR" sz="1400" b="1" dirty="0">
-                <a:effectLst>
-                  <a:outerShdw blurRad="38100" dist="38100" dir="2700000" algn="tl">
-                    <a:srgbClr val="000000">
-                      <a:alpha val="43137"/>
-                    </a:srgbClr>
-                  </a:outerShdw>
-                </a:effectLst>
-                <a:hlinkClick r:id="rId7"/>
-              </a:rPr>
-              <a:t>https://www.boannews.com/media/view.asp?idx=76283</a:t>
-            </a:r>
-            <a:endParaRPr lang="en-US" altLang="ko-KR" sz="1400" b="1" dirty="0">
-              <a:effectLst>
-                <a:outerShdw blurRad="38100" dist="38100" dir="2700000" algn="tl">
-                  <a:srgbClr val="000000">
-                    <a:alpha val="43137"/>
-                  </a:srgbClr>
-                </a:outerShdw>
-              </a:effectLst>
-            </a:endParaRPr>
-          </a:p>
-          <a:p>
-            <a:endParaRPr lang="en-US" altLang="ko-KR" sz="1400" b="1" dirty="0">
-              <a:effectLst>
-                <a:outerShdw blurRad="38100" dist="38100" dir="2700000" algn="tl">
-                  <a:srgbClr val="000000">
-                    <a:alpha val="43137"/>
-                  </a:srgbClr>
-                </a:outerShdw>
-              </a:effectLst>
-            </a:endParaRPr>
-          </a:p>
-          <a:p>
-            <a:r>
-              <a:rPr lang="en-US" altLang="ko-KR" sz="1400" b="1" dirty="0">
-                <a:effectLst>
-                  <a:outerShdw blurRad="38100" dist="38100" dir="2700000" algn="tl">
-                    <a:srgbClr val="000000">
-                      <a:alpha val="43137"/>
-                    </a:srgbClr>
-                  </a:outerShdw>
-                </a:effectLst>
-              </a:rPr>
-              <a:t>[</a:t>
-            </a:r>
-            <a:r>
-              <a:rPr lang="ko-KR" altLang="en-US" sz="1400" b="1" dirty="0">
-                <a:effectLst>
-                  <a:outerShdw blurRad="38100" dist="38100" dir="2700000" algn="tl">
-                    <a:srgbClr val="000000">
-                      <a:alpha val="43137"/>
-                    </a:srgbClr>
-                  </a:outerShdw>
-                </a:effectLst>
-              </a:rPr>
-              <a:t>그림</a:t>
-            </a:r>
-            <a:r>
-              <a:rPr lang="en-US" altLang="ko-KR" sz="1400" b="1" dirty="0">
-                <a:effectLst>
-                  <a:outerShdw blurRad="38100" dist="38100" dir="2700000" algn="tl">
-                    <a:srgbClr val="000000">
-                      <a:alpha val="43137"/>
-                    </a:srgbClr>
-                  </a:outerShdw>
-                </a:effectLst>
-              </a:rPr>
-              <a:t>4] </a:t>
-            </a:r>
-            <a:r>
-              <a:rPr lang="en-US" altLang="ko-KR" sz="1400" b="1" dirty="0">
-                <a:effectLst>
-                  <a:outerShdw blurRad="38100" dist="38100" dir="2700000" algn="tl">
-                    <a:srgbClr val="000000">
-                      <a:alpha val="43137"/>
-                    </a:srgbClr>
-                  </a:outerShdw>
-                </a:effectLst>
-                <a:hlinkClick r:id="rId8"/>
-              </a:rPr>
-              <a:t>https://github.com/tensorflow/models/blob/master/research/object_detection 	/g3doc/</a:t>
-            </a:r>
-            <a:r>
-              <a:rPr lang="en-US" altLang="ko-KR" sz="1400" b="1" dirty="0" err="1">
-                <a:effectLst>
-                  <a:outerShdw blurRad="38100" dist="38100" dir="2700000" algn="tl">
-                    <a:srgbClr val="000000">
-                      <a:alpha val="43137"/>
-                    </a:srgbClr>
-                  </a:outerShdw>
-                </a:effectLst>
-                <a:hlinkClick r:id="rId8"/>
-              </a:rPr>
-              <a:t>img</a:t>
-            </a:r>
-            <a:r>
-              <a:rPr lang="en-US" altLang="ko-KR" sz="1400" b="1" dirty="0">
-                <a:effectLst>
-                  <a:outerShdw blurRad="38100" dist="38100" dir="2700000" algn="tl">
-                    <a:srgbClr val="000000">
-                      <a:alpha val="43137"/>
-                    </a:srgbClr>
-                  </a:outerShdw>
-                </a:effectLst>
-                <a:hlinkClick r:id="rId8"/>
-              </a:rPr>
-              <a:t>/kites_detections_output.jpg</a:t>
-            </a:r>
-            <a:endParaRPr lang="en-US" altLang="ko-KR" sz="1400" b="1" dirty="0">
-              <a:effectLst>
-                <a:outerShdw blurRad="38100" dist="38100" dir="2700000" algn="tl">
-                  <a:srgbClr val="000000">
-                    <a:alpha val="43137"/>
-                  </a:srgbClr>
-                </a:outerShdw>
-              </a:effectLst>
-            </a:endParaRPr>
-          </a:p>
-          <a:p>
-            <a:endParaRPr lang="en-US" altLang="ko-KR" sz="1400" b="1" dirty="0">
-              <a:effectLst>
-                <a:outerShdw blurRad="38100" dist="38100" dir="2700000" algn="tl">
-                  <a:srgbClr val="000000">
-                    <a:alpha val="43137"/>
-                  </a:srgbClr>
-                </a:outerShdw>
-              </a:effectLst>
-            </a:endParaRPr>
-          </a:p>
-          <a:p>
-            <a:r>
-              <a:rPr lang="en-US" altLang="ko-KR" sz="1400" b="1" dirty="0">
-                <a:effectLst>
-                  <a:outerShdw blurRad="38100" dist="38100" dir="2700000" algn="tl">
-                    <a:srgbClr val="000000">
-                      <a:alpha val="43137"/>
-                    </a:srgbClr>
-                  </a:outerShdw>
-                </a:effectLst>
-              </a:rPr>
-              <a:t>[</a:t>
-            </a:r>
-            <a:r>
-              <a:rPr lang="ko-KR" altLang="en-US" sz="1400" b="1" dirty="0">
-                <a:effectLst>
-                  <a:outerShdw blurRad="38100" dist="38100" dir="2700000" algn="tl">
-                    <a:srgbClr val="000000">
-                      <a:alpha val="43137"/>
-                    </a:srgbClr>
-                  </a:outerShdw>
-                </a:effectLst>
-              </a:rPr>
-              <a:t>그림</a:t>
-            </a:r>
-            <a:r>
-              <a:rPr lang="en-US" altLang="ko-KR" sz="1400" b="1" dirty="0">
-                <a:effectLst>
-                  <a:outerShdw blurRad="38100" dist="38100" dir="2700000" algn="tl">
-                    <a:srgbClr val="000000">
-                      <a:alpha val="43137"/>
-                    </a:srgbClr>
-                  </a:outerShdw>
-                </a:effectLst>
-              </a:rPr>
-              <a:t>5] </a:t>
-            </a:r>
-            <a:r>
-              <a:rPr lang="en-US" altLang="ko-KR" sz="1400" b="1" dirty="0">
-                <a:effectLst>
-                  <a:outerShdw blurRad="38100" dist="38100" dir="2700000" algn="tl">
-                    <a:srgbClr val="000000">
-                      <a:alpha val="43137"/>
-                    </a:srgbClr>
-                  </a:outerShdw>
-                </a:effectLst>
-                <a:hlinkClick r:id="rId9"/>
-              </a:rPr>
-              <a:t>http://deeplearning.stanford.edu/wiki/index.php/File:Convolution_schematic.gif</a:t>
-            </a:r>
-            <a:endParaRPr lang="en-US" altLang="ko-KR" sz="1400" b="1" dirty="0">
-              <a:effectLst>
-                <a:outerShdw blurRad="38100" dist="38100" dir="2700000" algn="tl">
-                  <a:srgbClr val="000000">
-                    <a:alpha val="43137"/>
-                  </a:srgbClr>
-                </a:outerShdw>
-              </a:effectLst>
-            </a:endParaRPr>
-          </a:p>
-          <a:p>
-            <a:pPr marL="0" indent="0">
-              <a:buNone/>
-            </a:pPr>
-            <a:endParaRPr lang="en-US" altLang="ko-KR" sz="1400" b="1" dirty="0">
-              <a:effectLst>
-                <a:outerShdw blurRad="38100" dist="38100" dir="2700000" algn="tl">
-                  <a:srgbClr val="000000">
-                    <a:alpha val="43137"/>
-                  </a:srgbClr>
-                </a:outerShdw>
-              </a:effectLst>
-            </a:endParaRPr>
-          </a:p>
-          <a:p>
-            <a:r>
-              <a:rPr lang="en-US" altLang="ko-KR" sz="1400" b="1" dirty="0">
-                <a:effectLst>
-                  <a:outerShdw blurRad="38100" dist="38100" dir="2700000" algn="tl">
-                    <a:srgbClr val="000000">
-                      <a:alpha val="43137"/>
-                    </a:srgbClr>
-                  </a:outerShdw>
-                </a:effectLst>
-              </a:rPr>
-              <a:t>[</a:t>
-            </a:r>
-            <a:r>
-              <a:rPr lang="ko-KR" altLang="en-US" sz="1400" b="1" dirty="0">
-                <a:effectLst>
-                  <a:outerShdw blurRad="38100" dist="38100" dir="2700000" algn="tl">
-                    <a:srgbClr val="000000">
-                      <a:alpha val="43137"/>
-                    </a:srgbClr>
-                  </a:outerShdw>
-                </a:effectLst>
-              </a:rPr>
-              <a:t>그림</a:t>
-            </a:r>
-            <a:r>
-              <a:rPr lang="en-US" altLang="ko-KR" sz="1400" b="1" dirty="0">
-                <a:effectLst>
-                  <a:outerShdw blurRad="38100" dist="38100" dir="2700000" algn="tl">
-                    <a:srgbClr val="000000">
-                      <a:alpha val="43137"/>
-                    </a:srgbClr>
-                  </a:outerShdw>
-                </a:effectLst>
-              </a:rPr>
-              <a:t>6] </a:t>
-            </a:r>
-            <a:r>
-              <a:rPr lang="en-US" altLang="ko-KR" sz="1400" b="1" dirty="0">
-                <a:effectLst>
-                  <a:outerShdw blurRad="38100" dist="38100" dir="2700000" algn="tl">
-                    <a:srgbClr val="000000">
-                      <a:alpha val="43137"/>
-                    </a:srgbClr>
-                  </a:outerShdw>
-                </a:effectLst>
-                <a:hlinkClick r:id="rId10"/>
-              </a:rPr>
-              <a:t>https://laonple.blog.me/220608018546</a:t>
-            </a:r>
-            <a:endParaRPr lang="en-US" altLang="ko-KR" sz="1400" b="1" dirty="0">
-              <a:effectLst>
-                <a:outerShdw blurRad="38100" dist="38100" dir="2700000" algn="tl">
-                  <a:srgbClr val="000000">
-                    <a:alpha val="43137"/>
-                  </a:srgbClr>
-                </a:outerShdw>
-              </a:effectLst>
-            </a:endParaRPr>
-          </a:p>
-          <a:p>
-            <a:pPr marL="0" indent="0">
-              <a:buNone/>
-            </a:pPr>
-            <a:endParaRPr lang="en-US" altLang="ko-KR" sz="1400" b="1" dirty="0">
-              <a:effectLst>
-                <a:outerShdw blurRad="38100" dist="38100" dir="2700000" algn="tl">
-                  <a:srgbClr val="000000">
-                    <a:alpha val="43137"/>
-                  </a:srgbClr>
-                </a:outerShdw>
-              </a:effectLst>
-            </a:endParaRPr>
-          </a:p>
-          <a:p>
-            <a:r>
-              <a:rPr lang="en-US" altLang="ko-KR" sz="1400" b="1" dirty="0">
-                <a:effectLst>
-                  <a:outerShdw blurRad="38100" dist="38100" dir="2700000" algn="tl">
-                    <a:srgbClr val="000000">
-                      <a:alpha val="43137"/>
-                    </a:srgbClr>
-                  </a:outerShdw>
-                </a:effectLst>
-              </a:rPr>
-              <a:t>[</a:t>
-            </a:r>
-            <a:r>
-              <a:rPr lang="ko-KR" altLang="en-US" sz="1400" b="1" dirty="0">
-                <a:effectLst>
-                  <a:outerShdw blurRad="38100" dist="38100" dir="2700000" algn="tl">
-                    <a:srgbClr val="000000">
-                      <a:alpha val="43137"/>
-                    </a:srgbClr>
-                  </a:outerShdw>
-                </a:effectLst>
-              </a:rPr>
-              <a:t>그림</a:t>
-            </a:r>
-            <a:r>
-              <a:rPr lang="en-US" altLang="ko-KR" sz="1400" b="1" dirty="0">
-                <a:effectLst>
-                  <a:outerShdw blurRad="38100" dist="38100" dir="2700000" algn="tl">
-                    <a:srgbClr val="000000">
-                      <a:alpha val="43137"/>
-                    </a:srgbClr>
-                  </a:outerShdw>
-                </a:effectLst>
-              </a:rPr>
-              <a:t>7]</a:t>
-            </a:r>
-            <a:r>
-              <a:rPr lang="en-US" altLang="ko-KR" sz="1400" b="1" dirty="0"/>
-              <a:t> </a:t>
-            </a:r>
-            <a:r>
-              <a:rPr lang="en-US" altLang="ko-KR" sz="1400" b="1" dirty="0">
-                <a:solidFill>
-                  <a:srgbClr val="0000FF"/>
-                </a:solidFill>
-                <a:effectLst>
-                  <a:outerShdw blurRad="38100" dist="38100" dir="2700000" algn="tl">
-                    <a:srgbClr val="000000">
-                      <a:alpha val="43137"/>
-                    </a:srgbClr>
-                  </a:outerShdw>
-                </a:effectLst>
-                <a:hlinkClick r:id="rId11">
-                  <a:extLst>
-                    <a:ext uri="{A12FA001-AC4F-418D-AE19-62706E023703}">
-                      <ahyp:hlinkClr xmlns:ahyp="http://schemas.microsoft.com/office/drawing/2018/hyperlinkcolor" val="tx"/>
-                    </a:ext>
-                  </a:extLst>
-                </a:hlinkClick>
-              </a:rPr>
-              <a:t>http://www.dbpia.co.kr/Journal/ArticleDetail/NODE01915950</a:t>
-            </a:r>
-            <a:r>
-              <a:rPr lang="en-US" altLang="ko-KR" sz="1400" b="1" dirty="0"/>
-              <a:t> </a:t>
-            </a:r>
-          </a:p>
-          <a:p>
-            <a:endParaRPr lang="en-US" altLang="ko-KR" sz="1400" b="1" dirty="0"/>
-          </a:p>
-          <a:p>
-            <a:r>
-              <a:rPr lang="en-US" altLang="ko-KR" sz="1400" b="1" dirty="0">
-                <a:effectLst>
-                  <a:outerShdw blurRad="38100" dist="38100" dir="2700000" algn="tl">
-                    <a:srgbClr val="000000">
-                      <a:alpha val="43137"/>
-                    </a:srgbClr>
-                  </a:outerShdw>
-                </a:effectLst>
-              </a:rPr>
-              <a:t>[</a:t>
-            </a:r>
-            <a:r>
-              <a:rPr lang="ko-KR" altLang="en-US" sz="1400" b="1" dirty="0">
-                <a:effectLst>
-                  <a:outerShdw blurRad="38100" dist="38100" dir="2700000" algn="tl">
-                    <a:srgbClr val="000000">
-                      <a:alpha val="43137"/>
-                    </a:srgbClr>
-                  </a:outerShdw>
-                </a:effectLst>
-              </a:rPr>
-              <a:t>그림</a:t>
-            </a:r>
-            <a:r>
-              <a:rPr lang="en-US" altLang="ko-KR" sz="1400" b="1" dirty="0">
-                <a:effectLst>
-                  <a:outerShdw blurRad="38100" dist="38100" dir="2700000" algn="tl">
-                    <a:srgbClr val="000000">
-                      <a:alpha val="43137"/>
-                    </a:srgbClr>
-                  </a:outerShdw>
-                </a:effectLst>
-              </a:rPr>
-              <a:t>8] </a:t>
-            </a:r>
-            <a:r>
-              <a:rPr lang="en-US" altLang="ko-KR" sz="1400" b="1" dirty="0">
-                <a:effectLst>
-                  <a:outerShdw blurRad="38100" dist="38100" dir="2700000" algn="tl">
-                    <a:srgbClr val="000000">
-                      <a:alpha val="43137"/>
-                    </a:srgbClr>
-                  </a:outerShdw>
-                </a:effectLst>
-                <a:hlinkClick r:id="rId12"/>
-              </a:rPr>
-              <a:t>https://ieeexplore.ieee.org/stamp/stamp.jsp?tp=&amp;arnumber=8506339</a:t>
-            </a:r>
-            <a:endParaRPr lang="en-US" altLang="ko-KR" sz="1400" b="1" dirty="0">
-              <a:effectLst>
-                <a:outerShdw blurRad="38100" dist="38100" dir="2700000" algn="tl">
-                  <a:srgbClr val="000000">
-                    <a:alpha val="43137"/>
-                  </a:srgbClr>
-                </a:outerShdw>
-              </a:effectLst>
-            </a:endParaRPr>
-          </a:p>
-        </p:txBody>
-      </p:sp>
-      <p:sp>
-        <p:nvSpPr>
-          <p:cNvPr id="11" name="직사각형 10">
-            <a:extLst>
-              <a:ext uri="{FF2B5EF4-FFF2-40B4-BE49-F238E27FC236}">
-                <a16:creationId xmlns:a16="http://schemas.microsoft.com/office/drawing/2014/main" id="{1C140814-D0FE-4A68-84B8-4646E5D82186}"/>
-              </a:ext>
-            </a:extLst>
-          </p:cNvPr>
-          <p:cNvSpPr/>
-          <p:nvPr/>
-        </p:nvSpPr>
-        <p:spPr>
-          <a:xfrm>
-            <a:off x="547541" y="3886125"/>
-            <a:ext cx="614545" cy="296668"/>
-          </a:xfrm>
-          <a:prstGeom prst="rect">
-            <a:avLst/>
-          </a:prstGeom>
-          <a:solidFill>
-            <a:schemeClr val="bg1"/>
-          </a:solidFill>
-          <a:ln>
-            <a:noFill/>
-          </a:ln>
-        </p:spPr>
-        <p:style>
-          <a:lnRef idx="2">
-            <a:schemeClr val="accent1">
-              <a:shade val="50000"/>
-            </a:schemeClr>
-          </a:lnRef>
-          <a:fillRef idx="1">
-            <a:schemeClr val="accent1"/>
-          </a:fillRef>
-          <a:effectRef idx="0">
-            <a:schemeClr val="accent1"/>
-          </a:effectRef>
-          <a:fontRef idx="minor">
-            <a:schemeClr val="lt1"/>
-          </a:fontRef>
-        </p:style>
-        <p:txBody>
-          <a:bodyPr rtlCol="0" anchor="ctr"/>
-          <a:lstStyle/>
-          <a:p>
-            <a:pPr algn="ctr"/>
-            <a:endParaRPr lang="ko-KR" altLang="en-US"/>
-          </a:p>
-        </p:txBody>
-      </p:sp>
-      <p:sp>
-        <p:nvSpPr>
-          <p:cNvPr id="12" name="직사각형 11">
-            <a:extLst>
-              <a:ext uri="{FF2B5EF4-FFF2-40B4-BE49-F238E27FC236}">
-                <a16:creationId xmlns:a16="http://schemas.microsoft.com/office/drawing/2014/main" id="{EF7CD7A9-EC1B-4BDB-BD8F-885E9EFB11E7}"/>
-              </a:ext>
-            </a:extLst>
-          </p:cNvPr>
-          <p:cNvSpPr/>
-          <p:nvPr/>
-        </p:nvSpPr>
-        <p:spPr>
-          <a:xfrm>
-            <a:off x="557066" y="1643468"/>
-            <a:ext cx="614545" cy="296668"/>
-          </a:xfrm>
-          <a:prstGeom prst="rect">
-            <a:avLst/>
-          </a:prstGeom>
-          <a:solidFill>
-            <a:schemeClr val="bg1"/>
-          </a:solidFill>
-          <a:ln>
-            <a:noFill/>
-          </a:ln>
-        </p:spPr>
-        <p:style>
-          <a:lnRef idx="2">
-            <a:schemeClr val="accent1">
-              <a:shade val="50000"/>
-            </a:schemeClr>
-          </a:lnRef>
-          <a:fillRef idx="1">
-            <a:schemeClr val="accent1"/>
-          </a:fillRef>
-          <a:effectRef idx="0">
-            <a:schemeClr val="accent1"/>
-          </a:effectRef>
-          <a:fontRef idx="minor">
-            <a:schemeClr val="lt1"/>
-          </a:fontRef>
-        </p:style>
-        <p:txBody>
-          <a:bodyPr rtlCol="0" anchor="ctr"/>
-          <a:lstStyle/>
-          <a:p>
-            <a:pPr algn="ctr"/>
-            <a:endParaRPr lang="ko-KR" altLang="en-US"/>
-          </a:p>
-        </p:txBody>
-      </p:sp>
-    </p:spTree>
-    <p:extLst>
-      <p:ext uri="{BB962C8B-B14F-4D97-AF65-F5344CB8AC3E}">
-        <p14:creationId xmlns:p14="http://schemas.microsoft.com/office/powerpoint/2010/main" val="1044562264"/>
-      </p:ext>
-    </p:extLst>
-  </p:cSld>
-  <p:clrMapOvr>
-    <a:masterClrMapping/>
-  </p:clrMapOvr>
-</p:sld>
-</file>
-
-<file path=ppt/slides/slide14.xml><?xml version="1.0" encoding="utf-8"?>
 <p:sld xmlns:a="http://schemas.openxmlformats.org/drawingml/2006/main" xmlns:r="http://schemas.openxmlformats.org/officeDocument/2006/relationships" xmlns:p="http://schemas.openxmlformats.org/presentationml/2006/main">
   <p:cSld>
     <p:bg>
@@ -11127,7 +9700,7 @@
 </file>
 
 <file path=ppt/slides/slide2.xml><?xml version="1.0" encoding="utf-8"?>
-<p:sld xmlns:a="http://schemas.openxmlformats.org/drawingml/2006/main" xmlns:r="http://schemas.openxmlformats.org/officeDocument/2006/relationships" xmlns:p="http://schemas.openxmlformats.org/presentationml/2006/main" show="0">
+<p:sld xmlns:a="http://schemas.openxmlformats.org/drawingml/2006/main" xmlns:r="http://schemas.openxmlformats.org/officeDocument/2006/relationships" xmlns:p="http://schemas.openxmlformats.org/presentationml/2006/main">
   <p:cSld>
     <p:bg>
       <p:bgPr>
@@ -11162,7 +9735,7 @@
         <p:spPr>
           <a:xfrm>
             <a:off x="323528" y="548680"/>
-            <a:ext cx="4176464" cy="461665"/>
+            <a:ext cx="4176464" cy="861774"/>
           </a:xfrm>
           <a:prstGeom prst="rect">
             <a:avLst/>
@@ -11176,18 +9749,13 @@
           <a:lstStyle/>
           <a:p>
             <a:r>
-              <a:rPr lang="en-US" altLang="ko-KR" sz="2400" b="1" dirty="0">
+              <a:rPr lang="ko-KR" altLang="en-US" sz="5000" b="1" dirty="0">
                 <a:solidFill>
                   <a:schemeClr val="bg1"/>
                 </a:solidFill>
               </a:rPr>
-              <a:t>CONTENTS</a:t>
-            </a:r>
-            <a:endParaRPr lang="ko-KR" altLang="en-US" sz="2400" b="1" dirty="0">
-              <a:solidFill>
-                <a:schemeClr val="bg1"/>
-              </a:solidFill>
-            </a:endParaRPr>
+              <a:t>목차</a:t>
+            </a:r>
           </a:p>
         </p:txBody>
       </p:sp>
@@ -11199,8 +9767,8 @@
         </p:nvSpPr>
         <p:spPr>
           <a:xfrm>
-            <a:off x="384903" y="1772816"/>
-            <a:ext cx="8496944" cy="923330"/>
+            <a:off x="2330167" y="1124744"/>
+            <a:ext cx="4339650" cy="5478423"/>
           </a:xfrm>
           <a:prstGeom prst="rect">
             <a:avLst/>
@@ -11208,22 +9776,54 @@
           <a:noFill/>
         </p:spPr>
         <p:txBody>
-          <a:bodyPr wrap="square" rtlCol="0">
+          <a:bodyPr vert="horz" wrap="square" rtlCol="0">
             <a:spAutoFit/>
           </a:bodyPr>
           <a:lstStyle/>
           <a:p>
             <a:r>
-              <a:rPr lang="en-US" altLang="ko-KR" sz="5400" dirty="0">
+              <a:rPr lang="en-US" altLang="ko-KR" sz="3000" dirty="0">
                 <a:solidFill>
                   <a:schemeClr val="bg1"/>
                 </a:solidFill>
                 <a:latin typeface="HY헤드라인M" pitchFamily="18" charset="-127"/>
                 <a:ea typeface="HY헤드라인M" pitchFamily="18" charset="-127"/>
               </a:rPr>
-              <a:t>01    02    03    04    05</a:t>
-            </a:r>
-            <a:endParaRPr lang="ko-KR" altLang="en-US" sz="5400" dirty="0">
+              <a:t>01</a:t>
+            </a:r>
+            <a:r>
+              <a:rPr lang="en-US" altLang="ko-KR" sz="3500" dirty="0">
+                <a:solidFill>
+                  <a:schemeClr val="bg1"/>
+                </a:solidFill>
+                <a:latin typeface="HY헤드라인M" pitchFamily="18" charset="-127"/>
+                <a:ea typeface="HY헤드라인M" pitchFamily="18" charset="-127"/>
+              </a:rPr>
+              <a:t>    </a:t>
+            </a:r>
+            <a:r>
+              <a:rPr lang="ko-KR" altLang="en-US" sz="3500" dirty="0">
+                <a:solidFill>
+                  <a:schemeClr val="bg1"/>
+                </a:solidFill>
+                <a:latin typeface="HY헤드라인M" pitchFamily="18" charset="-127"/>
+                <a:ea typeface="HY헤드라인M" pitchFamily="18" charset="-127"/>
+              </a:rPr>
+              <a:t>서론</a:t>
+            </a:r>
+            <a:r>
+              <a:rPr lang="en-US" altLang="ko-KR" sz="3500" dirty="0">
+                <a:solidFill>
+                  <a:schemeClr val="bg1"/>
+                </a:solidFill>
+                <a:latin typeface="HY헤드라인M" pitchFamily="18" charset="-127"/>
+                <a:ea typeface="HY헤드라인M" pitchFamily="18" charset="-127"/>
+              </a:rPr>
+              <a:t>  </a:t>
+            </a:r>
+          </a:p>
+          <a:p>
+            <a:endParaRPr lang="en-US" altLang="ko-KR" sz="3500" dirty="0">
               <a:solidFill>
                 <a:schemeClr val="bg1"/>
               </a:solidFill>
@@ -11231,378 +9831,201 @@
               <a:ea typeface="HY헤드라인M" pitchFamily="18" charset="-127"/>
             </a:endParaRPr>
           </a:p>
-        </p:txBody>
-      </p:sp>
-      <p:cxnSp>
-        <p:nvCxnSpPr>
-          <p:cNvPr id="11" name="직선 연결선 10"/>
-          <p:cNvCxnSpPr/>
-          <p:nvPr/>
-        </p:nvCxnSpPr>
-        <p:spPr>
-          <a:xfrm>
-            <a:off x="528919" y="2708920"/>
-            <a:ext cx="1152128" cy="0"/>
-          </a:xfrm>
-          <a:prstGeom prst="line">
-            <a:avLst/>
-          </a:prstGeom>
-          <a:ln>
-            <a:solidFill>
-              <a:schemeClr val="bg1"/>
-            </a:solidFill>
-          </a:ln>
-        </p:spPr>
-        <p:style>
-          <a:lnRef idx="1">
-            <a:schemeClr val="accent1"/>
-          </a:lnRef>
-          <a:fillRef idx="0">
-            <a:schemeClr val="accent1"/>
-          </a:fillRef>
-          <a:effectRef idx="0">
-            <a:schemeClr val="accent1"/>
-          </a:effectRef>
-          <a:fontRef idx="minor">
-            <a:schemeClr val="tx1"/>
-          </a:fontRef>
-        </p:style>
-      </p:cxnSp>
-      <p:cxnSp>
-        <p:nvCxnSpPr>
-          <p:cNvPr id="12" name="직선 연결선 11"/>
-          <p:cNvCxnSpPr/>
-          <p:nvPr/>
-        </p:nvCxnSpPr>
-        <p:spPr>
-          <a:xfrm>
-            <a:off x="2195736" y="2708920"/>
-            <a:ext cx="1152128" cy="0"/>
-          </a:xfrm>
-          <a:prstGeom prst="line">
-            <a:avLst/>
-          </a:prstGeom>
-          <a:ln>
-            <a:solidFill>
-              <a:schemeClr val="bg1"/>
-            </a:solidFill>
-          </a:ln>
-        </p:spPr>
-        <p:style>
-          <a:lnRef idx="1">
-            <a:schemeClr val="accent1"/>
-          </a:lnRef>
-          <a:fillRef idx="0">
-            <a:schemeClr val="accent1"/>
-          </a:fillRef>
-          <a:effectRef idx="0">
-            <a:schemeClr val="accent1"/>
-          </a:effectRef>
-          <a:fontRef idx="minor">
-            <a:schemeClr val="tx1"/>
-          </a:fontRef>
-        </p:style>
-      </p:cxnSp>
-      <p:cxnSp>
-        <p:nvCxnSpPr>
-          <p:cNvPr id="13" name="직선 연결선 12"/>
-          <p:cNvCxnSpPr/>
-          <p:nvPr/>
-        </p:nvCxnSpPr>
-        <p:spPr>
-          <a:xfrm>
-            <a:off x="3851920" y="2715132"/>
-            <a:ext cx="1152128" cy="0"/>
-          </a:xfrm>
-          <a:prstGeom prst="line">
-            <a:avLst/>
-          </a:prstGeom>
-          <a:ln>
-            <a:solidFill>
-              <a:schemeClr val="bg1"/>
-            </a:solidFill>
-          </a:ln>
-        </p:spPr>
-        <p:style>
-          <a:lnRef idx="1">
-            <a:schemeClr val="accent1"/>
-          </a:lnRef>
-          <a:fillRef idx="0">
-            <a:schemeClr val="accent1"/>
-          </a:fillRef>
-          <a:effectRef idx="0">
-            <a:schemeClr val="accent1"/>
-          </a:effectRef>
-          <a:fontRef idx="minor">
-            <a:schemeClr val="tx1"/>
-          </a:fontRef>
-        </p:style>
-      </p:cxnSp>
-      <p:cxnSp>
-        <p:nvCxnSpPr>
-          <p:cNvPr id="14" name="직선 연결선 13"/>
-          <p:cNvCxnSpPr/>
-          <p:nvPr/>
-        </p:nvCxnSpPr>
-        <p:spPr>
-          <a:xfrm>
-            <a:off x="5652120" y="2710151"/>
-            <a:ext cx="1152128" cy="0"/>
-          </a:xfrm>
-          <a:prstGeom prst="line">
-            <a:avLst/>
-          </a:prstGeom>
-          <a:ln>
-            <a:solidFill>
-              <a:schemeClr val="bg1"/>
-            </a:solidFill>
-          </a:ln>
-        </p:spPr>
-        <p:style>
-          <a:lnRef idx="1">
-            <a:schemeClr val="accent1"/>
-          </a:lnRef>
-          <a:fillRef idx="0">
-            <a:schemeClr val="accent1"/>
-          </a:fillRef>
-          <a:effectRef idx="0">
-            <a:schemeClr val="accent1"/>
-          </a:effectRef>
-          <a:fontRef idx="minor">
-            <a:schemeClr val="tx1"/>
-          </a:fontRef>
-        </p:style>
-      </p:cxnSp>
-      <p:cxnSp>
-        <p:nvCxnSpPr>
-          <p:cNvPr id="15" name="직선 연결선 14"/>
-          <p:cNvCxnSpPr/>
-          <p:nvPr/>
-        </p:nvCxnSpPr>
-        <p:spPr>
-          <a:xfrm>
-            <a:off x="7380312" y="2708920"/>
-            <a:ext cx="1152128" cy="0"/>
-          </a:xfrm>
-          <a:prstGeom prst="line">
-            <a:avLst/>
-          </a:prstGeom>
-          <a:ln>
-            <a:solidFill>
-              <a:schemeClr val="bg1"/>
-            </a:solidFill>
-          </a:ln>
-        </p:spPr>
-        <p:style>
-          <a:lnRef idx="1">
-            <a:schemeClr val="accent1"/>
-          </a:lnRef>
-          <a:fillRef idx="0">
-            <a:schemeClr val="accent1"/>
-          </a:fillRef>
-          <a:effectRef idx="0">
-            <a:schemeClr val="accent1"/>
-          </a:effectRef>
-          <a:fontRef idx="minor">
-            <a:schemeClr val="tx1"/>
-          </a:fontRef>
-        </p:style>
-      </p:cxnSp>
-      <p:sp>
-        <p:nvSpPr>
-          <p:cNvPr id="16" name="TextBox 15"/>
-          <p:cNvSpPr txBox="1"/>
-          <p:nvPr/>
-        </p:nvSpPr>
-        <p:spPr>
-          <a:xfrm>
-            <a:off x="395536" y="2843644"/>
-            <a:ext cx="1368152" cy="400110"/>
-          </a:xfrm>
-          <a:prstGeom prst="rect">
-            <a:avLst/>
-          </a:prstGeom>
-          <a:noFill/>
-        </p:spPr>
-        <p:txBody>
-          <a:bodyPr wrap="square" rtlCol="0">
-            <a:spAutoFit/>
-          </a:bodyPr>
-          <a:lstStyle/>
-          <a:p>
-            <a:r>
-              <a:rPr lang="ko-KR" altLang="en-US" sz="2000" b="1" spc="-150">
+          <a:p>
+            <a:r>
+              <a:rPr lang="en-US" altLang="ko-KR" sz="3000" dirty="0">
                 <a:solidFill>
                   <a:schemeClr val="bg1"/>
                 </a:solidFill>
-                <a:latin typeface="Rix비타민 M" panose="02020603020101020101" pitchFamily="18" charset="-127"/>
-                <a:ea typeface="Rix비타민 M" panose="02020603020101020101" pitchFamily="18" charset="-127"/>
-              </a:rPr>
-              <a:t>서론</a:t>
-            </a:r>
-            <a:endParaRPr lang="ko-KR" altLang="en-US" sz="2000" b="1" spc="-150" dirty="0">
+                <a:latin typeface="HY헤드라인M" pitchFamily="18" charset="-127"/>
+                <a:ea typeface="HY헤드라인M" pitchFamily="18" charset="-127"/>
+              </a:rPr>
+              <a:t>02</a:t>
+            </a:r>
+            <a:r>
+              <a:rPr lang="en-US" altLang="ko-KR" sz="3500" dirty="0">
+                <a:solidFill>
+                  <a:schemeClr val="bg1"/>
+                </a:solidFill>
+                <a:latin typeface="HY헤드라인M" pitchFamily="18" charset="-127"/>
+                <a:ea typeface="HY헤드라인M" pitchFamily="18" charset="-127"/>
+              </a:rPr>
+              <a:t>    </a:t>
+            </a:r>
+            <a:r>
+              <a:rPr lang="ko-KR" altLang="en-US" sz="3500" dirty="0">
+                <a:solidFill>
+                  <a:schemeClr val="bg1"/>
+                </a:solidFill>
+                <a:latin typeface="HY헤드라인M" pitchFamily="18" charset="-127"/>
+                <a:ea typeface="HY헤드라인M" pitchFamily="18" charset="-127"/>
+              </a:rPr>
+              <a:t>주제</a:t>
+            </a:r>
+            <a:endParaRPr lang="en-US" altLang="ko-KR" sz="3500" dirty="0">
               <a:solidFill>
                 <a:schemeClr val="bg1"/>
               </a:solidFill>
-              <a:latin typeface="Rix비타민 M" panose="02020603020101020101" pitchFamily="18" charset="-127"/>
-              <a:ea typeface="Rix비타민 M" panose="02020603020101020101" pitchFamily="18" charset="-127"/>
+              <a:latin typeface="HY헤드라인M" pitchFamily="18" charset="-127"/>
+              <a:ea typeface="HY헤드라인M" pitchFamily="18" charset="-127"/>
             </a:endParaRPr>
           </a:p>
-        </p:txBody>
-      </p:sp>
-      <p:sp>
-        <p:nvSpPr>
-          <p:cNvPr id="27" name="TextBox 26"/>
-          <p:cNvSpPr txBox="1"/>
-          <p:nvPr/>
-        </p:nvSpPr>
-        <p:spPr>
-          <a:xfrm>
-            <a:off x="2051720" y="2843644"/>
-            <a:ext cx="1656184" cy="400110"/>
-          </a:xfrm>
-          <a:prstGeom prst="rect">
-            <a:avLst/>
-          </a:prstGeom>
-          <a:noFill/>
-        </p:spPr>
-        <p:txBody>
-          <a:bodyPr wrap="square" rtlCol="0">
-            <a:spAutoFit/>
-          </a:bodyPr>
-          <a:lstStyle/>
-          <a:p>
-            <a:r>
-              <a:rPr lang="ko-KR" altLang="en-US" sz="2000" b="1" spc="-150" dirty="0">
-                <a:solidFill>
-                  <a:schemeClr val="bg1"/>
-                </a:solidFill>
-                <a:latin typeface="Rix비타민 M" panose="02020603020101020101" pitchFamily="18" charset="-127"/>
-                <a:ea typeface="Rix비타민 M" panose="02020603020101020101" pitchFamily="18" charset="-127"/>
-              </a:rPr>
-              <a:t>주제</a:t>
-            </a:r>
-          </a:p>
-        </p:txBody>
-      </p:sp>
-      <p:sp>
-        <p:nvSpPr>
-          <p:cNvPr id="28" name="TextBox 27"/>
-          <p:cNvSpPr txBox="1"/>
-          <p:nvPr/>
-        </p:nvSpPr>
-        <p:spPr>
-          <a:xfrm>
-            <a:off x="3851920" y="2843644"/>
-            <a:ext cx="1656184" cy="400110"/>
-          </a:xfrm>
-          <a:prstGeom prst="rect">
-            <a:avLst/>
-          </a:prstGeom>
-          <a:noFill/>
-        </p:spPr>
-        <p:txBody>
-          <a:bodyPr wrap="square" rtlCol="0">
-            <a:spAutoFit/>
-          </a:bodyPr>
-          <a:lstStyle/>
-          <a:p>
-            <a:r>
-              <a:rPr lang="ko-KR" altLang="en-US" sz="2000" b="1" spc="-150" dirty="0">
-                <a:solidFill>
-                  <a:schemeClr val="bg1"/>
-                </a:solidFill>
-                <a:latin typeface="Rix비타민 M" panose="02020603020101020101" pitchFamily="18" charset="-127"/>
-                <a:ea typeface="Rix비타민 M" panose="02020603020101020101" pitchFamily="18" charset="-127"/>
-              </a:rPr>
-              <a:t>기술</a:t>
-            </a:r>
-          </a:p>
-        </p:txBody>
-      </p:sp>
-      <p:sp>
-        <p:nvSpPr>
-          <p:cNvPr id="29" name="TextBox 28"/>
-          <p:cNvSpPr txBox="1"/>
-          <p:nvPr/>
-        </p:nvSpPr>
-        <p:spPr>
-          <a:xfrm>
-            <a:off x="5508104" y="2852936"/>
-            <a:ext cx="1872208" cy="400110"/>
-          </a:xfrm>
-          <a:prstGeom prst="rect">
-            <a:avLst/>
-          </a:prstGeom>
-          <a:noFill/>
-        </p:spPr>
-        <p:txBody>
-          <a:bodyPr wrap="square" rtlCol="0">
-            <a:spAutoFit/>
-          </a:bodyPr>
-          <a:lstStyle/>
-          <a:p>
-            <a:r>
-              <a:rPr lang="ko-KR" altLang="en-US" sz="2000" b="1" spc="-150">
-                <a:solidFill>
-                  <a:schemeClr val="bg1"/>
-                </a:solidFill>
-                <a:latin typeface="Rix비타민 M" panose="02020603020101020101" pitchFamily="18" charset="-127"/>
-                <a:ea typeface="Rix비타민 M" panose="02020603020101020101" pitchFamily="18" charset="-127"/>
-              </a:rPr>
-              <a:t>연구 동향</a:t>
-            </a:r>
-            <a:endParaRPr lang="ko-KR" altLang="en-US" sz="2000" b="1" spc="-150" dirty="0">
+          <a:p>
+            <a:endParaRPr lang="en-US" altLang="ko-KR" sz="3500" dirty="0">
               <a:solidFill>
                 <a:schemeClr val="bg1"/>
               </a:solidFill>
-              <a:latin typeface="Rix비타민 M" panose="02020603020101020101" pitchFamily="18" charset="-127"/>
-              <a:ea typeface="Rix비타민 M" panose="02020603020101020101" pitchFamily="18" charset="-127"/>
+              <a:latin typeface="HY헤드라인M" pitchFamily="18" charset="-127"/>
+              <a:ea typeface="HY헤드라인M" pitchFamily="18" charset="-127"/>
             </a:endParaRPr>
           </a:p>
-        </p:txBody>
-      </p:sp>
-      <p:sp>
-        <p:nvSpPr>
-          <p:cNvPr id="30" name="TextBox 29"/>
-          <p:cNvSpPr txBox="1"/>
-          <p:nvPr/>
-        </p:nvSpPr>
-        <p:spPr>
-          <a:xfrm>
-            <a:off x="7236296" y="2843644"/>
-            <a:ext cx="2195736" cy="400110"/>
-          </a:xfrm>
-          <a:prstGeom prst="rect">
-            <a:avLst/>
-          </a:prstGeom>
-          <a:noFill/>
-        </p:spPr>
-        <p:txBody>
-          <a:bodyPr wrap="square" rtlCol="0">
-            <a:spAutoFit/>
-          </a:bodyPr>
-          <a:lstStyle/>
-          <a:p>
-            <a:r>
-              <a:rPr lang="ko-KR" altLang="en-US" sz="2000" b="1" spc="-150" dirty="0">
+          <a:p>
+            <a:r>
+              <a:rPr lang="en-US" altLang="ko-KR" sz="3000" dirty="0">
                 <a:solidFill>
                   <a:schemeClr val="bg1"/>
                 </a:solidFill>
-                <a:latin typeface="Rix비타민 M" panose="02020603020101020101" pitchFamily="18" charset="-127"/>
-                <a:ea typeface="Rix비타민 M" panose="02020603020101020101" pitchFamily="18" charset="-127"/>
-              </a:rPr>
-              <a:t>참고 문헌</a:t>
-            </a:r>
+                <a:latin typeface="HY헤드라인M" pitchFamily="18" charset="-127"/>
+                <a:ea typeface="HY헤드라인M" pitchFamily="18" charset="-127"/>
+              </a:rPr>
+              <a:t>03</a:t>
+            </a:r>
+            <a:r>
+              <a:rPr lang="en-US" altLang="ko-KR" sz="3500" dirty="0">
+                <a:solidFill>
+                  <a:schemeClr val="bg1"/>
+                </a:solidFill>
+                <a:latin typeface="HY헤드라인M" pitchFamily="18" charset="-127"/>
+                <a:ea typeface="HY헤드라인M" pitchFamily="18" charset="-127"/>
+              </a:rPr>
+              <a:t>    </a:t>
+            </a:r>
+            <a:r>
+              <a:rPr lang="ko-KR" altLang="en-US" sz="3500" dirty="0">
+                <a:solidFill>
+                  <a:schemeClr val="bg1"/>
+                </a:solidFill>
+                <a:latin typeface="HY헤드라인M" pitchFamily="18" charset="-127"/>
+                <a:ea typeface="HY헤드라인M" pitchFamily="18" charset="-127"/>
+              </a:rPr>
+              <a:t>개발 환경</a:t>
+            </a:r>
+            <a:endParaRPr lang="en-US" altLang="ko-KR" sz="3500" dirty="0">
+              <a:solidFill>
+                <a:schemeClr val="bg1"/>
+              </a:solidFill>
+              <a:latin typeface="HY헤드라인M" pitchFamily="18" charset="-127"/>
+              <a:ea typeface="HY헤드라인M" pitchFamily="18" charset="-127"/>
+            </a:endParaRPr>
+          </a:p>
+          <a:p>
+            <a:endParaRPr lang="en-US" altLang="ko-KR" sz="3500" dirty="0">
+              <a:solidFill>
+                <a:schemeClr val="bg1"/>
+              </a:solidFill>
+              <a:latin typeface="HY헤드라인M" pitchFamily="18" charset="-127"/>
+              <a:ea typeface="HY헤드라인M" pitchFamily="18" charset="-127"/>
+            </a:endParaRPr>
+          </a:p>
+          <a:p>
+            <a:r>
+              <a:rPr lang="en-US" altLang="ko-KR" sz="3000" dirty="0">
+                <a:solidFill>
+                  <a:schemeClr val="bg1"/>
+                </a:solidFill>
+                <a:latin typeface="HY헤드라인M" pitchFamily="18" charset="-127"/>
+                <a:ea typeface="HY헤드라인M" pitchFamily="18" charset="-127"/>
+              </a:rPr>
+              <a:t>04</a:t>
+            </a:r>
+            <a:r>
+              <a:rPr lang="en-US" altLang="ko-KR" sz="3500" dirty="0">
+                <a:solidFill>
+                  <a:schemeClr val="bg1"/>
+                </a:solidFill>
+                <a:latin typeface="HY헤드라인M" pitchFamily="18" charset="-127"/>
+                <a:ea typeface="HY헤드라인M" pitchFamily="18" charset="-127"/>
+              </a:rPr>
+              <a:t>    </a:t>
+            </a:r>
+            <a:r>
+              <a:rPr lang="ko-KR" altLang="en-US" sz="3500" dirty="0">
+                <a:solidFill>
+                  <a:schemeClr val="bg1"/>
+                </a:solidFill>
+                <a:latin typeface="HY헤드라인M" pitchFamily="18" charset="-127"/>
+                <a:ea typeface="HY헤드라인M" pitchFamily="18" charset="-127"/>
+              </a:rPr>
+              <a:t>연구 일정</a:t>
+            </a:r>
+            <a:endParaRPr lang="en-US" altLang="ko-KR" sz="3500" dirty="0">
+              <a:solidFill>
+                <a:schemeClr val="bg1"/>
+              </a:solidFill>
+              <a:latin typeface="HY헤드라인M" pitchFamily="18" charset="-127"/>
+              <a:ea typeface="HY헤드라인M" pitchFamily="18" charset="-127"/>
+            </a:endParaRPr>
+          </a:p>
+          <a:p>
+            <a:endParaRPr lang="en-US" altLang="ko-KR" sz="3500" dirty="0">
+              <a:solidFill>
+                <a:schemeClr val="bg1"/>
+              </a:solidFill>
+              <a:latin typeface="HY헤드라인M" pitchFamily="18" charset="-127"/>
+              <a:ea typeface="HY헤드라인M" pitchFamily="18" charset="-127"/>
+            </a:endParaRPr>
+          </a:p>
+          <a:p>
+            <a:r>
+              <a:rPr lang="en-US" altLang="ko-KR" sz="3000" dirty="0">
+                <a:solidFill>
+                  <a:schemeClr val="bg1"/>
+                </a:solidFill>
+                <a:latin typeface="HY헤드라인M" pitchFamily="18" charset="-127"/>
+                <a:ea typeface="HY헤드라인M" pitchFamily="18" charset="-127"/>
+              </a:rPr>
+              <a:t>05</a:t>
+            </a:r>
+            <a:r>
+              <a:rPr lang="en-US" altLang="ko-KR" sz="3500" dirty="0">
+                <a:solidFill>
+                  <a:schemeClr val="bg1"/>
+                </a:solidFill>
+                <a:latin typeface="HY헤드라인M" pitchFamily="18" charset="-127"/>
+                <a:ea typeface="HY헤드라인M" pitchFamily="18" charset="-127"/>
+              </a:rPr>
+              <a:t>    </a:t>
+            </a:r>
+            <a:r>
+              <a:rPr lang="ko-KR" altLang="en-US" sz="3500" dirty="0">
+                <a:solidFill>
+                  <a:schemeClr val="bg1"/>
+                </a:solidFill>
+                <a:latin typeface="HY헤드라인M" pitchFamily="18" charset="-127"/>
+                <a:ea typeface="HY헤드라인M" pitchFamily="18" charset="-127"/>
+              </a:rPr>
+              <a:t>참고문헌</a:t>
+            </a:r>
+            <a:endParaRPr lang="en-US" altLang="ko-KR" sz="3500" dirty="0">
+              <a:solidFill>
+                <a:schemeClr val="bg1"/>
+              </a:solidFill>
+              <a:latin typeface="HY헤드라인M" pitchFamily="18" charset="-127"/>
+              <a:ea typeface="HY헤드라인M" pitchFamily="18" charset="-127"/>
+            </a:endParaRPr>
+          </a:p>
+          <a:p>
+            <a:endParaRPr lang="ko-KR" altLang="en-US" sz="3500" dirty="0">
+              <a:solidFill>
+                <a:schemeClr val="bg1"/>
+              </a:solidFill>
+              <a:latin typeface="HY헤드라인M" pitchFamily="18" charset="-127"/>
+              <a:ea typeface="HY헤드라인M" pitchFamily="18" charset="-127"/>
+            </a:endParaRPr>
           </a:p>
         </p:txBody>
       </p:sp>
     </p:spTree>
-    <p:extLst>
-      <p:ext uri="{BB962C8B-B14F-4D97-AF65-F5344CB8AC3E}">
-        <p14:creationId xmlns:p14="http://schemas.microsoft.com/office/powerpoint/2010/main" val="1275525540"/>
-      </p:ext>
-    </p:extLst>
   </p:cSld>
   <p:clrMapOvr>
     <a:masterClrMapping/>
@@ -11639,345 +10062,6 @@
       </p:grpSpPr>
       <p:sp>
         <p:nvSpPr>
-          <p:cNvPr id="7" name="TextBox 6"/>
-          <p:cNvSpPr txBox="1"/>
-          <p:nvPr/>
-        </p:nvSpPr>
-        <p:spPr>
-          <a:xfrm>
-            <a:off x="323528" y="548680"/>
-            <a:ext cx="4176464" cy="461665"/>
-          </a:xfrm>
-          <a:prstGeom prst="rect">
-            <a:avLst/>
-          </a:prstGeom>
-          <a:noFill/>
-        </p:spPr>
-        <p:txBody>
-          <a:bodyPr wrap="square" rtlCol="0">
-            <a:spAutoFit/>
-          </a:bodyPr>
-          <a:lstStyle/>
-          <a:p>
-            <a:r>
-              <a:rPr lang="en-US" altLang="ko-KR" sz="2400" b="1" dirty="0">
-                <a:solidFill>
-                  <a:schemeClr val="bg1"/>
-                </a:solidFill>
-              </a:rPr>
-              <a:t>CONTENTS</a:t>
-            </a:r>
-            <a:endParaRPr lang="ko-KR" altLang="en-US" sz="2400" b="1" dirty="0">
-              <a:solidFill>
-                <a:schemeClr val="bg1"/>
-              </a:solidFill>
-            </a:endParaRPr>
-          </a:p>
-        </p:txBody>
-      </p:sp>
-      <p:sp>
-        <p:nvSpPr>
-          <p:cNvPr id="9" name="TextBox 8"/>
-          <p:cNvSpPr txBox="1"/>
-          <p:nvPr/>
-        </p:nvSpPr>
-        <p:spPr>
-          <a:xfrm>
-            <a:off x="2330167" y="1124744"/>
-            <a:ext cx="4339650" cy="5478423"/>
-          </a:xfrm>
-          <a:prstGeom prst="rect">
-            <a:avLst/>
-          </a:prstGeom>
-          <a:noFill/>
-        </p:spPr>
-        <p:txBody>
-          <a:bodyPr vert="horz" wrap="square" rtlCol="0">
-            <a:spAutoFit/>
-          </a:bodyPr>
-          <a:lstStyle/>
-          <a:p>
-            <a:r>
-              <a:rPr lang="en-US" altLang="ko-KR" sz="3000" dirty="0">
-                <a:solidFill>
-                  <a:schemeClr val="bg1"/>
-                </a:solidFill>
-                <a:latin typeface="HY헤드라인M" pitchFamily="18" charset="-127"/>
-                <a:ea typeface="HY헤드라인M" pitchFamily="18" charset="-127"/>
-              </a:rPr>
-              <a:t>01</a:t>
-            </a:r>
-            <a:r>
-              <a:rPr lang="en-US" altLang="ko-KR" sz="3500" dirty="0">
-                <a:solidFill>
-                  <a:schemeClr val="bg1"/>
-                </a:solidFill>
-                <a:latin typeface="HY헤드라인M" pitchFamily="18" charset="-127"/>
-                <a:ea typeface="HY헤드라인M" pitchFamily="18" charset="-127"/>
-              </a:rPr>
-              <a:t>    </a:t>
-            </a:r>
-            <a:r>
-              <a:rPr lang="ko-KR" altLang="en-US" sz="3500" dirty="0">
-                <a:solidFill>
-                  <a:schemeClr val="bg1"/>
-                </a:solidFill>
-                <a:latin typeface="HY헤드라인M" pitchFamily="18" charset="-127"/>
-                <a:ea typeface="HY헤드라인M" pitchFamily="18" charset="-127"/>
-              </a:rPr>
-              <a:t>서론</a:t>
-            </a:r>
-            <a:r>
-              <a:rPr lang="en-US" altLang="ko-KR" sz="3500" dirty="0">
-                <a:solidFill>
-                  <a:schemeClr val="bg1"/>
-                </a:solidFill>
-                <a:latin typeface="HY헤드라인M" pitchFamily="18" charset="-127"/>
-                <a:ea typeface="HY헤드라인M" pitchFamily="18" charset="-127"/>
-              </a:rPr>
-              <a:t>  </a:t>
-            </a:r>
-          </a:p>
-          <a:p>
-            <a:endParaRPr lang="en-US" altLang="ko-KR" sz="3500" dirty="0">
-              <a:solidFill>
-                <a:schemeClr val="bg1"/>
-              </a:solidFill>
-              <a:latin typeface="HY헤드라인M" pitchFamily="18" charset="-127"/>
-              <a:ea typeface="HY헤드라인M" pitchFamily="18" charset="-127"/>
-            </a:endParaRPr>
-          </a:p>
-          <a:p>
-            <a:r>
-              <a:rPr lang="en-US" altLang="ko-KR" sz="3000" dirty="0">
-                <a:solidFill>
-                  <a:schemeClr val="bg1"/>
-                </a:solidFill>
-                <a:latin typeface="HY헤드라인M" pitchFamily="18" charset="-127"/>
-                <a:ea typeface="HY헤드라인M" pitchFamily="18" charset="-127"/>
-              </a:rPr>
-              <a:t>02</a:t>
-            </a:r>
-            <a:r>
-              <a:rPr lang="en-US" altLang="ko-KR" sz="3500" dirty="0">
-                <a:solidFill>
-                  <a:schemeClr val="bg1"/>
-                </a:solidFill>
-                <a:latin typeface="HY헤드라인M" pitchFamily="18" charset="-127"/>
-                <a:ea typeface="HY헤드라인M" pitchFamily="18" charset="-127"/>
-              </a:rPr>
-              <a:t>    </a:t>
-            </a:r>
-            <a:r>
-              <a:rPr lang="ko-KR" altLang="en-US" sz="3500" dirty="0">
-                <a:solidFill>
-                  <a:schemeClr val="bg1"/>
-                </a:solidFill>
-                <a:latin typeface="HY헤드라인M" pitchFamily="18" charset="-127"/>
-                <a:ea typeface="HY헤드라인M" pitchFamily="18" charset="-127"/>
-              </a:rPr>
-              <a:t>주제</a:t>
-            </a:r>
-            <a:endParaRPr lang="en-US" altLang="ko-KR" sz="3500" dirty="0">
-              <a:solidFill>
-                <a:schemeClr val="bg1"/>
-              </a:solidFill>
-              <a:latin typeface="HY헤드라인M" pitchFamily="18" charset="-127"/>
-              <a:ea typeface="HY헤드라인M" pitchFamily="18" charset="-127"/>
-            </a:endParaRPr>
-          </a:p>
-          <a:p>
-            <a:endParaRPr lang="en-US" altLang="ko-KR" sz="3500" dirty="0">
-              <a:solidFill>
-                <a:schemeClr val="bg1"/>
-              </a:solidFill>
-              <a:latin typeface="HY헤드라인M" pitchFamily="18" charset="-127"/>
-              <a:ea typeface="HY헤드라인M" pitchFamily="18" charset="-127"/>
-            </a:endParaRPr>
-          </a:p>
-          <a:p>
-            <a:r>
-              <a:rPr lang="en-US" altLang="ko-KR" sz="3000" dirty="0">
-                <a:solidFill>
-                  <a:schemeClr val="bg1"/>
-                </a:solidFill>
-                <a:latin typeface="HY헤드라인M" pitchFamily="18" charset="-127"/>
-                <a:ea typeface="HY헤드라인M" pitchFamily="18" charset="-127"/>
-              </a:rPr>
-              <a:t>03</a:t>
-            </a:r>
-            <a:r>
-              <a:rPr lang="en-US" altLang="ko-KR" sz="3500" dirty="0">
-                <a:solidFill>
-                  <a:schemeClr val="bg1"/>
-                </a:solidFill>
-                <a:latin typeface="HY헤드라인M" pitchFamily="18" charset="-127"/>
-                <a:ea typeface="HY헤드라인M" pitchFamily="18" charset="-127"/>
-              </a:rPr>
-              <a:t>    </a:t>
-            </a:r>
-            <a:r>
-              <a:rPr lang="ko-KR" altLang="en-US" sz="3500" dirty="0">
-                <a:solidFill>
-                  <a:schemeClr val="bg1"/>
-                </a:solidFill>
-                <a:latin typeface="HY헤드라인M" pitchFamily="18" charset="-127"/>
-                <a:ea typeface="HY헤드라인M" pitchFamily="18" charset="-127"/>
-              </a:rPr>
-              <a:t>개발 환경</a:t>
-            </a:r>
-            <a:endParaRPr lang="en-US" altLang="ko-KR" sz="3500" dirty="0">
-              <a:solidFill>
-                <a:schemeClr val="bg1"/>
-              </a:solidFill>
-              <a:latin typeface="HY헤드라인M" pitchFamily="18" charset="-127"/>
-              <a:ea typeface="HY헤드라인M" pitchFamily="18" charset="-127"/>
-            </a:endParaRPr>
-          </a:p>
-          <a:p>
-            <a:endParaRPr lang="en-US" altLang="ko-KR" sz="3500" dirty="0">
-              <a:solidFill>
-                <a:schemeClr val="bg1"/>
-              </a:solidFill>
-              <a:latin typeface="HY헤드라인M" pitchFamily="18" charset="-127"/>
-              <a:ea typeface="HY헤드라인M" pitchFamily="18" charset="-127"/>
-            </a:endParaRPr>
-          </a:p>
-          <a:p>
-            <a:r>
-              <a:rPr lang="en-US" altLang="ko-KR" sz="3000" dirty="0">
-                <a:solidFill>
-                  <a:schemeClr val="bg1"/>
-                </a:solidFill>
-                <a:latin typeface="HY헤드라인M" pitchFamily="18" charset="-127"/>
-                <a:ea typeface="HY헤드라인M" pitchFamily="18" charset="-127"/>
-              </a:rPr>
-              <a:t>04</a:t>
-            </a:r>
-            <a:r>
-              <a:rPr lang="en-US" altLang="ko-KR" sz="3500" dirty="0">
-                <a:solidFill>
-                  <a:schemeClr val="bg1"/>
-                </a:solidFill>
-                <a:latin typeface="HY헤드라인M" pitchFamily="18" charset="-127"/>
-                <a:ea typeface="HY헤드라인M" pitchFamily="18" charset="-127"/>
-              </a:rPr>
-              <a:t>    </a:t>
-            </a:r>
-            <a:r>
-              <a:rPr lang="ko-KR" altLang="en-US" sz="3500" dirty="0">
-                <a:solidFill>
-                  <a:schemeClr val="bg1"/>
-                </a:solidFill>
-                <a:latin typeface="HY헤드라인M" pitchFamily="18" charset="-127"/>
-                <a:ea typeface="HY헤드라인M" pitchFamily="18" charset="-127"/>
-              </a:rPr>
-              <a:t>연구 일정</a:t>
-            </a:r>
-            <a:endParaRPr lang="en-US" altLang="ko-KR" sz="3500" dirty="0">
-              <a:solidFill>
-                <a:schemeClr val="bg1"/>
-              </a:solidFill>
-              <a:latin typeface="HY헤드라인M" pitchFamily="18" charset="-127"/>
-              <a:ea typeface="HY헤드라인M" pitchFamily="18" charset="-127"/>
-            </a:endParaRPr>
-          </a:p>
-          <a:p>
-            <a:endParaRPr lang="en-US" altLang="ko-KR" sz="3500" dirty="0">
-              <a:solidFill>
-                <a:schemeClr val="bg1"/>
-              </a:solidFill>
-              <a:latin typeface="HY헤드라인M" pitchFamily="18" charset="-127"/>
-              <a:ea typeface="HY헤드라인M" pitchFamily="18" charset="-127"/>
-            </a:endParaRPr>
-          </a:p>
-          <a:p>
-            <a:r>
-              <a:rPr lang="en-US" altLang="ko-KR" sz="3000" dirty="0">
-                <a:solidFill>
-                  <a:schemeClr val="bg1"/>
-                </a:solidFill>
-                <a:latin typeface="HY헤드라인M" pitchFamily="18" charset="-127"/>
-                <a:ea typeface="HY헤드라인M" pitchFamily="18" charset="-127"/>
-              </a:rPr>
-              <a:t>05</a:t>
-            </a:r>
-            <a:r>
-              <a:rPr lang="en-US" altLang="ko-KR" sz="3500" dirty="0">
-                <a:solidFill>
-                  <a:schemeClr val="bg1"/>
-                </a:solidFill>
-                <a:latin typeface="HY헤드라인M" pitchFamily="18" charset="-127"/>
-                <a:ea typeface="HY헤드라인M" pitchFamily="18" charset="-127"/>
-              </a:rPr>
-              <a:t>    </a:t>
-            </a:r>
-            <a:r>
-              <a:rPr lang="ko-KR" altLang="en-US" sz="3500" dirty="0">
-                <a:solidFill>
-                  <a:schemeClr val="bg1"/>
-                </a:solidFill>
-                <a:latin typeface="HY헤드라인M" pitchFamily="18" charset="-127"/>
-                <a:ea typeface="HY헤드라인M" pitchFamily="18" charset="-127"/>
-              </a:rPr>
-              <a:t>참고문헌</a:t>
-            </a:r>
-            <a:endParaRPr lang="en-US" altLang="ko-KR" sz="3500" dirty="0">
-              <a:solidFill>
-                <a:schemeClr val="bg1"/>
-              </a:solidFill>
-              <a:latin typeface="HY헤드라인M" pitchFamily="18" charset="-127"/>
-              <a:ea typeface="HY헤드라인M" pitchFamily="18" charset="-127"/>
-            </a:endParaRPr>
-          </a:p>
-          <a:p>
-            <a:endParaRPr lang="ko-KR" altLang="en-US" sz="3500" dirty="0">
-              <a:solidFill>
-                <a:schemeClr val="bg1"/>
-              </a:solidFill>
-              <a:latin typeface="HY헤드라인M" pitchFamily="18" charset="-127"/>
-              <a:ea typeface="HY헤드라인M" pitchFamily="18" charset="-127"/>
-            </a:endParaRPr>
-          </a:p>
-        </p:txBody>
-      </p:sp>
-    </p:spTree>
-  </p:cSld>
-  <p:clrMapOvr>
-    <a:masterClrMapping/>
-  </p:clrMapOvr>
-</p:sld>
-</file>
-
-<file path=ppt/slides/slide4.xml><?xml version="1.0" encoding="utf-8"?>
-<p:sld xmlns:a="http://schemas.openxmlformats.org/drawingml/2006/main" xmlns:r="http://schemas.openxmlformats.org/officeDocument/2006/relationships" xmlns:p="http://schemas.openxmlformats.org/presentationml/2006/main">
-  <p:cSld>
-    <p:bg>
-      <p:bgPr>
-        <a:solidFill>
-          <a:schemeClr val="tx2">
-            <a:lumMod val="75000"/>
-          </a:schemeClr>
-        </a:solidFill>
-        <a:effectLst/>
-      </p:bgPr>
-    </p:bg>
-    <p:spTree>
-      <p:nvGrpSpPr>
-        <p:cNvPr id="1" name=""/>
-        <p:cNvGrpSpPr/>
-        <p:nvPr/>
-      </p:nvGrpSpPr>
-      <p:grpSpPr>
-        <a:xfrm>
-          <a:off x="0" y="0"/>
-          <a:ext cx="0" cy="0"/>
-          <a:chOff x="0" y="0"/>
-          <a:chExt cx="0" cy="0"/>
-        </a:xfrm>
-      </p:grpSpPr>
-      <p:sp>
-        <p:nvSpPr>
           <p:cNvPr id="2" name="직사각형 1"/>
           <p:cNvSpPr/>
           <p:nvPr/>
@@ -12287,59 +10371,12 @@
         </p:blipFill>
         <p:spPr>
           <a:xfrm>
-            <a:off x="966398" y="1789517"/>
-            <a:ext cx="4942051" cy="599313"/>
+            <a:off x="1290108" y="2019354"/>
+            <a:ext cx="6577870" cy="599313"/>
           </a:xfrm>
           <a:prstGeom prst="rect">
             <a:avLst/>
           </a:prstGeom>
-        </p:spPr>
-      </p:pic>
-      <p:pic>
-        <p:nvPicPr>
-          <p:cNvPr id="1026" name="Picture 2" descr="https://www.boannews.com/media/upFiles2/2019/01/579474868_6884.JPG">
-            <a:extLst>
-              <a:ext uri="{FF2B5EF4-FFF2-40B4-BE49-F238E27FC236}">
-                <a16:creationId xmlns:a16="http://schemas.microsoft.com/office/drawing/2014/main" id="{BCB08F48-E963-4AD0-A918-0BA139BE87BB}"/>
-              </a:ext>
-            </a:extLst>
-          </p:cNvPr>
-          <p:cNvPicPr>
-            <a:picLocks noChangeAspect="1" noChangeArrowheads="1"/>
-          </p:cNvPicPr>
-          <p:nvPr/>
-        </p:nvPicPr>
-        <p:blipFill>
-          <a:blip r:embed="rId4">
-            <a:extLst>
-              <a:ext uri="{28A0092B-C50C-407E-A947-70E740481C1C}">
-                <a14:useLocalDpi xmlns:a14="http://schemas.microsoft.com/office/drawing/2010/main" val="0"/>
-              </a:ext>
-            </a:extLst>
-          </a:blip>
-          <a:srcRect/>
-          <a:stretch>
-            <a:fillRect/>
-          </a:stretch>
-        </p:blipFill>
-        <p:spPr bwMode="auto">
-          <a:xfrm>
-            <a:off x="1852550" y="3822811"/>
-            <a:ext cx="5438901" cy="2730389"/>
-          </a:xfrm>
-          <a:prstGeom prst="rect">
-            <a:avLst/>
-          </a:prstGeom>
-          <a:noFill/>
-          <a:extLst>
-            <a:ext uri="{909E8E84-426E-40DD-AFC4-6F175D3DCCD1}">
-              <a14:hiddenFill xmlns:a14="http://schemas.microsoft.com/office/drawing/2010/main">
-                <a:solidFill>
-                  <a:srgbClr val="FFFFFF"/>
-                </a:solidFill>
-              </a14:hiddenFill>
-            </a:ext>
-          </a:extLst>
         </p:spPr>
       </p:pic>
       <p:pic>
@@ -12357,45 +10394,15 @@
           <p:nvPr/>
         </p:nvPicPr>
         <p:blipFill>
-          <a:blip r:embed="rId5"/>
+          <a:blip r:embed="rId4"/>
           <a:stretch>
             <a:fillRect/>
           </a:stretch>
         </p:blipFill>
         <p:spPr>
           <a:xfrm>
-            <a:off x="1524910" y="2427989"/>
-            <a:ext cx="4942051" cy="484061"/>
-          </a:xfrm>
-          <a:prstGeom prst="rect">
-            <a:avLst/>
-          </a:prstGeom>
-        </p:spPr>
-      </p:pic>
-      <p:pic>
-        <p:nvPicPr>
-          <p:cNvPr id="29" name="그림 28">
-            <a:extLst>
-              <a:ext uri="{FF2B5EF4-FFF2-40B4-BE49-F238E27FC236}">
-                <a16:creationId xmlns:a16="http://schemas.microsoft.com/office/drawing/2014/main" id="{79500299-FC16-4D8B-8FCA-DB0C17E11E1A}"/>
-              </a:ext>
-            </a:extLst>
-          </p:cNvPr>
-          <p:cNvPicPr>
-            <a:picLocks noChangeAspect="1"/>
-          </p:cNvPicPr>
-          <p:nvPr/>
-        </p:nvPicPr>
-        <p:blipFill>
-          <a:blip r:embed="rId6"/>
-          <a:stretch>
-            <a:fillRect/>
-          </a:stretch>
-        </p:blipFill>
-        <p:spPr>
-          <a:xfrm>
-            <a:off x="2239337" y="2951209"/>
-            <a:ext cx="4942051" cy="530162"/>
+            <a:off x="1224550" y="2854686"/>
+            <a:ext cx="6577870" cy="484061"/>
           </a:xfrm>
           <a:prstGeom prst="rect">
             <a:avLst/>
@@ -12417,21 +10424,363 @@
           <p:nvPr/>
         </p:nvPicPr>
         <p:blipFill>
-          <a:blip r:embed="rId7"/>
+          <a:blip r:embed="rId5"/>
           <a:stretch>
             <a:fillRect/>
           </a:stretch>
         </p:blipFill>
         <p:spPr>
           <a:xfrm>
-            <a:off x="587738" y="1224779"/>
-            <a:ext cx="5006734" cy="564738"/>
+            <a:off x="1204015" y="1278542"/>
+            <a:ext cx="6663963" cy="564738"/>
           </a:xfrm>
           <a:prstGeom prst="rect">
             <a:avLst/>
           </a:prstGeom>
         </p:spPr>
       </p:pic>
+      <p:sp>
+        <p:nvSpPr>
+          <p:cNvPr id="11" name="사각형: 둥근 모서리 10">
+            <a:extLst>
+              <a:ext uri="{FF2B5EF4-FFF2-40B4-BE49-F238E27FC236}">
+                <a16:creationId xmlns:a16="http://schemas.microsoft.com/office/drawing/2014/main" id="{31B9FD0E-78BE-466B-A19E-91DCA2EF8449}"/>
+              </a:ext>
+            </a:extLst>
+          </p:cNvPr>
+          <p:cNvSpPr/>
+          <p:nvPr/>
+        </p:nvSpPr>
+        <p:spPr>
+          <a:xfrm>
+            <a:off x="3494456" y="1313447"/>
+            <a:ext cx="1485561" cy="504056"/>
+          </a:xfrm>
+          <a:prstGeom prst="roundRect">
+            <a:avLst/>
+          </a:prstGeom>
+          <a:noFill/>
+          <a:ln w="76200">
+            <a:solidFill>
+              <a:srgbClr val="FF0000"/>
+            </a:solidFill>
+          </a:ln>
+        </p:spPr>
+        <p:style>
+          <a:lnRef idx="2">
+            <a:schemeClr val="accent1">
+              <a:shade val="50000"/>
+            </a:schemeClr>
+          </a:lnRef>
+          <a:fillRef idx="1">
+            <a:schemeClr val="accent1"/>
+          </a:fillRef>
+          <a:effectRef idx="0">
+            <a:schemeClr val="accent1"/>
+          </a:effectRef>
+          <a:fontRef idx="minor">
+            <a:schemeClr val="lt1"/>
+          </a:fontRef>
+        </p:style>
+        <p:txBody>
+          <a:bodyPr rtlCol="0" anchor="ctr"/>
+          <a:lstStyle/>
+          <a:p>
+            <a:pPr algn="ctr"/>
+            <a:endParaRPr lang="ko-KR" altLang="en-US" u="sng"/>
+          </a:p>
+        </p:txBody>
+      </p:sp>
+      <p:sp>
+        <p:nvSpPr>
+          <p:cNvPr id="12" name="사각형: 둥근 모서리 11">
+            <a:extLst>
+              <a:ext uri="{FF2B5EF4-FFF2-40B4-BE49-F238E27FC236}">
+                <a16:creationId xmlns:a16="http://schemas.microsoft.com/office/drawing/2014/main" id="{1064FD61-DC1B-4C57-A118-3289C28AD393}"/>
+              </a:ext>
+            </a:extLst>
+          </p:cNvPr>
+          <p:cNvSpPr/>
+          <p:nvPr/>
+        </p:nvSpPr>
+        <p:spPr>
+          <a:xfrm>
+            <a:off x="5034895" y="2089772"/>
+            <a:ext cx="2204381" cy="504056"/>
+          </a:xfrm>
+          <a:prstGeom prst="roundRect">
+            <a:avLst/>
+          </a:prstGeom>
+          <a:noFill/>
+          <a:ln w="76200">
+            <a:solidFill>
+              <a:srgbClr val="FF0000"/>
+            </a:solidFill>
+          </a:ln>
+        </p:spPr>
+        <p:style>
+          <a:lnRef idx="2">
+            <a:schemeClr val="accent1">
+              <a:shade val="50000"/>
+            </a:schemeClr>
+          </a:lnRef>
+          <a:fillRef idx="1">
+            <a:schemeClr val="accent1"/>
+          </a:fillRef>
+          <a:effectRef idx="0">
+            <a:schemeClr val="accent1"/>
+          </a:effectRef>
+          <a:fontRef idx="minor">
+            <a:schemeClr val="lt1"/>
+          </a:fontRef>
+        </p:style>
+        <p:txBody>
+          <a:bodyPr rtlCol="0" anchor="ctr"/>
+          <a:lstStyle/>
+          <a:p>
+            <a:pPr algn="ctr"/>
+            <a:endParaRPr lang="ko-KR" altLang="en-US" u="sng"/>
+          </a:p>
+        </p:txBody>
+      </p:sp>
+      <p:sp>
+        <p:nvSpPr>
+          <p:cNvPr id="13" name="사각형: 둥근 모서리 12">
+            <a:extLst>
+              <a:ext uri="{FF2B5EF4-FFF2-40B4-BE49-F238E27FC236}">
+                <a16:creationId xmlns:a16="http://schemas.microsoft.com/office/drawing/2014/main" id="{1A6858E8-1E59-472C-A06B-45C167687972}"/>
+              </a:ext>
+            </a:extLst>
+          </p:cNvPr>
+          <p:cNvSpPr/>
+          <p:nvPr/>
+        </p:nvSpPr>
+        <p:spPr>
+          <a:xfrm>
+            <a:off x="4361942" y="2809852"/>
+            <a:ext cx="1684772" cy="504056"/>
+          </a:xfrm>
+          <a:prstGeom prst="roundRect">
+            <a:avLst/>
+          </a:prstGeom>
+          <a:noFill/>
+          <a:ln w="76200">
+            <a:solidFill>
+              <a:srgbClr val="FF0000"/>
+            </a:solidFill>
+          </a:ln>
+        </p:spPr>
+        <p:style>
+          <a:lnRef idx="2">
+            <a:schemeClr val="accent1">
+              <a:shade val="50000"/>
+            </a:schemeClr>
+          </a:lnRef>
+          <a:fillRef idx="1">
+            <a:schemeClr val="accent1"/>
+          </a:fillRef>
+          <a:effectRef idx="0">
+            <a:schemeClr val="accent1"/>
+          </a:effectRef>
+          <a:fontRef idx="minor">
+            <a:schemeClr val="lt1"/>
+          </a:fontRef>
+        </p:style>
+        <p:txBody>
+          <a:bodyPr rtlCol="0" anchor="ctr"/>
+          <a:lstStyle/>
+          <a:p>
+            <a:pPr algn="ctr"/>
+            <a:endParaRPr lang="ko-KR" altLang="en-US" u="sng"/>
+          </a:p>
+        </p:txBody>
+      </p:sp>
+      <p:pic>
+        <p:nvPicPr>
+          <p:cNvPr id="4" name="그림 3">
+            <a:extLst>
+              <a:ext uri="{FF2B5EF4-FFF2-40B4-BE49-F238E27FC236}">
+                <a16:creationId xmlns:a16="http://schemas.microsoft.com/office/drawing/2014/main" id="{A3A187C7-748B-4F46-89FA-165F4B678921}"/>
+              </a:ext>
+            </a:extLst>
+          </p:cNvPr>
+          <p:cNvPicPr>
+            <a:picLocks noChangeAspect="1"/>
+          </p:cNvPicPr>
+          <p:nvPr/>
+        </p:nvPicPr>
+        <p:blipFill>
+          <a:blip r:embed="rId6"/>
+          <a:stretch>
+            <a:fillRect/>
+          </a:stretch>
+        </p:blipFill>
+        <p:spPr>
+          <a:xfrm>
+            <a:off x="107503" y="3481371"/>
+            <a:ext cx="8784977" cy="3086663"/>
+          </a:xfrm>
+          <a:prstGeom prst="rect">
+            <a:avLst/>
+          </a:prstGeom>
+        </p:spPr>
+      </p:pic>
+      <p:sp>
+        <p:nvSpPr>
+          <p:cNvPr id="7" name="타원 6">
+            <a:extLst>
+              <a:ext uri="{FF2B5EF4-FFF2-40B4-BE49-F238E27FC236}">
+                <a16:creationId xmlns:a16="http://schemas.microsoft.com/office/drawing/2014/main" id="{068626A6-E659-4B1C-B4F3-5279EBF15BA2}"/>
+              </a:ext>
+            </a:extLst>
+          </p:cNvPr>
+          <p:cNvSpPr/>
+          <p:nvPr/>
+        </p:nvSpPr>
+        <p:spPr>
+          <a:xfrm>
+            <a:off x="966398" y="1488903"/>
+            <a:ext cx="154420" cy="144016"/>
+          </a:xfrm>
+          <a:prstGeom prst="ellipse">
+            <a:avLst/>
+          </a:prstGeom>
+          <a:solidFill>
+            <a:srgbClr val="17375E"/>
+          </a:solidFill>
+          <a:ln>
+            <a:noFill/>
+          </a:ln>
+        </p:spPr>
+        <p:style>
+          <a:lnRef idx="2">
+            <a:schemeClr val="accent1">
+              <a:shade val="50000"/>
+            </a:schemeClr>
+          </a:lnRef>
+          <a:fillRef idx="1">
+            <a:schemeClr val="accent1"/>
+          </a:fillRef>
+          <a:effectRef idx="0">
+            <a:schemeClr val="accent1"/>
+          </a:effectRef>
+          <a:fontRef idx="minor">
+            <a:schemeClr val="lt1"/>
+          </a:fontRef>
+        </p:style>
+        <p:txBody>
+          <a:bodyPr rtlCol="0" anchor="ctr"/>
+          <a:lstStyle/>
+          <a:p>
+            <a:pPr algn="ctr"/>
+            <a:endParaRPr lang="ko-KR" altLang="en-US" dirty="0"/>
+          </a:p>
+        </p:txBody>
+      </p:sp>
+      <p:sp>
+        <p:nvSpPr>
+          <p:cNvPr id="21" name="타원 20">
+            <a:extLst>
+              <a:ext uri="{FF2B5EF4-FFF2-40B4-BE49-F238E27FC236}">
+                <a16:creationId xmlns:a16="http://schemas.microsoft.com/office/drawing/2014/main" id="{6B41DD4C-010B-4ADF-8873-2FA2A4427B11}"/>
+              </a:ext>
+            </a:extLst>
+          </p:cNvPr>
+          <p:cNvSpPr/>
+          <p:nvPr/>
+        </p:nvSpPr>
+        <p:spPr>
+          <a:xfrm>
+            <a:off x="966398" y="2247002"/>
+            <a:ext cx="154420" cy="144016"/>
+          </a:xfrm>
+          <a:prstGeom prst="ellipse">
+            <a:avLst/>
+          </a:prstGeom>
+          <a:solidFill>
+            <a:srgbClr val="17375E"/>
+          </a:solidFill>
+          <a:ln>
+            <a:noFill/>
+          </a:ln>
+        </p:spPr>
+        <p:style>
+          <a:lnRef idx="2">
+            <a:schemeClr val="accent1">
+              <a:shade val="50000"/>
+            </a:schemeClr>
+          </a:lnRef>
+          <a:fillRef idx="1">
+            <a:schemeClr val="accent1"/>
+          </a:fillRef>
+          <a:effectRef idx="0">
+            <a:schemeClr val="accent1"/>
+          </a:effectRef>
+          <a:fontRef idx="minor">
+            <a:schemeClr val="lt1"/>
+          </a:fontRef>
+        </p:style>
+        <p:txBody>
+          <a:bodyPr rtlCol="0" anchor="ctr"/>
+          <a:lstStyle/>
+          <a:p>
+            <a:pPr algn="ctr"/>
+            <a:endParaRPr lang="ko-KR" altLang="en-US" dirty="0"/>
+          </a:p>
+        </p:txBody>
+      </p:sp>
+      <p:sp>
+        <p:nvSpPr>
+          <p:cNvPr id="22" name="타원 21">
+            <a:extLst>
+              <a:ext uri="{FF2B5EF4-FFF2-40B4-BE49-F238E27FC236}">
+                <a16:creationId xmlns:a16="http://schemas.microsoft.com/office/drawing/2014/main" id="{1C2BADF1-B9C8-48F8-8B0A-90B98B33BC03}"/>
+              </a:ext>
+            </a:extLst>
+          </p:cNvPr>
+          <p:cNvSpPr/>
+          <p:nvPr/>
+        </p:nvSpPr>
+        <p:spPr>
+          <a:xfrm>
+            <a:off x="966398" y="3005101"/>
+            <a:ext cx="154420" cy="144016"/>
+          </a:xfrm>
+          <a:prstGeom prst="ellipse">
+            <a:avLst/>
+          </a:prstGeom>
+          <a:solidFill>
+            <a:srgbClr val="17375E"/>
+          </a:solidFill>
+          <a:ln>
+            <a:noFill/>
+          </a:ln>
+        </p:spPr>
+        <p:style>
+          <a:lnRef idx="2">
+            <a:schemeClr val="accent1">
+              <a:shade val="50000"/>
+            </a:schemeClr>
+          </a:lnRef>
+          <a:fillRef idx="1">
+            <a:schemeClr val="accent1"/>
+          </a:fillRef>
+          <a:effectRef idx="0">
+            <a:schemeClr val="accent1"/>
+          </a:effectRef>
+          <a:fontRef idx="minor">
+            <a:schemeClr val="lt1"/>
+          </a:fontRef>
+        </p:style>
+        <p:txBody>
+          <a:bodyPr rtlCol="0" anchor="ctr"/>
+          <a:lstStyle/>
+          <a:p>
+            <a:pPr algn="ctr"/>
+            <a:endParaRPr lang="ko-KR" altLang="en-US" dirty="0"/>
+          </a:p>
+        </p:txBody>
+      </p:sp>
     </p:spTree>
     <p:extLst>
       <p:ext uri="{BB962C8B-B14F-4D97-AF65-F5344CB8AC3E}">
@@ -12442,10 +10791,180 @@
   <p:clrMapOvr>
     <a:masterClrMapping/>
   </p:clrMapOvr>
+  <p:timing>
+    <p:tnLst>
+      <p:par>
+        <p:cTn id="1" dur="indefinite" restart="never" nodeType="tmRoot">
+          <p:childTnLst>
+            <p:seq concurrent="1" nextAc="seek">
+              <p:cTn id="2" dur="indefinite" nodeType="mainSeq">
+                <p:childTnLst>
+                  <p:par>
+                    <p:cTn id="3" fill="hold">
+                      <p:stCondLst>
+                        <p:cond delay="indefinite"/>
+                      </p:stCondLst>
+                      <p:childTnLst>
+                        <p:par>
+                          <p:cTn id="4" fill="hold">
+                            <p:stCondLst>
+                              <p:cond delay="0"/>
+                            </p:stCondLst>
+                            <p:childTnLst>
+                              <p:par>
+                                <p:cTn id="5" presetID="1" presetClass="entr" presetSubtype="0" fill="hold" grpId="0" nodeType="clickEffect">
+                                  <p:stCondLst>
+                                    <p:cond delay="0"/>
+                                  </p:stCondLst>
+                                  <p:childTnLst>
+                                    <p:set>
+                                      <p:cBhvr>
+                                        <p:cTn id="6" dur="1" fill="hold">
+                                          <p:stCondLst>
+                                            <p:cond delay="0"/>
+                                          </p:stCondLst>
+                                        </p:cTn>
+                                        <p:tgtEl>
+                                          <p:spTgt spid="11"/>
+                                        </p:tgtEl>
+                                        <p:attrNameLst>
+                                          <p:attrName>style.visibility</p:attrName>
+                                        </p:attrNameLst>
+                                      </p:cBhvr>
+                                      <p:to>
+                                        <p:strVal val="visible"/>
+                                      </p:to>
+                                    </p:set>
+                                  </p:childTnLst>
+                                </p:cTn>
+                              </p:par>
+                            </p:childTnLst>
+                          </p:cTn>
+                        </p:par>
+                      </p:childTnLst>
+                    </p:cTn>
+                  </p:par>
+                  <p:par>
+                    <p:cTn id="7" fill="hold">
+                      <p:stCondLst>
+                        <p:cond delay="indefinite"/>
+                      </p:stCondLst>
+                      <p:childTnLst>
+                        <p:par>
+                          <p:cTn id="8" fill="hold">
+                            <p:stCondLst>
+                              <p:cond delay="0"/>
+                            </p:stCondLst>
+                            <p:childTnLst>
+                              <p:par>
+                                <p:cTn id="9" presetID="1" presetClass="entr" presetSubtype="0" fill="hold" grpId="0" nodeType="clickEffect">
+                                  <p:stCondLst>
+                                    <p:cond delay="0"/>
+                                  </p:stCondLst>
+                                  <p:childTnLst>
+                                    <p:set>
+                                      <p:cBhvr>
+                                        <p:cTn id="10" dur="1" fill="hold">
+                                          <p:stCondLst>
+                                            <p:cond delay="0"/>
+                                          </p:stCondLst>
+                                        </p:cTn>
+                                        <p:tgtEl>
+                                          <p:spTgt spid="12"/>
+                                        </p:tgtEl>
+                                        <p:attrNameLst>
+                                          <p:attrName>style.visibility</p:attrName>
+                                        </p:attrNameLst>
+                                      </p:cBhvr>
+                                      <p:to>
+                                        <p:strVal val="visible"/>
+                                      </p:to>
+                                    </p:set>
+                                  </p:childTnLst>
+                                </p:cTn>
+                              </p:par>
+                            </p:childTnLst>
+                          </p:cTn>
+                        </p:par>
+                      </p:childTnLst>
+                    </p:cTn>
+                  </p:par>
+                  <p:par>
+                    <p:cTn id="11" fill="hold">
+                      <p:stCondLst>
+                        <p:cond delay="indefinite"/>
+                      </p:stCondLst>
+                      <p:childTnLst>
+                        <p:par>
+                          <p:cTn id="12" fill="hold">
+                            <p:stCondLst>
+                              <p:cond delay="0"/>
+                            </p:stCondLst>
+                            <p:childTnLst>
+                              <p:par>
+                                <p:cTn id="13" presetID="1" presetClass="entr" presetSubtype="0" fill="hold" grpId="0" nodeType="clickEffect">
+                                  <p:stCondLst>
+                                    <p:cond delay="0"/>
+                                  </p:stCondLst>
+                                  <p:childTnLst>
+                                    <p:set>
+                                      <p:cBhvr>
+                                        <p:cTn id="14" dur="1" fill="hold">
+                                          <p:stCondLst>
+                                            <p:cond delay="0"/>
+                                          </p:stCondLst>
+                                        </p:cTn>
+                                        <p:tgtEl>
+                                          <p:spTgt spid="13"/>
+                                        </p:tgtEl>
+                                        <p:attrNameLst>
+                                          <p:attrName>style.visibility</p:attrName>
+                                        </p:attrNameLst>
+                                      </p:cBhvr>
+                                      <p:to>
+                                        <p:strVal val="visible"/>
+                                      </p:to>
+                                    </p:set>
+                                  </p:childTnLst>
+                                </p:cTn>
+                              </p:par>
+                            </p:childTnLst>
+                          </p:cTn>
+                        </p:par>
+                      </p:childTnLst>
+                    </p:cTn>
+                  </p:par>
+                </p:childTnLst>
+              </p:cTn>
+              <p:prevCondLst>
+                <p:cond evt="onPrev" delay="0">
+                  <p:tgtEl>
+                    <p:sldTgt/>
+                  </p:tgtEl>
+                </p:cond>
+              </p:prevCondLst>
+              <p:nextCondLst>
+                <p:cond evt="onNext" delay="0">
+                  <p:tgtEl>
+                    <p:sldTgt/>
+                  </p:tgtEl>
+                </p:cond>
+              </p:nextCondLst>
+            </p:seq>
+          </p:childTnLst>
+        </p:cTn>
+      </p:par>
+    </p:tnLst>
+    <p:bldLst>
+      <p:bldP spid="11" grpId="0" animBg="1"/>
+      <p:bldP spid="12" grpId="0" animBg="1"/>
+      <p:bldP spid="13" grpId="0" animBg="1"/>
+    </p:bldLst>
+  </p:timing>
 </p:sld>
 </file>
 
-<file path=ppt/slides/slide5.xml><?xml version="1.0" encoding="utf-8"?>
+<file path=ppt/slides/slide4.xml><?xml version="1.0" encoding="utf-8"?>
 <p:sld xmlns:a="http://schemas.openxmlformats.org/drawingml/2006/main" xmlns:r="http://schemas.openxmlformats.org/officeDocument/2006/relationships" xmlns:p="http://schemas.openxmlformats.org/presentationml/2006/main">
   <p:cSld>
     <p:bg>
@@ -12776,14 +11295,14 @@
           <p:nvPr>
             <p:extLst>
               <p:ext uri="{D42A27DB-BD31-4B8C-83A1-F6EECF244321}">
-                <p14:modId xmlns:p14="http://schemas.microsoft.com/office/powerpoint/2010/main" val="2275691239"/>
+                <p14:modId xmlns:p14="http://schemas.microsoft.com/office/powerpoint/2010/main" val="548675273"/>
               </p:ext>
             </p:extLst>
           </p:nvPr>
         </p:nvGraphicFramePr>
         <p:xfrm>
-          <a:off x="0" y="1705541"/>
-          <a:ext cx="9176580" cy="4172648"/>
+          <a:off x="431539" y="1336596"/>
+          <a:ext cx="8280921" cy="5049203"/>
         </p:xfrm>
         <a:graphic>
           <a:graphicData uri="http://schemas.openxmlformats.org/drawingml/2006/table">
@@ -12792,21 +11311,21 @@
                 <a:tableStyleId>{5C22544A-7EE6-4342-B048-85BDC9FD1C3A}</a:tableStyleId>
               </a:tblPr>
               <a:tblGrid>
-                <a:gridCol w="3058860">
+                <a:gridCol w="2760307">
                   <a:extLst>
                     <a:ext uri="{9D8B030D-6E8A-4147-A177-3AD203B41FA5}">
                       <a16:colId xmlns:a16="http://schemas.microsoft.com/office/drawing/2014/main" val="3938485811"/>
                     </a:ext>
                   </a:extLst>
                 </a:gridCol>
-                <a:gridCol w="3058860">
+                <a:gridCol w="2760307">
                   <a:extLst>
                     <a:ext uri="{9D8B030D-6E8A-4147-A177-3AD203B41FA5}">
                       <a16:colId xmlns:a16="http://schemas.microsoft.com/office/drawing/2014/main" val="1614459584"/>
                     </a:ext>
                   </a:extLst>
                 </a:gridCol>
-                <a:gridCol w="3058860">
+                <a:gridCol w="2760307">
                   <a:extLst>
                     <a:ext uri="{9D8B030D-6E8A-4147-A177-3AD203B41FA5}">
                       <a16:colId xmlns:a16="http://schemas.microsoft.com/office/drawing/2014/main" val="1457949304"/>
@@ -12814,7 +11333,7 @@
                   </a:extLst>
                 </a:gridCol>
               </a:tblGrid>
-              <a:tr h="354319">
+              <a:tr h="411013">
                 <a:tc>
                   <a:txBody>
                     <a:bodyPr/>
@@ -12822,7 +11341,7 @@
                     <a:p>
                       <a:pPr algn="ctr" latinLnBrk="1"/>
                       <a:r>
-                        <a:rPr lang="ko-KR" altLang="en-US" dirty="0">
+                        <a:rPr lang="ko-KR" altLang="en-US" sz="2200" dirty="0">
                           <a:solidFill>
                             <a:schemeClr val="tx1"/>
                           </a:solidFill>
@@ -12846,14 +11365,14 @@
                     <a:p>
                       <a:pPr algn="ctr" latinLnBrk="1"/>
                       <a:r>
-                        <a:rPr lang="ko-KR" altLang="en-US" dirty="0" err="1">
+                        <a:rPr lang="ko-KR" altLang="en-US" sz="2200" dirty="0" err="1">
                           <a:solidFill>
                             <a:schemeClr val="tx1"/>
                           </a:solidFill>
                         </a:rPr>
                         <a:t>에스원</a:t>
                       </a:r>
-                      <a:endParaRPr lang="ko-KR" altLang="en-US" dirty="0">
+                      <a:endParaRPr lang="ko-KR" altLang="en-US" sz="2200" dirty="0">
                         <a:solidFill>
                           <a:schemeClr val="tx1"/>
                         </a:solidFill>
@@ -12875,14 +11394,14 @@
                     <a:p>
                       <a:pPr algn="ctr" latinLnBrk="1"/>
                       <a:r>
-                        <a:rPr lang="ko-KR" altLang="en-US" dirty="0" err="1">
+                        <a:rPr lang="ko-KR" altLang="en-US" sz="2200" dirty="0" err="1">
                           <a:solidFill>
                             <a:schemeClr val="tx1"/>
                           </a:solidFill>
                         </a:rPr>
                         <a:t>일리시스</a:t>
                       </a:r>
-                      <a:endParaRPr lang="ko-KR" altLang="en-US" dirty="0">
+                      <a:endParaRPr lang="ko-KR" altLang="en-US" sz="2200" dirty="0">
                         <a:solidFill>
                           <a:schemeClr val="tx1"/>
                         </a:solidFill>
@@ -12903,7 +11422,7 @@
                   </a:ext>
                 </a:extLst>
               </a:tr>
-              <a:tr h="1856168">
+              <a:tr h="1787843">
                 <a:tc>
                   <a:txBody>
                     <a:bodyPr/>
@@ -12964,7 +11483,7 @@
                   </a:ext>
                 </a:extLst>
               </a:tr>
-              <a:tr h="1683015">
+              <a:tr h="2730298">
                 <a:tc>
                   <a:txBody>
                     <a:bodyPr/>
@@ -12974,7 +11493,7 @@
                         <a:buFontTx/>
                         <a:buNone/>
                       </a:pPr>
-                      <a:endParaRPr lang="en-US" altLang="ko-KR" sz="700" dirty="0"/>
+                      <a:endParaRPr lang="en-US" altLang="ko-KR" sz="2000" dirty="0"/>
                     </a:p>
                     <a:p>
                       <a:pPr marL="285750" indent="-285750" algn="l" latinLnBrk="1">
@@ -12982,25 +11501,25 @@
                         <a:buChar char="-"/>
                       </a:pPr>
                       <a:r>
-                        <a:rPr lang="ko-KR" altLang="en-US" dirty="0"/>
+                        <a:rPr lang="ko-KR" altLang="en-US" sz="2000" dirty="0"/>
                         <a:t>‘</a:t>
                       </a:r>
                       <a:r>
-                        <a:rPr lang="en-US" altLang="ko-KR" dirty="0"/>
+                        <a:rPr lang="en-US" altLang="ko-KR" sz="2000" dirty="0"/>
                         <a:t>KT’</a:t>
                       </a:r>
                       <a:r>
-                        <a:rPr lang="ko-KR" altLang="en-US" dirty="0"/>
+                        <a:rPr lang="ko-KR" altLang="en-US" sz="2000" dirty="0"/>
                         <a:t>에서 출시한 제품</a:t>
                       </a:r>
-                      <a:endParaRPr lang="en-US" altLang="ko-KR" dirty="0"/>
+                      <a:endParaRPr lang="en-US" altLang="ko-KR" sz="2000" dirty="0"/>
                     </a:p>
                     <a:p>
                       <a:pPr marL="0" indent="0" algn="l" latinLnBrk="1">
                         <a:buFontTx/>
                         <a:buNone/>
                       </a:pPr>
-                      <a:endParaRPr lang="en-US" altLang="ko-KR" sz="700" dirty="0"/>
+                      <a:endParaRPr lang="en-US" altLang="ko-KR" sz="2000" dirty="0"/>
                     </a:p>
                     <a:p>
                       <a:pPr marL="285750" indent="-285750" algn="l" latinLnBrk="1">
@@ -13008,34 +11527,34 @@
                         <a:buChar char="-"/>
                       </a:pPr>
                       <a:r>
-                        <a:rPr lang="ko-KR" altLang="en-US" dirty="0"/>
+                        <a:rPr lang="ko-KR" altLang="en-US" sz="2000" dirty="0"/>
                         <a:t>침입 감지</a:t>
                       </a:r>
                       <a:r>
-                        <a:rPr lang="en-US" altLang="ko-KR" dirty="0"/>
+                        <a:rPr lang="en-US" altLang="ko-KR" sz="2000" dirty="0"/>
                         <a:t>, </a:t>
                       </a:r>
                       <a:r>
-                        <a:rPr lang="ko-KR" altLang="en-US" dirty="0"/>
+                        <a:rPr lang="ko-KR" altLang="en-US" sz="2000" dirty="0"/>
                         <a:t>인원 측정</a:t>
                       </a:r>
                       <a:r>
-                        <a:rPr lang="en-US" altLang="ko-KR" dirty="0"/>
+                        <a:rPr lang="en-US" altLang="ko-KR" sz="2000" dirty="0"/>
                         <a:t>,   </a:t>
                       </a:r>
                       <a:r>
-                        <a:rPr lang="ko-KR" altLang="en-US" dirty="0"/>
+                        <a:rPr lang="ko-KR" altLang="en-US" sz="2000" dirty="0"/>
                         <a:t>체류시간분석</a:t>
                       </a:r>
                       <a:r>
-                        <a:rPr lang="en-US" altLang="ko-KR" dirty="0"/>
+                        <a:rPr lang="en-US" altLang="ko-KR" sz="2000" dirty="0"/>
                         <a:t>, </a:t>
                       </a:r>
                       <a:r>
-                        <a:rPr lang="ko-KR" altLang="en-US" dirty="0"/>
+                        <a:rPr lang="ko-KR" altLang="en-US" sz="2000" dirty="0"/>
                         <a:t>카메라 훼손감지 기능제공</a:t>
                       </a:r>
-                      <a:endParaRPr lang="en-US" altLang="ko-KR" dirty="0"/>
+                      <a:endParaRPr lang="en-US" altLang="ko-KR" sz="2000" dirty="0"/>
                     </a:p>
                   </a:txBody>
                   <a:tcPr>
@@ -13055,7 +11574,7 @@
                         <a:buFontTx/>
                         <a:buNone/>
                       </a:pPr>
-                      <a:endParaRPr lang="en-US" altLang="ko-KR" sz="700" dirty="0"/>
+                      <a:endParaRPr lang="en-US" altLang="ko-KR" sz="2000" dirty="0"/>
                     </a:p>
                     <a:p>
                       <a:pPr marL="285750" indent="-285750" algn="l" latinLnBrk="1">
@@ -13063,29 +11582,29 @@
                         <a:buChar char="-"/>
                       </a:pPr>
                       <a:r>
-                        <a:rPr lang="en-US" altLang="ko-KR" dirty="0"/>
+                        <a:rPr lang="en-US" altLang="ko-KR" sz="2000" dirty="0"/>
                         <a:t>‘</a:t>
                       </a:r>
                       <a:r>
-                        <a:rPr lang="ko-KR" altLang="en-US" dirty="0" err="1"/>
+                        <a:rPr lang="ko-KR" altLang="en-US" sz="2000" dirty="0" err="1"/>
                         <a:t>에스원</a:t>
                       </a:r>
                       <a:r>
-                        <a:rPr lang="en-US" altLang="ko-KR" dirty="0"/>
+                        <a:rPr lang="en-US" altLang="ko-KR" sz="2000" dirty="0"/>
                         <a:t>’</a:t>
                       </a:r>
                       <a:r>
-                        <a:rPr lang="ko-KR" altLang="en-US" dirty="0"/>
+                        <a:rPr lang="ko-KR" altLang="en-US" sz="2000" dirty="0"/>
                         <a:t>에서 출시한 제품</a:t>
                       </a:r>
-                      <a:endParaRPr lang="en-US" altLang="ko-KR" dirty="0"/>
+                      <a:endParaRPr lang="en-US" altLang="ko-KR" sz="2000" dirty="0"/>
                     </a:p>
                     <a:p>
                       <a:pPr marL="0" indent="0" algn="l" latinLnBrk="1">
                         <a:buFontTx/>
                         <a:buNone/>
                       </a:pPr>
-                      <a:endParaRPr lang="en-US" altLang="ko-KR" sz="700" dirty="0"/>
+                      <a:endParaRPr lang="en-US" altLang="ko-KR" sz="2000" dirty="0"/>
                     </a:p>
                     <a:p>
                       <a:pPr marL="285750" indent="-285750" algn="l" latinLnBrk="1">
@@ -13093,39 +11612,39 @@
                         <a:buChar char="-"/>
                       </a:pPr>
                       <a:r>
-                        <a:rPr lang="ko-KR" altLang="en-US" dirty="0"/>
+                        <a:rPr lang="ko-KR" altLang="en-US" sz="2000" dirty="0"/>
                         <a:t>침입감지</a:t>
                       </a:r>
                       <a:r>
-                        <a:rPr lang="en-US" altLang="ko-KR" dirty="0"/>
+                        <a:rPr lang="en-US" altLang="ko-KR" sz="2000" dirty="0"/>
                         <a:t>, </a:t>
                       </a:r>
                       <a:r>
-                        <a:rPr lang="ko-KR" altLang="en-US" dirty="0"/>
+                        <a:rPr lang="ko-KR" altLang="en-US" sz="2000" dirty="0"/>
                         <a:t>가상펜스</a:t>
                       </a:r>
                       <a:r>
-                        <a:rPr lang="en-US" altLang="ko-KR" dirty="0"/>
+                        <a:rPr lang="en-US" altLang="ko-KR" sz="2000" dirty="0"/>
                         <a:t>, </a:t>
                       </a:r>
                       <a:r>
-                        <a:rPr lang="ko-KR" altLang="en-US" dirty="0"/>
+                        <a:rPr lang="ko-KR" altLang="en-US" sz="2000" dirty="0"/>
                         <a:t>도난</a:t>
                       </a:r>
                       <a:r>
-                        <a:rPr lang="en-US" altLang="ko-KR" dirty="0"/>
+                        <a:rPr lang="en-US" altLang="ko-KR" sz="2000" dirty="0"/>
                         <a:t>, </a:t>
                       </a:r>
                       <a:r>
-                        <a:rPr lang="ko-KR" altLang="en-US" dirty="0"/>
+                        <a:rPr lang="ko-KR" altLang="en-US" sz="2000" dirty="0"/>
                         <a:t>번호판 인식</a:t>
                       </a:r>
                       <a:r>
-                        <a:rPr lang="en-US" altLang="ko-KR" dirty="0"/>
+                        <a:rPr lang="en-US" altLang="ko-KR" sz="2000" dirty="0"/>
                         <a:t>, </a:t>
                       </a:r>
                       <a:r>
-                        <a:rPr lang="ko-KR" altLang="en-US" dirty="0"/>
+                        <a:rPr lang="ko-KR" altLang="en-US" sz="2000" dirty="0"/>
                         <a:t>넘어짐 감지 기능제공</a:t>
                       </a:r>
                     </a:p>
@@ -13147,7 +11666,7 @@
                         <a:buFontTx/>
                         <a:buNone/>
                       </a:pPr>
-                      <a:endParaRPr lang="en-US" altLang="ko-KR" sz="700" dirty="0"/>
+                      <a:endParaRPr lang="en-US" altLang="ko-KR" sz="2000" dirty="0"/>
                     </a:p>
                     <a:p>
                       <a:pPr marL="285750" indent="-285750" algn="l" latinLnBrk="1">
@@ -13155,22 +11674,22 @@
                         <a:buChar char="-"/>
                       </a:pPr>
                       <a:r>
-                        <a:rPr lang="en-US" altLang="ko-KR" dirty="0"/>
+                        <a:rPr lang="en-US" altLang="ko-KR" sz="2000" dirty="0"/>
                         <a:t>‘</a:t>
                       </a:r>
                       <a:r>
-                        <a:rPr lang="ko-KR" altLang="en-US" dirty="0" err="1"/>
+                        <a:rPr lang="ko-KR" altLang="en-US" sz="2000" dirty="0" err="1"/>
                         <a:t>일리시스</a:t>
                       </a:r>
                       <a:r>
-                        <a:rPr lang="en-US" altLang="ko-KR" dirty="0"/>
+                        <a:rPr lang="en-US" altLang="ko-KR" sz="2000" dirty="0"/>
                         <a:t>’</a:t>
                       </a:r>
                       <a:r>
-                        <a:rPr lang="ko-KR" altLang="en-US" dirty="0"/>
+                        <a:rPr lang="ko-KR" altLang="en-US" sz="2000" dirty="0"/>
                         <a:t>에서 출시한 제</a:t>
                       </a:r>
-                      <a:endParaRPr lang="en-US" altLang="ko-KR" dirty="0"/>
+                      <a:endParaRPr lang="en-US" altLang="ko-KR" sz="2000" dirty="0"/>
                     </a:p>
                     <a:p>
                       <a:pPr marL="0" indent="0" algn="l" latinLnBrk="1">
@@ -13178,21 +11697,21 @@
                         <a:buNone/>
                       </a:pPr>
                       <a:r>
-                        <a:rPr lang="en-US" altLang="ko-KR" dirty="0"/>
+                        <a:rPr lang="en-US" altLang="ko-KR" sz="2000" dirty="0"/>
                         <a:t>    </a:t>
                       </a:r>
                       <a:r>
-                        <a:rPr lang="ko-KR" altLang="en-US" dirty="0"/>
+                        <a:rPr lang="ko-KR" altLang="en-US" sz="2000" dirty="0"/>
                         <a:t>품</a:t>
                       </a:r>
-                      <a:endParaRPr lang="en-US" altLang="ko-KR" dirty="0"/>
+                      <a:endParaRPr lang="en-US" altLang="ko-KR" sz="2000" dirty="0"/>
                     </a:p>
                     <a:p>
                       <a:pPr marL="285750" indent="-285750" algn="l" latinLnBrk="1">
                         <a:buFontTx/>
                         <a:buChar char="-"/>
                       </a:pPr>
-                      <a:endParaRPr lang="en-US" altLang="ko-KR" sz="700" dirty="0"/>
+                      <a:endParaRPr lang="en-US" altLang="ko-KR" sz="2000" dirty="0"/>
                     </a:p>
                     <a:p>
                       <a:pPr marL="285750" indent="-285750" algn="l" latinLnBrk="1">
@@ -13200,40 +11719,40 @@
                         <a:buChar char="-"/>
                       </a:pPr>
                       <a:r>
-                        <a:rPr lang="ko-KR" altLang="en-US" dirty="0"/>
+                        <a:rPr lang="ko-KR" altLang="en-US" sz="2000" dirty="0"/>
                         <a:t>실시간 보행자 감지</a:t>
                       </a:r>
                       <a:r>
-                        <a:rPr lang="en-US" altLang="ko-KR" dirty="0"/>
+                        <a:rPr lang="en-US" altLang="ko-KR" sz="2000" dirty="0"/>
                         <a:t>, </a:t>
                       </a:r>
                       <a:r>
-                        <a:rPr lang="ko-KR" altLang="en-US" dirty="0"/>
+                        <a:rPr lang="ko-KR" altLang="en-US" sz="2000" dirty="0"/>
                         <a:t>사물식별</a:t>
                       </a:r>
                       <a:r>
-                        <a:rPr lang="en-US" altLang="ko-KR" dirty="0"/>
+                        <a:rPr lang="en-US" altLang="ko-KR" sz="2000" dirty="0"/>
                         <a:t> </a:t>
                       </a:r>
                       <a:r>
-                        <a:rPr lang="ko-KR" altLang="en-US" dirty="0"/>
+                        <a:rPr lang="ko-KR" altLang="en-US" sz="2000" dirty="0"/>
                         <a:t>기능제공</a:t>
                       </a:r>
-                      <a:endParaRPr lang="en-US" altLang="ko-KR" dirty="0"/>
+                      <a:endParaRPr lang="en-US" altLang="ko-KR" sz="2000" dirty="0"/>
                     </a:p>
                     <a:p>
                       <a:pPr marL="285750" indent="-285750" algn="l" latinLnBrk="1">
                         <a:buFontTx/>
                         <a:buChar char="-"/>
                       </a:pPr>
-                      <a:endParaRPr lang="en-US" altLang="ko-KR" dirty="0"/>
+                      <a:endParaRPr lang="en-US" altLang="ko-KR" sz="2000" dirty="0"/>
                     </a:p>
                     <a:p>
                       <a:pPr marL="285750" indent="-285750" algn="l" latinLnBrk="1">
                         <a:buFontTx/>
                         <a:buChar char="-"/>
                       </a:pPr>
-                      <a:endParaRPr lang="ko-KR" altLang="en-US" dirty="0"/>
+                      <a:endParaRPr lang="ko-KR" altLang="en-US" sz="2000" dirty="0"/>
                     </a:p>
                   </a:txBody>
                   <a:tcPr>
@@ -13267,7 +11786,7 @@
 </p:sld>
 </file>
 
-<file path=ppt/slides/slide6.xml><?xml version="1.0" encoding="utf-8"?>
+<file path=ppt/slides/slide5.xml><?xml version="1.0" encoding="utf-8"?>
 <p:sld xmlns:a="http://schemas.openxmlformats.org/drawingml/2006/main" xmlns:r="http://schemas.openxmlformats.org/officeDocument/2006/relationships" xmlns:p="http://schemas.openxmlformats.org/presentationml/2006/main">
   <p:cSld>
     <p:bg>
@@ -13454,15 +11973,15 @@
         </p:nvSpPr>
         <p:spPr>
           <a:xfrm>
-            <a:off x="185415" y="251266"/>
-            <a:ext cx="780983" cy="523220"/>
+            <a:off x="0" y="265007"/>
+            <a:ext cx="1506265" cy="523220"/>
           </a:xfrm>
           <a:prstGeom prst="rect">
             <a:avLst/>
           </a:prstGeom>
         </p:spPr>
         <p:txBody>
-          <a:bodyPr wrap="none">
+          <a:bodyPr wrap="square">
             <a:spAutoFit/>
           </a:bodyPr>
           <a:lstStyle/>
@@ -13485,7 +12004,7 @@
               <a:defRPr/>
             </a:pPr>
             <a:r>
-              <a:rPr kumimoji="0" lang="ko-KR" altLang="en-US" sz="2800" b="1" i="0" u="none" strike="noStrike" kern="1200" cap="none" spc="-150" normalizeH="0" baseline="0" noProof="0">
+              <a:rPr kumimoji="0" lang="ko-KR" altLang="en-US" sz="2800" b="1" i="0" u="none" strike="noStrike" kern="1200" cap="none" spc="-150" normalizeH="0" baseline="0" noProof="0" dirty="0">
                 <a:ln>
                   <a:noFill/>
                 </a:ln>
@@ -13498,21 +12017,8 @@
                 <a:latin typeface="Rix비타민 M" panose="02020603020101020101" pitchFamily="18" charset="-127"/>
                 <a:ea typeface="Rix비타민 M" panose="02020603020101020101" pitchFamily="18" charset="-127"/>
               </a:rPr>
-              <a:t>주제</a:t>
-            </a:r>
-            <a:endParaRPr kumimoji="0" lang="ko-KR" altLang="en-US" sz="2800" b="1" i="0" u="none" strike="noStrike" kern="1200" cap="none" spc="-150" normalizeH="0" baseline="0" noProof="0" dirty="0">
-              <a:ln>
-                <a:noFill/>
-              </a:ln>
-              <a:solidFill>
-                <a:prstClr val="white"/>
-              </a:solidFill>
-              <a:effectLst/>
-              <a:uLnTx/>
-              <a:uFillTx/>
-              <a:latin typeface="Rix비타민 M" panose="02020603020101020101" pitchFamily="18" charset="-127"/>
-              <a:ea typeface="Rix비타민 M" panose="02020603020101020101" pitchFamily="18" charset="-127"/>
-            </a:endParaRPr>
+              <a:t>논문 주제</a:t>
+            </a:r>
           </a:p>
         </p:txBody>
       </p:sp>
@@ -13609,8 +12115,8 @@
         </p:blipFill>
         <p:spPr>
           <a:xfrm>
-            <a:off x="359532" y="1437383"/>
-            <a:ext cx="8352928" cy="4825552"/>
+            <a:off x="359532" y="1771800"/>
+            <a:ext cx="8352928" cy="4796234"/>
           </a:xfrm>
           <a:prstGeom prst="rect">
             <a:avLst/>
@@ -13751,8 +12257,8 @@
         </p:nvSpPr>
         <p:spPr>
           <a:xfrm>
-            <a:off x="0" y="908720"/>
-            <a:ext cx="3347864" cy="369332"/>
+            <a:off x="1" y="971581"/>
+            <a:ext cx="3923928" cy="800219"/>
           </a:xfrm>
           <a:prstGeom prst="rect">
             <a:avLst/>
@@ -13766,20 +12272,45 @@
           <a:lstStyle/>
           <a:p>
             <a:r>
-              <a:rPr lang="en-US" altLang="ko-KR" dirty="0"/>
+              <a:rPr lang="en-US" altLang="ko-KR" sz="2300" dirty="0">
+                <a:latin typeface="Rix비타민 M" panose="02020603020101020101" pitchFamily="18" charset="-127"/>
+                <a:ea typeface="Rix비타민 M" panose="02020603020101020101" pitchFamily="18" charset="-127"/>
+              </a:rPr>
               <a:t>2018 </a:t>
             </a:r>
             <a:r>
-              <a:rPr lang="ko-KR" altLang="en-US" dirty="0"/>
+              <a:rPr lang="ko-KR" altLang="en-US" sz="2300" dirty="0">
+                <a:latin typeface="Rix비타민 M" panose="02020603020101020101" pitchFamily="18" charset="-127"/>
+                <a:ea typeface="Rix비타민 M" panose="02020603020101020101" pitchFamily="18" charset="-127"/>
+              </a:rPr>
               <a:t>정보통신종합설계</a:t>
             </a:r>
             <a:r>
-              <a:rPr lang="en-US" altLang="ko-KR" dirty="0"/>
+              <a:rPr lang="en-US" altLang="ko-KR" sz="2300" dirty="0">
+                <a:latin typeface="Rix비타민 M" panose="02020603020101020101" pitchFamily="18" charset="-127"/>
+                <a:ea typeface="Rix비타민 M" panose="02020603020101020101" pitchFamily="18" charset="-127"/>
+              </a:rPr>
               <a:t>1 </a:t>
             </a:r>
             <a:r>
-              <a:rPr lang="ko-KR" altLang="en-US" dirty="0"/>
-              <a:t>작품</a:t>
+              <a:rPr lang="ko-KR" altLang="en-US" sz="2300" dirty="0">
+                <a:latin typeface="Rix비타민 M" panose="02020603020101020101" pitchFamily="18" charset="-127"/>
+                <a:ea typeface="Rix비타민 M" panose="02020603020101020101" pitchFamily="18" charset="-127"/>
+              </a:rPr>
+              <a:t>출품</a:t>
+            </a:r>
+            <a:endParaRPr lang="en-US" altLang="ko-KR" sz="2300" dirty="0">
+              <a:latin typeface="Rix비타민 M" panose="02020603020101020101" pitchFamily="18" charset="-127"/>
+              <a:ea typeface="Rix비타민 M" panose="02020603020101020101" pitchFamily="18" charset="-127"/>
+            </a:endParaRPr>
+          </a:p>
+          <a:p>
+            <a:r>
+              <a:rPr lang="ko-KR" altLang="en-US" sz="2300" dirty="0">
+                <a:latin typeface="Rix비타민 M" panose="02020603020101020101" pitchFamily="18" charset="-127"/>
+                <a:ea typeface="Rix비타민 M" panose="02020603020101020101" pitchFamily="18" charset="-127"/>
+              </a:rPr>
+              <a:t>응급상황 판단 및 알림 시스템</a:t>
             </a:r>
           </a:p>
         </p:txBody>
@@ -14007,7 +12538,7 @@
 </p:sld>
 </file>
 
-<file path=ppt/slides/slide7.xml><?xml version="1.0" encoding="utf-8"?>
+<file path=ppt/slides/slide6.xml><?xml version="1.0" encoding="utf-8"?>
 <p:sld xmlns:a="http://schemas.openxmlformats.org/drawingml/2006/main" xmlns:r="http://schemas.openxmlformats.org/officeDocument/2006/relationships" xmlns:p="http://schemas.openxmlformats.org/presentationml/2006/main">
   <p:cSld>
     <p:bg>
@@ -14188,6 +12719,63 @@
       </p:sp>
       <p:sp>
         <p:nvSpPr>
+          <p:cNvPr id="8" name="직사각형 7"/>
+          <p:cNvSpPr/>
+          <p:nvPr/>
+        </p:nvSpPr>
+        <p:spPr>
+          <a:xfrm>
+            <a:off x="0" y="265007"/>
+            <a:ext cx="1506265" cy="523220"/>
+          </a:xfrm>
+          <a:prstGeom prst="rect">
+            <a:avLst/>
+          </a:prstGeom>
+        </p:spPr>
+        <p:txBody>
+          <a:bodyPr wrap="square">
+            <a:spAutoFit/>
+          </a:bodyPr>
+          <a:lstStyle/>
+          <a:p>
+            <a:pPr marL="0" marR="0" lvl="0" indent="0" algn="ctr" defTabSz="914400" rtl="0" eaLnBrk="1" fontAlgn="auto" latinLnBrk="1" hangingPunct="1">
+              <a:lnSpc>
+                <a:spcPct val="100000"/>
+              </a:lnSpc>
+              <a:spcBef>
+                <a:spcPts val="0"/>
+              </a:spcBef>
+              <a:spcAft>
+                <a:spcPts val="0"/>
+              </a:spcAft>
+              <a:buClrTx/>
+              <a:buSzTx/>
+              <a:buFontTx/>
+              <a:buNone/>
+              <a:tabLst/>
+              <a:defRPr/>
+            </a:pPr>
+            <a:r>
+              <a:rPr kumimoji="0" lang="ko-KR" altLang="en-US" sz="2800" b="1" i="0" u="none" strike="noStrike" kern="1200" cap="none" spc="-150" normalizeH="0" baseline="0" noProof="0" dirty="0">
+                <a:ln>
+                  <a:noFill/>
+                </a:ln>
+                <a:solidFill>
+                  <a:prstClr val="white"/>
+                </a:solidFill>
+                <a:effectLst/>
+                <a:uLnTx/>
+                <a:uFillTx/>
+                <a:latin typeface="Rix비타민 M" panose="02020603020101020101" pitchFamily="18" charset="-127"/>
+                <a:ea typeface="Rix비타민 M" panose="02020603020101020101" pitchFamily="18" charset="-127"/>
+              </a:rPr>
+              <a:t>논문 주제</a:t>
+            </a:r>
+          </a:p>
+        </p:txBody>
+      </p:sp>
+      <p:sp>
+        <p:nvSpPr>
           <p:cNvPr id="9" name="TextBox 8"/>
           <p:cNvSpPr txBox="1"/>
           <p:nvPr/>
@@ -14279,8 +12867,8 @@
         </p:blipFill>
         <p:spPr>
           <a:xfrm>
-            <a:off x="359532" y="1437383"/>
-            <a:ext cx="8352928" cy="4825552"/>
+            <a:off x="359532" y="1771800"/>
+            <a:ext cx="8352928" cy="4796234"/>
           </a:xfrm>
           <a:prstGeom prst="rect">
             <a:avLst/>
@@ -14289,10 +12877,82 @@
       </p:pic>
       <p:sp>
         <p:nvSpPr>
-          <p:cNvPr id="4" name="사각형: 둥근 모서리 3">
+          <p:cNvPr id="4" name="TextBox 3">
             <a:extLst>
               <a:ext uri="{FF2B5EF4-FFF2-40B4-BE49-F238E27FC236}">
-                <a16:creationId xmlns:a16="http://schemas.microsoft.com/office/drawing/2014/main" id="{148CCC7F-0FA4-4763-AB01-41B62D7290AF}"/>
+                <a16:creationId xmlns:a16="http://schemas.microsoft.com/office/drawing/2014/main" id="{CB75629A-8590-46AA-A3D2-8417EB30F7D1}"/>
+              </a:ext>
+            </a:extLst>
+          </p:cNvPr>
+          <p:cNvSpPr txBox="1"/>
+          <p:nvPr/>
+        </p:nvSpPr>
+        <p:spPr>
+          <a:xfrm>
+            <a:off x="1" y="971581"/>
+            <a:ext cx="3923928" cy="800219"/>
+          </a:xfrm>
+          <a:prstGeom prst="rect">
+            <a:avLst/>
+          </a:prstGeom>
+          <a:noFill/>
+        </p:spPr>
+        <p:txBody>
+          <a:bodyPr wrap="square" rtlCol="0">
+            <a:spAutoFit/>
+          </a:bodyPr>
+          <a:lstStyle/>
+          <a:p>
+            <a:r>
+              <a:rPr lang="en-US" altLang="ko-KR" sz="2300" dirty="0">
+                <a:latin typeface="Rix비타민 M" panose="02020603020101020101" pitchFamily="18" charset="-127"/>
+                <a:ea typeface="Rix비타민 M" panose="02020603020101020101" pitchFamily="18" charset="-127"/>
+              </a:rPr>
+              <a:t>2018 </a:t>
+            </a:r>
+            <a:r>
+              <a:rPr lang="ko-KR" altLang="en-US" sz="2300" dirty="0">
+                <a:latin typeface="Rix비타민 M" panose="02020603020101020101" pitchFamily="18" charset="-127"/>
+                <a:ea typeface="Rix비타민 M" panose="02020603020101020101" pitchFamily="18" charset="-127"/>
+              </a:rPr>
+              <a:t>정보통신종합설계</a:t>
+            </a:r>
+            <a:r>
+              <a:rPr lang="en-US" altLang="ko-KR" sz="2300" dirty="0">
+                <a:latin typeface="Rix비타민 M" panose="02020603020101020101" pitchFamily="18" charset="-127"/>
+                <a:ea typeface="Rix비타민 M" panose="02020603020101020101" pitchFamily="18" charset="-127"/>
+              </a:rPr>
+              <a:t>1 </a:t>
+            </a:r>
+            <a:r>
+              <a:rPr lang="ko-KR" altLang="en-US" sz="2300" dirty="0">
+                <a:latin typeface="Rix비타민 M" panose="02020603020101020101" pitchFamily="18" charset="-127"/>
+                <a:ea typeface="Rix비타민 M" panose="02020603020101020101" pitchFamily="18" charset="-127"/>
+              </a:rPr>
+              <a:t>출품</a:t>
+            </a:r>
+            <a:endParaRPr lang="en-US" altLang="ko-KR" sz="2300" dirty="0">
+              <a:latin typeface="Rix비타민 M" panose="02020603020101020101" pitchFamily="18" charset="-127"/>
+              <a:ea typeface="Rix비타민 M" panose="02020603020101020101" pitchFamily="18" charset="-127"/>
+            </a:endParaRPr>
+          </a:p>
+          <a:p>
+            <a:r>
+              <a:rPr lang="ko-KR" altLang="en-US" sz="2300" dirty="0">
+                <a:latin typeface="Rix비타민 M" panose="02020603020101020101" pitchFamily="18" charset="-127"/>
+                <a:ea typeface="Rix비타민 M" panose="02020603020101020101" pitchFamily="18" charset="-127"/>
+              </a:rPr>
+              <a:t>응급상황 판단 및 알림 시스템</a:t>
+            </a:r>
+          </a:p>
+        </p:txBody>
+      </p:sp>
+      <p:sp>
+        <p:nvSpPr>
+          <p:cNvPr id="13" name="사각형: 둥근 모서리 12">
+            <a:extLst>
+              <a:ext uri="{FF2B5EF4-FFF2-40B4-BE49-F238E27FC236}">
+                <a16:creationId xmlns:a16="http://schemas.microsoft.com/office/drawing/2014/main" id="{A28260A8-D344-4762-A69F-7C37C26BBA88}"/>
               </a:ext>
             </a:extLst>
           </p:cNvPr>
@@ -14301,8 +12961,8 @@
         </p:nvSpPr>
         <p:spPr>
           <a:xfrm>
-            <a:off x="5436096" y="1437383"/>
-            <a:ext cx="3348372" cy="3071737"/>
+            <a:off x="5580112" y="1916832"/>
+            <a:ext cx="3132348" cy="2880320"/>
           </a:xfrm>
           <a:prstGeom prst="roundRect">
             <a:avLst/>
@@ -14335,90 +12995,14 @@
           <a:lstStyle/>
           <a:p>
             <a:pPr algn="ctr"/>
-            <a:endParaRPr lang="ko-KR" altLang="en-US"/>
-          </a:p>
-        </p:txBody>
-      </p:sp>
-      <p:sp>
-        <p:nvSpPr>
-          <p:cNvPr id="10" name="직사각형 9">
-            <a:extLst>
-              <a:ext uri="{FF2B5EF4-FFF2-40B4-BE49-F238E27FC236}">
-                <a16:creationId xmlns:a16="http://schemas.microsoft.com/office/drawing/2014/main" id="{C2400842-A088-4C35-A865-ED65CF70A304}"/>
-              </a:ext>
-            </a:extLst>
-          </p:cNvPr>
-          <p:cNvSpPr/>
-          <p:nvPr/>
-        </p:nvSpPr>
-        <p:spPr>
-          <a:xfrm>
-            <a:off x="185415" y="251266"/>
-            <a:ext cx="780983" cy="523220"/>
-          </a:xfrm>
-          <a:prstGeom prst="rect">
-            <a:avLst/>
-          </a:prstGeom>
-        </p:spPr>
-        <p:txBody>
-          <a:bodyPr wrap="none">
-            <a:spAutoFit/>
-          </a:bodyPr>
-          <a:lstStyle/>
-          <a:p>
-            <a:pPr marL="0" marR="0" lvl="0" indent="0" algn="ctr" defTabSz="914400" rtl="0" eaLnBrk="1" fontAlgn="auto" latinLnBrk="1" hangingPunct="1">
-              <a:lnSpc>
-                <a:spcPct val="100000"/>
-              </a:lnSpc>
-              <a:spcBef>
-                <a:spcPts val="0"/>
-              </a:spcBef>
-              <a:spcAft>
-                <a:spcPts val="0"/>
-              </a:spcAft>
-              <a:buClrTx/>
-              <a:buSzTx/>
-              <a:buFontTx/>
-              <a:buNone/>
-              <a:tabLst/>
-              <a:defRPr/>
-            </a:pPr>
-            <a:r>
-              <a:rPr kumimoji="0" lang="ko-KR" altLang="en-US" sz="2800" b="1" i="0" u="none" strike="noStrike" kern="1200" cap="none" spc="-150" normalizeH="0" baseline="0" noProof="0">
-                <a:ln>
-                  <a:noFill/>
-                </a:ln>
-                <a:solidFill>
-                  <a:prstClr val="white"/>
-                </a:solidFill>
-                <a:effectLst/>
-                <a:uLnTx/>
-                <a:uFillTx/>
-                <a:latin typeface="Rix비타민 M" panose="02020603020101020101" pitchFamily="18" charset="-127"/>
-                <a:ea typeface="Rix비타민 M" panose="02020603020101020101" pitchFamily="18" charset="-127"/>
-              </a:rPr>
-              <a:t>주제</a:t>
-            </a:r>
-            <a:endParaRPr kumimoji="0" lang="ko-KR" altLang="en-US" sz="2800" b="1" i="0" u="none" strike="noStrike" kern="1200" cap="none" spc="-150" normalizeH="0" baseline="0" noProof="0" dirty="0">
-              <a:ln>
-                <a:noFill/>
-              </a:ln>
-              <a:solidFill>
-                <a:prstClr val="white"/>
-              </a:solidFill>
-              <a:effectLst/>
-              <a:uLnTx/>
-              <a:uFillTx/>
-              <a:latin typeface="Rix비타민 M" panose="02020603020101020101" pitchFamily="18" charset="-127"/>
-              <a:ea typeface="Rix비타민 M" panose="02020603020101020101" pitchFamily="18" charset="-127"/>
-            </a:endParaRPr>
+            <a:endParaRPr lang="ko-KR" altLang="en-US" u="sng"/>
           </a:p>
         </p:txBody>
       </p:sp>
     </p:spTree>
     <p:extLst>
       <p:ext uri="{BB962C8B-B14F-4D97-AF65-F5344CB8AC3E}">
-        <p14:creationId xmlns:p14="http://schemas.microsoft.com/office/powerpoint/2010/main" val="559326892"/>
+        <p14:creationId xmlns:p14="http://schemas.microsoft.com/office/powerpoint/2010/main" val="2921638682"/>
       </p:ext>
     </p:extLst>
   </p:cSld>
@@ -14459,7 +13043,7 @@
                                           </p:stCondLst>
                                         </p:cTn>
                                         <p:tgtEl>
-                                          <p:spTgt spid="4"/>
+                                          <p:spTgt spid="13"/>
                                         </p:tgtEl>
                                         <p:attrNameLst>
                                           <p:attrName>style.visibility</p:attrName>
@@ -14500,13 +13084,13 @@
       </p:par>
     </p:tnLst>
     <p:bldLst>
-      <p:bldP spid="4" grpId="0" animBg="1"/>
+      <p:bldP spid="13" grpId="0" animBg="1"/>
     </p:bldLst>
   </p:timing>
 </p:sld>
 </file>
 
-<file path=ppt/slides/slide8.xml><?xml version="1.0" encoding="utf-8"?>
+<file path=ppt/slides/slide7.xml><?xml version="1.0" encoding="utf-8"?>
 <p:sld xmlns:a="http://schemas.openxmlformats.org/drawingml/2006/main" xmlns:r="http://schemas.openxmlformats.org/officeDocument/2006/relationships" xmlns:p="http://schemas.openxmlformats.org/presentationml/2006/main">
   <p:cSld>
     <p:bg>
@@ -15450,6 +14034,51 @@
           </a:p>
         </p:txBody>
       </p:sp>
+      <p:sp>
+        <p:nvSpPr>
+          <p:cNvPr id="26" name="TextBox 25">
+            <a:extLst>
+              <a:ext uri="{FF2B5EF4-FFF2-40B4-BE49-F238E27FC236}">
+                <a16:creationId xmlns:a16="http://schemas.microsoft.com/office/drawing/2014/main" id="{B87290D9-38FB-41BE-8EED-E3173AC1DE45}"/>
+              </a:ext>
+            </a:extLst>
+          </p:cNvPr>
+          <p:cNvSpPr txBox="1"/>
+          <p:nvPr/>
+        </p:nvSpPr>
+        <p:spPr>
+          <a:xfrm>
+            <a:off x="0" y="971581"/>
+            <a:ext cx="4067943" cy="446276"/>
+          </a:xfrm>
+          <a:prstGeom prst="rect">
+            <a:avLst/>
+          </a:prstGeom>
+          <a:noFill/>
+        </p:spPr>
+        <p:txBody>
+          <a:bodyPr wrap="square" rtlCol="0">
+            <a:spAutoFit/>
+          </a:bodyPr>
+          <a:lstStyle/>
+          <a:p>
+            <a:r>
+              <a:rPr lang="en-US" altLang="ko-KR" sz="2300" dirty="0">
+                <a:latin typeface="Rix비타민 M" panose="02020603020101020101" pitchFamily="18" charset="-127"/>
+                <a:ea typeface="Rix비타민 M" panose="02020603020101020101" pitchFamily="18" charset="-127"/>
+              </a:rPr>
+              <a:t>CNN</a:t>
+            </a:r>
+            <a:r>
+              <a:rPr lang="ko-KR" altLang="en-US" sz="2300" dirty="0">
+                <a:latin typeface="Rix비타민 M" panose="02020603020101020101" pitchFamily="18" charset="-127"/>
+                <a:ea typeface="Rix비타민 M" panose="02020603020101020101" pitchFamily="18" charset="-127"/>
+              </a:rPr>
+              <a:t>을 이용한 차종 판별 시스템</a:t>
+            </a:r>
+          </a:p>
+        </p:txBody>
+      </p:sp>
     </p:spTree>
     <p:extLst>
       <p:ext uri="{BB962C8B-B14F-4D97-AF65-F5344CB8AC3E}">
@@ -15460,6 +14089,655 @@
   <p:clrMapOvr>
     <a:masterClrMapping/>
   </p:clrMapOvr>
+</p:sld>
+</file>
+
+<file path=ppt/slides/slide8.xml><?xml version="1.0" encoding="utf-8"?>
+<p:sld xmlns:a="http://schemas.openxmlformats.org/drawingml/2006/main" xmlns:r="http://schemas.openxmlformats.org/officeDocument/2006/relationships" xmlns:p="http://schemas.openxmlformats.org/presentationml/2006/main">
+  <p:cSld>
+    <p:bg>
+      <p:bgPr>
+        <a:solidFill>
+          <a:schemeClr val="tx2">
+            <a:lumMod val="75000"/>
+          </a:schemeClr>
+        </a:solidFill>
+        <a:effectLst/>
+      </p:bgPr>
+    </p:bg>
+    <p:spTree>
+      <p:nvGrpSpPr>
+        <p:cNvPr id="1" name=""/>
+        <p:cNvGrpSpPr/>
+        <p:nvPr/>
+      </p:nvGrpSpPr>
+      <p:grpSpPr>
+        <a:xfrm>
+          <a:off x="0" y="0"/>
+          <a:ext cx="0" cy="0"/>
+          <a:chOff x="0" y="0"/>
+          <a:chExt cx="0" cy="0"/>
+        </a:xfrm>
+      </p:grpSpPr>
+      <p:sp>
+        <p:nvSpPr>
+          <p:cNvPr id="2" name="직사각형 1"/>
+          <p:cNvSpPr/>
+          <p:nvPr/>
+        </p:nvSpPr>
+        <p:spPr>
+          <a:xfrm>
+            <a:off x="-3932" y="774486"/>
+            <a:ext cx="9180512" cy="5793548"/>
+          </a:xfrm>
+          <a:prstGeom prst="rect">
+            <a:avLst/>
+          </a:prstGeom>
+          <a:solidFill>
+            <a:schemeClr val="bg1"/>
+          </a:solidFill>
+          <a:ln>
+            <a:noFill/>
+          </a:ln>
+        </p:spPr>
+        <p:style>
+          <a:lnRef idx="2">
+            <a:schemeClr val="accent1">
+              <a:shade val="50000"/>
+            </a:schemeClr>
+          </a:lnRef>
+          <a:fillRef idx="1">
+            <a:schemeClr val="accent1"/>
+          </a:fillRef>
+          <a:effectRef idx="0">
+            <a:schemeClr val="accent1"/>
+          </a:effectRef>
+          <a:fontRef idx="minor">
+            <a:schemeClr val="lt1"/>
+          </a:fontRef>
+        </p:style>
+        <p:txBody>
+          <a:bodyPr rtlCol="0" anchor="ctr"/>
+          <a:lstStyle/>
+          <a:p>
+            <a:pPr marL="0" marR="0" lvl="0" indent="0" algn="ctr" defTabSz="914400" rtl="0" eaLnBrk="1" fontAlgn="auto" latinLnBrk="1" hangingPunct="1">
+              <a:lnSpc>
+                <a:spcPct val="100000"/>
+              </a:lnSpc>
+              <a:spcBef>
+                <a:spcPts val="0"/>
+              </a:spcBef>
+              <a:spcAft>
+                <a:spcPts val="0"/>
+              </a:spcAft>
+              <a:buClrTx/>
+              <a:buSzTx/>
+              <a:buFontTx/>
+              <a:buNone/>
+              <a:tabLst/>
+              <a:defRPr/>
+            </a:pPr>
+            <a:endParaRPr kumimoji="0" lang="ko-KR" altLang="en-US" sz="1800" b="0" i="0" u="none" strike="noStrike" kern="1200" cap="none" spc="0" normalizeH="0" baseline="0" noProof="0" dirty="0">
+              <a:ln>
+                <a:noFill/>
+              </a:ln>
+              <a:solidFill>
+                <a:prstClr val="white"/>
+              </a:solidFill>
+              <a:effectLst/>
+              <a:uLnTx/>
+              <a:uFillTx/>
+              <a:latin typeface="맑은 고딕"/>
+              <a:ea typeface="맑은 고딕" panose="020B0503020000020004" pitchFamily="50" charset="-127"/>
+              <a:cs typeface="+mn-cs"/>
+            </a:endParaRPr>
+          </a:p>
+        </p:txBody>
+      </p:sp>
+      <p:sp>
+        <p:nvSpPr>
+          <p:cNvPr id="3" name="타원 2"/>
+          <p:cNvSpPr/>
+          <p:nvPr/>
+        </p:nvSpPr>
+        <p:spPr>
+          <a:xfrm>
+            <a:off x="4067944" y="146108"/>
+            <a:ext cx="936104" cy="1050644"/>
+          </a:xfrm>
+          <a:prstGeom prst="ellipse">
+            <a:avLst/>
+          </a:prstGeom>
+          <a:solidFill>
+            <a:schemeClr val="tx2">
+              <a:lumMod val="75000"/>
+            </a:schemeClr>
+          </a:solidFill>
+          <a:ln>
+            <a:noFill/>
+          </a:ln>
+        </p:spPr>
+        <p:style>
+          <a:lnRef idx="2">
+            <a:schemeClr val="accent1">
+              <a:shade val="50000"/>
+            </a:schemeClr>
+          </a:lnRef>
+          <a:fillRef idx="1">
+            <a:schemeClr val="accent1"/>
+          </a:fillRef>
+          <a:effectRef idx="0">
+            <a:schemeClr val="accent1"/>
+          </a:effectRef>
+          <a:fontRef idx="minor">
+            <a:schemeClr val="lt1"/>
+          </a:fontRef>
+        </p:style>
+        <p:txBody>
+          <a:bodyPr rtlCol="0" anchor="ctr"/>
+          <a:lstStyle/>
+          <a:p>
+            <a:pPr marL="0" marR="0" lvl="0" indent="0" algn="ctr" defTabSz="914400" rtl="0" eaLnBrk="1" fontAlgn="auto" latinLnBrk="1" hangingPunct="1">
+              <a:lnSpc>
+                <a:spcPct val="100000"/>
+              </a:lnSpc>
+              <a:spcBef>
+                <a:spcPts val="0"/>
+              </a:spcBef>
+              <a:spcAft>
+                <a:spcPts val="0"/>
+              </a:spcAft>
+              <a:buClrTx/>
+              <a:buSzTx/>
+              <a:buFontTx/>
+              <a:buNone/>
+              <a:tabLst/>
+              <a:defRPr/>
+            </a:pPr>
+            <a:endParaRPr kumimoji="0" lang="ko-KR" altLang="en-US" sz="1800" b="0" i="0" u="none" strike="noStrike" kern="1200" cap="none" spc="0" normalizeH="0" baseline="0" noProof="0">
+              <a:ln>
+                <a:noFill/>
+              </a:ln>
+              <a:solidFill>
+                <a:prstClr val="white"/>
+              </a:solidFill>
+              <a:effectLst/>
+              <a:uLnTx/>
+              <a:uFillTx/>
+              <a:latin typeface="맑은 고딕"/>
+              <a:ea typeface="맑은 고딕" panose="020B0503020000020004" pitchFamily="50" charset="-127"/>
+              <a:cs typeface="+mn-cs"/>
+            </a:endParaRPr>
+          </a:p>
+        </p:txBody>
+      </p:sp>
+      <p:sp>
+        <p:nvSpPr>
+          <p:cNvPr id="9" name="TextBox 8"/>
+          <p:cNvSpPr txBox="1"/>
+          <p:nvPr/>
+        </p:nvSpPr>
+        <p:spPr>
+          <a:xfrm>
+            <a:off x="3995936" y="692696"/>
+            <a:ext cx="1080120" cy="461665"/>
+          </a:xfrm>
+          <a:prstGeom prst="rect">
+            <a:avLst/>
+          </a:prstGeom>
+          <a:noFill/>
+        </p:spPr>
+        <p:txBody>
+          <a:bodyPr wrap="square" rtlCol="0">
+            <a:spAutoFit/>
+          </a:bodyPr>
+          <a:lstStyle/>
+          <a:p>
+            <a:pPr marL="0" marR="0" lvl="0" indent="0" algn="ctr" defTabSz="914400" rtl="0" eaLnBrk="1" fontAlgn="auto" latinLnBrk="1" hangingPunct="1">
+              <a:lnSpc>
+                <a:spcPct val="100000"/>
+              </a:lnSpc>
+              <a:spcBef>
+                <a:spcPts val="0"/>
+              </a:spcBef>
+              <a:spcAft>
+                <a:spcPts val="0"/>
+              </a:spcAft>
+              <a:buClrTx/>
+              <a:buSzTx/>
+              <a:buFontTx/>
+              <a:buNone/>
+              <a:tabLst/>
+              <a:defRPr/>
+            </a:pPr>
+            <a:r>
+              <a:rPr lang="en-US" altLang="ko-KR" sz="2400" dirty="0">
+                <a:solidFill>
+                  <a:prstClr val="white"/>
+                </a:solidFill>
+                <a:latin typeface="HY헤드라인M" pitchFamily="18" charset="-127"/>
+                <a:ea typeface="HY헤드라인M" pitchFamily="18" charset="-127"/>
+              </a:rPr>
+              <a:t>03</a:t>
+            </a:r>
+            <a:endParaRPr kumimoji="0" lang="ko-KR" altLang="en-US" sz="2400" b="0" i="0" u="none" strike="noStrike" kern="1200" cap="none" spc="0" normalizeH="0" baseline="0" noProof="0" dirty="0">
+              <a:ln>
+                <a:noFill/>
+              </a:ln>
+              <a:solidFill>
+                <a:prstClr val="white"/>
+              </a:solidFill>
+              <a:effectLst/>
+              <a:uLnTx/>
+              <a:uFillTx/>
+              <a:latin typeface="HY헤드라인M" pitchFamily="18" charset="-127"/>
+              <a:ea typeface="HY헤드라인M" pitchFamily="18" charset="-127"/>
+              <a:cs typeface="+mn-cs"/>
+            </a:endParaRPr>
+          </a:p>
+        </p:txBody>
+      </p:sp>
+      <p:sp>
+        <p:nvSpPr>
+          <p:cNvPr id="18" name="직사각형 17">
+            <a:extLst>
+              <a:ext uri="{FF2B5EF4-FFF2-40B4-BE49-F238E27FC236}">
+                <a16:creationId xmlns:a16="http://schemas.microsoft.com/office/drawing/2014/main" id="{624283E6-A896-4603-BE5A-00633C3001B7}"/>
+              </a:ext>
+            </a:extLst>
+          </p:cNvPr>
+          <p:cNvSpPr/>
+          <p:nvPr/>
+        </p:nvSpPr>
+        <p:spPr>
+          <a:xfrm>
+            <a:off x="185415" y="251266"/>
+            <a:ext cx="780983" cy="523220"/>
+          </a:xfrm>
+          <a:prstGeom prst="rect">
+            <a:avLst/>
+          </a:prstGeom>
+        </p:spPr>
+        <p:txBody>
+          <a:bodyPr wrap="none">
+            <a:spAutoFit/>
+          </a:bodyPr>
+          <a:lstStyle/>
+          <a:p>
+            <a:pPr marL="0" marR="0" lvl="0" indent="0" algn="ctr" defTabSz="914400" rtl="0" eaLnBrk="1" fontAlgn="auto" latinLnBrk="1" hangingPunct="1">
+              <a:lnSpc>
+                <a:spcPct val="100000"/>
+              </a:lnSpc>
+              <a:spcBef>
+                <a:spcPts val="0"/>
+              </a:spcBef>
+              <a:spcAft>
+                <a:spcPts val="0"/>
+              </a:spcAft>
+              <a:buClrTx/>
+              <a:buSzTx/>
+              <a:buFontTx/>
+              <a:buNone/>
+              <a:tabLst/>
+              <a:defRPr/>
+            </a:pPr>
+            <a:r>
+              <a:rPr kumimoji="0" lang="ko-KR" altLang="en-US" sz="2800" b="1" i="0" u="none" strike="noStrike" kern="1200" cap="none" spc="-150" normalizeH="0" baseline="0" noProof="0">
+                <a:ln>
+                  <a:noFill/>
+                </a:ln>
+                <a:solidFill>
+                  <a:prstClr val="white"/>
+                </a:solidFill>
+                <a:effectLst/>
+                <a:uLnTx/>
+                <a:uFillTx/>
+                <a:latin typeface="Rix비타민 M" panose="02020603020101020101" pitchFamily="18" charset="-127"/>
+                <a:ea typeface="Rix비타민 M" panose="02020603020101020101" pitchFamily="18" charset="-127"/>
+              </a:rPr>
+              <a:t>주제</a:t>
+            </a:r>
+            <a:endParaRPr kumimoji="0" lang="ko-KR" altLang="en-US" sz="2800" b="1" i="0" u="none" strike="noStrike" kern="1200" cap="none" spc="-150" normalizeH="0" baseline="0" noProof="0" dirty="0">
+              <a:ln>
+                <a:noFill/>
+              </a:ln>
+              <a:solidFill>
+                <a:prstClr val="white"/>
+              </a:solidFill>
+              <a:effectLst/>
+              <a:uLnTx/>
+              <a:uFillTx/>
+              <a:latin typeface="Rix비타민 M" panose="02020603020101020101" pitchFamily="18" charset="-127"/>
+              <a:ea typeface="Rix비타민 M" panose="02020603020101020101" pitchFamily="18" charset="-127"/>
+            </a:endParaRPr>
+          </a:p>
+        </p:txBody>
+      </p:sp>
+      <p:sp>
+        <p:nvSpPr>
+          <p:cNvPr id="26" name="TextBox 25">
+            <a:extLst>
+              <a:ext uri="{FF2B5EF4-FFF2-40B4-BE49-F238E27FC236}">
+                <a16:creationId xmlns:a16="http://schemas.microsoft.com/office/drawing/2014/main" id="{B87290D9-38FB-41BE-8EED-E3173AC1DE45}"/>
+              </a:ext>
+            </a:extLst>
+          </p:cNvPr>
+          <p:cNvSpPr txBox="1"/>
+          <p:nvPr/>
+        </p:nvSpPr>
+        <p:spPr>
+          <a:xfrm>
+            <a:off x="0" y="971581"/>
+            <a:ext cx="4067943" cy="446276"/>
+          </a:xfrm>
+          <a:prstGeom prst="rect">
+            <a:avLst/>
+          </a:prstGeom>
+          <a:noFill/>
+        </p:spPr>
+        <p:txBody>
+          <a:bodyPr wrap="square" rtlCol="0">
+            <a:spAutoFit/>
+          </a:bodyPr>
+          <a:lstStyle/>
+          <a:p>
+            <a:r>
+              <a:rPr lang="en-US" altLang="ko-KR" sz="2300" dirty="0">
+                <a:latin typeface="Rix비타민 M" panose="02020603020101020101" pitchFamily="18" charset="-127"/>
+                <a:ea typeface="Rix비타민 M" panose="02020603020101020101" pitchFamily="18" charset="-127"/>
+              </a:rPr>
+              <a:t>CNN</a:t>
+            </a:r>
+            <a:r>
+              <a:rPr lang="ko-KR" altLang="en-US" sz="2300" dirty="0">
+                <a:latin typeface="Rix비타민 M" panose="02020603020101020101" pitchFamily="18" charset="-127"/>
+                <a:ea typeface="Rix비타민 M" panose="02020603020101020101" pitchFamily="18" charset="-127"/>
+              </a:rPr>
+              <a:t>을 이용한 차종 판별 시스템</a:t>
+            </a:r>
+          </a:p>
+        </p:txBody>
+      </p:sp>
+      <p:sp>
+        <p:nvSpPr>
+          <p:cNvPr id="27" name="TextBox 26">
+            <a:extLst>
+              <a:ext uri="{FF2B5EF4-FFF2-40B4-BE49-F238E27FC236}">
+                <a16:creationId xmlns:a16="http://schemas.microsoft.com/office/drawing/2014/main" id="{2CCE3C9E-785B-40D0-8D75-1058C7E0D12E}"/>
+              </a:ext>
+            </a:extLst>
+          </p:cNvPr>
+          <p:cNvSpPr txBox="1"/>
+          <p:nvPr/>
+        </p:nvSpPr>
+        <p:spPr>
+          <a:xfrm>
+            <a:off x="185415" y="1718874"/>
+            <a:ext cx="8991165" cy="3323987"/>
+          </a:xfrm>
+          <a:prstGeom prst="rect">
+            <a:avLst/>
+          </a:prstGeom>
+          <a:noFill/>
+        </p:spPr>
+        <p:txBody>
+          <a:bodyPr wrap="square" rtlCol="0">
+            <a:spAutoFit/>
+          </a:bodyPr>
+          <a:lstStyle/>
+          <a:p>
+            <a:pPr marL="342900" indent="-342900">
+              <a:buFont typeface="+mj-lt"/>
+              <a:buAutoNum type="arabicPeriod"/>
+            </a:pPr>
+            <a:r>
+              <a:rPr lang="en-US" altLang="ko-KR" sz="2500" dirty="0"/>
+              <a:t>Open source Image dataset</a:t>
+            </a:r>
+            <a:r>
+              <a:rPr lang="ko-KR" altLang="en-US" sz="2500" dirty="0"/>
+              <a:t>을 지정한 차종에 따라 분류</a:t>
+            </a:r>
+            <a:endParaRPr lang="en-US" altLang="ko-KR" sz="2500" dirty="0"/>
+          </a:p>
+          <a:p>
+            <a:pPr marL="800100" lvl="1" indent="-342900">
+              <a:buFont typeface="Arial" panose="020B0604020202020204" pitchFamily="34" charset="0"/>
+              <a:buChar char="•"/>
+            </a:pPr>
+            <a:r>
+              <a:rPr lang="ko-KR" altLang="en-US" sz="2000" dirty="0"/>
+              <a:t>지정한 차종에 부합하는 다양한 환경에서의 </a:t>
+            </a:r>
+            <a:r>
+              <a:rPr lang="en-US" altLang="ko-KR" sz="2000" dirty="0"/>
+              <a:t>Image </a:t>
+            </a:r>
+            <a:r>
+              <a:rPr lang="ko-KR" altLang="en-US" sz="2000" dirty="0"/>
+              <a:t>확보 필요</a:t>
+            </a:r>
+            <a:endParaRPr lang="en-US" altLang="ko-KR" sz="2000" dirty="0"/>
+          </a:p>
+          <a:p>
+            <a:pPr marL="457200" indent="-457200">
+              <a:buFont typeface="+mj-lt"/>
+              <a:buAutoNum type="arabicPeriod"/>
+            </a:pPr>
+            <a:endParaRPr lang="en-US" altLang="ko-KR" sz="2500" dirty="0"/>
+          </a:p>
+          <a:p>
+            <a:pPr marL="457200" indent="-457200">
+              <a:buFont typeface="+mj-lt"/>
+              <a:buAutoNum type="arabicPeriod"/>
+            </a:pPr>
+            <a:r>
+              <a:rPr lang="en-US" altLang="ko-KR" sz="2500" dirty="0"/>
+              <a:t>Test image</a:t>
+            </a:r>
+            <a:r>
+              <a:rPr lang="ko-KR" altLang="en-US" sz="2500" dirty="0"/>
+              <a:t>를 기반으로 다양한 </a:t>
+            </a:r>
+            <a:r>
+              <a:rPr lang="en-US" altLang="ko-KR" sz="2500" dirty="0"/>
+              <a:t>CNN </a:t>
+            </a:r>
+            <a:r>
+              <a:rPr lang="ko-KR" altLang="en-US" sz="2500" dirty="0"/>
+              <a:t>모델의 학습 진행</a:t>
+            </a:r>
+            <a:endParaRPr lang="en-US" altLang="ko-KR" sz="2000" dirty="0"/>
+          </a:p>
+          <a:p>
+            <a:pPr marL="800100" lvl="1" indent="-342900">
+              <a:buFont typeface="Arial" panose="020B0604020202020204" pitchFamily="34" charset="0"/>
+              <a:buChar char="•"/>
+            </a:pPr>
+            <a:r>
+              <a:rPr lang="en-US" altLang="ko-KR" sz="2000" dirty="0"/>
+              <a:t>90% </a:t>
+            </a:r>
+            <a:r>
+              <a:rPr lang="ko-KR" altLang="en-US" sz="2000" dirty="0"/>
+              <a:t>정확도를 기준으로 </a:t>
+            </a:r>
+            <a:r>
+              <a:rPr lang="ko-KR" altLang="en-US" sz="2000" dirty="0" err="1"/>
+              <a:t>모델별</a:t>
+            </a:r>
+            <a:r>
+              <a:rPr lang="ko-KR" altLang="en-US" sz="2000" dirty="0"/>
+              <a:t> 학습 시간 측정</a:t>
+            </a:r>
+            <a:endParaRPr lang="en-US" altLang="ko-KR" sz="2000" dirty="0"/>
+          </a:p>
+          <a:p>
+            <a:pPr marL="457200" indent="-457200">
+              <a:buFont typeface="+mj-lt"/>
+              <a:buAutoNum type="arabicPeriod"/>
+            </a:pPr>
+            <a:endParaRPr lang="en-US" altLang="ko-KR" sz="2500" dirty="0"/>
+          </a:p>
+          <a:p>
+            <a:pPr marL="342900" indent="-342900">
+              <a:buFont typeface="+mj-lt"/>
+              <a:buAutoNum type="arabicPeriod"/>
+            </a:pPr>
+            <a:r>
+              <a:rPr lang="ko-KR" altLang="en-US" sz="2500" dirty="0"/>
+              <a:t>최적의 효율을 내는 모델 탐색</a:t>
+            </a:r>
+            <a:endParaRPr lang="en-US" altLang="ko-KR" sz="2500" dirty="0"/>
+          </a:p>
+          <a:p>
+            <a:pPr marL="800100" lvl="1" indent="-342900">
+              <a:buFont typeface="Arial" panose="020B0604020202020204" pitchFamily="34" charset="0"/>
+              <a:buChar char="•"/>
+            </a:pPr>
+            <a:r>
+              <a:rPr lang="ko-KR" altLang="en-US" sz="2000" dirty="0"/>
+              <a:t>최적 모델을 분석하고 타 모델과의 차이점 분석</a:t>
+            </a:r>
+            <a:endParaRPr lang="en-US" altLang="ko-KR" sz="2000" dirty="0"/>
+          </a:p>
+          <a:p>
+            <a:pPr marL="342900" indent="-342900">
+              <a:buFont typeface="Arial" panose="020B0604020202020204" pitchFamily="34" charset="0"/>
+              <a:buChar char="•"/>
+            </a:pPr>
+            <a:endParaRPr lang="en-US" altLang="ko-KR" sz="2500" dirty="0"/>
+          </a:p>
+        </p:txBody>
+      </p:sp>
+      <p:sp>
+        <p:nvSpPr>
+          <p:cNvPr id="5" name="TextBox 4">
+            <a:extLst>
+              <a:ext uri="{FF2B5EF4-FFF2-40B4-BE49-F238E27FC236}">
+                <a16:creationId xmlns:a16="http://schemas.microsoft.com/office/drawing/2014/main" id="{8B501674-9B29-498E-88AD-2D057744411B}"/>
+              </a:ext>
+            </a:extLst>
+          </p:cNvPr>
+          <p:cNvSpPr txBox="1"/>
+          <p:nvPr/>
+        </p:nvSpPr>
+        <p:spPr>
+          <a:xfrm>
+            <a:off x="109470" y="5455865"/>
+            <a:ext cx="8853051" cy="523220"/>
+          </a:xfrm>
+          <a:prstGeom prst="rect">
+            <a:avLst/>
+          </a:prstGeom>
+          <a:noFill/>
+        </p:spPr>
+        <p:txBody>
+          <a:bodyPr wrap="square" rtlCol="0">
+            <a:spAutoFit/>
+          </a:bodyPr>
+          <a:lstStyle/>
+          <a:p>
+            <a:pPr marL="285750" indent="-285750">
+              <a:buFont typeface="Wingdings" panose="05000000000000000000" pitchFamily="2" charset="2"/>
+              <a:buChar char="Ø"/>
+            </a:pPr>
+            <a:r>
+              <a:rPr lang="ko-KR" altLang="en-US" sz="2800" b="1" dirty="0"/>
+              <a:t> 최적 성능 모델의 알고리즘을 분석하고 성능을 개선</a:t>
+            </a:r>
+            <a:endParaRPr lang="en-US" altLang="ko-KR" sz="2800" b="1" dirty="0"/>
+          </a:p>
+        </p:txBody>
+      </p:sp>
+    </p:spTree>
+    <p:extLst>
+      <p:ext uri="{BB962C8B-B14F-4D97-AF65-F5344CB8AC3E}">
+        <p14:creationId xmlns:p14="http://schemas.microsoft.com/office/powerpoint/2010/main" val="1128405720"/>
+      </p:ext>
+    </p:extLst>
+  </p:cSld>
+  <p:clrMapOvr>
+    <a:masterClrMapping/>
+  </p:clrMapOvr>
+  <p:timing>
+    <p:tnLst>
+      <p:par>
+        <p:cTn id="1" dur="indefinite" restart="never" nodeType="tmRoot">
+          <p:childTnLst>
+            <p:seq concurrent="1" nextAc="seek">
+              <p:cTn id="2" dur="indefinite" nodeType="mainSeq">
+                <p:childTnLst>
+                  <p:par>
+                    <p:cTn id="3" fill="hold">
+                      <p:stCondLst>
+                        <p:cond delay="indefinite"/>
+                      </p:stCondLst>
+                      <p:childTnLst>
+                        <p:par>
+                          <p:cTn id="4" fill="hold">
+                            <p:stCondLst>
+                              <p:cond delay="0"/>
+                            </p:stCondLst>
+                            <p:childTnLst>
+                              <p:par>
+                                <p:cTn id="5" presetID="1" presetClass="entr" presetSubtype="0" fill="hold" grpId="0" nodeType="clickEffect">
+                                  <p:stCondLst>
+                                    <p:cond delay="0"/>
+                                  </p:stCondLst>
+                                  <p:childTnLst>
+                                    <p:set>
+                                      <p:cBhvr>
+                                        <p:cTn id="6" dur="1" fill="hold">
+                                          <p:stCondLst>
+                                            <p:cond delay="0"/>
+                                          </p:stCondLst>
+                                        </p:cTn>
+                                        <p:tgtEl>
+                                          <p:spTgt spid="5"/>
+                                        </p:tgtEl>
+                                        <p:attrNameLst>
+                                          <p:attrName>style.visibility</p:attrName>
+                                        </p:attrNameLst>
+                                      </p:cBhvr>
+                                      <p:to>
+                                        <p:strVal val="visible"/>
+                                      </p:to>
+                                    </p:set>
+                                  </p:childTnLst>
+                                </p:cTn>
+                              </p:par>
+                            </p:childTnLst>
+                          </p:cTn>
+                        </p:par>
+                      </p:childTnLst>
+                    </p:cTn>
+                  </p:par>
+                </p:childTnLst>
+              </p:cTn>
+              <p:prevCondLst>
+                <p:cond evt="onPrev" delay="0">
+                  <p:tgtEl>
+                    <p:sldTgt/>
+                  </p:tgtEl>
+                </p:cond>
+              </p:prevCondLst>
+              <p:nextCondLst>
+                <p:cond evt="onNext" delay="0">
+                  <p:tgtEl>
+                    <p:sldTgt/>
+                  </p:tgtEl>
+                </p:cond>
+              </p:nextCondLst>
+            </p:seq>
+          </p:childTnLst>
+        </p:cTn>
+      </p:par>
+    </p:tnLst>
+    <p:bldLst>
+      <p:bldP spid="5" grpId="0"/>
+    </p:bldLst>
+  </p:timing>
 </p:sld>
 </file>
 

--- a/Doc/주제 선정 및 시장 조사_19.03.19/졸업논문 주제_임광효_김준영_2.pptx
+++ b/Doc/주제 선정 및 시장 조사_19.03.19/졸업논문 주제_임광효_김준영_2.pptx
@@ -5,7 +5,7 @@
     <p:sldMasterId id="2147483648" r:id="rId1"/>
   </p:sldMasterIdLst>
   <p:notesMasterIdLst>
-    <p:notesMasterId r:id="rId15"/>
+    <p:notesMasterId r:id="rId16"/>
   </p:notesMasterIdLst>
   <p:sldIdLst>
     <p:sldId id="257" r:id="rId2"/>
@@ -17,30 +17,23 @@
     <p:sldId id="321" r:id="rId8"/>
     <p:sldId id="336" r:id="rId9"/>
     <p:sldId id="326" r:id="rId10"/>
-    <p:sldId id="308" r:id="rId11"/>
-    <p:sldId id="318" r:id="rId12"/>
-    <p:sldId id="331" r:id="rId13"/>
-    <p:sldId id="259" r:id="rId14"/>
+    <p:sldId id="337" r:id="rId11"/>
+    <p:sldId id="308" r:id="rId12"/>
+    <p:sldId id="318" r:id="rId13"/>
+    <p:sldId id="331" r:id="rId14"/>
+    <p:sldId id="259" r:id="rId15"/>
   </p:sldIdLst>
   <p:sldSz cx="9144000" cy="6858000" type="screen4x3"/>
   <p:notesSz cx="6858000" cy="9144000"/>
   <p:embeddedFontLst>
     <p:embeddedFont>
       <p:font typeface="HY헤드라인M" panose="02030600000101010101" pitchFamily="18" charset="-127"/>
-      <p:regular r:id="rId16"/>
-    </p:embeddedFont>
-    <p:embeddedFont>
-      <p:font typeface="Rix비타민 L" panose="02020603020101020101" pitchFamily="18" charset="-127"/>
       <p:regular r:id="rId17"/>
     </p:embeddedFont>
     <p:embeddedFont>
-      <p:font typeface="Rix비타민 M" panose="02020603020101020101" pitchFamily="18" charset="-127"/>
+      <p:font typeface="맑은 고딕" panose="020B0503020000020004" pitchFamily="50" charset="-127"/>
       <p:regular r:id="rId18"/>
-    </p:embeddedFont>
-    <p:embeddedFont>
-      <p:font typeface="맑은 고딕" panose="020B0503020000020004" pitchFamily="50" charset="-127"/>
-      <p:regular r:id="rId19"/>
-      <p:bold r:id="rId20"/>
+      <p:bold r:id="rId19"/>
     </p:embeddedFont>
   </p:embeddedFontLst>
   <p:defaultTextStyle>
@@ -252,7 +245,7 @@
             <a:fld id="{65771C21-3757-4199-83DE-22960358A2A5}" type="datetimeFigureOut">
               <a:rPr lang="ko-KR" altLang="en-US" smtClean="0"/>
               <a:pPr/>
-              <a:t>2019-03-24</a:t>
+              <a:t>2019-03-26</a:t>
             </a:fld>
             <a:endParaRPr lang="ko-KR" altLang="en-US"/>
           </a:p>
@@ -783,7 +776,7 @@
     </p:spTree>
     <p:extLst>
       <p:ext uri="{BB962C8B-B14F-4D97-AF65-F5344CB8AC3E}">
-        <p14:creationId xmlns:p14="http://schemas.microsoft.com/office/powerpoint/2010/main" val="2510644551"/>
+        <p14:creationId xmlns:p14="http://schemas.microsoft.com/office/powerpoint/2010/main" val="2152255797"/>
       </p:ext>
     </p:extLst>
   </p:cSld>
@@ -953,7 +946,7 @@
     </p:spTree>
     <p:extLst>
       <p:ext uri="{BB962C8B-B14F-4D97-AF65-F5344CB8AC3E}">
-        <p14:creationId xmlns:p14="http://schemas.microsoft.com/office/powerpoint/2010/main" val="1010895084"/>
+        <p14:creationId xmlns:p14="http://schemas.microsoft.com/office/powerpoint/2010/main" val="2510644551"/>
       </p:ext>
     </p:extLst>
   </p:cSld>
@@ -1123,7 +1116,7 @@
     </p:spTree>
     <p:extLst>
       <p:ext uri="{BB962C8B-B14F-4D97-AF65-F5344CB8AC3E}">
-        <p14:creationId xmlns:p14="http://schemas.microsoft.com/office/powerpoint/2010/main" val="3950802631"/>
+        <p14:creationId xmlns:p14="http://schemas.microsoft.com/office/powerpoint/2010/main" val="1010895084"/>
       </p:ext>
     </p:extLst>
   </p:cSld>
@@ -1222,10 +1215,180 @@
           <a:bodyPr/>
           <a:lstStyle/>
           <a:p>
+            <a:pPr marL="0" marR="0" lvl="0" indent="0" algn="r" defTabSz="914400" rtl="0" eaLnBrk="1" fontAlgn="auto" latinLnBrk="1" hangingPunct="1">
+              <a:lnSpc>
+                <a:spcPct val="100000"/>
+              </a:lnSpc>
+              <a:spcBef>
+                <a:spcPts val="0"/>
+              </a:spcBef>
+              <a:spcAft>
+                <a:spcPts val="0"/>
+              </a:spcAft>
+              <a:buClrTx/>
+              <a:buSzTx/>
+              <a:buFontTx/>
+              <a:buNone/>
+              <a:tabLst/>
+              <a:defRPr/>
+            </a:pPr>
+            <a:fld id="{04A4E647-5A0F-41E6-A0EF-B58D8C1C6CD4}" type="slidenum">
+              <a:rPr kumimoji="0" lang="ko-KR" altLang="en-US" sz="1200" b="0" i="0" u="none" strike="noStrike" kern="1200" cap="none" spc="0" normalizeH="0" baseline="0" noProof="0" smtClean="0">
+                <a:ln>
+                  <a:noFill/>
+                </a:ln>
+                <a:solidFill>
+                  <a:prstClr val="black"/>
+                </a:solidFill>
+                <a:effectLst/>
+                <a:uLnTx/>
+                <a:uFillTx/>
+                <a:latin typeface="맑은 고딕"/>
+                <a:ea typeface="맑은 고딕" panose="020B0503020000020004" pitchFamily="50" charset="-127"/>
+                <a:cs typeface="+mn-cs"/>
+              </a:rPr>
+              <a:pPr marL="0" marR="0" lvl="0" indent="0" algn="r" defTabSz="914400" rtl="0" eaLnBrk="1" fontAlgn="auto" latinLnBrk="1" hangingPunct="1">
+                <a:lnSpc>
+                  <a:spcPct val="100000"/>
+                </a:lnSpc>
+                <a:spcBef>
+                  <a:spcPts val="0"/>
+                </a:spcBef>
+                <a:spcAft>
+                  <a:spcPts val="0"/>
+                </a:spcAft>
+                <a:buClrTx/>
+                <a:buSzTx/>
+                <a:buFontTx/>
+                <a:buNone/>
+                <a:tabLst/>
+                <a:defRPr/>
+              </a:pPr>
+              <a:t>13</a:t>
+            </a:fld>
+            <a:endParaRPr kumimoji="0" lang="ko-KR" altLang="en-US" sz="1200" b="0" i="0" u="none" strike="noStrike" kern="1200" cap="none" spc="0" normalizeH="0" baseline="0" noProof="0">
+              <a:ln>
+                <a:noFill/>
+              </a:ln>
+              <a:solidFill>
+                <a:prstClr val="black"/>
+              </a:solidFill>
+              <a:effectLst/>
+              <a:uLnTx/>
+              <a:uFillTx/>
+              <a:latin typeface="맑은 고딕"/>
+              <a:ea typeface="맑은 고딕" panose="020B0503020000020004" pitchFamily="50" charset="-127"/>
+              <a:cs typeface="+mn-cs"/>
+            </a:endParaRPr>
+          </a:p>
+        </p:txBody>
+      </p:sp>
+    </p:spTree>
+    <p:extLst>
+      <p:ext uri="{BB962C8B-B14F-4D97-AF65-F5344CB8AC3E}">
+        <p14:creationId xmlns:p14="http://schemas.microsoft.com/office/powerpoint/2010/main" val="3950802631"/>
+      </p:ext>
+    </p:extLst>
+  </p:cSld>
+  <p:clrMapOvr>
+    <a:masterClrMapping/>
+  </p:clrMapOvr>
+</p:notes>
+</file>
+
+<file path=ppt/notesSlides/notesSlide14.xml><?xml version="1.0" encoding="utf-8"?>
+<p:notes xmlns:a="http://schemas.openxmlformats.org/drawingml/2006/main" xmlns:r="http://schemas.openxmlformats.org/officeDocument/2006/relationships" xmlns:p="http://schemas.openxmlformats.org/presentationml/2006/main">
+  <p:cSld>
+    <p:spTree>
+      <p:nvGrpSpPr>
+        <p:cNvPr id="1" name=""/>
+        <p:cNvGrpSpPr/>
+        <p:nvPr/>
+      </p:nvGrpSpPr>
+      <p:grpSpPr>
+        <a:xfrm>
+          <a:off x="0" y="0"/>
+          <a:ext cx="0" cy="0"/>
+          <a:chOff x="0" y="0"/>
+          <a:chExt cx="0" cy="0"/>
+        </a:xfrm>
+      </p:grpSpPr>
+      <p:sp>
+        <p:nvSpPr>
+          <p:cNvPr id="2" name="슬라이드 이미지 개체 틀 1"/>
+          <p:cNvSpPr>
+            <a:spLocks noGrp="1" noRot="1" noChangeAspect="1"/>
+          </p:cNvSpPr>
+          <p:nvPr>
+            <p:ph type="sldImg"/>
+          </p:nvPr>
+        </p:nvSpPr>
+        <p:spPr/>
+      </p:sp>
+      <p:sp>
+        <p:nvSpPr>
+          <p:cNvPr id="3" name="슬라이드 노트 개체 틀 2"/>
+          <p:cNvSpPr>
+            <a:spLocks noGrp="1"/>
+          </p:cNvSpPr>
+          <p:nvPr>
+            <p:ph type="body" idx="1"/>
+          </p:nvPr>
+        </p:nvSpPr>
+        <p:spPr/>
+        <p:txBody>
+          <a:bodyPr>
+            <a:normAutofit/>
+          </a:bodyPr>
+          <a:lstStyle/>
+          <a:p>
+            <a:pPr marL="0" marR="0" indent="0" algn="l" defTabSz="914400" rtl="0" eaLnBrk="1" fontAlgn="auto" latinLnBrk="1" hangingPunct="1">
+              <a:lnSpc>
+                <a:spcPct val="100000"/>
+              </a:lnSpc>
+              <a:spcBef>
+                <a:spcPts val="0"/>
+              </a:spcBef>
+              <a:spcAft>
+                <a:spcPts val="0"/>
+              </a:spcAft>
+              <a:buClrTx/>
+              <a:buSzTx/>
+              <a:buFontTx/>
+              <a:buNone/>
+              <a:tabLst/>
+              <a:defRPr/>
+            </a:pPr>
+            <a:r>
+              <a:rPr lang="en-US" altLang="ko-KR" sz="1200" dirty="0"/>
+              <a:t>http://minheeblog.tistory.com/category/PPT</a:t>
+            </a:r>
+            <a:endParaRPr lang="ko-KR" altLang="en-US" sz="1200" dirty="0"/>
+          </a:p>
+          <a:p>
+            <a:endParaRPr lang="ko-KR" altLang="en-US" dirty="0"/>
+          </a:p>
+        </p:txBody>
+      </p:sp>
+      <p:sp>
+        <p:nvSpPr>
+          <p:cNvPr id="4" name="슬라이드 번호 개체 틀 3"/>
+          <p:cNvSpPr>
+            <a:spLocks noGrp="1"/>
+          </p:cNvSpPr>
+          <p:nvPr>
+            <p:ph type="sldNum" sz="quarter" idx="10"/>
+          </p:nvPr>
+        </p:nvSpPr>
+        <p:spPr/>
+        <p:txBody>
+          <a:bodyPr/>
+          <a:lstStyle/>
+          <a:p>
             <a:fld id="{04A4E647-5A0F-41E6-A0EF-B58D8C1C6CD4}" type="slidenum">
               <a:rPr lang="ko-KR" altLang="en-US" smtClean="0"/>
               <a:pPr/>
-              <a:t>13</a:t>
+              <a:t>14</a:t>
             </a:fld>
             <a:endParaRPr lang="ko-KR" altLang="en-US"/>
           </a:p>
@@ -3419,7 +3582,7 @@
             <a:fld id="{A22FE722-38C7-4231-8BB5-7A27D4E5977D}" type="datetimeFigureOut">
               <a:rPr lang="ko-KR" altLang="en-US" smtClean="0"/>
               <a:pPr/>
-              <a:t>2019-03-24</a:t>
+              <a:t>2019-03-26</a:t>
             </a:fld>
             <a:endParaRPr lang="ko-KR" altLang="en-US"/>
           </a:p>
@@ -3584,7 +3747,7 @@
             <a:fld id="{A22FE722-38C7-4231-8BB5-7A27D4E5977D}" type="datetimeFigureOut">
               <a:rPr lang="ko-KR" altLang="en-US" smtClean="0"/>
               <a:pPr/>
-              <a:t>2019-03-24</a:t>
+              <a:t>2019-03-26</a:t>
             </a:fld>
             <a:endParaRPr lang="ko-KR" altLang="en-US"/>
           </a:p>
@@ -3759,7 +3922,7 @@
             <a:fld id="{A22FE722-38C7-4231-8BB5-7A27D4E5977D}" type="datetimeFigureOut">
               <a:rPr lang="ko-KR" altLang="en-US" smtClean="0"/>
               <a:pPr/>
-              <a:t>2019-03-24</a:t>
+              <a:t>2019-03-26</a:t>
             </a:fld>
             <a:endParaRPr lang="ko-KR" altLang="en-US"/>
           </a:p>
@@ -3924,7 +4087,7 @@
             <a:fld id="{A22FE722-38C7-4231-8BB5-7A27D4E5977D}" type="datetimeFigureOut">
               <a:rPr lang="ko-KR" altLang="en-US" smtClean="0"/>
               <a:pPr/>
-              <a:t>2019-03-24</a:t>
+              <a:t>2019-03-26</a:t>
             </a:fld>
             <a:endParaRPr lang="ko-KR" altLang="en-US"/>
           </a:p>
@@ -4166,7 +4329,7 @@
             <a:fld id="{A22FE722-38C7-4231-8BB5-7A27D4E5977D}" type="datetimeFigureOut">
               <a:rPr lang="ko-KR" altLang="en-US" smtClean="0"/>
               <a:pPr/>
-              <a:t>2019-03-24</a:t>
+              <a:t>2019-03-26</a:t>
             </a:fld>
             <a:endParaRPr lang="ko-KR" altLang="en-US"/>
           </a:p>
@@ -4448,7 +4611,7 @@
             <a:fld id="{A22FE722-38C7-4231-8BB5-7A27D4E5977D}" type="datetimeFigureOut">
               <a:rPr lang="ko-KR" altLang="en-US" smtClean="0"/>
               <a:pPr/>
-              <a:t>2019-03-24</a:t>
+              <a:t>2019-03-26</a:t>
             </a:fld>
             <a:endParaRPr lang="ko-KR" altLang="en-US"/>
           </a:p>
@@ -4864,7 +5027,7 @@
             <a:fld id="{A22FE722-38C7-4231-8BB5-7A27D4E5977D}" type="datetimeFigureOut">
               <a:rPr lang="ko-KR" altLang="en-US" smtClean="0"/>
               <a:pPr/>
-              <a:t>2019-03-24</a:t>
+              <a:t>2019-03-26</a:t>
             </a:fld>
             <a:endParaRPr lang="ko-KR" altLang="en-US"/>
           </a:p>
@@ -4978,7 +5141,7 @@
             <a:fld id="{A22FE722-38C7-4231-8BB5-7A27D4E5977D}" type="datetimeFigureOut">
               <a:rPr lang="ko-KR" altLang="en-US" smtClean="0"/>
               <a:pPr/>
-              <a:t>2019-03-24</a:t>
+              <a:t>2019-03-26</a:t>
             </a:fld>
             <a:endParaRPr lang="ko-KR" altLang="en-US"/>
           </a:p>
@@ -5070,7 +5233,7 @@
             <a:fld id="{A22FE722-38C7-4231-8BB5-7A27D4E5977D}" type="datetimeFigureOut">
               <a:rPr lang="ko-KR" altLang="en-US" smtClean="0"/>
               <a:pPr/>
-              <a:t>2019-03-24</a:t>
+              <a:t>2019-03-26</a:t>
             </a:fld>
             <a:endParaRPr lang="ko-KR" altLang="en-US"/>
           </a:p>
@@ -5342,7 +5505,7 @@
             <a:fld id="{A22FE722-38C7-4231-8BB5-7A27D4E5977D}" type="datetimeFigureOut">
               <a:rPr lang="ko-KR" altLang="en-US" smtClean="0"/>
               <a:pPr/>
-              <a:t>2019-03-24</a:t>
+              <a:t>2019-03-26</a:t>
             </a:fld>
             <a:endParaRPr lang="ko-KR" altLang="en-US"/>
           </a:p>
@@ -5591,7 +5754,7 @@
             <a:fld id="{A22FE722-38C7-4231-8BB5-7A27D4E5977D}" type="datetimeFigureOut">
               <a:rPr lang="ko-KR" altLang="en-US" smtClean="0"/>
               <a:pPr/>
-              <a:t>2019-03-24</a:t>
+              <a:t>2019-03-26</a:t>
             </a:fld>
             <a:endParaRPr lang="ko-KR" altLang="en-US"/>
           </a:p>
@@ -5799,7 +5962,7 @@
             <a:fld id="{A22FE722-38C7-4231-8BB5-7A27D4E5977D}" type="datetimeFigureOut">
               <a:rPr lang="ko-KR" altLang="en-US" smtClean="0"/>
               <a:pPr/>
-              <a:t>2019-03-24</a:t>
+              <a:t>2019-03-26</a:t>
             </a:fld>
             <a:endParaRPr lang="ko-KR" altLang="en-US"/>
           </a:p>
@@ -6370,6 +6533,1315 @@
 </file>
 
 <file path=ppt/slides/slide10.xml><?xml version="1.0" encoding="utf-8"?>
+<p:sld xmlns:a="http://schemas.openxmlformats.org/drawingml/2006/main" xmlns:r="http://schemas.openxmlformats.org/officeDocument/2006/relationships" xmlns:p="http://schemas.openxmlformats.org/presentationml/2006/main">
+  <p:cSld>
+    <p:bg>
+      <p:bgPr>
+        <a:solidFill>
+          <a:schemeClr val="tx2">
+            <a:lumMod val="75000"/>
+          </a:schemeClr>
+        </a:solidFill>
+        <a:effectLst/>
+      </p:bgPr>
+    </p:bg>
+    <p:spTree>
+      <p:nvGrpSpPr>
+        <p:cNvPr id="1" name=""/>
+        <p:cNvGrpSpPr/>
+        <p:nvPr/>
+      </p:nvGrpSpPr>
+      <p:grpSpPr>
+        <a:xfrm>
+          <a:off x="0" y="0"/>
+          <a:ext cx="0" cy="0"/>
+          <a:chOff x="0" y="0"/>
+          <a:chExt cx="0" cy="0"/>
+        </a:xfrm>
+      </p:grpSpPr>
+      <p:sp>
+        <p:nvSpPr>
+          <p:cNvPr id="2" name="직사각형 1"/>
+          <p:cNvSpPr/>
+          <p:nvPr/>
+        </p:nvSpPr>
+        <p:spPr>
+          <a:xfrm>
+            <a:off x="-3932" y="774486"/>
+            <a:ext cx="9180512" cy="5793548"/>
+          </a:xfrm>
+          <a:prstGeom prst="rect">
+            <a:avLst/>
+          </a:prstGeom>
+          <a:solidFill>
+            <a:schemeClr val="bg1"/>
+          </a:solidFill>
+          <a:ln>
+            <a:noFill/>
+          </a:ln>
+        </p:spPr>
+        <p:style>
+          <a:lnRef idx="2">
+            <a:schemeClr val="accent1">
+              <a:shade val="50000"/>
+            </a:schemeClr>
+          </a:lnRef>
+          <a:fillRef idx="1">
+            <a:schemeClr val="accent1"/>
+          </a:fillRef>
+          <a:effectRef idx="0">
+            <a:schemeClr val="accent1"/>
+          </a:effectRef>
+          <a:fontRef idx="minor">
+            <a:schemeClr val="lt1"/>
+          </a:fontRef>
+        </p:style>
+        <p:txBody>
+          <a:bodyPr rtlCol="0" anchor="ctr"/>
+          <a:lstStyle/>
+          <a:p>
+            <a:pPr marL="0" marR="0" lvl="0" indent="0" algn="ctr" defTabSz="914400" rtl="0" eaLnBrk="1" fontAlgn="auto" latinLnBrk="1" hangingPunct="1">
+              <a:lnSpc>
+                <a:spcPct val="100000"/>
+              </a:lnSpc>
+              <a:spcBef>
+                <a:spcPts val="0"/>
+              </a:spcBef>
+              <a:spcAft>
+                <a:spcPts val="0"/>
+              </a:spcAft>
+              <a:buClrTx/>
+              <a:buSzTx/>
+              <a:buFontTx/>
+              <a:buNone/>
+              <a:tabLst/>
+              <a:defRPr/>
+            </a:pPr>
+            <a:endParaRPr kumimoji="0" lang="ko-KR" altLang="en-US" sz="1800" b="0" i="0" u="none" strike="noStrike" kern="1200" cap="none" spc="0" normalizeH="0" baseline="0" noProof="0" dirty="0">
+              <a:ln>
+                <a:noFill/>
+              </a:ln>
+              <a:solidFill>
+                <a:prstClr val="white"/>
+              </a:solidFill>
+              <a:effectLst/>
+              <a:uLnTx/>
+              <a:uFillTx/>
+              <a:latin typeface="맑은 고딕"/>
+              <a:ea typeface="맑은 고딕" panose="020B0503020000020004" pitchFamily="50" charset="-127"/>
+              <a:cs typeface="+mn-cs"/>
+            </a:endParaRPr>
+          </a:p>
+        </p:txBody>
+      </p:sp>
+      <p:sp>
+        <p:nvSpPr>
+          <p:cNvPr id="3" name="타원 2"/>
+          <p:cNvSpPr/>
+          <p:nvPr/>
+        </p:nvSpPr>
+        <p:spPr>
+          <a:xfrm>
+            <a:off x="4067944" y="146108"/>
+            <a:ext cx="936104" cy="1050644"/>
+          </a:xfrm>
+          <a:prstGeom prst="ellipse">
+            <a:avLst/>
+          </a:prstGeom>
+          <a:solidFill>
+            <a:schemeClr val="tx2">
+              <a:lumMod val="75000"/>
+            </a:schemeClr>
+          </a:solidFill>
+          <a:ln>
+            <a:noFill/>
+          </a:ln>
+        </p:spPr>
+        <p:style>
+          <a:lnRef idx="2">
+            <a:schemeClr val="accent1">
+              <a:shade val="50000"/>
+            </a:schemeClr>
+          </a:lnRef>
+          <a:fillRef idx="1">
+            <a:schemeClr val="accent1"/>
+          </a:fillRef>
+          <a:effectRef idx="0">
+            <a:schemeClr val="accent1"/>
+          </a:effectRef>
+          <a:fontRef idx="minor">
+            <a:schemeClr val="lt1"/>
+          </a:fontRef>
+        </p:style>
+        <p:txBody>
+          <a:bodyPr rtlCol="0" anchor="ctr"/>
+          <a:lstStyle/>
+          <a:p>
+            <a:pPr marL="0" marR="0" lvl="0" indent="0" algn="ctr" defTabSz="914400" rtl="0" eaLnBrk="1" fontAlgn="auto" latinLnBrk="1" hangingPunct="1">
+              <a:lnSpc>
+                <a:spcPct val="100000"/>
+              </a:lnSpc>
+              <a:spcBef>
+                <a:spcPts val="0"/>
+              </a:spcBef>
+              <a:spcAft>
+                <a:spcPts val="0"/>
+              </a:spcAft>
+              <a:buClrTx/>
+              <a:buSzTx/>
+              <a:buFontTx/>
+              <a:buNone/>
+              <a:tabLst/>
+              <a:defRPr/>
+            </a:pPr>
+            <a:endParaRPr kumimoji="0" lang="ko-KR" altLang="en-US" sz="1800" b="0" i="0" u="none" strike="noStrike" kern="1200" cap="none" spc="0" normalizeH="0" baseline="0" noProof="0">
+              <a:ln>
+                <a:noFill/>
+              </a:ln>
+              <a:solidFill>
+                <a:prstClr val="white"/>
+              </a:solidFill>
+              <a:effectLst/>
+              <a:uLnTx/>
+              <a:uFillTx/>
+              <a:latin typeface="맑은 고딕"/>
+              <a:ea typeface="맑은 고딕" panose="020B0503020000020004" pitchFamily="50" charset="-127"/>
+              <a:cs typeface="+mn-cs"/>
+            </a:endParaRPr>
+          </a:p>
+        </p:txBody>
+      </p:sp>
+      <p:sp>
+        <p:nvSpPr>
+          <p:cNvPr id="9" name="TextBox 8"/>
+          <p:cNvSpPr txBox="1"/>
+          <p:nvPr/>
+        </p:nvSpPr>
+        <p:spPr>
+          <a:xfrm>
+            <a:off x="3995936" y="692696"/>
+            <a:ext cx="1080120" cy="461665"/>
+          </a:xfrm>
+          <a:prstGeom prst="rect">
+            <a:avLst/>
+          </a:prstGeom>
+          <a:noFill/>
+        </p:spPr>
+        <p:txBody>
+          <a:bodyPr wrap="square" rtlCol="0">
+            <a:spAutoFit/>
+          </a:bodyPr>
+          <a:lstStyle/>
+          <a:p>
+            <a:pPr marL="0" marR="0" lvl="0" indent="0" algn="ctr" defTabSz="914400" rtl="0" eaLnBrk="1" fontAlgn="auto" latinLnBrk="1" hangingPunct="1">
+              <a:lnSpc>
+                <a:spcPct val="100000"/>
+              </a:lnSpc>
+              <a:spcBef>
+                <a:spcPts val="0"/>
+              </a:spcBef>
+              <a:spcAft>
+                <a:spcPts val="0"/>
+              </a:spcAft>
+              <a:buClrTx/>
+              <a:buSzTx/>
+              <a:buFontTx/>
+              <a:buNone/>
+              <a:tabLst/>
+              <a:defRPr/>
+            </a:pPr>
+            <a:r>
+              <a:rPr kumimoji="0" lang="en-US" altLang="ko-KR" sz="2400" b="0" i="0" u="none" strike="noStrike" kern="1200" cap="none" spc="0" normalizeH="0" baseline="0" noProof="0" dirty="0">
+                <a:ln>
+                  <a:noFill/>
+                </a:ln>
+                <a:solidFill>
+                  <a:prstClr val="white"/>
+                </a:solidFill>
+                <a:effectLst/>
+                <a:uLnTx/>
+                <a:uFillTx/>
+                <a:latin typeface="HY헤드라인M" pitchFamily="18" charset="-127"/>
+                <a:ea typeface="HY헤드라인M" pitchFamily="18" charset="-127"/>
+                <a:cs typeface="+mn-cs"/>
+              </a:rPr>
+              <a:t>03</a:t>
+            </a:r>
+            <a:endParaRPr kumimoji="0" lang="ko-KR" altLang="en-US" sz="2400" b="0" i="0" u="none" strike="noStrike" kern="1200" cap="none" spc="0" normalizeH="0" baseline="0" noProof="0" dirty="0">
+              <a:ln>
+                <a:noFill/>
+              </a:ln>
+              <a:solidFill>
+                <a:prstClr val="white"/>
+              </a:solidFill>
+              <a:effectLst/>
+              <a:uLnTx/>
+              <a:uFillTx/>
+              <a:latin typeface="HY헤드라인M" pitchFamily="18" charset="-127"/>
+              <a:ea typeface="HY헤드라인M" pitchFamily="18" charset="-127"/>
+              <a:cs typeface="+mn-cs"/>
+            </a:endParaRPr>
+          </a:p>
+        </p:txBody>
+      </p:sp>
+      <p:sp>
+        <p:nvSpPr>
+          <p:cNvPr id="18" name="직사각형 17">
+            <a:extLst>
+              <a:ext uri="{FF2B5EF4-FFF2-40B4-BE49-F238E27FC236}">
+                <a16:creationId xmlns:a16="http://schemas.microsoft.com/office/drawing/2014/main" id="{624283E6-A896-4603-BE5A-00633C3001B7}"/>
+              </a:ext>
+            </a:extLst>
+          </p:cNvPr>
+          <p:cNvSpPr/>
+          <p:nvPr/>
+        </p:nvSpPr>
+        <p:spPr>
+          <a:xfrm>
+            <a:off x="185415" y="251266"/>
+            <a:ext cx="780983" cy="523220"/>
+          </a:xfrm>
+          <a:prstGeom prst="rect">
+            <a:avLst/>
+          </a:prstGeom>
+        </p:spPr>
+        <p:txBody>
+          <a:bodyPr wrap="none">
+            <a:spAutoFit/>
+          </a:bodyPr>
+          <a:lstStyle/>
+          <a:p>
+            <a:pPr marL="0" marR="0" lvl="0" indent="0" algn="ctr" defTabSz="914400" rtl="0" eaLnBrk="1" fontAlgn="auto" latinLnBrk="1" hangingPunct="1">
+              <a:lnSpc>
+                <a:spcPct val="100000"/>
+              </a:lnSpc>
+              <a:spcBef>
+                <a:spcPts val="0"/>
+              </a:spcBef>
+              <a:spcAft>
+                <a:spcPts val="0"/>
+              </a:spcAft>
+              <a:buClrTx/>
+              <a:buSzTx/>
+              <a:buFontTx/>
+              <a:buNone/>
+              <a:tabLst/>
+              <a:defRPr/>
+            </a:pPr>
+            <a:r>
+              <a:rPr kumimoji="0" lang="ko-KR" altLang="en-US" sz="2800" b="1" i="0" u="none" strike="noStrike" kern="1200" cap="none" spc="-150" normalizeH="0" baseline="0" noProof="0">
+                <a:ln>
+                  <a:noFill/>
+                </a:ln>
+                <a:solidFill>
+                  <a:prstClr val="white"/>
+                </a:solidFill>
+                <a:effectLst/>
+                <a:uLnTx/>
+                <a:uFillTx/>
+                <a:latin typeface="Rix비타민 M" panose="02020603020101020101" pitchFamily="18" charset="-127"/>
+                <a:ea typeface="Rix비타민 M" panose="02020603020101020101" pitchFamily="18" charset="-127"/>
+                <a:cs typeface="+mn-cs"/>
+              </a:rPr>
+              <a:t>주제</a:t>
+            </a:r>
+            <a:endParaRPr kumimoji="0" lang="ko-KR" altLang="en-US" sz="2800" b="1" i="0" u="none" strike="noStrike" kern="1200" cap="none" spc="-150" normalizeH="0" baseline="0" noProof="0" dirty="0">
+              <a:ln>
+                <a:noFill/>
+              </a:ln>
+              <a:solidFill>
+                <a:prstClr val="white"/>
+              </a:solidFill>
+              <a:effectLst/>
+              <a:uLnTx/>
+              <a:uFillTx/>
+              <a:latin typeface="Rix비타민 M" panose="02020603020101020101" pitchFamily="18" charset="-127"/>
+              <a:ea typeface="Rix비타민 M" panose="02020603020101020101" pitchFamily="18" charset="-127"/>
+              <a:cs typeface="+mn-cs"/>
+            </a:endParaRPr>
+          </a:p>
+        </p:txBody>
+      </p:sp>
+      <p:sp>
+        <p:nvSpPr>
+          <p:cNvPr id="26" name="TextBox 25">
+            <a:extLst>
+              <a:ext uri="{FF2B5EF4-FFF2-40B4-BE49-F238E27FC236}">
+                <a16:creationId xmlns:a16="http://schemas.microsoft.com/office/drawing/2014/main" id="{B87290D9-38FB-41BE-8EED-E3173AC1DE45}"/>
+              </a:ext>
+            </a:extLst>
+          </p:cNvPr>
+          <p:cNvSpPr txBox="1"/>
+          <p:nvPr/>
+        </p:nvSpPr>
+        <p:spPr>
+          <a:xfrm>
+            <a:off x="0" y="971581"/>
+            <a:ext cx="4067943" cy="800219"/>
+          </a:xfrm>
+          <a:prstGeom prst="rect">
+            <a:avLst/>
+          </a:prstGeom>
+          <a:noFill/>
+        </p:spPr>
+        <p:txBody>
+          <a:bodyPr wrap="square" rtlCol="0">
+            <a:spAutoFit/>
+          </a:bodyPr>
+          <a:lstStyle/>
+          <a:p>
+            <a:pPr marL="0" marR="0" lvl="0" indent="0" algn="l" defTabSz="914400" rtl="0" eaLnBrk="1" fontAlgn="auto" latinLnBrk="1" hangingPunct="1">
+              <a:lnSpc>
+                <a:spcPct val="100000"/>
+              </a:lnSpc>
+              <a:spcBef>
+                <a:spcPts val="0"/>
+              </a:spcBef>
+              <a:spcAft>
+                <a:spcPts val="0"/>
+              </a:spcAft>
+              <a:buClrTx/>
+              <a:buSzTx/>
+              <a:buFontTx/>
+              <a:buNone/>
+              <a:tabLst/>
+              <a:defRPr/>
+            </a:pPr>
+            <a:r>
+              <a:rPr kumimoji="0" lang="en-US" altLang="ko-KR" sz="2300" b="0" i="0" u="none" strike="noStrike" kern="1200" cap="none" spc="0" normalizeH="0" baseline="0" noProof="0" dirty="0">
+                <a:ln>
+                  <a:noFill/>
+                </a:ln>
+                <a:solidFill>
+                  <a:prstClr val="black"/>
+                </a:solidFill>
+                <a:effectLst/>
+                <a:uLnTx/>
+                <a:uFillTx/>
+                <a:latin typeface="Rix비타민 M" panose="02020603020101020101" pitchFamily="18" charset="-127"/>
+                <a:ea typeface="Rix비타민 M" panose="02020603020101020101" pitchFamily="18" charset="-127"/>
+                <a:cs typeface="+mn-cs"/>
+              </a:rPr>
+              <a:t>CNN</a:t>
+            </a:r>
+            <a:r>
+              <a:rPr kumimoji="0" lang="ko-KR" altLang="en-US" sz="2300" b="0" i="0" u="none" strike="noStrike" kern="1200" cap="none" spc="0" normalizeH="0" baseline="0" noProof="0" dirty="0">
+                <a:ln>
+                  <a:noFill/>
+                </a:ln>
+                <a:solidFill>
+                  <a:prstClr val="black"/>
+                </a:solidFill>
+                <a:effectLst/>
+                <a:uLnTx/>
+                <a:uFillTx/>
+                <a:latin typeface="Rix비타민 M" panose="02020603020101020101" pitchFamily="18" charset="-127"/>
+                <a:ea typeface="Rix비타민 M" panose="02020603020101020101" pitchFamily="18" charset="-127"/>
+                <a:cs typeface="+mn-cs"/>
+              </a:rPr>
+              <a:t>을 이용한 인간 자세 판별 시스템</a:t>
+            </a:r>
+          </a:p>
+        </p:txBody>
+      </p:sp>
+      <p:sp>
+        <p:nvSpPr>
+          <p:cNvPr id="27" name="TextBox 26">
+            <a:extLst>
+              <a:ext uri="{FF2B5EF4-FFF2-40B4-BE49-F238E27FC236}">
+                <a16:creationId xmlns:a16="http://schemas.microsoft.com/office/drawing/2014/main" id="{2CCE3C9E-785B-40D0-8D75-1058C7E0D12E}"/>
+              </a:ext>
+            </a:extLst>
+          </p:cNvPr>
+          <p:cNvSpPr txBox="1"/>
+          <p:nvPr/>
+        </p:nvSpPr>
+        <p:spPr>
+          <a:xfrm>
+            <a:off x="185415" y="1718874"/>
+            <a:ext cx="8991165" cy="3308598"/>
+          </a:xfrm>
+          <a:prstGeom prst="rect">
+            <a:avLst/>
+          </a:prstGeom>
+          <a:noFill/>
+        </p:spPr>
+        <p:txBody>
+          <a:bodyPr wrap="square" rtlCol="0">
+            <a:spAutoFit/>
+          </a:bodyPr>
+          <a:lstStyle/>
+          <a:p>
+            <a:pPr marL="342900" marR="0" lvl="0" indent="-342900" algn="l" defTabSz="914400" rtl="0" eaLnBrk="1" fontAlgn="auto" latinLnBrk="1" hangingPunct="1">
+              <a:lnSpc>
+                <a:spcPct val="100000"/>
+              </a:lnSpc>
+              <a:spcBef>
+                <a:spcPts val="0"/>
+              </a:spcBef>
+              <a:spcAft>
+                <a:spcPts val="0"/>
+              </a:spcAft>
+              <a:buClrTx/>
+              <a:buSzTx/>
+              <a:buFont typeface="+mj-lt"/>
+              <a:buAutoNum type="arabicPeriod"/>
+              <a:tabLst/>
+              <a:defRPr/>
+            </a:pPr>
+            <a:r>
+              <a:rPr kumimoji="0" lang="en-US" altLang="ko-KR" sz="2500" b="0" i="0" u="none" strike="noStrike" kern="1200" cap="none" spc="0" normalizeH="0" baseline="0" noProof="0" dirty="0">
+                <a:ln>
+                  <a:noFill/>
+                </a:ln>
+                <a:solidFill>
+                  <a:prstClr val="black"/>
+                </a:solidFill>
+                <a:effectLst/>
+                <a:uLnTx/>
+                <a:uFillTx/>
+                <a:latin typeface="맑은 고딕"/>
+                <a:ea typeface="맑은 고딕" panose="020B0503020000020004" pitchFamily="50" charset="-127"/>
+                <a:cs typeface="+mn-cs"/>
+              </a:rPr>
+              <a:t>Open Image dataset</a:t>
+            </a:r>
+            <a:r>
+              <a:rPr lang="ko-KR" altLang="en-US" sz="2500" dirty="0">
+                <a:solidFill>
+                  <a:prstClr val="black"/>
+                </a:solidFill>
+                <a:latin typeface="맑은 고딕"/>
+                <a:ea typeface="맑은 고딕" panose="020B0503020000020004" pitchFamily="50" charset="-127"/>
+              </a:rPr>
+              <a:t>중 응급상황에 해당하는 행위 분류</a:t>
+            </a:r>
+            <a:endParaRPr kumimoji="0" lang="en-US" altLang="ko-KR" sz="2500" b="0" i="0" u="none" strike="noStrike" kern="1200" cap="none" spc="0" normalizeH="0" baseline="0" noProof="0" dirty="0">
+              <a:ln>
+                <a:noFill/>
+              </a:ln>
+              <a:solidFill>
+                <a:prstClr val="black"/>
+              </a:solidFill>
+              <a:effectLst/>
+              <a:uLnTx/>
+              <a:uFillTx/>
+              <a:latin typeface="맑은 고딕"/>
+              <a:ea typeface="맑은 고딕" panose="020B0503020000020004" pitchFamily="50" charset="-127"/>
+              <a:cs typeface="+mn-cs"/>
+            </a:endParaRPr>
+          </a:p>
+          <a:p>
+            <a:pPr marL="800100" marR="0" lvl="1" indent="-342900" algn="l" defTabSz="914400" rtl="0" eaLnBrk="1" fontAlgn="auto" latinLnBrk="1" hangingPunct="1">
+              <a:lnSpc>
+                <a:spcPct val="100000"/>
+              </a:lnSpc>
+              <a:spcBef>
+                <a:spcPts val="0"/>
+              </a:spcBef>
+              <a:spcAft>
+                <a:spcPts val="0"/>
+              </a:spcAft>
+              <a:buClrTx/>
+              <a:buSzTx/>
+              <a:buFont typeface="Arial" panose="020B0604020202020204" pitchFamily="34" charset="0"/>
+              <a:buChar char="•"/>
+              <a:tabLst/>
+              <a:defRPr/>
+            </a:pPr>
+            <a:r>
+              <a:rPr kumimoji="0" lang="ko-KR" altLang="en-US" sz="2000" b="0" i="0" u="none" strike="noStrike" kern="1200" cap="none" spc="0" normalizeH="0" baseline="0" noProof="0" dirty="0">
+                <a:ln>
+                  <a:noFill/>
+                </a:ln>
+                <a:solidFill>
+                  <a:prstClr val="black"/>
+                </a:solidFill>
+                <a:effectLst/>
+                <a:uLnTx/>
+                <a:uFillTx/>
+                <a:latin typeface="맑은 고딕"/>
+                <a:ea typeface="맑은 고딕" panose="020B0503020000020004" pitchFamily="50" charset="-127"/>
+                <a:cs typeface="+mn-cs"/>
+              </a:rPr>
+              <a:t>응급상황에 부합하는 다양한 환경에서의 </a:t>
+            </a:r>
+            <a:r>
+              <a:rPr kumimoji="0" lang="en-US" altLang="ko-KR" sz="2000" b="0" i="0" u="none" strike="noStrike" kern="1200" cap="none" spc="0" normalizeH="0" baseline="0" noProof="0" dirty="0">
+                <a:ln>
+                  <a:noFill/>
+                </a:ln>
+                <a:solidFill>
+                  <a:prstClr val="black"/>
+                </a:solidFill>
+                <a:effectLst/>
+                <a:uLnTx/>
+                <a:uFillTx/>
+                <a:latin typeface="맑은 고딕"/>
+                <a:ea typeface="맑은 고딕" panose="020B0503020000020004" pitchFamily="50" charset="-127"/>
+                <a:cs typeface="+mn-cs"/>
+              </a:rPr>
+              <a:t>Image </a:t>
+            </a:r>
+            <a:r>
+              <a:rPr kumimoji="0" lang="ko-KR" altLang="en-US" sz="2000" b="0" i="0" u="none" strike="noStrike" kern="1200" cap="none" spc="0" normalizeH="0" baseline="0" noProof="0" dirty="0">
+                <a:ln>
+                  <a:noFill/>
+                </a:ln>
+                <a:solidFill>
+                  <a:prstClr val="black"/>
+                </a:solidFill>
+                <a:effectLst/>
+                <a:uLnTx/>
+                <a:uFillTx/>
+                <a:latin typeface="맑은 고딕"/>
+                <a:ea typeface="맑은 고딕" panose="020B0503020000020004" pitchFamily="50" charset="-127"/>
+                <a:cs typeface="+mn-cs"/>
+              </a:rPr>
+              <a:t>확보 </a:t>
+            </a:r>
+            <a:endParaRPr kumimoji="0" lang="en-US" altLang="ko-KR" sz="2000" b="0" i="0" u="none" strike="noStrike" kern="1200" cap="none" spc="0" normalizeH="0" baseline="0" noProof="0" dirty="0">
+              <a:ln>
+                <a:noFill/>
+              </a:ln>
+              <a:solidFill>
+                <a:prstClr val="black"/>
+              </a:solidFill>
+              <a:effectLst/>
+              <a:uLnTx/>
+              <a:uFillTx/>
+              <a:latin typeface="맑은 고딕"/>
+              <a:ea typeface="맑은 고딕" panose="020B0503020000020004" pitchFamily="50" charset="-127"/>
+              <a:cs typeface="+mn-cs"/>
+            </a:endParaRPr>
+          </a:p>
+          <a:p>
+            <a:pPr marL="457200" marR="0" lvl="0" indent="-457200" algn="l" defTabSz="914400" rtl="0" eaLnBrk="1" fontAlgn="auto" latinLnBrk="1" hangingPunct="1">
+              <a:lnSpc>
+                <a:spcPct val="100000"/>
+              </a:lnSpc>
+              <a:spcBef>
+                <a:spcPts val="0"/>
+              </a:spcBef>
+              <a:spcAft>
+                <a:spcPts val="0"/>
+              </a:spcAft>
+              <a:buClrTx/>
+              <a:buSzTx/>
+              <a:buFont typeface="+mj-lt"/>
+              <a:buAutoNum type="arabicPeriod"/>
+              <a:tabLst/>
+              <a:defRPr/>
+            </a:pPr>
+            <a:endParaRPr kumimoji="0" lang="en-US" altLang="ko-KR" sz="2500" b="0" i="0" u="none" strike="noStrike" kern="1200" cap="none" spc="0" normalizeH="0" baseline="0" noProof="0" dirty="0">
+              <a:ln>
+                <a:noFill/>
+              </a:ln>
+              <a:solidFill>
+                <a:prstClr val="black"/>
+              </a:solidFill>
+              <a:effectLst/>
+              <a:uLnTx/>
+              <a:uFillTx/>
+              <a:latin typeface="맑은 고딕"/>
+              <a:ea typeface="맑은 고딕" panose="020B0503020000020004" pitchFamily="50" charset="-127"/>
+              <a:cs typeface="+mn-cs"/>
+            </a:endParaRPr>
+          </a:p>
+          <a:p>
+            <a:pPr marL="457200" marR="0" lvl="0" indent="-457200" algn="l" defTabSz="914400" rtl="0" eaLnBrk="1" fontAlgn="auto" latinLnBrk="1" hangingPunct="1">
+              <a:lnSpc>
+                <a:spcPct val="100000"/>
+              </a:lnSpc>
+              <a:spcBef>
+                <a:spcPts val="0"/>
+              </a:spcBef>
+              <a:spcAft>
+                <a:spcPts val="0"/>
+              </a:spcAft>
+              <a:buClrTx/>
+              <a:buSzTx/>
+              <a:buFont typeface="+mj-lt"/>
+              <a:buAutoNum type="arabicPeriod"/>
+              <a:tabLst/>
+              <a:defRPr/>
+            </a:pPr>
+            <a:r>
+              <a:rPr kumimoji="0" lang="en-US" altLang="ko-KR" sz="2500" b="0" i="0" u="none" strike="noStrike" kern="1200" cap="none" spc="0" normalizeH="0" baseline="0" noProof="0" dirty="0">
+                <a:ln>
+                  <a:noFill/>
+                </a:ln>
+                <a:solidFill>
+                  <a:prstClr val="black"/>
+                </a:solidFill>
+                <a:effectLst/>
+                <a:uLnTx/>
+                <a:uFillTx/>
+                <a:latin typeface="맑은 고딕"/>
+                <a:ea typeface="맑은 고딕" panose="020B0503020000020004" pitchFamily="50" charset="-127"/>
+                <a:cs typeface="+mn-cs"/>
+              </a:rPr>
+              <a:t>Test image</a:t>
+            </a:r>
+            <a:r>
+              <a:rPr kumimoji="0" lang="ko-KR" altLang="en-US" sz="2500" b="0" i="0" u="none" strike="noStrike" kern="1200" cap="none" spc="0" normalizeH="0" baseline="0" noProof="0" dirty="0">
+                <a:ln>
+                  <a:noFill/>
+                </a:ln>
+                <a:solidFill>
+                  <a:prstClr val="black"/>
+                </a:solidFill>
+                <a:effectLst/>
+                <a:uLnTx/>
+                <a:uFillTx/>
+                <a:latin typeface="맑은 고딕"/>
+                <a:ea typeface="맑은 고딕" panose="020B0503020000020004" pitchFamily="50" charset="-127"/>
+                <a:cs typeface="+mn-cs"/>
+              </a:rPr>
+              <a:t>로부터 인간의 골격 모델 생성</a:t>
+            </a:r>
+            <a:endParaRPr kumimoji="0" lang="en-US" altLang="ko-KR" sz="2000" b="0" i="0" u="none" strike="noStrike" kern="1200" cap="none" spc="0" normalizeH="0" baseline="0" noProof="0" dirty="0">
+              <a:ln>
+                <a:noFill/>
+              </a:ln>
+              <a:solidFill>
+                <a:prstClr val="black"/>
+              </a:solidFill>
+              <a:effectLst/>
+              <a:uLnTx/>
+              <a:uFillTx/>
+              <a:latin typeface="맑은 고딕"/>
+              <a:ea typeface="맑은 고딕" panose="020B0503020000020004" pitchFamily="50" charset="-127"/>
+              <a:cs typeface="+mn-cs"/>
+            </a:endParaRPr>
+          </a:p>
+          <a:p>
+            <a:pPr marL="800100" marR="0" lvl="1" indent="-342900" algn="l" defTabSz="914400" rtl="0" eaLnBrk="1" fontAlgn="auto" latinLnBrk="1" hangingPunct="1">
+              <a:lnSpc>
+                <a:spcPct val="100000"/>
+              </a:lnSpc>
+              <a:spcBef>
+                <a:spcPts val="0"/>
+              </a:spcBef>
+              <a:spcAft>
+                <a:spcPts val="0"/>
+              </a:spcAft>
+              <a:buClrTx/>
+              <a:buSzTx/>
+              <a:buFont typeface="Arial" panose="020B0604020202020204" pitchFamily="34" charset="0"/>
+              <a:buChar char="•"/>
+              <a:tabLst/>
+              <a:defRPr/>
+            </a:pPr>
+            <a:r>
+              <a:rPr kumimoji="0" lang="en-US" altLang="ko-KR" sz="2000" b="0" i="0" u="none" strike="noStrike" kern="1200" cap="none" spc="0" normalizeH="0" baseline="0" noProof="0" dirty="0">
+                <a:ln>
+                  <a:noFill/>
+                </a:ln>
+                <a:solidFill>
+                  <a:prstClr val="black"/>
+                </a:solidFill>
+                <a:effectLst/>
+                <a:uLnTx/>
+                <a:uFillTx/>
+                <a:latin typeface="맑은 고딕"/>
+                <a:ea typeface="맑은 고딕" panose="020B0503020000020004" pitchFamily="50" charset="-127"/>
+                <a:cs typeface="+mn-cs"/>
+              </a:rPr>
+              <a:t>20</a:t>
+            </a:r>
+            <a:r>
+              <a:rPr kumimoji="0" lang="ko-KR" altLang="en-US" sz="2000" b="0" i="0" u="none" strike="noStrike" kern="1200" cap="none" spc="0" normalizeH="0" baseline="0" noProof="0" dirty="0">
+                <a:ln>
+                  <a:noFill/>
+                </a:ln>
+                <a:solidFill>
+                  <a:prstClr val="black"/>
+                </a:solidFill>
+                <a:effectLst/>
+                <a:uLnTx/>
+                <a:uFillTx/>
+                <a:latin typeface="맑은 고딕"/>
+                <a:ea typeface="맑은 고딕" panose="020B0503020000020004" pitchFamily="50" charset="-127"/>
+                <a:cs typeface="+mn-cs"/>
+              </a:rPr>
+              <a:t>개의 특징 값을 추출하여 연속된 이미지</a:t>
+            </a:r>
+            <a:r>
+              <a:rPr kumimoji="0" lang="en-US" altLang="ko-KR" sz="2000" b="0" i="0" u="none" strike="noStrike" kern="1200" cap="none" spc="0" normalizeH="0" baseline="0" noProof="0" dirty="0">
+                <a:ln>
+                  <a:noFill/>
+                </a:ln>
+                <a:solidFill>
+                  <a:prstClr val="black"/>
+                </a:solidFill>
+                <a:effectLst/>
+                <a:uLnTx/>
+                <a:uFillTx/>
+                <a:latin typeface="맑은 고딕"/>
+                <a:ea typeface="맑은 고딕" panose="020B0503020000020004" pitchFamily="50" charset="-127"/>
+                <a:cs typeface="+mn-cs"/>
+              </a:rPr>
+              <a:t>(</a:t>
+            </a:r>
+            <a:r>
+              <a:rPr kumimoji="0" lang="ko-KR" altLang="en-US" sz="2000" b="0" i="0" u="none" strike="noStrike" kern="1200" cap="none" spc="0" normalizeH="0" baseline="0" noProof="0" dirty="0">
+                <a:ln>
+                  <a:noFill/>
+                </a:ln>
+                <a:solidFill>
+                  <a:prstClr val="black"/>
+                </a:solidFill>
+                <a:effectLst/>
+                <a:uLnTx/>
+                <a:uFillTx/>
+                <a:latin typeface="맑은 고딕"/>
+                <a:ea typeface="맑은 고딕" panose="020B0503020000020004" pitchFamily="50" charset="-127"/>
+                <a:cs typeface="+mn-cs"/>
+              </a:rPr>
+              <a:t>영상</a:t>
+            </a:r>
+            <a:r>
+              <a:rPr kumimoji="0" lang="en-US" altLang="ko-KR" sz="2000" b="0" i="0" u="none" strike="noStrike" kern="1200" cap="none" spc="0" normalizeH="0" baseline="0" noProof="0" dirty="0">
+                <a:ln>
+                  <a:noFill/>
+                </a:ln>
+                <a:solidFill>
+                  <a:prstClr val="black"/>
+                </a:solidFill>
+                <a:effectLst/>
+                <a:uLnTx/>
+                <a:uFillTx/>
+                <a:latin typeface="맑은 고딕"/>
+                <a:ea typeface="맑은 고딕" panose="020B0503020000020004" pitchFamily="50" charset="-127"/>
+                <a:cs typeface="+mn-cs"/>
+              </a:rPr>
+              <a:t>)</a:t>
+            </a:r>
+            <a:r>
+              <a:rPr kumimoji="0" lang="ko-KR" altLang="en-US" sz="2000" b="0" i="0" u="none" strike="noStrike" kern="1200" cap="none" spc="0" normalizeH="0" baseline="0" noProof="0" dirty="0">
+                <a:ln>
+                  <a:noFill/>
+                </a:ln>
+                <a:solidFill>
+                  <a:prstClr val="black"/>
+                </a:solidFill>
+                <a:effectLst/>
+                <a:uLnTx/>
+                <a:uFillTx/>
+                <a:latin typeface="맑은 고딕"/>
+                <a:ea typeface="맑은 고딕" panose="020B0503020000020004" pitchFamily="50" charset="-127"/>
+                <a:cs typeface="+mn-cs"/>
+              </a:rPr>
+              <a:t>의 차분 정보를 계산</a:t>
+            </a:r>
+            <a:endParaRPr kumimoji="0" lang="en-US" altLang="ko-KR" sz="2000" b="0" i="0" u="none" strike="noStrike" kern="1200" cap="none" spc="0" normalizeH="0" baseline="0" noProof="0" dirty="0">
+              <a:ln>
+                <a:noFill/>
+              </a:ln>
+              <a:solidFill>
+                <a:prstClr val="black"/>
+              </a:solidFill>
+              <a:effectLst/>
+              <a:uLnTx/>
+              <a:uFillTx/>
+              <a:latin typeface="맑은 고딕"/>
+              <a:ea typeface="맑은 고딕" panose="020B0503020000020004" pitchFamily="50" charset="-127"/>
+              <a:cs typeface="+mn-cs"/>
+            </a:endParaRPr>
+          </a:p>
+          <a:p>
+            <a:pPr marL="457200" marR="0" lvl="0" indent="-457200" algn="l" defTabSz="914400" rtl="0" eaLnBrk="1" fontAlgn="auto" latinLnBrk="1" hangingPunct="1">
+              <a:lnSpc>
+                <a:spcPct val="100000"/>
+              </a:lnSpc>
+              <a:spcBef>
+                <a:spcPts val="0"/>
+              </a:spcBef>
+              <a:spcAft>
+                <a:spcPts val="0"/>
+              </a:spcAft>
+              <a:buClrTx/>
+              <a:buSzTx/>
+              <a:buFont typeface="+mj-lt"/>
+              <a:buAutoNum type="arabicPeriod"/>
+              <a:tabLst/>
+              <a:defRPr/>
+            </a:pPr>
+            <a:endParaRPr kumimoji="0" lang="en-US" altLang="ko-KR" sz="2500" b="0" i="0" u="none" strike="noStrike" kern="1200" cap="none" spc="0" normalizeH="0" baseline="0" noProof="0" dirty="0">
+              <a:ln>
+                <a:noFill/>
+              </a:ln>
+              <a:solidFill>
+                <a:prstClr val="black"/>
+              </a:solidFill>
+              <a:effectLst/>
+              <a:uLnTx/>
+              <a:uFillTx/>
+              <a:latin typeface="맑은 고딕"/>
+              <a:ea typeface="맑은 고딕" panose="020B0503020000020004" pitchFamily="50" charset="-127"/>
+              <a:cs typeface="+mn-cs"/>
+            </a:endParaRPr>
+          </a:p>
+          <a:p>
+            <a:pPr marL="342900" marR="0" lvl="0" indent="-342900" algn="l" defTabSz="914400" rtl="0" eaLnBrk="1" fontAlgn="auto" latinLnBrk="1" hangingPunct="1">
+              <a:lnSpc>
+                <a:spcPct val="100000"/>
+              </a:lnSpc>
+              <a:spcBef>
+                <a:spcPts val="0"/>
+              </a:spcBef>
+              <a:spcAft>
+                <a:spcPts val="0"/>
+              </a:spcAft>
+              <a:buClrTx/>
+              <a:buSzTx/>
+              <a:buFont typeface="+mj-lt"/>
+              <a:buAutoNum type="arabicPeriod"/>
+              <a:tabLst/>
+              <a:defRPr/>
+            </a:pPr>
+            <a:r>
+              <a:rPr lang="ko-KR" altLang="en-US" sz="2500" dirty="0">
+                <a:solidFill>
+                  <a:prstClr val="black"/>
+                </a:solidFill>
+                <a:latin typeface="맑은 고딕"/>
+                <a:ea typeface="맑은 고딕" panose="020B0503020000020004" pitchFamily="50" charset="-127"/>
+              </a:rPr>
+              <a:t>특징 값을 이용하여 </a:t>
+            </a:r>
+            <a:r>
+              <a:rPr lang="en-US" altLang="ko-KR" sz="2500" dirty="0">
+                <a:solidFill>
+                  <a:prstClr val="black"/>
+                </a:solidFill>
+                <a:latin typeface="맑은 고딕"/>
+                <a:ea typeface="맑은 고딕" panose="020B0503020000020004" pitchFamily="50" charset="-127"/>
+              </a:rPr>
+              <a:t>CNN </a:t>
+            </a:r>
+            <a:r>
+              <a:rPr lang="ko-KR" altLang="en-US" sz="2500" dirty="0">
+                <a:solidFill>
+                  <a:prstClr val="black"/>
+                </a:solidFill>
+                <a:latin typeface="맑은 고딕"/>
+                <a:ea typeface="맑은 고딕" panose="020B0503020000020004" pitchFamily="50" charset="-127"/>
+              </a:rPr>
+              <a:t>모델의 학습 진행</a:t>
+            </a:r>
+            <a:endParaRPr kumimoji="0" lang="en-US" altLang="ko-KR" sz="2500" b="0" i="0" u="none" strike="noStrike" kern="1200" cap="none" spc="0" normalizeH="0" baseline="0" noProof="0" dirty="0">
+              <a:ln>
+                <a:noFill/>
+              </a:ln>
+              <a:solidFill>
+                <a:prstClr val="black"/>
+              </a:solidFill>
+              <a:effectLst/>
+              <a:uLnTx/>
+              <a:uFillTx/>
+              <a:latin typeface="맑은 고딕"/>
+              <a:ea typeface="맑은 고딕" panose="020B0503020000020004" pitchFamily="50" charset="-127"/>
+              <a:cs typeface="+mn-cs"/>
+            </a:endParaRPr>
+          </a:p>
+          <a:p>
+            <a:pPr marL="800100" marR="0" lvl="1" indent="-342900" algn="l" defTabSz="914400" rtl="0" eaLnBrk="1" fontAlgn="auto" latinLnBrk="1" hangingPunct="1">
+              <a:lnSpc>
+                <a:spcPct val="100000"/>
+              </a:lnSpc>
+              <a:spcBef>
+                <a:spcPts val="0"/>
+              </a:spcBef>
+              <a:spcAft>
+                <a:spcPts val="0"/>
+              </a:spcAft>
+              <a:buClrTx/>
+              <a:buSzTx/>
+              <a:buFont typeface="Arial" panose="020B0604020202020204" pitchFamily="34" charset="0"/>
+              <a:buChar char="•"/>
+              <a:tabLst/>
+              <a:defRPr/>
+            </a:pPr>
+            <a:r>
+              <a:rPr kumimoji="0" lang="en-US" altLang="ko-KR" sz="2000" b="0" i="0" u="none" strike="noStrike" kern="1200" cap="none" spc="0" normalizeH="0" baseline="0" noProof="0" dirty="0">
+                <a:ln>
+                  <a:noFill/>
+                </a:ln>
+                <a:solidFill>
+                  <a:prstClr val="black"/>
+                </a:solidFill>
+                <a:effectLst/>
+                <a:uLnTx/>
+                <a:uFillTx/>
+                <a:latin typeface="맑은 고딕"/>
+                <a:ea typeface="맑은 고딕" panose="020B0503020000020004" pitchFamily="50" charset="-127"/>
+                <a:cs typeface="+mn-cs"/>
+              </a:rPr>
+              <a:t>Inception V2 </a:t>
+            </a:r>
+            <a:r>
+              <a:rPr kumimoji="0" lang="ko-KR" altLang="en-US" sz="2000" b="0" i="0" u="none" strike="noStrike" kern="1200" cap="none" spc="0" normalizeH="0" baseline="0" noProof="0" dirty="0">
+                <a:ln>
+                  <a:noFill/>
+                </a:ln>
+                <a:solidFill>
+                  <a:prstClr val="black"/>
+                </a:solidFill>
+                <a:effectLst/>
+                <a:uLnTx/>
+                <a:uFillTx/>
+                <a:latin typeface="맑은 고딕"/>
+                <a:ea typeface="맑은 고딕" panose="020B0503020000020004" pitchFamily="50" charset="-127"/>
+                <a:cs typeface="+mn-cs"/>
+              </a:rPr>
+              <a:t>모델을 사용하여 학습</a:t>
+            </a:r>
+            <a:endParaRPr kumimoji="0" lang="en-US" altLang="ko-KR" sz="2000" b="0" i="0" u="none" strike="noStrike" kern="1200" cap="none" spc="0" normalizeH="0" baseline="0" noProof="0" dirty="0">
+              <a:ln>
+                <a:noFill/>
+              </a:ln>
+              <a:solidFill>
+                <a:prstClr val="black"/>
+              </a:solidFill>
+              <a:effectLst/>
+              <a:uLnTx/>
+              <a:uFillTx/>
+              <a:latin typeface="맑은 고딕"/>
+              <a:ea typeface="맑은 고딕" panose="020B0503020000020004" pitchFamily="50" charset="-127"/>
+              <a:cs typeface="+mn-cs"/>
+            </a:endParaRPr>
+          </a:p>
+          <a:p>
+            <a:pPr marL="342900" marR="0" lvl="0" indent="-342900" algn="l" defTabSz="914400" rtl="0" eaLnBrk="1" fontAlgn="auto" latinLnBrk="1" hangingPunct="1">
+              <a:lnSpc>
+                <a:spcPct val="100000"/>
+              </a:lnSpc>
+              <a:spcBef>
+                <a:spcPts val="0"/>
+              </a:spcBef>
+              <a:spcAft>
+                <a:spcPts val="0"/>
+              </a:spcAft>
+              <a:buClrTx/>
+              <a:buSzTx/>
+              <a:buFont typeface="Arial" panose="020B0604020202020204" pitchFamily="34" charset="0"/>
+              <a:buChar char="•"/>
+              <a:tabLst/>
+              <a:defRPr/>
+            </a:pPr>
+            <a:endParaRPr kumimoji="0" lang="en-US" altLang="ko-KR" sz="2500" b="0" i="0" u="none" strike="noStrike" kern="1200" cap="none" spc="0" normalizeH="0" baseline="0" noProof="0" dirty="0">
+              <a:ln>
+                <a:noFill/>
+              </a:ln>
+              <a:solidFill>
+                <a:prstClr val="black"/>
+              </a:solidFill>
+              <a:effectLst/>
+              <a:uLnTx/>
+              <a:uFillTx/>
+              <a:latin typeface="맑은 고딕"/>
+              <a:ea typeface="맑은 고딕" panose="020B0503020000020004" pitchFamily="50" charset="-127"/>
+              <a:cs typeface="+mn-cs"/>
+            </a:endParaRPr>
+          </a:p>
+        </p:txBody>
+      </p:sp>
+      <p:sp>
+        <p:nvSpPr>
+          <p:cNvPr id="5" name="TextBox 4">
+            <a:extLst>
+              <a:ext uri="{FF2B5EF4-FFF2-40B4-BE49-F238E27FC236}">
+                <a16:creationId xmlns:a16="http://schemas.microsoft.com/office/drawing/2014/main" id="{8B501674-9B29-498E-88AD-2D057744411B}"/>
+              </a:ext>
+            </a:extLst>
+          </p:cNvPr>
+          <p:cNvSpPr txBox="1"/>
+          <p:nvPr/>
+        </p:nvSpPr>
+        <p:spPr>
+          <a:xfrm>
+            <a:off x="109470" y="5455865"/>
+            <a:ext cx="8853051" cy="523220"/>
+          </a:xfrm>
+          <a:prstGeom prst="rect">
+            <a:avLst/>
+          </a:prstGeom>
+          <a:noFill/>
+        </p:spPr>
+        <p:txBody>
+          <a:bodyPr wrap="square" rtlCol="0">
+            <a:spAutoFit/>
+          </a:bodyPr>
+          <a:lstStyle/>
+          <a:p>
+            <a:pPr marL="285750" marR="0" lvl="0" indent="-285750" algn="l" defTabSz="914400" rtl="0" eaLnBrk="1" fontAlgn="auto" latinLnBrk="1" hangingPunct="1">
+              <a:lnSpc>
+                <a:spcPct val="100000"/>
+              </a:lnSpc>
+              <a:spcBef>
+                <a:spcPts val="0"/>
+              </a:spcBef>
+              <a:spcAft>
+                <a:spcPts val="0"/>
+              </a:spcAft>
+              <a:buClrTx/>
+              <a:buSzTx/>
+              <a:buFont typeface="Wingdings" panose="05000000000000000000" pitchFamily="2" charset="2"/>
+              <a:buChar char="Ø"/>
+              <a:tabLst/>
+              <a:defRPr/>
+            </a:pPr>
+            <a:r>
+              <a:rPr kumimoji="0" lang="ko-KR" altLang="en-US" sz="2800" b="1" i="0" u="none" strike="noStrike" kern="1200" cap="none" spc="0" normalizeH="0" baseline="0" noProof="0" dirty="0">
+                <a:ln>
+                  <a:noFill/>
+                </a:ln>
+                <a:solidFill>
+                  <a:prstClr val="black"/>
+                </a:solidFill>
+                <a:effectLst/>
+                <a:uLnTx/>
+                <a:uFillTx/>
+                <a:latin typeface="맑은 고딕"/>
+                <a:ea typeface="맑은 고딕" panose="020B0503020000020004" pitchFamily="50" charset="-127"/>
+                <a:cs typeface="+mn-cs"/>
+              </a:rPr>
+              <a:t> 인간의 행위마다 다른 관절들의 특징 값들을 통해</a:t>
+            </a:r>
+            <a:endParaRPr kumimoji="0" lang="en-US" altLang="ko-KR" sz="2800" b="1" i="0" u="none" strike="noStrike" kern="1200" cap="none" spc="0" normalizeH="0" baseline="0" noProof="0" dirty="0">
+              <a:ln>
+                <a:noFill/>
+              </a:ln>
+              <a:solidFill>
+                <a:prstClr val="black"/>
+              </a:solidFill>
+              <a:effectLst/>
+              <a:uLnTx/>
+              <a:uFillTx/>
+              <a:latin typeface="맑은 고딕"/>
+              <a:ea typeface="맑은 고딕" panose="020B0503020000020004" pitchFamily="50" charset="-127"/>
+              <a:cs typeface="+mn-cs"/>
+            </a:endParaRPr>
+          </a:p>
+        </p:txBody>
+      </p:sp>
+      <p:sp>
+        <p:nvSpPr>
+          <p:cNvPr id="10" name="TextBox 9">
+            <a:extLst>
+              <a:ext uri="{FF2B5EF4-FFF2-40B4-BE49-F238E27FC236}">
+                <a16:creationId xmlns:a16="http://schemas.microsoft.com/office/drawing/2014/main" id="{83925078-D903-4B08-9C88-B28E07F2B8BD}"/>
+              </a:ext>
+            </a:extLst>
+          </p:cNvPr>
+          <p:cNvSpPr txBox="1"/>
+          <p:nvPr/>
+        </p:nvSpPr>
+        <p:spPr>
+          <a:xfrm>
+            <a:off x="539552" y="5971860"/>
+            <a:ext cx="8853051" cy="523220"/>
+          </a:xfrm>
+          <a:prstGeom prst="rect">
+            <a:avLst/>
+          </a:prstGeom>
+          <a:noFill/>
+        </p:spPr>
+        <p:txBody>
+          <a:bodyPr wrap="square" rtlCol="0">
+            <a:spAutoFit/>
+          </a:bodyPr>
+          <a:lstStyle/>
+          <a:p>
+            <a:pPr marR="0" lvl="0" algn="l" defTabSz="914400" rtl="0" eaLnBrk="1" fontAlgn="auto" latinLnBrk="1" hangingPunct="1">
+              <a:lnSpc>
+                <a:spcPct val="100000"/>
+              </a:lnSpc>
+              <a:spcBef>
+                <a:spcPts val="0"/>
+              </a:spcBef>
+              <a:spcAft>
+                <a:spcPts val="0"/>
+              </a:spcAft>
+              <a:buClrTx/>
+              <a:buSzTx/>
+              <a:tabLst/>
+              <a:defRPr/>
+            </a:pPr>
+            <a:r>
+              <a:rPr kumimoji="0" lang="ko-KR" altLang="en-US" sz="2800" b="1" i="0" u="none" strike="noStrike" kern="1200" cap="none" spc="0" normalizeH="0" baseline="0" noProof="0" dirty="0">
+                <a:ln>
+                  <a:noFill/>
+                </a:ln>
+                <a:solidFill>
+                  <a:prstClr val="black"/>
+                </a:solidFill>
+                <a:effectLst/>
+                <a:uLnTx/>
+                <a:uFillTx/>
+                <a:latin typeface="맑은 고딕"/>
+                <a:ea typeface="맑은 고딕" panose="020B0503020000020004" pitchFamily="50" charset="-127"/>
+                <a:cs typeface="+mn-cs"/>
+              </a:rPr>
+              <a:t>자세 및 행동을 인식</a:t>
+            </a:r>
+            <a:endParaRPr kumimoji="0" lang="en-US" altLang="ko-KR" sz="2800" b="1" i="0" u="none" strike="noStrike" kern="1200" cap="none" spc="0" normalizeH="0" baseline="0" noProof="0" dirty="0">
+              <a:ln>
+                <a:noFill/>
+              </a:ln>
+              <a:solidFill>
+                <a:prstClr val="black"/>
+              </a:solidFill>
+              <a:effectLst/>
+              <a:uLnTx/>
+              <a:uFillTx/>
+              <a:latin typeface="맑은 고딕"/>
+              <a:ea typeface="맑은 고딕" panose="020B0503020000020004" pitchFamily="50" charset="-127"/>
+              <a:cs typeface="+mn-cs"/>
+            </a:endParaRPr>
+          </a:p>
+        </p:txBody>
+      </p:sp>
+    </p:spTree>
+    <p:extLst>
+      <p:ext uri="{BB962C8B-B14F-4D97-AF65-F5344CB8AC3E}">
+        <p14:creationId xmlns:p14="http://schemas.microsoft.com/office/powerpoint/2010/main" val="2156662968"/>
+      </p:ext>
+    </p:extLst>
+  </p:cSld>
+  <p:clrMapOvr>
+    <a:masterClrMapping/>
+  </p:clrMapOvr>
+  <p:timing>
+    <p:tnLst>
+      <p:par>
+        <p:cTn id="1" dur="indefinite" restart="never" nodeType="tmRoot">
+          <p:childTnLst>
+            <p:seq concurrent="1" nextAc="seek">
+              <p:cTn id="2" dur="indefinite" nodeType="mainSeq">
+                <p:childTnLst>
+                  <p:par>
+                    <p:cTn id="3" fill="hold">
+                      <p:stCondLst>
+                        <p:cond delay="indefinite"/>
+                      </p:stCondLst>
+                      <p:childTnLst>
+                        <p:par>
+                          <p:cTn id="4" fill="hold">
+                            <p:stCondLst>
+                              <p:cond delay="0"/>
+                            </p:stCondLst>
+                            <p:childTnLst>
+                              <p:par>
+                                <p:cTn id="5" presetID="1" presetClass="entr" presetSubtype="0" fill="hold" grpId="0" nodeType="clickEffect">
+                                  <p:stCondLst>
+                                    <p:cond delay="0"/>
+                                  </p:stCondLst>
+                                  <p:childTnLst>
+                                    <p:set>
+                                      <p:cBhvr>
+                                        <p:cTn id="6" dur="1" fill="hold">
+                                          <p:stCondLst>
+                                            <p:cond delay="0"/>
+                                          </p:stCondLst>
+                                        </p:cTn>
+                                        <p:tgtEl>
+                                          <p:spTgt spid="5"/>
+                                        </p:tgtEl>
+                                        <p:attrNameLst>
+                                          <p:attrName>style.visibility</p:attrName>
+                                        </p:attrNameLst>
+                                      </p:cBhvr>
+                                      <p:to>
+                                        <p:strVal val="visible"/>
+                                      </p:to>
+                                    </p:set>
+                                  </p:childTnLst>
+                                </p:cTn>
+                              </p:par>
+                            </p:childTnLst>
+                          </p:cTn>
+                        </p:par>
+                      </p:childTnLst>
+                    </p:cTn>
+                  </p:par>
+                  <p:par>
+                    <p:cTn id="7" fill="hold">
+                      <p:stCondLst>
+                        <p:cond delay="indefinite"/>
+                      </p:stCondLst>
+                      <p:childTnLst>
+                        <p:par>
+                          <p:cTn id="8" fill="hold">
+                            <p:stCondLst>
+                              <p:cond delay="0"/>
+                            </p:stCondLst>
+                            <p:childTnLst>
+                              <p:par>
+                                <p:cTn id="9" presetID="1" presetClass="entr" presetSubtype="0" fill="hold" grpId="0" nodeType="clickEffect">
+                                  <p:stCondLst>
+                                    <p:cond delay="0"/>
+                                  </p:stCondLst>
+                                  <p:childTnLst>
+                                    <p:set>
+                                      <p:cBhvr>
+                                        <p:cTn id="10" dur="1" fill="hold">
+                                          <p:stCondLst>
+                                            <p:cond delay="0"/>
+                                          </p:stCondLst>
+                                        </p:cTn>
+                                        <p:tgtEl>
+                                          <p:spTgt spid="10"/>
+                                        </p:tgtEl>
+                                        <p:attrNameLst>
+                                          <p:attrName>style.visibility</p:attrName>
+                                        </p:attrNameLst>
+                                      </p:cBhvr>
+                                      <p:to>
+                                        <p:strVal val="visible"/>
+                                      </p:to>
+                                    </p:set>
+                                  </p:childTnLst>
+                                </p:cTn>
+                              </p:par>
+                            </p:childTnLst>
+                          </p:cTn>
+                        </p:par>
+                      </p:childTnLst>
+                    </p:cTn>
+                  </p:par>
+                </p:childTnLst>
+              </p:cTn>
+              <p:prevCondLst>
+                <p:cond evt="onPrev" delay="0">
+                  <p:tgtEl>
+                    <p:sldTgt/>
+                  </p:tgtEl>
+                </p:cond>
+              </p:prevCondLst>
+              <p:nextCondLst>
+                <p:cond evt="onNext" delay="0">
+                  <p:tgtEl>
+                    <p:sldTgt/>
+                  </p:tgtEl>
+                </p:cond>
+              </p:nextCondLst>
+            </p:seq>
+          </p:childTnLst>
+        </p:cTn>
+      </p:par>
+    </p:tnLst>
+    <p:bldLst>
+      <p:bldP spid="5" grpId="0"/>
+      <p:bldP spid="10" grpId="0"/>
+    </p:bldLst>
+  </p:timing>
+</p:sld>
+</file>
+
+<file path=ppt/slides/slide11.xml><?xml version="1.0" encoding="utf-8"?>
 <p:sld xmlns:a="http://schemas.openxmlformats.org/drawingml/2006/main" xmlns:r="http://schemas.openxmlformats.org/officeDocument/2006/relationships" xmlns:p="http://schemas.openxmlformats.org/presentationml/2006/main">
   <p:cSld>
     <p:bg>
@@ -7917,7 +9389,7 @@
 </p:sld>
 </file>
 
-<file path=ppt/slides/slide11.xml><?xml version="1.0" encoding="utf-8"?>
+<file path=ppt/slides/slide12.xml><?xml version="1.0" encoding="utf-8"?>
 <p:sld xmlns:a="http://schemas.openxmlformats.org/drawingml/2006/main" xmlns:r="http://schemas.openxmlformats.org/officeDocument/2006/relationships" xmlns:p="http://schemas.openxmlformats.org/presentationml/2006/main">
   <p:cSld>
     <p:bg>
@@ -8269,7 +9741,7 @@
 </p:sld>
 </file>
 
-<file path=ppt/slides/slide12.xml><?xml version="1.0" encoding="utf-8"?>
+<file path=ppt/slides/slide13.xml><?xml version="1.0" encoding="utf-8"?>
 <p:sld xmlns:a="http://schemas.openxmlformats.org/drawingml/2006/main" xmlns:r="http://schemas.openxmlformats.org/officeDocument/2006/relationships" xmlns:p="http://schemas.openxmlformats.org/presentationml/2006/main">
   <p:cSld>
     <p:bg>
@@ -8610,7 +10082,7 @@
         </p:spPr>
         <p:txBody>
           <a:bodyPr vert="horz" lIns="91440" tIns="45720" rIns="91440" bIns="45720" rtlCol="0">
-            <a:normAutofit/>
+            <a:normAutofit fontScale="92500" lnSpcReduction="20000"/>
           </a:bodyPr>
           <a:lstStyle>
             <a:lvl1pPr marL="342900" indent="-342900" algn="l" defTabSz="914400" rtl="0" eaLnBrk="1" latinLnBrk="1" hangingPunct="1">
@@ -9482,6 +10954,416 @@
                 </a:effectLst>
               </a:rPr>
               <a:t>2012. 7</a:t>
+            </a:r>
+          </a:p>
+          <a:p>
+            <a:pPr marL="0" indent="0">
+              <a:buNone/>
+            </a:pPr>
+            <a:endParaRPr lang="en-US" altLang="ko-KR" sz="1400" b="1" dirty="0">
+              <a:effectLst>
+                <a:outerShdw blurRad="38100" dist="38100" dir="2700000" algn="tl">
+                  <a:srgbClr val="000000">
+                    <a:alpha val="43137"/>
+                  </a:srgbClr>
+                </a:outerShdw>
+              </a:effectLst>
+            </a:endParaRPr>
+          </a:p>
+          <a:p>
+            <a:pPr marL="0" indent="0">
+              <a:buNone/>
+            </a:pPr>
+            <a:r>
+              <a:rPr lang="en-US" altLang="ko-KR" sz="1400" b="1" dirty="0">
+                <a:effectLst>
+                  <a:outerShdw blurRad="38100" dist="38100" dir="2700000" algn="tl">
+                    <a:srgbClr val="000000">
+                      <a:alpha val="43137"/>
+                    </a:srgbClr>
+                  </a:outerShdw>
+                </a:effectLst>
+              </a:rPr>
+              <a:t>[8]</a:t>
+            </a:r>
+            <a:r>
+              <a:rPr lang="ko-KR" altLang="en-US" sz="1400" b="1" dirty="0">
+                <a:effectLst>
+                  <a:outerShdw blurRad="38100" dist="38100" dir="2700000" algn="tl">
+                    <a:srgbClr val="000000">
+                      <a:alpha val="43137"/>
+                    </a:srgbClr>
+                  </a:outerShdw>
+                </a:effectLst>
+              </a:rPr>
+              <a:t> 김상조</a:t>
+            </a:r>
+            <a:r>
+              <a:rPr lang="en-US" altLang="ko-KR" sz="1400" b="1" dirty="0">
+                <a:effectLst>
+                  <a:outerShdw blurRad="38100" dist="38100" dir="2700000" algn="tl">
+                    <a:srgbClr val="000000">
+                      <a:alpha val="43137"/>
+                    </a:srgbClr>
+                  </a:outerShdw>
+                </a:effectLst>
+              </a:rPr>
+              <a:t>, </a:t>
+            </a:r>
+            <a:r>
+              <a:rPr lang="ko-KR" altLang="en-US" sz="1400" b="1" dirty="0">
+                <a:effectLst>
+                  <a:outerShdw blurRad="38100" dist="38100" dir="2700000" algn="tl">
+                    <a:srgbClr val="000000">
+                      <a:alpha val="43137"/>
+                    </a:srgbClr>
+                  </a:outerShdw>
+                </a:effectLst>
+              </a:rPr>
+              <a:t>김미경</a:t>
+            </a:r>
+            <a:r>
+              <a:rPr lang="en-US" altLang="ko-KR" sz="1400" b="1" dirty="0">
+                <a:effectLst>
+                  <a:outerShdw blurRad="38100" dist="38100" dir="2700000" algn="tl">
+                    <a:srgbClr val="000000">
+                      <a:alpha val="43137"/>
+                    </a:srgbClr>
+                  </a:outerShdw>
+                </a:effectLst>
+              </a:rPr>
+              <a:t>, </a:t>
+            </a:r>
+            <a:r>
+              <a:rPr lang="ko-KR" altLang="en-US" sz="1400" b="1" dirty="0" err="1">
+                <a:effectLst>
+                  <a:outerShdw blurRad="38100" dist="38100" dir="2700000" algn="tl">
+                    <a:srgbClr val="000000">
+                      <a:alpha val="43137"/>
+                    </a:srgbClr>
+                  </a:outerShdw>
+                </a:effectLst>
+              </a:rPr>
+              <a:t>배정수</a:t>
+            </a:r>
+            <a:r>
+              <a:rPr lang="en-US" altLang="ko-KR" sz="1400" b="1" dirty="0">
+                <a:effectLst>
+                  <a:outerShdw blurRad="38100" dist="38100" dir="2700000" algn="tl">
+                    <a:srgbClr val="000000">
+                      <a:alpha val="43137"/>
+                    </a:srgbClr>
+                  </a:outerShdw>
+                </a:effectLst>
+              </a:rPr>
+              <a:t>, </a:t>
+            </a:r>
+            <a:r>
+              <a:rPr lang="ko-KR" altLang="en-US" sz="1400" b="1" dirty="0" err="1">
+                <a:effectLst>
+                  <a:outerShdw blurRad="38100" dist="38100" dir="2700000" algn="tl">
+                    <a:srgbClr val="000000">
+                      <a:alpha val="43137"/>
+                    </a:srgbClr>
+                  </a:outerShdw>
+                </a:effectLst>
+              </a:rPr>
+              <a:t>차의영</a:t>
+            </a:r>
+            <a:r>
+              <a:rPr lang="en-US" altLang="ko-KR" sz="1400" b="1" dirty="0">
+                <a:effectLst>
+                  <a:outerShdw blurRad="38100" dist="38100" dir="2700000" algn="tl">
+                    <a:srgbClr val="000000">
+                      <a:alpha val="43137"/>
+                    </a:srgbClr>
+                  </a:outerShdw>
+                </a:effectLst>
+              </a:rPr>
+              <a:t>, </a:t>
+            </a:r>
+            <a:r>
+              <a:rPr lang="ko-KR" altLang="en-US" sz="1400" b="1" dirty="0" err="1">
+                <a:effectLst>
+                  <a:outerShdw blurRad="38100" dist="38100" dir="2700000" algn="tl">
+                    <a:srgbClr val="000000">
+                      <a:alpha val="43137"/>
+                    </a:srgbClr>
+                  </a:outerShdw>
+                </a:effectLst>
+              </a:rPr>
+              <a:t>스켈레톤</a:t>
+            </a:r>
+            <a:r>
+              <a:rPr lang="ko-KR" altLang="en-US" sz="1400" b="1" dirty="0">
+                <a:effectLst>
+                  <a:outerShdw blurRad="38100" dist="38100" dir="2700000" algn="tl">
+                    <a:srgbClr val="000000">
+                      <a:alpha val="43137"/>
+                    </a:srgbClr>
+                  </a:outerShdw>
+                </a:effectLst>
+              </a:rPr>
+              <a:t> 정보를 사용한 행동인식 알고리즘</a:t>
+            </a:r>
+            <a:r>
+              <a:rPr lang="en-US" altLang="ko-KR" sz="1400" b="1" dirty="0">
+                <a:effectLst>
+                  <a:outerShdw blurRad="38100" dist="38100" dir="2700000" algn="tl">
+                    <a:srgbClr val="000000">
+                      <a:alpha val="43137"/>
+                    </a:srgbClr>
+                  </a:outerShdw>
+                </a:effectLst>
+              </a:rPr>
+              <a:t>, </a:t>
+            </a:r>
+            <a:r>
+              <a:rPr lang="ko-KR" altLang="en-US" sz="1400" b="1" dirty="0">
+                <a:effectLst>
+                  <a:outerShdw blurRad="38100" dist="38100" dir="2700000" algn="tl">
+                    <a:srgbClr val="000000">
+                      <a:alpha val="43137"/>
+                    </a:srgbClr>
+                  </a:outerShdw>
+                </a:effectLst>
+              </a:rPr>
+              <a:t>부산대학교 전기전자컴퓨터공학과</a:t>
+            </a:r>
+            <a:r>
+              <a:rPr lang="en-US" altLang="ko-KR" sz="1400" b="1" dirty="0">
+                <a:effectLst>
+                  <a:outerShdw blurRad="38100" dist="38100" dir="2700000" algn="tl">
+                    <a:srgbClr val="000000">
+                      <a:alpha val="43137"/>
+                    </a:srgbClr>
+                  </a:outerShdw>
+                </a:effectLst>
+              </a:rPr>
+              <a:t>, 2018. 2</a:t>
+            </a:r>
+          </a:p>
+          <a:p>
+            <a:pPr marL="0" indent="0">
+              <a:buNone/>
+            </a:pPr>
+            <a:endParaRPr lang="en-US" altLang="ko-KR" sz="1400" b="1" dirty="0">
+              <a:effectLst>
+                <a:outerShdw blurRad="38100" dist="38100" dir="2700000" algn="tl">
+                  <a:srgbClr val="000000">
+                    <a:alpha val="43137"/>
+                  </a:srgbClr>
+                </a:outerShdw>
+              </a:effectLst>
+            </a:endParaRPr>
+          </a:p>
+          <a:p>
+            <a:pPr marL="0" indent="0">
+              <a:buNone/>
+            </a:pPr>
+            <a:r>
+              <a:rPr lang="en-US" altLang="ko-KR" sz="1400" b="1" dirty="0">
+                <a:effectLst>
+                  <a:outerShdw blurRad="38100" dist="38100" dir="2700000" algn="tl">
+                    <a:srgbClr val="000000">
+                      <a:alpha val="43137"/>
+                    </a:srgbClr>
+                  </a:outerShdw>
+                </a:effectLst>
+              </a:rPr>
+              <a:t>[9]</a:t>
+            </a:r>
+            <a:r>
+              <a:rPr lang="ko-KR" altLang="en-US" sz="1400" b="1" dirty="0">
+                <a:effectLst>
+                  <a:outerShdw blurRad="38100" dist="38100" dir="2700000" algn="tl">
+                    <a:srgbClr val="000000">
+                      <a:alpha val="43137"/>
+                    </a:srgbClr>
+                  </a:outerShdw>
+                </a:effectLst>
+              </a:rPr>
+              <a:t> </a:t>
+            </a:r>
+            <a:r>
+              <a:rPr lang="ko-KR" altLang="en-US" sz="1400" b="1" dirty="0" err="1">
+                <a:effectLst>
+                  <a:outerShdw blurRad="38100" dist="38100" dir="2700000" algn="tl">
+                    <a:srgbClr val="000000">
+                      <a:alpha val="43137"/>
+                    </a:srgbClr>
+                  </a:outerShdw>
+                </a:effectLst>
+              </a:rPr>
+              <a:t>상의정</a:t>
+            </a:r>
+            <a:r>
+              <a:rPr lang="en-US" altLang="ko-KR" sz="1400" b="1" dirty="0">
+                <a:effectLst>
+                  <a:outerShdw blurRad="38100" dist="38100" dir="2700000" algn="tl">
+                    <a:srgbClr val="000000">
+                      <a:alpha val="43137"/>
+                    </a:srgbClr>
+                  </a:outerShdw>
+                </a:effectLst>
+              </a:rPr>
+              <a:t>, </a:t>
+            </a:r>
+            <a:r>
+              <a:rPr lang="ko-KR" altLang="en-US" sz="1400" b="1" dirty="0">
+                <a:effectLst>
+                  <a:outerShdw blurRad="38100" dist="38100" dir="2700000" algn="tl">
+                    <a:srgbClr val="000000">
+                      <a:alpha val="43137"/>
+                    </a:srgbClr>
+                  </a:outerShdw>
+                </a:effectLst>
+              </a:rPr>
+              <a:t>박기성</a:t>
+            </a:r>
+            <a:r>
+              <a:rPr lang="en-US" altLang="ko-KR" sz="1400" b="1" dirty="0">
+                <a:effectLst>
+                  <a:outerShdw blurRad="38100" dist="38100" dir="2700000" algn="tl">
+                    <a:srgbClr val="000000">
+                      <a:alpha val="43137"/>
+                    </a:srgbClr>
+                  </a:outerShdw>
+                </a:effectLst>
+              </a:rPr>
+              <a:t>, </a:t>
+            </a:r>
+            <a:r>
+              <a:rPr lang="ko-KR" altLang="en-US" sz="1400" b="1" dirty="0">
+                <a:effectLst>
+                  <a:outerShdw blurRad="38100" dist="38100" dir="2700000" algn="tl">
+                    <a:srgbClr val="000000">
+                      <a:alpha val="43137"/>
+                    </a:srgbClr>
+                  </a:outerShdw>
+                </a:effectLst>
+              </a:rPr>
+              <a:t>이영구</a:t>
+            </a:r>
+            <a:r>
+              <a:rPr lang="en-US" altLang="ko-KR" sz="1400" b="1" dirty="0">
+                <a:effectLst>
+                  <a:outerShdw blurRad="38100" dist="38100" dir="2700000" algn="tl">
+                    <a:srgbClr val="000000">
+                      <a:alpha val="43137"/>
+                    </a:srgbClr>
+                  </a:outerShdw>
+                </a:effectLst>
+              </a:rPr>
+              <a:t>, </a:t>
+            </a:r>
+            <a:r>
+              <a:rPr lang="ko-KR" altLang="en-US" sz="1400" b="1" dirty="0" err="1">
+                <a:effectLst>
+                  <a:outerShdw blurRad="38100" dist="38100" dir="2700000" algn="tl">
+                    <a:srgbClr val="000000">
+                      <a:alpha val="43137"/>
+                    </a:srgbClr>
+                  </a:outerShdw>
+                </a:effectLst>
+              </a:rPr>
+              <a:t>스켈레톤</a:t>
+            </a:r>
+            <a:r>
+              <a:rPr lang="ko-KR" altLang="en-US" sz="1400" b="1" dirty="0">
+                <a:effectLst>
+                  <a:outerShdw blurRad="38100" dist="38100" dir="2700000" algn="tl">
+                    <a:srgbClr val="000000">
+                      <a:alpha val="43137"/>
+                    </a:srgbClr>
+                  </a:outerShdw>
+                </a:effectLst>
+              </a:rPr>
+              <a:t> 데이터의 상관관계를 활용한 </a:t>
+            </a:r>
+            <a:r>
+              <a:rPr lang="en-US" altLang="ko-KR" sz="1400" b="1" dirty="0">
+                <a:effectLst>
+                  <a:outerShdw blurRad="38100" dist="38100" dir="2700000" algn="tl">
+                    <a:srgbClr val="000000">
+                      <a:alpha val="43137"/>
+                    </a:srgbClr>
+                  </a:outerShdw>
+                </a:effectLst>
+              </a:rPr>
+              <a:t>RNN</a:t>
+            </a:r>
+            <a:r>
+              <a:rPr lang="ko-KR" altLang="en-US" sz="1400" b="1" dirty="0">
+                <a:effectLst>
+                  <a:outerShdw blurRad="38100" dist="38100" dir="2700000" algn="tl">
+                    <a:srgbClr val="000000">
+                      <a:alpha val="43137"/>
+                    </a:srgbClr>
+                  </a:outerShdw>
+                </a:effectLst>
+              </a:rPr>
+              <a:t>기반 행위 인식 기법</a:t>
+            </a:r>
+            <a:r>
+              <a:rPr lang="en-US" altLang="ko-KR" sz="1400" b="1" dirty="0">
+                <a:effectLst>
+                  <a:outerShdw blurRad="38100" dist="38100" dir="2700000" algn="tl">
+                    <a:srgbClr val="000000">
+                      <a:alpha val="43137"/>
+                    </a:srgbClr>
+                  </a:outerShdw>
+                </a:effectLst>
+              </a:rPr>
+              <a:t>, 2017 </a:t>
+            </a:r>
+            <a:r>
+              <a:rPr lang="ko-KR" altLang="en-US" sz="1400" b="1" dirty="0">
+                <a:effectLst>
+                  <a:outerShdw blurRad="38100" dist="38100" dir="2700000" algn="tl">
+                    <a:srgbClr val="000000">
+                      <a:alpha val="43137"/>
+                    </a:srgbClr>
+                  </a:outerShdw>
+                </a:effectLst>
+              </a:rPr>
+              <a:t>한국컴퓨터종합학술대회 논문집</a:t>
+            </a:r>
+            <a:r>
+              <a:rPr lang="en-US" altLang="ko-KR" sz="1400" b="1" dirty="0">
+                <a:effectLst>
+                  <a:outerShdw blurRad="38100" dist="38100" dir="2700000" algn="tl">
+                    <a:srgbClr val="000000">
+                      <a:alpha val="43137"/>
+                    </a:srgbClr>
+                  </a:outerShdw>
+                </a:effectLst>
+              </a:rPr>
+              <a:t>, </a:t>
+            </a:r>
+            <a:r>
+              <a:rPr lang="ko-KR" altLang="en-US" sz="1400" b="1" dirty="0">
+                <a:effectLst>
+                  <a:outerShdw blurRad="38100" dist="38100" dir="2700000" algn="tl">
+                    <a:srgbClr val="000000">
+                      <a:alpha val="43137"/>
+                    </a:srgbClr>
+                  </a:outerShdw>
+                </a:effectLst>
+              </a:rPr>
+              <a:t>경희대학교 컴퓨터공학과</a:t>
+            </a:r>
+            <a:r>
+              <a:rPr lang="en-US" altLang="ko-KR" sz="1400" b="1" dirty="0">
+                <a:effectLst>
+                  <a:outerShdw blurRad="38100" dist="38100" dir="2700000" algn="tl">
+                    <a:srgbClr val="000000">
+                      <a:alpha val="43137"/>
+                    </a:srgbClr>
+                  </a:outerShdw>
+                </a:effectLst>
+              </a:rPr>
+              <a:t>, 2017. 06</a:t>
             </a:r>
           </a:p>
         </p:txBody>
@@ -9499,7 +11381,7 @@
 </p:sld>
 </file>
 
-<file path=ppt/slides/slide13.xml><?xml version="1.0" encoding="utf-8"?>
+<file path=ppt/slides/slide14.xml><?xml version="1.0" encoding="utf-8"?>
 <p:sld xmlns:a="http://schemas.openxmlformats.org/drawingml/2006/main" xmlns:r="http://schemas.openxmlformats.org/officeDocument/2006/relationships" xmlns:p="http://schemas.openxmlformats.org/presentationml/2006/main">
   <p:cSld>
     <p:bg>
@@ -15643,7 +17525,7 @@
         </p:nvSpPr>
         <p:spPr>
           <a:xfrm rot="10800000">
-            <a:off x="6293529" y="3588218"/>
+            <a:off x="6228283" y="3578021"/>
             <a:ext cx="917014" cy="366610"/>
           </a:xfrm>
           <a:prstGeom prst="leftArrow">

--- a/Doc/주제 선정 및 시장 조사_19.03.19/졸업논문 주제_임광효_김준영_2.pptx
+++ b/Doc/주제 선정 및 시장 조사_19.03.19/졸업논문 주제_임광효_김준영_2.pptx
@@ -27,13 +27,21 @@
   <p:notesSz cx="6858000" cy="9144000"/>
   <p:embeddedFontLst>
     <p:embeddedFont>
-      <p:font typeface="HY헤드라인M" panose="02030600000101010101" pitchFamily="18" charset="-127"/>
+      <p:font typeface="Rix비타민 L" panose="02020603020101020101" pitchFamily="18" charset="-127"/>
       <p:regular r:id="rId17"/>
     </p:embeddedFont>
     <p:embeddedFont>
+      <p:font typeface="Rix비타민 M" panose="02020603020101020101" pitchFamily="18" charset="-127"/>
+      <p:regular r:id="rId18"/>
+    </p:embeddedFont>
+    <p:embeddedFont>
+      <p:font typeface="HY헤드라인M" panose="02030600000101010101" pitchFamily="18" charset="-127"/>
+      <p:regular r:id="rId19"/>
+    </p:embeddedFont>
+    <p:embeddedFont>
       <p:font typeface="맑은 고딕" panose="020B0503020000020004" pitchFamily="50" charset="-127"/>
-      <p:regular r:id="rId18"/>
-      <p:bold r:id="rId19"/>
+      <p:regular r:id="rId20"/>
+      <p:bold r:id="rId21"/>
     </p:embeddedFont>
   </p:embeddedFontLst>
   <p:defaultTextStyle>
@@ -1565,7 +1573,7 @@
                 <a:ea typeface="+mn-ea"/>
                 <a:cs typeface="+mn-cs"/>
               </a:rPr>
-              <a:t>주제입니다</a:t>
+              <a:t>앞서 보시는 글들은 기사 헤드라인으로서</a:t>
             </a:r>
             <a:r>
               <a:rPr lang="en-US" altLang="ko-KR" sz="1200" kern="1200" dirty="0">
@@ -1577,10 +1585,10 @@
                 <a:ea typeface="+mn-ea"/>
                 <a:cs typeface="+mn-cs"/>
               </a:rPr>
-              <a:t>. </a:t>
-            </a:r>
-            <a:r>
-              <a:rPr lang="ko-KR" altLang="en-US" sz="1200" kern="1200" dirty="0">
+              <a:t>, </a:t>
+            </a:r>
+            <a:r>
+              <a:rPr lang="ko-KR" altLang="en-US" sz="1200" kern="1200" dirty="0" err="1">
                 <a:solidFill>
                   <a:schemeClr val="tx1"/>
                 </a:solidFill>
@@ -1589,10 +1597,10 @@
                 <a:ea typeface="+mn-ea"/>
                 <a:cs typeface="+mn-cs"/>
               </a:rPr>
-              <a:t>주제를 선정하기에 앞서 먼저 </a:t>
-            </a:r>
-            <a:r>
-              <a:rPr lang="en-US" altLang="ko-KR" sz="1200" kern="1200" dirty="0">
+              <a:t>본팀이</a:t>
+            </a:r>
+            <a:r>
+              <a:rPr lang="ko-KR" altLang="en-US" sz="1200" kern="1200" dirty="0">
                 <a:solidFill>
                   <a:schemeClr val="tx1"/>
                 </a:solidFill>
@@ -1601,10 +1609,10 @@
                 <a:ea typeface="+mn-ea"/>
                 <a:cs typeface="+mn-cs"/>
               </a:rPr>
-              <a:t>2019</a:t>
-            </a:r>
-            <a:r>
-              <a:rPr lang="ko-KR" altLang="en-US" sz="1200" kern="1200" dirty="0">
+              <a:t> 논문 주제 선정에 있어 검색한 것입니다</a:t>
+            </a:r>
+            <a:r>
+              <a:rPr lang="en-US" altLang="ko-KR" sz="1200" kern="1200" dirty="0">
                 <a:solidFill>
                   <a:schemeClr val="tx1"/>
                 </a:solidFill>
@@ -1613,10 +1621,10 @@
                 <a:ea typeface="+mn-ea"/>
                 <a:cs typeface="+mn-cs"/>
               </a:rPr>
-              <a:t>년에 핵심이라고 생각되는 기술들을 조사하던 중</a:t>
-            </a:r>
-            <a:r>
-              <a:rPr lang="en-US" altLang="ko-KR" sz="1200" kern="1200" dirty="0">
+              <a:t>. </a:t>
+            </a:r>
+            <a:r>
+              <a:rPr lang="ko-KR" altLang="en-US" sz="1200" kern="1200" dirty="0">
                 <a:solidFill>
                   <a:schemeClr val="tx1"/>
                 </a:solidFill>
@@ -1625,8 +1633,11 @@
                 <a:ea typeface="+mn-ea"/>
                 <a:cs typeface="+mn-cs"/>
               </a:rPr>
-              <a:t>, </a:t>
-            </a:r>
+              <a:t>본 팀은 위의</a:t>
+            </a:r>
+          </a:p>
+          <a:p>
+            <a:pPr fontAlgn="base" latinLnBrk="0"/>
             <a:r>
               <a:rPr lang="ko-KR" altLang="en-US" sz="1200" kern="1200" dirty="0">
                 <a:solidFill>
@@ -1637,10 +1648,10 @@
                 <a:ea typeface="+mn-ea"/>
                 <a:cs typeface="+mn-cs"/>
               </a:rPr>
-              <a:t>포브스에 </a:t>
-            </a:r>
-            <a:r>
-              <a:rPr lang="ko-KR" altLang="en-US" sz="1200" kern="1200" dirty="0" err="1">
+              <a:t>기사 헤드라인에서 </a:t>
+            </a:r>
+            <a:r>
+              <a:rPr lang="en-US" altLang="ko-KR" sz="1200" kern="1200" dirty="0">
                 <a:solidFill>
                   <a:schemeClr val="tx1"/>
                 </a:solidFill>
@@ -1649,7 +1660,7 @@
                 <a:ea typeface="+mn-ea"/>
                 <a:cs typeface="+mn-cs"/>
               </a:rPr>
-              <a:t>기고된</a:t>
+              <a:t>AI </a:t>
             </a:r>
             <a:r>
               <a:rPr lang="ko-KR" altLang="en-US" sz="1200" kern="1200" dirty="0">
@@ -1661,10 +1672,10 @@
                 <a:ea typeface="+mn-ea"/>
                 <a:cs typeface="+mn-cs"/>
               </a:rPr>
-              <a:t> 기사를 보고 </a:t>
-            </a:r>
-            <a:r>
-              <a:rPr lang="ko-KR" altLang="en-US" sz="1200" kern="1200" dirty="0" err="1">
+              <a:t>보안</a:t>
+            </a:r>
+            <a:r>
+              <a:rPr lang="en-US" altLang="ko-KR" sz="1200" kern="1200" dirty="0">
                 <a:solidFill>
                   <a:schemeClr val="tx1"/>
                 </a:solidFill>
@@ -1673,7 +1684,7 @@
                 <a:ea typeface="+mn-ea"/>
                 <a:cs typeface="+mn-cs"/>
               </a:rPr>
-              <a:t>머신러닝을</a:t>
+              <a:t>, </a:t>
             </a:r>
             <a:r>
               <a:rPr lang="ko-KR" altLang="en-US" sz="1200" kern="1200" dirty="0">
@@ -1685,7 +1696,7 @@
                 <a:ea typeface="+mn-ea"/>
                 <a:cs typeface="+mn-cs"/>
               </a:rPr>
-              <a:t> 통해 데이터를 분석하는 기술에 초점을 맞추었습니다</a:t>
+              <a:t>보안 시장의 규모 크기</a:t>
             </a:r>
             <a:r>
               <a:rPr lang="en-US" altLang="ko-KR" sz="1200" kern="1200" dirty="0">
@@ -1697,7 +1708,7 @@
                 <a:ea typeface="+mn-ea"/>
                 <a:cs typeface="+mn-cs"/>
               </a:rPr>
-              <a:t>. </a:t>
+              <a:t>, </a:t>
             </a:r>
             <a:r>
               <a:rPr lang="ko-KR" altLang="en-US" sz="1200" kern="1200" dirty="0">
@@ -1709,7 +1720,7 @@
                 <a:ea typeface="+mn-ea"/>
                 <a:cs typeface="+mn-cs"/>
               </a:rPr>
-              <a:t>그 다음 머신 러닝을 활용하면서 성장하고 있는 분야를 조사한 결과</a:t>
+              <a:t>그리고 지능형 </a:t>
             </a:r>
             <a:r>
               <a:rPr lang="en-US" altLang="ko-KR" sz="1200" kern="1200" dirty="0">
@@ -1721,7 +1732,7 @@
                 <a:ea typeface="+mn-ea"/>
                 <a:cs typeface="+mn-cs"/>
               </a:rPr>
-              <a:t>, </a:t>
+              <a:t>CCTV</a:t>
             </a:r>
             <a:r>
               <a:rPr lang="ko-KR" altLang="en-US" sz="1200" kern="1200" dirty="0">
@@ -1733,7 +1744,7 @@
                 <a:ea typeface="+mn-ea"/>
                 <a:cs typeface="+mn-cs"/>
               </a:rPr>
-              <a:t>영상을 통해 보안을 책임지는 보안 시장에 관심을 두게 되었습니다</a:t>
+              <a:t>에 관심을 가지고 조사하였습니다</a:t>
             </a:r>
             <a:r>
               <a:rPr lang="en-US" altLang="ko-KR" sz="1200" kern="1200" dirty="0">
@@ -1745,8 +1756,11 @@
                 <a:ea typeface="+mn-ea"/>
                 <a:cs typeface="+mn-cs"/>
               </a:rPr>
-              <a:t>. &lt;</a:t>
-            </a:r>
+              <a:t>.</a:t>
+            </a:r>
+          </a:p>
+          <a:p>
+            <a:pPr fontAlgn="base" latinLnBrk="0"/>
             <a:r>
               <a:rPr lang="ko-KR" altLang="en-US" sz="1200" kern="1200" dirty="0">
                 <a:solidFill>
@@ -1757,391 +1771,7 @@
                 <a:ea typeface="+mn-ea"/>
                 <a:cs typeface="+mn-cs"/>
               </a:rPr>
-              <a:t>보안뉴스</a:t>
-            </a:r>
-            <a:r>
-              <a:rPr lang="en-US" altLang="ko-KR" sz="1200" kern="1200" dirty="0">
-                <a:solidFill>
-                  <a:schemeClr val="tx1"/>
-                </a:solidFill>
-                <a:effectLst/>
-                <a:latin typeface="+mn-lt"/>
-                <a:ea typeface="+mn-ea"/>
-                <a:cs typeface="+mn-cs"/>
-              </a:rPr>
-              <a:t>&gt;</a:t>
-            </a:r>
-            <a:r>
-              <a:rPr lang="ko-KR" altLang="en-US" sz="1200" kern="1200" dirty="0">
-                <a:solidFill>
-                  <a:schemeClr val="tx1"/>
-                </a:solidFill>
-                <a:effectLst/>
-                <a:latin typeface="+mn-lt"/>
-                <a:ea typeface="+mn-ea"/>
-                <a:cs typeface="+mn-cs"/>
-              </a:rPr>
-              <a:t>와 </a:t>
-            </a:r>
-            <a:r>
-              <a:rPr lang="en-US" altLang="ko-KR" sz="1200" kern="1200" dirty="0">
-                <a:solidFill>
-                  <a:schemeClr val="tx1"/>
-                </a:solidFill>
-                <a:effectLst/>
-                <a:latin typeface="+mn-lt"/>
-                <a:ea typeface="+mn-ea"/>
-                <a:cs typeface="+mn-cs"/>
-              </a:rPr>
-              <a:t>&lt;</a:t>
-            </a:r>
-            <a:r>
-              <a:rPr lang="ko-KR" altLang="en-US" sz="1200" kern="1200" dirty="0" err="1">
-                <a:solidFill>
-                  <a:schemeClr val="tx1"/>
-                </a:solidFill>
-                <a:effectLst/>
-                <a:latin typeface="+mn-lt"/>
-                <a:ea typeface="+mn-ea"/>
-                <a:cs typeface="+mn-cs"/>
-              </a:rPr>
-              <a:t>시큐리티월드</a:t>
-            </a:r>
-            <a:r>
-              <a:rPr lang="en-US" altLang="ko-KR" sz="1200" kern="1200" dirty="0">
-                <a:solidFill>
-                  <a:schemeClr val="tx1"/>
-                </a:solidFill>
-                <a:effectLst/>
-                <a:latin typeface="+mn-lt"/>
-                <a:ea typeface="+mn-ea"/>
-                <a:cs typeface="+mn-cs"/>
-              </a:rPr>
-              <a:t>&gt;</a:t>
-            </a:r>
-            <a:r>
-              <a:rPr lang="ko-KR" altLang="en-US" sz="1200" kern="1200" dirty="0">
-                <a:solidFill>
-                  <a:schemeClr val="tx1"/>
-                </a:solidFill>
-                <a:effectLst/>
-                <a:latin typeface="+mn-lt"/>
-                <a:ea typeface="+mn-ea"/>
-                <a:cs typeface="+mn-cs"/>
-              </a:rPr>
-              <a:t>에서 조사한 </a:t>
-            </a:r>
-            <a:r>
-              <a:rPr lang="en-US" altLang="ko-KR" sz="1200" kern="1200" dirty="0">
-                <a:solidFill>
-                  <a:schemeClr val="tx1"/>
-                </a:solidFill>
-                <a:effectLst/>
-                <a:latin typeface="+mn-lt"/>
-                <a:ea typeface="+mn-ea"/>
-                <a:cs typeface="+mn-cs"/>
-              </a:rPr>
-              <a:t>&lt;2019 </a:t>
-            </a:r>
-            <a:r>
-              <a:rPr lang="ko-KR" altLang="en-US" sz="1200" kern="1200" dirty="0">
-                <a:solidFill>
-                  <a:schemeClr val="tx1"/>
-                </a:solidFill>
-                <a:effectLst/>
-                <a:latin typeface="+mn-lt"/>
-                <a:ea typeface="+mn-ea"/>
-                <a:cs typeface="+mn-cs"/>
-              </a:rPr>
-              <a:t>국내외 보안시장 전망보고서</a:t>
-            </a:r>
-            <a:r>
-              <a:rPr lang="en-US" altLang="ko-KR" sz="1200" kern="1200" dirty="0">
-                <a:solidFill>
-                  <a:schemeClr val="tx1"/>
-                </a:solidFill>
-                <a:effectLst/>
-                <a:latin typeface="+mn-lt"/>
-                <a:ea typeface="+mn-ea"/>
-                <a:cs typeface="+mn-cs"/>
-              </a:rPr>
-              <a:t>&gt;</a:t>
-            </a:r>
-            <a:r>
-              <a:rPr lang="ko-KR" altLang="en-US" sz="1200" kern="1200" dirty="0">
-                <a:solidFill>
-                  <a:schemeClr val="tx1"/>
-                </a:solidFill>
-                <a:effectLst/>
-                <a:latin typeface="+mn-lt"/>
-                <a:ea typeface="+mn-ea"/>
-                <a:cs typeface="+mn-cs"/>
-              </a:rPr>
-              <a:t>에 따르면 국내 보안 시장은 </a:t>
-            </a:r>
-            <a:r>
-              <a:rPr lang="en-US" altLang="ko-KR" sz="1200" kern="1200" dirty="0">
-                <a:solidFill>
-                  <a:schemeClr val="tx1"/>
-                </a:solidFill>
-                <a:effectLst/>
-                <a:latin typeface="+mn-lt"/>
-                <a:ea typeface="+mn-ea"/>
-                <a:cs typeface="+mn-cs"/>
-              </a:rPr>
-              <a:t>5</a:t>
-            </a:r>
-            <a:r>
-              <a:rPr lang="ko-KR" altLang="en-US" sz="1200" kern="1200" dirty="0">
-                <a:solidFill>
-                  <a:schemeClr val="tx1"/>
-                </a:solidFill>
-                <a:effectLst/>
-                <a:latin typeface="+mn-lt"/>
-                <a:ea typeface="+mn-ea"/>
-                <a:cs typeface="+mn-cs"/>
-              </a:rPr>
-              <a:t>조 </a:t>
-            </a:r>
-            <a:r>
-              <a:rPr lang="en-US" altLang="ko-KR" sz="1200" kern="1200" dirty="0">
-                <a:solidFill>
-                  <a:schemeClr val="tx1"/>
-                </a:solidFill>
-                <a:effectLst/>
-                <a:latin typeface="+mn-lt"/>
-                <a:ea typeface="+mn-ea"/>
-                <a:cs typeface="+mn-cs"/>
-              </a:rPr>
-              <a:t>7,517</a:t>
-            </a:r>
-            <a:r>
-              <a:rPr lang="ko-KR" altLang="en-US" sz="1200" kern="1200" dirty="0">
-                <a:solidFill>
-                  <a:schemeClr val="tx1"/>
-                </a:solidFill>
-                <a:effectLst/>
-                <a:latin typeface="+mn-lt"/>
-                <a:ea typeface="+mn-ea"/>
-                <a:cs typeface="+mn-cs"/>
-              </a:rPr>
-              <a:t>억 규모로 타 </a:t>
-            </a:r>
-            <a:r>
-              <a:rPr lang="ko-KR" altLang="en-US" sz="1200" kern="1200" dirty="0" err="1">
-                <a:solidFill>
-                  <a:schemeClr val="tx1"/>
-                </a:solidFill>
-                <a:effectLst/>
-                <a:latin typeface="+mn-lt"/>
-                <a:ea typeface="+mn-ea"/>
-                <a:cs typeface="+mn-cs"/>
-              </a:rPr>
-              <a:t>산업군</a:t>
-            </a:r>
-            <a:r>
-              <a:rPr lang="ko-KR" altLang="en-US" sz="1200" kern="1200" dirty="0">
-                <a:solidFill>
-                  <a:schemeClr val="tx1"/>
-                </a:solidFill>
-                <a:effectLst/>
-                <a:latin typeface="+mn-lt"/>
-                <a:ea typeface="+mn-ea"/>
-                <a:cs typeface="+mn-cs"/>
-              </a:rPr>
-              <a:t> 대비 고성장세를 </a:t>
-            </a:r>
-            <a:r>
-              <a:rPr lang="ko-KR" altLang="en-US" sz="1200" kern="1200" dirty="0" err="1">
-                <a:solidFill>
-                  <a:schemeClr val="tx1"/>
-                </a:solidFill>
-                <a:effectLst/>
-                <a:latin typeface="+mn-lt"/>
-                <a:ea typeface="+mn-ea"/>
-                <a:cs typeface="+mn-cs"/>
-              </a:rPr>
-              <a:t>유지할것이라</a:t>
-            </a:r>
-            <a:r>
-              <a:rPr lang="ko-KR" altLang="en-US" sz="1200" kern="1200" dirty="0">
-                <a:solidFill>
-                  <a:schemeClr val="tx1"/>
-                </a:solidFill>
-                <a:effectLst/>
-                <a:latin typeface="+mn-lt"/>
-                <a:ea typeface="+mn-ea"/>
-                <a:cs typeface="+mn-cs"/>
-              </a:rPr>
-              <a:t> 예측했으며</a:t>
-            </a:r>
-            <a:r>
-              <a:rPr lang="en-US" altLang="ko-KR" sz="1200" kern="1200" dirty="0">
-                <a:solidFill>
-                  <a:schemeClr val="tx1"/>
-                </a:solidFill>
-                <a:effectLst/>
-                <a:latin typeface="+mn-lt"/>
-                <a:ea typeface="+mn-ea"/>
-                <a:cs typeface="+mn-cs"/>
-              </a:rPr>
-              <a:t>, </a:t>
-            </a:r>
-            <a:r>
-              <a:rPr lang="ko-KR" altLang="en-US" sz="1200" kern="1200" dirty="0">
-                <a:solidFill>
-                  <a:schemeClr val="tx1"/>
-                </a:solidFill>
-                <a:effectLst/>
-                <a:latin typeface="+mn-lt"/>
-                <a:ea typeface="+mn-ea"/>
-                <a:cs typeface="+mn-cs"/>
-              </a:rPr>
-              <a:t>한국인터넷진흥원은 최근 이달 </a:t>
-            </a:r>
-            <a:r>
-              <a:rPr lang="en-US" altLang="ko-KR" sz="1200" kern="1200" dirty="0">
-                <a:solidFill>
-                  <a:schemeClr val="tx1"/>
-                </a:solidFill>
-                <a:effectLst/>
-                <a:latin typeface="+mn-lt"/>
-                <a:ea typeface="+mn-ea"/>
-                <a:cs typeface="+mn-cs"/>
-              </a:rPr>
-              <a:t>14</a:t>
-            </a:r>
-            <a:r>
-              <a:rPr lang="ko-KR" altLang="en-US" sz="1200" kern="1200" dirty="0">
-                <a:solidFill>
-                  <a:schemeClr val="tx1"/>
-                </a:solidFill>
-                <a:effectLst/>
-                <a:latin typeface="+mn-lt"/>
-                <a:ea typeface="+mn-ea"/>
-                <a:cs typeface="+mn-cs"/>
-              </a:rPr>
-              <a:t>일까지 사회</a:t>
-            </a:r>
-            <a:r>
-              <a:rPr lang="en-US" altLang="ko-KR" sz="1200" kern="1200" dirty="0">
-                <a:solidFill>
-                  <a:schemeClr val="tx1"/>
-                </a:solidFill>
-                <a:effectLst/>
-                <a:latin typeface="+mn-lt"/>
-                <a:ea typeface="+mn-ea"/>
-                <a:cs typeface="+mn-cs"/>
-              </a:rPr>
-              <a:t>·</a:t>
-            </a:r>
-            <a:r>
-              <a:rPr lang="ko-KR" altLang="en-US" sz="1200" kern="1200" dirty="0">
-                <a:solidFill>
-                  <a:schemeClr val="tx1"/>
-                </a:solidFill>
-                <a:effectLst/>
-                <a:latin typeface="+mn-lt"/>
-                <a:ea typeface="+mn-ea"/>
-                <a:cs typeface="+mn-cs"/>
-              </a:rPr>
-              <a:t>안전 분야 지능형 </a:t>
-            </a:r>
-            <a:r>
-              <a:rPr lang="en-US" altLang="ko-KR" sz="1200" kern="1200" dirty="0">
-                <a:solidFill>
-                  <a:schemeClr val="tx1"/>
-                </a:solidFill>
-                <a:effectLst/>
-                <a:latin typeface="+mn-lt"/>
-                <a:ea typeface="+mn-ea"/>
-                <a:cs typeface="+mn-cs"/>
-              </a:rPr>
-              <a:t>CCTV </a:t>
-            </a:r>
-            <a:r>
-              <a:rPr lang="ko-KR" altLang="en-US" sz="1200" kern="1200" dirty="0">
-                <a:solidFill>
-                  <a:schemeClr val="tx1"/>
-                </a:solidFill>
-                <a:effectLst/>
-                <a:latin typeface="+mn-lt"/>
-                <a:ea typeface="+mn-ea"/>
-                <a:cs typeface="+mn-cs"/>
-              </a:rPr>
-              <a:t>성공사례 발굴 및 국내 관련 산업 활성화를 위한 </a:t>
-            </a:r>
-            <a:r>
-              <a:rPr lang="en-US" altLang="ko-KR" sz="1200" kern="1200" dirty="0">
-                <a:solidFill>
-                  <a:schemeClr val="tx1"/>
-                </a:solidFill>
-                <a:effectLst/>
-                <a:latin typeface="+mn-lt"/>
-                <a:ea typeface="+mn-ea"/>
-                <a:cs typeface="+mn-cs"/>
-              </a:rPr>
-              <a:t>'</a:t>
-            </a:r>
-            <a:r>
-              <a:rPr lang="ko-KR" altLang="en-US" sz="1200" kern="1200" dirty="0">
-                <a:solidFill>
-                  <a:schemeClr val="tx1"/>
-                </a:solidFill>
-                <a:effectLst/>
-                <a:latin typeface="+mn-lt"/>
-                <a:ea typeface="+mn-ea"/>
-                <a:cs typeface="+mn-cs"/>
-              </a:rPr>
-              <a:t>지능형 </a:t>
-            </a:r>
-            <a:r>
-              <a:rPr lang="en-US" altLang="ko-KR" sz="1200" kern="1200" dirty="0">
-                <a:solidFill>
-                  <a:schemeClr val="tx1"/>
-                </a:solidFill>
-                <a:effectLst/>
-                <a:latin typeface="+mn-lt"/>
-                <a:ea typeface="+mn-ea"/>
-                <a:cs typeface="+mn-cs"/>
-              </a:rPr>
-              <a:t>CCTV </a:t>
-            </a:r>
-            <a:r>
-              <a:rPr lang="ko-KR" altLang="en-US" sz="1200" kern="1200" dirty="0">
-                <a:solidFill>
-                  <a:schemeClr val="tx1"/>
-                </a:solidFill>
-                <a:effectLst/>
-                <a:latin typeface="+mn-lt"/>
-                <a:ea typeface="+mn-ea"/>
-                <a:cs typeface="+mn-cs"/>
-              </a:rPr>
-              <a:t>시범사업</a:t>
-            </a:r>
-            <a:r>
-              <a:rPr lang="en-US" altLang="ko-KR" sz="1200" kern="1200" dirty="0">
-                <a:solidFill>
-                  <a:schemeClr val="tx1"/>
-                </a:solidFill>
-                <a:effectLst/>
-                <a:latin typeface="+mn-lt"/>
-                <a:ea typeface="+mn-ea"/>
-                <a:cs typeface="+mn-cs"/>
-              </a:rPr>
-              <a:t>' </a:t>
-            </a:r>
-            <a:r>
-              <a:rPr lang="ko-KR" altLang="en-US" sz="1200" kern="1200" dirty="0">
-                <a:solidFill>
-                  <a:schemeClr val="tx1"/>
-                </a:solidFill>
-                <a:effectLst/>
-                <a:latin typeface="+mn-lt"/>
-                <a:ea typeface="+mn-ea"/>
-                <a:cs typeface="+mn-cs"/>
-              </a:rPr>
-              <a:t>공모를 추진하였습니다</a:t>
+              <a:t>그 결과 영상 보안에 관련된 주제를 논문 주제로 선정하게 되었습니다</a:t>
             </a:r>
             <a:r>
               <a:rPr lang="en-US" altLang="ko-KR" sz="1200" kern="1200" dirty="0">
@@ -2320,7 +1950,7 @@
                 <a:ea typeface="+mn-ea"/>
                 <a:cs typeface="+mn-cs"/>
               </a:rPr>
-              <a:t>시중에 나와있는 지능형 </a:t>
+              <a:t>본 팀이 결정한 주제를 발표하기 앞서 먼저 영상 보안 관련하여 현 시장에 나와있는 제품을 간단하게 알아보았습니다</a:t>
             </a:r>
             <a:r>
               <a:rPr lang="en-US" altLang="ko-KR" sz="1200" kern="1200" dirty="0">
@@ -2332,8 +1962,11 @@
                 <a:ea typeface="+mn-ea"/>
                 <a:cs typeface="+mn-cs"/>
               </a:rPr>
-              <a:t>CCTV</a:t>
-            </a:r>
+              <a:t>.</a:t>
+            </a:r>
+          </a:p>
+          <a:p>
+            <a:pPr fontAlgn="base" latinLnBrk="0"/>
             <a:r>
               <a:rPr lang="ko-KR" altLang="en-US" sz="1200" kern="1200" dirty="0">
                 <a:solidFill>
@@ -2344,7 +1977,139 @@
                 <a:ea typeface="+mn-ea"/>
                 <a:cs typeface="+mn-cs"/>
               </a:rPr>
-              <a:t>의 제품들입니다</a:t>
+              <a:t>먼저 </a:t>
+            </a:r>
+            <a:r>
+              <a:rPr lang="en-US" altLang="ko-KR" sz="1200" kern="1200" dirty="0">
+                <a:solidFill>
+                  <a:schemeClr val="tx1"/>
+                </a:solidFill>
+                <a:effectLst/>
+                <a:latin typeface="+mn-lt"/>
+                <a:ea typeface="+mn-ea"/>
+                <a:cs typeface="+mn-cs"/>
+              </a:rPr>
+              <a:t>KT</a:t>
+            </a:r>
+            <a:r>
+              <a:rPr lang="ko-KR" altLang="en-US" sz="1200" kern="1200" dirty="0">
+                <a:solidFill>
+                  <a:schemeClr val="tx1"/>
+                </a:solidFill>
+                <a:effectLst/>
+                <a:latin typeface="+mn-lt"/>
+                <a:ea typeface="+mn-ea"/>
+                <a:cs typeface="+mn-cs"/>
+              </a:rPr>
+              <a:t>에서 출시한 </a:t>
+            </a:r>
+            <a:r>
+              <a:rPr lang="ko-KR" altLang="en-US" sz="1200" kern="1200" dirty="0" err="1">
+                <a:solidFill>
+                  <a:schemeClr val="tx1"/>
+                </a:solidFill>
+                <a:effectLst/>
+                <a:latin typeface="+mn-lt"/>
+                <a:ea typeface="+mn-ea"/>
+                <a:cs typeface="+mn-cs"/>
+              </a:rPr>
+              <a:t>기가아이즈</a:t>
+            </a:r>
+            <a:r>
+              <a:rPr lang="en-US" altLang="ko-KR" sz="1200" kern="1200" dirty="0">
+                <a:solidFill>
+                  <a:schemeClr val="tx1"/>
+                </a:solidFill>
+                <a:effectLst/>
+                <a:latin typeface="+mn-lt"/>
+                <a:ea typeface="+mn-ea"/>
+                <a:cs typeface="+mn-cs"/>
+              </a:rPr>
+              <a:t>, </a:t>
+            </a:r>
+            <a:r>
+              <a:rPr lang="ko-KR" altLang="en-US" sz="1200" kern="1200" dirty="0" err="1">
+                <a:solidFill>
+                  <a:schemeClr val="tx1"/>
+                </a:solidFill>
+                <a:effectLst/>
+                <a:latin typeface="+mn-lt"/>
+                <a:ea typeface="+mn-ea"/>
+                <a:cs typeface="+mn-cs"/>
+              </a:rPr>
+              <a:t>에스원의</a:t>
+            </a:r>
+            <a:r>
+              <a:rPr lang="ko-KR" altLang="en-US" sz="1200" kern="1200" dirty="0">
+                <a:solidFill>
+                  <a:schemeClr val="tx1"/>
+                </a:solidFill>
+                <a:effectLst/>
+                <a:latin typeface="+mn-lt"/>
+                <a:ea typeface="+mn-ea"/>
+                <a:cs typeface="+mn-cs"/>
+              </a:rPr>
+              <a:t> 지능형 영상 보안 서비스</a:t>
+            </a:r>
+            <a:r>
+              <a:rPr lang="en-US" altLang="ko-KR" sz="1200" kern="1200" dirty="0">
+                <a:solidFill>
+                  <a:schemeClr val="tx1"/>
+                </a:solidFill>
+                <a:effectLst/>
+                <a:latin typeface="+mn-lt"/>
+                <a:ea typeface="+mn-ea"/>
+                <a:cs typeface="+mn-cs"/>
+              </a:rPr>
+              <a:t>, </a:t>
+            </a:r>
+            <a:r>
+              <a:rPr lang="ko-KR" altLang="en-US" sz="1200" kern="1200" dirty="0" err="1">
+                <a:solidFill>
+                  <a:schemeClr val="tx1"/>
+                </a:solidFill>
+                <a:effectLst/>
+                <a:latin typeface="+mn-lt"/>
+                <a:ea typeface="+mn-ea"/>
+                <a:cs typeface="+mn-cs"/>
+              </a:rPr>
+              <a:t>일리시스사의</a:t>
+            </a:r>
+            <a:r>
+              <a:rPr lang="ko-KR" altLang="en-US" sz="1200" kern="1200" dirty="0">
+                <a:solidFill>
+                  <a:schemeClr val="tx1"/>
+                </a:solidFill>
+                <a:effectLst/>
+                <a:latin typeface="+mn-lt"/>
+                <a:ea typeface="+mn-ea"/>
+                <a:cs typeface="+mn-cs"/>
+              </a:rPr>
+              <a:t> </a:t>
+            </a:r>
+            <a:r>
+              <a:rPr lang="ko-KR" altLang="en-US" sz="1200" kern="1200" dirty="0" err="1">
+                <a:solidFill>
+                  <a:schemeClr val="tx1"/>
+                </a:solidFill>
+                <a:effectLst/>
+                <a:latin typeface="+mn-lt"/>
+                <a:ea typeface="+mn-ea"/>
+                <a:cs typeface="+mn-cs"/>
+              </a:rPr>
+              <a:t>인텔리빅스가</a:t>
+            </a:r>
+            <a:r>
+              <a:rPr lang="ko-KR" altLang="en-US" sz="1200" kern="1200" dirty="0">
+                <a:solidFill>
+                  <a:schemeClr val="tx1"/>
+                </a:solidFill>
+                <a:effectLst/>
+                <a:latin typeface="+mn-lt"/>
+                <a:ea typeface="+mn-ea"/>
+                <a:cs typeface="+mn-cs"/>
+              </a:rPr>
+              <a:t> 있습니다</a:t>
             </a:r>
             <a:r>
               <a:rPr lang="en-US" altLang="ko-KR" sz="1200" kern="1200" dirty="0">
@@ -2513,54 +2278,6 @@
           <a:lstStyle/>
           <a:p>
             <a:pPr fontAlgn="base" latinLnBrk="0"/>
-            <a:r>
-              <a:rPr lang="ko-KR" altLang="en-US" sz="1200" kern="1200" dirty="0">
-                <a:solidFill>
-                  <a:schemeClr val="tx1"/>
-                </a:solidFill>
-                <a:effectLst/>
-                <a:latin typeface="+mn-lt"/>
-                <a:ea typeface="+mn-ea"/>
-                <a:cs typeface="+mn-cs"/>
-              </a:rPr>
-              <a:t>시중에 나와있는 지능형 </a:t>
-            </a:r>
-            <a:r>
-              <a:rPr lang="en-US" altLang="ko-KR" sz="1200" kern="1200" dirty="0">
-                <a:solidFill>
-                  <a:schemeClr val="tx1"/>
-                </a:solidFill>
-                <a:effectLst/>
-                <a:latin typeface="+mn-lt"/>
-                <a:ea typeface="+mn-ea"/>
-                <a:cs typeface="+mn-cs"/>
-              </a:rPr>
-              <a:t>CCTV</a:t>
-            </a:r>
-            <a:r>
-              <a:rPr lang="ko-KR" altLang="en-US" sz="1200" kern="1200" dirty="0">
-                <a:solidFill>
-                  <a:schemeClr val="tx1"/>
-                </a:solidFill>
-                <a:effectLst/>
-                <a:latin typeface="+mn-lt"/>
-                <a:ea typeface="+mn-ea"/>
-                <a:cs typeface="+mn-cs"/>
-              </a:rPr>
-              <a:t>의 제품들입니다</a:t>
-            </a:r>
-            <a:r>
-              <a:rPr lang="en-US" altLang="ko-KR" sz="1200" kern="1200" dirty="0">
-                <a:solidFill>
-                  <a:schemeClr val="tx1"/>
-                </a:solidFill>
-                <a:effectLst/>
-                <a:latin typeface="+mn-lt"/>
-                <a:ea typeface="+mn-ea"/>
-                <a:cs typeface="+mn-cs"/>
-              </a:rPr>
-              <a:t>.</a:t>
-            </a:r>
             <a:endParaRPr lang="ko-KR" altLang="en-US" sz="1200" kern="1200" dirty="0">
               <a:solidFill>
                 <a:schemeClr val="tx1"/>
@@ -6786,84 +6503,6 @@
       </p:sp>
       <p:sp>
         <p:nvSpPr>
-          <p:cNvPr id="18" name="직사각형 17">
-            <a:extLst>
-              <a:ext uri="{FF2B5EF4-FFF2-40B4-BE49-F238E27FC236}">
-                <a16:creationId xmlns:a16="http://schemas.microsoft.com/office/drawing/2014/main" id="{624283E6-A896-4603-BE5A-00633C3001B7}"/>
-              </a:ext>
-            </a:extLst>
-          </p:cNvPr>
-          <p:cNvSpPr/>
-          <p:nvPr/>
-        </p:nvSpPr>
-        <p:spPr>
-          <a:xfrm>
-            <a:off x="185415" y="251266"/>
-            <a:ext cx="780983" cy="523220"/>
-          </a:xfrm>
-          <a:prstGeom prst="rect">
-            <a:avLst/>
-          </a:prstGeom>
-        </p:spPr>
-        <p:txBody>
-          <a:bodyPr wrap="none">
-            <a:spAutoFit/>
-          </a:bodyPr>
-          <a:lstStyle/>
-          <a:p>
-            <a:pPr marL="0" marR="0" lvl="0" indent="0" algn="ctr" defTabSz="914400" rtl="0" eaLnBrk="1" fontAlgn="auto" latinLnBrk="1" hangingPunct="1">
-              <a:lnSpc>
-                <a:spcPct val="100000"/>
-              </a:lnSpc>
-              <a:spcBef>
-                <a:spcPts val="0"/>
-              </a:spcBef>
-              <a:spcAft>
-                <a:spcPts val="0"/>
-              </a:spcAft>
-              <a:buClrTx/>
-              <a:buSzTx/>
-              <a:buFontTx/>
-              <a:buNone/>
-              <a:tabLst/>
-              <a:defRPr/>
-            </a:pPr>
-            <a:r>
-              <a:rPr kumimoji="0" lang="ko-KR" altLang="en-US" sz="2800" b="1" i="0" u="none" strike="noStrike" kern="1200" cap="none" spc="-150" normalizeH="0" baseline="0" noProof="0">
-                <a:ln>
-                  <a:noFill/>
-                </a:ln>
-                <a:solidFill>
-                  <a:prstClr val="white"/>
-                </a:solidFill>
-                <a:effectLst/>
-                <a:uLnTx/>
-                <a:uFillTx/>
-                <a:latin typeface="Rix비타민 M" panose="02020603020101020101" pitchFamily="18" charset="-127"/>
-                <a:ea typeface="Rix비타민 M" panose="02020603020101020101" pitchFamily="18" charset="-127"/>
-                <a:cs typeface="+mn-cs"/>
-              </a:rPr>
-              <a:t>주제</a:t>
-            </a:r>
-            <a:endParaRPr kumimoji="0" lang="ko-KR" altLang="en-US" sz="2800" b="1" i="0" u="none" strike="noStrike" kern="1200" cap="none" spc="-150" normalizeH="0" baseline="0" noProof="0" dirty="0">
-              <a:ln>
-                <a:noFill/>
-              </a:ln>
-              <a:solidFill>
-                <a:prstClr val="white"/>
-              </a:solidFill>
-              <a:effectLst/>
-              <a:uLnTx/>
-              <a:uFillTx/>
-              <a:latin typeface="Rix비타민 M" panose="02020603020101020101" pitchFamily="18" charset="-127"/>
-              <a:ea typeface="Rix비타민 M" panose="02020603020101020101" pitchFamily="18" charset="-127"/>
-              <a:cs typeface="+mn-cs"/>
-            </a:endParaRPr>
-          </a:p>
-        </p:txBody>
-      </p:sp>
-      <p:sp>
-        <p:nvSpPr>
           <p:cNvPr id="26" name="TextBox 25">
             <a:extLst>
               <a:ext uri="{FF2B5EF4-FFF2-40B4-BE49-F238E27FC236}">
@@ -6939,7 +6578,57 @@
                 <a:ea typeface="Rix비타민 M" panose="02020603020101020101" pitchFamily="18" charset="-127"/>
                 <a:cs typeface="+mn-cs"/>
               </a:rPr>
-              <a:t>을 이용한 인간 자세 판별 시스템</a:t>
+              <a:t>을 이용한</a:t>
+            </a:r>
+            <a:endParaRPr kumimoji="0" lang="en-US" altLang="ko-KR" sz="2300" b="0" i="0" u="none" strike="noStrike" kern="1200" cap="none" spc="0" normalizeH="0" baseline="0" noProof="0" dirty="0">
+              <a:ln>
+                <a:noFill/>
+              </a:ln>
+              <a:solidFill>
+                <a:prstClr val="black"/>
+              </a:solidFill>
+              <a:effectLst/>
+              <a:uLnTx/>
+              <a:uFillTx/>
+              <a:latin typeface="Rix비타민 M" panose="02020603020101020101" pitchFamily="18" charset="-127"/>
+              <a:ea typeface="Rix비타민 M" panose="02020603020101020101" pitchFamily="18" charset="-127"/>
+              <a:cs typeface="+mn-cs"/>
+            </a:endParaRPr>
+          </a:p>
+          <a:p>
+            <a:pPr marL="0" marR="0" lvl="0" indent="0" algn="l" defTabSz="914400" rtl="0" eaLnBrk="1" fontAlgn="auto" latinLnBrk="1" hangingPunct="1">
+              <a:lnSpc>
+                <a:spcPct val="100000"/>
+              </a:lnSpc>
+              <a:spcBef>
+                <a:spcPts val="0"/>
+              </a:spcBef>
+              <a:spcAft>
+                <a:spcPts val="0"/>
+              </a:spcAft>
+              <a:buClrTx/>
+              <a:buSzTx/>
+              <a:buFontTx/>
+              <a:buNone/>
+              <a:tabLst/>
+              <a:defRPr/>
+            </a:pPr>
+            <a:r>
+              <a:rPr kumimoji="0" lang="ko-KR" altLang="en-US" sz="2300" b="0" i="0" u="none" strike="noStrike" kern="1200" cap="none" spc="0" normalizeH="0" baseline="0" noProof="0" dirty="0">
+                <a:ln>
+                  <a:noFill/>
+                </a:ln>
+                <a:solidFill>
+                  <a:prstClr val="black"/>
+                </a:solidFill>
+                <a:effectLst/>
+                <a:uLnTx/>
+                <a:uFillTx/>
+                <a:latin typeface="Rix비타민 M" panose="02020603020101020101" pitchFamily="18" charset="-127"/>
+                <a:ea typeface="Rix비타민 M" panose="02020603020101020101" pitchFamily="18" charset="-127"/>
+                <a:cs typeface="+mn-cs"/>
+              </a:rPr>
+              <a:t>인간 자세 판별 시스템</a:t>
             </a:r>
           </a:p>
         </p:txBody>
@@ -7701,6 +7390,69 @@
               <a:ea typeface="맑은 고딕" panose="020B0503020000020004" pitchFamily="50" charset="-127"/>
               <a:cs typeface="+mn-cs"/>
             </a:endParaRPr>
+          </a:p>
+        </p:txBody>
+      </p:sp>
+      <p:sp>
+        <p:nvSpPr>
+          <p:cNvPr id="11" name="직사각형 10">
+            <a:extLst>
+              <a:ext uri="{FF2B5EF4-FFF2-40B4-BE49-F238E27FC236}">
+                <a16:creationId xmlns:a16="http://schemas.microsoft.com/office/drawing/2014/main" id="{4872F764-5C70-4D48-9262-72FE60410346}"/>
+              </a:ext>
+            </a:extLst>
+          </p:cNvPr>
+          <p:cNvSpPr/>
+          <p:nvPr/>
+        </p:nvSpPr>
+        <p:spPr>
+          <a:xfrm>
+            <a:off x="0" y="265007"/>
+            <a:ext cx="1506265" cy="523220"/>
+          </a:xfrm>
+          <a:prstGeom prst="rect">
+            <a:avLst/>
+          </a:prstGeom>
+        </p:spPr>
+        <p:txBody>
+          <a:bodyPr wrap="square">
+            <a:spAutoFit/>
+          </a:bodyPr>
+          <a:lstStyle/>
+          <a:p>
+            <a:pPr marL="0" marR="0" lvl="0" indent="0" algn="ctr" defTabSz="914400" rtl="0" eaLnBrk="1" fontAlgn="auto" latinLnBrk="1" hangingPunct="1">
+              <a:lnSpc>
+                <a:spcPct val="100000"/>
+              </a:lnSpc>
+              <a:spcBef>
+                <a:spcPts val="0"/>
+              </a:spcBef>
+              <a:spcAft>
+                <a:spcPts val="0"/>
+              </a:spcAft>
+              <a:buClrTx/>
+              <a:buSzTx/>
+              <a:buFontTx/>
+              <a:buNone/>
+              <a:tabLst/>
+              <a:defRPr/>
+            </a:pPr>
+            <a:r>
+              <a:rPr kumimoji="0" lang="ko-KR" altLang="en-US" sz="2800" b="1" i="0" u="none" strike="noStrike" kern="1200" cap="none" spc="-150" normalizeH="0" baseline="0" noProof="0" dirty="0">
+                <a:ln>
+                  <a:noFill/>
+                </a:ln>
+                <a:solidFill>
+                  <a:prstClr val="white"/>
+                </a:solidFill>
+                <a:effectLst/>
+                <a:uLnTx/>
+                <a:uFillTx/>
+                <a:latin typeface="Rix비타민 M" panose="02020603020101020101" pitchFamily="18" charset="-127"/>
+                <a:ea typeface="Rix비타민 M" panose="02020603020101020101" pitchFamily="18" charset="-127"/>
+              </a:rPr>
+              <a:t>논문 주제</a:t>
+            </a:r>
           </a:p>
         </p:txBody>
       </p:sp>
@@ -7761,33 +7513,15 @@
                                   </p:childTnLst>
                                 </p:cTn>
                               </p:par>
-                            </p:childTnLst>
-                          </p:cTn>
-                        </p:par>
-                      </p:childTnLst>
-                    </p:cTn>
-                  </p:par>
-                  <p:par>
-                    <p:cTn id="7" fill="hold">
-                      <p:stCondLst>
-                        <p:cond delay="indefinite"/>
-                      </p:stCondLst>
-                      <p:childTnLst>
-                        <p:par>
-                          <p:cTn id="8" fill="hold">
-                            <p:stCondLst>
-                              <p:cond delay="0"/>
-                            </p:stCondLst>
-                            <p:childTnLst>
                               <p:par>
-                                <p:cTn id="9" presetID="1" presetClass="entr" presetSubtype="0" fill="hold" grpId="0" nodeType="clickEffect">
+                                <p:cTn id="7" presetID="1" presetClass="entr" presetSubtype="0" fill="hold" grpId="0" nodeType="withEffect">
                                   <p:stCondLst>
                                     <p:cond delay="0"/>
                                   </p:stCondLst>
                                   <p:childTnLst>
                                     <p:set>
                                       <p:cBhvr>
-                                        <p:cTn id="10" dur="1" fill="hold">
+                                        <p:cTn id="8" dur="1" fill="hold">
                                           <p:stCondLst>
                                             <p:cond delay="0"/>
                                           </p:stCondLst>
@@ -8942,10 +8676,383 @@
       </p:sp>
       <p:sp>
         <p:nvSpPr>
-          <p:cNvPr id="14" name="직사각형 13">
+          <p:cNvPr id="5" name="내용 개체 틀 4">
             <a:extLst>
               <a:ext uri="{FF2B5EF4-FFF2-40B4-BE49-F238E27FC236}">
-                <a16:creationId xmlns:a16="http://schemas.microsoft.com/office/drawing/2014/main" id="{206D9CBF-F988-4B6E-971C-35D53F504AC1}"/>
+                <a16:creationId xmlns:a16="http://schemas.microsoft.com/office/drawing/2014/main" id="{1EA50BB3-63A4-4E7B-A3EE-78BF0BBCEB6A}"/>
+              </a:ext>
+            </a:extLst>
+          </p:cNvPr>
+          <p:cNvSpPr>
+            <a:spLocks noGrp="1"/>
+          </p:cNvSpPr>
+          <p:nvPr>
+            <p:ph sz="half" idx="1"/>
+          </p:nvPr>
+        </p:nvSpPr>
+        <p:spPr>
+          <a:xfrm>
+            <a:off x="337836" y="1069450"/>
+            <a:ext cx="2340256" cy="710408"/>
+          </a:xfrm>
+        </p:spPr>
+        <p:txBody>
+          <a:bodyPr>
+            <a:normAutofit/>
+          </a:bodyPr>
+          <a:lstStyle/>
+          <a:p>
+            <a:pPr marL="0" indent="0">
+              <a:buNone/>
+            </a:pPr>
+            <a:r>
+              <a:rPr lang="en-US" altLang="ko-KR" dirty="0"/>
+              <a:t>Environment</a:t>
+            </a:r>
+          </a:p>
+        </p:txBody>
+      </p:sp>
+      <p:sp>
+        <p:nvSpPr>
+          <p:cNvPr id="4" name="TextBox 3">
+            <a:extLst>
+              <a:ext uri="{FF2B5EF4-FFF2-40B4-BE49-F238E27FC236}">
+                <a16:creationId xmlns:a16="http://schemas.microsoft.com/office/drawing/2014/main" id="{16356DC7-35E3-4D6A-B9B0-BFB6434D2DEF}"/>
+              </a:ext>
+            </a:extLst>
+          </p:cNvPr>
+          <p:cNvSpPr txBox="1"/>
+          <p:nvPr/>
+        </p:nvSpPr>
+        <p:spPr>
+          <a:xfrm>
+            <a:off x="287527" y="3270096"/>
+            <a:ext cx="8668819" cy="523220"/>
+          </a:xfrm>
+          <a:prstGeom prst="rect">
+            <a:avLst/>
+          </a:prstGeom>
+          <a:noFill/>
+        </p:spPr>
+        <p:txBody>
+          <a:bodyPr wrap="square" rtlCol="0">
+            <a:spAutoFit/>
+          </a:bodyPr>
+          <a:lstStyle/>
+          <a:p>
+            <a:r>
+              <a:rPr lang="en-US" altLang="ko-KR" sz="2800" dirty="0"/>
+              <a:t>Image dataset</a:t>
+            </a:r>
+          </a:p>
+        </p:txBody>
+      </p:sp>
+      <p:sp>
+        <p:nvSpPr>
+          <p:cNvPr id="10" name="TextBox 9">
+            <a:extLst>
+              <a:ext uri="{FF2B5EF4-FFF2-40B4-BE49-F238E27FC236}">
+                <a16:creationId xmlns:a16="http://schemas.microsoft.com/office/drawing/2014/main" id="{069E4340-1F78-474F-A9FA-2E387ED4A59E}"/>
+              </a:ext>
+            </a:extLst>
+          </p:cNvPr>
+          <p:cNvSpPr txBox="1"/>
+          <p:nvPr/>
+        </p:nvSpPr>
+        <p:spPr>
+          <a:xfrm>
+            <a:off x="287528" y="3724577"/>
+            <a:ext cx="8668819" cy="2800767"/>
+          </a:xfrm>
+          <a:prstGeom prst="rect">
+            <a:avLst/>
+          </a:prstGeom>
+          <a:noFill/>
+        </p:spPr>
+        <p:txBody>
+          <a:bodyPr wrap="square" rtlCol="0">
+            <a:spAutoFit/>
+          </a:bodyPr>
+          <a:lstStyle/>
+          <a:p>
+            <a:pPr marL="457200" indent="-457200">
+              <a:buFont typeface="Arial" panose="020B0604020202020204" pitchFamily="34" charset="0"/>
+              <a:buChar char="•"/>
+            </a:pPr>
+            <a:r>
+              <a:rPr lang="en-US" altLang="ko-KR" sz="2800" dirty="0"/>
+              <a:t>Stanford Cars Dataset</a:t>
+            </a:r>
+            <a:endParaRPr lang="en-US" altLang="ko-KR" sz="2300" dirty="0">
+              <a:solidFill>
+                <a:prstClr val="black"/>
+              </a:solidFill>
+            </a:endParaRPr>
+          </a:p>
+          <a:p>
+            <a:pPr marL="914400" lvl="1" indent="-457200">
+              <a:buFont typeface="Wingdings" panose="05000000000000000000" pitchFamily="2" charset="2"/>
+              <a:buChar char="ü"/>
+            </a:pPr>
+            <a:r>
+              <a:rPr lang="en-US" altLang="ko-KR" sz="2300" dirty="0">
+                <a:solidFill>
+                  <a:prstClr val="black"/>
+                </a:solidFill>
+              </a:rPr>
+              <a:t>8144 train images, 8041 test images, optimize resolution maximum 600X600</a:t>
+            </a:r>
+            <a:endParaRPr lang="en-US" altLang="ko-KR" sz="2800" dirty="0"/>
+          </a:p>
+          <a:p>
+            <a:pPr marL="457200" indent="-457200">
+              <a:buFont typeface="Arial" panose="020B0604020202020204" pitchFamily="34" charset="0"/>
+              <a:buChar char="•"/>
+            </a:pPr>
+            <a:r>
+              <a:rPr lang="en-US" altLang="ko-KR" sz="2800" dirty="0"/>
+              <a:t>UCF-101 Dataset</a:t>
+            </a:r>
+          </a:p>
+          <a:p>
+            <a:pPr marL="914400" lvl="1" indent="-457200">
+              <a:buFont typeface="Wingdings" panose="05000000000000000000" pitchFamily="2" charset="2"/>
+              <a:buChar char="ü"/>
+            </a:pPr>
+            <a:r>
+              <a:rPr lang="en-US" altLang="ko-KR" sz="2300" dirty="0">
+                <a:solidFill>
+                  <a:prstClr val="black"/>
+                </a:solidFill>
+              </a:rPr>
+              <a:t>13320 videos, 101 action categories</a:t>
+            </a:r>
+            <a:endParaRPr lang="en-US" altLang="ko-KR" sz="2800" dirty="0"/>
+          </a:p>
+          <a:p>
+            <a:pPr marL="457200" indent="-457200">
+              <a:buFont typeface="Arial" panose="020B0604020202020204" pitchFamily="34" charset="0"/>
+              <a:buChar char="•"/>
+            </a:pPr>
+            <a:r>
+              <a:rPr lang="en-US" altLang="ko-KR" sz="2800" dirty="0" err="1"/>
+              <a:t>Selfshot</a:t>
+            </a:r>
+            <a:r>
+              <a:rPr lang="en-US" altLang="ko-KR" sz="2800" dirty="0"/>
+              <a:t> images</a:t>
+            </a:r>
+          </a:p>
+          <a:p>
+            <a:pPr marL="914400" lvl="1" indent="-457200">
+              <a:buFont typeface="Wingdings" panose="05000000000000000000" pitchFamily="2" charset="2"/>
+              <a:buChar char="ü"/>
+            </a:pPr>
+            <a:r>
+              <a:rPr lang="en-US" altLang="ko-KR" sz="2300" dirty="0"/>
+              <a:t>1080 images, maximum 600X600</a:t>
+            </a:r>
+          </a:p>
+        </p:txBody>
+      </p:sp>
+      <p:sp>
+        <p:nvSpPr>
+          <p:cNvPr id="11" name="내용 개체 틀 4">
+            <a:extLst>
+              <a:ext uri="{FF2B5EF4-FFF2-40B4-BE49-F238E27FC236}">
+                <a16:creationId xmlns:a16="http://schemas.microsoft.com/office/drawing/2014/main" id="{FBCE6A5A-3B38-48B0-8D8A-A2F0E7208DD8}"/>
+              </a:ext>
+            </a:extLst>
+          </p:cNvPr>
+          <p:cNvSpPr txBox="1">
+            <a:spLocks/>
+          </p:cNvSpPr>
+          <p:nvPr/>
+        </p:nvSpPr>
+        <p:spPr>
+          <a:xfrm>
+            <a:off x="337836" y="1558254"/>
+            <a:ext cx="4386509" cy="2092730"/>
+          </a:xfrm>
+          <a:prstGeom prst="rect">
+            <a:avLst/>
+          </a:prstGeom>
+        </p:spPr>
+        <p:txBody>
+          <a:bodyPr vert="horz" lIns="91440" tIns="45720" rIns="91440" bIns="45720" rtlCol="0">
+            <a:normAutofit/>
+          </a:bodyPr>
+          <a:lstStyle>
+            <a:lvl1pPr marL="342900" indent="-342900" algn="l" defTabSz="914400" rtl="0" eaLnBrk="1" latinLnBrk="1" hangingPunct="1">
+              <a:spcBef>
+                <a:spcPct val="20000"/>
+              </a:spcBef>
+              <a:buFont typeface="Arial" pitchFamily="34" charset="0"/>
+              <a:buChar char="•"/>
+              <a:defRPr sz="2800" kern="1200">
+                <a:solidFill>
+                  <a:schemeClr val="tx1"/>
+                </a:solidFill>
+                <a:latin typeface="+mn-lt"/>
+                <a:ea typeface="+mn-ea"/>
+                <a:cs typeface="+mn-cs"/>
+              </a:defRPr>
+            </a:lvl1pPr>
+            <a:lvl2pPr marL="742950" indent="-285750" algn="l" defTabSz="914400" rtl="0" eaLnBrk="1" latinLnBrk="1" hangingPunct="1">
+              <a:spcBef>
+                <a:spcPct val="20000"/>
+              </a:spcBef>
+              <a:buFont typeface="Arial" pitchFamily="34" charset="0"/>
+              <a:buChar char="–"/>
+              <a:defRPr sz="2400" kern="1200">
+                <a:solidFill>
+                  <a:schemeClr val="tx1"/>
+                </a:solidFill>
+                <a:latin typeface="+mn-lt"/>
+                <a:ea typeface="+mn-ea"/>
+                <a:cs typeface="+mn-cs"/>
+              </a:defRPr>
+            </a:lvl2pPr>
+            <a:lvl3pPr marL="1143000" indent="-228600" algn="l" defTabSz="914400" rtl="0" eaLnBrk="1" latinLnBrk="1" hangingPunct="1">
+              <a:spcBef>
+                <a:spcPct val="20000"/>
+              </a:spcBef>
+              <a:buFont typeface="Arial" pitchFamily="34" charset="0"/>
+              <a:buChar char="•"/>
+              <a:defRPr sz="2000" kern="1200">
+                <a:solidFill>
+                  <a:schemeClr val="tx1"/>
+                </a:solidFill>
+                <a:latin typeface="+mn-lt"/>
+                <a:ea typeface="+mn-ea"/>
+                <a:cs typeface="+mn-cs"/>
+              </a:defRPr>
+            </a:lvl3pPr>
+            <a:lvl4pPr marL="1600200" indent="-228600" algn="l" defTabSz="914400" rtl="0" eaLnBrk="1" latinLnBrk="1" hangingPunct="1">
+              <a:spcBef>
+                <a:spcPct val="20000"/>
+              </a:spcBef>
+              <a:buFont typeface="Arial" pitchFamily="34" charset="0"/>
+              <a:buChar char="–"/>
+              <a:defRPr sz="1800" kern="1200">
+                <a:solidFill>
+                  <a:schemeClr val="tx1"/>
+                </a:solidFill>
+                <a:latin typeface="+mn-lt"/>
+                <a:ea typeface="+mn-ea"/>
+                <a:cs typeface="+mn-cs"/>
+              </a:defRPr>
+            </a:lvl4pPr>
+            <a:lvl5pPr marL="2057400" indent="-228600" algn="l" defTabSz="914400" rtl="0" eaLnBrk="1" latinLnBrk="1" hangingPunct="1">
+              <a:spcBef>
+                <a:spcPct val="20000"/>
+              </a:spcBef>
+              <a:buFont typeface="Arial" pitchFamily="34" charset="0"/>
+              <a:buChar char="»"/>
+              <a:defRPr sz="1800" kern="1200">
+                <a:solidFill>
+                  <a:schemeClr val="tx1"/>
+                </a:solidFill>
+                <a:latin typeface="+mn-lt"/>
+                <a:ea typeface="+mn-ea"/>
+                <a:cs typeface="+mn-cs"/>
+              </a:defRPr>
+            </a:lvl5pPr>
+            <a:lvl6pPr marL="2514600" indent="-228600" algn="l" defTabSz="914400" rtl="0" eaLnBrk="1" latinLnBrk="1" hangingPunct="1">
+              <a:spcBef>
+                <a:spcPct val="20000"/>
+              </a:spcBef>
+              <a:buFont typeface="Arial" pitchFamily="34" charset="0"/>
+              <a:buChar char="•"/>
+              <a:defRPr sz="1800" kern="1200">
+                <a:solidFill>
+                  <a:schemeClr val="tx1"/>
+                </a:solidFill>
+                <a:latin typeface="+mn-lt"/>
+                <a:ea typeface="+mn-ea"/>
+                <a:cs typeface="+mn-cs"/>
+              </a:defRPr>
+            </a:lvl6pPr>
+            <a:lvl7pPr marL="2971800" indent="-228600" algn="l" defTabSz="914400" rtl="0" eaLnBrk="1" latinLnBrk="1" hangingPunct="1">
+              <a:spcBef>
+                <a:spcPct val="20000"/>
+              </a:spcBef>
+              <a:buFont typeface="Arial" pitchFamily="34" charset="0"/>
+              <a:buChar char="•"/>
+              <a:defRPr sz="1800" kern="1200">
+                <a:solidFill>
+                  <a:schemeClr val="tx1"/>
+                </a:solidFill>
+                <a:latin typeface="+mn-lt"/>
+                <a:ea typeface="+mn-ea"/>
+                <a:cs typeface="+mn-cs"/>
+              </a:defRPr>
+            </a:lvl7pPr>
+            <a:lvl8pPr marL="3429000" indent="-228600" algn="l" defTabSz="914400" rtl="0" eaLnBrk="1" latinLnBrk="1" hangingPunct="1">
+              <a:spcBef>
+                <a:spcPct val="20000"/>
+              </a:spcBef>
+              <a:buFont typeface="Arial" pitchFamily="34" charset="0"/>
+              <a:buChar char="•"/>
+              <a:defRPr sz="1800" kern="1200">
+                <a:solidFill>
+                  <a:schemeClr val="tx1"/>
+                </a:solidFill>
+                <a:latin typeface="+mn-lt"/>
+                <a:ea typeface="+mn-ea"/>
+                <a:cs typeface="+mn-cs"/>
+              </a:defRPr>
+            </a:lvl8pPr>
+            <a:lvl9pPr marL="3886200" indent="-228600" algn="l" defTabSz="914400" rtl="0" eaLnBrk="1" latinLnBrk="1" hangingPunct="1">
+              <a:spcBef>
+                <a:spcPct val="20000"/>
+              </a:spcBef>
+              <a:buFont typeface="Arial" pitchFamily="34" charset="0"/>
+              <a:buChar char="•"/>
+              <a:defRPr sz="1800" kern="1200">
+                <a:solidFill>
+                  <a:schemeClr val="tx1"/>
+                </a:solidFill>
+                <a:latin typeface="+mn-lt"/>
+                <a:ea typeface="+mn-ea"/>
+                <a:cs typeface="+mn-cs"/>
+              </a:defRPr>
+            </a:lvl9pPr>
+          </a:lstStyle>
+          <a:p>
+            <a:r>
+              <a:rPr lang="en-US" altLang="ko-KR" dirty="0"/>
+              <a:t>OS: Windows 10</a:t>
+            </a:r>
+          </a:p>
+          <a:p>
+            <a:r>
+              <a:rPr lang="en-US" altLang="ko-KR" dirty="0"/>
+              <a:t>Language: Python</a:t>
+            </a:r>
+          </a:p>
+          <a:p>
+            <a:r>
+              <a:rPr lang="en-US" altLang="ko-KR" dirty="0"/>
+              <a:t>API: </a:t>
+            </a:r>
+            <a:r>
+              <a:rPr lang="en-US" altLang="ko-KR" dirty="0" err="1"/>
+              <a:t>Tensorflow</a:t>
+            </a:r>
+            <a:r>
+              <a:rPr lang="en-US" altLang="ko-KR" dirty="0"/>
+              <a:t> (GPU)</a:t>
+            </a:r>
+          </a:p>
+        </p:txBody>
+      </p:sp>
+      <p:sp>
+        <p:nvSpPr>
+          <p:cNvPr id="12" name="직사각형 11">
+            <a:extLst>
+              <a:ext uri="{FF2B5EF4-FFF2-40B4-BE49-F238E27FC236}">
+                <a16:creationId xmlns:a16="http://schemas.microsoft.com/office/drawing/2014/main" id="{E7D636C7-9659-4580-BD72-D57320932F66}"/>
               </a:ext>
             </a:extLst>
           </p:cNvPr>
@@ -8954,15 +9061,15 @@
         </p:nvSpPr>
         <p:spPr>
           <a:xfrm>
-            <a:off x="0" y="231994"/>
-            <a:ext cx="780983" cy="523220"/>
+            <a:off x="0" y="265007"/>
+            <a:ext cx="1506265" cy="523220"/>
           </a:xfrm>
           <a:prstGeom prst="rect">
             <a:avLst/>
           </a:prstGeom>
         </p:spPr>
         <p:txBody>
-          <a:bodyPr wrap="none">
+          <a:bodyPr wrap="square">
             <a:spAutoFit/>
           </a:bodyPr>
           <a:lstStyle/>
@@ -8998,380 +9105,7 @@
                 <a:latin typeface="Rix비타민 M" panose="02020603020101020101" pitchFamily="18" charset="-127"/>
                 <a:ea typeface="Rix비타민 M" panose="02020603020101020101" pitchFamily="18" charset="-127"/>
               </a:rPr>
-              <a:t>기술</a:t>
-            </a:r>
-          </a:p>
-        </p:txBody>
-      </p:sp>
-      <p:sp>
-        <p:nvSpPr>
-          <p:cNvPr id="5" name="내용 개체 틀 4">
-            <a:extLst>
-              <a:ext uri="{FF2B5EF4-FFF2-40B4-BE49-F238E27FC236}">
-                <a16:creationId xmlns:a16="http://schemas.microsoft.com/office/drawing/2014/main" id="{1EA50BB3-63A4-4E7B-A3EE-78BF0BBCEB6A}"/>
-              </a:ext>
-            </a:extLst>
-          </p:cNvPr>
-          <p:cNvSpPr>
-            <a:spLocks noGrp="1"/>
-          </p:cNvSpPr>
-          <p:nvPr>
-            <p:ph sz="half" idx="1"/>
-          </p:nvPr>
-        </p:nvSpPr>
-        <p:spPr>
-          <a:xfrm>
-            <a:off x="337836" y="1069450"/>
-            <a:ext cx="2340256" cy="710408"/>
-          </a:xfrm>
-        </p:spPr>
-        <p:txBody>
-          <a:bodyPr>
-            <a:normAutofit/>
-          </a:bodyPr>
-          <a:lstStyle/>
-          <a:p>
-            <a:pPr marL="0" indent="0">
-              <a:buNone/>
-            </a:pPr>
-            <a:r>
-              <a:rPr lang="en-US" altLang="ko-KR" dirty="0"/>
-              <a:t>Environment</a:t>
-            </a:r>
-          </a:p>
-        </p:txBody>
-      </p:sp>
-      <p:sp>
-        <p:nvSpPr>
-          <p:cNvPr id="4" name="TextBox 3">
-            <a:extLst>
-              <a:ext uri="{FF2B5EF4-FFF2-40B4-BE49-F238E27FC236}">
-                <a16:creationId xmlns:a16="http://schemas.microsoft.com/office/drawing/2014/main" id="{16356DC7-35E3-4D6A-B9B0-BFB6434D2DEF}"/>
-              </a:ext>
-            </a:extLst>
-          </p:cNvPr>
-          <p:cNvSpPr txBox="1"/>
-          <p:nvPr/>
-        </p:nvSpPr>
-        <p:spPr>
-          <a:xfrm>
-            <a:off x="287527" y="3270096"/>
-            <a:ext cx="8668819" cy="523220"/>
-          </a:xfrm>
-          <a:prstGeom prst="rect">
-            <a:avLst/>
-          </a:prstGeom>
-          <a:noFill/>
-        </p:spPr>
-        <p:txBody>
-          <a:bodyPr wrap="square" rtlCol="0">
-            <a:spAutoFit/>
-          </a:bodyPr>
-          <a:lstStyle/>
-          <a:p>
-            <a:r>
-              <a:rPr lang="en-US" altLang="ko-KR" sz="2800" dirty="0"/>
-              <a:t>Image dataset</a:t>
-            </a:r>
-          </a:p>
-        </p:txBody>
-      </p:sp>
-      <p:sp>
-        <p:nvSpPr>
-          <p:cNvPr id="10" name="TextBox 9">
-            <a:extLst>
-              <a:ext uri="{FF2B5EF4-FFF2-40B4-BE49-F238E27FC236}">
-                <a16:creationId xmlns:a16="http://schemas.microsoft.com/office/drawing/2014/main" id="{069E4340-1F78-474F-A9FA-2E387ED4A59E}"/>
-              </a:ext>
-            </a:extLst>
-          </p:cNvPr>
-          <p:cNvSpPr txBox="1"/>
-          <p:nvPr/>
-        </p:nvSpPr>
-        <p:spPr>
-          <a:xfrm>
-            <a:off x="287528" y="3724577"/>
-            <a:ext cx="8668819" cy="2800767"/>
-          </a:xfrm>
-          <a:prstGeom prst="rect">
-            <a:avLst/>
-          </a:prstGeom>
-          <a:noFill/>
-        </p:spPr>
-        <p:txBody>
-          <a:bodyPr wrap="square" rtlCol="0">
-            <a:spAutoFit/>
-          </a:bodyPr>
-          <a:lstStyle/>
-          <a:p>
-            <a:pPr marL="457200" indent="-457200">
-              <a:buFont typeface="Arial" panose="020B0604020202020204" pitchFamily="34" charset="0"/>
-              <a:buChar char="•"/>
-            </a:pPr>
-            <a:r>
-              <a:rPr lang="en-US" altLang="ko-KR" sz="2800" dirty="0"/>
-              <a:t>Stanford Cars Dataset</a:t>
-            </a:r>
-            <a:endParaRPr lang="en-US" altLang="ko-KR" sz="2300" dirty="0">
-              <a:solidFill>
-                <a:prstClr val="black"/>
-              </a:solidFill>
-            </a:endParaRPr>
-          </a:p>
-          <a:p>
-            <a:pPr marL="914400" lvl="1" indent="-457200">
-              <a:buFont typeface="Arial" panose="020B0604020202020204" pitchFamily="34" charset="0"/>
-              <a:buChar char="•"/>
-            </a:pPr>
-            <a:r>
-              <a:rPr lang="en-US" altLang="ko-KR" sz="2300" dirty="0">
-                <a:solidFill>
-                  <a:prstClr val="black"/>
-                </a:solidFill>
-              </a:rPr>
-              <a:t>8144 train images, 8041 test images, optimize resolution maximum 600X600</a:t>
-            </a:r>
-            <a:endParaRPr lang="en-US" altLang="ko-KR" sz="2800" dirty="0"/>
-          </a:p>
-          <a:p>
-            <a:pPr marL="457200" indent="-457200">
-              <a:buFont typeface="Arial" panose="020B0604020202020204" pitchFamily="34" charset="0"/>
-              <a:buChar char="•"/>
-            </a:pPr>
-            <a:r>
-              <a:rPr lang="en-US" altLang="ko-KR" sz="2800" dirty="0"/>
-              <a:t>UCF-101 Dataset</a:t>
-            </a:r>
-          </a:p>
-          <a:p>
-            <a:pPr marL="914400" lvl="1" indent="-457200">
-              <a:buFont typeface="Arial" panose="020B0604020202020204" pitchFamily="34" charset="0"/>
-              <a:buChar char="•"/>
-            </a:pPr>
-            <a:r>
-              <a:rPr lang="en-US" altLang="ko-KR" sz="2300" dirty="0">
-                <a:solidFill>
-                  <a:prstClr val="black"/>
-                </a:solidFill>
-              </a:rPr>
-              <a:t>13320 videos, 101 action categories</a:t>
-            </a:r>
-            <a:endParaRPr lang="en-US" altLang="ko-KR" sz="2800" dirty="0"/>
-          </a:p>
-          <a:p>
-            <a:pPr marL="457200" indent="-457200">
-              <a:buFont typeface="Arial" panose="020B0604020202020204" pitchFamily="34" charset="0"/>
-              <a:buChar char="•"/>
-            </a:pPr>
-            <a:r>
-              <a:rPr lang="en-US" altLang="ko-KR" sz="2800" dirty="0" err="1"/>
-              <a:t>Selfshot</a:t>
-            </a:r>
-            <a:r>
-              <a:rPr lang="en-US" altLang="ko-KR" sz="2800" dirty="0"/>
-              <a:t> images</a:t>
-            </a:r>
-          </a:p>
-          <a:p>
-            <a:pPr marL="914400" lvl="1" indent="-457200">
-              <a:buFont typeface="Arial" panose="020B0604020202020204" pitchFamily="34" charset="0"/>
-              <a:buChar char="•"/>
-            </a:pPr>
-            <a:r>
-              <a:rPr lang="en-US" altLang="ko-KR" sz="2300" dirty="0"/>
-              <a:t>1080 images, maximum 600X600</a:t>
-            </a:r>
-          </a:p>
-        </p:txBody>
-      </p:sp>
-      <p:sp>
-        <p:nvSpPr>
-          <p:cNvPr id="11" name="내용 개체 틀 4">
-            <a:extLst>
-              <a:ext uri="{FF2B5EF4-FFF2-40B4-BE49-F238E27FC236}">
-                <a16:creationId xmlns:a16="http://schemas.microsoft.com/office/drawing/2014/main" id="{FBCE6A5A-3B38-48B0-8D8A-A2F0E7208DD8}"/>
-              </a:ext>
-            </a:extLst>
-          </p:cNvPr>
-          <p:cNvSpPr txBox="1">
-            <a:spLocks/>
-          </p:cNvSpPr>
-          <p:nvPr/>
-        </p:nvSpPr>
-        <p:spPr>
-          <a:xfrm>
-            <a:off x="337836" y="1558254"/>
-            <a:ext cx="4386509" cy="2092730"/>
-          </a:xfrm>
-          <a:prstGeom prst="rect">
-            <a:avLst/>
-          </a:prstGeom>
-        </p:spPr>
-        <p:txBody>
-          <a:bodyPr vert="horz" lIns="91440" tIns="45720" rIns="91440" bIns="45720" rtlCol="0">
-            <a:normAutofit/>
-          </a:bodyPr>
-          <a:lstStyle>
-            <a:lvl1pPr marL="342900" indent="-342900" algn="l" defTabSz="914400" rtl="0" eaLnBrk="1" latinLnBrk="1" hangingPunct="1">
-              <a:spcBef>
-                <a:spcPct val="20000"/>
-              </a:spcBef>
-              <a:buFont typeface="Arial" pitchFamily="34" charset="0"/>
-              <a:buChar char="•"/>
-              <a:defRPr sz="2800" kern="1200">
-                <a:solidFill>
-                  <a:schemeClr val="tx1"/>
-                </a:solidFill>
-                <a:latin typeface="+mn-lt"/>
-                <a:ea typeface="+mn-ea"/>
-                <a:cs typeface="+mn-cs"/>
-              </a:defRPr>
-            </a:lvl1pPr>
-            <a:lvl2pPr marL="742950" indent="-285750" algn="l" defTabSz="914400" rtl="0" eaLnBrk="1" latinLnBrk="1" hangingPunct="1">
-              <a:spcBef>
-                <a:spcPct val="20000"/>
-              </a:spcBef>
-              <a:buFont typeface="Arial" pitchFamily="34" charset="0"/>
-              <a:buChar char="–"/>
-              <a:defRPr sz="2400" kern="1200">
-                <a:solidFill>
-                  <a:schemeClr val="tx1"/>
-                </a:solidFill>
-                <a:latin typeface="+mn-lt"/>
-                <a:ea typeface="+mn-ea"/>
-                <a:cs typeface="+mn-cs"/>
-              </a:defRPr>
-            </a:lvl2pPr>
-            <a:lvl3pPr marL="1143000" indent="-228600" algn="l" defTabSz="914400" rtl="0" eaLnBrk="1" latinLnBrk="1" hangingPunct="1">
-              <a:spcBef>
-                <a:spcPct val="20000"/>
-              </a:spcBef>
-              <a:buFont typeface="Arial" pitchFamily="34" charset="0"/>
-              <a:buChar char="•"/>
-              <a:defRPr sz="2000" kern="1200">
-                <a:solidFill>
-                  <a:schemeClr val="tx1"/>
-                </a:solidFill>
-                <a:latin typeface="+mn-lt"/>
-                <a:ea typeface="+mn-ea"/>
-                <a:cs typeface="+mn-cs"/>
-              </a:defRPr>
-            </a:lvl3pPr>
-            <a:lvl4pPr marL="1600200" indent="-228600" algn="l" defTabSz="914400" rtl="0" eaLnBrk="1" latinLnBrk="1" hangingPunct="1">
-              <a:spcBef>
-                <a:spcPct val="20000"/>
-              </a:spcBef>
-              <a:buFont typeface="Arial" pitchFamily="34" charset="0"/>
-              <a:buChar char="–"/>
-              <a:defRPr sz="1800" kern="1200">
-                <a:solidFill>
-                  <a:schemeClr val="tx1"/>
-                </a:solidFill>
-                <a:latin typeface="+mn-lt"/>
-                <a:ea typeface="+mn-ea"/>
-                <a:cs typeface="+mn-cs"/>
-              </a:defRPr>
-            </a:lvl4pPr>
-            <a:lvl5pPr marL="2057400" indent="-228600" algn="l" defTabSz="914400" rtl="0" eaLnBrk="1" latinLnBrk="1" hangingPunct="1">
-              <a:spcBef>
-                <a:spcPct val="20000"/>
-              </a:spcBef>
-              <a:buFont typeface="Arial" pitchFamily="34" charset="0"/>
-              <a:buChar char="»"/>
-              <a:defRPr sz="1800" kern="1200">
-                <a:solidFill>
-                  <a:schemeClr val="tx1"/>
-                </a:solidFill>
-                <a:latin typeface="+mn-lt"/>
-                <a:ea typeface="+mn-ea"/>
-                <a:cs typeface="+mn-cs"/>
-              </a:defRPr>
-            </a:lvl5pPr>
-            <a:lvl6pPr marL="2514600" indent="-228600" algn="l" defTabSz="914400" rtl="0" eaLnBrk="1" latinLnBrk="1" hangingPunct="1">
-              <a:spcBef>
-                <a:spcPct val="20000"/>
-              </a:spcBef>
-              <a:buFont typeface="Arial" pitchFamily="34" charset="0"/>
-              <a:buChar char="•"/>
-              <a:defRPr sz="1800" kern="1200">
-                <a:solidFill>
-                  <a:schemeClr val="tx1"/>
-                </a:solidFill>
-                <a:latin typeface="+mn-lt"/>
-                <a:ea typeface="+mn-ea"/>
-                <a:cs typeface="+mn-cs"/>
-              </a:defRPr>
-            </a:lvl6pPr>
-            <a:lvl7pPr marL="2971800" indent="-228600" algn="l" defTabSz="914400" rtl="0" eaLnBrk="1" latinLnBrk="1" hangingPunct="1">
-              <a:spcBef>
-                <a:spcPct val="20000"/>
-              </a:spcBef>
-              <a:buFont typeface="Arial" pitchFamily="34" charset="0"/>
-              <a:buChar char="•"/>
-              <a:defRPr sz="1800" kern="1200">
-                <a:solidFill>
-                  <a:schemeClr val="tx1"/>
-                </a:solidFill>
-                <a:latin typeface="+mn-lt"/>
-                <a:ea typeface="+mn-ea"/>
-                <a:cs typeface="+mn-cs"/>
-              </a:defRPr>
-            </a:lvl7pPr>
-            <a:lvl8pPr marL="3429000" indent="-228600" algn="l" defTabSz="914400" rtl="0" eaLnBrk="1" latinLnBrk="1" hangingPunct="1">
-              <a:spcBef>
-                <a:spcPct val="20000"/>
-              </a:spcBef>
-              <a:buFont typeface="Arial" pitchFamily="34" charset="0"/>
-              <a:buChar char="•"/>
-              <a:defRPr sz="1800" kern="1200">
-                <a:solidFill>
-                  <a:schemeClr val="tx1"/>
-                </a:solidFill>
-                <a:latin typeface="+mn-lt"/>
-                <a:ea typeface="+mn-ea"/>
-                <a:cs typeface="+mn-cs"/>
-              </a:defRPr>
-            </a:lvl8pPr>
-            <a:lvl9pPr marL="3886200" indent="-228600" algn="l" defTabSz="914400" rtl="0" eaLnBrk="1" latinLnBrk="1" hangingPunct="1">
-              <a:spcBef>
-                <a:spcPct val="20000"/>
-              </a:spcBef>
-              <a:buFont typeface="Arial" pitchFamily="34" charset="0"/>
-              <a:buChar char="•"/>
-              <a:defRPr sz="1800" kern="1200">
-                <a:solidFill>
-                  <a:schemeClr val="tx1"/>
-                </a:solidFill>
-                <a:latin typeface="+mn-lt"/>
-                <a:ea typeface="+mn-ea"/>
-                <a:cs typeface="+mn-cs"/>
-              </a:defRPr>
-            </a:lvl9pPr>
-          </a:lstStyle>
-          <a:p>
-            <a:r>
-              <a:rPr lang="en-US" altLang="ko-KR" dirty="0"/>
-              <a:t>OS: Windows 10</a:t>
-            </a:r>
-          </a:p>
-          <a:p>
-            <a:r>
-              <a:rPr lang="en-US" altLang="ko-KR" dirty="0"/>
-              <a:t>Language: Python</a:t>
-            </a:r>
-          </a:p>
-          <a:p>
-            <a:r>
-              <a:rPr lang="en-US" altLang="ko-KR" dirty="0"/>
-              <a:t>API: </a:t>
-            </a:r>
-            <a:r>
-              <a:rPr lang="en-US" altLang="ko-KR" dirty="0" err="1"/>
-              <a:t>Tensorflow</a:t>
-            </a:r>
-            <a:r>
-              <a:rPr lang="en-US" altLang="ko-KR" dirty="0"/>
-              <a:t> (GPU)</a:t>
+              <a:t>개발 환경</a:t>
             </a:r>
           </a:p>
         </p:txBody>
@@ -9570,63 +9304,6 @@
       </p:sp>
       <p:sp>
         <p:nvSpPr>
-          <p:cNvPr id="8" name="직사각형 7"/>
-          <p:cNvSpPr/>
-          <p:nvPr/>
-        </p:nvSpPr>
-        <p:spPr>
-          <a:xfrm>
-            <a:off x="251855" y="272325"/>
-            <a:ext cx="780983" cy="523220"/>
-          </a:xfrm>
-          <a:prstGeom prst="rect">
-            <a:avLst/>
-          </a:prstGeom>
-        </p:spPr>
-        <p:txBody>
-          <a:bodyPr wrap="none">
-            <a:spAutoFit/>
-          </a:bodyPr>
-          <a:lstStyle/>
-          <a:p>
-            <a:pPr marL="0" marR="0" lvl="0" indent="0" algn="ctr" defTabSz="914400" rtl="0" eaLnBrk="1" fontAlgn="auto" latinLnBrk="1" hangingPunct="1">
-              <a:lnSpc>
-                <a:spcPct val="100000"/>
-              </a:lnSpc>
-              <a:spcBef>
-                <a:spcPts val="0"/>
-              </a:spcBef>
-              <a:spcAft>
-                <a:spcPts val="0"/>
-              </a:spcAft>
-              <a:buClrTx/>
-              <a:buSzTx/>
-              <a:buFontTx/>
-              <a:buNone/>
-              <a:tabLst/>
-              <a:defRPr/>
-            </a:pPr>
-            <a:r>
-              <a:rPr kumimoji="0" lang="ko-KR" altLang="en-US" sz="2800" b="1" i="0" u="none" strike="noStrike" kern="1200" cap="none" spc="-150" normalizeH="0" baseline="0" noProof="0" dirty="0">
-                <a:ln>
-                  <a:noFill/>
-                </a:ln>
-                <a:solidFill>
-                  <a:prstClr val="white"/>
-                </a:solidFill>
-                <a:effectLst/>
-                <a:uLnTx/>
-                <a:uFillTx/>
-                <a:latin typeface="Rix비타민 M" panose="02020603020101020101" pitchFamily="18" charset="-127"/>
-                <a:ea typeface="Rix비타민 M" panose="02020603020101020101" pitchFamily="18" charset="-127"/>
-              </a:rPr>
-              <a:t>결론</a:t>
-            </a:r>
-          </a:p>
-        </p:txBody>
-      </p:sp>
-      <p:sp>
-        <p:nvSpPr>
           <p:cNvPr id="9" name="TextBox 8"/>
           <p:cNvSpPr txBox="1"/>
           <p:nvPr/>
@@ -9728,6 +9405,69 @@
           </a:prstGeom>
         </p:spPr>
       </p:pic>
+      <p:sp>
+        <p:nvSpPr>
+          <p:cNvPr id="7" name="직사각형 6">
+            <a:extLst>
+              <a:ext uri="{FF2B5EF4-FFF2-40B4-BE49-F238E27FC236}">
+                <a16:creationId xmlns:a16="http://schemas.microsoft.com/office/drawing/2014/main" id="{4C4ED3B3-44AE-4CFD-B7CF-DED8A06AAA03}"/>
+              </a:ext>
+            </a:extLst>
+          </p:cNvPr>
+          <p:cNvSpPr/>
+          <p:nvPr/>
+        </p:nvSpPr>
+        <p:spPr>
+          <a:xfrm>
+            <a:off x="0" y="265007"/>
+            <a:ext cx="1506265" cy="523220"/>
+          </a:xfrm>
+          <a:prstGeom prst="rect">
+            <a:avLst/>
+          </a:prstGeom>
+        </p:spPr>
+        <p:txBody>
+          <a:bodyPr wrap="square">
+            <a:spAutoFit/>
+          </a:bodyPr>
+          <a:lstStyle/>
+          <a:p>
+            <a:pPr marL="0" marR="0" lvl="0" indent="0" algn="ctr" defTabSz="914400" rtl="0" eaLnBrk="1" fontAlgn="auto" latinLnBrk="1" hangingPunct="1">
+              <a:lnSpc>
+                <a:spcPct val="100000"/>
+              </a:lnSpc>
+              <a:spcBef>
+                <a:spcPts val="0"/>
+              </a:spcBef>
+              <a:spcAft>
+                <a:spcPts val="0"/>
+              </a:spcAft>
+              <a:buClrTx/>
+              <a:buSzTx/>
+              <a:buFontTx/>
+              <a:buNone/>
+              <a:tabLst/>
+              <a:defRPr/>
+            </a:pPr>
+            <a:r>
+              <a:rPr kumimoji="0" lang="ko-KR" altLang="en-US" sz="2800" b="1" i="0" u="none" strike="noStrike" kern="1200" cap="none" spc="-150" normalizeH="0" baseline="0" noProof="0" dirty="0">
+                <a:ln>
+                  <a:noFill/>
+                </a:ln>
+                <a:solidFill>
+                  <a:prstClr val="white"/>
+                </a:solidFill>
+                <a:effectLst/>
+                <a:uLnTx/>
+                <a:uFillTx/>
+                <a:latin typeface="Rix비타민 M" panose="02020603020101020101" pitchFamily="18" charset="-127"/>
+                <a:ea typeface="Rix비타민 M" panose="02020603020101020101" pitchFamily="18" charset="-127"/>
+              </a:rPr>
+              <a:t>연구 일정</a:t>
+            </a:r>
+          </a:p>
+        </p:txBody>
+      </p:sp>
     </p:spTree>
     <p:extLst>
       <p:ext uri="{BB962C8B-B14F-4D97-AF65-F5344CB8AC3E}">
@@ -11733,6 +11473,26 @@
                 <a:ea typeface="HY헤드라인M" pitchFamily="18" charset="-127"/>
               </a:rPr>
               <a:t>    </a:t>
+            </a:r>
+            <a:r>
+              <a:rPr lang="ko-KR" altLang="en-US" sz="3500" dirty="0">
+                <a:solidFill>
+                  <a:schemeClr val="bg1"/>
+                </a:solidFill>
+                <a:latin typeface="HY헤드라인M" pitchFamily="18" charset="-127"/>
+                <a:ea typeface="HY헤드라인M" pitchFamily="18" charset="-127"/>
+              </a:rPr>
+              <a:t>논문</a:t>
+            </a:r>
+            <a:r>
+              <a:rPr lang="en-US" altLang="ko-KR" sz="3500" dirty="0">
+                <a:solidFill>
+                  <a:schemeClr val="bg1"/>
+                </a:solidFill>
+                <a:latin typeface="HY헤드라인M" pitchFamily="18" charset="-127"/>
+                <a:ea typeface="HY헤드라인M" pitchFamily="18" charset="-127"/>
+              </a:rPr>
+              <a:t> </a:t>
             </a:r>
             <a:r>
               <a:rPr lang="ko-KR" altLang="en-US" sz="3500" dirty="0">
@@ -13177,14 +12937,14 @@
           <p:nvPr>
             <p:extLst>
               <p:ext uri="{D42A27DB-BD31-4B8C-83A1-F6EECF244321}">
-                <p14:modId xmlns:p14="http://schemas.microsoft.com/office/powerpoint/2010/main" val="548675273"/>
+                <p14:modId xmlns:p14="http://schemas.microsoft.com/office/powerpoint/2010/main" val="1756546173"/>
               </p:ext>
             </p:extLst>
           </p:nvPr>
         </p:nvGraphicFramePr>
         <p:xfrm>
           <a:off x="431539" y="1336596"/>
-          <a:ext cx="8280921" cy="5049203"/>
+          <a:ext cx="8280921" cy="4944861"/>
         </p:xfrm>
         <a:graphic>
           <a:graphicData uri="http://schemas.openxmlformats.org/drawingml/2006/table">
@@ -13247,18 +13007,13 @@
                     <a:p>
                       <a:pPr algn="ctr" latinLnBrk="1"/>
                       <a:r>
-                        <a:rPr lang="ko-KR" altLang="en-US" sz="2200" dirty="0" err="1">
+                        <a:rPr lang="ko-KR" altLang="en-US" sz="2200" dirty="0">
                           <a:solidFill>
                             <a:schemeClr val="tx1"/>
                           </a:solidFill>
                         </a:rPr>
-                        <a:t>에스원</a:t>
+                        <a:t>지능형 영상보안</a:t>
                       </a:r>
-                      <a:endParaRPr lang="ko-KR" altLang="en-US" sz="2200" dirty="0">
-                        <a:solidFill>
-                          <a:schemeClr val="tx1"/>
-                        </a:solidFill>
-                      </a:endParaRPr>
                     </a:p>
                   </a:txBody>
                   <a:tcPr>
@@ -13276,12 +13031,12 @@
                     <a:p>
                       <a:pPr algn="ctr" latinLnBrk="1"/>
                       <a:r>
-                        <a:rPr lang="ko-KR" altLang="en-US" sz="2200" dirty="0" err="1">
+                        <a:rPr lang="en-US" altLang="ko-KR" sz="2200" dirty="0" err="1">
                           <a:solidFill>
                             <a:schemeClr val="tx1"/>
                           </a:solidFill>
                         </a:rPr>
-                        <a:t>일리시스</a:t>
+                        <a:t>IntelliVIX</a:t>
                       </a:r>
                       <a:endParaRPr lang="ko-KR" altLang="en-US" sz="2200" dirty="0">
                         <a:solidFill>
@@ -13392,7 +13147,22 @@
                       </a:r>
                       <a:r>
                         <a:rPr lang="ko-KR" altLang="en-US" sz="2000" dirty="0"/>
-                        <a:t>에서 출시한 제품</a:t>
+                        <a:t>에서 출시한 </a:t>
+                      </a:r>
+                      <a:endParaRPr lang="en-US" altLang="ko-KR" sz="2000" dirty="0"/>
+                    </a:p>
+                    <a:p>
+                      <a:pPr marL="0" indent="0" algn="l" latinLnBrk="1">
+                        <a:buFontTx/>
+                        <a:buNone/>
+                      </a:pPr>
+                      <a:r>
+                        <a:rPr lang="en-US" altLang="ko-KR" sz="2000" dirty="0"/>
+                        <a:t>    </a:t>
+                      </a:r>
+                      <a:r>
+                        <a:rPr lang="ko-KR" altLang="en-US" sz="2000" dirty="0"/>
+                        <a:t>제품</a:t>
                       </a:r>
                       <a:endParaRPr lang="en-US" altLang="ko-KR" sz="2000" dirty="0"/>
                     </a:p>
@@ -13422,7 +13192,7 @@
                       </a:r>
                       <a:r>
                         <a:rPr lang="en-US" altLang="ko-KR" sz="2000" dirty="0"/>
-                        <a:t>,   </a:t>
+                        <a:t>, </a:t>
                       </a:r>
                       <a:r>
                         <a:rPr lang="ko-KR" altLang="en-US" sz="2000" dirty="0"/>
@@ -13434,7 +13204,7 @@
                       </a:r>
                       <a:r>
                         <a:rPr lang="ko-KR" altLang="en-US" sz="2000" dirty="0"/>
-                        <a:t>카메라 훼손감지 기능제공</a:t>
+                        <a:t>카메라 훼손감지 기능 제공</a:t>
                       </a:r>
                       <a:endParaRPr lang="en-US" altLang="ko-KR" sz="2000" dirty="0"/>
                     </a:p>
@@ -13495,7 +13265,7 @@
                       </a:pPr>
                       <a:r>
                         <a:rPr lang="ko-KR" altLang="en-US" sz="2000" dirty="0"/>
-                        <a:t>침입감지</a:t>
+                        <a:t>침입 감지</a:t>
                       </a:r>
                       <a:r>
                         <a:rPr lang="en-US" altLang="ko-KR" sz="2000" dirty="0"/>
@@ -13527,7 +13297,7 @@
                       </a:r>
                       <a:r>
                         <a:rPr lang="ko-KR" altLang="en-US" sz="2000" dirty="0"/>
-                        <a:t>넘어짐 감지 기능제공</a:t>
+                        <a:t>넘어짐 감지 기능 제공</a:t>
                       </a:r>
                     </a:p>
                   </a:txBody>
@@ -13569,22 +13339,7 @@
                       </a:r>
                       <a:r>
                         <a:rPr lang="ko-KR" altLang="en-US" sz="2000" dirty="0"/>
-                        <a:t>에서 출시한 제</a:t>
-                      </a:r>
-                      <a:endParaRPr lang="en-US" altLang="ko-KR" sz="2000" dirty="0"/>
-                    </a:p>
-                    <a:p>
-                      <a:pPr marL="0" indent="0" algn="l" latinLnBrk="1">
-                        <a:buFontTx/>
-                        <a:buNone/>
-                      </a:pPr>
-                      <a:r>
-                        <a:rPr lang="en-US" altLang="ko-KR" sz="2000" dirty="0"/>
-                        <a:t>    </a:t>
-                      </a:r>
-                      <a:r>
-                        <a:rPr lang="ko-KR" altLang="en-US" sz="2000" dirty="0"/>
-                        <a:t>품</a:t>
+                        <a:t>에서 출시한 제품</a:t>
                       </a:r>
                       <a:endParaRPr lang="en-US" altLang="ko-KR" sz="2000" dirty="0"/>
                     </a:p>
@@ -13618,7 +13373,7 @@
                       </a:r>
                       <a:r>
                         <a:rPr lang="ko-KR" altLang="en-US" sz="2000" dirty="0"/>
-                        <a:t>기능제공</a:t>
+                        <a:t>기능 제공</a:t>
                       </a:r>
                       <a:endParaRPr lang="en-US" altLang="ko-KR" sz="2000" dirty="0"/>
                     </a:p>
@@ -15842,10 +15597,55 @@
       </p:sp>
       <p:sp>
         <p:nvSpPr>
-          <p:cNvPr id="18" name="직사각형 17">
+          <p:cNvPr id="26" name="TextBox 25">
             <a:extLst>
               <a:ext uri="{FF2B5EF4-FFF2-40B4-BE49-F238E27FC236}">
-                <a16:creationId xmlns:a16="http://schemas.microsoft.com/office/drawing/2014/main" id="{624283E6-A896-4603-BE5A-00633C3001B7}"/>
+                <a16:creationId xmlns:a16="http://schemas.microsoft.com/office/drawing/2014/main" id="{B87290D9-38FB-41BE-8EED-E3173AC1DE45}"/>
+              </a:ext>
+            </a:extLst>
+          </p:cNvPr>
+          <p:cNvSpPr txBox="1"/>
+          <p:nvPr/>
+        </p:nvSpPr>
+        <p:spPr>
+          <a:xfrm>
+            <a:off x="0" y="971581"/>
+            <a:ext cx="4067943" cy="446276"/>
+          </a:xfrm>
+          <a:prstGeom prst="rect">
+            <a:avLst/>
+          </a:prstGeom>
+          <a:noFill/>
+        </p:spPr>
+        <p:txBody>
+          <a:bodyPr wrap="square" rtlCol="0">
+            <a:spAutoFit/>
+          </a:bodyPr>
+          <a:lstStyle/>
+          <a:p>
+            <a:r>
+              <a:rPr lang="en-US" altLang="ko-KR" sz="2300" dirty="0">
+                <a:latin typeface="Rix비타민 M" panose="02020603020101020101" pitchFamily="18" charset="-127"/>
+                <a:ea typeface="Rix비타민 M" panose="02020603020101020101" pitchFamily="18" charset="-127"/>
+              </a:rPr>
+              <a:t>CNN</a:t>
+            </a:r>
+            <a:r>
+              <a:rPr lang="ko-KR" altLang="en-US" sz="2300" dirty="0">
+                <a:latin typeface="Rix비타민 M" panose="02020603020101020101" pitchFamily="18" charset="-127"/>
+                <a:ea typeface="Rix비타민 M" panose="02020603020101020101" pitchFamily="18" charset="-127"/>
+              </a:rPr>
+              <a:t>을 이용한 차종 판별 시스템</a:t>
+            </a:r>
+          </a:p>
+        </p:txBody>
+      </p:sp>
+      <p:sp>
+        <p:nvSpPr>
+          <p:cNvPr id="27" name="직사각형 26">
+            <a:extLst>
+              <a:ext uri="{FF2B5EF4-FFF2-40B4-BE49-F238E27FC236}">
+                <a16:creationId xmlns:a16="http://schemas.microsoft.com/office/drawing/2014/main" id="{54A03620-BADD-41CD-89AE-E996B75CB950}"/>
               </a:ext>
             </a:extLst>
           </p:cNvPr>
@@ -15854,15 +15654,15 @@
         </p:nvSpPr>
         <p:spPr>
           <a:xfrm>
-            <a:off x="185415" y="251266"/>
-            <a:ext cx="780983" cy="523220"/>
+            <a:off x="0" y="265007"/>
+            <a:ext cx="1506265" cy="523220"/>
           </a:xfrm>
           <a:prstGeom prst="rect">
             <a:avLst/>
           </a:prstGeom>
         </p:spPr>
         <p:txBody>
-          <a:bodyPr wrap="none">
+          <a:bodyPr wrap="square">
             <a:spAutoFit/>
           </a:bodyPr>
           <a:lstStyle/>
@@ -15885,7 +15685,7 @@
               <a:defRPr/>
             </a:pPr>
             <a:r>
-              <a:rPr kumimoji="0" lang="ko-KR" altLang="en-US" sz="2800" b="1" i="0" u="none" strike="noStrike" kern="1200" cap="none" spc="-150" normalizeH="0" baseline="0" noProof="0">
+              <a:rPr kumimoji="0" lang="ko-KR" altLang="en-US" sz="2800" b="1" i="0" u="none" strike="noStrike" kern="1200" cap="none" spc="-150" normalizeH="0" baseline="0" noProof="0" dirty="0">
                 <a:ln>
                   <a:noFill/>
                 </a:ln>
@@ -15898,65 +15698,7 @@
                 <a:latin typeface="Rix비타민 M" panose="02020603020101020101" pitchFamily="18" charset="-127"/>
                 <a:ea typeface="Rix비타민 M" panose="02020603020101020101" pitchFamily="18" charset="-127"/>
               </a:rPr>
-              <a:t>주제</a:t>
-            </a:r>
-            <a:endParaRPr kumimoji="0" lang="ko-KR" altLang="en-US" sz="2800" b="1" i="0" u="none" strike="noStrike" kern="1200" cap="none" spc="-150" normalizeH="0" baseline="0" noProof="0" dirty="0">
-              <a:ln>
-                <a:noFill/>
-              </a:ln>
-              <a:solidFill>
-                <a:prstClr val="white"/>
-              </a:solidFill>
-              <a:effectLst/>
-              <a:uLnTx/>
-              <a:uFillTx/>
-              <a:latin typeface="Rix비타민 M" panose="02020603020101020101" pitchFamily="18" charset="-127"/>
-              <a:ea typeface="Rix비타민 M" panose="02020603020101020101" pitchFamily="18" charset="-127"/>
-            </a:endParaRPr>
-          </a:p>
-        </p:txBody>
-      </p:sp>
-      <p:sp>
-        <p:nvSpPr>
-          <p:cNvPr id="26" name="TextBox 25">
-            <a:extLst>
-              <a:ext uri="{FF2B5EF4-FFF2-40B4-BE49-F238E27FC236}">
-                <a16:creationId xmlns:a16="http://schemas.microsoft.com/office/drawing/2014/main" id="{B87290D9-38FB-41BE-8EED-E3173AC1DE45}"/>
-              </a:ext>
-            </a:extLst>
-          </p:cNvPr>
-          <p:cNvSpPr txBox="1"/>
-          <p:nvPr/>
-        </p:nvSpPr>
-        <p:spPr>
-          <a:xfrm>
-            <a:off x="0" y="971581"/>
-            <a:ext cx="4067943" cy="446276"/>
-          </a:xfrm>
-          <a:prstGeom prst="rect">
-            <a:avLst/>
-          </a:prstGeom>
-          <a:noFill/>
-        </p:spPr>
-        <p:txBody>
-          <a:bodyPr wrap="square" rtlCol="0">
-            <a:spAutoFit/>
-          </a:bodyPr>
-          <a:lstStyle/>
-          <a:p>
-            <a:r>
-              <a:rPr lang="en-US" altLang="ko-KR" sz="2300" dirty="0">
-                <a:latin typeface="Rix비타민 M" panose="02020603020101020101" pitchFamily="18" charset="-127"/>
-                <a:ea typeface="Rix비타민 M" panose="02020603020101020101" pitchFamily="18" charset="-127"/>
-              </a:rPr>
-              <a:t>CNN</a:t>
-            </a:r>
-            <a:r>
-              <a:rPr lang="ko-KR" altLang="en-US" sz="2300" dirty="0">
-                <a:latin typeface="Rix비타민 M" panose="02020603020101020101" pitchFamily="18" charset="-127"/>
-                <a:ea typeface="Rix비타민 M" panose="02020603020101020101" pitchFamily="18" charset="-127"/>
-              </a:rPr>
-              <a:t>을 이용한 차종 판별 시스템</a:t>
+              <a:t>논문 주제</a:t>
             </a:r>
           </a:p>
         </p:txBody>
@@ -16221,10 +15963,247 @@
       </p:sp>
       <p:sp>
         <p:nvSpPr>
-          <p:cNvPr id="18" name="직사각형 17">
+          <p:cNvPr id="26" name="TextBox 25">
             <a:extLst>
               <a:ext uri="{FF2B5EF4-FFF2-40B4-BE49-F238E27FC236}">
-                <a16:creationId xmlns:a16="http://schemas.microsoft.com/office/drawing/2014/main" id="{624283E6-A896-4603-BE5A-00633C3001B7}"/>
+                <a16:creationId xmlns:a16="http://schemas.microsoft.com/office/drawing/2014/main" id="{B87290D9-38FB-41BE-8EED-E3173AC1DE45}"/>
+              </a:ext>
+            </a:extLst>
+          </p:cNvPr>
+          <p:cNvSpPr txBox="1"/>
+          <p:nvPr/>
+        </p:nvSpPr>
+        <p:spPr>
+          <a:xfrm>
+            <a:off x="0" y="971581"/>
+            <a:ext cx="4067943" cy="446276"/>
+          </a:xfrm>
+          <a:prstGeom prst="rect">
+            <a:avLst/>
+          </a:prstGeom>
+          <a:noFill/>
+        </p:spPr>
+        <p:txBody>
+          <a:bodyPr wrap="square" rtlCol="0">
+            <a:spAutoFit/>
+          </a:bodyPr>
+          <a:lstStyle/>
+          <a:p>
+            <a:r>
+              <a:rPr lang="en-US" altLang="ko-KR" sz="2300" dirty="0">
+                <a:latin typeface="Rix비타민 M" panose="02020603020101020101" pitchFamily="18" charset="-127"/>
+                <a:ea typeface="Rix비타민 M" panose="02020603020101020101" pitchFamily="18" charset="-127"/>
+              </a:rPr>
+              <a:t>CNN</a:t>
+            </a:r>
+            <a:r>
+              <a:rPr lang="ko-KR" altLang="en-US" sz="2300" dirty="0">
+                <a:latin typeface="Rix비타민 M" panose="02020603020101020101" pitchFamily="18" charset="-127"/>
+                <a:ea typeface="Rix비타민 M" panose="02020603020101020101" pitchFamily="18" charset="-127"/>
+              </a:rPr>
+              <a:t>을 이용한 차종 판별 시스템</a:t>
+            </a:r>
+          </a:p>
+        </p:txBody>
+      </p:sp>
+      <p:sp>
+        <p:nvSpPr>
+          <p:cNvPr id="27" name="TextBox 26">
+            <a:extLst>
+              <a:ext uri="{FF2B5EF4-FFF2-40B4-BE49-F238E27FC236}">
+                <a16:creationId xmlns:a16="http://schemas.microsoft.com/office/drawing/2014/main" id="{2CCE3C9E-785B-40D0-8D75-1058C7E0D12E}"/>
+              </a:ext>
+            </a:extLst>
+          </p:cNvPr>
+          <p:cNvSpPr txBox="1"/>
+          <p:nvPr/>
+        </p:nvSpPr>
+        <p:spPr>
+          <a:xfrm>
+            <a:off x="185415" y="1718874"/>
+            <a:ext cx="8991165" cy="3323987"/>
+          </a:xfrm>
+          <a:prstGeom prst="rect">
+            <a:avLst/>
+          </a:prstGeom>
+          <a:noFill/>
+        </p:spPr>
+        <p:txBody>
+          <a:bodyPr wrap="square" rtlCol="0">
+            <a:spAutoFit/>
+          </a:bodyPr>
+          <a:lstStyle/>
+          <a:p>
+            <a:pPr marL="342900" indent="-342900">
+              <a:buFont typeface="+mj-lt"/>
+              <a:buAutoNum type="arabicPeriod"/>
+            </a:pPr>
+            <a:r>
+              <a:rPr lang="en-US" altLang="ko-KR" sz="2500" dirty="0"/>
+              <a:t>Open source Image dataset</a:t>
+            </a:r>
+            <a:r>
+              <a:rPr lang="ko-KR" altLang="en-US" sz="2500" dirty="0"/>
+              <a:t>을 지정한 차종에 따라 분류</a:t>
+            </a:r>
+            <a:endParaRPr lang="en-US" altLang="ko-KR" sz="2500" dirty="0"/>
+          </a:p>
+          <a:p>
+            <a:pPr marL="800100" lvl="1" indent="-342900">
+              <a:buFont typeface="Arial" panose="020B0604020202020204" pitchFamily="34" charset="0"/>
+              <a:buChar char="•"/>
+            </a:pPr>
+            <a:r>
+              <a:rPr lang="ko-KR" altLang="en-US" sz="2000" dirty="0"/>
+              <a:t>지정한 차종에 부합하는 다양한 환경에서의 </a:t>
+            </a:r>
+            <a:r>
+              <a:rPr lang="en-US" altLang="ko-KR" sz="2000" dirty="0"/>
+              <a:t>Image </a:t>
+            </a:r>
+            <a:r>
+              <a:rPr lang="ko-KR" altLang="en-US" sz="2000" dirty="0"/>
+              <a:t>확보 필요</a:t>
+            </a:r>
+            <a:endParaRPr lang="en-US" altLang="ko-KR" sz="2000" dirty="0"/>
+          </a:p>
+          <a:p>
+            <a:pPr marL="457200" indent="-457200">
+              <a:buFont typeface="+mj-lt"/>
+              <a:buAutoNum type="arabicPeriod"/>
+            </a:pPr>
+            <a:endParaRPr lang="en-US" altLang="ko-KR" sz="2500" dirty="0"/>
+          </a:p>
+          <a:p>
+            <a:pPr marL="457200" indent="-457200">
+              <a:buFont typeface="+mj-lt"/>
+              <a:buAutoNum type="arabicPeriod"/>
+            </a:pPr>
+            <a:r>
+              <a:rPr lang="en-US" altLang="ko-KR" sz="2500" dirty="0"/>
+              <a:t>Test image</a:t>
+            </a:r>
+            <a:r>
+              <a:rPr lang="ko-KR" altLang="en-US" sz="2500" dirty="0"/>
+              <a:t>를 기반으로 다양한 </a:t>
+            </a:r>
+            <a:r>
+              <a:rPr lang="en-US" altLang="ko-KR" sz="2500" dirty="0"/>
+              <a:t>CNN </a:t>
+            </a:r>
+            <a:r>
+              <a:rPr lang="ko-KR" altLang="en-US" sz="2500" dirty="0"/>
+              <a:t>모델의 학습 진행</a:t>
+            </a:r>
+            <a:endParaRPr lang="en-US" altLang="ko-KR" sz="2000" dirty="0"/>
+          </a:p>
+          <a:p>
+            <a:pPr marL="800100" lvl="1" indent="-342900">
+              <a:buFont typeface="Arial" panose="020B0604020202020204" pitchFamily="34" charset="0"/>
+              <a:buChar char="•"/>
+            </a:pPr>
+            <a:r>
+              <a:rPr lang="en-US" altLang="ko-KR" sz="2000" dirty="0"/>
+              <a:t>90% </a:t>
+            </a:r>
+            <a:r>
+              <a:rPr lang="ko-KR" altLang="en-US" sz="2000" dirty="0"/>
+              <a:t>정확도를 기준으로 </a:t>
+            </a:r>
+            <a:r>
+              <a:rPr lang="ko-KR" altLang="en-US" sz="2000" dirty="0" err="1"/>
+              <a:t>모델별</a:t>
+            </a:r>
+            <a:r>
+              <a:rPr lang="ko-KR" altLang="en-US" sz="2000" dirty="0"/>
+              <a:t> 학습 시간 측정</a:t>
+            </a:r>
+            <a:endParaRPr lang="en-US" altLang="ko-KR" sz="2000" dirty="0"/>
+          </a:p>
+          <a:p>
+            <a:pPr marL="457200" indent="-457200">
+              <a:buFont typeface="+mj-lt"/>
+              <a:buAutoNum type="arabicPeriod"/>
+            </a:pPr>
+            <a:endParaRPr lang="en-US" altLang="ko-KR" sz="2500" dirty="0"/>
+          </a:p>
+          <a:p>
+            <a:pPr marL="342900" indent="-342900">
+              <a:buFont typeface="+mj-lt"/>
+              <a:buAutoNum type="arabicPeriod"/>
+            </a:pPr>
+            <a:r>
+              <a:rPr lang="ko-KR" altLang="en-US" sz="2500" dirty="0"/>
+              <a:t>최적의 효율을 내는 모델 탐색</a:t>
+            </a:r>
+            <a:endParaRPr lang="en-US" altLang="ko-KR" sz="2500" dirty="0"/>
+          </a:p>
+          <a:p>
+            <a:pPr marL="800100" lvl="1" indent="-342900">
+              <a:buFont typeface="Arial" panose="020B0604020202020204" pitchFamily="34" charset="0"/>
+              <a:buChar char="•"/>
+            </a:pPr>
+            <a:r>
+              <a:rPr lang="ko-KR" altLang="en-US" sz="2000" dirty="0"/>
+              <a:t>최적 모델을 분석하고 타 모델과의 차이점 분석</a:t>
+            </a:r>
+            <a:endParaRPr lang="en-US" altLang="ko-KR" sz="2000" dirty="0"/>
+          </a:p>
+          <a:p>
+            <a:pPr marL="342900" indent="-342900">
+              <a:buFont typeface="Arial" panose="020B0604020202020204" pitchFamily="34" charset="0"/>
+              <a:buChar char="•"/>
+            </a:pPr>
+            <a:endParaRPr lang="en-US" altLang="ko-KR" sz="2500" dirty="0"/>
+          </a:p>
+        </p:txBody>
+      </p:sp>
+      <p:sp>
+        <p:nvSpPr>
+          <p:cNvPr id="5" name="TextBox 4">
+            <a:extLst>
+              <a:ext uri="{FF2B5EF4-FFF2-40B4-BE49-F238E27FC236}">
+                <a16:creationId xmlns:a16="http://schemas.microsoft.com/office/drawing/2014/main" id="{8B501674-9B29-498E-88AD-2D057744411B}"/>
+              </a:ext>
+            </a:extLst>
+          </p:cNvPr>
+          <p:cNvSpPr txBox="1"/>
+          <p:nvPr/>
+        </p:nvSpPr>
+        <p:spPr>
+          <a:xfrm>
+            <a:off x="109470" y="5455865"/>
+            <a:ext cx="8853051" cy="523220"/>
+          </a:xfrm>
+          <a:prstGeom prst="rect">
+            <a:avLst/>
+          </a:prstGeom>
+          <a:noFill/>
+        </p:spPr>
+        <p:txBody>
+          <a:bodyPr wrap="square" rtlCol="0">
+            <a:spAutoFit/>
+          </a:bodyPr>
+          <a:lstStyle/>
+          <a:p>
+            <a:pPr marL="285750" indent="-285750">
+              <a:buFont typeface="Wingdings" panose="05000000000000000000" pitchFamily="2" charset="2"/>
+              <a:buChar char="Ø"/>
+            </a:pPr>
+            <a:r>
+              <a:rPr lang="ko-KR" altLang="en-US" sz="2800" b="1" dirty="0"/>
+              <a:t> 최적 성능 모델의 알고리즘을 분석하고 성능을 개선</a:t>
+            </a:r>
+            <a:endParaRPr lang="en-US" altLang="ko-KR" sz="2800" b="1" dirty="0"/>
+          </a:p>
+        </p:txBody>
+      </p:sp>
+      <p:sp>
+        <p:nvSpPr>
+          <p:cNvPr id="10" name="직사각형 9">
+            <a:extLst>
+              <a:ext uri="{FF2B5EF4-FFF2-40B4-BE49-F238E27FC236}">
+                <a16:creationId xmlns:a16="http://schemas.microsoft.com/office/drawing/2014/main" id="{4C3974E4-B13C-46A8-97A1-81A536782AF8}"/>
               </a:ext>
             </a:extLst>
           </p:cNvPr>
@@ -16233,15 +16212,15 @@
         </p:nvSpPr>
         <p:spPr>
           <a:xfrm>
-            <a:off x="185415" y="251266"/>
-            <a:ext cx="780983" cy="523220"/>
+            <a:off x="0" y="265007"/>
+            <a:ext cx="1506265" cy="523220"/>
           </a:xfrm>
           <a:prstGeom prst="rect">
             <a:avLst/>
           </a:prstGeom>
         </p:spPr>
         <p:txBody>
-          <a:bodyPr wrap="none">
+          <a:bodyPr wrap="square">
             <a:spAutoFit/>
           </a:bodyPr>
           <a:lstStyle/>
@@ -16264,7 +16243,7 @@
               <a:defRPr/>
             </a:pPr>
             <a:r>
-              <a:rPr kumimoji="0" lang="ko-KR" altLang="en-US" sz="2800" b="1" i="0" u="none" strike="noStrike" kern="1200" cap="none" spc="-150" normalizeH="0" baseline="0" noProof="0">
+              <a:rPr kumimoji="0" lang="ko-KR" altLang="en-US" sz="2800" b="1" i="0" u="none" strike="noStrike" kern="1200" cap="none" spc="-150" normalizeH="0" baseline="0" noProof="0" dirty="0">
                 <a:ln>
                   <a:noFill/>
                 </a:ln>
@@ -16277,258 +16256,8 @@
                 <a:latin typeface="Rix비타민 M" panose="02020603020101020101" pitchFamily="18" charset="-127"/>
                 <a:ea typeface="Rix비타민 M" panose="02020603020101020101" pitchFamily="18" charset="-127"/>
               </a:rPr>
-              <a:t>주제</a:t>
-            </a:r>
-            <a:endParaRPr kumimoji="0" lang="ko-KR" altLang="en-US" sz="2800" b="1" i="0" u="none" strike="noStrike" kern="1200" cap="none" spc="-150" normalizeH="0" baseline="0" noProof="0" dirty="0">
-              <a:ln>
-                <a:noFill/>
-              </a:ln>
-              <a:solidFill>
-                <a:prstClr val="white"/>
-              </a:solidFill>
-              <a:effectLst/>
-              <a:uLnTx/>
-              <a:uFillTx/>
-              <a:latin typeface="Rix비타민 M" panose="02020603020101020101" pitchFamily="18" charset="-127"/>
-              <a:ea typeface="Rix비타민 M" panose="02020603020101020101" pitchFamily="18" charset="-127"/>
-            </a:endParaRPr>
-          </a:p>
-        </p:txBody>
-      </p:sp>
-      <p:sp>
-        <p:nvSpPr>
-          <p:cNvPr id="26" name="TextBox 25">
-            <a:extLst>
-              <a:ext uri="{FF2B5EF4-FFF2-40B4-BE49-F238E27FC236}">
-                <a16:creationId xmlns:a16="http://schemas.microsoft.com/office/drawing/2014/main" id="{B87290D9-38FB-41BE-8EED-E3173AC1DE45}"/>
-              </a:ext>
-            </a:extLst>
-          </p:cNvPr>
-          <p:cNvSpPr txBox="1"/>
-          <p:nvPr/>
-        </p:nvSpPr>
-        <p:spPr>
-          <a:xfrm>
-            <a:off x="0" y="971581"/>
-            <a:ext cx="4067943" cy="446276"/>
-          </a:xfrm>
-          <a:prstGeom prst="rect">
-            <a:avLst/>
-          </a:prstGeom>
-          <a:noFill/>
-        </p:spPr>
-        <p:txBody>
-          <a:bodyPr wrap="square" rtlCol="0">
-            <a:spAutoFit/>
-          </a:bodyPr>
-          <a:lstStyle/>
-          <a:p>
-            <a:r>
-              <a:rPr lang="en-US" altLang="ko-KR" sz="2300" dirty="0">
-                <a:latin typeface="Rix비타민 M" panose="02020603020101020101" pitchFamily="18" charset="-127"/>
-                <a:ea typeface="Rix비타민 M" panose="02020603020101020101" pitchFamily="18" charset="-127"/>
-              </a:rPr>
-              <a:t>CNN</a:t>
-            </a:r>
-            <a:r>
-              <a:rPr lang="ko-KR" altLang="en-US" sz="2300" dirty="0">
-                <a:latin typeface="Rix비타민 M" panose="02020603020101020101" pitchFamily="18" charset="-127"/>
-                <a:ea typeface="Rix비타민 M" panose="02020603020101020101" pitchFamily="18" charset="-127"/>
-              </a:rPr>
-              <a:t>을 이용한 차종 판별 시스템</a:t>
-            </a:r>
-          </a:p>
-        </p:txBody>
-      </p:sp>
-      <p:sp>
-        <p:nvSpPr>
-          <p:cNvPr id="27" name="TextBox 26">
-            <a:extLst>
-              <a:ext uri="{FF2B5EF4-FFF2-40B4-BE49-F238E27FC236}">
-                <a16:creationId xmlns:a16="http://schemas.microsoft.com/office/drawing/2014/main" id="{2CCE3C9E-785B-40D0-8D75-1058C7E0D12E}"/>
-              </a:ext>
-            </a:extLst>
-          </p:cNvPr>
-          <p:cNvSpPr txBox="1"/>
-          <p:nvPr/>
-        </p:nvSpPr>
-        <p:spPr>
-          <a:xfrm>
-            <a:off x="185415" y="1718874"/>
-            <a:ext cx="8991165" cy="3323987"/>
-          </a:xfrm>
-          <a:prstGeom prst="rect">
-            <a:avLst/>
-          </a:prstGeom>
-          <a:noFill/>
-        </p:spPr>
-        <p:txBody>
-          <a:bodyPr wrap="square" rtlCol="0">
-            <a:spAutoFit/>
-          </a:bodyPr>
-          <a:lstStyle/>
-          <a:p>
-            <a:pPr marL="342900" indent="-342900">
-              <a:buFont typeface="+mj-lt"/>
-              <a:buAutoNum type="arabicPeriod"/>
-            </a:pPr>
-            <a:r>
-              <a:rPr lang="en-US" altLang="ko-KR" sz="2500" dirty="0"/>
-              <a:t>Open source Image dataset</a:t>
-            </a:r>
-            <a:r>
-              <a:rPr lang="ko-KR" altLang="en-US" sz="2500" dirty="0"/>
-              <a:t>을 지정한 차종에 따라 분류</a:t>
-            </a:r>
-            <a:endParaRPr lang="en-US" altLang="ko-KR" sz="2500" dirty="0"/>
-          </a:p>
-          <a:p>
-            <a:pPr marL="800100" lvl="1" indent="-342900">
-              <a:buFont typeface="Arial" panose="020B0604020202020204" pitchFamily="34" charset="0"/>
-              <a:buChar char="•"/>
-            </a:pPr>
-            <a:r>
-              <a:rPr lang="ko-KR" altLang="en-US" sz="2000" dirty="0"/>
-              <a:t>지정한 차종에 부합하는 다양한 환경에서의 </a:t>
-            </a:r>
-            <a:r>
-              <a:rPr lang="en-US" altLang="ko-KR" sz="2000" dirty="0"/>
-              <a:t>Image </a:t>
-            </a:r>
-            <a:r>
-              <a:rPr lang="ko-KR" altLang="en-US" sz="2000" dirty="0"/>
-              <a:t>확보 필요</a:t>
-            </a:r>
-            <a:endParaRPr lang="en-US" altLang="ko-KR" sz="2000" dirty="0"/>
-          </a:p>
-          <a:p>
-            <a:pPr marL="457200" indent="-457200">
-              <a:buFont typeface="+mj-lt"/>
-              <a:buAutoNum type="arabicPeriod"/>
-            </a:pPr>
-            <a:endParaRPr lang="en-US" altLang="ko-KR" sz="2500" dirty="0"/>
-          </a:p>
-          <a:p>
-            <a:pPr marL="457200" indent="-457200">
-              <a:buFont typeface="+mj-lt"/>
-              <a:buAutoNum type="arabicPeriod"/>
-            </a:pPr>
-            <a:r>
-              <a:rPr lang="en-US" altLang="ko-KR" sz="2500" dirty="0"/>
-              <a:t>Test image</a:t>
-            </a:r>
-            <a:r>
-              <a:rPr lang="ko-KR" altLang="en-US" sz="2500" dirty="0"/>
-              <a:t>를 기반으로 다양한 </a:t>
-            </a:r>
-            <a:r>
-              <a:rPr lang="en-US" altLang="ko-KR" sz="2500" dirty="0"/>
-              <a:t>CNN </a:t>
-            </a:r>
-            <a:r>
-              <a:rPr lang="ko-KR" altLang="en-US" sz="2500" dirty="0"/>
-              <a:t>모델의 학습 진행</a:t>
-            </a:r>
-            <a:endParaRPr lang="en-US" altLang="ko-KR" sz="2000" dirty="0"/>
-          </a:p>
-          <a:p>
-            <a:pPr marL="800100" lvl="1" indent="-342900">
-              <a:buFont typeface="Arial" panose="020B0604020202020204" pitchFamily="34" charset="0"/>
-              <a:buChar char="•"/>
-            </a:pPr>
-            <a:r>
-              <a:rPr lang="en-US" altLang="ko-KR" sz="2000" dirty="0"/>
-              <a:t>90% </a:t>
-            </a:r>
-            <a:r>
-              <a:rPr lang="ko-KR" altLang="en-US" sz="2000" dirty="0"/>
-              <a:t>정확도를 기준으로 </a:t>
-            </a:r>
-            <a:r>
-              <a:rPr lang="ko-KR" altLang="en-US" sz="2000" dirty="0" err="1"/>
-              <a:t>모델별</a:t>
-            </a:r>
-            <a:r>
-              <a:rPr lang="ko-KR" altLang="en-US" sz="2000" dirty="0"/>
-              <a:t> 학습 시간 측정</a:t>
-            </a:r>
-            <a:endParaRPr lang="en-US" altLang="ko-KR" sz="2000" dirty="0"/>
-          </a:p>
-          <a:p>
-            <a:pPr marL="457200" indent="-457200">
-              <a:buFont typeface="+mj-lt"/>
-              <a:buAutoNum type="arabicPeriod"/>
-            </a:pPr>
-            <a:endParaRPr lang="en-US" altLang="ko-KR" sz="2500" dirty="0"/>
-          </a:p>
-          <a:p>
-            <a:pPr marL="342900" indent="-342900">
-              <a:buFont typeface="+mj-lt"/>
-              <a:buAutoNum type="arabicPeriod"/>
-            </a:pPr>
-            <a:r>
-              <a:rPr lang="ko-KR" altLang="en-US" sz="2500" dirty="0"/>
-              <a:t>최적의 효율을 내는 모델 탐색</a:t>
-            </a:r>
-            <a:endParaRPr lang="en-US" altLang="ko-KR" sz="2500" dirty="0"/>
-          </a:p>
-          <a:p>
-            <a:pPr marL="800100" lvl="1" indent="-342900">
-              <a:buFont typeface="Arial" panose="020B0604020202020204" pitchFamily="34" charset="0"/>
-              <a:buChar char="•"/>
-            </a:pPr>
-            <a:r>
-              <a:rPr lang="ko-KR" altLang="en-US" sz="2000" dirty="0"/>
-              <a:t>최적 모델을 분석하고 타 모델과의 차이점 분석</a:t>
-            </a:r>
-            <a:endParaRPr lang="en-US" altLang="ko-KR" sz="2000" dirty="0"/>
-          </a:p>
-          <a:p>
-            <a:pPr marL="342900" indent="-342900">
-              <a:buFont typeface="Arial" panose="020B0604020202020204" pitchFamily="34" charset="0"/>
-              <a:buChar char="•"/>
-            </a:pPr>
-            <a:endParaRPr lang="en-US" altLang="ko-KR" sz="2500" dirty="0"/>
-          </a:p>
-        </p:txBody>
-      </p:sp>
-      <p:sp>
-        <p:nvSpPr>
-          <p:cNvPr id="5" name="TextBox 4">
-            <a:extLst>
-              <a:ext uri="{FF2B5EF4-FFF2-40B4-BE49-F238E27FC236}">
-                <a16:creationId xmlns:a16="http://schemas.microsoft.com/office/drawing/2014/main" id="{8B501674-9B29-498E-88AD-2D057744411B}"/>
-              </a:ext>
-            </a:extLst>
-          </p:cNvPr>
-          <p:cNvSpPr txBox="1"/>
-          <p:nvPr/>
-        </p:nvSpPr>
-        <p:spPr>
-          <a:xfrm>
-            <a:off x="109470" y="5455865"/>
-            <a:ext cx="8853051" cy="523220"/>
-          </a:xfrm>
-          <a:prstGeom prst="rect">
-            <a:avLst/>
-          </a:prstGeom>
-          <a:noFill/>
-        </p:spPr>
-        <p:txBody>
-          <a:bodyPr wrap="square" rtlCol="0">
-            <a:spAutoFit/>
-          </a:bodyPr>
-          <a:lstStyle/>
-          <a:p>
-            <a:pPr marL="285750" indent="-285750">
-              <a:buFont typeface="Wingdings" panose="05000000000000000000" pitchFamily="2" charset="2"/>
-              <a:buChar char="Ø"/>
-            </a:pPr>
-            <a:r>
-              <a:rPr lang="ko-KR" altLang="en-US" sz="2800" b="1" dirty="0"/>
-              <a:t> 최적 성능 모델의 알고리즘을 분석하고 성능을 개선</a:t>
-            </a:r>
-            <a:endParaRPr lang="en-US" altLang="ko-KR" sz="2800" b="1" dirty="0"/>
+              <a:t>논문 주제</a:t>
+            </a:r>
           </a:p>
         </p:txBody>
       </p:sp>
@@ -18052,10 +17781,10 @@
       </p:sp>
       <p:sp>
         <p:nvSpPr>
-          <p:cNvPr id="25" name="직사각형 24">
+          <p:cNvPr id="27" name="직사각형 26">
             <a:extLst>
               <a:ext uri="{FF2B5EF4-FFF2-40B4-BE49-F238E27FC236}">
-                <a16:creationId xmlns:a16="http://schemas.microsoft.com/office/drawing/2014/main" id="{E05D6C49-DC4F-43D4-A1D6-4DE3832133B5}"/>
+                <a16:creationId xmlns:a16="http://schemas.microsoft.com/office/drawing/2014/main" id="{87703B89-3CF9-4C9A-95FE-1DB8D7C840BD}"/>
               </a:ext>
             </a:extLst>
           </p:cNvPr>
@@ -18064,15 +17793,15 @@
         </p:nvSpPr>
         <p:spPr>
           <a:xfrm>
-            <a:off x="185415" y="251266"/>
-            <a:ext cx="780983" cy="523220"/>
+            <a:off x="0" y="265007"/>
+            <a:ext cx="1506265" cy="523220"/>
           </a:xfrm>
           <a:prstGeom prst="rect">
             <a:avLst/>
           </a:prstGeom>
         </p:spPr>
         <p:txBody>
-          <a:bodyPr wrap="none">
+          <a:bodyPr wrap="square">
             <a:spAutoFit/>
           </a:bodyPr>
           <a:lstStyle/>
@@ -18095,7 +17824,7 @@
               <a:defRPr/>
             </a:pPr>
             <a:r>
-              <a:rPr kumimoji="0" lang="ko-KR" altLang="en-US" sz="2800" b="1" i="0" u="none" strike="noStrike" kern="1200" cap="none" spc="-150" normalizeH="0" baseline="0" noProof="0">
+              <a:rPr kumimoji="0" lang="ko-KR" altLang="en-US" sz="2800" b="1" i="0" u="none" strike="noStrike" kern="1200" cap="none" spc="-150" normalizeH="0" baseline="0" noProof="0" dirty="0">
                 <a:ln>
                   <a:noFill/>
                 </a:ln>
@@ -18108,21 +17837,8 @@
                 <a:latin typeface="Rix비타민 M" panose="02020603020101020101" pitchFamily="18" charset="-127"/>
                 <a:ea typeface="Rix비타민 M" panose="02020603020101020101" pitchFamily="18" charset="-127"/>
               </a:rPr>
-              <a:t>주제</a:t>
-            </a:r>
-            <a:endParaRPr kumimoji="0" lang="ko-KR" altLang="en-US" sz="2800" b="1" i="0" u="none" strike="noStrike" kern="1200" cap="none" spc="-150" normalizeH="0" baseline="0" noProof="0" dirty="0">
-              <a:ln>
-                <a:noFill/>
-              </a:ln>
-              <a:solidFill>
-                <a:prstClr val="white"/>
-              </a:solidFill>
-              <a:effectLst/>
-              <a:uLnTx/>
-              <a:uFillTx/>
-              <a:latin typeface="Rix비타민 M" panose="02020603020101020101" pitchFamily="18" charset="-127"/>
-              <a:ea typeface="Rix비타민 M" panose="02020603020101020101" pitchFamily="18" charset="-127"/>
-            </a:endParaRPr>
+              <a:t>논문 주제</a:t>
+            </a:r>
           </a:p>
         </p:txBody>
       </p:sp>

--- a/Doc/주제 선정 및 시장 조사_19.03.19/졸업논문 주제_임광효_김준영_2.pptx
+++ b/Doc/주제 선정 및 시장 조사_19.03.19/졸업논문 주제_임광효_김준영_2.pptx
@@ -27,15 +27,15 @@
   <p:notesSz cx="6858000" cy="9144000"/>
   <p:embeddedFontLst>
     <p:embeddedFont>
-      <p:font typeface="Rix비타민 L" panose="02020603020101020101" pitchFamily="18" charset="-127"/>
+      <p:font typeface="HY헤드라인M" panose="02030600000101010101" pitchFamily="18" charset="-127"/>
       <p:regular r:id="rId17"/>
     </p:embeddedFont>
     <p:embeddedFont>
-      <p:font typeface="Rix비타민 M" panose="02020603020101020101" pitchFamily="18" charset="-127"/>
+      <p:font typeface="Rix비타민 L" panose="02020603020101020101" pitchFamily="18" charset="-127"/>
       <p:regular r:id="rId18"/>
     </p:embeddedFont>
     <p:embeddedFont>
-      <p:font typeface="HY헤드라인M" panose="02030600000101010101" pitchFamily="18" charset="-127"/>
+      <p:font typeface="Rix비타민 M" panose="02020603020101020101" pitchFamily="18" charset="-127"/>
       <p:regular r:id="rId19"/>
     </p:embeddedFont>
     <p:embeddedFont>
@@ -6084,9 +6084,9 @@
           </a:bodyPr>
           <a:lstStyle/>
           <a:p>
-            <a:pPr algn="dist"/>
-            <a:r>
-              <a:rPr lang="ko-KR" altLang="en-US" sz="5000" b="1" dirty="0">
+            <a:pPr algn="ctr"/>
+            <a:r>
+              <a:rPr lang="en-US" altLang="ko-KR" sz="5000" b="1" dirty="0">
                 <a:solidFill>
                   <a:schemeClr val="tx2">
                     <a:lumMod val="50000"/>
@@ -6095,7 +6095,19 @@
                 <a:latin typeface="Rix비타민 L" panose="02020603020101020101" pitchFamily="18" charset="-127"/>
                 <a:ea typeface="Rix비타민 L" panose="02020603020101020101" pitchFamily="18" charset="-127"/>
               </a:rPr>
-              <a:t>졸업논문주제 </a:t>
+              <a:t>CNN</a:t>
+            </a:r>
+            <a:r>
+              <a:rPr lang="ko-KR" altLang="en-US" sz="5000" b="1" dirty="0">
+                <a:solidFill>
+                  <a:schemeClr val="tx2">
+                    <a:lumMod val="50000"/>
+                  </a:schemeClr>
+                </a:solidFill>
+                <a:latin typeface="Rix비타민 L" panose="02020603020101020101" pitchFamily="18" charset="-127"/>
+                <a:ea typeface="Rix비타민 L" panose="02020603020101020101" pitchFamily="18" charset="-127"/>
+              </a:rPr>
+              <a:t>을 이용한 차종 판별 </a:t>
             </a:r>
             <a:endParaRPr lang="en-US" altLang="ko-KR" sz="5000" b="1" dirty="0">
               <a:solidFill>
@@ -6108,7 +6120,7 @@
             </a:endParaRPr>
           </a:p>
           <a:p>
-            <a:pPr algn="dist"/>
+            <a:pPr algn="ctr"/>
             <a:r>
               <a:rPr lang="ko-KR" altLang="en-US" sz="5000" b="1" dirty="0">
                 <a:solidFill>
@@ -6119,7 +6131,7 @@
                 <a:latin typeface="Rix비타민 L" panose="02020603020101020101" pitchFamily="18" charset="-127"/>
                 <a:ea typeface="Rix비타민 L" panose="02020603020101020101" pitchFamily="18" charset="-127"/>
               </a:rPr>
-              <a:t>제안서발표</a:t>
+              <a:t>및 자세 인식</a:t>
             </a:r>
             <a:endParaRPr lang="en-US" altLang="ko-KR" sz="5000" b="1" dirty="0">
               <a:solidFill>
@@ -6148,7 +6160,7 @@
         <p:spPr>
           <a:xfrm>
             <a:off x="4067944" y="4293096"/>
-            <a:ext cx="4734272" cy="1374094"/>
+            <a:ext cx="4734272" cy="2228559"/>
           </a:xfrm>
           <a:prstGeom prst="rect">
             <a:avLst/>
@@ -6166,7 +6178,7 @@
               </a:lnSpc>
             </a:pPr>
             <a:r>
-              <a:rPr lang="en-US" altLang="ko-KR" kern="0" dirty="0">
+              <a:rPr lang="en-US" altLang="ko-KR" sz="3000" kern="0" dirty="0">
                 <a:solidFill>
                   <a:schemeClr val="bg1"/>
                 </a:solidFill>
@@ -6183,7 +6195,7 @@
               </a:lnSpc>
             </a:pPr>
             <a:r>
-              <a:rPr lang="en-US" altLang="ko-KR" kern="0" dirty="0">
+              <a:rPr lang="en-US" altLang="ko-KR" sz="3000" kern="0" dirty="0">
                 <a:solidFill>
                   <a:schemeClr val="bg1"/>
                 </a:solidFill>
@@ -6193,7 +6205,7 @@
               <a:t>201402750 </a:t>
             </a:r>
             <a:r>
-              <a:rPr lang="ko-KR" altLang="en-US" kern="0" dirty="0" err="1">
+              <a:rPr lang="ko-KR" altLang="en-US" sz="3000" kern="0" dirty="0" err="1">
                 <a:solidFill>
                   <a:schemeClr val="bg1"/>
                 </a:solidFill>
@@ -6202,7 +6214,7 @@
               </a:rPr>
               <a:t>임광효</a:t>
             </a:r>
-            <a:endParaRPr lang="en-US" altLang="ko-KR" kern="0" dirty="0">
+            <a:endParaRPr lang="en-US" altLang="ko-KR" sz="3000" kern="0" dirty="0">
               <a:solidFill>
                 <a:schemeClr val="bg1"/>
               </a:solidFill>
@@ -6217,7 +6229,7 @@
               </a:lnSpc>
             </a:pPr>
             <a:r>
-              <a:rPr lang="en-US" altLang="ko-KR" kern="0" spc="0" dirty="0">
+              <a:rPr lang="en-US" altLang="ko-KR" sz="3000" kern="0" spc="0" dirty="0">
                 <a:solidFill>
                   <a:schemeClr val="bg1"/>
                 </a:solidFill>
@@ -6228,7 +6240,7 @@
               <a:t>201600784 </a:t>
             </a:r>
             <a:r>
-              <a:rPr lang="ko-KR" altLang="en-US" kern="0" spc="0" dirty="0">
+              <a:rPr lang="ko-KR" altLang="en-US" sz="3000" kern="0" spc="0" dirty="0">
                 <a:solidFill>
                   <a:schemeClr val="bg1"/>
                 </a:solidFill>
@@ -16021,7 +16033,7 @@
         <p:spPr>
           <a:xfrm>
             <a:off x="185415" y="1718874"/>
-            <a:ext cx="8991165" cy="3323987"/>
+            <a:ext cx="8991165" cy="4016484"/>
           </a:xfrm>
           <a:prstGeom prst="rect">
             <a:avLst/>
@@ -16040,13 +16052,40 @@
             </a:pPr>
             <a:r>
               <a:rPr lang="en-US" altLang="ko-KR" sz="2500" dirty="0"/>
-              <a:t>Open source Image dataset</a:t>
+              <a:t>Open source Image dataset(Stanford Cars Dataset)</a:t>
             </a:r>
             <a:r>
               <a:rPr lang="ko-KR" altLang="en-US" sz="2500" dirty="0"/>
               <a:t>을 지정한 차종에 따라 분류</a:t>
             </a:r>
             <a:endParaRPr lang="en-US" altLang="ko-KR" sz="2500" dirty="0"/>
+          </a:p>
+          <a:p>
+            <a:pPr marL="800100" lvl="1" indent="-342900">
+              <a:buFont typeface="Arial" panose="020B0604020202020204" pitchFamily="34" charset="0"/>
+              <a:buChar char="•"/>
+            </a:pPr>
+            <a:r>
+              <a:rPr lang="en-US" altLang="ko-KR" sz="2000" dirty="0"/>
+              <a:t>600x600 </a:t>
+            </a:r>
+            <a:r>
+              <a:rPr lang="ko-KR" altLang="en-US" sz="2000" dirty="0"/>
+              <a:t>해상도의 </a:t>
+            </a:r>
+            <a:r>
+              <a:rPr lang="en-US" altLang="ko-KR" sz="2000" dirty="0"/>
+              <a:t>8</a:t>
+            </a:r>
+            <a:r>
+              <a:rPr lang="ko-KR" altLang="en-US" sz="2000" dirty="0" err="1"/>
+              <a:t>천여개</a:t>
+            </a:r>
+            <a:r>
+              <a:rPr lang="ko-KR" altLang="en-US" sz="2000" dirty="0"/>
+              <a:t> 이미지를 분류</a:t>
+            </a:r>
+            <a:endParaRPr lang="en-US" altLang="ko-KR" sz="2000" dirty="0"/>
           </a:p>
           <a:p>
             <a:pPr marL="800100" lvl="1" indent="-342900">
@@ -16172,7 +16211,7 @@
         </p:nvSpPr>
         <p:spPr>
           <a:xfrm>
-            <a:off x="109470" y="5455865"/>
+            <a:off x="105534" y="5560294"/>
             <a:ext cx="8853051" cy="523220"/>
           </a:xfrm>
           <a:prstGeom prst="rect">

--- a/Doc/주제 선정 및 시장 조사_19.03.19/졸업논문 주제_임광효_김준영_2.pptx
+++ b/Doc/주제 선정 및 시장 조사_19.03.19/졸업논문 주제_임광효_김준영_2.pptx
@@ -6494,7 +6494,7 @@
                 <a:ea typeface="HY헤드라인M" pitchFamily="18" charset="-127"/>
                 <a:cs typeface="+mn-cs"/>
               </a:rPr>
-              <a:t>03</a:t>
+              <a:t>02</a:t>
             </a:r>
             <a:endParaRPr kumimoji="0" lang="ko-KR" altLang="en-US" sz="2400" b="0" i="0" u="none" strike="noStrike" kern="1200" cap="none" spc="0" normalizeH="0" baseline="0" noProof="0" dirty="0">
               <a:ln>
@@ -9368,7 +9368,7 @@
                 <a:ea typeface="HY헤드라인M" pitchFamily="18" charset="-127"/>
                 <a:cs typeface="+mn-cs"/>
               </a:rPr>
-              <a:t>05</a:t>
+              <a:t>04</a:t>
             </a:r>
             <a:endParaRPr kumimoji="0" lang="ko-KR" altLang="en-US" sz="2400" b="0" i="0" u="none" strike="noStrike" kern="1200" cap="none" spc="0" normalizeH="0" baseline="0" noProof="0" dirty="0">
               <a:ln>
@@ -13725,7 +13725,7 @@
                 <a:ea typeface="HY헤드라인M" pitchFamily="18" charset="-127"/>
                 <a:cs typeface="+mn-cs"/>
               </a:rPr>
-              <a:t>01</a:t>
+              <a:t>02</a:t>
             </a:r>
             <a:endParaRPr kumimoji="0" lang="ko-KR" altLang="en-US" sz="2400" b="0" i="0" u="none" strike="noStrike" kern="1200" cap="none" spc="0" normalizeH="0" baseline="0" noProof="0" dirty="0">
               <a:ln>
@@ -14477,7 +14477,7 @@
                 <a:ea typeface="HY헤드라인M" pitchFamily="18" charset="-127"/>
                 <a:cs typeface="+mn-cs"/>
               </a:rPr>
-              <a:t>01</a:t>
+              <a:t>02</a:t>
             </a:r>
             <a:endParaRPr kumimoji="0" lang="ko-KR" altLang="en-US" sz="2400" b="0" i="0" u="none" strike="noStrike" kern="1200" cap="none" spc="0" normalizeH="0" baseline="0" noProof="0" dirty="0">
               <a:ln>
@@ -14965,7 +14965,7 @@
                 <a:latin typeface="HY헤드라인M" pitchFamily="18" charset="-127"/>
                 <a:ea typeface="HY헤드라인M" pitchFamily="18" charset="-127"/>
               </a:rPr>
-              <a:t>03</a:t>
+              <a:t>02</a:t>
             </a:r>
             <a:endParaRPr kumimoji="0" lang="ko-KR" altLang="en-US" sz="2400" b="0" i="0" u="none" strike="noStrike" kern="1200" cap="none" spc="0" normalizeH="0" baseline="0" noProof="0" dirty="0">
               <a:ln>
@@ -15954,7 +15954,7 @@
                 <a:latin typeface="HY헤드라인M" pitchFamily="18" charset="-127"/>
                 <a:ea typeface="HY헤드라인M" pitchFamily="18" charset="-127"/>
               </a:rPr>
-              <a:t>03</a:t>
+              <a:t>02</a:t>
             </a:r>
             <a:endParaRPr kumimoji="0" lang="ko-KR" altLang="en-US" sz="2400" b="0" i="0" u="none" strike="noStrike" kern="1200" cap="none" spc="0" normalizeH="0" baseline="0" noProof="0" dirty="0">
               <a:ln>
@@ -16624,7 +16624,7 @@
                 <a:ea typeface="HY헤드라인M" pitchFamily="18" charset="-127"/>
                 <a:cs typeface="+mn-cs"/>
               </a:rPr>
-              <a:t>05</a:t>
+              <a:t>02</a:t>
             </a:r>
             <a:endParaRPr kumimoji="0" lang="ko-KR" altLang="en-US" sz="2400" b="0" i="0" u="none" strike="noStrike" kern="1200" cap="none" spc="0" normalizeH="0" baseline="0" noProof="0" dirty="0">
               <a:ln>
